--- a/doc/plan.pptx
+++ b/doc/plan.pptx
@@ -18,6 +18,7 @@
     <p:sldId id="266" r:id="rId12"/>
     <p:sldId id="267" r:id="rId13"/>
     <p:sldId id="268" r:id="rId14"/>
+    <p:sldId id="269" r:id="rId15"/>
   </p:sldIdLst>
   <p:sldSz cx="12192000" cy="6858000"/>
   <p:notesSz cx="6858000" cy="9144000"/>
@@ -5138,8 +5139,13 @@
           <a:p>
             <a:r>
               <a:rPr lang="en-US" dirty="0"/>
-              <a:t>When a node receives some data, the delivery rate, the channel, and the queue all together works. First the data is push to the queue, then delivery rate decides packets it can process.</a:t>
-            </a:r>
+              <a:t>When a node receives some data, the delivery rate, the channel, and the queue all together works. First, the data is push to the queue, then delivery rate decides packets it can process. Next, for each outgoing packet, it removes the packet from the queue, adds a delay to the packet and schedules delivery to the next node (found from the path), and puts into </a:t>
+            </a:r>
+            <a:r>
+              <a:rPr lang="en-US"/>
+              <a:t>the channel/pipe.</a:t>
+            </a:r>
+            <a:endParaRPr lang="en-US" dirty="0"/>
           </a:p>
         </p:txBody>
       </p:sp>
@@ -5298,6 +5304,86 @@
     <p:extLst>
       <p:ext uri="{BB962C8B-B14F-4D97-AF65-F5344CB8AC3E}">
         <p14:creationId xmlns:p14="http://schemas.microsoft.com/office/powerpoint/2010/main" val="415507606"/>
+      </p:ext>
+    </p:extLst>
+  </p:cSld>
+  <p:clrMapOvr>
+    <a:masterClrMapping/>
+  </p:clrMapOvr>
+</p:sld>
+</file>
+
+<file path=ppt/slides/slide14.xml><?xml version="1.0" encoding="utf-8"?>
+<p:sld xmlns:a="http://schemas.openxmlformats.org/drawingml/2006/main" xmlns:r="http://schemas.openxmlformats.org/officeDocument/2006/relationships" xmlns:p="http://schemas.openxmlformats.org/presentationml/2006/main">
+  <p:cSld>
+    <p:spTree>
+      <p:nvGrpSpPr>
+        <p:cNvPr id="1" name=""/>
+        <p:cNvGrpSpPr/>
+        <p:nvPr/>
+      </p:nvGrpSpPr>
+      <p:grpSpPr>
+        <a:xfrm>
+          <a:off x="0" y="0"/>
+          <a:ext cx="0" cy="0"/>
+          <a:chOff x="0" y="0"/>
+          <a:chExt cx="0" cy="0"/>
+        </a:xfrm>
+      </p:grpSpPr>
+      <p:sp>
+        <p:nvSpPr>
+          <p:cNvPr id="2" name="Title 1">
+            <a:extLst>
+              <a:ext uri="{FF2B5EF4-FFF2-40B4-BE49-F238E27FC236}">
+                <a16:creationId xmlns:a16="http://schemas.microsoft.com/office/drawing/2014/main" id="{B58F80F1-CE84-45BD-8557-F2E7403E86E9}"/>
+              </a:ext>
+            </a:extLst>
+          </p:cNvPr>
+          <p:cNvSpPr>
+            <a:spLocks noGrp="1"/>
+          </p:cNvSpPr>
+          <p:nvPr>
+            <p:ph type="title"/>
+          </p:nvPr>
+        </p:nvSpPr>
+        <p:spPr/>
+        <p:txBody>
+          <a:bodyPr/>
+          <a:lstStyle/>
+          <a:p>
+            <a:endParaRPr lang="en-US"/>
+          </a:p>
+        </p:txBody>
+      </p:sp>
+      <p:sp>
+        <p:nvSpPr>
+          <p:cNvPr id="3" name="Content Placeholder 2">
+            <a:extLst>
+              <a:ext uri="{FF2B5EF4-FFF2-40B4-BE49-F238E27FC236}">
+                <a16:creationId xmlns:a16="http://schemas.microsoft.com/office/drawing/2014/main" id="{E5289360-FFD8-411F-94C9-DC7B62109F91}"/>
+              </a:ext>
+            </a:extLst>
+          </p:cNvPr>
+          <p:cNvSpPr>
+            <a:spLocks noGrp="1"/>
+          </p:cNvSpPr>
+          <p:nvPr>
+            <p:ph idx="1"/>
+          </p:nvPr>
+        </p:nvSpPr>
+        <p:spPr/>
+        <p:txBody>
+          <a:bodyPr/>
+          <a:lstStyle/>
+          <a:p>
+            <a:endParaRPr lang="en-US"/>
+          </a:p>
+        </p:txBody>
+      </p:sp>
+    </p:spTree>
+    <p:extLst>
+      <p:ext uri="{BB962C8B-B14F-4D97-AF65-F5344CB8AC3E}">
+        <p14:creationId xmlns:p14="http://schemas.microsoft.com/office/powerpoint/2010/main" val="2556314694"/>
       </p:ext>
     </p:extLst>
   </p:cSld>

--- a/doc/plan.pptx
+++ b/doc/plan.pptx
@@ -272,7 +272,7 @@
           <a:p>
             <a:fld id="{2EE5EF10-3D11-419F-A8C1-99878D53651A}" type="datetimeFigureOut">
               <a:rPr lang="en-US" smtClean="0"/>
-              <a:t>2/21/2021</a:t>
+              <a:t>2/22/2021</a:t>
             </a:fld>
             <a:endParaRPr lang="en-US"/>
           </a:p>
@@ -470,7 +470,7 @@
           <a:p>
             <a:fld id="{2EE5EF10-3D11-419F-A8C1-99878D53651A}" type="datetimeFigureOut">
               <a:rPr lang="en-US" smtClean="0"/>
-              <a:t>2/21/2021</a:t>
+              <a:t>2/22/2021</a:t>
             </a:fld>
             <a:endParaRPr lang="en-US"/>
           </a:p>
@@ -678,7 +678,7 @@
           <a:p>
             <a:fld id="{2EE5EF10-3D11-419F-A8C1-99878D53651A}" type="datetimeFigureOut">
               <a:rPr lang="en-US" smtClean="0"/>
-              <a:t>2/21/2021</a:t>
+              <a:t>2/22/2021</a:t>
             </a:fld>
             <a:endParaRPr lang="en-US"/>
           </a:p>
@@ -876,7 +876,7 @@
           <a:p>
             <a:fld id="{2EE5EF10-3D11-419F-A8C1-99878D53651A}" type="datetimeFigureOut">
               <a:rPr lang="en-US" smtClean="0"/>
-              <a:t>2/21/2021</a:t>
+              <a:t>2/22/2021</a:t>
             </a:fld>
             <a:endParaRPr lang="en-US"/>
           </a:p>
@@ -1151,7 +1151,7 @@
           <a:p>
             <a:fld id="{2EE5EF10-3D11-419F-A8C1-99878D53651A}" type="datetimeFigureOut">
               <a:rPr lang="en-US" smtClean="0"/>
-              <a:t>2/21/2021</a:t>
+              <a:t>2/22/2021</a:t>
             </a:fld>
             <a:endParaRPr lang="en-US"/>
           </a:p>
@@ -1416,7 +1416,7 @@
           <a:p>
             <a:fld id="{2EE5EF10-3D11-419F-A8C1-99878D53651A}" type="datetimeFigureOut">
               <a:rPr lang="en-US" smtClean="0"/>
-              <a:t>2/21/2021</a:t>
+              <a:t>2/22/2021</a:t>
             </a:fld>
             <a:endParaRPr lang="en-US"/>
           </a:p>
@@ -1828,7 +1828,7 @@
           <a:p>
             <a:fld id="{2EE5EF10-3D11-419F-A8C1-99878D53651A}" type="datetimeFigureOut">
               <a:rPr lang="en-US" smtClean="0"/>
-              <a:t>2/21/2021</a:t>
+              <a:t>2/22/2021</a:t>
             </a:fld>
             <a:endParaRPr lang="en-US"/>
           </a:p>
@@ -1969,7 +1969,7 @@
           <a:p>
             <a:fld id="{2EE5EF10-3D11-419F-A8C1-99878D53651A}" type="datetimeFigureOut">
               <a:rPr lang="en-US" smtClean="0"/>
-              <a:t>2/21/2021</a:t>
+              <a:t>2/22/2021</a:t>
             </a:fld>
             <a:endParaRPr lang="en-US"/>
           </a:p>
@@ -2082,7 +2082,7 @@
           <a:p>
             <a:fld id="{2EE5EF10-3D11-419F-A8C1-99878D53651A}" type="datetimeFigureOut">
               <a:rPr lang="en-US" smtClean="0"/>
-              <a:t>2/21/2021</a:t>
+              <a:t>2/22/2021</a:t>
             </a:fld>
             <a:endParaRPr lang="en-US"/>
           </a:p>
@@ -2393,7 +2393,7 @@
           <a:p>
             <a:fld id="{2EE5EF10-3D11-419F-A8C1-99878D53651A}" type="datetimeFigureOut">
               <a:rPr lang="en-US" smtClean="0"/>
-              <a:t>2/21/2021</a:t>
+              <a:t>2/22/2021</a:t>
             </a:fld>
             <a:endParaRPr lang="en-US"/>
           </a:p>
@@ -2681,7 +2681,7 @@
           <a:p>
             <a:fld id="{2EE5EF10-3D11-419F-A8C1-99878D53651A}" type="datetimeFigureOut">
               <a:rPr lang="en-US" smtClean="0"/>
-              <a:t>2/21/2021</a:t>
+              <a:t>2/22/2021</a:t>
             </a:fld>
             <a:endParaRPr lang="en-US"/>
           </a:p>
@@ -2922,7 +2922,7 @@
           <a:p>
             <a:fld id="{2EE5EF10-3D11-419F-A8C1-99878D53651A}" type="datetimeFigureOut">
               <a:rPr lang="en-US" smtClean="0"/>
-              <a:t>2/21/2021</a:t>
+              <a:t>2/22/2021</a:t>
             </a:fld>
             <a:endParaRPr lang="en-US"/>
           </a:p>
@@ -5128,7 +5128,9 @@
         </p:nvSpPr>
         <p:spPr/>
         <p:txBody>
-          <a:bodyPr/>
+          <a:bodyPr>
+            <a:normAutofit lnSpcReduction="10000"/>
+          </a:bodyPr>
           <a:lstStyle/>
           <a:p>
             <a:r>
@@ -5139,11 +5141,17 @@
           <a:p>
             <a:r>
               <a:rPr lang="en-US" dirty="0"/>
-              <a:t>When a node receives some data, the delivery rate, the channel, and the queue all together works. First, the data is push to the queue, then delivery rate decides packets it can process. Next, for each outgoing packet, it removes the packet from the queue, adds a delay to the packet and schedules delivery to the next node (found from the path), and puts into </a:t>
+              <a:t>When a node receives some data, the delivery rate, the channel, and the queue all together works. First, the data is push to the queue, then delivery rate decides packets it can process. Next, for each outgoing packet, it removes the packet from the queue, adds a delay to the packet and schedules delivery to the next node (found from the path), and puts into the channel/pipe.</a:t>
+            </a:r>
+          </a:p>
+          <a:p>
+            <a:r>
+              <a:rPr lang="en-US" dirty="0"/>
+              <a:t>Path has a client, and nodes. The last node acts as the server. Server has no running thread. When it receives packets, it </a:t>
             </a:r>
             <a:r>
               <a:rPr lang="en-US"/>
-              <a:t>the channel/pipe.</a:t>
+              <a:t>immediately acknowledges the packets.</a:t>
             </a:r>
             <a:endParaRPr lang="en-US" dirty="0"/>
           </a:p>

--- a/doc/plan.pptx
+++ b/doc/plan.pptx
@@ -19,6 +19,7 @@
     <p:sldId id="267" r:id="rId13"/>
     <p:sldId id="268" r:id="rId14"/>
     <p:sldId id="269" r:id="rId15"/>
+    <p:sldId id="270" r:id="rId16"/>
   </p:sldIdLst>
   <p:sldSz cx="12192000" cy="6858000"/>
   <p:notesSz cx="6858000" cy="9144000"/>
@@ -5147,13 +5148,8 @@
           <a:p>
             <a:r>
               <a:rPr lang="en-US" dirty="0"/>
-              <a:t>Path has a client, and nodes. The last node acts as the server. Server has no running thread. When it receives packets, it </a:t>
-            </a:r>
-            <a:r>
-              <a:rPr lang="en-US"/>
-              <a:t>immediately acknowledges the packets.</a:t>
-            </a:r>
-            <a:endParaRPr lang="en-US" dirty="0"/>
+              <a:t>Path has a client, and nodes. The last node acts as the server. Server has no running thread. When it receives packets, it immediately acknowledges the packets.</a:t>
+            </a:r>
           </a:p>
         </p:txBody>
       </p:sp>
@@ -5210,7 +5206,7 @@
           <a:p>
             <a:r>
               <a:rPr lang="en-US" dirty="0"/>
-              <a:t>Simulation </a:t>
+              <a:t>Uncontrolled Simulation </a:t>
             </a:r>
           </a:p>
         </p:txBody>
@@ -5233,8 +5229,16 @@
         </p:nvSpPr>
         <p:spPr/>
         <p:txBody>
-          <a:bodyPr/>
+          <a:bodyPr>
+            <a:normAutofit lnSpcReduction="10000"/>
+          </a:bodyPr>
           <a:lstStyle/>
+          <a:p>
+            <a:r>
+              <a:rPr lang="en-US" dirty="0"/>
+              <a:t>Each node, client, and server has their own threads and runs asynchronously. </a:t>
+            </a:r>
+          </a:p>
           <a:p>
             <a:r>
               <a:rPr lang="en-US" dirty="0"/>
@@ -5359,7 +5363,10 @@
           <a:bodyPr/>
           <a:lstStyle/>
           <a:p>
-            <a:endParaRPr lang="en-US"/>
+            <a:r>
+              <a:rPr lang="en-US" dirty="0"/>
+              <a:t>Controlled Simulation</a:t>
+            </a:r>
           </a:p>
         </p:txBody>
       </p:sp>
@@ -5384,7 +5391,10 @@
           <a:bodyPr/>
           <a:lstStyle/>
           <a:p>
-            <a:endParaRPr lang="en-US"/>
+            <a:r>
+              <a:rPr lang="en-US" dirty="0"/>
+              <a:t>Simulation algorithm ensures all the nodes, clients and server runs based on synchronized time-steps. All the calculations for a timestep must be completed before the next timestep begins.</a:t>
+            </a:r>
           </a:p>
         </p:txBody>
       </p:sp>
@@ -5392,6 +5402,614 @@
     <p:extLst>
       <p:ext uri="{BB962C8B-B14F-4D97-AF65-F5344CB8AC3E}">
         <p14:creationId xmlns:p14="http://schemas.microsoft.com/office/powerpoint/2010/main" val="2556314694"/>
+      </p:ext>
+    </p:extLst>
+  </p:cSld>
+  <p:clrMapOvr>
+    <a:masterClrMapping/>
+  </p:clrMapOvr>
+</p:sld>
+</file>
+
+<file path=ppt/slides/slide15.xml><?xml version="1.0" encoding="utf-8"?>
+<p:sld xmlns:a="http://schemas.openxmlformats.org/drawingml/2006/main" xmlns:r="http://schemas.openxmlformats.org/officeDocument/2006/relationships" xmlns:p="http://schemas.openxmlformats.org/presentationml/2006/main">
+  <p:cSld>
+    <p:spTree>
+      <p:nvGrpSpPr>
+        <p:cNvPr id="1" name=""/>
+        <p:cNvGrpSpPr/>
+        <p:nvPr/>
+      </p:nvGrpSpPr>
+      <p:grpSpPr>
+        <a:xfrm>
+          <a:off x="0" y="0"/>
+          <a:ext cx="0" cy="0"/>
+          <a:chOff x="0" y="0"/>
+          <a:chExt cx="0" cy="0"/>
+        </a:xfrm>
+      </p:grpSpPr>
+      <p:sp>
+        <p:nvSpPr>
+          <p:cNvPr id="2" name="Title 1">
+            <a:extLst>
+              <a:ext uri="{FF2B5EF4-FFF2-40B4-BE49-F238E27FC236}">
+                <a16:creationId xmlns:a16="http://schemas.microsoft.com/office/drawing/2014/main" id="{D654DDFE-8797-4BF9-94BB-67E7381177A9}"/>
+              </a:ext>
+            </a:extLst>
+          </p:cNvPr>
+          <p:cNvSpPr>
+            <a:spLocks noGrp="1"/>
+          </p:cNvSpPr>
+          <p:nvPr>
+            <p:ph type="title"/>
+          </p:nvPr>
+        </p:nvSpPr>
+        <p:spPr/>
+        <p:txBody>
+          <a:bodyPr/>
+          <a:lstStyle/>
+          <a:p>
+            <a:r>
+              <a:rPr lang="en-US" dirty="0"/>
+              <a:t>Delivery mechanism</a:t>
+            </a:r>
+          </a:p>
+        </p:txBody>
+      </p:sp>
+      <p:sp>
+        <p:nvSpPr>
+          <p:cNvPr id="3" name="Content Placeholder 2">
+            <a:extLst>
+              <a:ext uri="{FF2B5EF4-FFF2-40B4-BE49-F238E27FC236}">
+                <a16:creationId xmlns:a16="http://schemas.microsoft.com/office/drawing/2014/main" id="{A7DE9BE2-E908-4A2A-8B30-BF0121953300}"/>
+              </a:ext>
+            </a:extLst>
+          </p:cNvPr>
+          <p:cNvSpPr>
+            <a:spLocks noGrp="1"/>
+          </p:cNvSpPr>
+          <p:nvPr>
+            <p:ph idx="1"/>
+          </p:nvPr>
+        </p:nvSpPr>
+        <p:spPr>
+          <a:xfrm>
+            <a:off x="838200" y="1825625"/>
+            <a:ext cx="5962095" cy="4351338"/>
+          </a:xfrm>
+        </p:spPr>
+        <p:txBody>
+          <a:bodyPr>
+            <a:normAutofit/>
+          </a:bodyPr>
+          <a:lstStyle/>
+          <a:p>
+            <a:r>
+              <a:rPr lang="en-US" sz="1400" dirty="0"/>
+              <a:t>A previous node calls </a:t>
+            </a:r>
+            <a:r>
+              <a:rPr lang="en-US" sz="1400" dirty="0" err="1"/>
+              <a:t>onIncomingPacket</a:t>
+            </a:r>
+            <a:r>
+              <a:rPr lang="en-US" sz="1400" dirty="0"/>
+              <a:t> of the next node to deliver the packet.</a:t>
+            </a:r>
+          </a:p>
+          <a:p>
+            <a:r>
+              <a:rPr lang="en-US" sz="1400" dirty="0"/>
+              <a:t>When a packet arrives at a node:</a:t>
+            </a:r>
+          </a:p>
+          <a:p>
+            <a:pPr lvl="1"/>
+            <a:r>
+              <a:rPr lang="en-US" sz="1400" dirty="0"/>
+              <a:t>It joins the queue</a:t>
+            </a:r>
+          </a:p>
+          <a:p>
+            <a:pPr lvl="1"/>
+            <a:r>
+              <a:rPr lang="en-US" sz="1400" dirty="0"/>
+              <a:t>Packets </a:t>
+            </a:r>
+            <a:r>
+              <a:rPr lang="en-US" sz="1400" dirty="0" err="1"/>
+              <a:t>curNode</a:t>
+            </a:r>
+            <a:r>
+              <a:rPr lang="en-US" sz="1400" dirty="0"/>
+              <a:t> and </a:t>
+            </a:r>
+            <a:r>
+              <a:rPr lang="en-US" sz="1400" dirty="0" err="1"/>
+              <a:t>nextNode</a:t>
+            </a:r>
+            <a:r>
+              <a:rPr lang="en-US" sz="1400" dirty="0"/>
+              <a:t> (using the path object) is updated</a:t>
+            </a:r>
+          </a:p>
+          <a:p>
+            <a:pPr lvl="1"/>
+            <a:r>
+              <a:rPr lang="en-US" sz="1400" dirty="0"/>
+              <a:t>Does nothing else.</a:t>
+            </a:r>
+          </a:p>
+          <a:p>
+            <a:pPr lvl="1"/>
+            <a:endParaRPr lang="en-US" sz="1400" dirty="0"/>
+          </a:p>
+          <a:p>
+            <a:r>
+              <a:rPr lang="en-US" sz="1400" dirty="0"/>
+              <a:t>On each simulation step:</a:t>
+            </a:r>
+          </a:p>
+          <a:p>
+            <a:pPr lvl="1"/>
+            <a:r>
+              <a:rPr lang="en-US" sz="1400" dirty="0"/>
+              <a:t>Put some packets from the queue to the pipe constraint by the delivery rate of the node.</a:t>
+            </a:r>
+          </a:p>
+          <a:p>
+            <a:pPr lvl="1"/>
+            <a:r>
+              <a:rPr lang="en-US" sz="1400" dirty="0"/>
+              <a:t>When a packet joins the pipe, its </a:t>
+            </a:r>
+            <a:r>
+              <a:rPr lang="en-US" sz="1400" dirty="0" err="1"/>
+              <a:t>nodeLeaveAt</a:t>
+            </a:r>
+            <a:r>
+              <a:rPr lang="en-US" sz="1400" dirty="0"/>
+              <a:t> is updated by the current timestep and delay of the transmission between </a:t>
+            </a:r>
+            <a:r>
+              <a:rPr lang="en-US" sz="1400" dirty="0" err="1"/>
+              <a:t>currentNode</a:t>
+            </a:r>
+            <a:r>
+              <a:rPr lang="en-US" sz="1400" dirty="0"/>
+              <a:t> and </a:t>
+            </a:r>
+            <a:r>
+              <a:rPr lang="en-US" sz="1400" dirty="0" err="1"/>
+              <a:t>destinationNode</a:t>
+            </a:r>
+            <a:r>
+              <a:rPr lang="en-US" sz="1400" dirty="0"/>
+              <a:t>.</a:t>
+            </a:r>
+          </a:p>
+          <a:p>
+            <a:pPr lvl="1"/>
+            <a:r>
+              <a:rPr lang="en-US" sz="1400" dirty="0"/>
+              <a:t>Remove packets from pipe, which have </a:t>
+            </a:r>
+            <a:r>
+              <a:rPr lang="en-US" sz="1400" dirty="0" err="1"/>
+              <a:t>nodeLeaveAt</a:t>
+            </a:r>
+            <a:r>
+              <a:rPr lang="en-US" sz="1400" dirty="0"/>
+              <a:t> is &lt;= timestep, and send to destination nodes </a:t>
+            </a:r>
+          </a:p>
+          <a:p>
+            <a:pPr lvl="1"/>
+            <a:endParaRPr lang="en-US" sz="1400" dirty="0"/>
+          </a:p>
+        </p:txBody>
+      </p:sp>
+      <p:grpSp>
+        <p:nvGrpSpPr>
+          <p:cNvPr id="4" name="Group 3">
+            <a:extLst>
+              <a:ext uri="{FF2B5EF4-FFF2-40B4-BE49-F238E27FC236}">
+                <a16:creationId xmlns:a16="http://schemas.microsoft.com/office/drawing/2014/main" id="{D65B9C6E-E39C-431E-B86E-3C6307DA93D3}"/>
+              </a:ext>
+            </a:extLst>
+          </p:cNvPr>
+          <p:cNvGrpSpPr/>
+          <p:nvPr/>
+        </p:nvGrpSpPr>
+        <p:grpSpPr>
+          <a:xfrm>
+            <a:off x="8955069" y="1825625"/>
+            <a:ext cx="1567543" cy="518300"/>
+            <a:chOff x="5874072" y="1759973"/>
+            <a:chExt cx="1567543" cy="518300"/>
+          </a:xfrm>
+        </p:grpSpPr>
+        <p:sp>
+          <p:nvSpPr>
+            <p:cNvPr id="5" name="Rectangle 4">
+              <a:extLst>
+                <a:ext uri="{FF2B5EF4-FFF2-40B4-BE49-F238E27FC236}">
+                  <a16:creationId xmlns:a16="http://schemas.microsoft.com/office/drawing/2014/main" id="{24D7D4A2-4C77-4E96-B529-0E8B7A993F8D}"/>
+                </a:ext>
+              </a:extLst>
+            </p:cNvPr>
+            <p:cNvSpPr/>
+            <p:nvPr/>
+          </p:nvSpPr>
+          <p:spPr>
+            <a:xfrm>
+              <a:off x="5928852" y="1835821"/>
+              <a:ext cx="210691" cy="366603"/>
+            </a:xfrm>
+            <a:prstGeom prst="rect">
+              <a:avLst/>
+            </a:prstGeom>
+          </p:spPr>
+          <p:style>
+            <a:lnRef idx="2">
+              <a:schemeClr val="accent5"/>
+            </a:lnRef>
+            <a:fillRef idx="1">
+              <a:schemeClr val="lt1"/>
+            </a:fillRef>
+            <a:effectRef idx="0">
+              <a:schemeClr val="accent5"/>
+            </a:effectRef>
+            <a:fontRef idx="minor">
+              <a:schemeClr val="dk1"/>
+            </a:fontRef>
+          </p:style>
+          <p:txBody>
+            <a:bodyPr rtlCol="0" anchor="ctr"/>
+            <a:lstStyle/>
+            <a:p>
+              <a:pPr algn="ctr"/>
+              <a:endParaRPr lang="en-US"/>
+            </a:p>
+          </p:txBody>
+        </p:sp>
+        <p:sp>
+          <p:nvSpPr>
+            <p:cNvPr id="6" name="Rectangle 5">
+              <a:extLst>
+                <a:ext uri="{FF2B5EF4-FFF2-40B4-BE49-F238E27FC236}">
+                  <a16:creationId xmlns:a16="http://schemas.microsoft.com/office/drawing/2014/main" id="{5852EA1D-8E25-4E7D-8B15-015B3F4D3B3B}"/>
+                </a:ext>
+              </a:extLst>
+            </p:cNvPr>
+            <p:cNvSpPr/>
+            <p:nvPr/>
+          </p:nvSpPr>
+          <p:spPr>
+            <a:xfrm>
+              <a:off x="6182384" y="1835821"/>
+              <a:ext cx="210691" cy="366603"/>
+            </a:xfrm>
+            <a:prstGeom prst="rect">
+              <a:avLst/>
+            </a:prstGeom>
+          </p:spPr>
+          <p:style>
+            <a:lnRef idx="2">
+              <a:schemeClr val="accent5"/>
+            </a:lnRef>
+            <a:fillRef idx="1">
+              <a:schemeClr val="lt1"/>
+            </a:fillRef>
+            <a:effectRef idx="0">
+              <a:schemeClr val="accent5"/>
+            </a:effectRef>
+            <a:fontRef idx="minor">
+              <a:schemeClr val="dk1"/>
+            </a:fontRef>
+          </p:style>
+          <p:txBody>
+            <a:bodyPr rtlCol="0" anchor="ctr"/>
+            <a:lstStyle/>
+            <a:p>
+              <a:pPr algn="ctr"/>
+              <a:endParaRPr lang="en-US"/>
+            </a:p>
+          </p:txBody>
+        </p:sp>
+        <p:sp>
+          <p:nvSpPr>
+            <p:cNvPr id="7" name="Rectangle 6">
+              <a:extLst>
+                <a:ext uri="{FF2B5EF4-FFF2-40B4-BE49-F238E27FC236}">
+                  <a16:creationId xmlns:a16="http://schemas.microsoft.com/office/drawing/2014/main" id="{9174242A-6E7E-4FCA-9B2E-B2FC955B56D9}"/>
+                </a:ext>
+              </a:extLst>
+            </p:cNvPr>
+            <p:cNvSpPr/>
+            <p:nvPr/>
+          </p:nvSpPr>
+          <p:spPr>
+            <a:xfrm>
+              <a:off x="6435916" y="1835820"/>
+              <a:ext cx="210691" cy="366603"/>
+            </a:xfrm>
+            <a:prstGeom prst="rect">
+              <a:avLst/>
+            </a:prstGeom>
+          </p:spPr>
+          <p:style>
+            <a:lnRef idx="2">
+              <a:schemeClr val="accent5"/>
+            </a:lnRef>
+            <a:fillRef idx="1">
+              <a:schemeClr val="lt1"/>
+            </a:fillRef>
+            <a:effectRef idx="0">
+              <a:schemeClr val="accent5"/>
+            </a:effectRef>
+            <a:fontRef idx="minor">
+              <a:schemeClr val="dk1"/>
+            </a:fontRef>
+          </p:style>
+          <p:txBody>
+            <a:bodyPr rtlCol="0" anchor="ctr"/>
+            <a:lstStyle/>
+            <a:p>
+              <a:pPr algn="ctr"/>
+              <a:endParaRPr lang="en-US"/>
+            </a:p>
+          </p:txBody>
+        </p:sp>
+        <p:sp>
+          <p:nvSpPr>
+            <p:cNvPr id="8" name="Arrow: Right 7">
+              <a:extLst>
+                <a:ext uri="{FF2B5EF4-FFF2-40B4-BE49-F238E27FC236}">
+                  <a16:creationId xmlns:a16="http://schemas.microsoft.com/office/drawing/2014/main" id="{A37D5CB8-F98F-43F3-A912-CAC0C34A3DC6}"/>
+                </a:ext>
+              </a:extLst>
+            </p:cNvPr>
+            <p:cNvSpPr/>
+            <p:nvPr/>
+          </p:nvSpPr>
+          <p:spPr>
+            <a:xfrm>
+              <a:off x="6702090" y="1966098"/>
+              <a:ext cx="632074" cy="106045"/>
+            </a:xfrm>
+            <a:prstGeom prst="rightArrow">
+              <a:avLst/>
+            </a:prstGeom>
+          </p:spPr>
+          <p:style>
+            <a:lnRef idx="2">
+              <a:schemeClr val="dk1">
+                <a:shade val="50000"/>
+              </a:schemeClr>
+            </a:lnRef>
+            <a:fillRef idx="1">
+              <a:schemeClr val="dk1"/>
+            </a:fillRef>
+            <a:effectRef idx="0">
+              <a:schemeClr val="dk1"/>
+            </a:effectRef>
+            <a:fontRef idx="minor">
+              <a:schemeClr val="lt1"/>
+            </a:fontRef>
+          </p:style>
+          <p:txBody>
+            <a:bodyPr rtlCol="0" anchor="ctr"/>
+            <a:lstStyle/>
+            <a:p>
+              <a:pPr algn="ctr"/>
+              <a:endParaRPr lang="en-US"/>
+            </a:p>
+          </p:txBody>
+        </p:sp>
+        <p:sp>
+          <p:nvSpPr>
+            <p:cNvPr id="9" name="Rectangle 8">
+              <a:extLst>
+                <a:ext uri="{FF2B5EF4-FFF2-40B4-BE49-F238E27FC236}">
+                  <a16:creationId xmlns:a16="http://schemas.microsoft.com/office/drawing/2014/main" id="{BC2C224A-F386-46AE-8445-BA441CF7B9BC}"/>
+                </a:ext>
+              </a:extLst>
+            </p:cNvPr>
+            <p:cNvSpPr/>
+            <p:nvPr/>
+          </p:nvSpPr>
+          <p:spPr>
+            <a:xfrm>
+              <a:off x="5874072" y="1759973"/>
+              <a:ext cx="1567543" cy="518300"/>
+            </a:xfrm>
+            <a:prstGeom prst="rect">
+              <a:avLst/>
+            </a:prstGeom>
+            <a:noFill/>
+          </p:spPr>
+          <p:style>
+            <a:lnRef idx="2">
+              <a:schemeClr val="accent5"/>
+            </a:lnRef>
+            <a:fillRef idx="1">
+              <a:schemeClr val="lt1"/>
+            </a:fillRef>
+            <a:effectRef idx="0">
+              <a:schemeClr val="accent5"/>
+            </a:effectRef>
+            <a:fontRef idx="minor">
+              <a:schemeClr val="dk1"/>
+            </a:fontRef>
+          </p:style>
+          <p:txBody>
+            <a:bodyPr rtlCol="0" anchor="ctr"/>
+            <a:lstStyle/>
+            <a:p>
+              <a:pPr algn="ctr"/>
+              <a:endParaRPr lang="en-US"/>
+            </a:p>
+          </p:txBody>
+        </p:sp>
+      </p:grpSp>
+      <p:sp>
+        <p:nvSpPr>
+          <p:cNvPr id="10" name="TextBox 9">
+            <a:extLst>
+              <a:ext uri="{FF2B5EF4-FFF2-40B4-BE49-F238E27FC236}">
+                <a16:creationId xmlns:a16="http://schemas.microsoft.com/office/drawing/2014/main" id="{F524F74C-1787-4AF5-8D0E-3DB2EE4A5660}"/>
+              </a:ext>
+            </a:extLst>
+          </p:cNvPr>
+          <p:cNvSpPr txBox="1"/>
+          <p:nvPr/>
+        </p:nvSpPr>
+        <p:spPr>
+          <a:xfrm>
+            <a:off x="8167456" y="1027906"/>
+            <a:ext cx="1074198" cy="369332"/>
+          </a:xfrm>
+          <a:prstGeom prst="rect">
+            <a:avLst/>
+          </a:prstGeom>
+          <a:noFill/>
+        </p:spPr>
+        <p:txBody>
+          <a:bodyPr wrap="square" rtlCol="0">
+            <a:spAutoFit/>
+          </a:bodyPr>
+          <a:lstStyle/>
+          <a:p>
+            <a:r>
+              <a:rPr lang="en-US" dirty="0"/>
+              <a:t>queue</a:t>
+            </a:r>
+          </a:p>
+        </p:txBody>
+      </p:sp>
+      <p:sp>
+        <p:nvSpPr>
+          <p:cNvPr id="11" name="TextBox 10">
+            <a:extLst>
+              <a:ext uri="{FF2B5EF4-FFF2-40B4-BE49-F238E27FC236}">
+                <a16:creationId xmlns:a16="http://schemas.microsoft.com/office/drawing/2014/main" id="{EA294256-5526-42F1-9AB3-7D5D9FC38219}"/>
+              </a:ext>
+            </a:extLst>
+          </p:cNvPr>
+          <p:cNvSpPr txBox="1"/>
+          <p:nvPr/>
+        </p:nvSpPr>
+        <p:spPr>
+          <a:xfrm>
+            <a:off x="10099124" y="1018604"/>
+            <a:ext cx="1468480" cy="369332"/>
+          </a:xfrm>
+          <a:prstGeom prst="rect">
+            <a:avLst/>
+          </a:prstGeom>
+          <a:noFill/>
+        </p:spPr>
+        <p:txBody>
+          <a:bodyPr wrap="square" rtlCol="0">
+            <a:spAutoFit/>
+          </a:bodyPr>
+          <a:lstStyle/>
+          <a:p>
+            <a:r>
+              <a:rPr lang="en-US" dirty="0"/>
+              <a:t>Pipe/wire</a:t>
+            </a:r>
+          </a:p>
+        </p:txBody>
+      </p:sp>
+      <p:cxnSp>
+        <p:nvCxnSpPr>
+          <p:cNvPr id="13" name="Straight Arrow Connector 12">
+            <a:extLst>
+              <a:ext uri="{FF2B5EF4-FFF2-40B4-BE49-F238E27FC236}">
+                <a16:creationId xmlns:a16="http://schemas.microsoft.com/office/drawing/2014/main" id="{D710A05A-3BC1-4861-88BF-D381C98304A5}"/>
+              </a:ext>
+            </a:extLst>
+          </p:cNvPr>
+          <p:cNvCxnSpPr>
+            <a:stCxn id="10" idx="2"/>
+            <a:endCxn id="6" idx="0"/>
+          </p:cNvCxnSpPr>
+          <p:nvPr/>
+        </p:nvCxnSpPr>
+        <p:spPr>
+          <a:xfrm>
+            <a:off x="8704555" y="1397238"/>
+            <a:ext cx="664172" cy="504235"/>
+          </a:xfrm>
+          <a:prstGeom prst="straightConnector1">
+            <a:avLst/>
+          </a:prstGeom>
+          <a:ln>
+            <a:tailEnd type="triangle"/>
+          </a:ln>
+        </p:spPr>
+        <p:style>
+          <a:lnRef idx="1">
+            <a:schemeClr val="accent1"/>
+          </a:lnRef>
+          <a:fillRef idx="0">
+            <a:schemeClr val="accent1"/>
+          </a:fillRef>
+          <a:effectRef idx="0">
+            <a:schemeClr val="accent1"/>
+          </a:effectRef>
+          <a:fontRef idx="minor">
+            <a:schemeClr val="tx1"/>
+          </a:fontRef>
+        </p:style>
+      </p:cxnSp>
+      <p:cxnSp>
+        <p:nvCxnSpPr>
+          <p:cNvPr id="14" name="Straight Arrow Connector 13">
+            <a:extLst>
+              <a:ext uri="{FF2B5EF4-FFF2-40B4-BE49-F238E27FC236}">
+                <a16:creationId xmlns:a16="http://schemas.microsoft.com/office/drawing/2014/main" id="{06E40866-BECA-47E6-9B44-B2FBE3408F87}"/>
+              </a:ext>
+            </a:extLst>
+          </p:cNvPr>
+          <p:cNvCxnSpPr>
+            <a:cxnSpLocks/>
+          </p:cNvCxnSpPr>
+          <p:nvPr/>
+        </p:nvCxnSpPr>
+        <p:spPr>
+          <a:xfrm flipH="1">
+            <a:off x="10153201" y="1387936"/>
+            <a:ext cx="512474" cy="643814"/>
+          </a:xfrm>
+          <a:prstGeom prst="straightConnector1">
+            <a:avLst/>
+          </a:prstGeom>
+          <a:ln>
+            <a:tailEnd type="triangle"/>
+          </a:ln>
+        </p:spPr>
+        <p:style>
+          <a:lnRef idx="1">
+            <a:schemeClr val="accent1"/>
+          </a:lnRef>
+          <a:fillRef idx="0">
+            <a:schemeClr val="accent1"/>
+          </a:fillRef>
+          <a:effectRef idx="0">
+            <a:schemeClr val="accent1"/>
+          </a:effectRef>
+          <a:fontRef idx="minor">
+            <a:schemeClr val="tx1"/>
+          </a:fontRef>
+        </p:style>
+      </p:cxnSp>
+    </p:spTree>
+    <p:extLst>
+      <p:ext uri="{BB962C8B-B14F-4D97-AF65-F5344CB8AC3E}">
+        <p14:creationId xmlns:p14="http://schemas.microsoft.com/office/powerpoint/2010/main" val="3750024603"/>
       </p:ext>
     </p:extLst>
   </p:cSld>

--- a/doc/plan.pptx
+++ b/doc/plan.pptx
@@ -15,11 +15,13 @@
     <p:sldId id="262" r:id="rId9"/>
     <p:sldId id="264" r:id="rId10"/>
     <p:sldId id="265" r:id="rId11"/>
-    <p:sldId id="266" r:id="rId12"/>
+    <p:sldId id="271" r:id="rId12"/>
     <p:sldId id="267" r:id="rId13"/>
-    <p:sldId id="268" r:id="rId14"/>
-    <p:sldId id="269" r:id="rId15"/>
-    <p:sldId id="270" r:id="rId16"/>
+    <p:sldId id="266" r:id="rId14"/>
+    <p:sldId id="268" r:id="rId15"/>
+    <p:sldId id="269" r:id="rId16"/>
+    <p:sldId id="270" r:id="rId17"/>
+    <p:sldId id="272" r:id="rId18"/>
   </p:sldIdLst>
   <p:sldSz cx="12192000" cy="6858000"/>
   <p:notesSz cx="6858000" cy="9144000"/>
@@ -4590,7 +4592,7 @@
             <a:p>
               <a:r>
                 <a:rPr lang="en-US" sz="1400" dirty="0"/>
-                <a:t>3</a:t>
+                <a:t>4</a:t>
               </a:r>
             </a:p>
           </p:txBody>
@@ -4941,6 +4943,408 @@
           </a:fontRef>
         </p:style>
       </p:cxnSp>
+      <p:grpSp>
+        <p:nvGrpSpPr>
+          <p:cNvPr id="32" name="Group 31">
+            <a:extLst>
+              <a:ext uri="{FF2B5EF4-FFF2-40B4-BE49-F238E27FC236}">
+                <a16:creationId xmlns:a16="http://schemas.microsoft.com/office/drawing/2014/main" id="{32116FC5-FDC7-4C69-B4BD-200531CF8B0E}"/>
+              </a:ext>
+            </a:extLst>
+          </p:cNvPr>
+          <p:cNvGrpSpPr/>
+          <p:nvPr/>
+        </p:nvGrpSpPr>
+        <p:grpSpPr>
+          <a:xfrm>
+            <a:off x="4908331" y="4864928"/>
+            <a:ext cx="1567543" cy="518300"/>
+            <a:chOff x="5874072" y="1759973"/>
+            <a:chExt cx="1567543" cy="518300"/>
+          </a:xfrm>
+        </p:grpSpPr>
+        <p:sp>
+          <p:nvSpPr>
+            <p:cNvPr id="33" name="Rectangle 32">
+              <a:extLst>
+                <a:ext uri="{FF2B5EF4-FFF2-40B4-BE49-F238E27FC236}">
+                  <a16:creationId xmlns:a16="http://schemas.microsoft.com/office/drawing/2014/main" id="{146ECD94-BD95-4018-85AB-2DD40A71D6CA}"/>
+                </a:ext>
+              </a:extLst>
+            </p:cNvPr>
+            <p:cNvSpPr/>
+            <p:nvPr/>
+          </p:nvSpPr>
+          <p:spPr>
+            <a:xfrm>
+              <a:off x="5928852" y="1835821"/>
+              <a:ext cx="210691" cy="366603"/>
+            </a:xfrm>
+            <a:prstGeom prst="rect">
+              <a:avLst/>
+            </a:prstGeom>
+          </p:spPr>
+          <p:style>
+            <a:lnRef idx="2">
+              <a:schemeClr val="accent5"/>
+            </a:lnRef>
+            <a:fillRef idx="1">
+              <a:schemeClr val="lt1"/>
+            </a:fillRef>
+            <a:effectRef idx="0">
+              <a:schemeClr val="accent5"/>
+            </a:effectRef>
+            <a:fontRef idx="minor">
+              <a:schemeClr val="dk1"/>
+            </a:fontRef>
+          </p:style>
+          <p:txBody>
+            <a:bodyPr rtlCol="0" anchor="ctr"/>
+            <a:lstStyle/>
+            <a:p>
+              <a:pPr algn="ctr"/>
+              <a:endParaRPr lang="en-US"/>
+            </a:p>
+          </p:txBody>
+        </p:sp>
+        <p:sp>
+          <p:nvSpPr>
+            <p:cNvPr id="34" name="Rectangle 33">
+              <a:extLst>
+                <a:ext uri="{FF2B5EF4-FFF2-40B4-BE49-F238E27FC236}">
+                  <a16:creationId xmlns:a16="http://schemas.microsoft.com/office/drawing/2014/main" id="{19D7BABC-B75E-4B81-8B5E-FA2D97E48F58}"/>
+                </a:ext>
+              </a:extLst>
+            </p:cNvPr>
+            <p:cNvSpPr/>
+            <p:nvPr/>
+          </p:nvSpPr>
+          <p:spPr>
+            <a:xfrm>
+              <a:off x="6182384" y="1835821"/>
+              <a:ext cx="210691" cy="366603"/>
+            </a:xfrm>
+            <a:prstGeom prst="rect">
+              <a:avLst/>
+            </a:prstGeom>
+          </p:spPr>
+          <p:style>
+            <a:lnRef idx="2">
+              <a:schemeClr val="accent5"/>
+            </a:lnRef>
+            <a:fillRef idx="1">
+              <a:schemeClr val="lt1"/>
+            </a:fillRef>
+            <a:effectRef idx="0">
+              <a:schemeClr val="accent5"/>
+            </a:effectRef>
+            <a:fontRef idx="minor">
+              <a:schemeClr val="dk1"/>
+            </a:fontRef>
+          </p:style>
+          <p:txBody>
+            <a:bodyPr rtlCol="0" anchor="ctr"/>
+            <a:lstStyle/>
+            <a:p>
+              <a:pPr algn="ctr"/>
+              <a:endParaRPr lang="en-US"/>
+            </a:p>
+          </p:txBody>
+        </p:sp>
+        <p:sp>
+          <p:nvSpPr>
+            <p:cNvPr id="35" name="Rectangle 34">
+              <a:extLst>
+                <a:ext uri="{FF2B5EF4-FFF2-40B4-BE49-F238E27FC236}">
+                  <a16:creationId xmlns:a16="http://schemas.microsoft.com/office/drawing/2014/main" id="{314AA1C8-4357-45DB-BB2D-B4A49752F79D}"/>
+                </a:ext>
+              </a:extLst>
+            </p:cNvPr>
+            <p:cNvSpPr/>
+            <p:nvPr/>
+          </p:nvSpPr>
+          <p:spPr>
+            <a:xfrm>
+              <a:off x="6435916" y="1835820"/>
+              <a:ext cx="210691" cy="366603"/>
+            </a:xfrm>
+            <a:prstGeom prst="rect">
+              <a:avLst/>
+            </a:prstGeom>
+          </p:spPr>
+          <p:style>
+            <a:lnRef idx="2">
+              <a:schemeClr val="accent5"/>
+            </a:lnRef>
+            <a:fillRef idx="1">
+              <a:schemeClr val="lt1"/>
+            </a:fillRef>
+            <a:effectRef idx="0">
+              <a:schemeClr val="accent5"/>
+            </a:effectRef>
+            <a:fontRef idx="minor">
+              <a:schemeClr val="dk1"/>
+            </a:fontRef>
+          </p:style>
+          <p:txBody>
+            <a:bodyPr rtlCol="0" anchor="ctr"/>
+            <a:lstStyle/>
+            <a:p>
+              <a:pPr algn="ctr"/>
+              <a:endParaRPr lang="en-US"/>
+            </a:p>
+          </p:txBody>
+        </p:sp>
+        <p:sp>
+          <p:nvSpPr>
+            <p:cNvPr id="36" name="Arrow: Right 35">
+              <a:extLst>
+                <a:ext uri="{FF2B5EF4-FFF2-40B4-BE49-F238E27FC236}">
+                  <a16:creationId xmlns:a16="http://schemas.microsoft.com/office/drawing/2014/main" id="{C726827A-DC35-49BA-A34F-4D4CBFC17D5C}"/>
+                </a:ext>
+              </a:extLst>
+            </p:cNvPr>
+            <p:cNvSpPr/>
+            <p:nvPr/>
+          </p:nvSpPr>
+          <p:spPr>
+            <a:xfrm>
+              <a:off x="6702090" y="1966098"/>
+              <a:ext cx="632074" cy="106045"/>
+            </a:xfrm>
+            <a:prstGeom prst="rightArrow">
+              <a:avLst/>
+            </a:prstGeom>
+          </p:spPr>
+          <p:style>
+            <a:lnRef idx="2">
+              <a:schemeClr val="dk1">
+                <a:shade val="50000"/>
+              </a:schemeClr>
+            </a:lnRef>
+            <a:fillRef idx="1">
+              <a:schemeClr val="dk1"/>
+            </a:fillRef>
+            <a:effectRef idx="0">
+              <a:schemeClr val="dk1"/>
+            </a:effectRef>
+            <a:fontRef idx="minor">
+              <a:schemeClr val="lt1"/>
+            </a:fontRef>
+          </p:style>
+          <p:txBody>
+            <a:bodyPr rtlCol="0" anchor="ctr"/>
+            <a:lstStyle/>
+            <a:p>
+              <a:pPr algn="ctr"/>
+              <a:endParaRPr lang="en-US"/>
+            </a:p>
+          </p:txBody>
+        </p:sp>
+        <p:sp>
+          <p:nvSpPr>
+            <p:cNvPr id="37" name="Rectangle 36">
+              <a:extLst>
+                <a:ext uri="{FF2B5EF4-FFF2-40B4-BE49-F238E27FC236}">
+                  <a16:creationId xmlns:a16="http://schemas.microsoft.com/office/drawing/2014/main" id="{3391EA38-6111-48C8-B7C3-7EAFEE223806}"/>
+                </a:ext>
+              </a:extLst>
+            </p:cNvPr>
+            <p:cNvSpPr/>
+            <p:nvPr/>
+          </p:nvSpPr>
+          <p:spPr>
+            <a:xfrm>
+              <a:off x="5874072" y="1759973"/>
+              <a:ext cx="1567543" cy="518300"/>
+            </a:xfrm>
+            <a:prstGeom prst="rect">
+              <a:avLst/>
+            </a:prstGeom>
+            <a:noFill/>
+          </p:spPr>
+          <p:style>
+            <a:lnRef idx="2">
+              <a:schemeClr val="accent5"/>
+            </a:lnRef>
+            <a:fillRef idx="1">
+              <a:schemeClr val="lt1"/>
+            </a:fillRef>
+            <a:effectRef idx="0">
+              <a:schemeClr val="accent5"/>
+            </a:effectRef>
+            <a:fontRef idx="minor">
+              <a:schemeClr val="dk1"/>
+            </a:fontRef>
+          </p:style>
+          <p:txBody>
+            <a:bodyPr rtlCol="0" anchor="ctr"/>
+            <a:lstStyle/>
+            <a:p>
+              <a:pPr algn="ctr"/>
+              <a:endParaRPr lang="en-US"/>
+            </a:p>
+          </p:txBody>
+        </p:sp>
+      </p:grpSp>
+      <p:cxnSp>
+        <p:nvCxnSpPr>
+          <p:cNvPr id="38" name="Connector: Curved 37">
+            <a:extLst>
+              <a:ext uri="{FF2B5EF4-FFF2-40B4-BE49-F238E27FC236}">
+                <a16:creationId xmlns:a16="http://schemas.microsoft.com/office/drawing/2014/main" id="{4D96A4EC-939A-4776-8ABD-1427A915A58C}"/>
+              </a:ext>
+            </a:extLst>
+          </p:cNvPr>
+          <p:cNvCxnSpPr>
+            <a:cxnSpLocks/>
+            <a:stCxn id="30" idx="3"/>
+            <a:endCxn id="37" idx="1"/>
+          </p:cNvCxnSpPr>
+          <p:nvPr/>
+        </p:nvCxnSpPr>
+        <p:spPr>
+          <a:xfrm>
+            <a:off x="4131934" y="3851979"/>
+            <a:ext cx="776397" cy="1272099"/>
+          </a:xfrm>
+          <a:prstGeom prst="curvedConnector3">
+            <a:avLst>
+              <a:gd name="adj1" fmla="val 50000"/>
+            </a:avLst>
+          </a:prstGeom>
+          <a:ln w="12700">
+            <a:tailEnd type="triangle"/>
+          </a:ln>
+        </p:spPr>
+        <p:style>
+          <a:lnRef idx="1">
+            <a:schemeClr val="accent6"/>
+          </a:lnRef>
+          <a:fillRef idx="0">
+            <a:schemeClr val="accent6"/>
+          </a:fillRef>
+          <a:effectRef idx="0">
+            <a:schemeClr val="accent6"/>
+          </a:effectRef>
+          <a:fontRef idx="minor">
+            <a:schemeClr val="tx1"/>
+          </a:fontRef>
+        </p:style>
+      </p:cxnSp>
+      <p:sp>
+        <p:nvSpPr>
+          <p:cNvPr id="40" name="TextBox 39">
+            <a:extLst>
+              <a:ext uri="{FF2B5EF4-FFF2-40B4-BE49-F238E27FC236}">
+                <a16:creationId xmlns:a16="http://schemas.microsoft.com/office/drawing/2014/main" id="{99985F94-4CDB-4728-95EE-DD9F03D7D41F}"/>
+              </a:ext>
+            </a:extLst>
+          </p:cNvPr>
+          <p:cNvSpPr txBox="1"/>
+          <p:nvPr/>
+        </p:nvSpPr>
+        <p:spPr>
+          <a:xfrm>
+            <a:off x="6090310" y="2591698"/>
+            <a:ext cx="198780" cy="307777"/>
+          </a:xfrm>
+          <a:prstGeom prst="rect">
+            <a:avLst/>
+          </a:prstGeom>
+          <a:noFill/>
+        </p:spPr>
+        <p:txBody>
+          <a:bodyPr wrap="square" rtlCol="0">
+            <a:spAutoFit/>
+          </a:bodyPr>
+          <a:lstStyle/>
+          <a:p>
+            <a:r>
+              <a:rPr lang="en-US" sz="1400" dirty="0"/>
+              <a:t>3</a:t>
+            </a:r>
+          </a:p>
+        </p:txBody>
+      </p:sp>
+      <p:sp>
+        <p:nvSpPr>
+          <p:cNvPr id="41" name="TextBox 40">
+            <a:extLst>
+              <a:ext uri="{FF2B5EF4-FFF2-40B4-BE49-F238E27FC236}">
+                <a16:creationId xmlns:a16="http://schemas.microsoft.com/office/drawing/2014/main" id="{DCCF9955-1FFA-4E32-91AE-973F04FA87D8}"/>
+              </a:ext>
+            </a:extLst>
+          </p:cNvPr>
+          <p:cNvSpPr txBox="1"/>
+          <p:nvPr/>
+        </p:nvSpPr>
+        <p:spPr>
+          <a:xfrm>
+            <a:off x="6225126" y="4812274"/>
+            <a:ext cx="198780" cy="307777"/>
+          </a:xfrm>
+          <a:prstGeom prst="rect">
+            <a:avLst/>
+          </a:prstGeom>
+          <a:noFill/>
+        </p:spPr>
+        <p:txBody>
+          <a:bodyPr wrap="square" rtlCol="0">
+            <a:spAutoFit/>
+          </a:bodyPr>
+          <a:lstStyle/>
+          <a:p>
+            <a:r>
+              <a:rPr lang="en-US" sz="1400" dirty="0"/>
+              <a:t>4</a:t>
+            </a:r>
+          </a:p>
+        </p:txBody>
+      </p:sp>
+      <p:sp>
+        <p:nvSpPr>
+          <p:cNvPr id="42" name="TextBox 41">
+            <a:extLst>
+              <a:ext uri="{FF2B5EF4-FFF2-40B4-BE49-F238E27FC236}">
+                <a16:creationId xmlns:a16="http://schemas.microsoft.com/office/drawing/2014/main" id="{128B6A34-AE49-4367-96DE-D6D9C1368CFA}"/>
+              </a:ext>
+            </a:extLst>
+          </p:cNvPr>
+          <p:cNvSpPr txBox="1"/>
+          <p:nvPr/>
+        </p:nvSpPr>
+        <p:spPr>
+          <a:xfrm>
+            <a:off x="8284605" y="825910"/>
+            <a:ext cx="2943005" cy="369332"/>
+          </a:xfrm>
+          <a:prstGeom prst="rect">
+            <a:avLst/>
+          </a:prstGeom>
+          <a:noFill/>
+        </p:spPr>
+        <p:txBody>
+          <a:bodyPr wrap="square" rtlCol="0">
+            <a:spAutoFit/>
+          </a:bodyPr>
+          <a:lstStyle/>
+          <a:p>
+            <a:r>
+              <a:rPr lang="en-US" dirty="0"/>
+              <a:t>Delay in the </a:t>
+            </a:r>
+            <a:r>
+              <a:rPr lang="en-US" dirty="0" err="1"/>
+              <a:t>bluebox</a:t>
+            </a:r>
+            <a:r>
+              <a:rPr lang="en-US" dirty="0"/>
+              <a:t> only.</a:t>
+            </a:r>
+          </a:p>
+        </p:txBody>
+      </p:sp>
     </p:spTree>
     <p:extLst>
       <p:ext uri="{BB962C8B-B14F-4D97-AF65-F5344CB8AC3E}">
@@ -4976,7 +5380,7 @@
           <p:cNvPr id="2" name="Title 1">
             <a:extLst>
               <a:ext uri="{FF2B5EF4-FFF2-40B4-BE49-F238E27FC236}">
-                <a16:creationId xmlns:a16="http://schemas.microsoft.com/office/drawing/2014/main" id="{9B1830D8-5C7E-4EA8-9FDB-DC17A774983B}"/>
+                <a16:creationId xmlns:a16="http://schemas.microsoft.com/office/drawing/2014/main" id="{9C72146F-15E0-41BC-8272-7CBB629CB7C1}"/>
               </a:ext>
             </a:extLst>
           </p:cNvPr>
@@ -4994,7 +5398,7 @@
           <a:p>
             <a:r>
               <a:rPr lang="en-US" dirty="0"/>
-              <a:t>Thread-based simulation</a:t>
+              <a:t>Modeling Transmission delay between two nodes</a:t>
             </a:r>
           </a:p>
         </p:txBody>
@@ -5004,7 +5408,7 @@
           <p:cNvPr id="3" name="Content Placeholder 2">
             <a:extLst>
               <a:ext uri="{FF2B5EF4-FFF2-40B4-BE49-F238E27FC236}">
-                <a16:creationId xmlns:a16="http://schemas.microsoft.com/office/drawing/2014/main" id="{45CFF6F8-C43F-407F-9F9E-06BE8A5E21FB}"/>
+                <a16:creationId xmlns:a16="http://schemas.microsoft.com/office/drawing/2014/main" id="{43A27DFC-E2BF-44EE-87F2-EA9BE1C9FF05}"/>
               </a:ext>
             </a:extLst>
           </p:cNvPr>
@@ -5022,30 +5426,37 @@
           <a:p>
             <a:r>
               <a:rPr lang="en-US" dirty="0"/>
-              <a:t>Each element in the network has its </a:t>
-            </a:r>
-            <a:r>
-              <a:rPr lang="en-US"/>
-              <a:t>own thread (or just a path)</a:t>
-            </a:r>
-            <a:endParaRPr lang="en-US" dirty="0"/>
+              <a:t>Two nodes connected with a wire has transmission delay</a:t>
+            </a:r>
           </a:p>
           <a:p>
             <a:r>
               <a:rPr lang="en-US" dirty="0"/>
-              <a:t>All threads start at the beginning of the simulation</a:t>
-            </a:r>
-          </a:p>
-          <a:p>
+              <a:t>Network object creates channels between nodes and sets the delays. The </a:t>
+            </a:r>
+            <a:r>
+              <a:rPr lang="en-US" dirty="0" err="1"/>
+              <a:t>getDelay</a:t>
+            </a:r>
             <a:r>
               <a:rPr lang="en-US" dirty="0"/>
-              <a:t>Simulator collects data periodically</a:t>
-            </a:r>
-          </a:p>
-          <a:p>
+              <a:t>(</a:t>
+            </a:r>
+            <a:r>
+              <a:rPr lang="en-US" dirty="0" err="1"/>
+              <a:t>fromNode</a:t>
+            </a:r>
             <a:r>
               <a:rPr lang="en-US" dirty="0"/>
-              <a:t>All threads stop at the end of the simulation</a:t>
+              <a:t>, </a:t>
+            </a:r>
+            <a:r>
+              <a:rPr lang="en-US" dirty="0" err="1"/>
+              <a:t>toNode</a:t>
+            </a:r>
+            <a:r>
+              <a:rPr lang="en-US" dirty="0"/>
+              <a:t>) is useful in determining the delay from one node to another.</a:t>
             </a:r>
           </a:p>
           <a:p>
@@ -5056,7 +5467,7 @@
     </p:spTree>
     <p:extLst>
       <p:ext uri="{BB962C8B-B14F-4D97-AF65-F5344CB8AC3E}">
-        <p14:creationId xmlns:p14="http://schemas.microsoft.com/office/powerpoint/2010/main" val="2004880556"/>
+        <p14:creationId xmlns:p14="http://schemas.microsoft.com/office/powerpoint/2010/main" val="3312011563"/>
       </p:ext>
     </p:extLst>
   </p:cSld>
@@ -5127,21 +5538,20 @@
             <p:ph idx="1"/>
           </p:nvPr>
         </p:nvSpPr>
-        <p:spPr/>
+        <p:spPr>
+          <a:xfrm>
+            <a:off x="838200" y="1825625"/>
+            <a:ext cx="9559315" cy="4090725"/>
+          </a:xfrm>
+        </p:spPr>
         <p:txBody>
           <a:bodyPr>
-            <a:normAutofit lnSpcReduction="10000"/>
+            <a:normAutofit fontScale="92500" lnSpcReduction="10000"/>
           </a:bodyPr>
           <a:lstStyle/>
           <a:p>
             <a:r>
               <a:rPr lang="en-US" dirty="0"/>
-              <a:t>A path thread transports data from the client to the server through a set of nodes.</a:t>
-            </a:r>
-          </a:p>
-          <a:p>
-            <a:r>
-              <a:rPr lang="en-US" dirty="0"/>
               <a:t>When a node receives some data, the delivery rate, the channel, and the queue all together works. First, the data is push to the queue, then delivery rate decides packets it can process. Next, for each outgoing packet, it removes the packet from the queue, adds a delay to the packet and schedules delivery to the next node (found from the path), and puts into the channel/pipe.</a:t>
             </a:r>
           </a:p>
@@ -5149,6 +5559,12 @@
             <a:r>
               <a:rPr lang="en-US" dirty="0"/>
               <a:t>Path has a client, and nodes. The last node acts as the server. Server has no running thread. When it receives packets, it immediately acknowledges the packets.</a:t>
+            </a:r>
+          </a:p>
+          <a:p>
+            <a:r>
+              <a:rPr lang="en-US" dirty="0"/>
+              <a:t>Every packet has a reference to the Path object. This is useful for a node to identify next destination node for the packet.</a:t>
             </a:r>
           </a:p>
         </p:txBody>
@@ -5188,7 +5604,7 @@
           <p:cNvPr id="2" name="Title 1">
             <a:extLst>
               <a:ext uri="{FF2B5EF4-FFF2-40B4-BE49-F238E27FC236}">
-                <a16:creationId xmlns:a16="http://schemas.microsoft.com/office/drawing/2014/main" id="{4CF0F296-B42E-4867-8C85-E58C8A726506}"/>
+                <a16:creationId xmlns:a16="http://schemas.microsoft.com/office/drawing/2014/main" id="{9B1830D8-5C7E-4EA8-9FDB-DC17A774983B}"/>
               </a:ext>
             </a:extLst>
           </p:cNvPr>
@@ -5206,7 +5622,7 @@
           <a:p>
             <a:r>
               <a:rPr lang="en-US" dirty="0"/>
-              <a:t>Uncontrolled Simulation </a:t>
+              <a:t>Uncontrolled Thread-based simulation</a:t>
             </a:r>
           </a:p>
         </p:txBody>
@@ -5216,7 +5632,7 @@
           <p:cNvPr id="3" name="Content Placeholder 2">
             <a:extLst>
               <a:ext uri="{FF2B5EF4-FFF2-40B4-BE49-F238E27FC236}">
-                <a16:creationId xmlns:a16="http://schemas.microsoft.com/office/drawing/2014/main" id="{786D904D-2554-4953-89BC-6B6F371CD217}"/>
+                <a16:creationId xmlns:a16="http://schemas.microsoft.com/office/drawing/2014/main" id="{45CFF6F8-C43F-407F-9F9E-06BE8A5E21FB}"/>
               </a:ext>
             </a:extLst>
           </p:cNvPr>
@@ -5229,85 +5645,33 @@
         </p:nvSpPr>
         <p:spPr/>
         <p:txBody>
-          <a:bodyPr>
-            <a:normAutofit lnSpcReduction="10000"/>
-          </a:bodyPr>
+          <a:bodyPr/>
           <a:lstStyle/>
           <a:p>
             <a:r>
               <a:rPr lang="en-US" dirty="0"/>
-              <a:t>Each node, client, and server has their own threads and runs asynchronously. </a:t>
+              <a:t>Each element in the network has its own thread </a:t>
             </a:r>
           </a:p>
           <a:p>
             <a:r>
               <a:rPr lang="en-US" dirty="0"/>
-              <a:t>Time resolution: </a:t>
-            </a:r>
-            <a:r>
-              <a:rPr lang="en-US" dirty="0" err="1"/>
-              <a:t>ms</a:t>
-            </a:r>
+              <a:t>All threads start at the beginning of the simulation</a:t>
+            </a:r>
+          </a:p>
+          <a:p>
             <a:r>
               <a:rPr lang="en-US" dirty="0"/>
-              <a:t> (</a:t>
-            </a:r>
-            <a:r>
-              <a:rPr lang="en-US" dirty="0" err="1"/>
-              <a:t>mili</a:t>
-            </a:r>
+              <a:t>Simulator collects data periodically</a:t>
+            </a:r>
+          </a:p>
+          <a:p>
             <a:r>
               <a:rPr lang="en-US" dirty="0"/>
-              <a:t>-seconds)</a:t>
-            </a:r>
-          </a:p>
-          <a:p>
-            <a:r>
-              <a:rPr lang="en-US" dirty="0"/>
-              <a:t>Everything works with the same resolution. This has some side-effects:</a:t>
-            </a:r>
-          </a:p>
-          <a:p>
-            <a:pPr lvl="1"/>
-            <a:r>
-              <a:rPr lang="en-US" dirty="0"/>
-              <a:t>A client does not actually send data every </a:t>
-            </a:r>
-            <a:r>
-              <a:rPr lang="en-US" dirty="0" err="1"/>
-              <a:t>ms.</a:t>
-            </a:r>
-            <a:r>
-              <a:rPr lang="en-US" dirty="0"/>
-              <a:t> So, in some </a:t>
-            </a:r>
-            <a:r>
-              <a:rPr lang="en-US" dirty="0" err="1"/>
-              <a:t>ms</a:t>
-            </a:r>
-            <a:r>
-              <a:rPr lang="en-US" dirty="0"/>
-              <a:t>, it’s possible that it sends more data than the delivery rate, which will overflow the queue. How to resolve that? Change delivery rate to per second. Need to make sure data sent over 1 second is close to the delivery rate. </a:t>
-            </a:r>
-          </a:p>
-          <a:p>
-            <a:pPr lvl="1"/>
-            <a:r>
-              <a:rPr lang="en-US" dirty="0"/>
-              <a:t>We don’t know how much each thread will block. It might be several </a:t>
-            </a:r>
-            <a:r>
-              <a:rPr lang="en-US" dirty="0" err="1"/>
-              <a:t>ms.</a:t>
-            </a:r>
-            <a:r>
-              <a:rPr lang="en-US" dirty="0"/>
-              <a:t> For nodes, it’s better to send all the data for missing </a:t>
-            </a:r>
-            <a:r>
-              <a:rPr lang="en-US" dirty="0" err="1"/>
-              <a:t>ms.</a:t>
-            </a:r>
+              <a:t>All threads stop at the end of the simulation</a:t>
+            </a:r>
+          </a:p>
+          <a:p>
             <a:endParaRPr lang="en-US" dirty="0"/>
           </a:p>
         </p:txBody>
@@ -5315,7 +5679,7 @@
     </p:spTree>
     <p:extLst>
       <p:ext uri="{BB962C8B-B14F-4D97-AF65-F5344CB8AC3E}">
-        <p14:creationId xmlns:p14="http://schemas.microsoft.com/office/powerpoint/2010/main" val="415507606"/>
+        <p14:creationId xmlns:p14="http://schemas.microsoft.com/office/powerpoint/2010/main" val="2004880556"/>
       </p:ext>
     </p:extLst>
   </p:cSld>
@@ -5347,6 +5711,165 @@
           <p:cNvPr id="2" name="Title 1">
             <a:extLst>
               <a:ext uri="{FF2B5EF4-FFF2-40B4-BE49-F238E27FC236}">
+                <a16:creationId xmlns:a16="http://schemas.microsoft.com/office/drawing/2014/main" id="{4CF0F296-B42E-4867-8C85-E58C8A726506}"/>
+              </a:ext>
+            </a:extLst>
+          </p:cNvPr>
+          <p:cNvSpPr>
+            <a:spLocks noGrp="1"/>
+          </p:cNvSpPr>
+          <p:nvPr>
+            <p:ph type="title"/>
+          </p:nvPr>
+        </p:nvSpPr>
+        <p:spPr/>
+        <p:txBody>
+          <a:bodyPr/>
+          <a:lstStyle/>
+          <a:p>
+            <a:r>
+              <a:rPr lang="en-US" dirty="0"/>
+              <a:t>Uncontrolled Simulation </a:t>
+            </a:r>
+          </a:p>
+        </p:txBody>
+      </p:sp>
+      <p:sp>
+        <p:nvSpPr>
+          <p:cNvPr id="3" name="Content Placeholder 2">
+            <a:extLst>
+              <a:ext uri="{FF2B5EF4-FFF2-40B4-BE49-F238E27FC236}">
+                <a16:creationId xmlns:a16="http://schemas.microsoft.com/office/drawing/2014/main" id="{786D904D-2554-4953-89BC-6B6F371CD217}"/>
+              </a:ext>
+            </a:extLst>
+          </p:cNvPr>
+          <p:cNvSpPr>
+            <a:spLocks noGrp="1"/>
+          </p:cNvSpPr>
+          <p:nvPr>
+            <p:ph idx="1"/>
+          </p:nvPr>
+        </p:nvSpPr>
+        <p:spPr/>
+        <p:txBody>
+          <a:bodyPr>
+            <a:normAutofit lnSpcReduction="10000"/>
+          </a:bodyPr>
+          <a:lstStyle/>
+          <a:p>
+            <a:r>
+              <a:rPr lang="en-US" dirty="0"/>
+              <a:t>Each node, client, and server has their own threads and runs asynchronously. </a:t>
+            </a:r>
+          </a:p>
+          <a:p>
+            <a:r>
+              <a:rPr lang="en-US" dirty="0"/>
+              <a:t>Time resolution: </a:t>
+            </a:r>
+            <a:r>
+              <a:rPr lang="en-US" dirty="0" err="1"/>
+              <a:t>ms</a:t>
+            </a:r>
+            <a:r>
+              <a:rPr lang="en-US" dirty="0"/>
+              <a:t> (</a:t>
+            </a:r>
+            <a:r>
+              <a:rPr lang="en-US" dirty="0" err="1"/>
+              <a:t>mili</a:t>
+            </a:r>
+            <a:r>
+              <a:rPr lang="en-US" dirty="0"/>
+              <a:t>-seconds)</a:t>
+            </a:r>
+          </a:p>
+          <a:p>
+            <a:r>
+              <a:rPr lang="en-US" dirty="0"/>
+              <a:t>Everything works with the same resolution. This has some side-effects:</a:t>
+            </a:r>
+          </a:p>
+          <a:p>
+            <a:pPr lvl="1"/>
+            <a:r>
+              <a:rPr lang="en-US" dirty="0"/>
+              <a:t>A client does not actually send data every </a:t>
+            </a:r>
+            <a:r>
+              <a:rPr lang="en-US" dirty="0" err="1"/>
+              <a:t>ms.</a:t>
+            </a:r>
+            <a:r>
+              <a:rPr lang="en-US" dirty="0"/>
+              <a:t> So, in some </a:t>
+            </a:r>
+            <a:r>
+              <a:rPr lang="en-US" dirty="0" err="1"/>
+              <a:t>ms</a:t>
+            </a:r>
+            <a:r>
+              <a:rPr lang="en-US" dirty="0"/>
+              <a:t>, it’s possible that it sends more data than the delivery rate, which will overflow the queue. How to resolve that? Change delivery rate to per second. Need to make sure data sent over 1 second is close to the delivery rate. </a:t>
+            </a:r>
+          </a:p>
+          <a:p>
+            <a:pPr lvl="1"/>
+            <a:r>
+              <a:rPr lang="en-US" dirty="0"/>
+              <a:t>We don’t know how much each thread will block. It might be several </a:t>
+            </a:r>
+            <a:r>
+              <a:rPr lang="en-US" dirty="0" err="1"/>
+              <a:t>ms.</a:t>
+            </a:r>
+            <a:r>
+              <a:rPr lang="en-US" dirty="0"/>
+              <a:t> For nodes, it’s better to send all the data for missing </a:t>
+            </a:r>
+            <a:r>
+              <a:rPr lang="en-US" dirty="0" err="1"/>
+              <a:t>ms.</a:t>
+            </a:r>
+            <a:endParaRPr lang="en-US" dirty="0"/>
+          </a:p>
+        </p:txBody>
+      </p:sp>
+    </p:spTree>
+    <p:extLst>
+      <p:ext uri="{BB962C8B-B14F-4D97-AF65-F5344CB8AC3E}">
+        <p14:creationId xmlns:p14="http://schemas.microsoft.com/office/powerpoint/2010/main" val="415507606"/>
+      </p:ext>
+    </p:extLst>
+  </p:cSld>
+  <p:clrMapOvr>
+    <a:masterClrMapping/>
+  </p:clrMapOvr>
+</p:sld>
+</file>
+
+<file path=ppt/slides/slide15.xml><?xml version="1.0" encoding="utf-8"?>
+<p:sld xmlns:a="http://schemas.openxmlformats.org/drawingml/2006/main" xmlns:r="http://schemas.openxmlformats.org/officeDocument/2006/relationships" xmlns:p="http://schemas.openxmlformats.org/presentationml/2006/main">
+  <p:cSld>
+    <p:spTree>
+      <p:nvGrpSpPr>
+        <p:cNvPr id="1" name=""/>
+        <p:cNvGrpSpPr/>
+        <p:nvPr/>
+      </p:nvGrpSpPr>
+      <p:grpSpPr>
+        <a:xfrm>
+          <a:off x="0" y="0"/>
+          <a:ext cx="0" cy="0"/>
+          <a:chOff x="0" y="0"/>
+          <a:chExt cx="0" cy="0"/>
+        </a:xfrm>
+      </p:grpSpPr>
+      <p:sp>
+        <p:nvSpPr>
+          <p:cNvPr id="2" name="Title 1">
+            <a:extLst>
+              <a:ext uri="{FF2B5EF4-FFF2-40B4-BE49-F238E27FC236}">
                 <a16:creationId xmlns:a16="http://schemas.microsoft.com/office/drawing/2014/main" id="{B58F80F1-CE84-45BD-8557-F2E7403E86E9}"/>
               </a:ext>
             </a:extLst>
@@ -5411,7 +5934,7 @@
 </p:sld>
 </file>
 
-<file path=ppt/slides/slide15.xml><?xml version="1.0" encoding="utf-8"?>
+<file path=ppt/slides/slide16.xml><?xml version="1.0" encoding="utf-8"?>
 <p:sld xmlns:a="http://schemas.openxmlformats.org/drawingml/2006/main" xmlns:r="http://schemas.openxmlformats.org/officeDocument/2006/relationships" xmlns:p="http://schemas.openxmlformats.org/presentationml/2006/main">
   <p:cSld>
     <p:spTree>
@@ -6006,10 +6529,128 @@
           </a:fontRef>
         </p:style>
       </p:cxnSp>
+      <p:sp>
+        <p:nvSpPr>
+          <p:cNvPr id="12" name="TextBox 11">
+            <a:extLst>
+              <a:ext uri="{FF2B5EF4-FFF2-40B4-BE49-F238E27FC236}">
+                <a16:creationId xmlns:a16="http://schemas.microsoft.com/office/drawing/2014/main" id="{2F45A4BA-4C8B-4887-8612-FD4D9D55EB74}"/>
+              </a:ext>
+            </a:extLst>
+          </p:cNvPr>
+          <p:cNvSpPr txBox="1"/>
+          <p:nvPr/>
+        </p:nvSpPr>
+        <p:spPr>
+          <a:xfrm>
+            <a:off x="7951488" y="2941250"/>
+            <a:ext cx="3616116" cy="646331"/>
+          </a:xfrm>
+          <a:prstGeom prst="rect">
+            <a:avLst/>
+          </a:prstGeom>
+          <a:noFill/>
+        </p:spPr>
+        <p:txBody>
+          <a:bodyPr wrap="square" rtlCol="0">
+            <a:spAutoFit/>
+          </a:bodyPr>
+          <a:lstStyle/>
+          <a:p>
+            <a:r>
+              <a:rPr lang="en-US" dirty="0"/>
+              <a:t>Single event queue to order the packets everywhere.</a:t>
+            </a:r>
+          </a:p>
+        </p:txBody>
+      </p:sp>
     </p:spTree>
     <p:extLst>
       <p:ext uri="{BB962C8B-B14F-4D97-AF65-F5344CB8AC3E}">
         <p14:creationId xmlns:p14="http://schemas.microsoft.com/office/powerpoint/2010/main" val="3750024603"/>
+      </p:ext>
+    </p:extLst>
+  </p:cSld>
+  <p:clrMapOvr>
+    <a:masterClrMapping/>
+  </p:clrMapOvr>
+</p:sld>
+</file>
+
+<file path=ppt/slides/slide17.xml><?xml version="1.0" encoding="utf-8"?>
+<p:sld xmlns:a="http://schemas.openxmlformats.org/drawingml/2006/main" xmlns:r="http://schemas.openxmlformats.org/officeDocument/2006/relationships" xmlns:p="http://schemas.openxmlformats.org/presentationml/2006/main">
+  <p:cSld>
+    <p:spTree>
+      <p:nvGrpSpPr>
+        <p:cNvPr id="1" name=""/>
+        <p:cNvGrpSpPr/>
+        <p:nvPr/>
+      </p:nvGrpSpPr>
+      <p:grpSpPr>
+        <a:xfrm>
+          <a:off x="0" y="0"/>
+          <a:ext cx="0" cy="0"/>
+          <a:chOff x="0" y="0"/>
+          <a:chExt cx="0" cy="0"/>
+        </a:xfrm>
+      </p:grpSpPr>
+      <p:sp>
+        <p:nvSpPr>
+          <p:cNvPr id="2" name="Title 1">
+            <a:extLst>
+              <a:ext uri="{FF2B5EF4-FFF2-40B4-BE49-F238E27FC236}">
+                <a16:creationId xmlns:a16="http://schemas.microsoft.com/office/drawing/2014/main" id="{DBEBFB77-32BE-406C-8149-37DB9E1B6BF7}"/>
+              </a:ext>
+            </a:extLst>
+          </p:cNvPr>
+          <p:cNvSpPr>
+            <a:spLocks noGrp="1"/>
+          </p:cNvSpPr>
+          <p:nvPr>
+            <p:ph type="title"/>
+          </p:nvPr>
+        </p:nvSpPr>
+        <p:spPr/>
+        <p:txBody>
+          <a:bodyPr/>
+          <a:lstStyle/>
+          <a:p>
+            <a:r>
+              <a:rPr lang="en-US"/>
+              <a:t>Model with Event Queue</a:t>
+            </a:r>
+          </a:p>
+        </p:txBody>
+      </p:sp>
+      <p:sp>
+        <p:nvSpPr>
+          <p:cNvPr id="3" name="Content Placeholder 2">
+            <a:extLst>
+              <a:ext uri="{FF2B5EF4-FFF2-40B4-BE49-F238E27FC236}">
+                <a16:creationId xmlns:a16="http://schemas.microsoft.com/office/drawing/2014/main" id="{711D7E82-FA2B-4D8B-B07E-35E94FA483C1}"/>
+              </a:ext>
+            </a:extLst>
+          </p:cNvPr>
+          <p:cNvSpPr>
+            <a:spLocks noGrp="1"/>
+          </p:cNvSpPr>
+          <p:nvPr>
+            <p:ph idx="1"/>
+          </p:nvPr>
+        </p:nvSpPr>
+        <p:spPr/>
+        <p:txBody>
+          <a:bodyPr/>
+          <a:lstStyle/>
+          <a:p>
+            <a:endParaRPr lang="en-US"/>
+          </a:p>
+        </p:txBody>
+      </p:sp>
+    </p:spTree>
+    <p:extLst>
+      <p:ext uri="{BB962C8B-B14F-4D97-AF65-F5344CB8AC3E}">
+        <p14:creationId xmlns:p14="http://schemas.microsoft.com/office/powerpoint/2010/main" val="2008062780"/>
       </p:ext>
     </p:extLst>
   </p:cSld>

--- a/doc/plan.pptx
+++ b/doc/plan.pptx
@@ -22,6 +22,8 @@
     <p:sldId id="269" r:id="rId16"/>
     <p:sldId id="270" r:id="rId17"/>
     <p:sldId id="272" r:id="rId18"/>
+    <p:sldId id="273" r:id="rId19"/>
+    <p:sldId id="274" r:id="rId20"/>
   </p:sldIdLst>
   <p:sldSz cx="12192000" cy="6858000"/>
   <p:notesSz cx="6858000" cy="9144000"/>
@@ -275,7 +277,7 @@
           <a:p>
             <a:fld id="{2EE5EF10-3D11-419F-A8C1-99878D53651A}" type="datetimeFigureOut">
               <a:rPr lang="en-US" smtClean="0"/>
-              <a:t>2/22/2021</a:t>
+              <a:t>2/28/2021</a:t>
             </a:fld>
             <a:endParaRPr lang="en-US"/>
           </a:p>
@@ -473,7 +475,7 @@
           <a:p>
             <a:fld id="{2EE5EF10-3D11-419F-A8C1-99878D53651A}" type="datetimeFigureOut">
               <a:rPr lang="en-US" smtClean="0"/>
-              <a:t>2/22/2021</a:t>
+              <a:t>2/28/2021</a:t>
             </a:fld>
             <a:endParaRPr lang="en-US"/>
           </a:p>
@@ -681,7 +683,7 @@
           <a:p>
             <a:fld id="{2EE5EF10-3D11-419F-A8C1-99878D53651A}" type="datetimeFigureOut">
               <a:rPr lang="en-US" smtClean="0"/>
-              <a:t>2/22/2021</a:t>
+              <a:t>2/28/2021</a:t>
             </a:fld>
             <a:endParaRPr lang="en-US"/>
           </a:p>
@@ -879,7 +881,7 @@
           <a:p>
             <a:fld id="{2EE5EF10-3D11-419F-A8C1-99878D53651A}" type="datetimeFigureOut">
               <a:rPr lang="en-US" smtClean="0"/>
-              <a:t>2/22/2021</a:t>
+              <a:t>2/28/2021</a:t>
             </a:fld>
             <a:endParaRPr lang="en-US"/>
           </a:p>
@@ -1154,7 +1156,7 @@
           <a:p>
             <a:fld id="{2EE5EF10-3D11-419F-A8C1-99878D53651A}" type="datetimeFigureOut">
               <a:rPr lang="en-US" smtClean="0"/>
-              <a:t>2/22/2021</a:t>
+              <a:t>2/28/2021</a:t>
             </a:fld>
             <a:endParaRPr lang="en-US"/>
           </a:p>
@@ -1419,7 +1421,7 @@
           <a:p>
             <a:fld id="{2EE5EF10-3D11-419F-A8C1-99878D53651A}" type="datetimeFigureOut">
               <a:rPr lang="en-US" smtClean="0"/>
-              <a:t>2/22/2021</a:t>
+              <a:t>2/28/2021</a:t>
             </a:fld>
             <a:endParaRPr lang="en-US"/>
           </a:p>
@@ -1831,7 +1833,7 @@
           <a:p>
             <a:fld id="{2EE5EF10-3D11-419F-A8C1-99878D53651A}" type="datetimeFigureOut">
               <a:rPr lang="en-US" smtClean="0"/>
-              <a:t>2/22/2021</a:t>
+              <a:t>2/28/2021</a:t>
             </a:fld>
             <a:endParaRPr lang="en-US"/>
           </a:p>
@@ -1972,7 +1974,7 @@
           <a:p>
             <a:fld id="{2EE5EF10-3D11-419F-A8C1-99878D53651A}" type="datetimeFigureOut">
               <a:rPr lang="en-US" smtClean="0"/>
-              <a:t>2/22/2021</a:t>
+              <a:t>2/28/2021</a:t>
             </a:fld>
             <a:endParaRPr lang="en-US"/>
           </a:p>
@@ -2085,7 +2087,7 @@
           <a:p>
             <a:fld id="{2EE5EF10-3D11-419F-A8C1-99878D53651A}" type="datetimeFigureOut">
               <a:rPr lang="en-US" smtClean="0"/>
-              <a:t>2/22/2021</a:t>
+              <a:t>2/28/2021</a:t>
             </a:fld>
             <a:endParaRPr lang="en-US"/>
           </a:p>
@@ -2396,7 +2398,7 @@
           <a:p>
             <a:fld id="{2EE5EF10-3D11-419F-A8C1-99878D53651A}" type="datetimeFigureOut">
               <a:rPr lang="en-US" smtClean="0"/>
-              <a:t>2/22/2021</a:t>
+              <a:t>2/28/2021</a:t>
             </a:fld>
             <a:endParaRPr lang="en-US"/>
           </a:p>
@@ -2684,7 +2686,7 @@
           <a:p>
             <a:fld id="{2EE5EF10-3D11-419F-A8C1-99878D53651A}" type="datetimeFigureOut">
               <a:rPr lang="en-US" smtClean="0"/>
-              <a:t>2/22/2021</a:t>
+              <a:t>2/28/2021</a:t>
             </a:fld>
             <a:endParaRPr lang="en-US"/>
           </a:p>
@@ -2925,7 +2927,7 @@
           <a:p>
             <a:fld id="{2EE5EF10-3D11-419F-A8C1-99878D53651A}" type="datetimeFigureOut">
               <a:rPr lang="en-US" smtClean="0"/>
-              <a:t>2/22/2021</a:t>
+              <a:t>2/28/2021</a:t>
             </a:fld>
             <a:endParaRPr lang="en-US"/>
           </a:p>
@@ -6640,10 +6642,63 @@
         </p:nvSpPr>
         <p:spPr/>
         <p:txBody>
-          <a:bodyPr/>
+          <a:bodyPr>
+            <a:normAutofit lnSpcReduction="10000"/>
+          </a:bodyPr>
           <a:lstStyle/>
           <a:p>
-            <a:endParaRPr lang="en-US"/>
+            <a:r>
+              <a:rPr lang="en-US" dirty="0"/>
+              <a:t>Resolution parameter in Nodes and Clients are not used in Event Queue model</a:t>
+            </a:r>
+          </a:p>
+          <a:p>
+            <a:r>
+              <a:rPr lang="en-US" dirty="0" err="1"/>
+              <a:t>EventQueue</a:t>
+            </a:r>
+            <a:r>
+              <a:rPr lang="en-US" dirty="0"/>
+              <a:t> with actual time will create </a:t>
+            </a:r>
+            <a:r>
+              <a:rPr lang="en-US" b="1" dirty="0"/>
+              <a:t>time gaps </a:t>
+            </a:r>
+            <a:r>
+              <a:rPr lang="en-US" dirty="0"/>
+              <a:t>in creating and routing packets, because of processing of events. So, instead, we create simulation timestep which increases by 1 after each step. The resolution parameter says whether it’s a </a:t>
+            </a:r>
+            <a:r>
+              <a:rPr lang="en-US" dirty="0" err="1"/>
+              <a:t>ms</a:t>
+            </a:r>
+            <a:r>
+              <a:rPr lang="en-US" dirty="0"/>
+              <a:t>/</a:t>
+            </a:r>
+            <a:r>
+              <a:rPr lang="en-US" dirty="0" err="1"/>
+              <a:t>mcs</a:t>
+            </a:r>
+            <a:r>
+              <a:rPr lang="en-US" dirty="0"/>
+              <a:t>/ns. A lot of other parameters are defined in </a:t>
+            </a:r>
+            <a:r>
+              <a:rPr lang="en-US" dirty="0" err="1"/>
+              <a:t>ms</a:t>
+            </a:r>
+            <a:r>
+              <a:rPr lang="en-US" dirty="0"/>
+              <a:t>/s. So, we need to adjust their calculations based on simulation timestep unit.</a:t>
+            </a:r>
+          </a:p>
+          <a:p>
+            <a:r>
+              <a:rPr lang="en-US" dirty="0"/>
+              <a:t>Heap is sometime reconstructed and events with the same time can be reordered. So, we need to serialize events by adding microseconds.</a:t>
+            </a:r>
           </a:p>
         </p:txBody>
       </p:sp>
@@ -6651,6 +6706,314 @@
     <p:extLst>
       <p:ext uri="{BB962C8B-B14F-4D97-AF65-F5344CB8AC3E}">
         <p14:creationId xmlns:p14="http://schemas.microsoft.com/office/powerpoint/2010/main" val="2008062780"/>
+      </p:ext>
+    </p:extLst>
+  </p:cSld>
+  <p:clrMapOvr>
+    <a:masterClrMapping/>
+  </p:clrMapOvr>
+</p:sld>
+</file>
+
+<file path=ppt/slides/slide18.xml><?xml version="1.0" encoding="utf-8"?>
+<p:sld xmlns:a="http://schemas.openxmlformats.org/drawingml/2006/main" xmlns:r="http://schemas.openxmlformats.org/officeDocument/2006/relationships" xmlns:p="http://schemas.openxmlformats.org/presentationml/2006/main">
+  <p:cSld>
+    <p:spTree>
+      <p:nvGrpSpPr>
+        <p:cNvPr id="1" name=""/>
+        <p:cNvGrpSpPr/>
+        <p:nvPr/>
+      </p:nvGrpSpPr>
+      <p:grpSpPr>
+        <a:xfrm>
+          <a:off x="0" y="0"/>
+          <a:ext cx="0" cy="0"/>
+          <a:chOff x="0" y="0"/>
+          <a:chExt cx="0" cy="0"/>
+        </a:xfrm>
+      </p:grpSpPr>
+      <p:sp>
+        <p:nvSpPr>
+          <p:cNvPr id="2" name="Title 1">
+            <a:extLst>
+              <a:ext uri="{FF2B5EF4-FFF2-40B4-BE49-F238E27FC236}">
+                <a16:creationId xmlns:a16="http://schemas.microsoft.com/office/drawing/2014/main" id="{CE25493D-F2E8-46C3-A547-911E124EB9F8}"/>
+              </a:ext>
+            </a:extLst>
+          </p:cNvPr>
+          <p:cNvSpPr>
+            <a:spLocks noGrp="1"/>
+          </p:cNvSpPr>
+          <p:nvPr>
+            <p:ph type="title"/>
+          </p:nvPr>
+        </p:nvSpPr>
+        <p:spPr/>
+        <p:txBody>
+          <a:bodyPr/>
+          <a:lstStyle/>
+          <a:p>
+            <a:r>
+              <a:rPr lang="en-US" dirty="0"/>
+              <a:t>Transmission delay in MS</a:t>
+            </a:r>
+          </a:p>
+        </p:txBody>
+      </p:sp>
+      <p:sp>
+        <p:nvSpPr>
+          <p:cNvPr id="3" name="Content Placeholder 2">
+            <a:extLst>
+              <a:ext uri="{FF2B5EF4-FFF2-40B4-BE49-F238E27FC236}">
+                <a16:creationId xmlns:a16="http://schemas.microsoft.com/office/drawing/2014/main" id="{A1DD7359-0EBE-4A37-B0D8-ADB0C7585AF8}"/>
+              </a:ext>
+            </a:extLst>
+          </p:cNvPr>
+          <p:cNvSpPr>
+            <a:spLocks noGrp="1"/>
+          </p:cNvSpPr>
+          <p:nvPr>
+            <p:ph idx="1"/>
+          </p:nvPr>
+        </p:nvSpPr>
+        <p:spPr/>
+        <p:txBody>
+          <a:bodyPr/>
+          <a:lstStyle/>
+          <a:p>
+            <a:pPr marL="0" indent="0">
+              <a:buNone/>
+            </a:pPr>
+            <a:r>
+              <a:rPr lang="en-US" dirty="0"/>
+              <a:t>Transmission delay is the amount of time required to push one BYTE to a channel: A 20 B packet requires: </a:t>
+            </a:r>
+          </a:p>
+          <a:p>
+            <a:pPr marL="0" indent="0">
+              <a:buNone/>
+            </a:pPr>
+            <a:r>
+              <a:rPr lang="en-US" dirty="0"/>
+              <a:t>20 * </a:t>
+            </a:r>
+            <a:r>
+              <a:rPr lang="en-US" dirty="0" err="1"/>
+              <a:t>transmissionDelayPerByte</a:t>
+            </a:r>
+            <a:r>
+              <a:rPr lang="en-US" dirty="0"/>
+              <a:t> amount of time.</a:t>
+            </a:r>
+          </a:p>
+          <a:p>
+            <a:pPr marL="0" indent="0">
+              <a:buNone/>
+            </a:pPr>
+            <a:endParaRPr lang="en-US" dirty="0"/>
+          </a:p>
+          <a:p>
+            <a:pPr marL="0" indent="0">
+              <a:buNone/>
+            </a:pPr>
+            <a:r>
+              <a:rPr lang="en-US" dirty="0"/>
+              <a:t>If </a:t>
+            </a:r>
+            <a:r>
+              <a:rPr lang="en-US" b="1" dirty="0" err="1"/>
+              <a:t>transmissionDelayPerByte</a:t>
+            </a:r>
+            <a:r>
+              <a:rPr lang="en-US" dirty="0"/>
+              <a:t> is 0.0001ms, it would take 0.002 </a:t>
+            </a:r>
+            <a:r>
+              <a:rPr lang="en-US" dirty="0" err="1"/>
+              <a:t>ms</a:t>
+            </a:r>
+            <a:r>
+              <a:rPr lang="en-US" dirty="0"/>
+              <a:t> or 2 </a:t>
+            </a:r>
+            <a:r>
+              <a:rPr lang="en-US"/>
+              <a:t>micro seconds </a:t>
+            </a:r>
+            <a:r>
+              <a:rPr lang="en-US" dirty="0"/>
+              <a:t>to push the packet into a channel. </a:t>
+            </a:r>
+          </a:p>
+          <a:p>
+            <a:endParaRPr lang="en-US" dirty="0"/>
+          </a:p>
+        </p:txBody>
+      </p:sp>
+    </p:spTree>
+    <p:extLst>
+      <p:ext uri="{BB962C8B-B14F-4D97-AF65-F5344CB8AC3E}">
+        <p14:creationId xmlns:p14="http://schemas.microsoft.com/office/powerpoint/2010/main" val="3171713153"/>
+      </p:ext>
+    </p:extLst>
+  </p:cSld>
+  <p:clrMapOvr>
+    <a:masterClrMapping/>
+  </p:clrMapOvr>
+</p:sld>
+</file>
+
+<file path=ppt/slides/slide19.xml><?xml version="1.0" encoding="utf-8"?>
+<p:sld xmlns:a="http://schemas.openxmlformats.org/drawingml/2006/main" xmlns:r="http://schemas.openxmlformats.org/officeDocument/2006/relationships" xmlns:p="http://schemas.openxmlformats.org/presentationml/2006/main">
+  <p:cSld>
+    <p:spTree>
+      <p:nvGrpSpPr>
+        <p:cNvPr id="1" name=""/>
+        <p:cNvGrpSpPr/>
+        <p:nvPr/>
+      </p:nvGrpSpPr>
+      <p:grpSpPr>
+        <a:xfrm>
+          <a:off x="0" y="0"/>
+          <a:ext cx="0" cy="0"/>
+          <a:chOff x="0" y="0"/>
+          <a:chExt cx="0" cy="0"/>
+        </a:xfrm>
+      </p:grpSpPr>
+      <p:sp>
+        <p:nvSpPr>
+          <p:cNvPr id="2" name="Title 1">
+            <a:extLst>
+              <a:ext uri="{FF2B5EF4-FFF2-40B4-BE49-F238E27FC236}">
+                <a16:creationId xmlns:a16="http://schemas.microsoft.com/office/drawing/2014/main" id="{D8449BCD-2DDB-49AE-A814-1FC20D297545}"/>
+              </a:ext>
+            </a:extLst>
+          </p:cNvPr>
+          <p:cNvSpPr>
+            <a:spLocks noGrp="1"/>
+          </p:cNvSpPr>
+          <p:nvPr>
+            <p:ph type="title"/>
+          </p:nvPr>
+        </p:nvSpPr>
+        <p:spPr/>
+        <p:txBody>
+          <a:bodyPr/>
+          <a:lstStyle/>
+          <a:p>
+            <a:r>
+              <a:rPr lang="en-US" dirty="0"/>
+              <a:t>Where there will be no queuing</a:t>
+            </a:r>
+          </a:p>
+        </p:txBody>
+      </p:sp>
+      <p:sp>
+        <p:nvSpPr>
+          <p:cNvPr id="3" name="Content Placeholder 2">
+            <a:extLst>
+              <a:ext uri="{FF2B5EF4-FFF2-40B4-BE49-F238E27FC236}">
+                <a16:creationId xmlns:a16="http://schemas.microsoft.com/office/drawing/2014/main" id="{62CDB0F8-7CA7-423C-8485-0B4986D5C0B4}"/>
+              </a:ext>
+            </a:extLst>
+          </p:cNvPr>
+          <p:cNvSpPr>
+            <a:spLocks noGrp="1"/>
+          </p:cNvSpPr>
+          <p:nvPr>
+            <p:ph idx="1"/>
+          </p:nvPr>
+        </p:nvSpPr>
+        <p:spPr/>
+        <p:txBody>
+          <a:bodyPr>
+            <a:normAutofit fontScale="92500" lnSpcReduction="10000"/>
+          </a:bodyPr>
+          <a:lstStyle/>
+          <a:p>
+            <a:pPr marL="0" indent="0">
+              <a:buNone/>
+            </a:pPr>
+            <a:r>
+              <a:rPr lang="en-US" dirty="0"/>
+              <a:t>Let’s say our queue size is 5 and 5 packets arrived at time 1000Here are the events that will happen:</a:t>
+            </a:r>
+          </a:p>
+          <a:p>
+            <a:pPr marL="0" indent="0">
+              <a:buNone/>
+            </a:pPr>
+            <a:r>
+              <a:rPr lang="en-US" dirty="0"/>
+              <a:t>Arrive p1</a:t>
+            </a:r>
+          </a:p>
+          <a:p>
+            <a:pPr marL="0" indent="0">
+              <a:buNone/>
+            </a:pPr>
+            <a:r>
+              <a:rPr lang="en-US" dirty="0"/>
+              <a:t>Channel p1 (because as queue was empty, p1 will be pushed to the channel at 1000)</a:t>
+            </a:r>
+          </a:p>
+          <a:p>
+            <a:pPr marL="0" indent="0">
+              <a:buNone/>
+            </a:pPr>
+            <a:r>
+              <a:rPr lang="en-US" dirty="0"/>
+              <a:t>Arrive p2</a:t>
+            </a:r>
+          </a:p>
+          <a:p>
+            <a:pPr marL="0" indent="0">
+              <a:buNone/>
+            </a:pPr>
+            <a:r>
+              <a:rPr lang="en-US" dirty="0"/>
+              <a:t>Channel p2</a:t>
+            </a:r>
+          </a:p>
+          <a:p>
+            <a:pPr marL="0" indent="0">
+              <a:buNone/>
+            </a:pPr>
+            <a:r>
+              <a:rPr lang="en-US" dirty="0" err="1"/>
+              <a:t>Arri</a:t>
+            </a:r>
+            <a:r>
+              <a:rPr lang="en-US" dirty="0"/>
+              <a:t>…</a:t>
+            </a:r>
+          </a:p>
+          <a:p>
+            <a:pPr marL="0" indent="0">
+              <a:buNone/>
+            </a:pPr>
+            <a:r>
+              <a:rPr lang="en-US" dirty="0"/>
+              <a:t>Because even if we had [A1, A2, A3, A4, A5] in the event queue at time 1000. Each of the arrival event will be put before the pending arrival events. So, queue will never have </a:t>
+            </a:r>
+            <a:r>
+              <a:rPr lang="en-US"/>
+              <a:t>more than 1 item.</a:t>
+            </a:r>
+            <a:endParaRPr lang="en-US" dirty="0"/>
+          </a:p>
+          <a:p>
+            <a:pPr marL="0" indent="0">
+              <a:buNone/>
+            </a:pPr>
+            <a:endParaRPr lang="en-US" dirty="0"/>
+          </a:p>
+        </p:txBody>
+      </p:sp>
+    </p:spTree>
+    <p:extLst>
+      <p:ext uri="{BB962C8B-B14F-4D97-AF65-F5344CB8AC3E}">
+        <p14:creationId xmlns:p14="http://schemas.microsoft.com/office/powerpoint/2010/main" val="2893417731"/>
       </p:ext>
     </p:extLst>
   </p:cSld>

--- a/doc/plan.pptx
+++ b/doc/plan.pptx
@@ -24,6 +24,8 @@
     <p:sldId id="272" r:id="rId18"/>
     <p:sldId id="273" r:id="rId19"/>
     <p:sldId id="274" r:id="rId20"/>
+    <p:sldId id="275" r:id="rId21"/>
+    <p:sldId id="276" r:id="rId22"/>
   </p:sldIdLst>
   <p:sldSz cx="12192000" cy="6858000"/>
   <p:notesSz cx="6858000" cy="9144000"/>
@@ -277,7 +279,7 @@
           <a:p>
             <a:fld id="{2EE5EF10-3D11-419F-A8C1-99878D53651A}" type="datetimeFigureOut">
               <a:rPr lang="en-US" smtClean="0"/>
-              <a:t>2/28/2021</a:t>
+              <a:t>4/10/2021</a:t>
             </a:fld>
             <a:endParaRPr lang="en-US"/>
           </a:p>
@@ -475,7 +477,7 @@
           <a:p>
             <a:fld id="{2EE5EF10-3D11-419F-A8C1-99878D53651A}" type="datetimeFigureOut">
               <a:rPr lang="en-US" smtClean="0"/>
-              <a:t>2/28/2021</a:t>
+              <a:t>4/10/2021</a:t>
             </a:fld>
             <a:endParaRPr lang="en-US"/>
           </a:p>
@@ -683,7 +685,7 @@
           <a:p>
             <a:fld id="{2EE5EF10-3D11-419F-A8C1-99878D53651A}" type="datetimeFigureOut">
               <a:rPr lang="en-US" smtClean="0"/>
-              <a:t>2/28/2021</a:t>
+              <a:t>4/10/2021</a:t>
             </a:fld>
             <a:endParaRPr lang="en-US"/>
           </a:p>
@@ -881,7 +883,7 @@
           <a:p>
             <a:fld id="{2EE5EF10-3D11-419F-A8C1-99878D53651A}" type="datetimeFigureOut">
               <a:rPr lang="en-US" smtClean="0"/>
-              <a:t>2/28/2021</a:t>
+              <a:t>4/10/2021</a:t>
             </a:fld>
             <a:endParaRPr lang="en-US"/>
           </a:p>
@@ -1156,7 +1158,7 @@
           <a:p>
             <a:fld id="{2EE5EF10-3D11-419F-A8C1-99878D53651A}" type="datetimeFigureOut">
               <a:rPr lang="en-US" smtClean="0"/>
-              <a:t>2/28/2021</a:t>
+              <a:t>4/10/2021</a:t>
             </a:fld>
             <a:endParaRPr lang="en-US"/>
           </a:p>
@@ -1421,7 +1423,7 @@
           <a:p>
             <a:fld id="{2EE5EF10-3D11-419F-A8C1-99878D53651A}" type="datetimeFigureOut">
               <a:rPr lang="en-US" smtClean="0"/>
-              <a:t>2/28/2021</a:t>
+              <a:t>4/10/2021</a:t>
             </a:fld>
             <a:endParaRPr lang="en-US"/>
           </a:p>
@@ -1833,7 +1835,7 @@
           <a:p>
             <a:fld id="{2EE5EF10-3D11-419F-A8C1-99878D53651A}" type="datetimeFigureOut">
               <a:rPr lang="en-US" smtClean="0"/>
-              <a:t>2/28/2021</a:t>
+              <a:t>4/10/2021</a:t>
             </a:fld>
             <a:endParaRPr lang="en-US"/>
           </a:p>
@@ -1974,7 +1976,7 @@
           <a:p>
             <a:fld id="{2EE5EF10-3D11-419F-A8C1-99878D53651A}" type="datetimeFigureOut">
               <a:rPr lang="en-US" smtClean="0"/>
-              <a:t>2/28/2021</a:t>
+              <a:t>4/10/2021</a:t>
             </a:fld>
             <a:endParaRPr lang="en-US"/>
           </a:p>
@@ -2087,7 +2089,7 @@
           <a:p>
             <a:fld id="{2EE5EF10-3D11-419F-A8C1-99878D53651A}" type="datetimeFigureOut">
               <a:rPr lang="en-US" smtClean="0"/>
-              <a:t>2/28/2021</a:t>
+              <a:t>4/10/2021</a:t>
             </a:fld>
             <a:endParaRPr lang="en-US"/>
           </a:p>
@@ -2398,7 +2400,7 @@
           <a:p>
             <a:fld id="{2EE5EF10-3D11-419F-A8C1-99878D53651A}" type="datetimeFigureOut">
               <a:rPr lang="en-US" smtClean="0"/>
-              <a:t>2/28/2021</a:t>
+              <a:t>4/10/2021</a:t>
             </a:fld>
             <a:endParaRPr lang="en-US"/>
           </a:p>
@@ -2686,7 +2688,7 @@
           <a:p>
             <a:fld id="{2EE5EF10-3D11-419F-A8C1-99878D53651A}" type="datetimeFigureOut">
               <a:rPr lang="en-US" smtClean="0"/>
-              <a:t>2/28/2021</a:t>
+              <a:t>4/10/2021</a:t>
             </a:fld>
             <a:endParaRPr lang="en-US"/>
           </a:p>
@@ -2927,7 +2929,7 @@
           <a:p>
             <a:fld id="{2EE5EF10-3D11-419F-A8C1-99878D53651A}" type="datetimeFigureOut">
               <a:rPr lang="en-US" smtClean="0"/>
-              <a:t>2/28/2021</a:t>
+              <a:t>4/10/2021</a:t>
             </a:fld>
             <a:endParaRPr lang="en-US"/>
           </a:p>
@@ -7044,6 +7046,220 @@
     <p:extLst>
       <p:ext uri="{BB962C8B-B14F-4D97-AF65-F5344CB8AC3E}">
         <p14:creationId xmlns:p14="http://schemas.microsoft.com/office/powerpoint/2010/main" val="3715110427"/>
+      </p:ext>
+    </p:extLst>
+  </p:cSld>
+  <p:clrMapOvr>
+    <a:masterClrMapping/>
+  </p:clrMapOvr>
+</p:sld>
+</file>
+
+<file path=ppt/slides/slide20.xml><?xml version="1.0" encoding="utf-8"?>
+<p:sld xmlns:a="http://schemas.openxmlformats.org/drawingml/2006/main" xmlns:r="http://schemas.openxmlformats.org/officeDocument/2006/relationships" xmlns:p="http://schemas.openxmlformats.org/presentationml/2006/main">
+  <p:cSld>
+    <p:spTree>
+      <p:nvGrpSpPr>
+        <p:cNvPr id="1" name=""/>
+        <p:cNvGrpSpPr/>
+        <p:nvPr/>
+      </p:nvGrpSpPr>
+      <p:grpSpPr>
+        <a:xfrm>
+          <a:off x="0" y="0"/>
+          <a:ext cx="0" cy="0"/>
+          <a:chOff x="0" y="0"/>
+          <a:chExt cx="0" cy="0"/>
+        </a:xfrm>
+      </p:grpSpPr>
+      <p:sp>
+        <p:nvSpPr>
+          <p:cNvPr id="2" name="Title 1">
+            <a:extLst>
+              <a:ext uri="{FF2B5EF4-FFF2-40B4-BE49-F238E27FC236}">
+                <a16:creationId xmlns:a16="http://schemas.microsoft.com/office/drawing/2014/main" id="{BC9270A4-35A3-43E8-AD80-82FD792280FF}"/>
+              </a:ext>
+            </a:extLst>
+          </p:cNvPr>
+          <p:cNvSpPr>
+            <a:spLocks noGrp="1"/>
+          </p:cNvSpPr>
+          <p:nvPr>
+            <p:ph type="title"/>
+          </p:nvPr>
+        </p:nvSpPr>
+        <p:spPr/>
+        <p:txBody>
+          <a:bodyPr/>
+          <a:lstStyle/>
+          <a:p>
+            <a:r>
+              <a:rPr lang="en-US" dirty="0"/>
+              <a:t>Experimental plan</a:t>
+            </a:r>
+          </a:p>
+        </p:txBody>
+      </p:sp>
+      <p:sp>
+        <p:nvSpPr>
+          <p:cNvPr id="3" name="Content Placeholder 2">
+            <a:extLst>
+              <a:ext uri="{FF2B5EF4-FFF2-40B4-BE49-F238E27FC236}">
+                <a16:creationId xmlns:a16="http://schemas.microsoft.com/office/drawing/2014/main" id="{1731DBBB-F2FA-4BC9-A09D-13DCC5696929}"/>
+              </a:ext>
+            </a:extLst>
+          </p:cNvPr>
+          <p:cNvSpPr>
+            <a:spLocks noGrp="1"/>
+          </p:cNvSpPr>
+          <p:nvPr>
+            <p:ph idx="1"/>
+          </p:nvPr>
+        </p:nvSpPr>
+        <p:spPr/>
+        <p:txBody>
+          <a:bodyPr/>
+          <a:lstStyle/>
+          <a:p>
+            <a:r>
+              <a:rPr lang="en-US" dirty="0"/>
+              <a:t>Analysis RTT change over n-RTT time</a:t>
+            </a:r>
+          </a:p>
+          <a:p>
+            <a:r>
+              <a:rPr lang="en-US" dirty="0"/>
+              <a:t>Some power calculation which considers both expected throughput and RTT</a:t>
+            </a:r>
+          </a:p>
+          <a:p>
+            <a:r>
+              <a:rPr lang="en-US" dirty="0"/>
+              <a:t>Try to stress the network and see what would be the highest throughput.</a:t>
+            </a:r>
+          </a:p>
+          <a:p>
+            <a:r>
+              <a:rPr lang="en-US" dirty="0"/>
+              <a:t>Then try to achieve the best RTT</a:t>
+            </a:r>
+          </a:p>
+          <a:p>
+            <a:r>
+              <a:rPr lang="en-US" dirty="0"/>
+              <a:t>Then try to optimize a trade-off function.</a:t>
+            </a:r>
+          </a:p>
+        </p:txBody>
+      </p:sp>
+    </p:spTree>
+    <p:extLst>
+      <p:ext uri="{BB962C8B-B14F-4D97-AF65-F5344CB8AC3E}">
+        <p14:creationId xmlns:p14="http://schemas.microsoft.com/office/powerpoint/2010/main" val="2091914974"/>
+      </p:ext>
+    </p:extLst>
+  </p:cSld>
+  <p:clrMapOvr>
+    <a:masterClrMapping/>
+  </p:clrMapOvr>
+</p:sld>
+</file>
+
+<file path=ppt/slides/slide21.xml><?xml version="1.0" encoding="utf-8"?>
+<p:sld xmlns:a="http://schemas.openxmlformats.org/drawingml/2006/main" xmlns:r="http://schemas.openxmlformats.org/officeDocument/2006/relationships" xmlns:p="http://schemas.openxmlformats.org/presentationml/2006/main">
+  <p:cSld>
+    <p:spTree>
+      <p:nvGrpSpPr>
+        <p:cNvPr id="1" name=""/>
+        <p:cNvGrpSpPr/>
+        <p:nvPr/>
+      </p:nvGrpSpPr>
+      <p:grpSpPr>
+        <a:xfrm>
+          <a:off x="0" y="0"/>
+          <a:ext cx="0" cy="0"/>
+          <a:chOff x="0" y="0"/>
+          <a:chExt cx="0" cy="0"/>
+        </a:xfrm>
+      </p:grpSpPr>
+      <p:sp>
+        <p:nvSpPr>
+          <p:cNvPr id="2" name="Title 1">
+            <a:extLst>
+              <a:ext uri="{FF2B5EF4-FFF2-40B4-BE49-F238E27FC236}">
+                <a16:creationId xmlns:a16="http://schemas.microsoft.com/office/drawing/2014/main" id="{46AEFC0A-7D4A-40F2-85A2-321E33FA648A}"/>
+              </a:ext>
+            </a:extLst>
+          </p:cNvPr>
+          <p:cNvSpPr>
+            <a:spLocks noGrp="1"/>
+          </p:cNvSpPr>
+          <p:nvPr>
+            <p:ph type="title"/>
+          </p:nvPr>
+        </p:nvSpPr>
+        <p:spPr/>
+        <p:txBody>
+          <a:bodyPr/>
+          <a:lstStyle/>
+          <a:p>
+            <a:r>
+              <a:rPr lang="en-US" dirty="0" err="1"/>
+              <a:t>Visualisation</a:t>
+            </a:r>
+            <a:endParaRPr lang="en-US" dirty="0"/>
+          </a:p>
+        </p:txBody>
+      </p:sp>
+      <p:sp>
+        <p:nvSpPr>
+          <p:cNvPr id="3" name="Content Placeholder 2">
+            <a:extLst>
+              <a:ext uri="{FF2B5EF4-FFF2-40B4-BE49-F238E27FC236}">
+                <a16:creationId xmlns:a16="http://schemas.microsoft.com/office/drawing/2014/main" id="{A8D8E5E7-0E73-4A7B-8470-B3A396E106CB}"/>
+              </a:ext>
+            </a:extLst>
+          </p:cNvPr>
+          <p:cNvSpPr>
+            <a:spLocks noGrp="1"/>
+          </p:cNvSpPr>
+          <p:nvPr>
+            <p:ph idx="1"/>
+          </p:nvPr>
+        </p:nvSpPr>
+        <p:spPr/>
+        <p:txBody>
+          <a:bodyPr/>
+          <a:lstStyle/>
+          <a:p>
+            <a:r>
+              <a:rPr lang="en-US" dirty="0"/>
+              <a:t>Node summary every 100ms.</a:t>
+            </a:r>
+          </a:p>
+          <a:p>
+            <a:r>
+              <a:rPr lang="en-US" dirty="0"/>
+              <a:t>All nodes like a </a:t>
+            </a:r>
+            <a:r>
+              <a:rPr lang="en-US" dirty="0" err="1"/>
+              <a:t>barchart</a:t>
+            </a:r>
+            <a:endParaRPr lang="en-US" dirty="0"/>
+          </a:p>
+          <a:p>
+            <a:r>
+              <a:rPr lang="en-US" dirty="0"/>
+              <a:t>Client summary every 100ms and put on the nodes.</a:t>
+            </a:r>
+          </a:p>
+        </p:txBody>
+      </p:sp>
+    </p:spTree>
+    <p:extLst>
+      <p:ext uri="{BB962C8B-B14F-4D97-AF65-F5344CB8AC3E}">
+        <p14:creationId xmlns:p14="http://schemas.microsoft.com/office/powerpoint/2010/main" val="3643172825"/>
       </p:ext>
     </p:extLst>
   </p:cSld>

--- a/doc/plan.pptx
+++ b/doc/plan.pptx
@@ -26,6 +26,14 @@
     <p:sldId id="274" r:id="rId20"/>
     <p:sldId id="275" r:id="rId21"/>
     <p:sldId id="276" r:id="rId22"/>
+    <p:sldId id="277" r:id="rId23"/>
+    <p:sldId id="281" r:id="rId24"/>
+    <p:sldId id="283" r:id="rId25"/>
+    <p:sldId id="284" r:id="rId26"/>
+    <p:sldId id="282" r:id="rId27"/>
+    <p:sldId id="278" r:id="rId28"/>
+    <p:sldId id="279" r:id="rId29"/>
+    <p:sldId id="280" r:id="rId30"/>
   </p:sldIdLst>
   <p:sldSz cx="12192000" cy="6858000"/>
   <p:notesSz cx="6858000" cy="9144000"/>
@@ -279,7 +287,7 @@
           <a:p>
             <a:fld id="{2EE5EF10-3D11-419F-A8C1-99878D53651A}" type="datetimeFigureOut">
               <a:rPr lang="en-US" smtClean="0"/>
-              <a:t>4/10/2021</a:t>
+              <a:t>4/13/2021</a:t>
             </a:fld>
             <a:endParaRPr lang="en-US"/>
           </a:p>
@@ -477,7 +485,7 @@
           <a:p>
             <a:fld id="{2EE5EF10-3D11-419F-A8C1-99878D53651A}" type="datetimeFigureOut">
               <a:rPr lang="en-US" smtClean="0"/>
-              <a:t>4/10/2021</a:t>
+              <a:t>4/13/2021</a:t>
             </a:fld>
             <a:endParaRPr lang="en-US"/>
           </a:p>
@@ -685,7 +693,7 @@
           <a:p>
             <a:fld id="{2EE5EF10-3D11-419F-A8C1-99878D53651A}" type="datetimeFigureOut">
               <a:rPr lang="en-US" smtClean="0"/>
-              <a:t>4/10/2021</a:t>
+              <a:t>4/13/2021</a:t>
             </a:fld>
             <a:endParaRPr lang="en-US"/>
           </a:p>
@@ -883,7 +891,7 @@
           <a:p>
             <a:fld id="{2EE5EF10-3D11-419F-A8C1-99878D53651A}" type="datetimeFigureOut">
               <a:rPr lang="en-US" smtClean="0"/>
-              <a:t>4/10/2021</a:t>
+              <a:t>4/13/2021</a:t>
             </a:fld>
             <a:endParaRPr lang="en-US"/>
           </a:p>
@@ -1158,7 +1166,7 @@
           <a:p>
             <a:fld id="{2EE5EF10-3D11-419F-A8C1-99878D53651A}" type="datetimeFigureOut">
               <a:rPr lang="en-US" smtClean="0"/>
-              <a:t>4/10/2021</a:t>
+              <a:t>4/13/2021</a:t>
             </a:fld>
             <a:endParaRPr lang="en-US"/>
           </a:p>
@@ -1423,7 +1431,7 @@
           <a:p>
             <a:fld id="{2EE5EF10-3D11-419F-A8C1-99878D53651A}" type="datetimeFigureOut">
               <a:rPr lang="en-US" smtClean="0"/>
-              <a:t>4/10/2021</a:t>
+              <a:t>4/13/2021</a:t>
             </a:fld>
             <a:endParaRPr lang="en-US"/>
           </a:p>
@@ -1835,7 +1843,7 @@
           <a:p>
             <a:fld id="{2EE5EF10-3D11-419F-A8C1-99878D53651A}" type="datetimeFigureOut">
               <a:rPr lang="en-US" smtClean="0"/>
-              <a:t>4/10/2021</a:t>
+              <a:t>4/13/2021</a:t>
             </a:fld>
             <a:endParaRPr lang="en-US"/>
           </a:p>
@@ -1976,7 +1984,7 @@
           <a:p>
             <a:fld id="{2EE5EF10-3D11-419F-A8C1-99878D53651A}" type="datetimeFigureOut">
               <a:rPr lang="en-US" smtClean="0"/>
-              <a:t>4/10/2021</a:t>
+              <a:t>4/13/2021</a:t>
             </a:fld>
             <a:endParaRPr lang="en-US"/>
           </a:p>
@@ -2089,7 +2097,7 @@
           <a:p>
             <a:fld id="{2EE5EF10-3D11-419F-A8C1-99878D53651A}" type="datetimeFigureOut">
               <a:rPr lang="en-US" smtClean="0"/>
-              <a:t>4/10/2021</a:t>
+              <a:t>4/13/2021</a:t>
             </a:fld>
             <a:endParaRPr lang="en-US"/>
           </a:p>
@@ -2400,7 +2408,7 @@
           <a:p>
             <a:fld id="{2EE5EF10-3D11-419F-A8C1-99878D53651A}" type="datetimeFigureOut">
               <a:rPr lang="en-US" smtClean="0"/>
-              <a:t>4/10/2021</a:t>
+              <a:t>4/13/2021</a:t>
             </a:fld>
             <a:endParaRPr lang="en-US"/>
           </a:p>
@@ -2688,7 +2696,7 @@
           <a:p>
             <a:fld id="{2EE5EF10-3D11-419F-A8C1-99878D53651A}" type="datetimeFigureOut">
               <a:rPr lang="en-US" smtClean="0"/>
-              <a:t>4/10/2021</a:t>
+              <a:t>4/13/2021</a:t>
             </a:fld>
             <a:endParaRPr lang="en-US"/>
           </a:p>
@@ -2929,7 +2937,7 @@
           <a:p>
             <a:fld id="{2EE5EF10-3D11-419F-A8C1-99878D53651A}" type="datetimeFigureOut">
               <a:rPr lang="en-US" smtClean="0"/>
-              <a:t>4/10/2021</a:t>
+              <a:t>4/13/2021</a:t>
             </a:fld>
             <a:endParaRPr lang="en-US"/>
           </a:p>
@@ -7260,6 +7268,5822 @@
     <p:extLst>
       <p:ext uri="{BB962C8B-B14F-4D97-AF65-F5344CB8AC3E}">
         <p14:creationId xmlns:p14="http://schemas.microsoft.com/office/powerpoint/2010/main" val="3643172825"/>
+      </p:ext>
+    </p:extLst>
+  </p:cSld>
+  <p:clrMapOvr>
+    <a:masterClrMapping/>
+  </p:clrMapOvr>
+</p:sld>
+</file>
+
+<file path=ppt/slides/slide22.xml><?xml version="1.0" encoding="utf-8"?>
+<p:sld xmlns:a="http://schemas.openxmlformats.org/drawingml/2006/main" xmlns:r="http://schemas.openxmlformats.org/officeDocument/2006/relationships" xmlns:p="http://schemas.openxmlformats.org/presentationml/2006/main">
+  <p:cSld>
+    <p:spTree>
+      <p:nvGrpSpPr>
+        <p:cNvPr id="1" name=""/>
+        <p:cNvGrpSpPr/>
+        <p:nvPr/>
+      </p:nvGrpSpPr>
+      <p:grpSpPr>
+        <a:xfrm>
+          <a:off x="0" y="0"/>
+          <a:ext cx="0" cy="0"/>
+          <a:chOff x="0" y="0"/>
+          <a:chExt cx="0" cy="0"/>
+        </a:xfrm>
+      </p:grpSpPr>
+      <p:sp>
+        <p:nvSpPr>
+          <p:cNvPr id="2" name="Title 1">
+            <a:extLst>
+              <a:ext uri="{FF2B5EF4-FFF2-40B4-BE49-F238E27FC236}">
+                <a16:creationId xmlns:a16="http://schemas.microsoft.com/office/drawing/2014/main" id="{95FAE467-FBF4-4803-93EE-B751D0688E2F}"/>
+              </a:ext>
+            </a:extLst>
+          </p:cNvPr>
+          <p:cNvSpPr>
+            <a:spLocks noGrp="1"/>
+          </p:cNvSpPr>
+          <p:nvPr>
+            <p:ph type="title"/>
+          </p:nvPr>
+        </p:nvSpPr>
+        <p:spPr>
+          <a:xfrm>
+            <a:off x="682289" y="293489"/>
+            <a:ext cx="10515600" cy="1325563"/>
+          </a:xfrm>
+        </p:spPr>
+        <p:txBody>
+          <a:bodyPr/>
+          <a:lstStyle/>
+          <a:p>
+            <a:r>
+              <a:rPr lang="en-US" dirty="0"/>
+              <a:t>Experimental Setups</a:t>
+            </a:r>
+          </a:p>
+        </p:txBody>
+      </p:sp>
+      <p:graphicFrame>
+        <p:nvGraphicFramePr>
+          <p:cNvPr id="4" name="Table 3">
+            <a:extLst>
+              <a:ext uri="{FF2B5EF4-FFF2-40B4-BE49-F238E27FC236}">
+                <a16:creationId xmlns:a16="http://schemas.microsoft.com/office/drawing/2014/main" id="{9F3569AA-935C-4B26-A148-47E631F348E4}"/>
+              </a:ext>
+            </a:extLst>
+          </p:cNvPr>
+          <p:cNvGraphicFramePr>
+            <a:graphicFrameLocks noGrp="1"/>
+          </p:cNvGraphicFramePr>
+          <p:nvPr>
+            <p:extLst>
+              <p:ext uri="{D42A27DB-BD31-4B8C-83A1-F6EECF244321}">
+                <p14:modId xmlns:p14="http://schemas.microsoft.com/office/powerpoint/2010/main" val="3600561230"/>
+              </p:ext>
+            </p:extLst>
+          </p:nvPr>
+        </p:nvGraphicFramePr>
+        <p:xfrm>
+          <a:off x="682289" y="1764695"/>
+          <a:ext cx="10724535" cy="2966720"/>
+        </p:xfrm>
+        <a:graphic>
+          <a:graphicData uri="http://schemas.openxmlformats.org/drawingml/2006/table">
+            <a:tbl>
+              <a:tblPr firstRow="1" bandRow="1">
+                <a:tableStyleId>{5C22544A-7EE6-4342-B048-85BDC9FD1C3A}</a:tableStyleId>
+              </a:tblPr>
+              <a:tblGrid>
+                <a:gridCol w="1399340">
+                  <a:extLst>
+                    <a:ext uri="{9D8B030D-6E8A-4147-A177-3AD203B41FA5}">
+                      <a16:colId xmlns:a16="http://schemas.microsoft.com/office/drawing/2014/main" val="2374639023"/>
+                    </a:ext>
+                  </a:extLst>
+                </a:gridCol>
+                <a:gridCol w="3962928">
+                  <a:extLst>
+                    <a:ext uri="{9D8B030D-6E8A-4147-A177-3AD203B41FA5}">
+                      <a16:colId xmlns:a16="http://schemas.microsoft.com/office/drawing/2014/main" val="3821475244"/>
+                    </a:ext>
+                  </a:extLst>
+                </a:gridCol>
+                <a:gridCol w="1358483">
+                  <a:extLst>
+                    <a:ext uri="{9D8B030D-6E8A-4147-A177-3AD203B41FA5}">
+                      <a16:colId xmlns:a16="http://schemas.microsoft.com/office/drawing/2014/main" val="4072503055"/>
+                    </a:ext>
+                  </a:extLst>
+                </a:gridCol>
+                <a:gridCol w="2663218">
+                  <a:extLst>
+                    <a:ext uri="{9D8B030D-6E8A-4147-A177-3AD203B41FA5}">
+                      <a16:colId xmlns:a16="http://schemas.microsoft.com/office/drawing/2014/main" val="2684069863"/>
+                    </a:ext>
+                  </a:extLst>
+                </a:gridCol>
+                <a:gridCol w="1340566">
+                  <a:extLst>
+                    <a:ext uri="{9D8B030D-6E8A-4147-A177-3AD203B41FA5}">
+                      <a16:colId xmlns:a16="http://schemas.microsoft.com/office/drawing/2014/main" val="1184187100"/>
+                    </a:ext>
+                  </a:extLst>
+                </a:gridCol>
+              </a:tblGrid>
+              <a:tr h="370840">
+                <a:tc>
+                  <a:txBody>
+                    <a:bodyPr/>
+                    <a:lstStyle/>
+                    <a:p>
+                      <a:r>
+                        <a:rPr lang="en-US" sz="1100" dirty="0"/>
+                        <a:t>Client 1 </a:t>
+                      </a:r>
+                      <a:r>
+                        <a:rPr lang="en-US" sz="1100" dirty="0" err="1"/>
+                        <a:t>DeliveryR</a:t>
+                      </a:r>
+                      <a:endParaRPr lang="en-US" sz="1100" dirty="0"/>
+                    </a:p>
+                  </a:txBody>
+                  <a:tcPr/>
+                </a:tc>
+                <a:tc>
+                  <a:txBody>
+                    <a:bodyPr/>
+                    <a:lstStyle/>
+                    <a:p>
+                      <a:r>
+                        <a:rPr lang="en-US" sz="1100" dirty="0"/>
+                        <a:t>Client 1 Outs. P</a:t>
+                      </a:r>
+                    </a:p>
+                  </a:txBody>
+                  <a:tcPr/>
+                </a:tc>
+                <a:tc>
+                  <a:txBody>
+                    <a:bodyPr/>
+                    <a:lstStyle/>
+                    <a:p>
+                      <a:r>
+                        <a:rPr lang="en-US" sz="1100" dirty="0"/>
+                        <a:t>Client 2 </a:t>
+                      </a:r>
+                      <a:r>
+                        <a:rPr lang="en-US" sz="1100" dirty="0" err="1"/>
+                        <a:t>DeliveryR</a:t>
+                      </a:r>
+                      <a:endParaRPr lang="en-US" sz="1100" dirty="0"/>
+                    </a:p>
+                  </a:txBody>
+                  <a:tcPr/>
+                </a:tc>
+                <a:tc>
+                  <a:txBody>
+                    <a:bodyPr/>
+                    <a:lstStyle/>
+                    <a:p>
+                      <a:r>
+                        <a:rPr lang="en-US" sz="1100" dirty="0"/>
+                        <a:t>Client 2 Outs. P</a:t>
+                      </a:r>
+                    </a:p>
+                  </a:txBody>
+                  <a:tcPr/>
+                </a:tc>
+                <a:tc>
+                  <a:txBody>
+                    <a:bodyPr/>
+                    <a:lstStyle/>
+                    <a:p>
+                      <a:endParaRPr lang="en-US" sz="1100" dirty="0"/>
+                    </a:p>
+                  </a:txBody>
+                  <a:tcPr/>
+                </a:tc>
+                <a:extLst>
+                  <a:ext uri="{0D108BD9-81ED-4DB2-BD59-A6C34878D82A}">
+                    <a16:rowId xmlns:a16="http://schemas.microsoft.com/office/drawing/2014/main" val="2965219117"/>
+                  </a:ext>
+                </a:extLst>
+              </a:tr>
+              <a:tr h="370840">
+                <a:tc>
+                  <a:txBody>
+                    <a:bodyPr/>
+                    <a:lstStyle/>
+                    <a:p>
+                      <a:r>
+                        <a:rPr lang="en-US" sz="1100" dirty="0"/>
+                        <a:t>3000</a:t>
+                      </a:r>
+                    </a:p>
+                  </a:txBody>
+                  <a:tcPr/>
+                </a:tc>
+                <a:tc>
+                  <a:txBody>
+                    <a:bodyPr/>
+                    <a:lstStyle/>
+                    <a:p>
+                      <a:r>
+                        <a:rPr lang="en-US" sz="1100" dirty="0"/>
+                        <a:t>10</a:t>
+                      </a:r>
+                    </a:p>
+                  </a:txBody>
+                  <a:tcPr/>
+                </a:tc>
+                <a:tc>
+                  <a:txBody>
+                    <a:bodyPr/>
+                    <a:lstStyle/>
+                    <a:p>
+                      <a:r>
+                        <a:rPr lang="en-US" sz="1100" dirty="0"/>
+                        <a:t>3000</a:t>
+                      </a:r>
+                    </a:p>
+                  </a:txBody>
+                  <a:tcPr/>
+                </a:tc>
+                <a:tc>
+                  <a:txBody>
+                    <a:bodyPr/>
+                    <a:lstStyle/>
+                    <a:p>
+                      <a:r>
+                        <a:rPr lang="en-US" sz="1100" dirty="0"/>
+                        <a:t>10</a:t>
+                      </a:r>
+                    </a:p>
+                  </a:txBody>
+                  <a:tcPr/>
+                </a:tc>
+                <a:tc>
+                  <a:txBody>
+                    <a:bodyPr/>
+                    <a:lstStyle/>
+                    <a:p>
+                      <a:r>
+                        <a:rPr lang="en-US" sz="1100" dirty="0"/>
+                        <a:t>done</a:t>
+                      </a:r>
+                    </a:p>
+                  </a:txBody>
+                  <a:tcPr/>
+                </a:tc>
+                <a:extLst>
+                  <a:ext uri="{0D108BD9-81ED-4DB2-BD59-A6C34878D82A}">
+                    <a16:rowId xmlns:a16="http://schemas.microsoft.com/office/drawing/2014/main" val="3443055959"/>
+                  </a:ext>
+                </a:extLst>
+              </a:tr>
+              <a:tr h="370840">
+                <a:tc>
+                  <a:txBody>
+                    <a:bodyPr/>
+                    <a:lstStyle/>
+                    <a:p>
+                      <a:r>
+                        <a:rPr lang="en-US" sz="1100" dirty="0"/>
+                        <a:t>3000</a:t>
+                      </a:r>
+                    </a:p>
+                  </a:txBody>
+                  <a:tcPr/>
+                </a:tc>
+                <a:tc>
+                  <a:txBody>
+                    <a:bodyPr/>
+                    <a:lstStyle/>
+                    <a:p>
+                      <a:r>
+                        <a:rPr lang="en-US" sz="1100" dirty="0"/>
+                        <a:t>100</a:t>
+                      </a:r>
+                    </a:p>
+                  </a:txBody>
+                  <a:tcPr/>
+                </a:tc>
+                <a:tc>
+                  <a:txBody>
+                    <a:bodyPr/>
+                    <a:lstStyle/>
+                    <a:p>
+                      <a:r>
+                        <a:rPr lang="en-US" sz="1100" dirty="0"/>
+                        <a:t>3000</a:t>
+                      </a:r>
+                    </a:p>
+                  </a:txBody>
+                  <a:tcPr/>
+                </a:tc>
+                <a:tc>
+                  <a:txBody>
+                    <a:bodyPr/>
+                    <a:lstStyle/>
+                    <a:p>
+                      <a:r>
+                        <a:rPr lang="en-US" sz="1100" dirty="0"/>
+                        <a:t>100</a:t>
+                      </a:r>
+                    </a:p>
+                  </a:txBody>
+                  <a:tcPr/>
+                </a:tc>
+                <a:tc>
+                  <a:txBody>
+                    <a:bodyPr/>
+                    <a:lstStyle/>
+                    <a:p>
+                      <a:r>
+                        <a:rPr lang="en-US" sz="1100" dirty="0"/>
+                        <a:t>done</a:t>
+                      </a:r>
+                    </a:p>
+                  </a:txBody>
+                  <a:tcPr/>
+                </a:tc>
+                <a:extLst>
+                  <a:ext uri="{0D108BD9-81ED-4DB2-BD59-A6C34878D82A}">
+                    <a16:rowId xmlns:a16="http://schemas.microsoft.com/office/drawing/2014/main" val="1217165072"/>
+                  </a:ext>
+                </a:extLst>
+              </a:tr>
+              <a:tr h="370840">
+                <a:tc>
+                  <a:txBody>
+                    <a:bodyPr/>
+                    <a:lstStyle/>
+                    <a:p>
+                      <a:r>
+                        <a:rPr lang="en-US" sz="1100" dirty="0"/>
+                        <a:t>2000</a:t>
+                      </a:r>
+                    </a:p>
+                  </a:txBody>
+                  <a:tcPr/>
+                </a:tc>
+                <a:tc>
+                  <a:txBody>
+                    <a:bodyPr/>
+                    <a:lstStyle/>
+                    <a:p>
+                      <a:r>
+                        <a:rPr lang="en-US" sz="1100" dirty="0"/>
+                        <a:t>10</a:t>
+                      </a:r>
+                    </a:p>
+                  </a:txBody>
+                  <a:tcPr/>
+                </a:tc>
+                <a:tc>
+                  <a:txBody>
+                    <a:bodyPr/>
+                    <a:lstStyle/>
+                    <a:p>
+                      <a:r>
+                        <a:rPr lang="en-US" sz="1100" dirty="0"/>
+                        <a:t>2000</a:t>
+                      </a:r>
+                    </a:p>
+                  </a:txBody>
+                  <a:tcPr/>
+                </a:tc>
+                <a:tc>
+                  <a:txBody>
+                    <a:bodyPr/>
+                    <a:lstStyle/>
+                    <a:p>
+                      <a:r>
+                        <a:rPr lang="en-US" sz="1100" dirty="0"/>
+                        <a:t>10</a:t>
+                      </a:r>
+                    </a:p>
+                  </a:txBody>
+                  <a:tcPr/>
+                </a:tc>
+                <a:tc>
+                  <a:txBody>
+                    <a:bodyPr/>
+                    <a:lstStyle/>
+                    <a:p>
+                      <a:endParaRPr lang="en-US" sz="1100" dirty="0"/>
+                    </a:p>
+                  </a:txBody>
+                  <a:tcPr/>
+                </a:tc>
+                <a:extLst>
+                  <a:ext uri="{0D108BD9-81ED-4DB2-BD59-A6C34878D82A}">
+                    <a16:rowId xmlns:a16="http://schemas.microsoft.com/office/drawing/2014/main" val="3040960851"/>
+                  </a:ext>
+                </a:extLst>
+              </a:tr>
+              <a:tr h="370840">
+                <a:tc>
+                  <a:txBody>
+                    <a:bodyPr/>
+                    <a:lstStyle/>
+                    <a:p>
+                      <a:r>
+                        <a:rPr lang="en-US" sz="1100" dirty="0"/>
+                        <a:t>2000</a:t>
+                      </a:r>
+                    </a:p>
+                  </a:txBody>
+                  <a:tcPr/>
+                </a:tc>
+                <a:tc>
+                  <a:txBody>
+                    <a:bodyPr/>
+                    <a:lstStyle/>
+                    <a:p>
+                      <a:r>
+                        <a:rPr lang="en-US" sz="1100" dirty="0"/>
+                        <a:t>100</a:t>
+                      </a:r>
+                    </a:p>
+                  </a:txBody>
+                  <a:tcPr/>
+                </a:tc>
+                <a:tc>
+                  <a:txBody>
+                    <a:bodyPr/>
+                    <a:lstStyle/>
+                    <a:p>
+                      <a:r>
+                        <a:rPr lang="en-US" sz="1100" dirty="0"/>
+                        <a:t>2000</a:t>
+                      </a:r>
+                    </a:p>
+                  </a:txBody>
+                  <a:tcPr/>
+                </a:tc>
+                <a:tc>
+                  <a:txBody>
+                    <a:bodyPr/>
+                    <a:lstStyle/>
+                    <a:p>
+                      <a:r>
+                        <a:rPr lang="en-US" sz="1100" dirty="0"/>
+                        <a:t>100</a:t>
+                      </a:r>
+                    </a:p>
+                  </a:txBody>
+                  <a:tcPr/>
+                </a:tc>
+                <a:tc>
+                  <a:txBody>
+                    <a:bodyPr/>
+                    <a:lstStyle/>
+                    <a:p>
+                      <a:endParaRPr lang="en-US" sz="1100" dirty="0"/>
+                    </a:p>
+                  </a:txBody>
+                  <a:tcPr/>
+                </a:tc>
+                <a:extLst>
+                  <a:ext uri="{0D108BD9-81ED-4DB2-BD59-A6C34878D82A}">
+                    <a16:rowId xmlns:a16="http://schemas.microsoft.com/office/drawing/2014/main" val="1132704960"/>
+                  </a:ext>
+                </a:extLst>
+              </a:tr>
+              <a:tr h="370840">
+                <a:tc>
+                  <a:txBody>
+                    <a:bodyPr/>
+                    <a:lstStyle/>
+                    <a:p>
+                      <a:r>
+                        <a:rPr lang="en-US" sz="1100" dirty="0"/>
+                        <a:t>1500</a:t>
+                      </a:r>
+                    </a:p>
+                  </a:txBody>
+                  <a:tcPr/>
+                </a:tc>
+                <a:tc>
+                  <a:txBody>
+                    <a:bodyPr/>
+                    <a:lstStyle/>
+                    <a:p>
+                      <a:r>
+                        <a:rPr lang="en-US" sz="1100" dirty="0"/>
+                        <a:t>10</a:t>
+                      </a:r>
+                    </a:p>
+                  </a:txBody>
+                  <a:tcPr/>
+                </a:tc>
+                <a:tc>
+                  <a:txBody>
+                    <a:bodyPr/>
+                    <a:lstStyle/>
+                    <a:p>
+                      <a:r>
+                        <a:rPr lang="en-US" sz="1100" dirty="0"/>
+                        <a:t>3000</a:t>
+                      </a:r>
+                    </a:p>
+                  </a:txBody>
+                  <a:tcPr/>
+                </a:tc>
+                <a:tc>
+                  <a:txBody>
+                    <a:bodyPr/>
+                    <a:lstStyle/>
+                    <a:p>
+                      <a:r>
+                        <a:rPr lang="en-US" sz="1100" dirty="0"/>
+                        <a:t>10</a:t>
+                      </a:r>
+                    </a:p>
+                  </a:txBody>
+                  <a:tcPr/>
+                </a:tc>
+                <a:tc>
+                  <a:txBody>
+                    <a:bodyPr/>
+                    <a:lstStyle/>
+                    <a:p>
+                      <a:endParaRPr lang="en-US" sz="1100" dirty="0"/>
+                    </a:p>
+                  </a:txBody>
+                  <a:tcPr/>
+                </a:tc>
+                <a:extLst>
+                  <a:ext uri="{0D108BD9-81ED-4DB2-BD59-A6C34878D82A}">
+                    <a16:rowId xmlns:a16="http://schemas.microsoft.com/office/drawing/2014/main" val="1932248190"/>
+                  </a:ext>
+                </a:extLst>
+              </a:tr>
+              <a:tr h="370840">
+                <a:tc>
+                  <a:txBody>
+                    <a:bodyPr/>
+                    <a:lstStyle/>
+                    <a:p>
+                      <a:r>
+                        <a:rPr lang="en-US" sz="1100" dirty="0"/>
+                        <a:t>1500</a:t>
+                      </a:r>
+                    </a:p>
+                  </a:txBody>
+                  <a:tcPr/>
+                </a:tc>
+                <a:tc>
+                  <a:txBody>
+                    <a:bodyPr/>
+                    <a:lstStyle/>
+                    <a:p>
+                      <a:r>
+                        <a:rPr lang="en-US" sz="1100" dirty="0"/>
+                        <a:t>10</a:t>
+                      </a:r>
+                    </a:p>
+                  </a:txBody>
+                  <a:tcPr/>
+                </a:tc>
+                <a:tc>
+                  <a:txBody>
+                    <a:bodyPr/>
+                    <a:lstStyle/>
+                    <a:p>
+                      <a:r>
+                        <a:rPr lang="en-US" sz="1100" dirty="0"/>
+                        <a:t>100</a:t>
+                      </a:r>
+                    </a:p>
+                  </a:txBody>
+                  <a:tcPr/>
+                </a:tc>
+                <a:tc>
+                  <a:txBody>
+                    <a:bodyPr/>
+                    <a:lstStyle/>
+                    <a:p>
+                      <a:r>
+                        <a:rPr lang="en-US" sz="1100" dirty="0"/>
+                        <a:t>10</a:t>
+                      </a:r>
+                    </a:p>
+                  </a:txBody>
+                  <a:tcPr/>
+                </a:tc>
+                <a:tc>
+                  <a:txBody>
+                    <a:bodyPr/>
+                    <a:lstStyle/>
+                    <a:p>
+                      <a:endParaRPr lang="en-US" sz="1100" dirty="0"/>
+                    </a:p>
+                  </a:txBody>
+                  <a:tcPr/>
+                </a:tc>
+                <a:extLst>
+                  <a:ext uri="{0D108BD9-81ED-4DB2-BD59-A6C34878D82A}">
+                    <a16:rowId xmlns:a16="http://schemas.microsoft.com/office/drawing/2014/main" val="2750240695"/>
+                  </a:ext>
+                </a:extLst>
+              </a:tr>
+              <a:tr h="370840">
+                <a:tc>
+                  <a:txBody>
+                    <a:bodyPr/>
+                    <a:lstStyle/>
+                    <a:p>
+                      <a:r>
+                        <a:rPr lang="en-US" sz="1100" dirty="0"/>
+                        <a:t>1500</a:t>
+                      </a:r>
+                    </a:p>
+                  </a:txBody>
+                  <a:tcPr/>
+                </a:tc>
+                <a:tc>
+                  <a:txBody>
+                    <a:bodyPr/>
+                    <a:lstStyle/>
+                    <a:p>
+                      <a:r>
+                        <a:rPr lang="en-US" sz="1100" dirty="0"/>
+                        <a:t>10</a:t>
+                      </a:r>
+                    </a:p>
+                  </a:txBody>
+                  <a:tcPr/>
+                </a:tc>
+                <a:tc>
+                  <a:txBody>
+                    <a:bodyPr/>
+                    <a:lstStyle/>
+                    <a:p>
+                      <a:r>
+                        <a:rPr lang="en-US" sz="1100" dirty="0"/>
+                        <a:t>500</a:t>
+                      </a:r>
+                    </a:p>
+                  </a:txBody>
+                  <a:tcPr/>
+                </a:tc>
+                <a:tc>
+                  <a:txBody>
+                    <a:bodyPr/>
+                    <a:lstStyle/>
+                    <a:p>
+                      <a:r>
+                        <a:rPr lang="en-US" sz="1100" dirty="0"/>
+                        <a:t>10</a:t>
+                      </a:r>
+                    </a:p>
+                  </a:txBody>
+                  <a:tcPr/>
+                </a:tc>
+                <a:tc>
+                  <a:txBody>
+                    <a:bodyPr/>
+                    <a:lstStyle/>
+                    <a:p>
+                      <a:endParaRPr lang="en-US" sz="1100" dirty="0"/>
+                    </a:p>
+                  </a:txBody>
+                  <a:tcPr/>
+                </a:tc>
+                <a:extLst>
+                  <a:ext uri="{0D108BD9-81ED-4DB2-BD59-A6C34878D82A}">
+                    <a16:rowId xmlns:a16="http://schemas.microsoft.com/office/drawing/2014/main" val="2546591980"/>
+                  </a:ext>
+                </a:extLst>
+              </a:tr>
+            </a:tbl>
+          </a:graphicData>
+        </a:graphic>
+      </p:graphicFrame>
+    </p:spTree>
+    <p:extLst>
+      <p:ext uri="{BB962C8B-B14F-4D97-AF65-F5344CB8AC3E}">
+        <p14:creationId xmlns:p14="http://schemas.microsoft.com/office/powerpoint/2010/main" val="1212229510"/>
+      </p:ext>
+    </p:extLst>
+  </p:cSld>
+  <p:clrMapOvr>
+    <a:masterClrMapping/>
+  </p:clrMapOvr>
+</p:sld>
+</file>
+
+<file path=ppt/slides/slide23.xml><?xml version="1.0" encoding="utf-8"?>
+<p:sld xmlns:a="http://schemas.openxmlformats.org/drawingml/2006/main" xmlns:r="http://schemas.openxmlformats.org/officeDocument/2006/relationships" xmlns:p="http://schemas.openxmlformats.org/presentationml/2006/main">
+  <p:cSld>
+    <p:spTree>
+      <p:nvGrpSpPr>
+        <p:cNvPr id="1" name=""/>
+        <p:cNvGrpSpPr/>
+        <p:nvPr/>
+      </p:nvGrpSpPr>
+      <p:grpSpPr>
+        <a:xfrm>
+          <a:off x="0" y="0"/>
+          <a:ext cx="0" cy="0"/>
+          <a:chOff x="0" y="0"/>
+          <a:chExt cx="0" cy="0"/>
+        </a:xfrm>
+      </p:grpSpPr>
+      <p:sp>
+        <p:nvSpPr>
+          <p:cNvPr id="2" name="Title 1">
+            <a:extLst>
+              <a:ext uri="{FF2B5EF4-FFF2-40B4-BE49-F238E27FC236}">
+                <a16:creationId xmlns:a16="http://schemas.microsoft.com/office/drawing/2014/main" id="{154D3611-C458-4C72-977D-E381CEA25715}"/>
+              </a:ext>
+            </a:extLst>
+          </p:cNvPr>
+          <p:cNvSpPr>
+            <a:spLocks noGrp="1"/>
+          </p:cNvSpPr>
+          <p:nvPr>
+            <p:ph type="title"/>
+          </p:nvPr>
+        </p:nvSpPr>
+        <p:spPr/>
+        <p:txBody>
+          <a:bodyPr/>
+          <a:lstStyle/>
+          <a:p>
+            <a:r>
+              <a:rPr lang="en-US" dirty="0"/>
+              <a:t>Impact of delivery rate (node 2 at 2000/s)</a:t>
+            </a:r>
+          </a:p>
+        </p:txBody>
+      </p:sp>
+      <p:graphicFrame>
+        <p:nvGraphicFramePr>
+          <p:cNvPr id="4" name="Table 3">
+            <a:extLst>
+              <a:ext uri="{FF2B5EF4-FFF2-40B4-BE49-F238E27FC236}">
+                <a16:creationId xmlns:a16="http://schemas.microsoft.com/office/drawing/2014/main" id="{E41291CA-DC61-4A6A-AEF1-119EE3AA43DE}"/>
+              </a:ext>
+            </a:extLst>
+          </p:cNvPr>
+          <p:cNvGraphicFramePr>
+            <a:graphicFrameLocks noGrp="1"/>
+          </p:cNvGraphicFramePr>
+          <p:nvPr>
+            <p:extLst>
+              <p:ext uri="{D42A27DB-BD31-4B8C-83A1-F6EECF244321}">
+                <p14:modId xmlns:p14="http://schemas.microsoft.com/office/powerpoint/2010/main" val="3514257680"/>
+              </p:ext>
+            </p:extLst>
+          </p:nvPr>
+        </p:nvGraphicFramePr>
+        <p:xfrm>
+          <a:off x="923109" y="1764695"/>
+          <a:ext cx="9644743" cy="3656393"/>
+        </p:xfrm>
+        <a:graphic>
+          <a:graphicData uri="http://schemas.openxmlformats.org/drawingml/2006/table">
+            <a:tbl>
+              <a:tblPr firstRow="1" bandRow="1">
+                <a:tableStyleId>{5C22544A-7EE6-4342-B048-85BDC9FD1C3A}</a:tableStyleId>
+              </a:tblPr>
+              <a:tblGrid>
+                <a:gridCol w="629224">
+                  <a:extLst>
+                    <a:ext uri="{9D8B030D-6E8A-4147-A177-3AD203B41FA5}">
+                      <a16:colId xmlns:a16="http://schemas.microsoft.com/office/drawing/2014/main" val="2374639023"/>
+                    </a:ext>
+                  </a:extLst>
+                </a:gridCol>
+                <a:gridCol w="950074">
+                  <a:extLst>
+                    <a:ext uri="{9D8B030D-6E8A-4147-A177-3AD203B41FA5}">
+                      <a16:colId xmlns:a16="http://schemas.microsoft.com/office/drawing/2014/main" val="1972232827"/>
+                    </a:ext>
+                  </a:extLst>
+                </a:gridCol>
+                <a:gridCol w="1092531">
+                  <a:extLst>
+                    <a:ext uri="{9D8B030D-6E8A-4147-A177-3AD203B41FA5}">
+                      <a16:colId xmlns:a16="http://schemas.microsoft.com/office/drawing/2014/main" val="3821475244"/>
+                    </a:ext>
+                  </a:extLst>
+                </a:gridCol>
+                <a:gridCol w="990717">
+                  <a:extLst>
+                    <a:ext uri="{9D8B030D-6E8A-4147-A177-3AD203B41FA5}">
+                      <a16:colId xmlns:a16="http://schemas.microsoft.com/office/drawing/2014/main" val="4072503055"/>
+                    </a:ext>
+                  </a:extLst>
+                </a:gridCol>
+                <a:gridCol w="1002465">
+                  <a:extLst>
+                    <a:ext uri="{9D8B030D-6E8A-4147-A177-3AD203B41FA5}">
+                      <a16:colId xmlns:a16="http://schemas.microsoft.com/office/drawing/2014/main" val="2684069863"/>
+                    </a:ext>
+                  </a:extLst>
+                </a:gridCol>
+                <a:gridCol w="4979732">
+                  <a:extLst>
+                    <a:ext uri="{9D8B030D-6E8A-4147-A177-3AD203B41FA5}">
+                      <a16:colId xmlns:a16="http://schemas.microsoft.com/office/drawing/2014/main" val="1184187100"/>
+                    </a:ext>
+                  </a:extLst>
+                </a:gridCol>
+              </a:tblGrid>
+              <a:tr h="281261">
+                <a:tc>
+                  <a:txBody>
+                    <a:bodyPr/>
+                    <a:lstStyle/>
+                    <a:p>
+                      <a:r>
+                        <a:rPr lang="en-US" sz="800" dirty="0"/>
+                        <a:t>id</a:t>
+                      </a:r>
+                    </a:p>
+                  </a:txBody>
+                  <a:tcPr marT="0" marB="0" anchor="ctr"/>
+                </a:tc>
+                <a:tc>
+                  <a:txBody>
+                    <a:bodyPr/>
+                    <a:lstStyle/>
+                    <a:p>
+                      <a:r>
+                        <a:rPr lang="en-US" sz="800" dirty="0"/>
+                        <a:t>Client 1 </a:t>
+                      </a:r>
+                      <a:r>
+                        <a:rPr lang="en-US" sz="800" dirty="0" err="1"/>
+                        <a:t>DeliveryR</a:t>
+                      </a:r>
+                      <a:endParaRPr lang="en-US" sz="800" dirty="0"/>
+                    </a:p>
+                  </a:txBody>
+                  <a:tcPr marT="0" marB="0" anchor="ctr"/>
+                </a:tc>
+                <a:tc>
+                  <a:txBody>
+                    <a:bodyPr/>
+                    <a:lstStyle/>
+                    <a:p>
+                      <a:r>
+                        <a:rPr lang="en-US" sz="800" dirty="0"/>
+                        <a:t>Client 1 Outs. P</a:t>
+                      </a:r>
+                    </a:p>
+                  </a:txBody>
+                  <a:tcPr marT="0" marB="0" anchor="ctr"/>
+                </a:tc>
+                <a:tc>
+                  <a:txBody>
+                    <a:bodyPr/>
+                    <a:lstStyle/>
+                    <a:p>
+                      <a:r>
+                        <a:rPr lang="en-US" sz="800" dirty="0"/>
+                        <a:t>Client 2 </a:t>
+                      </a:r>
+                      <a:r>
+                        <a:rPr lang="en-US" sz="800" dirty="0" err="1"/>
+                        <a:t>DeliveryR</a:t>
+                      </a:r>
+                      <a:endParaRPr lang="en-US" sz="800" dirty="0"/>
+                    </a:p>
+                  </a:txBody>
+                  <a:tcPr marT="0" marB="0" anchor="ctr"/>
+                </a:tc>
+                <a:tc>
+                  <a:txBody>
+                    <a:bodyPr/>
+                    <a:lstStyle/>
+                    <a:p>
+                      <a:r>
+                        <a:rPr lang="en-US" sz="800" dirty="0"/>
+                        <a:t>Client 2 Outs. P</a:t>
+                      </a:r>
+                    </a:p>
+                  </a:txBody>
+                  <a:tcPr marT="0" marB="0" anchor="ctr"/>
+                </a:tc>
+                <a:tc>
+                  <a:txBody>
+                    <a:bodyPr/>
+                    <a:lstStyle/>
+                    <a:p>
+                      <a:r>
+                        <a:rPr lang="en-US" sz="800" dirty="0"/>
+                        <a:t>Comments on queue and </a:t>
+                      </a:r>
+                      <a:r>
+                        <a:rPr lang="en-US" sz="800" dirty="0" err="1"/>
+                        <a:t>rtt</a:t>
+                      </a:r>
+                      <a:endParaRPr lang="en-US" sz="800" dirty="0"/>
+                    </a:p>
+                  </a:txBody>
+                  <a:tcPr marT="0" marB="0" anchor="ctr"/>
+                </a:tc>
+                <a:extLst>
+                  <a:ext uri="{0D108BD9-81ED-4DB2-BD59-A6C34878D82A}">
+                    <a16:rowId xmlns:a16="http://schemas.microsoft.com/office/drawing/2014/main" val="2965219117"/>
+                  </a:ext>
+                </a:extLst>
+              </a:tr>
+              <a:tr h="281261">
+                <a:tc>
+                  <a:txBody>
+                    <a:bodyPr/>
+                    <a:lstStyle/>
+                    <a:p>
+                      <a:endParaRPr lang="en-US" sz="800" dirty="0"/>
+                    </a:p>
+                  </a:txBody>
+                  <a:tcPr marT="0" marB="0" anchor="ctr"/>
+                </a:tc>
+                <a:tc>
+                  <a:txBody>
+                    <a:bodyPr/>
+                    <a:lstStyle/>
+                    <a:p>
+                      <a:r>
+                        <a:rPr lang="en-US" sz="800" dirty="0"/>
+                        <a:t>1500</a:t>
+                      </a:r>
+                    </a:p>
+                  </a:txBody>
+                  <a:tcPr marT="0" marB="0" anchor="ctr"/>
+                </a:tc>
+                <a:tc>
+                  <a:txBody>
+                    <a:bodyPr/>
+                    <a:lstStyle/>
+                    <a:p>
+                      <a:r>
+                        <a:rPr lang="en-US" sz="800" dirty="0"/>
+                        <a:t>100</a:t>
+                      </a:r>
+                    </a:p>
+                  </a:txBody>
+                  <a:tcPr marT="0" marB="0" anchor="ctr"/>
+                </a:tc>
+                <a:tc>
+                  <a:txBody>
+                    <a:bodyPr/>
+                    <a:lstStyle/>
+                    <a:p>
+                      <a:r>
+                        <a:rPr lang="en-US" sz="800" dirty="0"/>
+                        <a:t>1500</a:t>
+                      </a:r>
+                    </a:p>
+                  </a:txBody>
+                  <a:tcPr marT="0" marB="0" anchor="ctr"/>
+                </a:tc>
+                <a:tc>
+                  <a:txBody>
+                    <a:bodyPr/>
+                    <a:lstStyle/>
+                    <a:p>
+                      <a:r>
+                        <a:rPr lang="en-US" sz="800" dirty="0"/>
+                        <a:t>100</a:t>
+                      </a:r>
+                    </a:p>
+                  </a:txBody>
+                  <a:tcPr marT="0" marB="0" anchor="ctr"/>
+                </a:tc>
+                <a:tc>
+                  <a:txBody>
+                    <a:bodyPr/>
+                    <a:lstStyle/>
+                    <a:p>
+                      <a:r>
+                        <a:rPr lang="en-US" sz="800" dirty="0"/>
+                        <a:t>Outstanding packets (30, 40), </a:t>
+                      </a:r>
+                      <a:r>
+                        <a:rPr lang="en-US" sz="800" dirty="0" err="1"/>
+                        <a:t>rtt</a:t>
+                      </a:r>
+                      <a:r>
+                        <a:rPr lang="en-US" sz="800" dirty="0"/>
+                        <a:t>(60, 70), </a:t>
+                      </a:r>
+                      <a:r>
+                        <a:rPr lang="en-US" sz="800" dirty="0">
+                          <a:solidFill>
+                            <a:srgbClr val="FF0000"/>
+                          </a:solidFill>
+                        </a:rPr>
+                        <a:t>queue (110, 120)</a:t>
+                      </a:r>
+                    </a:p>
+                  </a:txBody>
+                  <a:tcPr marT="0" marB="0" anchor="ctr"/>
+                </a:tc>
+                <a:extLst>
+                  <a:ext uri="{0D108BD9-81ED-4DB2-BD59-A6C34878D82A}">
+                    <a16:rowId xmlns:a16="http://schemas.microsoft.com/office/drawing/2014/main" val="3443055959"/>
+                  </a:ext>
+                </a:extLst>
+              </a:tr>
+              <a:tr h="281261">
+                <a:tc>
+                  <a:txBody>
+                    <a:bodyPr/>
+                    <a:lstStyle/>
+                    <a:p>
+                      <a:endParaRPr lang="en-US" sz="800" dirty="0"/>
+                    </a:p>
+                  </a:txBody>
+                  <a:tcPr marT="0" marB="0" anchor="ctr"/>
+                </a:tc>
+                <a:tc>
+                  <a:txBody>
+                    <a:bodyPr/>
+                    <a:lstStyle/>
+                    <a:p>
+                      <a:r>
+                        <a:rPr lang="en-US" sz="800" dirty="0"/>
+                        <a:t>1500</a:t>
+                      </a:r>
+                    </a:p>
+                  </a:txBody>
+                  <a:tcPr marT="0" marB="0" anchor="ctr"/>
+                </a:tc>
+                <a:tc>
+                  <a:txBody>
+                    <a:bodyPr/>
+                    <a:lstStyle/>
+                    <a:p>
+                      <a:r>
+                        <a:rPr lang="en-US" sz="800" dirty="0"/>
+                        <a:t>100</a:t>
+                      </a:r>
+                    </a:p>
+                  </a:txBody>
+                  <a:tcPr marT="0" marB="0" anchor="ctr"/>
+                </a:tc>
+                <a:tc>
+                  <a:txBody>
+                    <a:bodyPr/>
+                    <a:lstStyle/>
+                    <a:p>
+                      <a:r>
+                        <a:rPr lang="en-US" sz="800" dirty="0"/>
+                        <a:t>1000</a:t>
+                      </a:r>
+                    </a:p>
+                  </a:txBody>
+                  <a:tcPr marT="0" marB="0" anchor="ctr"/>
+                </a:tc>
+                <a:tc>
+                  <a:txBody>
+                    <a:bodyPr/>
+                    <a:lstStyle/>
+                    <a:p>
+                      <a:r>
+                        <a:rPr lang="en-US" sz="800" dirty="0"/>
+                        <a:t>100</a:t>
+                      </a:r>
+                    </a:p>
+                  </a:txBody>
+                  <a:tcPr marT="0" marB="0" anchor="ctr"/>
+                </a:tc>
+                <a:tc>
+                  <a:txBody>
+                    <a:bodyPr/>
+                    <a:lstStyle/>
+                    <a:p>
+                      <a:pPr marL="0" marR="0" lvl="0" indent="0" algn="l" defTabSz="914400" rtl="0" eaLnBrk="1" fontAlgn="auto" latinLnBrk="0" hangingPunct="1">
+                        <a:lnSpc>
+                          <a:spcPct val="100000"/>
+                        </a:lnSpc>
+                        <a:spcBef>
+                          <a:spcPts val="0"/>
+                        </a:spcBef>
+                        <a:spcAft>
+                          <a:spcPts val="0"/>
+                        </a:spcAft>
+                        <a:buClrTx/>
+                        <a:buSzTx/>
+                        <a:buFontTx/>
+                        <a:buNone/>
+                        <a:tabLst/>
+                        <a:defRPr/>
+                      </a:pPr>
+                      <a:r>
+                        <a:rPr lang="en-US" sz="800" dirty="0"/>
+                        <a:t>Outstanding packets (30, 40), </a:t>
+                      </a:r>
+                      <a:r>
+                        <a:rPr lang="en-US" sz="800" dirty="0" err="1"/>
+                        <a:t>rtt</a:t>
+                      </a:r>
+                      <a:r>
+                        <a:rPr lang="en-US" sz="800" dirty="0"/>
+                        <a:t>(60, 70), </a:t>
+                      </a:r>
+                      <a:r>
+                        <a:rPr lang="en-US" sz="800" dirty="0">
+                          <a:solidFill>
+                            <a:srgbClr val="FF0000"/>
+                          </a:solidFill>
+                        </a:rPr>
+                        <a:t>queue (110, 120)</a:t>
+                      </a:r>
+                    </a:p>
+                  </a:txBody>
+                  <a:tcPr marT="0" marB="0" anchor="ctr"/>
+                </a:tc>
+                <a:extLst>
+                  <a:ext uri="{0D108BD9-81ED-4DB2-BD59-A6C34878D82A}">
+                    <a16:rowId xmlns:a16="http://schemas.microsoft.com/office/drawing/2014/main" val="1217165072"/>
+                  </a:ext>
+                </a:extLst>
+              </a:tr>
+              <a:tr h="281261">
+                <a:tc>
+                  <a:txBody>
+                    <a:bodyPr/>
+                    <a:lstStyle/>
+                    <a:p>
+                      <a:endParaRPr lang="en-US" sz="800"/>
+                    </a:p>
+                  </a:txBody>
+                  <a:tcPr marT="0" marB="0" anchor="ctr"/>
+                </a:tc>
+                <a:tc>
+                  <a:txBody>
+                    <a:bodyPr/>
+                    <a:lstStyle/>
+                    <a:p>
+                      <a:r>
+                        <a:rPr lang="en-US" sz="800" dirty="0"/>
+                        <a:t>1500</a:t>
+                      </a:r>
+                    </a:p>
+                  </a:txBody>
+                  <a:tcPr marT="0" marB="0" anchor="ctr"/>
+                </a:tc>
+                <a:tc>
+                  <a:txBody>
+                    <a:bodyPr/>
+                    <a:lstStyle/>
+                    <a:p>
+                      <a:r>
+                        <a:rPr lang="en-US" sz="800" dirty="0"/>
+                        <a:t>100</a:t>
+                      </a:r>
+                    </a:p>
+                  </a:txBody>
+                  <a:tcPr marT="0" marB="0" anchor="ctr"/>
+                </a:tc>
+                <a:tc>
+                  <a:txBody>
+                    <a:bodyPr/>
+                    <a:lstStyle/>
+                    <a:p>
+                      <a:r>
+                        <a:rPr lang="en-US" sz="800" dirty="0"/>
+                        <a:t>500</a:t>
+                      </a:r>
+                    </a:p>
+                  </a:txBody>
+                  <a:tcPr marT="0" marB="0" anchor="ctr"/>
+                </a:tc>
+                <a:tc>
+                  <a:txBody>
+                    <a:bodyPr/>
+                    <a:lstStyle/>
+                    <a:p>
+                      <a:r>
+                        <a:rPr lang="en-US" sz="800" dirty="0"/>
+                        <a:t>100</a:t>
+                      </a:r>
+                    </a:p>
+                  </a:txBody>
+                  <a:tcPr marT="0" marB="0" anchor="ctr"/>
+                </a:tc>
+                <a:tc>
+                  <a:txBody>
+                    <a:bodyPr/>
+                    <a:lstStyle/>
+                    <a:p>
+                      <a:pPr marL="0" marR="0" lvl="0" indent="0" algn="l" defTabSz="914400" rtl="0" eaLnBrk="1" fontAlgn="auto" latinLnBrk="0" hangingPunct="1">
+                        <a:lnSpc>
+                          <a:spcPct val="100000"/>
+                        </a:lnSpc>
+                        <a:spcBef>
+                          <a:spcPts val="0"/>
+                        </a:spcBef>
+                        <a:spcAft>
+                          <a:spcPts val="0"/>
+                        </a:spcAft>
+                        <a:buClrTx/>
+                        <a:buSzTx/>
+                        <a:buFontTx/>
+                        <a:buNone/>
+                        <a:tabLst/>
+                        <a:defRPr/>
+                      </a:pPr>
+                      <a:r>
+                        <a:rPr lang="en-US" sz="800" dirty="0"/>
+                        <a:t>Outstanding packets (1, 2), </a:t>
+                      </a:r>
+                      <a:r>
+                        <a:rPr lang="en-US" sz="800" dirty="0" err="1"/>
+                        <a:t>rtt</a:t>
+                      </a:r>
+                      <a:r>
+                        <a:rPr lang="en-US" sz="800" dirty="0"/>
+                        <a:t>(2, 2.5), queue (2, 3)</a:t>
+                      </a:r>
+                    </a:p>
+                  </a:txBody>
+                  <a:tcPr marT="0" marB="0" anchor="ctr"/>
+                </a:tc>
+                <a:extLst>
+                  <a:ext uri="{0D108BD9-81ED-4DB2-BD59-A6C34878D82A}">
+                    <a16:rowId xmlns:a16="http://schemas.microsoft.com/office/drawing/2014/main" val="3040960851"/>
+                  </a:ext>
+                </a:extLst>
+              </a:tr>
+              <a:tr h="281261">
+                <a:tc>
+                  <a:txBody>
+                    <a:bodyPr/>
+                    <a:lstStyle/>
+                    <a:p>
+                      <a:endParaRPr lang="en-US" sz="800"/>
+                    </a:p>
+                  </a:txBody>
+                  <a:tcPr marT="0" marB="0" anchor="ctr"/>
+                </a:tc>
+                <a:tc>
+                  <a:txBody>
+                    <a:bodyPr/>
+                    <a:lstStyle/>
+                    <a:p>
+                      <a:r>
+                        <a:rPr lang="en-US" sz="800" dirty="0"/>
+                        <a:t>1000</a:t>
+                      </a:r>
+                    </a:p>
+                  </a:txBody>
+                  <a:tcPr marT="0" marB="0" anchor="ctr"/>
+                </a:tc>
+                <a:tc>
+                  <a:txBody>
+                    <a:bodyPr/>
+                    <a:lstStyle/>
+                    <a:p>
+                      <a:r>
+                        <a:rPr lang="en-US" sz="800" dirty="0"/>
+                        <a:t>100</a:t>
+                      </a:r>
+                    </a:p>
+                  </a:txBody>
+                  <a:tcPr marT="0" marB="0" anchor="ctr"/>
+                </a:tc>
+                <a:tc>
+                  <a:txBody>
+                    <a:bodyPr/>
+                    <a:lstStyle/>
+                    <a:p>
+                      <a:r>
+                        <a:rPr lang="en-US" sz="800" dirty="0"/>
+                        <a:t>1500</a:t>
+                      </a:r>
+                    </a:p>
+                  </a:txBody>
+                  <a:tcPr marT="0" marB="0" anchor="ctr"/>
+                </a:tc>
+                <a:tc>
+                  <a:txBody>
+                    <a:bodyPr/>
+                    <a:lstStyle/>
+                    <a:p>
+                      <a:r>
+                        <a:rPr lang="en-US" sz="800" dirty="0"/>
+                        <a:t>100</a:t>
+                      </a:r>
+                    </a:p>
+                  </a:txBody>
+                  <a:tcPr marT="0" marB="0" anchor="ctr"/>
+                </a:tc>
+                <a:tc>
+                  <a:txBody>
+                    <a:bodyPr/>
+                    <a:lstStyle/>
+                    <a:p>
+                      <a:pPr marL="0" marR="0" lvl="0" indent="0" algn="l" defTabSz="914400" rtl="0" eaLnBrk="1" fontAlgn="auto" latinLnBrk="0" hangingPunct="1">
+                        <a:lnSpc>
+                          <a:spcPct val="100000"/>
+                        </a:lnSpc>
+                        <a:spcBef>
+                          <a:spcPts val="0"/>
+                        </a:spcBef>
+                        <a:spcAft>
+                          <a:spcPts val="0"/>
+                        </a:spcAft>
+                        <a:buClrTx/>
+                        <a:buSzTx/>
+                        <a:buFontTx/>
+                        <a:buNone/>
+                        <a:tabLst/>
+                        <a:defRPr/>
+                      </a:pPr>
+                      <a:r>
+                        <a:rPr lang="en-US" sz="800" dirty="0"/>
+                        <a:t>Outstanding packets (40, 50), </a:t>
+                      </a:r>
+                      <a:r>
+                        <a:rPr lang="en-US" sz="800" dirty="0" err="1"/>
+                        <a:t>rtt</a:t>
+                      </a:r>
+                      <a:r>
+                        <a:rPr lang="en-US" sz="800" dirty="0"/>
+                        <a:t>(2, 2.5), </a:t>
+                      </a:r>
+                      <a:r>
+                        <a:rPr lang="en-US" sz="800" dirty="0">
+                          <a:solidFill>
+                            <a:srgbClr val="FF0000"/>
+                          </a:solidFill>
+                        </a:rPr>
+                        <a:t>queue (80)</a:t>
+                      </a:r>
+                    </a:p>
+                  </a:txBody>
+                  <a:tcPr marT="0" marB="0" anchor="ctr"/>
+                </a:tc>
+                <a:extLst>
+                  <a:ext uri="{0D108BD9-81ED-4DB2-BD59-A6C34878D82A}">
+                    <a16:rowId xmlns:a16="http://schemas.microsoft.com/office/drawing/2014/main" val="1132704960"/>
+                  </a:ext>
+                </a:extLst>
+              </a:tr>
+              <a:tr h="281261">
+                <a:tc>
+                  <a:txBody>
+                    <a:bodyPr/>
+                    <a:lstStyle/>
+                    <a:p>
+                      <a:endParaRPr lang="en-US" sz="800"/>
+                    </a:p>
+                  </a:txBody>
+                  <a:tcPr marT="0" marB="0" anchor="ctr"/>
+                </a:tc>
+                <a:tc>
+                  <a:txBody>
+                    <a:bodyPr/>
+                    <a:lstStyle/>
+                    <a:p>
+                      <a:r>
+                        <a:rPr lang="en-US" sz="800" dirty="0"/>
+                        <a:t>1000</a:t>
+                      </a:r>
+                    </a:p>
+                  </a:txBody>
+                  <a:tcPr marT="0" marB="0" anchor="ctr"/>
+                </a:tc>
+                <a:tc>
+                  <a:txBody>
+                    <a:bodyPr/>
+                    <a:lstStyle/>
+                    <a:p>
+                      <a:r>
+                        <a:rPr lang="en-US" sz="800" dirty="0"/>
+                        <a:t>100</a:t>
+                      </a:r>
+                    </a:p>
+                  </a:txBody>
+                  <a:tcPr marT="0" marB="0" anchor="ctr"/>
+                </a:tc>
+                <a:tc>
+                  <a:txBody>
+                    <a:bodyPr/>
+                    <a:lstStyle/>
+                    <a:p>
+                      <a:r>
+                        <a:rPr lang="en-US" sz="800" dirty="0"/>
+                        <a:t>1000</a:t>
+                      </a:r>
+                    </a:p>
+                  </a:txBody>
+                  <a:tcPr marT="0" marB="0" anchor="ctr"/>
+                </a:tc>
+                <a:tc>
+                  <a:txBody>
+                    <a:bodyPr/>
+                    <a:lstStyle/>
+                    <a:p>
+                      <a:r>
+                        <a:rPr lang="en-US" sz="800" dirty="0"/>
+                        <a:t>100</a:t>
+                      </a:r>
+                    </a:p>
+                  </a:txBody>
+                  <a:tcPr marT="0" marB="0" anchor="ctr"/>
+                </a:tc>
+                <a:tc>
+                  <a:txBody>
+                    <a:bodyPr/>
+                    <a:lstStyle/>
+                    <a:p>
+                      <a:pPr marL="0" marR="0" lvl="0" indent="0" algn="l" defTabSz="914400" rtl="0" eaLnBrk="1" fontAlgn="auto" latinLnBrk="0" hangingPunct="1">
+                        <a:lnSpc>
+                          <a:spcPct val="100000"/>
+                        </a:lnSpc>
+                        <a:spcBef>
+                          <a:spcPts val="0"/>
+                        </a:spcBef>
+                        <a:spcAft>
+                          <a:spcPts val="0"/>
+                        </a:spcAft>
+                        <a:buClrTx/>
+                        <a:buSzTx/>
+                        <a:buFontTx/>
+                        <a:buNone/>
+                        <a:tabLst/>
+                        <a:defRPr/>
+                      </a:pPr>
+                      <a:r>
+                        <a:rPr lang="en-US" sz="800" dirty="0"/>
+                        <a:t>Outstanding packets (1, 2), </a:t>
+                      </a:r>
+                      <a:r>
+                        <a:rPr lang="en-US" sz="800" dirty="0" err="1"/>
+                        <a:t>rtt</a:t>
+                      </a:r>
+                      <a:r>
+                        <a:rPr lang="en-US" sz="800" dirty="0"/>
+                        <a:t>(1.5, 2.5), queue (1, 2)</a:t>
+                      </a:r>
+                    </a:p>
+                  </a:txBody>
+                  <a:tcPr marT="0" marB="0" anchor="ctr"/>
+                </a:tc>
+                <a:extLst>
+                  <a:ext uri="{0D108BD9-81ED-4DB2-BD59-A6C34878D82A}">
+                    <a16:rowId xmlns:a16="http://schemas.microsoft.com/office/drawing/2014/main" val="1932248190"/>
+                  </a:ext>
+                </a:extLst>
+              </a:tr>
+              <a:tr h="281261">
+                <a:tc>
+                  <a:txBody>
+                    <a:bodyPr/>
+                    <a:lstStyle/>
+                    <a:p>
+                      <a:endParaRPr lang="en-US" sz="800"/>
+                    </a:p>
+                  </a:txBody>
+                  <a:tcPr marT="0" marB="0" anchor="ctr"/>
+                </a:tc>
+                <a:tc>
+                  <a:txBody>
+                    <a:bodyPr/>
+                    <a:lstStyle/>
+                    <a:p>
+                      <a:r>
+                        <a:rPr lang="en-US" sz="800" dirty="0"/>
+                        <a:t>1000</a:t>
+                      </a:r>
+                    </a:p>
+                  </a:txBody>
+                  <a:tcPr marT="0" marB="0" anchor="ctr"/>
+                </a:tc>
+                <a:tc>
+                  <a:txBody>
+                    <a:bodyPr/>
+                    <a:lstStyle/>
+                    <a:p>
+                      <a:r>
+                        <a:rPr lang="en-US" sz="800" dirty="0"/>
+                        <a:t>100</a:t>
+                      </a:r>
+                    </a:p>
+                  </a:txBody>
+                  <a:tcPr marT="0" marB="0" anchor="ctr"/>
+                </a:tc>
+                <a:tc>
+                  <a:txBody>
+                    <a:bodyPr/>
+                    <a:lstStyle/>
+                    <a:p>
+                      <a:r>
+                        <a:rPr lang="en-US" sz="800" dirty="0"/>
+                        <a:t>500</a:t>
+                      </a:r>
+                    </a:p>
+                  </a:txBody>
+                  <a:tcPr marT="0" marB="0" anchor="ctr"/>
+                </a:tc>
+                <a:tc>
+                  <a:txBody>
+                    <a:bodyPr/>
+                    <a:lstStyle/>
+                    <a:p>
+                      <a:r>
+                        <a:rPr lang="en-US" sz="800" dirty="0"/>
+                        <a:t>100</a:t>
+                      </a:r>
+                    </a:p>
+                  </a:txBody>
+                  <a:tcPr marT="0" marB="0" anchor="ctr"/>
+                </a:tc>
+                <a:tc>
+                  <a:txBody>
+                    <a:bodyPr/>
+                    <a:lstStyle/>
+                    <a:p>
+                      <a:pPr marL="0" marR="0" lvl="0" indent="0" algn="l" defTabSz="914400" rtl="0" eaLnBrk="1" fontAlgn="auto" latinLnBrk="0" hangingPunct="1">
+                        <a:lnSpc>
+                          <a:spcPct val="100000"/>
+                        </a:lnSpc>
+                        <a:spcBef>
+                          <a:spcPts val="0"/>
+                        </a:spcBef>
+                        <a:spcAft>
+                          <a:spcPts val="0"/>
+                        </a:spcAft>
+                        <a:buClrTx/>
+                        <a:buSzTx/>
+                        <a:buFontTx/>
+                        <a:buNone/>
+                        <a:tabLst/>
+                        <a:defRPr/>
+                      </a:pPr>
+                      <a:r>
+                        <a:rPr lang="en-US" sz="800" dirty="0"/>
+                        <a:t>Outstanding packets (1), </a:t>
+                      </a:r>
+                      <a:r>
+                        <a:rPr lang="en-US" sz="800" dirty="0" err="1"/>
+                        <a:t>rtt</a:t>
+                      </a:r>
+                      <a:r>
+                        <a:rPr lang="en-US" sz="800" dirty="0"/>
+                        <a:t>(1.3), queue (0)</a:t>
+                      </a:r>
+                    </a:p>
+                  </a:txBody>
+                  <a:tcPr marT="0" marB="0" anchor="ctr"/>
+                </a:tc>
+                <a:extLst>
+                  <a:ext uri="{0D108BD9-81ED-4DB2-BD59-A6C34878D82A}">
+                    <a16:rowId xmlns:a16="http://schemas.microsoft.com/office/drawing/2014/main" val="2750240695"/>
+                  </a:ext>
+                </a:extLst>
+              </a:tr>
+              <a:tr h="281261">
+                <a:tc>
+                  <a:txBody>
+                    <a:bodyPr/>
+                    <a:lstStyle/>
+                    <a:p>
+                      <a:endParaRPr lang="en-US" sz="800"/>
+                    </a:p>
+                  </a:txBody>
+                  <a:tcPr marT="0" marB="0" anchor="ctr"/>
+                </a:tc>
+                <a:tc>
+                  <a:txBody>
+                    <a:bodyPr/>
+                    <a:lstStyle/>
+                    <a:p>
+                      <a:r>
+                        <a:rPr lang="en-US" sz="800" dirty="0"/>
+                        <a:t>1000</a:t>
+                      </a:r>
+                    </a:p>
+                  </a:txBody>
+                  <a:tcPr marT="0" marB="0" anchor="ctr"/>
+                </a:tc>
+                <a:tc>
+                  <a:txBody>
+                    <a:bodyPr/>
+                    <a:lstStyle/>
+                    <a:p>
+                      <a:r>
+                        <a:rPr lang="en-US" sz="800" dirty="0"/>
+                        <a:t>100</a:t>
+                      </a:r>
+                    </a:p>
+                  </a:txBody>
+                  <a:tcPr marT="0" marB="0" anchor="ctr"/>
+                </a:tc>
+                <a:tc>
+                  <a:txBody>
+                    <a:bodyPr/>
+                    <a:lstStyle/>
+                    <a:p>
+                      <a:r>
+                        <a:rPr lang="en-US" sz="800" dirty="0"/>
+                        <a:t>1010</a:t>
+                      </a:r>
+                    </a:p>
+                  </a:txBody>
+                  <a:tcPr marT="0" marB="0" anchor="ctr"/>
+                </a:tc>
+                <a:tc>
+                  <a:txBody>
+                    <a:bodyPr/>
+                    <a:lstStyle/>
+                    <a:p>
+                      <a:r>
+                        <a:rPr lang="en-US" sz="800" dirty="0"/>
+                        <a:t>100</a:t>
+                      </a:r>
+                    </a:p>
+                  </a:txBody>
+                  <a:tcPr marT="0" marB="0" anchor="ctr"/>
+                </a:tc>
+                <a:tc>
+                  <a:txBody>
+                    <a:bodyPr/>
+                    <a:lstStyle/>
+                    <a:p>
+                      <a:pPr marL="0" marR="0" lvl="0" indent="0" algn="l" defTabSz="914400" rtl="0" eaLnBrk="1" fontAlgn="auto" latinLnBrk="0" hangingPunct="1">
+                        <a:lnSpc>
+                          <a:spcPct val="100000"/>
+                        </a:lnSpc>
+                        <a:spcBef>
+                          <a:spcPts val="0"/>
+                        </a:spcBef>
+                        <a:spcAft>
+                          <a:spcPts val="0"/>
+                        </a:spcAft>
+                        <a:buClrTx/>
+                        <a:buSzTx/>
+                        <a:buFontTx/>
+                        <a:buNone/>
+                        <a:tabLst/>
+                        <a:defRPr/>
+                      </a:pPr>
+                      <a:r>
+                        <a:rPr lang="en-US" sz="800" dirty="0"/>
+                        <a:t>Outstanding packets (1, 2), </a:t>
+                      </a:r>
+                      <a:r>
+                        <a:rPr lang="en-US" sz="800" dirty="0" err="1"/>
+                        <a:t>rtt</a:t>
+                      </a:r>
+                      <a:r>
+                        <a:rPr lang="en-US" sz="800" dirty="0"/>
+                        <a:t>(1.5, 2.5), </a:t>
+                      </a:r>
+                      <a:r>
+                        <a:rPr lang="en-US" sz="800" dirty="0">
+                          <a:solidFill>
+                            <a:schemeClr val="accent6"/>
+                          </a:solidFill>
+                        </a:rPr>
+                        <a:t>queue (1, 2)</a:t>
+                      </a:r>
+                    </a:p>
+                    <a:p>
+                      <a:endParaRPr lang="en-US" sz="800" dirty="0"/>
+                    </a:p>
+                  </a:txBody>
+                  <a:tcPr marT="0" marB="0" anchor="ctr"/>
+                </a:tc>
+                <a:extLst>
+                  <a:ext uri="{0D108BD9-81ED-4DB2-BD59-A6C34878D82A}">
+                    <a16:rowId xmlns:a16="http://schemas.microsoft.com/office/drawing/2014/main" val="2546591980"/>
+                  </a:ext>
+                </a:extLst>
+              </a:tr>
+              <a:tr h="281261">
+                <a:tc>
+                  <a:txBody>
+                    <a:bodyPr/>
+                    <a:lstStyle/>
+                    <a:p>
+                      <a:endParaRPr lang="en-US" sz="800"/>
+                    </a:p>
+                  </a:txBody>
+                  <a:tcPr marT="0" marB="0" anchor="ctr"/>
+                </a:tc>
+                <a:tc>
+                  <a:txBody>
+                    <a:bodyPr/>
+                    <a:lstStyle/>
+                    <a:p>
+                      <a:r>
+                        <a:rPr lang="en-US" sz="800" dirty="0"/>
+                        <a:t>1000</a:t>
+                      </a:r>
+                    </a:p>
+                  </a:txBody>
+                  <a:tcPr marT="0" marB="0" anchor="ctr"/>
+                </a:tc>
+                <a:tc>
+                  <a:txBody>
+                    <a:bodyPr/>
+                    <a:lstStyle/>
+                    <a:p>
+                      <a:r>
+                        <a:rPr lang="en-US" sz="800" dirty="0"/>
+                        <a:t>100</a:t>
+                      </a:r>
+                    </a:p>
+                  </a:txBody>
+                  <a:tcPr marT="0" marB="0" anchor="ctr"/>
+                </a:tc>
+                <a:tc>
+                  <a:txBody>
+                    <a:bodyPr/>
+                    <a:lstStyle/>
+                    <a:p>
+                      <a:r>
+                        <a:rPr lang="en-US" sz="800" dirty="0"/>
+                        <a:t>1050</a:t>
+                      </a:r>
+                    </a:p>
+                  </a:txBody>
+                  <a:tcPr marT="0" marB="0" anchor="ctr"/>
+                </a:tc>
+                <a:tc>
+                  <a:txBody>
+                    <a:bodyPr/>
+                    <a:lstStyle/>
+                    <a:p>
+                      <a:r>
+                        <a:rPr lang="en-US" sz="800" dirty="0"/>
+                        <a:t>100</a:t>
+                      </a:r>
+                    </a:p>
+                  </a:txBody>
+                  <a:tcPr marT="0" marB="0" anchor="ctr"/>
+                </a:tc>
+                <a:tc>
+                  <a:txBody>
+                    <a:bodyPr/>
+                    <a:lstStyle/>
+                    <a:p>
+                      <a:endParaRPr lang="en-US" sz="800" dirty="0"/>
+                    </a:p>
+                  </a:txBody>
+                  <a:tcPr marT="0" marB="0" anchor="ctr"/>
+                </a:tc>
+                <a:extLst>
+                  <a:ext uri="{0D108BD9-81ED-4DB2-BD59-A6C34878D82A}">
+                    <a16:rowId xmlns:a16="http://schemas.microsoft.com/office/drawing/2014/main" val="323560015"/>
+                  </a:ext>
+                </a:extLst>
+              </a:tr>
+              <a:tr h="281261">
+                <a:tc>
+                  <a:txBody>
+                    <a:bodyPr/>
+                    <a:lstStyle/>
+                    <a:p>
+                      <a:endParaRPr lang="en-US" sz="800" dirty="0"/>
+                    </a:p>
+                  </a:txBody>
+                  <a:tcPr marT="0" marB="0" anchor="ctr"/>
+                </a:tc>
+                <a:tc>
+                  <a:txBody>
+                    <a:bodyPr/>
+                    <a:lstStyle/>
+                    <a:p>
+                      <a:r>
+                        <a:rPr lang="en-US" sz="800" dirty="0"/>
+                        <a:t>1000</a:t>
+                      </a:r>
+                    </a:p>
+                  </a:txBody>
+                  <a:tcPr marT="0" marB="0" anchor="ctr"/>
+                </a:tc>
+                <a:tc>
+                  <a:txBody>
+                    <a:bodyPr/>
+                    <a:lstStyle/>
+                    <a:p>
+                      <a:r>
+                        <a:rPr lang="en-US" sz="800" dirty="0"/>
+                        <a:t>100</a:t>
+                      </a:r>
+                    </a:p>
+                  </a:txBody>
+                  <a:tcPr marT="0" marB="0" anchor="ctr"/>
+                </a:tc>
+                <a:tc>
+                  <a:txBody>
+                    <a:bodyPr/>
+                    <a:lstStyle/>
+                    <a:p>
+                      <a:r>
+                        <a:rPr lang="en-US" sz="800" dirty="0"/>
+                        <a:t>1100</a:t>
+                      </a:r>
+                    </a:p>
+                  </a:txBody>
+                  <a:tcPr marT="0" marB="0" anchor="ctr"/>
+                </a:tc>
+                <a:tc>
+                  <a:txBody>
+                    <a:bodyPr/>
+                    <a:lstStyle/>
+                    <a:p>
+                      <a:r>
+                        <a:rPr lang="en-US" sz="800" dirty="0"/>
+                        <a:t>100</a:t>
+                      </a:r>
+                    </a:p>
+                  </a:txBody>
+                  <a:tcPr marT="0" marB="0" anchor="ctr"/>
+                </a:tc>
+                <a:tc>
+                  <a:txBody>
+                    <a:bodyPr/>
+                    <a:lstStyle/>
+                    <a:p>
+                      <a:endParaRPr lang="en-US" sz="800" dirty="0"/>
+                    </a:p>
+                  </a:txBody>
+                  <a:tcPr marT="0" marB="0" anchor="ctr"/>
+                </a:tc>
+                <a:extLst>
+                  <a:ext uri="{0D108BD9-81ED-4DB2-BD59-A6C34878D82A}">
+                    <a16:rowId xmlns:a16="http://schemas.microsoft.com/office/drawing/2014/main" val="2564552447"/>
+                  </a:ext>
+                </a:extLst>
+              </a:tr>
+              <a:tr h="281261">
+                <a:tc>
+                  <a:txBody>
+                    <a:bodyPr/>
+                    <a:lstStyle/>
+                    <a:p>
+                      <a:endParaRPr lang="en-US" sz="400" dirty="0"/>
+                    </a:p>
+                  </a:txBody>
+                  <a:tcPr marT="0" marB="0" anchor="ctr"/>
+                </a:tc>
+                <a:tc>
+                  <a:txBody>
+                    <a:bodyPr/>
+                    <a:lstStyle/>
+                    <a:p>
+                      <a:r>
+                        <a:rPr lang="en-US" sz="800" dirty="0"/>
+                        <a:t>500</a:t>
+                      </a:r>
+                    </a:p>
+                  </a:txBody>
+                  <a:tcPr marT="0" marB="0" anchor="ctr"/>
+                </a:tc>
+                <a:tc>
+                  <a:txBody>
+                    <a:bodyPr/>
+                    <a:lstStyle/>
+                    <a:p>
+                      <a:r>
+                        <a:rPr lang="en-US" sz="800" dirty="0"/>
+                        <a:t>100</a:t>
+                      </a:r>
+                    </a:p>
+                  </a:txBody>
+                  <a:tcPr marT="0" marB="0" anchor="ctr"/>
+                </a:tc>
+                <a:tc>
+                  <a:txBody>
+                    <a:bodyPr/>
+                    <a:lstStyle/>
+                    <a:p>
+                      <a:r>
+                        <a:rPr lang="en-US" sz="800" dirty="0"/>
+                        <a:t>1500</a:t>
+                      </a:r>
+                    </a:p>
+                  </a:txBody>
+                  <a:tcPr marT="0" marB="0" anchor="ctr"/>
+                </a:tc>
+                <a:tc>
+                  <a:txBody>
+                    <a:bodyPr/>
+                    <a:lstStyle/>
+                    <a:p>
+                      <a:r>
+                        <a:rPr lang="en-US" sz="800" dirty="0"/>
+                        <a:t>100</a:t>
+                      </a:r>
+                    </a:p>
+                  </a:txBody>
+                  <a:tcPr marT="0" marB="0" anchor="ctr"/>
+                </a:tc>
+                <a:tc>
+                  <a:txBody>
+                    <a:bodyPr/>
+                    <a:lstStyle/>
+                    <a:p>
+                      <a:pPr marL="0" marR="0" lvl="0" indent="0" algn="l" defTabSz="914400" rtl="0" eaLnBrk="1" fontAlgn="auto" latinLnBrk="0" hangingPunct="1">
+                        <a:lnSpc>
+                          <a:spcPct val="100000"/>
+                        </a:lnSpc>
+                        <a:spcBef>
+                          <a:spcPts val="0"/>
+                        </a:spcBef>
+                        <a:spcAft>
+                          <a:spcPts val="0"/>
+                        </a:spcAft>
+                        <a:buClrTx/>
+                        <a:buSzTx/>
+                        <a:buFontTx/>
+                        <a:buNone/>
+                        <a:tabLst/>
+                        <a:defRPr/>
+                      </a:pPr>
+                      <a:r>
+                        <a:rPr lang="en-US" sz="800" dirty="0"/>
+                        <a:t>Outstanding packets (1, 3), </a:t>
+                      </a:r>
+                      <a:r>
+                        <a:rPr lang="en-US" sz="800" dirty="0" err="1"/>
+                        <a:t>rtt</a:t>
+                      </a:r>
+                      <a:r>
+                        <a:rPr lang="en-US" sz="800" dirty="0"/>
+                        <a:t>(1.5, 2.5), queue (1, 3)</a:t>
+                      </a:r>
+                    </a:p>
+                  </a:txBody>
+                  <a:tcPr marT="0" marB="0" anchor="ctr"/>
+                </a:tc>
+                <a:extLst>
+                  <a:ext uri="{0D108BD9-81ED-4DB2-BD59-A6C34878D82A}">
+                    <a16:rowId xmlns:a16="http://schemas.microsoft.com/office/drawing/2014/main" val="1321165657"/>
+                  </a:ext>
+                </a:extLst>
+              </a:tr>
+              <a:tr h="281261">
+                <a:tc>
+                  <a:txBody>
+                    <a:bodyPr/>
+                    <a:lstStyle/>
+                    <a:p>
+                      <a:endParaRPr lang="en-US" sz="400" dirty="0"/>
+                    </a:p>
+                  </a:txBody>
+                  <a:tcPr marT="0" marB="0" anchor="ctr"/>
+                </a:tc>
+                <a:tc>
+                  <a:txBody>
+                    <a:bodyPr/>
+                    <a:lstStyle/>
+                    <a:p>
+                      <a:r>
+                        <a:rPr lang="en-US" sz="800" dirty="0"/>
+                        <a:t>500</a:t>
+                      </a:r>
+                    </a:p>
+                  </a:txBody>
+                  <a:tcPr marT="0" marB="0" anchor="ctr"/>
+                </a:tc>
+                <a:tc>
+                  <a:txBody>
+                    <a:bodyPr/>
+                    <a:lstStyle/>
+                    <a:p>
+                      <a:r>
+                        <a:rPr lang="en-US" sz="800" dirty="0"/>
+                        <a:t>100</a:t>
+                      </a:r>
+                    </a:p>
+                  </a:txBody>
+                  <a:tcPr marT="0" marB="0" anchor="ctr"/>
+                </a:tc>
+                <a:tc>
+                  <a:txBody>
+                    <a:bodyPr/>
+                    <a:lstStyle/>
+                    <a:p>
+                      <a:r>
+                        <a:rPr lang="en-US" sz="800" dirty="0"/>
+                        <a:t>1000</a:t>
+                      </a:r>
+                    </a:p>
+                  </a:txBody>
+                  <a:tcPr marT="0" marB="0" anchor="ctr"/>
+                </a:tc>
+                <a:tc>
+                  <a:txBody>
+                    <a:bodyPr/>
+                    <a:lstStyle/>
+                    <a:p>
+                      <a:r>
+                        <a:rPr lang="en-US" sz="800" dirty="0"/>
+                        <a:t>100</a:t>
+                      </a:r>
+                    </a:p>
+                  </a:txBody>
+                  <a:tcPr marT="0" marB="0" anchor="ctr"/>
+                </a:tc>
+                <a:tc>
+                  <a:txBody>
+                    <a:bodyPr/>
+                    <a:lstStyle/>
+                    <a:p>
+                      <a:endParaRPr lang="en-US" sz="800" dirty="0"/>
+                    </a:p>
+                  </a:txBody>
+                  <a:tcPr marT="0" marB="0" anchor="ctr"/>
+                </a:tc>
+                <a:extLst>
+                  <a:ext uri="{0D108BD9-81ED-4DB2-BD59-A6C34878D82A}">
+                    <a16:rowId xmlns:a16="http://schemas.microsoft.com/office/drawing/2014/main" val="3324065408"/>
+                  </a:ext>
+                </a:extLst>
+              </a:tr>
+              <a:tr h="281261">
+                <a:tc>
+                  <a:txBody>
+                    <a:bodyPr/>
+                    <a:lstStyle/>
+                    <a:p>
+                      <a:endParaRPr lang="en-US" sz="400" dirty="0"/>
+                    </a:p>
+                  </a:txBody>
+                  <a:tcPr marT="0" marB="0" anchor="ctr"/>
+                </a:tc>
+                <a:tc>
+                  <a:txBody>
+                    <a:bodyPr/>
+                    <a:lstStyle/>
+                    <a:p>
+                      <a:r>
+                        <a:rPr lang="en-US" sz="800" dirty="0"/>
+                        <a:t>500</a:t>
+                      </a:r>
+                    </a:p>
+                  </a:txBody>
+                  <a:tcPr marT="0" marB="0" anchor="ctr"/>
+                </a:tc>
+                <a:tc>
+                  <a:txBody>
+                    <a:bodyPr/>
+                    <a:lstStyle/>
+                    <a:p>
+                      <a:r>
+                        <a:rPr lang="en-US" sz="800" dirty="0"/>
+                        <a:t>100</a:t>
+                      </a:r>
+                    </a:p>
+                  </a:txBody>
+                  <a:tcPr marT="0" marB="0" anchor="ctr"/>
+                </a:tc>
+                <a:tc>
+                  <a:txBody>
+                    <a:bodyPr/>
+                    <a:lstStyle/>
+                    <a:p>
+                      <a:r>
+                        <a:rPr lang="en-US" sz="800" dirty="0"/>
+                        <a:t>2500</a:t>
+                      </a:r>
+                    </a:p>
+                  </a:txBody>
+                  <a:tcPr marT="0" marB="0" anchor="ctr"/>
+                </a:tc>
+                <a:tc>
+                  <a:txBody>
+                    <a:bodyPr/>
+                    <a:lstStyle/>
+                    <a:p>
+                      <a:r>
+                        <a:rPr lang="en-US" sz="800" dirty="0"/>
+                        <a:t>100</a:t>
+                      </a:r>
+                    </a:p>
+                  </a:txBody>
+                  <a:tcPr marT="0" marB="0" anchor="ctr"/>
+                </a:tc>
+                <a:tc>
+                  <a:txBody>
+                    <a:bodyPr/>
+                    <a:lstStyle/>
+                    <a:p>
+                      <a:pPr marL="0" marR="0" lvl="0" indent="0" algn="l" defTabSz="914400" rtl="0" eaLnBrk="1" fontAlgn="auto" latinLnBrk="0" hangingPunct="1">
+                        <a:lnSpc>
+                          <a:spcPct val="100000"/>
+                        </a:lnSpc>
+                        <a:spcBef>
+                          <a:spcPts val="0"/>
+                        </a:spcBef>
+                        <a:spcAft>
+                          <a:spcPts val="0"/>
+                        </a:spcAft>
+                        <a:buClrTx/>
+                        <a:buSzTx/>
+                        <a:buFontTx/>
+                        <a:buNone/>
+                        <a:tabLst/>
+                        <a:defRPr/>
+                      </a:pPr>
+                      <a:r>
+                        <a:rPr lang="en-US" sz="800" dirty="0"/>
+                        <a:t>Outstanding packets (70, 80), </a:t>
+                      </a:r>
+                      <a:r>
+                        <a:rPr lang="en-US" sz="800" dirty="0" err="1"/>
+                        <a:t>rtt</a:t>
+                      </a:r>
+                      <a:r>
+                        <a:rPr lang="en-US" sz="800" dirty="0"/>
+                        <a:t>(50, 60), </a:t>
+                      </a:r>
+                      <a:r>
+                        <a:rPr lang="en-US" sz="800" dirty="0">
+                          <a:solidFill>
+                            <a:srgbClr val="FF0000"/>
+                          </a:solidFill>
+                        </a:rPr>
+                        <a:t>queue (80)</a:t>
+                      </a:r>
+                    </a:p>
+                  </a:txBody>
+                  <a:tcPr marT="0" marB="0" anchor="ctr"/>
+                </a:tc>
+                <a:extLst>
+                  <a:ext uri="{0D108BD9-81ED-4DB2-BD59-A6C34878D82A}">
+                    <a16:rowId xmlns:a16="http://schemas.microsoft.com/office/drawing/2014/main" val="1394368208"/>
+                  </a:ext>
+                </a:extLst>
+              </a:tr>
+            </a:tbl>
+          </a:graphicData>
+        </a:graphic>
+      </p:graphicFrame>
+      <p:sp>
+        <p:nvSpPr>
+          <p:cNvPr id="5" name="TextBox 4">
+            <a:extLst>
+              <a:ext uri="{FF2B5EF4-FFF2-40B4-BE49-F238E27FC236}">
+                <a16:creationId xmlns:a16="http://schemas.microsoft.com/office/drawing/2014/main" id="{73D11FCA-871B-4DBB-8327-2AEAE758A4AC}"/>
+              </a:ext>
+            </a:extLst>
+          </p:cNvPr>
+          <p:cNvSpPr txBox="1"/>
+          <p:nvPr/>
+        </p:nvSpPr>
+        <p:spPr>
+          <a:xfrm>
+            <a:off x="962297" y="5630091"/>
+            <a:ext cx="9644743" cy="646331"/>
+          </a:xfrm>
+          <a:prstGeom prst="rect">
+            <a:avLst/>
+          </a:prstGeom>
+          <a:noFill/>
+        </p:spPr>
+        <p:txBody>
+          <a:bodyPr wrap="square" rtlCol="0">
+            <a:spAutoFit/>
+          </a:bodyPr>
+          <a:lstStyle/>
+          <a:p>
+            <a:r>
+              <a:rPr lang="en-US" dirty="0"/>
+              <a:t>When the combined delivery rate (delay between packets) of the clients is higher than the bottleneck’s channeling rate, convergence is very slow.</a:t>
+            </a:r>
+          </a:p>
+        </p:txBody>
+      </p:sp>
+    </p:spTree>
+    <p:extLst>
+      <p:ext uri="{BB962C8B-B14F-4D97-AF65-F5344CB8AC3E}">
+        <p14:creationId xmlns:p14="http://schemas.microsoft.com/office/powerpoint/2010/main" val="14306399"/>
+      </p:ext>
+    </p:extLst>
+  </p:cSld>
+  <p:clrMapOvr>
+    <a:masterClrMapping/>
+  </p:clrMapOvr>
+</p:sld>
+</file>
+
+<file path=ppt/slides/slide24.xml><?xml version="1.0" encoding="utf-8"?>
+<p:sld xmlns:a="http://schemas.openxmlformats.org/drawingml/2006/main" xmlns:r="http://schemas.openxmlformats.org/officeDocument/2006/relationships" xmlns:p="http://schemas.openxmlformats.org/presentationml/2006/main">
+  <p:cSld>
+    <p:spTree>
+      <p:nvGrpSpPr>
+        <p:cNvPr id="1" name=""/>
+        <p:cNvGrpSpPr/>
+        <p:nvPr/>
+      </p:nvGrpSpPr>
+      <p:grpSpPr>
+        <a:xfrm>
+          <a:off x="0" y="0"/>
+          <a:ext cx="0" cy="0"/>
+          <a:chOff x="0" y="0"/>
+          <a:chExt cx="0" cy="0"/>
+        </a:xfrm>
+      </p:grpSpPr>
+      <p:sp>
+        <p:nvSpPr>
+          <p:cNvPr id="2" name="Title 1">
+            <a:extLst>
+              <a:ext uri="{FF2B5EF4-FFF2-40B4-BE49-F238E27FC236}">
+                <a16:creationId xmlns:a16="http://schemas.microsoft.com/office/drawing/2014/main" id="{154D3611-C458-4C72-977D-E381CEA25715}"/>
+              </a:ext>
+            </a:extLst>
+          </p:cNvPr>
+          <p:cNvSpPr>
+            <a:spLocks noGrp="1"/>
+          </p:cNvSpPr>
+          <p:nvPr>
+            <p:ph type="title"/>
+          </p:nvPr>
+        </p:nvSpPr>
+        <p:spPr/>
+        <p:txBody>
+          <a:bodyPr/>
+          <a:lstStyle/>
+          <a:p>
+            <a:r>
+              <a:rPr lang="en-US" dirty="0"/>
+              <a:t>Impact of delivery rate (node 2 at 500/s)</a:t>
+            </a:r>
+          </a:p>
+        </p:txBody>
+      </p:sp>
+      <p:graphicFrame>
+        <p:nvGraphicFramePr>
+          <p:cNvPr id="4" name="Table 3">
+            <a:extLst>
+              <a:ext uri="{FF2B5EF4-FFF2-40B4-BE49-F238E27FC236}">
+                <a16:creationId xmlns:a16="http://schemas.microsoft.com/office/drawing/2014/main" id="{E41291CA-DC61-4A6A-AEF1-119EE3AA43DE}"/>
+              </a:ext>
+            </a:extLst>
+          </p:cNvPr>
+          <p:cNvGraphicFramePr>
+            <a:graphicFrameLocks noGrp="1"/>
+          </p:cNvGraphicFramePr>
+          <p:nvPr/>
+        </p:nvGraphicFramePr>
+        <p:xfrm>
+          <a:off x="682289" y="1764695"/>
+          <a:ext cx="10724535" cy="5044440"/>
+        </p:xfrm>
+        <a:graphic>
+          <a:graphicData uri="http://schemas.openxmlformats.org/drawingml/2006/table">
+            <a:tbl>
+              <a:tblPr firstRow="1" bandRow="1">
+                <a:tableStyleId>{5C22544A-7EE6-4342-B048-85BDC9FD1C3A}</a:tableStyleId>
+              </a:tblPr>
+              <a:tblGrid>
+                <a:gridCol w="699670">
+                  <a:extLst>
+                    <a:ext uri="{9D8B030D-6E8A-4147-A177-3AD203B41FA5}">
+                      <a16:colId xmlns:a16="http://schemas.microsoft.com/office/drawing/2014/main" val="2374639023"/>
+                    </a:ext>
+                  </a:extLst>
+                </a:gridCol>
+                <a:gridCol w="1056441">
+                  <a:extLst>
+                    <a:ext uri="{9D8B030D-6E8A-4147-A177-3AD203B41FA5}">
+                      <a16:colId xmlns:a16="http://schemas.microsoft.com/office/drawing/2014/main" val="1972232827"/>
+                    </a:ext>
+                  </a:extLst>
+                </a:gridCol>
+                <a:gridCol w="1214846">
+                  <a:extLst>
+                    <a:ext uri="{9D8B030D-6E8A-4147-A177-3AD203B41FA5}">
+                      <a16:colId xmlns:a16="http://schemas.microsoft.com/office/drawing/2014/main" val="3821475244"/>
+                    </a:ext>
+                  </a:extLst>
+                </a:gridCol>
+                <a:gridCol w="1519645">
+                  <a:extLst>
+                    <a:ext uri="{9D8B030D-6E8A-4147-A177-3AD203B41FA5}">
+                      <a16:colId xmlns:a16="http://schemas.microsoft.com/office/drawing/2014/main" val="4072503055"/>
+                    </a:ext>
+                  </a:extLst>
+                </a:gridCol>
+                <a:gridCol w="1362892">
+                  <a:extLst>
+                    <a:ext uri="{9D8B030D-6E8A-4147-A177-3AD203B41FA5}">
+                      <a16:colId xmlns:a16="http://schemas.microsoft.com/office/drawing/2014/main" val="2684069863"/>
+                    </a:ext>
+                  </a:extLst>
+                </a:gridCol>
+                <a:gridCol w="4871041">
+                  <a:extLst>
+                    <a:ext uri="{9D8B030D-6E8A-4147-A177-3AD203B41FA5}">
+                      <a16:colId xmlns:a16="http://schemas.microsoft.com/office/drawing/2014/main" val="1184187100"/>
+                    </a:ext>
+                  </a:extLst>
+                </a:gridCol>
+              </a:tblGrid>
+              <a:tr h="370840">
+                <a:tc>
+                  <a:txBody>
+                    <a:bodyPr/>
+                    <a:lstStyle/>
+                    <a:p>
+                      <a:r>
+                        <a:rPr lang="en-US" sz="1100" dirty="0"/>
+                        <a:t>id</a:t>
+                      </a:r>
+                    </a:p>
+                  </a:txBody>
+                  <a:tcPr/>
+                </a:tc>
+                <a:tc>
+                  <a:txBody>
+                    <a:bodyPr/>
+                    <a:lstStyle/>
+                    <a:p>
+                      <a:r>
+                        <a:rPr lang="en-US" sz="1100" dirty="0"/>
+                        <a:t>Client 1 </a:t>
+                      </a:r>
+                      <a:r>
+                        <a:rPr lang="en-US" sz="1100" dirty="0" err="1"/>
+                        <a:t>DeliveryR</a:t>
+                      </a:r>
+                      <a:endParaRPr lang="en-US" sz="1100" dirty="0"/>
+                    </a:p>
+                  </a:txBody>
+                  <a:tcPr/>
+                </a:tc>
+                <a:tc>
+                  <a:txBody>
+                    <a:bodyPr/>
+                    <a:lstStyle/>
+                    <a:p>
+                      <a:r>
+                        <a:rPr lang="en-US" sz="1100" dirty="0"/>
+                        <a:t>Client 1 Outs. P</a:t>
+                      </a:r>
+                    </a:p>
+                  </a:txBody>
+                  <a:tcPr/>
+                </a:tc>
+                <a:tc>
+                  <a:txBody>
+                    <a:bodyPr/>
+                    <a:lstStyle/>
+                    <a:p>
+                      <a:r>
+                        <a:rPr lang="en-US" sz="1100" dirty="0"/>
+                        <a:t>Client 2 </a:t>
+                      </a:r>
+                      <a:r>
+                        <a:rPr lang="en-US" sz="1100" dirty="0" err="1"/>
+                        <a:t>DeliveryR</a:t>
+                      </a:r>
+                      <a:endParaRPr lang="en-US" sz="1100" dirty="0"/>
+                    </a:p>
+                  </a:txBody>
+                  <a:tcPr/>
+                </a:tc>
+                <a:tc>
+                  <a:txBody>
+                    <a:bodyPr/>
+                    <a:lstStyle/>
+                    <a:p>
+                      <a:r>
+                        <a:rPr lang="en-US" sz="1100" dirty="0"/>
+                        <a:t>Client 2 Outs. P</a:t>
+                      </a:r>
+                    </a:p>
+                  </a:txBody>
+                  <a:tcPr/>
+                </a:tc>
+                <a:tc>
+                  <a:txBody>
+                    <a:bodyPr/>
+                    <a:lstStyle/>
+                    <a:p>
+                      <a:r>
+                        <a:rPr lang="en-US" sz="1100" dirty="0"/>
+                        <a:t>Comments on queue and </a:t>
+                      </a:r>
+                      <a:r>
+                        <a:rPr lang="en-US" sz="1100" dirty="0" err="1"/>
+                        <a:t>rtt</a:t>
+                      </a:r>
+                      <a:endParaRPr lang="en-US" sz="1100" dirty="0"/>
+                    </a:p>
+                  </a:txBody>
+                  <a:tcPr/>
+                </a:tc>
+                <a:extLst>
+                  <a:ext uri="{0D108BD9-81ED-4DB2-BD59-A6C34878D82A}">
+                    <a16:rowId xmlns:a16="http://schemas.microsoft.com/office/drawing/2014/main" val="2965219117"/>
+                  </a:ext>
+                </a:extLst>
+              </a:tr>
+              <a:tr h="370840">
+                <a:tc>
+                  <a:txBody>
+                    <a:bodyPr/>
+                    <a:lstStyle/>
+                    <a:p>
+                      <a:r>
+                        <a:rPr lang="en-US" sz="1100" dirty="0"/>
+                        <a:t>15-100-15-100</a:t>
+                      </a:r>
+                    </a:p>
+                  </a:txBody>
+                  <a:tcPr/>
+                </a:tc>
+                <a:tc>
+                  <a:txBody>
+                    <a:bodyPr/>
+                    <a:lstStyle/>
+                    <a:p>
+                      <a:r>
+                        <a:rPr lang="en-US" sz="1100" dirty="0"/>
+                        <a:t>1500</a:t>
+                      </a:r>
+                    </a:p>
+                  </a:txBody>
+                  <a:tcPr/>
+                </a:tc>
+                <a:tc>
+                  <a:txBody>
+                    <a:bodyPr/>
+                    <a:lstStyle/>
+                    <a:p>
+                      <a:r>
+                        <a:rPr lang="en-US" sz="1100" dirty="0"/>
+                        <a:t>100</a:t>
+                      </a:r>
+                    </a:p>
+                  </a:txBody>
+                  <a:tcPr/>
+                </a:tc>
+                <a:tc>
+                  <a:txBody>
+                    <a:bodyPr/>
+                    <a:lstStyle/>
+                    <a:p>
+                      <a:r>
+                        <a:rPr lang="en-US" sz="1100" dirty="0"/>
+                        <a:t>1500</a:t>
+                      </a:r>
+                    </a:p>
+                  </a:txBody>
+                  <a:tcPr/>
+                </a:tc>
+                <a:tc>
+                  <a:txBody>
+                    <a:bodyPr/>
+                    <a:lstStyle/>
+                    <a:p>
+                      <a:r>
+                        <a:rPr lang="en-US" sz="1100" dirty="0"/>
+                        <a:t>100</a:t>
+                      </a:r>
+                    </a:p>
+                  </a:txBody>
+                  <a:tcPr/>
+                </a:tc>
+                <a:tc>
+                  <a:txBody>
+                    <a:bodyPr/>
+                    <a:lstStyle/>
+                    <a:p>
+                      <a:r>
+                        <a:rPr lang="en-US" sz="1100" dirty="0"/>
+                        <a:t>Outstanding packets (30, 40), </a:t>
+                      </a:r>
+                      <a:r>
+                        <a:rPr lang="en-US" sz="1100" dirty="0" err="1"/>
+                        <a:t>rtt</a:t>
+                      </a:r>
+                      <a:r>
+                        <a:rPr lang="en-US" sz="1100" dirty="0"/>
+                        <a:t>(60, 70), queue (110, 120)</a:t>
+                      </a:r>
+                    </a:p>
+                  </a:txBody>
+                  <a:tcPr/>
+                </a:tc>
+                <a:extLst>
+                  <a:ext uri="{0D108BD9-81ED-4DB2-BD59-A6C34878D82A}">
+                    <a16:rowId xmlns:a16="http://schemas.microsoft.com/office/drawing/2014/main" val="3443055959"/>
+                  </a:ext>
+                </a:extLst>
+              </a:tr>
+              <a:tr h="370840">
+                <a:tc>
+                  <a:txBody>
+                    <a:bodyPr/>
+                    <a:lstStyle/>
+                    <a:p>
+                      <a:r>
+                        <a:rPr lang="en-US" sz="1100" dirty="0"/>
+                        <a:t>15-100-10-100</a:t>
+                      </a:r>
+                    </a:p>
+                  </a:txBody>
+                  <a:tcPr/>
+                </a:tc>
+                <a:tc>
+                  <a:txBody>
+                    <a:bodyPr/>
+                    <a:lstStyle/>
+                    <a:p>
+                      <a:r>
+                        <a:rPr lang="en-US" sz="1100" dirty="0"/>
+                        <a:t>1500</a:t>
+                      </a:r>
+                    </a:p>
+                  </a:txBody>
+                  <a:tcPr/>
+                </a:tc>
+                <a:tc>
+                  <a:txBody>
+                    <a:bodyPr/>
+                    <a:lstStyle/>
+                    <a:p>
+                      <a:r>
+                        <a:rPr lang="en-US" sz="1100" dirty="0"/>
+                        <a:t>100</a:t>
+                      </a:r>
+                    </a:p>
+                  </a:txBody>
+                  <a:tcPr/>
+                </a:tc>
+                <a:tc>
+                  <a:txBody>
+                    <a:bodyPr/>
+                    <a:lstStyle/>
+                    <a:p>
+                      <a:r>
+                        <a:rPr lang="en-US" sz="1100" dirty="0"/>
+                        <a:t>1000</a:t>
+                      </a:r>
+                    </a:p>
+                  </a:txBody>
+                  <a:tcPr/>
+                </a:tc>
+                <a:tc>
+                  <a:txBody>
+                    <a:bodyPr/>
+                    <a:lstStyle/>
+                    <a:p>
+                      <a:r>
+                        <a:rPr lang="en-US" sz="1100" dirty="0"/>
+                        <a:t>100</a:t>
+                      </a:r>
+                    </a:p>
+                  </a:txBody>
+                  <a:tcPr/>
+                </a:tc>
+                <a:tc>
+                  <a:txBody>
+                    <a:bodyPr/>
+                    <a:lstStyle/>
+                    <a:p>
+                      <a:pPr marL="0" marR="0" lvl="0" indent="0" algn="l" defTabSz="914400" rtl="0" eaLnBrk="1" fontAlgn="auto" latinLnBrk="0" hangingPunct="1">
+                        <a:lnSpc>
+                          <a:spcPct val="100000"/>
+                        </a:lnSpc>
+                        <a:spcBef>
+                          <a:spcPts val="0"/>
+                        </a:spcBef>
+                        <a:spcAft>
+                          <a:spcPts val="0"/>
+                        </a:spcAft>
+                        <a:buClrTx/>
+                        <a:buSzTx/>
+                        <a:buFontTx/>
+                        <a:buNone/>
+                        <a:tabLst/>
+                        <a:defRPr/>
+                      </a:pPr>
+                      <a:r>
+                        <a:rPr lang="en-US" sz="1100" dirty="0"/>
+                        <a:t>Outstanding packets (30, 40), </a:t>
+                      </a:r>
+                      <a:r>
+                        <a:rPr lang="en-US" sz="1100" dirty="0" err="1"/>
+                        <a:t>rtt</a:t>
+                      </a:r>
+                      <a:r>
+                        <a:rPr lang="en-US" sz="1100" dirty="0"/>
+                        <a:t>(60, 70), queue (110, 120)</a:t>
+                      </a:r>
+                    </a:p>
+                  </a:txBody>
+                  <a:tcPr/>
+                </a:tc>
+                <a:extLst>
+                  <a:ext uri="{0D108BD9-81ED-4DB2-BD59-A6C34878D82A}">
+                    <a16:rowId xmlns:a16="http://schemas.microsoft.com/office/drawing/2014/main" val="1217165072"/>
+                  </a:ext>
+                </a:extLst>
+              </a:tr>
+              <a:tr h="370840">
+                <a:tc>
+                  <a:txBody>
+                    <a:bodyPr/>
+                    <a:lstStyle/>
+                    <a:p>
+                      <a:endParaRPr lang="en-US" sz="1100"/>
+                    </a:p>
+                  </a:txBody>
+                  <a:tcPr/>
+                </a:tc>
+                <a:tc>
+                  <a:txBody>
+                    <a:bodyPr/>
+                    <a:lstStyle/>
+                    <a:p>
+                      <a:r>
+                        <a:rPr lang="en-US" sz="1100" dirty="0"/>
+                        <a:t>1500</a:t>
+                      </a:r>
+                    </a:p>
+                  </a:txBody>
+                  <a:tcPr/>
+                </a:tc>
+                <a:tc>
+                  <a:txBody>
+                    <a:bodyPr/>
+                    <a:lstStyle/>
+                    <a:p>
+                      <a:r>
+                        <a:rPr lang="en-US" sz="1100" dirty="0"/>
+                        <a:t>100</a:t>
+                      </a:r>
+                    </a:p>
+                  </a:txBody>
+                  <a:tcPr/>
+                </a:tc>
+                <a:tc>
+                  <a:txBody>
+                    <a:bodyPr/>
+                    <a:lstStyle/>
+                    <a:p>
+                      <a:r>
+                        <a:rPr lang="en-US" sz="1100" dirty="0"/>
+                        <a:t>500</a:t>
+                      </a:r>
+                    </a:p>
+                  </a:txBody>
+                  <a:tcPr/>
+                </a:tc>
+                <a:tc>
+                  <a:txBody>
+                    <a:bodyPr/>
+                    <a:lstStyle/>
+                    <a:p>
+                      <a:r>
+                        <a:rPr lang="en-US" sz="1100" dirty="0"/>
+                        <a:t>100</a:t>
+                      </a:r>
+                    </a:p>
+                  </a:txBody>
+                  <a:tcPr/>
+                </a:tc>
+                <a:tc>
+                  <a:txBody>
+                    <a:bodyPr/>
+                    <a:lstStyle/>
+                    <a:p>
+                      <a:pPr marL="0" marR="0" lvl="0" indent="0" algn="l" defTabSz="914400" rtl="0" eaLnBrk="1" fontAlgn="auto" latinLnBrk="0" hangingPunct="1">
+                        <a:lnSpc>
+                          <a:spcPct val="100000"/>
+                        </a:lnSpc>
+                        <a:spcBef>
+                          <a:spcPts val="0"/>
+                        </a:spcBef>
+                        <a:spcAft>
+                          <a:spcPts val="0"/>
+                        </a:spcAft>
+                        <a:buClrTx/>
+                        <a:buSzTx/>
+                        <a:buFontTx/>
+                        <a:buNone/>
+                        <a:tabLst/>
+                        <a:defRPr/>
+                      </a:pPr>
+                      <a:r>
+                        <a:rPr lang="en-US" sz="1100" dirty="0"/>
+                        <a:t>Outstanding packets (1, 2), </a:t>
+                      </a:r>
+                      <a:r>
+                        <a:rPr lang="en-US" sz="1100" dirty="0" err="1"/>
+                        <a:t>rtt</a:t>
+                      </a:r>
+                      <a:r>
+                        <a:rPr lang="en-US" sz="1100" dirty="0"/>
+                        <a:t>(2, 2.5), queue (2, 3)</a:t>
+                      </a:r>
+                    </a:p>
+                    <a:p>
+                      <a:endParaRPr lang="en-US" sz="1100" dirty="0"/>
+                    </a:p>
+                  </a:txBody>
+                  <a:tcPr/>
+                </a:tc>
+                <a:extLst>
+                  <a:ext uri="{0D108BD9-81ED-4DB2-BD59-A6C34878D82A}">
+                    <a16:rowId xmlns:a16="http://schemas.microsoft.com/office/drawing/2014/main" val="3040960851"/>
+                  </a:ext>
+                </a:extLst>
+              </a:tr>
+              <a:tr h="370840">
+                <a:tc>
+                  <a:txBody>
+                    <a:bodyPr/>
+                    <a:lstStyle/>
+                    <a:p>
+                      <a:endParaRPr lang="en-US" sz="1100"/>
+                    </a:p>
+                  </a:txBody>
+                  <a:tcPr/>
+                </a:tc>
+                <a:tc>
+                  <a:txBody>
+                    <a:bodyPr/>
+                    <a:lstStyle/>
+                    <a:p>
+                      <a:r>
+                        <a:rPr lang="en-US" sz="1100" dirty="0"/>
+                        <a:t>1000</a:t>
+                      </a:r>
+                    </a:p>
+                  </a:txBody>
+                  <a:tcPr/>
+                </a:tc>
+                <a:tc>
+                  <a:txBody>
+                    <a:bodyPr/>
+                    <a:lstStyle/>
+                    <a:p>
+                      <a:r>
+                        <a:rPr lang="en-US" sz="1100" dirty="0"/>
+                        <a:t>100</a:t>
+                      </a:r>
+                    </a:p>
+                  </a:txBody>
+                  <a:tcPr/>
+                </a:tc>
+                <a:tc>
+                  <a:txBody>
+                    <a:bodyPr/>
+                    <a:lstStyle/>
+                    <a:p>
+                      <a:r>
+                        <a:rPr lang="en-US" sz="1100" dirty="0"/>
+                        <a:t>1500</a:t>
+                      </a:r>
+                    </a:p>
+                  </a:txBody>
+                  <a:tcPr/>
+                </a:tc>
+                <a:tc>
+                  <a:txBody>
+                    <a:bodyPr/>
+                    <a:lstStyle/>
+                    <a:p>
+                      <a:r>
+                        <a:rPr lang="en-US" sz="1100" dirty="0"/>
+                        <a:t>100</a:t>
+                      </a:r>
+                    </a:p>
+                  </a:txBody>
+                  <a:tcPr/>
+                </a:tc>
+                <a:tc>
+                  <a:txBody>
+                    <a:bodyPr/>
+                    <a:lstStyle/>
+                    <a:p>
+                      <a:endParaRPr lang="en-US" sz="1100" dirty="0"/>
+                    </a:p>
+                  </a:txBody>
+                  <a:tcPr/>
+                </a:tc>
+                <a:extLst>
+                  <a:ext uri="{0D108BD9-81ED-4DB2-BD59-A6C34878D82A}">
+                    <a16:rowId xmlns:a16="http://schemas.microsoft.com/office/drawing/2014/main" val="1132704960"/>
+                  </a:ext>
+                </a:extLst>
+              </a:tr>
+              <a:tr h="370840">
+                <a:tc>
+                  <a:txBody>
+                    <a:bodyPr/>
+                    <a:lstStyle/>
+                    <a:p>
+                      <a:endParaRPr lang="en-US" sz="1100"/>
+                    </a:p>
+                  </a:txBody>
+                  <a:tcPr/>
+                </a:tc>
+                <a:tc>
+                  <a:txBody>
+                    <a:bodyPr/>
+                    <a:lstStyle/>
+                    <a:p>
+                      <a:r>
+                        <a:rPr lang="en-US" sz="1100" dirty="0"/>
+                        <a:t>1000</a:t>
+                      </a:r>
+                    </a:p>
+                  </a:txBody>
+                  <a:tcPr/>
+                </a:tc>
+                <a:tc>
+                  <a:txBody>
+                    <a:bodyPr/>
+                    <a:lstStyle/>
+                    <a:p>
+                      <a:r>
+                        <a:rPr lang="en-US" sz="1100" dirty="0"/>
+                        <a:t>100</a:t>
+                      </a:r>
+                    </a:p>
+                  </a:txBody>
+                  <a:tcPr/>
+                </a:tc>
+                <a:tc>
+                  <a:txBody>
+                    <a:bodyPr/>
+                    <a:lstStyle/>
+                    <a:p>
+                      <a:r>
+                        <a:rPr lang="en-US" sz="1100" dirty="0"/>
+                        <a:t>1000</a:t>
+                      </a:r>
+                    </a:p>
+                  </a:txBody>
+                  <a:tcPr/>
+                </a:tc>
+                <a:tc>
+                  <a:txBody>
+                    <a:bodyPr/>
+                    <a:lstStyle/>
+                    <a:p>
+                      <a:r>
+                        <a:rPr lang="en-US" sz="1100" dirty="0"/>
+                        <a:t>100</a:t>
+                      </a:r>
+                    </a:p>
+                  </a:txBody>
+                  <a:tcPr/>
+                </a:tc>
+                <a:tc>
+                  <a:txBody>
+                    <a:bodyPr/>
+                    <a:lstStyle/>
+                    <a:p>
+                      <a:endParaRPr lang="en-US" sz="1100" dirty="0"/>
+                    </a:p>
+                  </a:txBody>
+                  <a:tcPr/>
+                </a:tc>
+                <a:extLst>
+                  <a:ext uri="{0D108BD9-81ED-4DB2-BD59-A6C34878D82A}">
+                    <a16:rowId xmlns:a16="http://schemas.microsoft.com/office/drawing/2014/main" val="1932248190"/>
+                  </a:ext>
+                </a:extLst>
+              </a:tr>
+              <a:tr h="370840">
+                <a:tc>
+                  <a:txBody>
+                    <a:bodyPr/>
+                    <a:lstStyle/>
+                    <a:p>
+                      <a:endParaRPr lang="en-US" sz="1100"/>
+                    </a:p>
+                  </a:txBody>
+                  <a:tcPr/>
+                </a:tc>
+                <a:tc>
+                  <a:txBody>
+                    <a:bodyPr/>
+                    <a:lstStyle/>
+                    <a:p>
+                      <a:r>
+                        <a:rPr lang="en-US" sz="1100" dirty="0"/>
+                        <a:t>1000</a:t>
+                      </a:r>
+                    </a:p>
+                  </a:txBody>
+                  <a:tcPr/>
+                </a:tc>
+                <a:tc>
+                  <a:txBody>
+                    <a:bodyPr/>
+                    <a:lstStyle/>
+                    <a:p>
+                      <a:r>
+                        <a:rPr lang="en-US" sz="1100" dirty="0"/>
+                        <a:t>100</a:t>
+                      </a:r>
+                    </a:p>
+                  </a:txBody>
+                  <a:tcPr/>
+                </a:tc>
+                <a:tc>
+                  <a:txBody>
+                    <a:bodyPr/>
+                    <a:lstStyle/>
+                    <a:p>
+                      <a:r>
+                        <a:rPr lang="en-US" sz="1100" dirty="0"/>
+                        <a:t>500</a:t>
+                      </a:r>
+                    </a:p>
+                  </a:txBody>
+                  <a:tcPr/>
+                </a:tc>
+                <a:tc>
+                  <a:txBody>
+                    <a:bodyPr/>
+                    <a:lstStyle/>
+                    <a:p>
+                      <a:r>
+                        <a:rPr lang="en-US" sz="1100" dirty="0"/>
+                        <a:t>100</a:t>
+                      </a:r>
+                    </a:p>
+                  </a:txBody>
+                  <a:tcPr/>
+                </a:tc>
+                <a:tc>
+                  <a:txBody>
+                    <a:bodyPr/>
+                    <a:lstStyle/>
+                    <a:p>
+                      <a:endParaRPr lang="en-US" sz="1100" dirty="0"/>
+                    </a:p>
+                  </a:txBody>
+                  <a:tcPr/>
+                </a:tc>
+                <a:extLst>
+                  <a:ext uri="{0D108BD9-81ED-4DB2-BD59-A6C34878D82A}">
+                    <a16:rowId xmlns:a16="http://schemas.microsoft.com/office/drawing/2014/main" val="2750240695"/>
+                  </a:ext>
+                </a:extLst>
+              </a:tr>
+              <a:tr h="370840">
+                <a:tc>
+                  <a:txBody>
+                    <a:bodyPr/>
+                    <a:lstStyle/>
+                    <a:p>
+                      <a:endParaRPr lang="en-US" sz="1100"/>
+                    </a:p>
+                  </a:txBody>
+                  <a:tcPr/>
+                </a:tc>
+                <a:tc>
+                  <a:txBody>
+                    <a:bodyPr/>
+                    <a:lstStyle/>
+                    <a:p>
+                      <a:r>
+                        <a:rPr lang="en-US" sz="1100" dirty="0"/>
+                        <a:t>1500</a:t>
+                      </a:r>
+                    </a:p>
+                  </a:txBody>
+                  <a:tcPr/>
+                </a:tc>
+                <a:tc>
+                  <a:txBody>
+                    <a:bodyPr/>
+                    <a:lstStyle/>
+                    <a:p>
+                      <a:r>
+                        <a:rPr lang="en-US" sz="1100" dirty="0"/>
+                        <a:t>10</a:t>
+                      </a:r>
+                    </a:p>
+                  </a:txBody>
+                  <a:tcPr/>
+                </a:tc>
+                <a:tc>
+                  <a:txBody>
+                    <a:bodyPr/>
+                    <a:lstStyle/>
+                    <a:p>
+                      <a:r>
+                        <a:rPr lang="en-US" sz="1100" dirty="0"/>
+                        <a:t>1000</a:t>
+                      </a:r>
+                    </a:p>
+                  </a:txBody>
+                  <a:tcPr/>
+                </a:tc>
+                <a:tc>
+                  <a:txBody>
+                    <a:bodyPr/>
+                    <a:lstStyle/>
+                    <a:p>
+                      <a:r>
+                        <a:rPr lang="en-US" sz="1100" dirty="0"/>
+                        <a:t>10</a:t>
+                      </a:r>
+                    </a:p>
+                  </a:txBody>
+                  <a:tcPr/>
+                </a:tc>
+                <a:tc>
+                  <a:txBody>
+                    <a:bodyPr/>
+                    <a:lstStyle/>
+                    <a:p>
+                      <a:endParaRPr lang="en-US" sz="1100" dirty="0"/>
+                    </a:p>
+                  </a:txBody>
+                  <a:tcPr/>
+                </a:tc>
+                <a:extLst>
+                  <a:ext uri="{0D108BD9-81ED-4DB2-BD59-A6C34878D82A}">
+                    <a16:rowId xmlns:a16="http://schemas.microsoft.com/office/drawing/2014/main" val="2546591980"/>
+                  </a:ext>
+                </a:extLst>
+              </a:tr>
+              <a:tr h="370840">
+                <a:tc>
+                  <a:txBody>
+                    <a:bodyPr/>
+                    <a:lstStyle/>
+                    <a:p>
+                      <a:endParaRPr lang="en-US" sz="1100"/>
+                    </a:p>
+                  </a:txBody>
+                  <a:tcPr/>
+                </a:tc>
+                <a:tc>
+                  <a:txBody>
+                    <a:bodyPr/>
+                    <a:lstStyle/>
+                    <a:p>
+                      <a:r>
+                        <a:rPr lang="en-US" sz="1100" dirty="0"/>
+                        <a:t>1500</a:t>
+                      </a:r>
+                    </a:p>
+                  </a:txBody>
+                  <a:tcPr/>
+                </a:tc>
+                <a:tc>
+                  <a:txBody>
+                    <a:bodyPr/>
+                    <a:lstStyle/>
+                    <a:p>
+                      <a:r>
+                        <a:rPr lang="en-US" sz="1100" dirty="0"/>
+                        <a:t>10</a:t>
+                      </a:r>
+                    </a:p>
+                  </a:txBody>
+                  <a:tcPr/>
+                </a:tc>
+                <a:tc>
+                  <a:txBody>
+                    <a:bodyPr/>
+                    <a:lstStyle/>
+                    <a:p>
+                      <a:r>
+                        <a:rPr lang="en-US" sz="1100" dirty="0"/>
+                        <a:t>500</a:t>
+                      </a:r>
+                    </a:p>
+                  </a:txBody>
+                  <a:tcPr/>
+                </a:tc>
+                <a:tc>
+                  <a:txBody>
+                    <a:bodyPr/>
+                    <a:lstStyle/>
+                    <a:p>
+                      <a:r>
+                        <a:rPr lang="en-US" sz="1100" dirty="0"/>
+                        <a:t>10</a:t>
+                      </a:r>
+                    </a:p>
+                  </a:txBody>
+                  <a:tcPr/>
+                </a:tc>
+                <a:tc>
+                  <a:txBody>
+                    <a:bodyPr/>
+                    <a:lstStyle/>
+                    <a:p>
+                      <a:endParaRPr lang="en-US" sz="1100" dirty="0"/>
+                    </a:p>
+                  </a:txBody>
+                  <a:tcPr/>
+                </a:tc>
+                <a:extLst>
+                  <a:ext uri="{0D108BD9-81ED-4DB2-BD59-A6C34878D82A}">
+                    <a16:rowId xmlns:a16="http://schemas.microsoft.com/office/drawing/2014/main" val="323560015"/>
+                  </a:ext>
+                </a:extLst>
+              </a:tr>
+              <a:tr h="370840">
+                <a:tc>
+                  <a:txBody>
+                    <a:bodyPr/>
+                    <a:lstStyle/>
+                    <a:p>
+                      <a:endParaRPr lang="en-US" sz="1100" dirty="0"/>
+                    </a:p>
+                  </a:txBody>
+                  <a:tcPr/>
+                </a:tc>
+                <a:tc>
+                  <a:txBody>
+                    <a:bodyPr/>
+                    <a:lstStyle/>
+                    <a:p>
+                      <a:r>
+                        <a:rPr lang="en-US" sz="1100" dirty="0"/>
+                        <a:t>1500</a:t>
+                      </a:r>
+                    </a:p>
+                  </a:txBody>
+                  <a:tcPr/>
+                </a:tc>
+                <a:tc>
+                  <a:txBody>
+                    <a:bodyPr/>
+                    <a:lstStyle/>
+                    <a:p>
+                      <a:r>
+                        <a:rPr lang="en-US" sz="1100" dirty="0"/>
+                        <a:t>10</a:t>
+                      </a:r>
+                    </a:p>
+                  </a:txBody>
+                  <a:tcPr/>
+                </a:tc>
+                <a:tc>
+                  <a:txBody>
+                    <a:bodyPr/>
+                    <a:lstStyle/>
+                    <a:p>
+                      <a:r>
+                        <a:rPr lang="en-US" sz="1100" dirty="0"/>
+                        <a:t>300</a:t>
+                      </a:r>
+                    </a:p>
+                  </a:txBody>
+                  <a:tcPr/>
+                </a:tc>
+                <a:tc>
+                  <a:txBody>
+                    <a:bodyPr/>
+                    <a:lstStyle/>
+                    <a:p>
+                      <a:r>
+                        <a:rPr lang="en-US" sz="1100" dirty="0"/>
+                        <a:t>10</a:t>
+                      </a:r>
+                    </a:p>
+                  </a:txBody>
+                  <a:tcPr/>
+                </a:tc>
+                <a:tc>
+                  <a:txBody>
+                    <a:bodyPr/>
+                    <a:lstStyle/>
+                    <a:p>
+                      <a:endParaRPr lang="en-US" sz="1100" dirty="0"/>
+                    </a:p>
+                  </a:txBody>
+                  <a:tcPr/>
+                </a:tc>
+                <a:extLst>
+                  <a:ext uri="{0D108BD9-81ED-4DB2-BD59-A6C34878D82A}">
+                    <a16:rowId xmlns:a16="http://schemas.microsoft.com/office/drawing/2014/main" val="2564552447"/>
+                  </a:ext>
+                </a:extLst>
+              </a:tr>
+              <a:tr h="370840">
+                <a:tc>
+                  <a:txBody>
+                    <a:bodyPr/>
+                    <a:lstStyle/>
+                    <a:p>
+                      <a:endParaRPr lang="en-US" sz="800" dirty="0"/>
+                    </a:p>
+                  </a:txBody>
+                  <a:tcPr/>
+                </a:tc>
+                <a:tc>
+                  <a:txBody>
+                    <a:bodyPr/>
+                    <a:lstStyle/>
+                    <a:p>
+                      <a:r>
+                        <a:rPr lang="en-US" sz="1100" dirty="0"/>
+                        <a:t>500</a:t>
+                      </a:r>
+                    </a:p>
+                  </a:txBody>
+                  <a:tcPr/>
+                </a:tc>
+                <a:tc>
+                  <a:txBody>
+                    <a:bodyPr/>
+                    <a:lstStyle/>
+                    <a:p>
+                      <a:r>
+                        <a:rPr lang="en-US" sz="1100" dirty="0"/>
+                        <a:t>100</a:t>
+                      </a:r>
+                    </a:p>
+                  </a:txBody>
+                  <a:tcPr/>
+                </a:tc>
+                <a:tc>
+                  <a:txBody>
+                    <a:bodyPr/>
+                    <a:lstStyle/>
+                    <a:p>
+                      <a:r>
+                        <a:rPr lang="en-US" sz="1100" dirty="0"/>
+                        <a:t>1500</a:t>
+                      </a:r>
+                    </a:p>
+                  </a:txBody>
+                  <a:tcPr/>
+                </a:tc>
+                <a:tc>
+                  <a:txBody>
+                    <a:bodyPr/>
+                    <a:lstStyle/>
+                    <a:p>
+                      <a:r>
+                        <a:rPr lang="en-US" sz="1100" dirty="0"/>
+                        <a:t>100</a:t>
+                      </a:r>
+                    </a:p>
+                  </a:txBody>
+                  <a:tcPr/>
+                </a:tc>
+                <a:tc>
+                  <a:txBody>
+                    <a:bodyPr/>
+                    <a:lstStyle/>
+                    <a:p>
+                      <a:endParaRPr lang="en-US" sz="1100" dirty="0"/>
+                    </a:p>
+                  </a:txBody>
+                  <a:tcPr/>
+                </a:tc>
+                <a:extLst>
+                  <a:ext uri="{0D108BD9-81ED-4DB2-BD59-A6C34878D82A}">
+                    <a16:rowId xmlns:a16="http://schemas.microsoft.com/office/drawing/2014/main" val="1321165657"/>
+                  </a:ext>
+                </a:extLst>
+              </a:tr>
+              <a:tr h="370840">
+                <a:tc>
+                  <a:txBody>
+                    <a:bodyPr/>
+                    <a:lstStyle/>
+                    <a:p>
+                      <a:endParaRPr lang="en-US" sz="800" dirty="0"/>
+                    </a:p>
+                  </a:txBody>
+                  <a:tcPr/>
+                </a:tc>
+                <a:tc>
+                  <a:txBody>
+                    <a:bodyPr/>
+                    <a:lstStyle/>
+                    <a:p>
+                      <a:r>
+                        <a:rPr lang="en-US" sz="1100" dirty="0"/>
+                        <a:t>500</a:t>
+                      </a:r>
+                    </a:p>
+                  </a:txBody>
+                  <a:tcPr/>
+                </a:tc>
+                <a:tc>
+                  <a:txBody>
+                    <a:bodyPr/>
+                    <a:lstStyle/>
+                    <a:p>
+                      <a:r>
+                        <a:rPr lang="en-US" sz="1100" dirty="0"/>
+                        <a:t>100</a:t>
+                      </a:r>
+                    </a:p>
+                  </a:txBody>
+                  <a:tcPr/>
+                </a:tc>
+                <a:tc>
+                  <a:txBody>
+                    <a:bodyPr/>
+                    <a:lstStyle/>
+                    <a:p>
+                      <a:r>
+                        <a:rPr lang="en-US" sz="1100" dirty="0"/>
+                        <a:t>1000</a:t>
+                      </a:r>
+                    </a:p>
+                  </a:txBody>
+                  <a:tcPr/>
+                </a:tc>
+                <a:tc>
+                  <a:txBody>
+                    <a:bodyPr/>
+                    <a:lstStyle/>
+                    <a:p>
+                      <a:r>
+                        <a:rPr lang="en-US" sz="1100" dirty="0"/>
+                        <a:t>100</a:t>
+                      </a:r>
+                    </a:p>
+                  </a:txBody>
+                  <a:tcPr/>
+                </a:tc>
+                <a:tc>
+                  <a:txBody>
+                    <a:bodyPr/>
+                    <a:lstStyle/>
+                    <a:p>
+                      <a:endParaRPr lang="en-US" sz="1100" dirty="0"/>
+                    </a:p>
+                  </a:txBody>
+                  <a:tcPr/>
+                </a:tc>
+                <a:extLst>
+                  <a:ext uri="{0D108BD9-81ED-4DB2-BD59-A6C34878D82A}">
+                    <a16:rowId xmlns:a16="http://schemas.microsoft.com/office/drawing/2014/main" val="3324065408"/>
+                  </a:ext>
+                </a:extLst>
+              </a:tr>
+              <a:tr h="370840">
+                <a:tc>
+                  <a:txBody>
+                    <a:bodyPr/>
+                    <a:lstStyle/>
+                    <a:p>
+                      <a:endParaRPr lang="en-US" sz="800" dirty="0"/>
+                    </a:p>
+                  </a:txBody>
+                  <a:tcPr/>
+                </a:tc>
+                <a:tc>
+                  <a:txBody>
+                    <a:bodyPr/>
+                    <a:lstStyle/>
+                    <a:p>
+                      <a:r>
+                        <a:rPr lang="en-US" sz="1100" dirty="0"/>
+                        <a:t>500</a:t>
+                      </a:r>
+                    </a:p>
+                  </a:txBody>
+                  <a:tcPr/>
+                </a:tc>
+                <a:tc>
+                  <a:txBody>
+                    <a:bodyPr/>
+                    <a:lstStyle/>
+                    <a:p>
+                      <a:r>
+                        <a:rPr lang="en-US" sz="1100" dirty="0"/>
+                        <a:t>100</a:t>
+                      </a:r>
+                    </a:p>
+                  </a:txBody>
+                  <a:tcPr/>
+                </a:tc>
+                <a:tc>
+                  <a:txBody>
+                    <a:bodyPr/>
+                    <a:lstStyle/>
+                    <a:p>
+                      <a:r>
+                        <a:rPr lang="en-US" sz="1100" dirty="0"/>
+                        <a:t>2500</a:t>
+                      </a:r>
+                    </a:p>
+                  </a:txBody>
+                  <a:tcPr/>
+                </a:tc>
+                <a:tc>
+                  <a:txBody>
+                    <a:bodyPr/>
+                    <a:lstStyle/>
+                    <a:p>
+                      <a:r>
+                        <a:rPr lang="en-US" sz="1100" dirty="0"/>
+                        <a:t>100</a:t>
+                      </a:r>
+                    </a:p>
+                  </a:txBody>
+                  <a:tcPr/>
+                </a:tc>
+                <a:tc>
+                  <a:txBody>
+                    <a:bodyPr/>
+                    <a:lstStyle/>
+                    <a:p>
+                      <a:endParaRPr lang="en-US" sz="1100" dirty="0"/>
+                    </a:p>
+                  </a:txBody>
+                  <a:tcPr/>
+                </a:tc>
+                <a:extLst>
+                  <a:ext uri="{0D108BD9-81ED-4DB2-BD59-A6C34878D82A}">
+                    <a16:rowId xmlns:a16="http://schemas.microsoft.com/office/drawing/2014/main" val="1394368208"/>
+                  </a:ext>
+                </a:extLst>
+              </a:tr>
+            </a:tbl>
+          </a:graphicData>
+        </a:graphic>
+      </p:graphicFrame>
+    </p:spTree>
+    <p:extLst>
+      <p:ext uri="{BB962C8B-B14F-4D97-AF65-F5344CB8AC3E}">
+        <p14:creationId xmlns:p14="http://schemas.microsoft.com/office/powerpoint/2010/main" val="3061865635"/>
+      </p:ext>
+    </p:extLst>
+  </p:cSld>
+  <p:clrMapOvr>
+    <a:masterClrMapping/>
+  </p:clrMapOvr>
+</p:sld>
+</file>
+
+<file path=ppt/slides/slide25.xml><?xml version="1.0" encoding="utf-8"?>
+<p:sld xmlns:a="http://schemas.openxmlformats.org/drawingml/2006/main" xmlns:r="http://schemas.openxmlformats.org/officeDocument/2006/relationships" xmlns:p="http://schemas.openxmlformats.org/presentationml/2006/main">
+  <p:cSld>
+    <p:spTree>
+      <p:nvGrpSpPr>
+        <p:cNvPr id="1" name=""/>
+        <p:cNvGrpSpPr/>
+        <p:nvPr/>
+      </p:nvGrpSpPr>
+      <p:grpSpPr>
+        <a:xfrm>
+          <a:off x="0" y="0"/>
+          <a:ext cx="0" cy="0"/>
+          <a:chOff x="0" y="0"/>
+          <a:chExt cx="0" cy="0"/>
+        </a:xfrm>
+      </p:grpSpPr>
+      <p:sp>
+        <p:nvSpPr>
+          <p:cNvPr id="2" name="Title 1">
+            <a:extLst>
+              <a:ext uri="{FF2B5EF4-FFF2-40B4-BE49-F238E27FC236}">
+                <a16:creationId xmlns:a16="http://schemas.microsoft.com/office/drawing/2014/main" id="{154D3611-C458-4C72-977D-E381CEA25715}"/>
+              </a:ext>
+            </a:extLst>
+          </p:cNvPr>
+          <p:cNvSpPr>
+            <a:spLocks noGrp="1"/>
+          </p:cNvSpPr>
+          <p:nvPr>
+            <p:ph type="title"/>
+          </p:nvPr>
+        </p:nvSpPr>
+        <p:spPr/>
+        <p:txBody>
+          <a:bodyPr/>
+          <a:lstStyle/>
+          <a:p>
+            <a:r>
+              <a:rPr lang="en-US" dirty="0"/>
+              <a:t>Impact of exploration when </a:t>
+            </a:r>
+            <a:r>
+              <a:rPr lang="en-US"/>
+              <a:t>power increases.</a:t>
+            </a:r>
+            <a:endParaRPr lang="en-US" dirty="0"/>
+          </a:p>
+        </p:txBody>
+      </p:sp>
+      <p:graphicFrame>
+        <p:nvGraphicFramePr>
+          <p:cNvPr id="4" name="Table 3">
+            <a:extLst>
+              <a:ext uri="{FF2B5EF4-FFF2-40B4-BE49-F238E27FC236}">
+                <a16:creationId xmlns:a16="http://schemas.microsoft.com/office/drawing/2014/main" id="{E41291CA-DC61-4A6A-AEF1-119EE3AA43DE}"/>
+              </a:ext>
+            </a:extLst>
+          </p:cNvPr>
+          <p:cNvGraphicFramePr>
+            <a:graphicFrameLocks noGrp="1"/>
+          </p:cNvGraphicFramePr>
+          <p:nvPr/>
+        </p:nvGraphicFramePr>
+        <p:xfrm>
+          <a:off x="682289" y="1764695"/>
+          <a:ext cx="10724535" cy="5044440"/>
+        </p:xfrm>
+        <a:graphic>
+          <a:graphicData uri="http://schemas.openxmlformats.org/drawingml/2006/table">
+            <a:tbl>
+              <a:tblPr firstRow="1" bandRow="1">
+                <a:tableStyleId>{5C22544A-7EE6-4342-B048-85BDC9FD1C3A}</a:tableStyleId>
+              </a:tblPr>
+              <a:tblGrid>
+                <a:gridCol w="699670">
+                  <a:extLst>
+                    <a:ext uri="{9D8B030D-6E8A-4147-A177-3AD203B41FA5}">
+                      <a16:colId xmlns:a16="http://schemas.microsoft.com/office/drawing/2014/main" val="2374639023"/>
+                    </a:ext>
+                  </a:extLst>
+                </a:gridCol>
+                <a:gridCol w="1056441">
+                  <a:extLst>
+                    <a:ext uri="{9D8B030D-6E8A-4147-A177-3AD203B41FA5}">
+                      <a16:colId xmlns:a16="http://schemas.microsoft.com/office/drawing/2014/main" val="1972232827"/>
+                    </a:ext>
+                  </a:extLst>
+                </a:gridCol>
+                <a:gridCol w="1214846">
+                  <a:extLst>
+                    <a:ext uri="{9D8B030D-6E8A-4147-A177-3AD203B41FA5}">
+                      <a16:colId xmlns:a16="http://schemas.microsoft.com/office/drawing/2014/main" val="3821475244"/>
+                    </a:ext>
+                  </a:extLst>
+                </a:gridCol>
+                <a:gridCol w="1519645">
+                  <a:extLst>
+                    <a:ext uri="{9D8B030D-6E8A-4147-A177-3AD203B41FA5}">
+                      <a16:colId xmlns:a16="http://schemas.microsoft.com/office/drawing/2014/main" val="4072503055"/>
+                    </a:ext>
+                  </a:extLst>
+                </a:gridCol>
+                <a:gridCol w="1362892">
+                  <a:extLst>
+                    <a:ext uri="{9D8B030D-6E8A-4147-A177-3AD203B41FA5}">
+                      <a16:colId xmlns:a16="http://schemas.microsoft.com/office/drawing/2014/main" val="2684069863"/>
+                    </a:ext>
+                  </a:extLst>
+                </a:gridCol>
+                <a:gridCol w="4871041">
+                  <a:extLst>
+                    <a:ext uri="{9D8B030D-6E8A-4147-A177-3AD203B41FA5}">
+                      <a16:colId xmlns:a16="http://schemas.microsoft.com/office/drawing/2014/main" val="1184187100"/>
+                    </a:ext>
+                  </a:extLst>
+                </a:gridCol>
+              </a:tblGrid>
+              <a:tr h="370840">
+                <a:tc>
+                  <a:txBody>
+                    <a:bodyPr/>
+                    <a:lstStyle/>
+                    <a:p>
+                      <a:r>
+                        <a:rPr lang="en-US" sz="1100" dirty="0"/>
+                        <a:t>id</a:t>
+                      </a:r>
+                    </a:p>
+                  </a:txBody>
+                  <a:tcPr/>
+                </a:tc>
+                <a:tc>
+                  <a:txBody>
+                    <a:bodyPr/>
+                    <a:lstStyle/>
+                    <a:p>
+                      <a:r>
+                        <a:rPr lang="en-US" sz="1100" dirty="0"/>
+                        <a:t>Client 1 </a:t>
+                      </a:r>
+                      <a:r>
+                        <a:rPr lang="en-US" sz="1100" dirty="0" err="1"/>
+                        <a:t>DeliveryR</a:t>
+                      </a:r>
+                      <a:endParaRPr lang="en-US" sz="1100" dirty="0"/>
+                    </a:p>
+                  </a:txBody>
+                  <a:tcPr/>
+                </a:tc>
+                <a:tc>
+                  <a:txBody>
+                    <a:bodyPr/>
+                    <a:lstStyle/>
+                    <a:p>
+                      <a:r>
+                        <a:rPr lang="en-US" sz="1100" dirty="0"/>
+                        <a:t>Client 1 Outs. P</a:t>
+                      </a:r>
+                    </a:p>
+                  </a:txBody>
+                  <a:tcPr/>
+                </a:tc>
+                <a:tc>
+                  <a:txBody>
+                    <a:bodyPr/>
+                    <a:lstStyle/>
+                    <a:p>
+                      <a:r>
+                        <a:rPr lang="en-US" sz="1100" dirty="0"/>
+                        <a:t>Client 2 </a:t>
+                      </a:r>
+                      <a:r>
+                        <a:rPr lang="en-US" sz="1100" dirty="0" err="1"/>
+                        <a:t>DeliveryR</a:t>
+                      </a:r>
+                      <a:endParaRPr lang="en-US" sz="1100" dirty="0"/>
+                    </a:p>
+                  </a:txBody>
+                  <a:tcPr/>
+                </a:tc>
+                <a:tc>
+                  <a:txBody>
+                    <a:bodyPr/>
+                    <a:lstStyle/>
+                    <a:p>
+                      <a:r>
+                        <a:rPr lang="en-US" sz="1100" dirty="0"/>
+                        <a:t>Client 2 Outs. P</a:t>
+                      </a:r>
+                    </a:p>
+                  </a:txBody>
+                  <a:tcPr/>
+                </a:tc>
+                <a:tc>
+                  <a:txBody>
+                    <a:bodyPr/>
+                    <a:lstStyle/>
+                    <a:p>
+                      <a:r>
+                        <a:rPr lang="en-US" sz="1100" dirty="0"/>
+                        <a:t>Comments on queue and </a:t>
+                      </a:r>
+                      <a:r>
+                        <a:rPr lang="en-US" sz="1100" dirty="0" err="1"/>
+                        <a:t>rtt</a:t>
+                      </a:r>
+                      <a:endParaRPr lang="en-US" sz="1100" dirty="0"/>
+                    </a:p>
+                  </a:txBody>
+                  <a:tcPr/>
+                </a:tc>
+                <a:extLst>
+                  <a:ext uri="{0D108BD9-81ED-4DB2-BD59-A6C34878D82A}">
+                    <a16:rowId xmlns:a16="http://schemas.microsoft.com/office/drawing/2014/main" val="2965219117"/>
+                  </a:ext>
+                </a:extLst>
+              </a:tr>
+              <a:tr h="370840">
+                <a:tc>
+                  <a:txBody>
+                    <a:bodyPr/>
+                    <a:lstStyle/>
+                    <a:p>
+                      <a:r>
+                        <a:rPr lang="en-US" sz="1100" dirty="0"/>
+                        <a:t>15-100-15-100</a:t>
+                      </a:r>
+                    </a:p>
+                  </a:txBody>
+                  <a:tcPr/>
+                </a:tc>
+                <a:tc>
+                  <a:txBody>
+                    <a:bodyPr/>
+                    <a:lstStyle/>
+                    <a:p>
+                      <a:r>
+                        <a:rPr lang="en-US" sz="1100" dirty="0"/>
+                        <a:t>1500</a:t>
+                      </a:r>
+                    </a:p>
+                  </a:txBody>
+                  <a:tcPr/>
+                </a:tc>
+                <a:tc>
+                  <a:txBody>
+                    <a:bodyPr/>
+                    <a:lstStyle/>
+                    <a:p>
+                      <a:r>
+                        <a:rPr lang="en-US" sz="1100" dirty="0"/>
+                        <a:t>100</a:t>
+                      </a:r>
+                    </a:p>
+                  </a:txBody>
+                  <a:tcPr/>
+                </a:tc>
+                <a:tc>
+                  <a:txBody>
+                    <a:bodyPr/>
+                    <a:lstStyle/>
+                    <a:p>
+                      <a:r>
+                        <a:rPr lang="en-US" sz="1100" dirty="0"/>
+                        <a:t>1500</a:t>
+                      </a:r>
+                    </a:p>
+                  </a:txBody>
+                  <a:tcPr/>
+                </a:tc>
+                <a:tc>
+                  <a:txBody>
+                    <a:bodyPr/>
+                    <a:lstStyle/>
+                    <a:p>
+                      <a:r>
+                        <a:rPr lang="en-US" sz="1100" dirty="0"/>
+                        <a:t>100</a:t>
+                      </a:r>
+                    </a:p>
+                  </a:txBody>
+                  <a:tcPr/>
+                </a:tc>
+                <a:tc>
+                  <a:txBody>
+                    <a:bodyPr/>
+                    <a:lstStyle/>
+                    <a:p>
+                      <a:r>
+                        <a:rPr lang="en-US" sz="1100" dirty="0"/>
+                        <a:t>Outstanding packets (30, 40), </a:t>
+                      </a:r>
+                      <a:r>
+                        <a:rPr lang="en-US" sz="1100" dirty="0" err="1"/>
+                        <a:t>rtt</a:t>
+                      </a:r>
+                      <a:r>
+                        <a:rPr lang="en-US" sz="1100" dirty="0"/>
+                        <a:t>(60, 70), queue (110, 120)</a:t>
+                      </a:r>
+                    </a:p>
+                  </a:txBody>
+                  <a:tcPr/>
+                </a:tc>
+                <a:extLst>
+                  <a:ext uri="{0D108BD9-81ED-4DB2-BD59-A6C34878D82A}">
+                    <a16:rowId xmlns:a16="http://schemas.microsoft.com/office/drawing/2014/main" val="3443055959"/>
+                  </a:ext>
+                </a:extLst>
+              </a:tr>
+              <a:tr h="370840">
+                <a:tc>
+                  <a:txBody>
+                    <a:bodyPr/>
+                    <a:lstStyle/>
+                    <a:p>
+                      <a:r>
+                        <a:rPr lang="en-US" sz="1100" dirty="0"/>
+                        <a:t>15-100-10-100</a:t>
+                      </a:r>
+                    </a:p>
+                  </a:txBody>
+                  <a:tcPr/>
+                </a:tc>
+                <a:tc>
+                  <a:txBody>
+                    <a:bodyPr/>
+                    <a:lstStyle/>
+                    <a:p>
+                      <a:r>
+                        <a:rPr lang="en-US" sz="1100" dirty="0"/>
+                        <a:t>1500</a:t>
+                      </a:r>
+                    </a:p>
+                  </a:txBody>
+                  <a:tcPr/>
+                </a:tc>
+                <a:tc>
+                  <a:txBody>
+                    <a:bodyPr/>
+                    <a:lstStyle/>
+                    <a:p>
+                      <a:r>
+                        <a:rPr lang="en-US" sz="1100" dirty="0"/>
+                        <a:t>100</a:t>
+                      </a:r>
+                    </a:p>
+                  </a:txBody>
+                  <a:tcPr/>
+                </a:tc>
+                <a:tc>
+                  <a:txBody>
+                    <a:bodyPr/>
+                    <a:lstStyle/>
+                    <a:p>
+                      <a:r>
+                        <a:rPr lang="en-US" sz="1100" dirty="0"/>
+                        <a:t>1000</a:t>
+                      </a:r>
+                    </a:p>
+                  </a:txBody>
+                  <a:tcPr/>
+                </a:tc>
+                <a:tc>
+                  <a:txBody>
+                    <a:bodyPr/>
+                    <a:lstStyle/>
+                    <a:p>
+                      <a:r>
+                        <a:rPr lang="en-US" sz="1100" dirty="0"/>
+                        <a:t>100</a:t>
+                      </a:r>
+                    </a:p>
+                  </a:txBody>
+                  <a:tcPr/>
+                </a:tc>
+                <a:tc>
+                  <a:txBody>
+                    <a:bodyPr/>
+                    <a:lstStyle/>
+                    <a:p>
+                      <a:pPr marL="0" marR="0" lvl="0" indent="0" algn="l" defTabSz="914400" rtl="0" eaLnBrk="1" fontAlgn="auto" latinLnBrk="0" hangingPunct="1">
+                        <a:lnSpc>
+                          <a:spcPct val="100000"/>
+                        </a:lnSpc>
+                        <a:spcBef>
+                          <a:spcPts val="0"/>
+                        </a:spcBef>
+                        <a:spcAft>
+                          <a:spcPts val="0"/>
+                        </a:spcAft>
+                        <a:buClrTx/>
+                        <a:buSzTx/>
+                        <a:buFontTx/>
+                        <a:buNone/>
+                        <a:tabLst/>
+                        <a:defRPr/>
+                      </a:pPr>
+                      <a:r>
+                        <a:rPr lang="en-US" sz="1100" dirty="0"/>
+                        <a:t>Outstanding packets (30, 40), </a:t>
+                      </a:r>
+                      <a:r>
+                        <a:rPr lang="en-US" sz="1100" dirty="0" err="1"/>
+                        <a:t>rtt</a:t>
+                      </a:r>
+                      <a:r>
+                        <a:rPr lang="en-US" sz="1100" dirty="0"/>
+                        <a:t>(60, 70), queue (110, 120)</a:t>
+                      </a:r>
+                    </a:p>
+                  </a:txBody>
+                  <a:tcPr/>
+                </a:tc>
+                <a:extLst>
+                  <a:ext uri="{0D108BD9-81ED-4DB2-BD59-A6C34878D82A}">
+                    <a16:rowId xmlns:a16="http://schemas.microsoft.com/office/drawing/2014/main" val="1217165072"/>
+                  </a:ext>
+                </a:extLst>
+              </a:tr>
+              <a:tr h="370840">
+                <a:tc>
+                  <a:txBody>
+                    <a:bodyPr/>
+                    <a:lstStyle/>
+                    <a:p>
+                      <a:endParaRPr lang="en-US" sz="1100"/>
+                    </a:p>
+                  </a:txBody>
+                  <a:tcPr/>
+                </a:tc>
+                <a:tc>
+                  <a:txBody>
+                    <a:bodyPr/>
+                    <a:lstStyle/>
+                    <a:p>
+                      <a:r>
+                        <a:rPr lang="en-US" sz="1100" dirty="0"/>
+                        <a:t>1500</a:t>
+                      </a:r>
+                    </a:p>
+                  </a:txBody>
+                  <a:tcPr/>
+                </a:tc>
+                <a:tc>
+                  <a:txBody>
+                    <a:bodyPr/>
+                    <a:lstStyle/>
+                    <a:p>
+                      <a:r>
+                        <a:rPr lang="en-US" sz="1100" dirty="0"/>
+                        <a:t>100</a:t>
+                      </a:r>
+                    </a:p>
+                  </a:txBody>
+                  <a:tcPr/>
+                </a:tc>
+                <a:tc>
+                  <a:txBody>
+                    <a:bodyPr/>
+                    <a:lstStyle/>
+                    <a:p>
+                      <a:r>
+                        <a:rPr lang="en-US" sz="1100" dirty="0"/>
+                        <a:t>500</a:t>
+                      </a:r>
+                    </a:p>
+                  </a:txBody>
+                  <a:tcPr/>
+                </a:tc>
+                <a:tc>
+                  <a:txBody>
+                    <a:bodyPr/>
+                    <a:lstStyle/>
+                    <a:p>
+                      <a:r>
+                        <a:rPr lang="en-US" sz="1100" dirty="0"/>
+                        <a:t>100</a:t>
+                      </a:r>
+                    </a:p>
+                  </a:txBody>
+                  <a:tcPr/>
+                </a:tc>
+                <a:tc>
+                  <a:txBody>
+                    <a:bodyPr/>
+                    <a:lstStyle/>
+                    <a:p>
+                      <a:pPr marL="0" marR="0" lvl="0" indent="0" algn="l" defTabSz="914400" rtl="0" eaLnBrk="1" fontAlgn="auto" latinLnBrk="0" hangingPunct="1">
+                        <a:lnSpc>
+                          <a:spcPct val="100000"/>
+                        </a:lnSpc>
+                        <a:spcBef>
+                          <a:spcPts val="0"/>
+                        </a:spcBef>
+                        <a:spcAft>
+                          <a:spcPts val="0"/>
+                        </a:spcAft>
+                        <a:buClrTx/>
+                        <a:buSzTx/>
+                        <a:buFontTx/>
+                        <a:buNone/>
+                        <a:tabLst/>
+                        <a:defRPr/>
+                      </a:pPr>
+                      <a:r>
+                        <a:rPr lang="en-US" sz="1100" dirty="0"/>
+                        <a:t>Outstanding packets (1, 2), </a:t>
+                      </a:r>
+                      <a:r>
+                        <a:rPr lang="en-US" sz="1100" dirty="0" err="1"/>
+                        <a:t>rtt</a:t>
+                      </a:r>
+                      <a:r>
+                        <a:rPr lang="en-US" sz="1100" dirty="0"/>
+                        <a:t>(2, 2.5), queue (2, 3)</a:t>
+                      </a:r>
+                    </a:p>
+                    <a:p>
+                      <a:endParaRPr lang="en-US" sz="1100" dirty="0"/>
+                    </a:p>
+                  </a:txBody>
+                  <a:tcPr/>
+                </a:tc>
+                <a:extLst>
+                  <a:ext uri="{0D108BD9-81ED-4DB2-BD59-A6C34878D82A}">
+                    <a16:rowId xmlns:a16="http://schemas.microsoft.com/office/drawing/2014/main" val="3040960851"/>
+                  </a:ext>
+                </a:extLst>
+              </a:tr>
+              <a:tr h="370840">
+                <a:tc>
+                  <a:txBody>
+                    <a:bodyPr/>
+                    <a:lstStyle/>
+                    <a:p>
+                      <a:endParaRPr lang="en-US" sz="1100"/>
+                    </a:p>
+                  </a:txBody>
+                  <a:tcPr/>
+                </a:tc>
+                <a:tc>
+                  <a:txBody>
+                    <a:bodyPr/>
+                    <a:lstStyle/>
+                    <a:p>
+                      <a:r>
+                        <a:rPr lang="en-US" sz="1100" dirty="0"/>
+                        <a:t>1000</a:t>
+                      </a:r>
+                    </a:p>
+                  </a:txBody>
+                  <a:tcPr/>
+                </a:tc>
+                <a:tc>
+                  <a:txBody>
+                    <a:bodyPr/>
+                    <a:lstStyle/>
+                    <a:p>
+                      <a:r>
+                        <a:rPr lang="en-US" sz="1100" dirty="0"/>
+                        <a:t>100</a:t>
+                      </a:r>
+                    </a:p>
+                  </a:txBody>
+                  <a:tcPr/>
+                </a:tc>
+                <a:tc>
+                  <a:txBody>
+                    <a:bodyPr/>
+                    <a:lstStyle/>
+                    <a:p>
+                      <a:r>
+                        <a:rPr lang="en-US" sz="1100" dirty="0"/>
+                        <a:t>1500</a:t>
+                      </a:r>
+                    </a:p>
+                  </a:txBody>
+                  <a:tcPr/>
+                </a:tc>
+                <a:tc>
+                  <a:txBody>
+                    <a:bodyPr/>
+                    <a:lstStyle/>
+                    <a:p>
+                      <a:r>
+                        <a:rPr lang="en-US" sz="1100" dirty="0"/>
+                        <a:t>100</a:t>
+                      </a:r>
+                    </a:p>
+                  </a:txBody>
+                  <a:tcPr/>
+                </a:tc>
+                <a:tc>
+                  <a:txBody>
+                    <a:bodyPr/>
+                    <a:lstStyle/>
+                    <a:p>
+                      <a:endParaRPr lang="en-US" sz="1100" dirty="0"/>
+                    </a:p>
+                  </a:txBody>
+                  <a:tcPr/>
+                </a:tc>
+                <a:extLst>
+                  <a:ext uri="{0D108BD9-81ED-4DB2-BD59-A6C34878D82A}">
+                    <a16:rowId xmlns:a16="http://schemas.microsoft.com/office/drawing/2014/main" val="1132704960"/>
+                  </a:ext>
+                </a:extLst>
+              </a:tr>
+              <a:tr h="370840">
+                <a:tc>
+                  <a:txBody>
+                    <a:bodyPr/>
+                    <a:lstStyle/>
+                    <a:p>
+                      <a:endParaRPr lang="en-US" sz="1100"/>
+                    </a:p>
+                  </a:txBody>
+                  <a:tcPr/>
+                </a:tc>
+                <a:tc>
+                  <a:txBody>
+                    <a:bodyPr/>
+                    <a:lstStyle/>
+                    <a:p>
+                      <a:r>
+                        <a:rPr lang="en-US" sz="1100" dirty="0"/>
+                        <a:t>1000</a:t>
+                      </a:r>
+                    </a:p>
+                  </a:txBody>
+                  <a:tcPr/>
+                </a:tc>
+                <a:tc>
+                  <a:txBody>
+                    <a:bodyPr/>
+                    <a:lstStyle/>
+                    <a:p>
+                      <a:r>
+                        <a:rPr lang="en-US" sz="1100" dirty="0"/>
+                        <a:t>100</a:t>
+                      </a:r>
+                    </a:p>
+                  </a:txBody>
+                  <a:tcPr/>
+                </a:tc>
+                <a:tc>
+                  <a:txBody>
+                    <a:bodyPr/>
+                    <a:lstStyle/>
+                    <a:p>
+                      <a:r>
+                        <a:rPr lang="en-US" sz="1100" dirty="0"/>
+                        <a:t>1000</a:t>
+                      </a:r>
+                    </a:p>
+                  </a:txBody>
+                  <a:tcPr/>
+                </a:tc>
+                <a:tc>
+                  <a:txBody>
+                    <a:bodyPr/>
+                    <a:lstStyle/>
+                    <a:p>
+                      <a:r>
+                        <a:rPr lang="en-US" sz="1100" dirty="0"/>
+                        <a:t>100</a:t>
+                      </a:r>
+                    </a:p>
+                  </a:txBody>
+                  <a:tcPr/>
+                </a:tc>
+                <a:tc>
+                  <a:txBody>
+                    <a:bodyPr/>
+                    <a:lstStyle/>
+                    <a:p>
+                      <a:endParaRPr lang="en-US" sz="1100" dirty="0"/>
+                    </a:p>
+                  </a:txBody>
+                  <a:tcPr/>
+                </a:tc>
+                <a:extLst>
+                  <a:ext uri="{0D108BD9-81ED-4DB2-BD59-A6C34878D82A}">
+                    <a16:rowId xmlns:a16="http://schemas.microsoft.com/office/drawing/2014/main" val="1932248190"/>
+                  </a:ext>
+                </a:extLst>
+              </a:tr>
+              <a:tr h="370840">
+                <a:tc>
+                  <a:txBody>
+                    <a:bodyPr/>
+                    <a:lstStyle/>
+                    <a:p>
+                      <a:endParaRPr lang="en-US" sz="1100"/>
+                    </a:p>
+                  </a:txBody>
+                  <a:tcPr/>
+                </a:tc>
+                <a:tc>
+                  <a:txBody>
+                    <a:bodyPr/>
+                    <a:lstStyle/>
+                    <a:p>
+                      <a:r>
+                        <a:rPr lang="en-US" sz="1100" dirty="0"/>
+                        <a:t>1000</a:t>
+                      </a:r>
+                    </a:p>
+                  </a:txBody>
+                  <a:tcPr/>
+                </a:tc>
+                <a:tc>
+                  <a:txBody>
+                    <a:bodyPr/>
+                    <a:lstStyle/>
+                    <a:p>
+                      <a:r>
+                        <a:rPr lang="en-US" sz="1100" dirty="0"/>
+                        <a:t>100</a:t>
+                      </a:r>
+                    </a:p>
+                  </a:txBody>
+                  <a:tcPr/>
+                </a:tc>
+                <a:tc>
+                  <a:txBody>
+                    <a:bodyPr/>
+                    <a:lstStyle/>
+                    <a:p>
+                      <a:r>
+                        <a:rPr lang="en-US" sz="1100" dirty="0"/>
+                        <a:t>500</a:t>
+                      </a:r>
+                    </a:p>
+                  </a:txBody>
+                  <a:tcPr/>
+                </a:tc>
+                <a:tc>
+                  <a:txBody>
+                    <a:bodyPr/>
+                    <a:lstStyle/>
+                    <a:p>
+                      <a:r>
+                        <a:rPr lang="en-US" sz="1100" dirty="0"/>
+                        <a:t>100</a:t>
+                      </a:r>
+                    </a:p>
+                  </a:txBody>
+                  <a:tcPr/>
+                </a:tc>
+                <a:tc>
+                  <a:txBody>
+                    <a:bodyPr/>
+                    <a:lstStyle/>
+                    <a:p>
+                      <a:endParaRPr lang="en-US" sz="1100" dirty="0"/>
+                    </a:p>
+                  </a:txBody>
+                  <a:tcPr/>
+                </a:tc>
+                <a:extLst>
+                  <a:ext uri="{0D108BD9-81ED-4DB2-BD59-A6C34878D82A}">
+                    <a16:rowId xmlns:a16="http://schemas.microsoft.com/office/drawing/2014/main" val="2750240695"/>
+                  </a:ext>
+                </a:extLst>
+              </a:tr>
+              <a:tr h="370840">
+                <a:tc>
+                  <a:txBody>
+                    <a:bodyPr/>
+                    <a:lstStyle/>
+                    <a:p>
+                      <a:endParaRPr lang="en-US" sz="1100"/>
+                    </a:p>
+                  </a:txBody>
+                  <a:tcPr/>
+                </a:tc>
+                <a:tc>
+                  <a:txBody>
+                    <a:bodyPr/>
+                    <a:lstStyle/>
+                    <a:p>
+                      <a:r>
+                        <a:rPr lang="en-US" sz="1100" dirty="0"/>
+                        <a:t>1500</a:t>
+                      </a:r>
+                    </a:p>
+                  </a:txBody>
+                  <a:tcPr/>
+                </a:tc>
+                <a:tc>
+                  <a:txBody>
+                    <a:bodyPr/>
+                    <a:lstStyle/>
+                    <a:p>
+                      <a:r>
+                        <a:rPr lang="en-US" sz="1100" dirty="0"/>
+                        <a:t>10</a:t>
+                      </a:r>
+                    </a:p>
+                  </a:txBody>
+                  <a:tcPr/>
+                </a:tc>
+                <a:tc>
+                  <a:txBody>
+                    <a:bodyPr/>
+                    <a:lstStyle/>
+                    <a:p>
+                      <a:r>
+                        <a:rPr lang="en-US" sz="1100" dirty="0"/>
+                        <a:t>1000</a:t>
+                      </a:r>
+                    </a:p>
+                  </a:txBody>
+                  <a:tcPr/>
+                </a:tc>
+                <a:tc>
+                  <a:txBody>
+                    <a:bodyPr/>
+                    <a:lstStyle/>
+                    <a:p>
+                      <a:r>
+                        <a:rPr lang="en-US" sz="1100" dirty="0"/>
+                        <a:t>10</a:t>
+                      </a:r>
+                    </a:p>
+                  </a:txBody>
+                  <a:tcPr/>
+                </a:tc>
+                <a:tc>
+                  <a:txBody>
+                    <a:bodyPr/>
+                    <a:lstStyle/>
+                    <a:p>
+                      <a:endParaRPr lang="en-US" sz="1100" dirty="0"/>
+                    </a:p>
+                  </a:txBody>
+                  <a:tcPr/>
+                </a:tc>
+                <a:extLst>
+                  <a:ext uri="{0D108BD9-81ED-4DB2-BD59-A6C34878D82A}">
+                    <a16:rowId xmlns:a16="http://schemas.microsoft.com/office/drawing/2014/main" val="2546591980"/>
+                  </a:ext>
+                </a:extLst>
+              </a:tr>
+              <a:tr h="370840">
+                <a:tc>
+                  <a:txBody>
+                    <a:bodyPr/>
+                    <a:lstStyle/>
+                    <a:p>
+                      <a:endParaRPr lang="en-US" sz="1100"/>
+                    </a:p>
+                  </a:txBody>
+                  <a:tcPr/>
+                </a:tc>
+                <a:tc>
+                  <a:txBody>
+                    <a:bodyPr/>
+                    <a:lstStyle/>
+                    <a:p>
+                      <a:r>
+                        <a:rPr lang="en-US" sz="1100" dirty="0"/>
+                        <a:t>1500</a:t>
+                      </a:r>
+                    </a:p>
+                  </a:txBody>
+                  <a:tcPr/>
+                </a:tc>
+                <a:tc>
+                  <a:txBody>
+                    <a:bodyPr/>
+                    <a:lstStyle/>
+                    <a:p>
+                      <a:r>
+                        <a:rPr lang="en-US" sz="1100" dirty="0"/>
+                        <a:t>10</a:t>
+                      </a:r>
+                    </a:p>
+                  </a:txBody>
+                  <a:tcPr/>
+                </a:tc>
+                <a:tc>
+                  <a:txBody>
+                    <a:bodyPr/>
+                    <a:lstStyle/>
+                    <a:p>
+                      <a:r>
+                        <a:rPr lang="en-US" sz="1100" dirty="0"/>
+                        <a:t>500</a:t>
+                      </a:r>
+                    </a:p>
+                  </a:txBody>
+                  <a:tcPr/>
+                </a:tc>
+                <a:tc>
+                  <a:txBody>
+                    <a:bodyPr/>
+                    <a:lstStyle/>
+                    <a:p>
+                      <a:r>
+                        <a:rPr lang="en-US" sz="1100" dirty="0"/>
+                        <a:t>10</a:t>
+                      </a:r>
+                    </a:p>
+                  </a:txBody>
+                  <a:tcPr/>
+                </a:tc>
+                <a:tc>
+                  <a:txBody>
+                    <a:bodyPr/>
+                    <a:lstStyle/>
+                    <a:p>
+                      <a:endParaRPr lang="en-US" sz="1100" dirty="0"/>
+                    </a:p>
+                  </a:txBody>
+                  <a:tcPr/>
+                </a:tc>
+                <a:extLst>
+                  <a:ext uri="{0D108BD9-81ED-4DB2-BD59-A6C34878D82A}">
+                    <a16:rowId xmlns:a16="http://schemas.microsoft.com/office/drawing/2014/main" val="323560015"/>
+                  </a:ext>
+                </a:extLst>
+              </a:tr>
+              <a:tr h="370840">
+                <a:tc>
+                  <a:txBody>
+                    <a:bodyPr/>
+                    <a:lstStyle/>
+                    <a:p>
+                      <a:endParaRPr lang="en-US" sz="1100" dirty="0"/>
+                    </a:p>
+                  </a:txBody>
+                  <a:tcPr/>
+                </a:tc>
+                <a:tc>
+                  <a:txBody>
+                    <a:bodyPr/>
+                    <a:lstStyle/>
+                    <a:p>
+                      <a:r>
+                        <a:rPr lang="en-US" sz="1100" dirty="0"/>
+                        <a:t>1500</a:t>
+                      </a:r>
+                    </a:p>
+                  </a:txBody>
+                  <a:tcPr/>
+                </a:tc>
+                <a:tc>
+                  <a:txBody>
+                    <a:bodyPr/>
+                    <a:lstStyle/>
+                    <a:p>
+                      <a:r>
+                        <a:rPr lang="en-US" sz="1100" dirty="0"/>
+                        <a:t>10</a:t>
+                      </a:r>
+                    </a:p>
+                  </a:txBody>
+                  <a:tcPr/>
+                </a:tc>
+                <a:tc>
+                  <a:txBody>
+                    <a:bodyPr/>
+                    <a:lstStyle/>
+                    <a:p>
+                      <a:r>
+                        <a:rPr lang="en-US" sz="1100" dirty="0"/>
+                        <a:t>300</a:t>
+                      </a:r>
+                    </a:p>
+                  </a:txBody>
+                  <a:tcPr/>
+                </a:tc>
+                <a:tc>
+                  <a:txBody>
+                    <a:bodyPr/>
+                    <a:lstStyle/>
+                    <a:p>
+                      <a:r>
+                        <a:rPr lang="en-US" sz="1100" dirty="0"/>
+                        <a:t>10</a:t>
+                      </a:r>
+                    </a:p>
+                  </a:txBody>
+                  <a:tcPr/>
+                </a:tc>
+                <a:tc>
+                  <a:txBody>
+                    <a:bodyPr/>
+                    <a:lstStyle/>
+                    <a:p>
+                      <a:endParaRPr lang="en-US" sz="1100" dirty="0"/>
+                    </a:p>
+                  </a:txBody>
+                  <a:tcPr/>
+                </a:tc>
+                <a:extLst>
+                  <a:ext uri="{0D108BD9-81ED-4DB2-BD59-A6C34878D82A}">
+                    <a16:rowId xmlns:a16="http://schemas.microsoft.com/office/drawing/2014/main" val="2564552447"/>
+                  </a:ext>
+                </a:extLst>
+              </a:tr>
+              <a:tr h="370840">
+                <a:tc>
+                  <a:txBody>
+                    <a:bodyPr/>
+                    <a:lstStyle/>
+                    <a:p>
+                      <a:endParaRPr lang="en-US" sz="800" dirty="0"/>
+                    </a:p>
+                  </a:txBody>
+                  <a:tcPr/>
+                </a:tc>
+                <a:tc>
+                  <a:txBody>
+                    <a:bodyPr/>
+                    <a:lstStyle/>
+                    <a:p>
+                      <a:r>
+                        <a:rPr lang="en-US" sz="1100" dirty="0"/>
+                        <a:t>500</a:t>
+                      </a:r>
+                    </a:p>
+                  </a:txBody>
+                  <a:tcPr/>
+                </a:tc>
+                <a:tc>
+                  <a:txBody>
+                    <a:bodyPr/>
+                    <a:lstStyle/>
+                    <a:p>
+                      <a:r>
+                        <a:rPr lang="en-US" sz="1100" dirty="0"/>
+                        <a:t>100</a:t>
+                      </a:r>
+                    </a:p>
+                  </a:txBody>
+                  <a:tcPr/>
+                </a:tc>
+                <a:tc>
+                  <a:txBody>
+                    <a:bodyPr/>
+                    <a:lstStyle/>
+                    <a:p>
+                      <a:r>
+                        <a:rPr lang="en-US" sz="1100" dirty="0"/>
+                        <a:t>1500</a:t>
+                      </a:r>
+                    </a:p>
+                  </a:txBody>
+                  <a:tcPr/>
+                </a:tc>
+                <a:tc>
+                  <a:txBody>
+                    <a:bodyPr/>
+                    <a:lstStyle/>
+                    <a:p>
+                      <a:r>
+                        <a:rPr lang="en-US" sz="1100" dirty="0"/>
+                        <a:t>100</a:t>
+                      </a:r>
+                    </a:p>
+                  </a:txBody>
+                  <a:tcPr/>
+                </a:tc>
+                <a:tc>
+                  <a:txBody>
+                    <a:bodyPr/>
+                    <a:lstStyle/>
+                    <a:p>
+                      <a:endParaRPr lang="en-US" sz="1100" dirty="0"/>
+                    </a:p>
+                  </a:txBody>
+                  <a:tcPr/>
+                </a:tc>
+                <a:extLst>
+                  <a:ext uri="{0D108BD9-81ED-4DB2-BD59-A6C34878D82A}">
+                    <a16:rowId xmlns:a16="http://schemas.microsoft.com/office/drawing/2014/main" val="1321165657"/>
+                  </a:ext>
+                </a:extLst>
+              </a:tr>
+              <a:tr h="370840">
+                <a:tc>
+                  <a:txBody>
+                    <a:bodyPr/>
+                    <a:lstStyle/>
+                    <a:p>
+                      <a:endParaRPr lang="en-US" sz="800" dirty="0"/>
+                    </a:p>
+                  </a:txBody>
+                  <a:tcPr/>
+                </a:tc>
+                <a:tc>
+                  <a:txBody>
+                    <a:bodyPr/>
+                    <a:lstStyle/>
+                    <a:p>
+                      <a:r>
+                        <a:rPr lang="en-US" sz="1100" dirty="0"/>
+                        <a:t>500</a:t>
+                      </a:r>
+                    </a:p>
+                  </a:txBody>
+                  <a:tcPr/>
+                </a:tc>
+                <a:tc>
+                  <a:txBody>
+                    <a:bodyPr/>
+                    <a:lstStyle/>
+                    <a:p>
+                      <a:r>
+                        <a:rPr lang="en-US" sz="1100" dirty="0"/>
+                        <a:t>100</a:t>
+                      </a:r>
+                    </a:p>
+                  </a:txBody>
+                  <a:tcPr/>
+                </a:tc>
+                <a:tc>
+                  <a:txBody>
+                    <a:bodyPr/>
+                    <a:lstStyle/>
+                    <a:p>
+                      <a:r>
+                        <a:rPr lang="en-US" sz="1100" dirty="0"/>
+                        <a:t>1000</a:t>
+                      </a:r>
+                    </a:p>
+                  </a:txBody>
+                  <a:tcPr/>
+                </a:tc>
+                <a:tc>
+                  <a:txBody>
+                    <a:bodyPr/>
+                    <a:lstStyle/>
+                    <a:p>
+                      <a:r>
+                        <a:rPr lang="en-US" sz="1100" dirty="0"/>
+                        <a:t>100</a:t>
+                      </a:r>
+                    </a:p>
+                  </a:txBody>
+                  <a:tcPr/>
+                </a:tc>
+                <a:tc>
+                  <a:txBody>
+                    <a:bodyPr/>
+                    <a:lstStyle/>
+                    <a:p>
+                      <a:endParaRPr lang="en-US" sz="1100" dirty="0"/>
+                    </a:p>
+                  </a:txBody>
+                  <a:tcPr/>
+                </a:tc>
+                <a:extLst>
+                  <a:ext uri="{0D108BD9-81ED-4DB2-BD59-A6C34878D82A}">
+                    <a16:rowId xmlns:a16="http://schemas.microsoft.com/office/drawing/2014/main" val="3324065408"/>
+                  </a:ext>
+                </a:extLst>
+              </a:tr>
+              <a:tr h="370840">
+                <a:tc>
+                  <a:txBody>
+                    <a:bodyPr/>
+                    <a:lstStyle/>
+                    <a:p>
+                      <a:endParaRPr lang="en-US" sz="800" dirty="0"/>
+                    </a:p>
+                  </a:txBody>
+                  <a:tcPr/>
+                </a:tc>
+                <a:tc>
+                  <a:txBody>
+                    <a:bodyPr/>
+                    <a:lstStyle/>
+                    <a:p>
+                      <a:r>
+                        <a:rPr lang="en-US" sz="1100" dirty="0"/>
+                        <a:t>500</a:t>
+                      </a:r>
+                    </a:p>
+                  </a:txBody>
+                  <a:tcPr/>
+                </a:tc>
+                <a:tc>
+                  <a:txBody>
+                    <a:bodyPr/>
+                    <a:lstStyle/>
+                    <a:p>
+                      <a:r>
+                        <a:rPr lang="en-US" sz="1100" dirty="0"/>
+                        <a:t>100</a:t>
+                      </a:r>
+                    </a:p>
+                  </a:txBody>
+                  <a:tcPr/>
+                </a:tc>
+                <a:tc>
+                  <a:txBody>
+                    <a:bodyPr/>
+                    <a:lstStyle/>
+                    <a:p>
+                      <a:r>
+                        <a:rPr lang="en-US" sz="1100" dirty="0"/>
+                        <a:t>2500</a:t>
+                      </a:r>
+                    </a:p>
+                  </a:txBody>
+                  <a:tcPr/>
+                </a:tc>
+                <a:tc>
+                  <a:txBody>
+                    <a:bodyPr/>
+                    <a:lstStyle/>
+                    <a:p>
+                      <a:r>
+                        <a:rPr lang="en-US" sz="1100" dirty="0"/>
+                        <a:t>100</a:t>
+                      </a:r>
+                    </a:p>
+                  </a:txBody>
+                  <a:tcPr/>
+                </a:tc>
+                <a:tc>
+                  <a:txBody>
+                    <a:bodyPr/>
+                    <a:lstStyle/>
+                    <a:p>
+                      <a:endParaRPr lang="en-US" sz="1100" dirty="0"/>
+                    </a:p>
+                  </a:txBody>
+                  <a:tcPr/>
+                </a:tc>
+                <a:extLst>
+                  <a:ext uri="{0D108BD9-81ED-4DB2-BD59-A6C34878D82A}">
+                    <a16:rowId xmlns:a16="http://schemas.microsoft.com/office/drawing/2014/main" val="1394368208"/>
+                  </a:ext>
+                </a:extLst>
+              </a:tr>
+            </a:tbl>
+          </a:graphicData>
+        </a:graphic>
+      </p:graphicFrame>
+    </p:spTree>
+    <p:extLst>
+      <p:ext uri="{BB962C8B-B14F-4D97-AF65-F5344CB8AC3E}">
+        <p14:creationId xmlns:p14="http://schemas.microsoft.com/office/powerpoint/2010/main" val="2945509885"/>
+      </p:ext>
+    </p:extLst>
+  </p:cSld>
+  <p:clrMapOvr>
+    <a:masterClrMapping/>
+  </p:clrMapOvr>
+</p:sld>
+</file>
+
+<file path=ppt/slides/slide26.xml><?xml version="1.0" encoding="utf-8"?>
+<p:sld xmlns:a="http://schemas.openxmlformats.org/drawingml/2006/main" xmlns:r="http://schemas.openxmlformats.org/officeDocument/2006/relationships" xmlns:p="http://schemas.openxmlformats.org/presentationml/2006/main">
+  <p:cSld>
+    <p:spTree>
+      <p:nvGrpSpPr>
+        <p:cNvPr id="1" name=""/>
+        <p:cNvGrpSpPr/>
+        <p:nvPr/>
+      </p:nvGrpSpPr>
+      <p:grpSpPr>
+        <a:xfrm>
+          <a:off x="0" y="0"/>
+          <a:ext cx="0" cy="0"/>
+          <a:chOff x="0" y="0"/>
+          <a:chExt cx="0" cy="0"/>
+        </a:xfrm>
+      </p:grpSpPr>
+      <p:sp>
+        <p:nvSpPr>
+          <p:cNvPr id="2" name="Title 1">
+            <a:extLst>
+              <a:ext uri="{FF2B5EF4-FFF2-40B4-BE49-F238E27FC236}">
+                <a16:creationId xmlns:a16="http://schemas.microsoft.com/office/drawing/2014/main" id="{E87555F7-8FBB-41A8-A991-97A5867E58C6}"/>
+              </a:ext>
+            </a:extLst>
+          </p:cNvPr>
+          <p:cNvSpPr>
+            <a:spLocks noGrp="1"/>
+          </p:cNvSpPr>
+          <p:nvPr>
+            <p:ph type="title"/>
+          </p:nvPr>
+        </p:nvSpPr>
+        <p:spPr/>
+        <p:txBody>
+          <a:bodyPr/>
+          <a:lstStyle/>
+          <a:p>
+            <a:r>
+              <a:rPr lang="en-US" dirty="0"/>
+              <a:t>Impact of initial </a:t>
+            </a:r>
+            <a:r>
+              <a:rPr lang="en-US" dirty="0" err="1"/>
+              <a:t>max_outstanding</a:t>
+            </a:r>
+            <a:r>
+              <a:rPr lang="en-US" dirty="0"/>
+              <a:t> packets</a:t>
+            </a:r>
+          </a:p>
+        </p:txBody>
+      </p:sp>
+    </p:spTree>
+    <p:extLst>
+      <p:ext uri="{BB962C8B-B14F-4D97-AF65-F5344CB8AC3E}">
+        <p14:creationId xmlns:p14="http://schemas.microsoft.com/office/powerpoint/2010/main" val="1290269980"/>
+      </p:ext>
+    </p:extLst>
+  </p:cSld>
+  <p:clrMapOvr>
+    <a:masterClrMapping/>
+  </p:clrMapOvr>
+</p:sld>
+</file>
+
+<file path=ppt/slides/slide27.xml><?xml version="1.0" encoding="utf-8"?>
+<p:sld xmlns:a="http://schemas.openxmlformats.org/drawingml/2006/main" xmlns:r="http://schemas.openxmlformats.org/officeDocument/2006/relationships" xmlns:p="http://schemas.openxmlformats.org/presentationml/2006/main">
+  <p:cSld>
+    <p:spTree>
+      <p:nvGrpSpPr>
+        <p:cNvPr id="1" name=""/>
+        <p:cNvGrpSpPr/>
+        <p:nvPr/>
+      </p:nvGrpSpPr>
+      <p:grpSpPr>
+        <a:xfrm>
+          <a:off x="0" y="0"/>
+          <a:ext cx="0" cy="0"/>
+          <a:chOff x="0" y="0"/>
+          <a:chExt cx="0" cy="0"/>
+        </a:xfrm>
+      </p:grpSpPr>
+      <p:sp>
+        <p:nvSpPr>
+          <p:cNvPr id="2" name="Title 1">
+            <a:extLst>
+              <a:ext uri="{FF2B5EF4-FFF2-40B4-BE49-F238E27FC236}">
+                <a16:creationId xmlns:a16="http://schemas.microsoft.com/office/drawing/2014/main" id="{1BB7D013-2A75-480E-827F-A26CE8C08FA7}"/>
+              </a:ext>
+            </a:extLst>
+          </p:cNvPr>
+          <p:cNvSpPr>
+            <a:spLocks noGrp="1"/>
+          </p:cNvSpPr>
+          <p:nvPr>
+            <p:ph type="title"/>
+          </p:nvPr>
+        </p:nvSpPr>
+        <p:spPr/>
+        <p:txBody>
+          <a:bodyPr/>
+          <a:lstStyle/>
+          <a:p>
+            <a:r>
+              <a:rPr lang="en-US" dirty="0"/>
+              <a:t>RTT estimation and policy update cycles</a:t>
+            </a:r>
+          </a:p>
+        </p:txBody>
+      </p:sp>
+      <p:sp>
+        <p:nvSpPr>
+          <p:cNvPr id="4" name="Rectangle 3">
+            <a:extLst>
+              <a:ext uri="{FF2B5EF4-FFF2-40B4-BE49-F238E27FC236}">
+                <a16:creationId xmlns:a16="http://schemas.microsoft.com/office/drawing/2014/main" id="{80A62BAE-B800-42D4-AE6E-26781DAFB45F}"/>
+              </a:ext>
+            </a:extLst>
+          </p:cNvPr>
+          <p:cNvSpPr/>
+          <p:nvPr/>
+        </p:nvSpPr>
+        <p:spPr>
+          <a:xfrm>
+            <a:off x="1007104" y="2785338"/>
+            <a:ext cx="2911753" cy="101132"/>
+          </a:xfrm>
+          <a:prstGeom prst="rect">
+            <a:avLst/>
+          </a:prstGeom>
+        </p:spPr>
+        <p:style>
+          <a:lnRef idx="2">
+            <a:schemeClr val="accent1">
+              <a:shade val="50000"/>
+            </a:schemeClr>
+          </a:lnRef>
+          <a:fillRef idx="1">
+            <a:schemeClr val="accent1"/>
+          </a:fillRef>
+          <a:effectRef idx="0">
+            <a:schemeClr val="accent1"/>
+          </a:effectRef>
+          <a:fontRef idx="minor">
+            <a:schemeClr val="lt1"/>
+          </a:fontRef>
+        </p:style>
+        <p:txBody>
+          <a:bodyPr rtlCol="0" anchor="ctr"/>
+          <a:lstStyle/>
+          <a:p>
+            <a:pPr algn="ctr"/>
+            <a:r>
+              <a:rPr lang="en-US" sz="700" dirty="0"/>
+              <a:t>1 RTT</a:t>
+            </a:r>
+          </a:p>
+        </p:txBody>
+      </p:sp>
+      <p:sp>
+        <p:nvSpPr>
+          <p:cNvPr id="7" name="Rectangle 6">
+            <a:extLst>
+              <a:ext uri="{FF2B5EF4-FFF2-40B4-BE49-F238E27FC236}">
+                <a16:creationId xmlns:a16="http://schemas.microsoft.com/office/drawing/2014/main" id="{9D8886FF-139A-47B5-88B0-558C5C55766A}"/>
+              </a:ext>
+            </a:extLst>
+          </p:cNvPr>
+          <p:cNvSpPr/>
+          <p:nvPr/>
+        </p:nvSpPr>
+        <p:spPr>
+          <a:xfrm>
+            <a:off x="7084844" y="2480936"/>
+            <a:ext cx="1601957" cy="223333"/>
+          </a:xfrm>
+          <a:prstGeom prst="rect">
+            <a:avLst/>
+          </a:prstGeom>
+          <a:solidFill>
+            <a:schemeClr val="accent2"/>
+          </a:solidFill>
+        </p:spPr>
+        <p:style>
+          <a:lnRef idx="2">
+            <a:schemeClr val="accent1">
+              <a:shade val="50000"/>
+            </a:schemeClr>
+          </a:lnRef>
+          <a:fillRef idx="1">
+            <a:schemeClr val="accent1"/>
+          </a:fillRef>
+          <a:effectRef idx="0">
+            <a:schemeClr val="accent1"/>
+          </a:effectRef>
+          <a:fontRef idx="minor">
+            <a:schemeClr val="lt1"/>
+          </a:fontRef>
+        </p:style>
+        <p:txBody>
+          <a:bodyPr rtlCol="0" anchor="ctr"/>
+          <a:lstStyle/>
+          <a:p>
+            <a:pPr algn="ctr"/>
+            <a:r>
+              <a:rPr lang="en-US" sz="900" dirty="0" err="1"/>
+              <a:t>Rtt</a:t>
+            </a:r>
+            <a:r>
+              <a:rPr lang="en-US" sz="900" dirty="0"/>
+              <a:t> estimation on P(m+1)</a:t>
+            </a:r>
+          </a:p>
+        </p:txBody>
+      </p:sp>
+      <p:sp>
+        <p:nvSpPr>
+          <p:cNvPr id="8" name="Rectangle 7">
+            <a:extLst>
+              <a:ext uri="{FF2B5EF4-FFF2-40B4-BE49-F238E27FC236}">
+                <a16:creationId xmlns:a16="http://schemas.microsoft.com/office/drawing/2014/main" id="{EE243961-4E71-42BE-B90B-4F2DD4E6E7FC}"/>
+              </a:ext>
+            </a:extLst>
+          </p:cNvPr>
+          <p:cNvSpPr/>
+          <p:nvPr/>
+        </p:nvSpPr>
+        <p:spPr>
+          <a:xfrm>
+            <a:off x="1007105" y="2974959"/>
+            <a:ext cx="876476" cy="214905"/>
+          </a:xfrm>
+          <a:prstGeom prst="rect">
+            <a:avLst/>
+          </a:prstGeom>
+          <a:solidFill>
+            <a:schemeClr val="accent2"/>
+          </a:solidFill>
+        </p:spPr>
+        <p:style>
+          <a:lnRef idx="2">
+            <a:schemeClr val="accent1">
+              <a:shade val="50000"/>
+            </a:schemeClr>
+          </a:lnRef>
+          <a:fillRef idx="1">
+            <a:schemeClr val="accent1"/>
+          </a:fillRef>
+          <a:effectRef idx="0">
+            <a:schemeClr val="accent1"/>
+          </a:effectRef>
+          <a:fontRef idx="minor">
+            <a:schemeClr val="lt1"/>
+          </a:fontRef>
+        </p:style>
+        <p:txBody>
+          <a:bodyPr rtlCol="0" anchor="ctr"/>
+          <a:lstStyle/>
+          <a:p>
+            <a:pPr algn="ctr"/>
+            <a:r>
+              <a:rPr lang="en-US" sz="900" dirty="0"/>
+              <a:t>Policy update</a:t>
+            </a:r>
+          </a:p>
+        </p:txBody>
+      </p:sp>
+      <p:sp>
+        <p:nvSpPr>
+          <p:cNvPr id="10" name="Freeform: Shape 9">
+            <a:extLst>
+              <a:ext uri="{FF2B5EF4-FFF2-40B4-BE49-F238E27FC236}">
+                <a16:creationId xmlns:a16="http://schemas.microsoft.com/office/drawing/2014/main" id="{5A62039F-6CD7-4C78-9087-6B87F1F55D5C}"/>
+              </a:ext>
+            </a:extLst>
+          </p:cNvPr>
+          <p:cNvSpPr/>
+          <p:nvPr/>
+        </p:nvSpPr>
+        <p:spPr>
+          <a:xfrm>
+            <a:off x="1883580" y="2551236"/>
+            <a:ext cx="5201264" cy="524856"/>
+          </a:xfrm>
+          <a:custGeom>
+            <a:avLst/>
+            <a:gdLst>
+              <a:gd name="connsiteX0" fmla="*/ 0 w 2193859"/>
+              <a:gd name="connsiteY0" fmla="*/ 524856 h 524856"/>
+              <a:gd name="connsiteX1" fmla="*/ 838551 w 2193859"/>
+              <a:gd name="connsiteY1" fmla="*/ 36052 h 524856"/>
+              <a:gd name="connsiteX2" fmla="*/ 2022636 w 2193859"/>
+              <a:gd name="connsiteY2" fmla="*/ 36052 h 524856"/>
+              <a:gd name="connsiteX3" fmla="*/ 2161692 w 2193859"/>
+              <a:gd name="connsiteY3" fmla="*/ 31839 h 524856"/>
+            </a:gdLst>
+            <a:ahLst/>
+            <a:cxnLst>
+              <a:cxn ang="0">
+                <a:pos x="connsiteX0" y="connsiteY0"/>
+              </a:cxn>
+              <a:cxn ang="0">
+                <a:pos x="connsiteX1" y="connsiteY1"/>
+              </a:cxn>
+              <a:cxn ang="0">
+                <a:pos x="connsiteX2" y="connsiteY2"/>
+              </a:cxn>
+              <a:cxn ang="0">
+                <a:pos x="connsiteX3" y="connsiteY3"/>
+              </a:cxn>
+            </a:cxnLst>
+            <a:rect l="l" t="t" r="r" b="b"/>
+            <a:pathLst>
+              <a:path w="2193859" h="524856">
+                <a:moveTo>
+                  <a:pt x="0" y="524856"/>
+                </a:moveTo>
+                <a:cubicBezTo>
+                  <a:pt x="250722" y="321187"/>
+                  <a:pt x="501445" y="117519"/>
+                  <a:pt x="838551" y="36052"/>
+                </a:cubicBezTo>
+                <a:cubicBezTo>
+                  <a:pt x="1175657" y="-45415"/>
+                  <a:pt x="1802113" y="36754"/>
+                  <a:pt x="2022636" y="36052"/>
+                </a:cubicBezTo>
+                <a:cubicBezTo>
+                  <a:pt x="2243159" y="35350"/>
+                  <a:pt x="2202425" y="33594"/>
+                  <a:pt x="2161692" y="31839"/>
+                </a:cubicBezTo>
+              </a:path>
+            </a:pathLst>
+          </a:custGeom>
+          <a:noFill/>
+          <a:ln>
+            <a:solidFill>
+              <a:schemeClr val="accent2"/>
+            </a:solidFill>
+            <a:tailEnd type="triangle"/>
+          </a:ln>
+        </p:spPr>
+        <p:style>
+          <a:lnRef idx="2">
+            <a:schemeClr val="accent1">
+              <a:shade val="50000"/>
+            </a:schemeClr>
+          </a:lnRef>
+          <a:fillRef idx="1">
+            <a:schemeClr val="accent1"/>
+          </a:fillRef>
+          <a:effectRef idx="0">
+            <a:schemeClr val="accent1"/>
+          </a:effectRef>
+          <a:fontRef idx="minor">
+            <a:schemeClr val="lt1"/>
+          </a:fontRef>
+        </p:style>
+        <p:txBody>
+          <a:bodyPr rtlCol="0" anchor="ctr"/>
+          <a:lstStyle/>
+          <a:p>
+            <a:pPr algn="ctr"/>
+            <a:endParaRPr lang="en-US"/>
+          </a:p>
+        </p:txBody>
+      </p:sp>
+      <p:sp>
+        <p:nvSpPr>
+          <p:cNvPr id="11" name="Rectangle 10">
+            <a:extLst>
+              <a:ext uri="{FF2B5EF4-FFF2-40B4-BE49-F238E27FC236}">
+                <a16:creationId xmlns:a16="http://schemas.microsoft.com/office/drawing/2014/main" id="{61BA7638-1061-4D38-8FC6-42F9E798A417}"/>
+              </a:ext>
+            </a:extLst>
+          </p:cNvPr>
+          <p:cNvSpPr/>
+          <p:nvPr/>
+        </p:nvSpPr>
+        <p:spPr>
+          <a:xfrm>
+            <a:off x="923109" y="3792583"/>
+            <a:ext cx="4702628" cy="1872343"/>
+          </a:xfrm>
+          <a:prstGeom prst="rect">
+            <a:avLst/>
+          </a:prstGeom>
+        </p:spPr>
+        <p:style>
+          <a:lnRef idx="2">
+            <a:schemeClr val="accent1">
+              <a:shade val="50000"/>
+            </a:schemeClr>
+          </a:lnRef>
+          <a:fillRef idx="1">
+            <a:schemeClr val="accent1"/>
+          </a:fillRef>
+          <a:effectRef idx="0">
+            <a:schemeClr val="accent1"/>
+          </a:effectRef>
+          <a:fontRef idx="minor">
+            <a:schemeClr val="lt1"/>
+          </a:fontRef>
+        </p:style>
+        <p:txBody>
+          <a:bodyPr rtlCol="0" anchor="ctr"/>
+          <a:lstStyle/>
+          <a:p>
+            <a:pPr algn="ctr"/>
+            <a:r>
+              <a:rPr lang="en-US" dirty="0"/>
+              <a:t>Whenever we change the policy, the impact on </a:t>
+            </a:r>
+            <a:r>
+              <a:rPr lang="en-US" dirty="0" err="1"/>
+              <a:t>rtt</a:t>
+            </a:r>
+            <a:r>
+              <a:rPr lang="en-US" dirty="0"/>
+              <a:t> can only be reliably measured after 2 </a:t>
+            </a:r>
+            <a:r>
+              <a:rPr lang="en-US" dirty="0" err="1"/>
+              <a:t>currentRTT</a:t>
+            </a:r>
+            <a:r>
+              <a:rPr lang="en-US" dirty="0"/>
+              <a:t> time</a:t>
+            </a:r>
+          </a:p>
+        </p:txBody>
+      </p:sp>
+      <p:sp>
+        <p:nvSpPr>
+          <p:cNvPr id="12" name="Rectangle 11">
+            <a:extLst>
+              <a:ext uri="{FF2B5EF4-FFF2-40B4-BE49-F238E27FC236}">
+                <a16:creationId xmlns:a16="http://schemas.microsoft.com/office/drawing/2014/main" id="{5DE908D9-657B-40B4-9029-F125F3D1C66B}"/>
+              </a:ext>
+            </a:extLst>
+          </p:cNvPr>
+          <p:cNvSpPr/>
+          <p:nvPr/>
+        </p:nvSpPr>
+        <p:spPr>
+          <a:xfrm>
+            <a:off x="4045974" y="2785572"/>
+            <a:ext cx="2911753" cy="101132"/>
+          </a:xfrm>
+          <a:prstGeom prst="rect">
+            <a:avLst/>
+          </a:prstGeom>
+        </p:spPr>
+        <p:style>
+          <a:lnRef idx="2">
+            <a:schemeClr val="accent1">
+              <a:shade val="50000"/>
+            </a:schemeClr>
+          </a:lnRef>
+          <a:fillRef idx="1">
+            <a:schemeClr val="accent1"/>
+          </a:fillRef>
+          <a:effectRef idx="0">
+            <a:schemeClr val="accent1"/>
+          </a:effectRef>
+          <a:fontRef idx="minor">
+            <a:schemeClr val="lt1"/>
+          </a:fontRef>
+        </p:style>
+        <p:txBody>
+          <a:bodyPr rtlCol="0" anchor="ctr"/>
+          <a:lstStyle/>
+          <a:p>
+            <a:pPr algn="ctr"/>
+            <a:r>
+              <a:rPr lang="en-US" sz="700" dirty="0"/>
+              <a:t>1 RTT</a:t>
+            </a:r>
+          </a:p>
+        </p:txBody>
+      </p:sp>
+      <p:sp>
+        <p:nvSpPr>
+          <p:cNvPr id="13" name="Rectangle 12">
+            <a:extLst>
+              <a:ext uri="{FF2B5EF4-FFF2-40B4-BE49-F238E27FC236}">
+                <a16:creationId xmlns:a16="http://schemas.microsoft.com/office/drawing/2014/main" id="{5815FE10-81B3-4FFE-803A-C2C1AEE4BF7E}"/>
+              </a:ext>
+            </a:extLst>
+          </p:cNvPr>
+          <p:cNvSpPr/>
+          <p:nvPr/>
+        </p:nvSpPr>
+        <p:spPr>
+          <a:xfrm>
+            <a:off x="7084844" y="2785338"/>
+            <a:ext cx="2911753" cy="101132"/>
+          </a:xfrm>
+          <a:prstGeom prst="rect">
+            <a:avLst/>
+          </a:prstGeom>
+        </p:spPr>
+        <p:style>
+          <a:lnRef idx="2">
+            <a:schemeClr val="accent1">
+              <a:shade val="50000"/>
+            </a:schemeClr>
+          </a:lnRef>
+          <a:fillRef idx="1">
+            <a:schemeClr val="accent1"/>
+          </a:fillRef>
+          <a:effectRef idx="0">
+            <a:schemeClr val="accent1"/>
+          </a:effectRef>
+          <a:fontRef idx="minor">
+            <a:schemeClr val="lt1"/>
+          </a:fontRef>
+        </p:style>
+        <p:txBody>
+          <a:bodyPr rtlCol="0" anchor="ctr"/>
+          <a:lstStyle/>
+          <a:p>
+            <a:pPr algn="ctr"/>
+            <a:r>
+              <a:rPr lang="en-US" sz="700" dirty="0"/>
+              <a:t>1 RTT</a:t>
+            </a:r>
+          </a:p>
+        </p:txBody>
+      </p:sp>
+      <p:sp>
+        <p:nvSpPr>
+          <p:cNvPr id="14" name="Rectangle 13">
+            <a:extLst>
+              <a:ext uri="{FF2B5EF4-FFF2-40B4-BE49-F238E27FC236}">
+                <a16:creationId xmlns:a16="http://schemas.microsoft.com/office/drawing/2014/main" id="{18EAC5F6-64E9-423D-B033-241C48E0FE44}"/>
+              </a:ext>
+            </a:extLst>
+          </p:cNvPr>
+          <p:cNvSpPr/>
+          <p:nvPr/>
+        </p:nvSpPr>
+        <p:spPr>
+          <a:xfrm>
+            <a:off x="1007104" y="2484049"/>
+            <a:ext cx="486416" cy="223333"/>
+          </a:xfrm>
+          <a:prstGeom prst="rect">
+            <a:avLst/>
+          </a:prstGeom>
+          <a:solidFill>
+            <a:schemeClr val="accent2"/>
+          </a:solidFill>
+        </p:spPr>
+        <p:style>
+          <a:lnRef idx="2">
+            <a:schemeClr val="accent1">
+              <a:shade val="50000"/>
+            </a:schemeClr>
+          </a:lnRef>
+          <a:fillRef idx="1">
+            <a:schemeClr val="accent1"/>
+          </a:fillRef>
+          <a:effectRef idx="0">
+            <a:schemeClr val="accent1"/>
+          </a:effectRef>
+          <a:fontRef idx="minor">
+            <a:schemeClr val="lt1"/>
+          </a:fontRef>
+        </p:style>
+        <p:txBody>
+          <a:bodyPr rtlCol="0" anchor="ctr"/>
+          <a:lstStyle/>
+          <a:p>
+            <a:pPr algn="ctr"/>
+            <a:r>
+              <a:rPr lang="en-US" sz="800" dirty="0"/>
+              <a:t>P1 sent</a:t>
+            </a:r>
+          </a:p>
+        </p:txBody>
+      </p:sp>
+      <p:sp>
+        <p:nvSpPr>
+          <p:cNvPr id="15" name="Rectangle 14">
+            <a:extLst>
+              <a:ext uri="{FF2B5EF4-FFF2-40B4-BE49-F238E27FC236}">
+                <a16:creationId xmlns:a16="http://schemas.microsoft.com/office/drawing/2014/main" id="{7B5D7B4D-03D1-4957-8C1E-B00F6979F94A}"/>
+              </a:ext>
+            </a:extLst>
+          </p:cNvPr>
+          <p:cNvSpPr/>
+          <p:nvPr/>
+        </p:nvSpPr>
+        <p:spPr>
+          <a:xfrm>
+            <a:off x="4045974" y="2947453"/>
+            <a:ext cx="486416" cy="223333"/>
+          </a:xfrm>
+          <a:prstGeom prst="rect">
+            <a:avLst/>
+          </a:prstGeom>
+          <a:solidFill>
+            <a:schemeClr val="accent2"/>
+          </a:solidFill>
+        </p:spPr>
+        <p:style>
+          <a:lnRef idx="2">
+            <a:schemeClr val="accent1">
+              <a:shade val="50000"/>
+            </a:schemeClr>
+          </a:lnRef>
+          <a:fillRef idx="1">
+            <a:schemeClr val="accent1"/>
+          </a:fillRef>
+          <a:effectRef idx="0">
+            <a:schemeClr val="accent1"/>
+          </a:effectRef>
+          <a:fontRef idx="minor">
+            <a:schemeClr val="lt1"/>
+          </a:fontRef>
+        </p:style>
+        <p:txBody>
+          <a:bodyPr rtlCol="0" anchor="ctr"/>
+          <a:lstStyle/>
+          <a:p>
+            <a:pPr algn="ctr"/>
+            <a:r>
+              <a:rPr lang="en-US" sz="800" dirty="0"/>
+              <a:t>P1 ack</a:t>
+            </a:r>
+          </a:p>
+        </p:txBody>
+      </p:sp>
+      <p:sp>
+        <p:nvSpPr>
+          <p:cNvPr id="16" name="Rectangle 15">
+            <a:extLst>
+              <a:ext uri="{FF2B5EF4-FFF2-40B4-BE49-F238E27FC236}">
+                <a16:creationId xmlns:a16="http://schemas.microsoft.com/office/drawing/2014/main" id="{5656FADB-3224-4C5A-BA0F-838A2DAF9DB6}"/>
+              </a:ext>
+            </a:extLst>
+          </p:cNvPr>
+          <p:cNvSpPr/>
+          <p:nvPr/>
+        </p:nvSpPr>
+        <p:spPr>
+          <a:xfrm>
+            <a:off x="3361508" y="2506171"/>
+            <a:ext cx="557349" cy="223333"/>
+          </a:xfrm>
+          <a:prstGeom prst="rect">
+            <a:avLst/>
+          </a:prstGeom>
+          <a:solidFill>
+            <a:schemeClr val="accent2"/>
+          </a:solidFill>
+        </p:spPr>
+        <p:style>
+          <a:lnRef idx="2">
+            <a:schemeClr val="accent1">
+              <a:shade val="50000"/>
+            </a:schemeClr>
+          </a:lnRef>
+          <a:fillRef idx="1">
+            <a:schemeClr val="accent1"/>
+          </a:fillRef>
+          <a:effectRef idx="0">
+            <a:schemeClr val="accent1"/>
+          </a:effectRef>
+          <a:fontRef idx="minor">
+            <a:schemeClr val="lt1"/>
+          </a:fontRef>
+        </p:style>
+        <p:txBody>
+          <a:bodyPr rtlCol="0" anchor="ctr"/>
+          <a:lstStyle/>
+          <a:p>
+            <a:pPr algn="ctr"/>
+            <a:r>
+              <a:rPr lang="en-US" sz="800" dirty="0"/>
+              <a:t>Pm sent</a:t>
+            </a:r>
+          </a:p>
+        </p:txBody>
+      </p:sp>
+      <p:sp>
+        <p:nvSpPr>
+          <p:cNvPr id="17" name="Rectangle 16">
+            <a:extLst>
+              <a:ext uri="{FF2B5EF4-FFF2-40B4-BE49-F238E27FC236}">
+                <a16:creationId xmlns:a16="http://schemas.microsoft.com/office/drawing/2014/main" id="{A660FE5D-2875-4064-9664-1F714AF0641B}"/>
+              </a:ext>
+            </a:extLst>
+          </p:cNvPr>
+          <p:cNvSpPr/>
+          <p:nvPr/>
+        </p:nvSpPr>
+        <p:spPr>
+          <a:xfrm>
+            <a:off x="6400378" y="2933828"/>
+            <a:ext cx="557349" cy="223333"/>
+          </a:xfrm>
+          <a:prstGeom prst="rect">
+            <a:avLst/>
+          </a:prstGeom>
+          <a:solidFill>
+            <a:schemeClr val="accent2"/>
+          </a:solidFill>
+        </p:spPr>
+        <p:style>
+          <a:lnRef idx="2">
+            <a:schemeClr val="accent1">
+              <a:shade val="50000"/>
+            </a:schemeClr>
+          </a:lnRef>
+          <a:fillRef idx="1">
+            <a:schemeClr val="accent1"/>
+          </a:fillRef>
+          <a:effectRef idx="0">
+            <a:schemeClr val="accent1"/>
+          </a:effectRef>
+          <a:fontRef idx="minor">
+            <a:schemeClr val="lt1"/>
+          </a:fontRef>
+        </p:style>
+        <p:txBody>
+          <a:bodyPr rtlCol="0" anchor="ctr"/>
+          <a:lstStyle/>
+          <a:p>
+            <a:pPr algn="ctr"/>
+            <a:r>
+              <a:rPr lang="en-US" sz="800" dirty="0"/>
+              <a:t>Pm ack</a:t>
+            </a:r>
+          </a:p>
+        </p:txBody>
+      </p:sp>
+      <p:sp>
+        <p:nvSpPr>
+          <p:cNvPr id="18" name="Rectangle 17">
+            <a:extLst>
+              <a:ext uri="{FF2B5EF4-FFF2-40B4-BE49-F238E27FC236}">
+                <a16:creationId xmlns:a16="http://schemas.microsoft.com/office/drawing/2014/main" id="{961E5C50-A161-4F38-B0BB-80A64415E5E0}"/>
+              </a:ext>
+            </a:extLst>
+          </p:cNvPr>
+          <p:cNvSpPr/>
+          <p:nvPr/>
+        </p:nvSpPr>
+        <p:spPr>
+          <a:xfrm>
+            <a:off x="7084844" y="2961101"/>
+            <a:ext cx="876476" cy="214905"/>
+          </a:xfrm>
+          <a:prstGeom prst="rect">
+            <a:avLst/>
+          </a:prstGeom>
+          <a:solidFill>
+            <a:schemeClr val="accent2"/>
+          </a:solidFill>
+        </p:spPr>
+        <p:style>
+          <a:lnRef idx="2">
+            <a:schemeClr val="accent1">
+              <a:shade val="50000"/>
+            </a:schemeClr>
+          </a:lnRef>
+          <a:fillRef idx="1">
+            <a:schemeClr val="accent1"/>
+          </a:fillRef>
+          <a:effectRef idx="0">
+            <a:schemeClr val="accent1"/>
+          </a:effectRef>
+          <a:fontRef idx="minor">
+            <a:schemeClr val="lt1"/>
+          </a:fontRef>
+        </p:style>
+        <p:txBody>
+          <a:bodyPr rtlCol="0" anchor="ctr"/>
+          <a:lstStyle/>
+          <a:p>
+            <a:pPr algn="ctr"/>
+            <a:r>
+              <a:rPr lang="en-US" sz="900" dirty="0"/>
+              <a:t>Policy update</a:t>
+            </a:r>
+          </a:p>
+        </p:txBody>
+      </p:sp>
+    </p:spTree>
+    <p:extLst>
+      <p:ext uri="{BB962C8B-B14F-4D97-AF65-F5344CB8AC3E}">
+        <p14:creationId xmlns:p14="http://schemas.microsoft.com/office/powerpoint/2010/main" val="3168435011"/>
+      </p:ext>
+    </p:extLst>
+  </p:cSld>
+  <p:clrMapOvr>
+    <a:masterClrMapping/>
+  </p:clrMapOvr>
+</p:sld>
+</file>
+
+<file path=ppt/slides/slide28.xml><?xml version="1.0" encoding="utf-8"?>
+<p:sld xmlns:a="http://schemas.openxmlformats.org/drawingml/2006/main" xmlns:r="http://schemas.openxmlformats.org/officeDocument/2006/relationships" xmlns:p="http://schemas.openxmlformats.org/presentationml/2006/main">
+  <p:cSld>
+    <p:spTree>
+      <p:nvGrpSpPr>
+        <p:cNvPr id="1" name=""/>
+        <p:cNvGrpSpPr/>
+        <p:nvPr/>
+      </p:nvGrpSpPr>
+      <p:grpSpPr>
+        <a:xfrm>
+          <a:off x="0" y="0"/>
+          <a:ext cx="0" cy="0"/>
+          <a:chOff x="0" y="0"/>
+          <a:chExt cx="0" cy="0"/>
+        </a:xfrm>
+      </p:grpSpPr>
+      <p:sp>
+        <p:nvSpPr>
+          <p:cNvPr id="2" name="Title 1">
+            <a:extLst>
+              <a:ext uri="{FF2B5EF4-FFF2-40B4-BE49-F238E27FC236}">
+                <a16:creationId xmlns:a16="http://schemas.microsoft.com/office/drawing/2014/main" id="{CA2A5CBF-331B-4F81-BD56-8D36BE1E542F}"/>
+              </a:ext>
+            </a:extLst>
+          </p:cNvPr>
+          <p:cNvSpPr>
+            <a:spLocks noGrp="1"/>
+          </p:cNvSpPr>
+          <p:nvPr>
+            <p:ph type="title"/>
+          </p:nvPr>
+        </p:nvSpPr>
+        <p:spPr/>
+        <p:txBody>
+          <a:bodyPr>
+            <a:normAutofit fontScale="90000"/>
+          </a:bodyPr>
+          <a:lstStyle/>
+          <a:p>
+            <a:r>
+              <a:rPr lang="en-US" dirty="0"/>
+              <a:t>Interesting observations for 100 max outstanding packets with delivery rate 1.5k both clients</a:t>
+            </a:r>
+          </a:p>
+        </p:txBody>
+      </p:sp>
+      <p:sp>
+        <p:nvSpPr>
+          <p:cNvPr id="3" name="Content Placeholder 2">
+            <a:extLst>
+              <a:ext uri="{FF2B5EF4-FFF2-40B4-BE49-F238E27FC236}">
+                <a16:creationId xmlns:a16="http://schemas.microsoft.com/office/drawing/2014/main" id="{94EAF537-792E-4ED5-A20B-8A833EB8225E}"/>
+              </a:ext>
+            </a:extLst>
+          </p:cNvPr>
+          <p:cNvSpPr>
+            <a:spLocks noGrp="1"/>
+          </p:cNvSpPr>
+          <p:nvPr>
+            <p:ph idx="1"/>
+          </p:nvPr>
+        </p:nvSpPr>
+        <p:spPr/>
+        <p:txBody>
+          <a:bodyPr/>
+          <a:lstStyle/>
+          <a:p>
+            <a:r>
+              <a:rPr lang="en-US" sz="1600" dirty="0"/>
+              <a:t>The client does not try to optimize after a lower boundary</a:t>
+            </a:r>
+          </a:p>
+          <a:p>
+            <a:r>
+              <a:rPr lang="en-US" sz="1600" dirty="0"/>
+              <a:t>We need to add some exploration mechanism</a:t>
+            </a:r>
+          </a:p>
+          <a:p>
+            <a:r>
+              <a:rPr lang="en-US" sz="1600" dirty="0"/>
+              <a:t>What to do when </a:t>
+            </a:r>
+            <a:r>
+              <a:rPr lang="en-US" sz="1600" dirty="0" err="1"/>
+              <a:t>rtt</a:t>
+            </a:r>
+            <a:r>
+              <a:rPr lang="en-US" sz="1600" dirty="0"/>
+              <a:t> does not change?</a:t>
+            </a:r>
+          </a:p>
+          <a:p>
+            <a:endParaRPr lang="en-US" dirty="0"/>
+          </a:p>
+        </p:txBody>
+      </p:sp>
+      <p:pic>
+        <p:nvPicPr>
+          <p:cNvPr id="5" name="Picture 4">
+            <a:extLst>
+              <a:ext uri="{FF2B5EF4-FFF2-40B4-BE49-F238E27FC236}">
+                <a16:creationId xmlns:a16="http://schemas.microsoft.com/office/drawing/2014/main" id="{DD479213-2E5C-492E-B401-8131CFB825CD}"/>
+              </a:ext>
+            </a:extLst>
+          </p:cNvPr>
+          <p:cNvPicPr>
+            <a:picLocks noChangeAspect="1"/>
+          </p:cNvPicPr>
+          <p:nvPr/>
+        </p:nvPicPr>
+        <p:blipFill>
+          <a:blip r:embed="rId2">
+            <a:extLst>
+              <a:ext uri="{28A0092B-C50C-407E-A947-70E740481C1C}">
+                <a14:useLocalDpi xmlns:a14="http://schemas.microsoft.com/office/drawing/2010/main" val="0"/>
+              </a:ext>
+            </a:extLst>
+          </a:blip>
+          <a:stretch>
+            <a:fillRect/>
+          </a:stretch>
+        </p:blipFill>
+        <p:spPr>
+          <a:xfrm>
+            <a:off x="1040675" y="2820661"/>
+            <a:ext cx="9218022" cy="3428927"/>
+          </a:xfrm>
+          <a:prstGeom prst="rect">
+            <a:avLst/>
+          </a:prstGeom>
+        </p:spPr>
+      </p:pic>
+    </p:spTree>
+    <p:extLst>
+      <p:ext uri="{BB962C8B-B14F-4D97-AF65-F5344CB8AC3E}">
+        <p14:creationId xmlns:p14="http://schemas.microsoft.com/office/powerpoint/2010/main" val="1270941458"/>
+      </p:ext>
+    </p:extLst>
+  </p:cSld>
+  <p:clrMapOvr>
+    <a:masterClrMapping/>
+  </p:clrMapOvr>
+</p:sld>
+</file>
+
+<file path=ppt/slides/slide29.xml><?xml version="1.0" encoding="utf-8"?>
+<p:sld xmlns:a="http://schemas.openxmlformats.org/drawingml/2006/main" xmlns:r="http://schemas.openxmlformats.org/officeDocument/2006/relationships" xmlns:p="http://schemas.openxmlformats.org/presentationml/2006/main">
+  <p:cSld>
+    <p:spTree>
+      <p:nvGrpSpPr>
+        <p:cNvPr id="1" name=""/>
+        <p:cNvGrpSpPr/>
+        <p:nvPr/>
+      </p:nvGrpSpPr>
+      <p:grpSpPr>
+        <a:xfrm>
+          <a:off x="0" y="0"/>
+          <a:ext cx="0" cy="0"/>
+          <a:chOff x="0" y="0"/>
+          <a:chExt cx="0" cy="0"/>
+        </a:xfrm>
+      </p:grpSpPr>
+      <p:sp>
+        <p:nvSpPr>
+          <p:cNvPr id="2" name="Title 1">
+            <a:extLst>
+              <a:ext uri="{FF2B5EF4-FFF2-40B4-BE49-F238E27FC236}">
+                <a16:creationId xmlns:a16="http://schemas.microsoft.com/office/drawing/2014/main" id="{68C8A9D9-40E6-4D6B-80BC-BBB5F41BE15B}"/>
+              </a:ext>
+            </a:extLst>
+          </p:cNvPr>
+          <p:cNvSpPr>
+            <a:spLocks noGrp="1"/>
+          </p:cNvSpPr>
+          <p:nvPr>
+            <p:ph type="title"/>
+          </p:nvPr>
+        </p:nvSpPr>
+        <p:spPr/>
+        <p:txBody>
+          <a:bodyPr/>
+          <a:lstStyle/>
+          <a:p>
+            <a:r>
+              <a:rPr lang="en-US" dirty="0"/>
+              <a:t>Client ideas</a:t>
+            </a:r>
+          </a:p>
+        </p:txBody>
+      </p:sp>
+      <p:sp>
+        <p:nvSpPr>
+          <p:cNvPr id="3" name="Content Placeholder 2">
+            <a:extLst>
+              <a:ext uri="{FF2B5EF4-FFF2-40B4-BE49-F238E27FC236}">
+                <a16:creationId xmlns:a16="http://schemas.microsoft.com/office/drawing/2014/main" id="{874F4BE4-161C-4D8A-84DB-AFFE40E936BB}"/>
+              </a:ext>
+            </a:extLst>
+          </p:cNvPr>
+          <p:cNvSpPr>
+            <a:spLocks noGrp="1"/>
+          </p:cNvSpPr>
+          <p:nvPr>
+            <p:ph idx="1"/>
+          </p:nvPr>
+        </p:nvSpPr>
+        <p:spPr/>
+        <p:txBody>
+          <a:bodyPr/>
+          <a:lstStyle/>
+          <a:p>
+            <a:r>
+              <a:rPr lang="en-US" dirty="0"/>
+              <a:t>Find optimal </a:t>
+            </a:r>
+            <a:r>
+              <a:rPr lang="en-US" dirty="0" err="1"/>
+              <a:t>rtt</a:t>
+            </a:r>
+            <a:r>
+              <a:rPr lang="en-US" dirty="0"/>
+              <a:t> and throughput in the beginning. And try to find a trade off. </a:t>
+            </a:r>
+          </a:p>
+          <a:p>
+            <a:r>
+              <a:rPr lang="en-US" dirty="0"/>
+              <a:t>RL: state (an MDP on S = (</a:t>
+            </a:r>
+            <a:r>
+              <a:rPr lang="en-US" dirty="0" err="1"/>
+              <a:t>rtt</a:t>
+            </a:r>
+            <a:r>
+              <a:rPr lang="en-US" dirty="0"/>
+              <a:t>, max outstanding, </a:t>
+            </a:r>
+            <a:r>
+              <a:rPr lang="en-US" dirty="0" err="1"/>
+              <a:t>curr</a:t>
+            </a:r>
+            <a:r>
+              <a:rPr lang="en-US" dirty="0"/>
+              <a:t> outstanding) A = amount of increase/decrease = {+-10%, 20 %) = discrete values.</a:t>
+            </a:r>
+          </a:p>
+          <a:p>
+            <a:r>
+              <a:rPr lang="en-US" dirty="0"/>
+              <a:t>Q(</a:t>
+            </a:r>
+            <a:r>
+              <a:rPr lang="en-US" dirty="0" err="1"/>
+              <a:t>s,a</a:t>
+            </a:r>
+            <a:r>
+              <a:rPr lang="en-US" dirty="0"/>
+              <a:t>) = goal </a:t>
+            </a:r>
+            <a:r>
+              <a:rPr lang="en-US" dirty="0" err="1"/>
+              <a:t>rtt</a:t>
+            </a:r>
+            <a:r>
+              <a:rPr lang="en-US" dirty="0"/>
+              <a:t> – </a:t>
+            </a:r>
+            <a:r>
+              <a:rPr lang="en-US" dirty="0" err="1"/>
+              <a:t>curRtt</a:t>
+            </a:r>
+            <a:r>
+              <a:rPr lang="en-US" dirty="0"/>
+              <a:t>.</a:t>
+            </a:r>
+          </a:p>
+          <a:p>
+            <a:r>
+              <a:rPr lang="en-US" dirty="0"/>
+              <a:t>Exploration, e = 0.1 or a function. E can be reset.</a:t>
+            </a:r>
+          </a:p>
+        </p:txBody>
+      </p:sp>
+    </p:spTree>
+    <p:extLst>
+      <p:ext uri="{BB962C8B-B14F-4D97-AF65-F5344CB8AC3E}">
+        <p14:creationId xmlns:p14="http://schemas.microsoft.com/office/powerpoint/2010/main" val="1148936370"/>
       </p:ext>
     </p:extLst>
   </p:cSld>

--- a/doc/plan.pptx
+++ b/doc/plan.pptx
@@ -30,10 +30,13 @@
     <p:sldId id="281" r:id="rId24"/>
     <p:sldId id="283" r:id="rId25"/>
     <p:sldId id="284" r:id="rId26"/>
-    <p:sldId id="282" r:id="rId27"/>
-    <p:sldId id="278" r:id="rId28"/>
-    <p:sldId id="279" r:id="rId29"/>
-    <p:sldId id="280" r:id="rId30"/>
+    <p:sldId id="286" r:id="rId27"/>
+    <p:sldId id="285" r:id="rId28"/>
+    <p:sldId id="282" r:id="rId29"/>
+    <p:sldId id="278" r:id="rId30"/>
+    <p:sldId id="279" r:id="rId31"/>
+    <p:sldId id="280" r:id="rId32"/>
+    <p:sldId id="287" r:id="rId33"/>
   </p:sldIdLst>
   <p:sldSz cx="12192000" cy="6858000"/>
   <p:notesSz cx="6858000" cy="9144000"/>
@@ -287,7 +290,7 @@
           <a:p>
             <a:fld id="{2EE5EF10-3D11-419F-A8C1-99878D53651A}" type="datetimeFigureOut">
               <a:rPr lang="en-US" smtClean="0"/>
-              <a:t>4/13/2021</a:t>
+              <a:t>4/19/2021</a:t>
             </a:fld>
             <a:endParaRPr lang="en-US"/>
           </a:p>
@@ -485,7 +488,7 @@
           <a:p>
             <a:fld id="{2EE5EF10-3D11-419F-A8C1-99878D53651A}" type="datetimeFigureOut">
               <a:rPr lang="en-US" smtClean="0"/>
-              <a:t>4/13/2021</a:t>
+              <a:t>4/19/2021</a:t>
             </a:fld>
             <a:endParaRPr lang="en-US"/>
           </a:p>
@@ -693,7 +696,7 @@
           <a:p>
             <a:fld id="{2EE5EF10-3D11-419F-A8C1-99878D53651A}" type="datetimeFigureOut">
               <a:rPr lang="en-US" smtClean="0"/>
-              <a:t>4/13/2021</a:t>
+              <a:t>4/19/2021</a:t>
             </a:fld>
             <a:endParaRPr lang="en-US"/>
           </a:p>
@@ -891,7 +894,7 @@
           <a:p>
             <a:fld id="{2EE5EF10-3D11-419F-A8C1-99878D53651A}" type="datetimeFigureOut">
               <a:rPr lang="en-US" smtClean="0"/>
-              <a:t>4/13/2021</a:t>
+              <a:t>4/19/2021</a:t>
             </a:fld>
             <a:endParaRPr lang="en-US"/>
           </a:p>
@@ -1166,7 +1169,7 @@
           <a:p>
             <a:fld id="{2EE5EF10-3D11-419F-A8C1-99878D53651A}" type="datetimeFigureOut">
               <a:rPr lang="en-US" smtClean="0"/>
-              <a:t>4/13/2021</a:t>
+              <a:t>4/19/2021</a:t>
             </a:fld>
             <a:endParaRPr lang="en-US"/>
           </a:p>
@@ -1431,7 +1434,7 @@
           <a:p>
             <a:fld id="{2EE5EF10-3D11-419F-A8C1-99878D53651A}" type="datetimeFigureOut">
               <a:rPr lang="en-US" smtClean="0"/>
-              <a:t>4/13/2021</a:t>
+              <a:t>4/19/2021</a:t>
             </a:fld>
             <a:endParaRPr lang="en-US"/>
           </a:p>
@@ -1843,7 +1846,7 @@
           <a:p>
             <a:fld id="{2EE5EF10-3D11-419F-A8C1-99878D53651A}" type="datetimeFigureOut">
               <a:rPr lang="en-US" smtClean="0"/>
-              <a:t>4/13/2021</a:t>
+              <a:t>4/19/2021</a:t>
             </a:fld>
             <a:endParaRPr lang="en-US"/>
           </a:p>
@@ -1984,7 +1987,7 @@
           <a:p>
             <a:fld id="{2EE5EF10-3D11-419F-A8C1-99878D53651A}" type="datetimeFigureOut">
               <a:rPr lang="en-US" smtClean="0"/>
-              <a:t>4/13/2021</a:t>
+              <a:t>4/19/2021</a:t>
             </a:fld>
             <a:endParaRPr lang="en-US"/>
           </a:p>
@@ -2097,7 +2100,7 @@
           <a:p>
             <a:fld id="{2EE5EF10-3D11-419F-A8C1-99878D53651A}" type="datetimeFigureOut">
               <a:rPr lang="en-US" smtClean="0"/>
-              <a:t>4/13/2021</a:t>
+              <a:t>4/19/2021</a:t>
             </a:fld>
             <a:endParaRPr lang="en-US"/>
           </a:p>
@@ -2408,7 +2411,7 @@
           <a:p>
             <a:fld id="{2EE5EF10-3D11-419F-A8C1-99878D53651A}" type="datetimeFigureOut">
               <a:rPr lang="en-US" smtClean="0"/>
-              <a:t>4/13/2021</a:t>
+              <a:t>4/19/2021</a:t>
             </a:fld>
             <a:endParaRPr lang="en-US"/>
           </a:p>
@@ -2696,7 +2699,7 @@
           <a:p>
             <a:fld id="{2EE5EF10-3D11-419F-A8C1-99878D53651A}" type="datetimeFigureOut">
               <a:rPr lang="en-US" smtClean="0"/>
-              <a:t>4/13/2021</a:t>
+              <a:t>4/19/2021</a:t>
             </a:fld>
             <a:endParaRPr lang="en-US"/>
           </a:p>
@@ -2937,7 +2940,7 @@
           <a:p>
             <a:fld id="{2EE5EF10-3D11-419F-A8C1-99878D53651A}" type="datetimeFigureOut">
               <a:rPr lang="en-US" smtClean="0"/>
-              <a:t>4/13/2021</a:t>
+              <a:t>4/19/2021</a:t>
             </a:fld>
             <a:endParaRPr lang="en-US"/>
           </a:p>
@@ -8039,7 +8042,7 @@
           <p:nvPr>
             <p:extLst>
               <p:ext uri="{D42A27DB-BD31-4B8C-83A1-F6EECF244321}">
-                <p14:modId xmlns:p14="http://schemas.microsoft.com/office/powerpoint/2010/main" val="3514257680"/>
+                <p14:modId xmlns:p14="http://schemas.microsoft.com/office/powerpoint/2010/main" val="1080967500"/>
               </p:ext>
             </p:extLst>
           </p:nvPr>
@@ -8613,7 +8616,7 @@
                       </a:r>
                       <a:r>
                         <a:rPr lang="en-US" sz="800" dirty="0"/>
-                        <a:t>(2, 2.5), </a:t>
+                        <a:t>(50), </a:t>
                       </a:r>
                       <a:r>
                         <a:rPr lang="en-US" sz="800" dirty="0">
@@ -8971,7 +8974,7 @@
                     <a:bodyPr/>
                     <a:lstStyle/>
                     <a:p>
-                      <a:endParaRPr lang="en-US" sz="800"/>
+                      <a:endParaRPr lang="en-US" sz="800" dirty="0"/>
                     </a:p>
                   </a:txBody>
                   <a:tcPr marT="0" marB="0" anchor="ctr"/>
@@ -8981,10 +8984,7 @@
                     <a:bodyPr/>
                     <a:lstStyle/>
                     <a:p>
-                      <a:r>
-                        <a:rPr lang="en-US" sz="800" dirty="0"/>
-                        <a:t>1000</a:t>
-                      </a:r>
+                      <a:endParaRPr lang="en-US" sz="800" dirty="0"/>
                     </a:p>
                   </a:txBody>
                   <a:tcPr marT="0" marB="0" anchor="ctr"/>
@@ -8994,10 +8994,7 @@
                     <a:bodyPr/>
                     <a:lstStyle/>
                     <a:p>
-                      <a:r>
-                        <a:rPr lang="en-US" sz="800" dirty="0"/>
-                        <a:t>100</a:t>
-                      </a:r>
+                      <a:endParaRPr lang="en-US" sz="800" dirty="0"/>
                     </a:p>
                   </a:txBody>
                   <a:tcPr marT="0" marB="0" anchor="ctr"/>
@@ -9007,10 +9004,7 @@
                     <a:bodyPr/>
                     <a:lstStyle/>
                     <a:p>
-                      <a:r>
-                        <a:rPr lang="en-US" sz="800" dirty="0"/>
-                        <a:t>1050</a:t>
-                      </a:r>
+                      <a:endParaRPr lang="en-US" sz="800" dirty="0"/>
                     </a:p>
                   </a:txBody>
                   <a:tcPr marT="0" marB="0" anchor="ctr"/>
@@ -9020,10 +9014,7 @@
                     <a:bodyPr/>
                     <a:lstStyle/>
                     <a:p>
-                      <a:r>
-                        <a:rPr lang="en-US" sz="800" dirty="0"/>
-                        <a:t>100</a:t>
-                      </a:r>
+                      <a:endParaRPr lang="en-US" sz="800" dirty="0"/>
                     </a:p>
                   </a:txBody>
                   <a:tcPr marT="0" marB="0" anchor="ctr"/>
@@ -9089,85 +9080,6 @@
                       <a:r>
                         <a:rPr lang="en-US" sz="800" dirty="0"/>
                         <a:t>1100</a:t>
-                      </a:r>
-                    </a:p>
-                  </a:txBody>
-                  <a:tcPr marT="0" marB="0" anchor="ctr"/>
-                </a:tc>
-                <a:tc>
-                  <a:txBody>
-                    <a:bodyPr/>
-                    <a:lstStyle/>
-                    <a:p>
-                      <a:r>
-                        <a:rPr lang="en-US" sz="800" dirty="0"/>
-                        <a:t>100</a:t>
-                      </a:r>
-                    </a:p>
-                  </a:txBody>
-                  <a:tcPr marT="0" marB="0" anchor="ctr"/>
-                </a:tc>
-                <a:tc>
-                  <a:txBody>
-                    <a:bodyPr/>
-                    <a:lstStyle/>
-                    <a:p>
-                      <a:endParaRPr lang="en-US" sz="800" dirty="0"/>
-                    </a:p>
-                  </a:txBody>
-                  <a:tcPr marT="0" marB="0" anchor="ctr"/>
-                </a:tc>
-                <a:extLst>
-                  <a:ext uri="{0D108BD9-81ED-4DB2-BD59-A6C34878D82A}">
-                    <a16:rowId xmlns:a16="http://schemas.microsoft.com/office/drawing/2014/main" val="2564552447"/>
-                  </a:ext>
-                </a:extLst>
-              </a:tr>
-              <a:tr h="281261">
-                <a:tc>
-                  <a:txBody>
-                    <a:bodyPr/>
-                    <a:lstStyle/>
-                    <a:p>
-                      <a:endParaRPr lang="en-US" sz="400" dirty="0"/>
-                    </a:p>
-                  </a:txBody>
-                  <a:tcPr marT="0" marB="0" anchor="ctr"/>
-                </a:tc>
-                <a:tc>
-                  <a:txBody>
-                    <a:bodyPr/>
-                    <a:lstStyle/>
-                    <a:p>
-                      <a:r>
-                        <a:rPr lang="en-US" sz="800" dirty="0"/>
-                        <a:t>500</a:t>
-                      </a:r>
-                    </a:p>
-                  </a:txBody>
-                  <a:tcPr marT="0" marB="0" anchor="ctr"/>
-                </a:tc>
-                <a:tc>
-                  <a:txBody>
-                    <a:bodyPr/>
-                    <a:lstStyle/>
-                    <a:p>
-                      <a:r>
-                        <a:rPr lang="en-US" sz="800" dirty="0"/>
-                        <a:t>100</a:t>
-                      </a:r>
-                    </a:p>
-                  </a:txBody>
-                  <a:tcPr marT="0" marB="0" anchor="ctr"/>
-                </a:tc>
-                <a:tc>
-                  <a:txBody>
-                    <a:bodyPr/>
-                    <a:lstStyle/>
-                    <a:p>
-                      <a:r>
-                        <a:rPr lang="en-US" sz="800" dirty="0"/>
-                        <a:t>1500</a:t>
                       </a:r>
                     </a:p>
                   </a:txBody>
@@ -9210,7 +9122,7 @@
                       </a:pPr>
                       <a:r>
                         <a:rPr lang="en-US" sz="800" dirty="0"/>
-                        <a:t>Outstanding packets (1, 3), </a:t>
+                        <a:t>Outstanding packets (16, 20), </a:t>
                       </a:r>
                       <a:r>
                         <a:rPr lang="en-US" sz="800" dirty="0" err="1"/>
@@ -9218,7 +9130,15 @@
                       </a:r>
                       <a:r>
                         <a:rPr lang="en-US" sz="800" dirty="0"/>
-                        <a:t>(1.5, 2.5), queue (1, 3)</a:t>
+                        <a:t>(16,20), </a:t>
+                      </a:r>
+                      <a:r>
+                        <a:rPr lang="en-US" sz="800" dirty="0">
+                          <a:solidFill>
+                            <a:srgbClr val="FF0000"/>
+                          </a:solidFill>
+                        </a:rPr>
+                        <a:t>queue (30)</a:t>
                       </a:r>
                     </a:p>
                   </a:txBody>
@@ -9226,7 +9146,7 @@
                 </a:tc>
                 <a:extLst>
                   <a:ext uri="{0D108BD9-81ED-4DB2-BD59-A6C34878D82A}">
-                    <a16:rowId xmlns:a16="http://schemas.microsoft.com/office/drawing/2014/main" val="1321165657"/>
+                    <a16:rowId xmlns:a16="http://schemas.microsoft.com/office/drawing/2014/main" val="2564552447"/>
                   </a:ext>
                 </a:extLst>
               </a:tr>
@@ -9274,86 +9194,7 @@
                     <a:p>
                       <a:r>
                         <a:rPr lang="en-US" sz="800" dirty="0"/>
-                        <a:t>1000</a:t>
-                      </a:r>
-                    </a:p>
-                  </a:txBody>
-                  <a:tcPr marT="0" marB="0" anchor="ctr"/>
-                </a:tc>
-                <a:tc>
-                  <a:txBody>
-                    <a:bodyPr/>
-                    <a:lstStyle/>
-                    <a:p>
-                      <a:r>
-                        <a:rPr lang="en-US" sz="800" dirty="0"/>
-                        <a:t>100</a:t>
-                      </a:r>
-                    </a:p>
-                  </a:txBody>
-                  <a:tcPr marT="0" marB="0" anchor="ctr"/>
-                </a:tc>
-                <a:tc>
-                  <a:txBody>
-                    <a:bodyPr/>
-                    <a:lstStyle/>
-                    <a:p>
-                      <a:endParaRPr lang="en-US" sz="800" dirty="0"/>
-                    </a:p>
-                  </a:txBody>
-                  <a:tcPr marT="0" marB="0" anchor="ctr"/>
-                </a:tc>
-                <a:extLst>
-                  <a:ext uri="{0D108BD9-81ED-4DB2-BD59-A6C34878D82A}">
-                    <a16:rowId xmlns:a16="http://schemas.microsoft.com/office/drawing/2014/main" val="3324065408"/>
-                  </a:ext>
-                </a:extLst>
-              </a:tr>
-              <a:tr h="281261">
-                <a:tc>
-                  <a:txBody>
-                    <a:bodyPr/>
-                    <a:lstStyle/>
-                    <a:p>
-                      <a:endParaRPr lang="en-US" sz="400" dirty="0"/>
-                    </a:p>
-                  </a:txBody>
-                  <a:tcPr marT="0" marB="0" anchor="ctr"/>
-                </a:tc>
-                <a:tc>
-                  <a:txBody>
-                    <a:bodyPr/>
-                    <a:lstStyle/>
-                    <a:p>
-                      <a:r>
-                        <a:rPr lang="en-US" sz="800" dirty="0"/>
-                        <a:t>500</a:t>
-                      </a:r>
-                    </a:p>
-                  </a:txBody>
-                  <a:tcPr marT="0" marB="0" anchor="ctr"/>
-                </a:tc>
-                <a:tc>
-                  <a:txBody>
-                    <a:bodyPr/>
-                    <a:lstStyle/>
-                    <a:p>
-                      <a:r>
-                        <a:rPr lang="en-US" sz="800" dirty="0"/>
-                        <a:t>100</a:t>
-                      </a:r>
-                    </a:p>
-                  </a:txBody>
-                  <a:tcPr marT="0" marB="0" anchor="ctr"/>
-                </a:tc>
-                <a:tc>
-                  <a:txBody>
-                    <a:bodyPr/>
-                    <a:lstStyle/>
-                    <a:p>
-                      <a:r>
-                        <a:rPr lang="en-US" sz="800" dirty="0"/>
-                        <a:t>2500</a:t>
+                        <a:t>1500</a:t>
                       </a:r>
                     </a:p>
                   </a:txBody>
@@ -9396,6 +9237,192 @@
                       </a:pPr>
                       <a:r>
                         <a:rPr lang="en-US" sz="800" dirty="0"/>
+                        <a:t>Outstanding packets (1, 3), </a:t>
+                      </a:r>
+                      <a:r>
+                        <a:rPr lang="en-US" sz="800" dirty="0" err="1"/>
+                        <a:t>rtt</a:t>
+                      </a:r>
+                      <a:r>
+                        <a:rPr lang="en-US" sz="800" dirty="0"/>
+                        <a:t>(1.5, 2.5), queue (1, 3)</a:t>
+                      </a:r>
+                    </a:p>
+                  </a:txBody>
+                  <a:tcPr marT="0" marB="0" anchor="ctr"/>
+                </a:tc>
+                <a:extLst>
+                  <a:ext uri="{0D108BD9-81ED-4DB2-BD59-A6C34878D82A}">
+                    <a16:rowId xmlns:a16="http://schemas.microsoft.com/office/drawing/2014/main" val="1321165657"/>
+                  </a:ext>
+                </a:extLst>
+              </a:tr>
+              <a:tr h="281261">
+                <a:tc>
+                  <a:txBody>
+                    <a:bodyPr/>
+                    <a:lstStyle/>
+                    <a:p>
+                      <a:endParaRPr lang="en-US" sz="400" dirty="0"/>
+                    </a:p>
+                  </a:txBody>
+                  <a:tcPr marT="0" marB="0" anchor="ctr"/>
+                </a:tc>
+                <a:tc>
+                  <a:txBody>
+                    <a:bodyPr/>
+                    <a:lstStyle/>
+                    <a:p>
+                      <a:r>
+                        <a:rPr lang="en-US" sz="800" dirty="0"/>
+                        <a:t>500</a:t>
+                      </a:r>
+                    </a:p>
+                  </a:txBody>
+                  <a:tcPr marT="0" marB="0" anchor="ctr"/>
+                </a:tc>
+                <a:tc>
+                  <a:txBody>
+                    <a:bodyPr/>
+                    <a:lstStyle/>
+                    <a:p>
+                      <a:r>
+                        <a:rPr lang="en-US" sz="800" dirty="0"/>
+                        <a:t>100</a:t>
+                      </a:r>
+                    </a:p>
+                  </a:txBody>
+                  <a:tcPr marT="0" marB="0" anchor="ctr"/>
+                </a:tc>
+                <a:tc>
+                  <a:txBody>
+                    <a:bodyPr/>
+                    <a:lstStyle/>
+                    <a:p>
+                      <a:r>
+                        <a:rPr lang="en-US" sz="800" dirty="0"/>
+                        <a:t>1000</a:t>
+                      </a:r>
+                    </a:p>
+                  </a:txBody>
+                  <a:tcPr marT="0" marB="0" anchor="ctr"/>
+                </a:tc>
+                <a:tc>
+                  <a:txBody>
+                    <a:bodyPr/>
+                    <a:lstStyle/>
+                    <a:p>
+                      <a:r>
+                        <a:rPr lang="en-US" sz="800" dirty="0"/>
+                        <a:t>100</a:t>
+                      </a:r>
+                    </a:p>
+                  </a:txBody>
+                  <a:tcPr marT="0" marB="0" anchor="ctr"/>
+                </a:tc>
+                <a:tc>
+                  <a:txBody>
+                    <a:bodyPr/>
+                    <a:lstStyle/>
+                    <a:p>
+                      <a:endParaRPr lang="en-US" sz="800" dirty="0"/>
+                    </a:p>
+                  </a:txBody>
+                  <a:tcPr marT="0" marB="0" anchor="ctr"/>
+                </a:tc>
+                <a:extLst>
+                  <a:ext uri="{0D108BD9-81ED-4DB2-BD59-A6C34878D82A}">
+                    <a16:rowId xmlns:a16="http://schemas.microsoft.com/office/drawing/2014/main" val="3324065408"/>
+                  </a:ext>
+                </a:extLst>
+              </a:tr>
+              <a:tr h="281261">
+                <a:tc>
+                  <a:txBody>
+                    <a:bodyPr/>
+                    <a:lstStyle/>
+                    <a:p>
+                      <a:endParaRPr lang="en-US" sz="400" dirty="0"/>
+                    </a:p>
+                  </a:txBody>
+                  <a:tcPr marT="0" marB="0" anchor="ctr"/>
+                </a:tc>
+                <a:tc>
+                  <a:txBody>
+                    <a:bodyPr/>
+                    <a:lstStyle/>
+                    <a:p>
+                      <a:r>
+                        <a:rPr lang="en-US" sz="800" dirty="0"/>
+                        <a:t>500</a:t>
+                      </a:r>
+                    </a:p>
+                  </a:txBody>
+                  <a:tcPr marT="0" marB="0" anchor="ctr"/>
+                </a:tc>
+                <a:tc>
+                  <a:txBody>
+                    <a:bodyPr/>
+                    <a:lstStyle/>
+                    <a:p>
+                      <a:r>
+                        <a:rPr lang="en-US" sz="800" dirty="0"/>
+                        <a:t>100</a:t>
+                      </a:r>
+                    </a:p>
+                  </a:txBody>
+                  <a:tcPr marT="0" marB="0" anchor="ctr"/>
+                </a:tc>
+                <a:tc>
+                  <a:txBody>
+                    <a:bodyPr/>
+                    <a:lstStyle/>
+                    <a:p>
+                      <a:r>
+                        <a:rPr lang="en-US" sz="800" dirty="0"/>
+                        <a:t>2500</a:t>
+                      </a:r>
+                    </a:p>
+                  </a:txBody>
+                  <a:tcPr marT="0" marB="0" anchor="ctr"/>
+                </a:tc>
+                <a:tc>
+                  <a:txBody>
+                    <a:bodyPr/>
+                    <a:lstStyle/>
+                    <a:p>
+                      <a:r>
+                        <a:rPr lang="en-US" sz="800" dirty="0"/>
+                        <a:t>100</a:t>
+                      </a:r>
+                    </a:p>
+                  </a:txBody>
+                  <a:tcPr marT="0" marB="0" anchor="ctr"/>
+                </a:tc>
+                <a:tc>
+                  <a:txBody>
+                    <a:bodyPr/>
+                    <a:lstStyle/>
+                    <a:p>
+                      <a:pPr marL="0" marR="0" lvl="0" indent="0" algn="l" defTabSz="914400" rtl="0" eaLnBrk="1" fontAlgn="auto" latinLnBrk="0" hangingPunct="1">
+                        <a:lnSpc>
+                          <a:spcPct val="100000"/>
+                        </a:lnSpc>
+                        <a:spcBef>
+                          <a:spcPts val="0"/>
+                        </a:spcBef>
+                        <a:spcAft>
+                          <a:spcPts val="0"/>
+                        </a:spcAft>
+                        <a:buClrTx/>
+                        <a:buSzTx/>
+                        <a:buFontTx/>
+                        <a:buNone/>
+                        <a:tabLst/>
+                        <a:defRPr/>
+                      </a:pPr>
+                      <a:r>
+                        <a:rPr lang="en-US" sz="800" dirty="0"/>
                         <a:t>Outstanding packets (70, 80), </a:t>
                       </a:r>
                       <a:r>
@@ -9443,7 +9470,7 @@
         <p:spPr>
           <a:xfrm>
             <a:off x="962297" y="5630091"/>
-            <a:ext cx="9644743" cy="646331"/>
+            <a:ext cx="9644743" cy="923330"/>
           </a:xfrm>
           <a:prstGeom prst="rect">
             <a:avLst/>
@@ -9458,7 +9485,7 @@
           <a:p>
             <a:r>
               <a:rPr lang="en-US" dirty="0"/>
-              <a:t>When the combined delivery rate (delay between packets) of the clients is higher than the bottleneck’s channeling rate, convergence is very slow.</a:t>
+              <a:t>When the combined delivery rate (delay between packets) of the clients is higher than the bottleneck’s channeling rate, convergence is very slow. This is because they initially inflate the queues.</a:t>
             </a:r>
           </a:p>
         </p:txBody>
@@ -9533,11 +9560,17 @@
           <p:cNvGraphicFramePr>
             <a:graphicFrameLocks noGrp="1"/>
           </p:cNvGraphicFramePr>
-          <p:nvPr/>
+          <p:nvPr>
+            <p:extLst>
+              <p:ext uri="{D42A27DB-BD31-4B8C-83A1-F6EECF244321}">
+                <p14:modId xmlns:p14="http://schemas.microsoft.com/office/powerpoint/2010/main" val="155831347"/>
+              </p:ext>
+            </p:extLst>
+          </p:nvPr>
         </p:nvGraphicFramePr>
         <p:xfrm>
-          <a:off x="682289" y="1764695"/>
-          <a:ext cx="10724535" cy="5044440"/>
+          <a:off x="927041" y="1866723"/>
+          <a:ext cx="9367334" cy="3777537"/>
         </p:xfrm>
         <a:graphic>
           <a:graphicData uri="http://schemas.openxmlformats.org/drawingml/2006/table">
@@ -9546,42 +9579,42 @@
                 <a:tableStyleId>{5C22544A-7EE6-4342-B048-85BDC9FD1C3A}</a:tableStyleId>
               </a:tblPr>
               <a:tblGrid>
-                <a:gridCol w="699670">
+                <a:gridCol w="611126">
                   <a:extLst>
                     <a:ext uri="{9D8B030D-6E8A-4147-A177-3AD203B41FA5}">
                       <a16:colId xmlns:a16="http://schemas.microsoft.com/office/drawing/2014/main" val="2374639023"/>
                     </a:ext>
                   </a:extLst>
                 </a:gridCol>
-                <a:gridCol w="1056441">
+                <a:gridCol w="922747">
                   <a:extLst>
                     <a:ext uri="{9D8B030D-6E8A-4147-A177-3AD203B41FA5}">
                       <a16:colId xmlns:a16="http://schemas.microsoft.com/office/drawing/2014/main" val="1972232827"/>
                     </a:ext>
                   </a:extLst>
                 </a:gridCol>
-                <a:gridCol w="1214846">
+                <a:gridCol w="1061106">
                   <a:extLst>
                     <a:ext uri="{9D8B030D-6E8A-4147-A177-3AD203B41FA5}">
                       <a16:colId xmlns:a16="http://schemas.microsoft.com/office/drawing/2014/main" val="3821475244"/>
                     </a:ext>
                   </a:extLst>
                 </a:gridCol>
-                <a:gridCol w="1519645">
+                <a:gridCol w="1327332">
                   <a:extLst>
                     <a:ext uri="{9D8B030D-6E8A-4147-A177-3AD203B41FA5}">
                       <a16:colId xmlns:a16="http://schemas.microsoft.com/office/drawing/2014/main" val="4072503055"/>
                     </a:ext>
                   </a:extLst>
                 </a:gridCol>
-                <a:gridCol w="1362892">
+                <a:gridCol w="1190417">
                   <a:extLst>
                     <a:ext uri="{9D8B030D-6E8A-4147-A177-3AD203B41FA5}">
                       <a16:colId xmlns:a16="http://schemas.microsoft.com/office/drawing/2014/main" val="2684069863"/>
                     </a:ext>
                   </a:extLst>
                 </a:gridCol>
-                <a:gridCol w="4871041">
+                <a:gridCol w="4254606">
                   <a:extLst>
                     <a:ext uri="{9D8B030D-6E8A-4147-A177-3AD203B41FA5}">
                       <a16:colId xmlns:a16="http://schemas.microsoft.com/office/drawing/2014/main" val="1184187100"/>
@@ -9589,14 +9622,14 @@
                   </a:extLst>
                 </a:gridCol>
               </a:tblGrid>
-              <a:tr h="370840">
-                <a:tc>
-                  <a:txBody>
-                    <a:bodyPr/>
-                    <a:lstStyle/>
-                    <a:p>
-                      <a:r>
-                        <a:rPr lang="en-US" sz="1100" dirty="0"/>
+              <a:tr h="317937">
+                <a:tc>
+                  <a:txBody>
+                    <a:bodyPr/>
+                    <a:lstStyle/>
+                    <a:p>
+                      <a:r>
+                        <a:rPr lang="en-US" sz="800" dirty="0"/>
                         <a:t>id</a:t>
                       </a:r>
                     </a:p>
@@ -9609,14 +9642,14 @@
                     <a:lstStyle/>
                     <a:p>
                       <a:r>
-                        <a:rPr lang="en-US" sz="1100" dirty="0"/>
+                        <a:rPr lang="en-US" sz="800" dirty="0"/>
                         <a:t>Client 1 </a:t>
                       </a:r>
                       <a:r>
-                        <a:rPr lang="en-US" sz="1100" dirty="0" err="1"/>
+                        <a:rPr lang="en-US" sz="800" dirty="0" err="1"/>
                         <a:t>DeliveryR</a:t>
                       </a:r>
-                      <a:endParaRPr lang="en-US" sz="1100" dirty="0"/>
+                      <a:endParaRPr lang="en-US" sz="800" dirty="0"/>
                     </a:p>
                   </a:txBody>
                   <a:tcPr/>
@@ -9627,7 +9660,7 @@
                     <a:lstStyle/>
                     <a:p>
                       <a:r>
-                        <a:rPr lang="en-US" sz="1100" dirty="0"/>
+                        <a:rPr lang="en-US" sz="800" dirty="0"/>
                         <a:t>Client 1 Outs. P</a:t>
                       </a:r>
                     </a:p>
@@ -9640,14 +9673,14 @@
                     <a:lstStyle/>
                     <a:p>
                       <a:r>
-                        <a:rPr lang="en-US" sz="1100" dirty="0"/>
+                        <a:rPr lang="en-US" sz="800" dirty="0"/>
                         <a:t>Client 2 </a:t>
                       </a:r>
                       <a:r>
-                        <a:rPr lang="en-US" sz="1100" dirty="0" err="1"/>
+                        <a:rPr lang="en-US" sz="800" dirty="0" err="1"/>
                         <a:t>DeliveryR</a:t>
                       </a:r>
-                      <a:endParaRPr lang="en-US" sz="1100" dirty="0"/>
+                      <a:endParaRPr lang="en-US" sz="800" dirty="0"/>
                     </a:p>
                   </a:txBody>
                   <a:tcPr/>
@@ -9658,7 +9691,7 @@
                     <a:lstStyle/>
                     <a:p>
                       <a:r>
-                        <a:rPr lang="en-US" sz="1100" dirty="0"/>
+                        <a:rPr lang="en-US" sz="800" dirty="0"/>
                         <a:t>Client 2 Outs. P</a:t>
                       </a:r>
                     </a:p>
@@ -9671,14 +9704,14 @@
                     <a:lstStyle/>
                     <a:p>
                       <a:r>
-                        <a:rPr lang="en-US" sz="1100" dirty="0"/>
+                        <a:rPr lang="en-US" sz="800" dirty="0"/>
                         <a:t>Comments on queue and </a:t>
                       </a:r>
                       <a:r>
-                        <a:rPr lang="en-US" sz="1100" dirty="0" err="1"/>
+                        <a:rPr lang="en-US" sz="800" dirty="0" err="1"/>
                         <a:t>rtt</a:t>
                       </a:r>
-                      <a:endParaRPr lang="en-US" sz="1100" dirty="0"/>
+                      <a:endParaRPr lang="en-US" sz="800" dirty="0"/>
                     </a:p>
                   </a:txBody>
                   <a:tcPr/>
@@ -9689,14 +9722,14 @@
                   </a:ext>
                 </a:extLst>
               </a:tr>
-              <a:tr h="370840">
-                <a:tc>
-                  <a:txBody>
-                    <a:bodyPr/>
-                    <a:lstStyle/>
-                    <a:p>
-                      <a:r>
-                        <a:rPr lang="en-US" sz="1100" dirty="0"/>
+              <a:tr h="317937">
+                <a:tc>
+                  <a:txBody>
+                    <a:bodyPr/>
+                    <a:lstStyle/>
+                    <a:p>
+                      <a:r>
+                        <a:rPr lang="en-US" sz="800" dirty="0"/>
                         <a:t>15-100-15-100</a:t>
                       </a:r>
                     </a:p>
@@ -9709,7 +9742,7 @@
                     <a:lstStyle/>
                     <a:p>
                       <a:r>
-                        <a:rPr lang="en-US" sz="1100" dirty="0"/>
+                        <a:rPr lang="en-US" sz="800" dirty="0"/>
                         <a:t>1500</a:t>
                       </a:r>
                     </a:p>
@@ -9722,7 +9755,7 @@
                     <a:lstStyle/>
                     <a:p>
                       <a:r>
-                        <a:rPr lang="en-US" sz="1100" dirty="0"/>
+                        <a:rPr lang="en-US" sz="800" dirty="0"/>
                         <a:t>100</a:t>
                       </a:r>
                     </a:p>
@@ -9735,7 +9768,7 @@
                     <a:lstStyle/>
                     <a:p>
                       <a:r>
-                        <a:rPr lang="en-US" sz="1100" dirty="0"/>
+                        <a:rPr lang="en-US" sz="800" dirty="0"/>
                         <a:t>1500</a:t>
                       </a:r>
                     </a:p>
@@ -9748,7 +9781,7 @@
                     <a:lstStyle/>
                     <a:p>
                       <a:r>
-                        <a:rPr lang="en-US" sz="1100" dirty="0"/>
+                        <a:rPr lang="en-US" sz="800" dirty="0"/>
                         <a:t>100</a:t>
                       </a:r>
                     </a:p>
@@ -9761,15 +9794,15 @@
                     <a:lstStyle/>
                     <a:p>
                       <a:r>
-                        <a:rPr lang="en-US" sz="1100" dirty="0"/>
+                        <a:rPr lang="en-US" sz="800" dirty="0"/>
                         <a:t>Outstanding packets (30, 40), </a:t>
                       </a:r>
                       <a:r>
-                        <a:rPr lang="en-US" sz="1100" dirty="0" err="1"/>
+                        <a:rPr lang="en-US" sz="800" dirty="0" err="1"/>
                         <a:t>rtt</a:t>
                       </a:r>
                       <a:r>
-                        <a:rPr lang="en-US" sz="1100" dirty="0"/>
+                        <a:rPr lang="en-US" sz="800" dirty="0"/>
                         <a:t>(60, 70), queue (110, 120)</a:t>
                       </a:r>
                     </a:p>
@@ -9782,14 +9815,14 @@
                   </a:ext>
                 </a:extLst>
               </a:tr>
-              <a:tr h="370840">
-                <a:tc>
-                  <a:txBody>
-                    <a:bodyPr/>
-                    <a:lstStyle/>
-                    <a:p>
-                      <a:r>
-                        <a:rPr lang="en-US" sz="1100" dirty="0"/>
+              <a:tr h="317937">
+                <a:tc>
+                  <a:txBody>
+                    <a:bodyPr/>
+                    <a:lstStyle/>
+                    <a:p>
+                      <a:r>
+                        <a:rPr lang="en-US" sz="800" dirty="0"/>
                         <a:t>15-100-10-100</a:t>
                       </a:r>
                     </a:p>
@@ -9802,7 +9835,7 @@
                     <a:lstStyle/>
                     <a:p>
                       <a:r>
-                        <a:rPr lang="en-US" sz="1100" dirty="0"/>
+                        <a:rPr lang="en-US" sz="800" dirty="0"/>
                         <a:t>1500</a:t>
                       </a:r>
                     </a:p>
@@ -9815,7 +9848,7 @@
                     <a:lstStyle/>
                     <a:p>
                       <a:r>
-                        <a:rPr lang="en-US" sz="1100" dirty="0"/>
+                        <a:rPr lang="en-US" sz="800" dirty="0"/>
                         <a:t>100</a:t>
                       </a:r>
                     </a:p>
@@ -9828,7 +9861,7 @@
                     <a:lstStyle/>
                     <a:p>
                       <a:r>
-                        <a:rPr lang="en-US" sz="1100" dirty="0"/>
+                        <a:rPr lang="en-US" sz="800" dirty="0"/>
                         <a:t>1000</a:t>
                       </a:r>
                     </a:p>
@@ -9841,7 +9874,7 @@
                     <a:lstStyle/>
                     <a:p>
                       <a:r>
-                        <a:rPr lang="en-US" sz="1100" dirty="0"/>
+                        <a:rPr lang="en-US" sz="800" dirty="0"/>
                         <a:t>100</a:t>
                       </a:r>
                     </a:p>
@@ -9871,15 +9904,15 @@
                         <a:defRPr/>
                       </a:pPr>
                       <a:r>
-                        <a:rPr lang="en-US" sz="1100" dirty="0"/>
+                        <a:rPr lang="en-US" sz="800" dirty="0"/>
                         <a:t>Outstanding packets (30, 40), </a:t>
                       </a:r>
                       <a:r>
-                        <a:rPr lang="en-US" sz="1100" dirty="0" err="1"/>
+                        <a:rPr lang="en-US" sz="800" dirty="0" err="1"/>
                         <a:t>rtt</a:t>
                       </a:r>
                       <a:r>
-                        <a:rPr lang="en-US" sz="1100" dirty="0"/>
+                        <a:rPr lang="en-US" sz="800" dirty="0"/>
                         <a:t>(60, 70), queue (110, 120)</a:t>
                       </a:r>
                     </a:p>
@@ -9892,13 +9925,13 @@
                   </a:ext>
                 </a:extLst>
               </a:tr>
-              <a:tr h="370840">
-                <a:tc>
-                  <a:txBody>
-                    <a:bodyPr/>
-                    <a:lstStyle/>
-                    <a:p>
-                      <a:endParaRPr lang="en-US" sz="1100"/>
+              <a:tr h="317937">
+                <a:tc>
+                  <a:txBody>
+                    <a:bodyPr/>
+                    <a:lstStyle/>
+                    <a:p>
+                      <a:endParaRPr lang="en-US" sz="800"/>
                     </a:p>
                   </a:txBody>
                   <a:tcPr/>
@@ -9909,7 +9942,7 @@
                     <a:lstStyle/>
                     <a:p>
                       <a:r>
-                        <a:rPr lang="en-US" sz="1100" dirty="0"/>
+                        <a:rPr lang="en-US" sz="800" dirty="0"/>
                         <a:t>1500</a:t>
                       </a:r>
                     </a:p>
@@ -9922,7 +9955,7 @@
                     <a:lstStyle/>
                     <a:p>
                       <a:r>
-                        <a:rPr lang="en-US" sz="1100" dirty="0"/>
+                        <a:rPr lang="en-US" sz="800" dirty="0"/>
                         <a:t>100</a:t>
                       </a:r>
                     </a:p>
@@ -9935,7 +9968,7 @@
                     <a:lstStyle/>
                     <a:p>
                       <a:r>
-                        <a:rPr lang="en-US" sz="1100" dirty="0"/>
+                        <a:rPr lang="en-US" sz="800" dirty="0"/>
                         <a:t>500</a:t>
                       </a:r>
                     </a:p>
@@ -9948,7 +9981,7 @@
                     <a:lstStyle/>
                     <a:p>
                       <a:r>
-                        <a:rPr lang="en-US" sz="1100" dirty="0"/>
+                        <a:rPr lang="en-US" sz="800" dirty="0"/>
                         <a:t>100</a:t>
                       </a:r>
                     </a:p>
@@ -9978,20 +10011,20 @@
                         <a:defRPr/>
                       </a:pPr>
                       <a:r>
-                        <a:rPr lang="en-US" sz="1100" dirty="0"/>
+                        <a:rPr lang="en-US" sz="800" dirty="0"/>
                         <a:t>Outstanding packets (1, 2), </a:t>
                       </a:r>
                       <a:r>
-                        <a:rPr lang="en-US" sz="1100" dirty="0" err="1"/>
+                        <a:rPr lang="en-US" sz="800" dirty="0" err="1"/>
                         <a:t>rtt</a:t>
                       </a:r>
                       <a:r>
-                        <a:rPr lang="en-US" sz="1100" dirty="0"/>
+                        <a:rPr lang="en-US" sz="800" dirty="0"/>
                         <a:t>(2, 2.5), queue (2, 3)</a:t>
                       </a:r>
                     </a:p>
                     <a:p>
-                      <a:endParaRPr lang="en-US" sz="1100" dirty="0"/>
+                      <a:endParaRPr lang="en-US" sz="800" dirty="0"/>
                     </a:p>
                   </a:txBody>
                   <a:tcPr/>
@@ -10002,13 +10035,13 @@
                   </a:ext>
                 </a:extLst>
               </a:tr>
-              <a:tr h="370840">
-                <a:tc>
-                  <a:txBody>
-                    <a:bodyPr/>
-                    <a:lstStyle/>
-                    <a:p>
-                      <a:endParaRPr lang="en-US" sz="1100"/>
+              <a:tr h="270713">
+                <a:tc>
+                  <a:txBody>
+                    <a:bodyPr/>
+                    <a:lstStyle/>
+                    <a:p>
+                      <a:endParaRPr lang="en-US" sz="800"/>
                     </a:p>
                   </a:txBody>
                   <a:tcPr/>
@@ -10019,7 +10052,7 @@
                     <a:lstStyle/>
                     <a:p>
                       <a:r>
-                        <a:rPr lang="en-US" sz="1100" dirty="0"/>
+                        <a:rPr lang="en-US" sz="800" dirty="0"/>
                         <a:t>1000</a:t>
                       </a:r>
                     </a:p>
@@ -10032,7 +10065,7 @@
                     <a:lstStyle/>
                     <a:p>
                       <a:r>
-                        <a:rPr lang="en-US" sz="1100" dirty="0"/>
+                        <a:rPr lang="en-US" sz="800" dirty="0"/>
                         <a:t>100</a:t>
                       </a:r>
                     </a:p>
@@ -10045,7 +10078,7 @@
                     <a:lstStyle/>
                     <a:p>
                       <a:r>
-                        <a:rPr lang="en-US" sz="1100" dirty="0"/>
+                        <a:rPr lang="en-US" sz="800" dirty="0"/>
                         <a:t>1500</a:t>
                       </a:r>
                     </a:p>
@@ -10058,7 +10091,7 @@
                     <a:lstStyle/>
                     <a:p>
                       <a:r>
-                        <a:rPr lang="en-US" sz="1100" dirty="0"/>
+                        <a:rPr lang="en-US" sz="800" dirty="0"/>
                         <a:t>100</a:t>
                       </a:r>
                     </a:p>
@@ -10070,7 +10103,7 @@
                     <a:bodyPr/>
                     <a:lstStyle/>
                     <a:p>
-                      <a:endParaRPr lang="en-US" sz="1100" dirty="0"/>
+                      <a:endParaRPr lang="en-US" sz="800" dirty="0"/>
                     </a:p>
                   </a:txBody>
                   <a:tcPr/>
@@ -10081,13 +10114,13 @@
                   </a:ext>
                 </a:extLst>
               </a:tr>
-              <a:tr h="370840">
-                <a:tc>
-                  <a:txBody>
-                    <a:bodyPr/>
-                    <a:lstStyle/>
-                    <a:p>
-                      <a:endParaRPr lang="en-US" sz="1100"/>
+              <a:tr h="270713">
+                <a:tc>
+                  <a:txBody>
+                    <a:bodyPr/>
+                    <a:lstStyle/>
+                    <a:p>
+                      <a:endParaRPr lang="en-US" sz="800"/>
                     </a:p>
                   </a:txBody>
                   <a:tcPr/>
@@ -10098,7 +10131,7 @@
                     <a:lstStyle/>
                     <a:p>
                       <a:r>
-                        <a:rPr lang="en-US" sz="1100" dirty="0"/>
+                        <a:rPr lang="en-US" sz="800" dirty="0"/>
                         <a:t>1000</a:t>
                       </a:r>
                     </a:p>
@@ -10111,7 +10144,7 @@
                     <a:lstStyle/>
                     <a:p>
                       <a:r>
-                        <a:rPr lang="en-US" sz="1100" dirty="0"/>
+                        <a:rPr lang="en-US" sz="800" dirty="0"/>
                         <a:t>100</a:t>
                       </a:r>
                     </a:p>
@@ -10124,7 +10157,7 @@
                     <a:lstStyle/>
                     <a:p>
                       <a:r>
-                        <a:rPr lang="en-US" sz="1100" dirty="0"/>
+                        <a:rPr lang="en-US" sz="800" dirty="0"/>
                         <a:t>1000</a:t>
                       </a:r>
                     </a:p>
@@ -10137,7 +10170,7 @@
                     <a:lstStyle/>
                     <a:p>
                       <a:r>
-                        <a:rPr lang="en-US" sz="1100" dirty="0"/>
+                        <a:rPr lang="en-US" sz="800" dirty="0"/>
                         <a:t>100</a:t>
                       </a:r>
                     </a:p>
@@ -10149,7 +10182,7 @@
                     <a:bodyPr/>
                     <a:lstStyle/>
                     <a:p>
-                      <a:endParaRPr lang="en-US" sz="1100" dirty="0"/>
+                      <a:endParaRPr lang="en-US" sz="800" dirty="0"/>
                     </a:p>
                   </a:txBody>
                   <a:tcPr/>
@@ -10160,13 +10193,13 @@
                   </a:ext>
                 </a:extLst>
               </a:tr>
-              <a:tr h="370840">
-                <a:tc>
-                  <a:txBody>
-                    <a:bodyPr/>
-                    <a:lstStyle/>
-                    <a:p>
-                      <a:endParaRPr lang="en-US" sz="1100"/>
+              <a:tr h="270713">
+                <a:tc>
+                  <a:txBody>
+                    <a:bodyPr/>
+                    <a:lstStyle/>
+                    <a:p>
+                      <a:endParaRPr lang="en-US" sz="800"/>
                     </a:p>
                   </a:txBody>
                   <a:tcPr/>
@@ -10177,7 +10210,7 @@
                     <a:lstStyle/>
                     <a:p>
                       <a:r>
-                        <a:rPr lang="en-US" sz="1100" dirty="0"/>
+                        <a:rPr lang="en-US" sz="800" dirty="0"/>
                         <a:t>1000</a:t>
                       </a:r>
                     </a:p>
@@ -10190,7 +10223,7 @@
                     <a:lstStyle/>
                     <a:p>
                       <a:r>
-                        <a:rPr lang="en-US" sz="1100" dirty="0"/>
+                        <a:rPr lang="en-US" sz="800" dirty="0"/>
                         <a:t>100</a:t>
                       </a:r>
                     </a:p>
@@ -10203,7 +10236,7 @@
                     <a:lstStyle/>
                     <a:p>
                       <a:r>
-                        <a:rPr lang="en-US" sz="1100" dirty="0"/>
+                        <a:rPr lang="en-US" sz="800" dirty="0"/>
                         <a:t>500</a:t>
                       </a:r>
                     </a:p>
@@ -10216,7 +10249,7 @@
                     <a:lstStyle/>
                     <a:p>
                       <a:r>
-                        <a:rPr lang="en-US" sz="1100" dirty="0"/>
+                        <a:rPr lang="en-US" sz="800" dirty="0"/>
                         <a:t>100</a:t>
                       </a:r>
                     </a:p>
@@ -10228,7 +10261,7 @@
                     <a:bodyPr/>
                     <a:lstStyle/>
                     <a:p>
-                      <a:endParaRPr lang="en-US" sz="1100" dirty="0"/>
+                      <a:endParaRPr lang="en-US" sz="800" dirty="0"/>
                     </a:p>
                   </a:txBody>
                   <a:tcPr/>
@@ -10239,13 +10272,13 @@
                   </a:ext>
                 </a:extLst>
               </a:tr>
-              <a:tr h="370840">
-                <a:tc>
-                  <a:txBody>
-                    <a:bodyPr/>
-                    <a:lstStyle/>
-                    <a:p>
-                      <a:endParaRPr lang="en-US" sz="1100"/>
+              <a:tr h="270713">
+                <a:tc>
+                  <a:txBody>
+                    <a:bodyPr/>
+                    <a:lstStyle/>
+                    <a:p>
+                      <a:endParaRPr lang="en-US" sz="800"/>
                     </a:p>
                   </a:txBody>
                   <a:tcPr/>
@@ -10256,7 +10289,7 @@
                     <a:lstStyle/>
                     <a:p>
                       <a:r>
-                        <a:rPr lang="en-US" sz="1100" dirty="0"/>
+                        <a:rPr lang="en-US" sz="800" dirty="0"/>
                         <a:t>1500</a:t>
                       </a:r>
                     </a:p>
@@ -10269,7 +10302,7 @@
                     <a:lstStyle/>
                     <a:p>
                       <a:r>
-                        <a:rPr lang="en-US" sz="1100" dirty="0"/>
+                        <a:rPr lang="en-US" sz="800" dirty="0"/>
                         <a:t>10</a:t>
                       </a:r>
                     </a:p>
@@ -10282,7 +10315,7 @@
                     <a:lstStyle/>
                     <a:p>
                       <a:r>
-                        <a:rPr lang="en-US" sz="1100" dirty="0"/>
+                        <a:rPr lang="en-US" sz="800" dirty="0"/>
                         <a:t>1000</a:t>
                       </a:r>
                     </a:p>
@@ -10295,7 +10328,7 @@
                     <a:lstStyle/>
                     <a:p>
                       <a:r>
-                        <a:rPr lang="en-US" sz="1100" dirty="0"/>
+                        <a:rPr lang="en-US" sz="800" dirty="0"/>
                         <a:t>10</a:t>
                       </a:r>
                     </a:p>
@@ -10307,7 +10340,7 @@
                     <a:bodyPr/>
                     <a:lstStyle/>
                     <a:p>
-                      <a:endParaRPr lang="en-US" sz="1100" dirty="0"/>
+                      <a:endParaRPr lang="en-US" sz="800" dirty="0"/>
                     </a:p>
                   </a:txBody>
                   <a:tcPr/>
@@ -10318,13 +10351,13 @@
                   </a:ext>
                 </a:extLst>
               </a:tr>
-              <a:tr h="370840">
-                <a:tc>
-                  <a:txBody>
-                    <a:bodyPr/>
-                    <a:lstStyle/>
-                    <a:p>
-                      <a:endParaRPr lang="en-US" sz="1100"/>
+              <a:tr h="270713">
+                <a:tc>
+                  <a:txBody>
+                    <a:bodyPr/>
+                    <a:lstStyle/>
+                    <a:p>
+                      <a:endParaRPr lang="en-US" sz="800"/>
                     </a:p>
                   </a:txBody>
                   <a:tcPr/>
@@ -10335,7 +10368,7 @@
                     <a:lstStyle/>
                     <a:p>
                       <a:r>
-                        <a:rPr lang="en-US" sz="1100" dirty="0"/>
+                        <a:rPr lang="en-US" sz="800" dirty="0"/>
                         <a:t>1500</a:t>
                       </a:r>
                     </a:p>
@@ -10348,7 +10381,7 @@
                     <a:lstStyle/>
                     <a:p>
                       <a:r>
-                        <a:rPr lang="en-US" sz="1100" dirty="0"/>
+                        <a:rPr lang="en-US" sz="800" dirty="0"/>
                         <a:t>10</a:t>
                       </a:r>
                     </a:p>
@@ -10361,7 +10394,7 @@
                     <a:lstStyle/>
                     <a:p>
                       <a:r>
-                        <a:rPr lang="en-US" sz="1100" dirty="0"/>
+                        <a:rPr lang="en-US" sz="800" dirty="0"/>
                         <a:t>500</a:t>
                       </a:r>
                     </a:p>
@@ -10374,7 +10407,7 @@
                     <a:lstStyle/>
                     <a:p>
                       <a:r>
-                        <a:rPr lang="en-US" sz="1100" dirty="0"/>
+                        <a:rPr lang="en-US" sz="800" dirty="0"/>
                         <a:t>10</a:t>
                       </a:r>
                     </a:p>
@@ -10386,7 +10419,7 @@
                     <a:bodyPr/>
                     <a:lstStyle/>
                     <a:p>
-                      <a:endParaRPr lang="en-US" sz="1100" dirty="0"/>
+                      <a:endParaRPr lang="en-US" sz="800" dirty="0"/>
                     </a:p>
                   </a:txBody>
                   <a:tcPr/>
@@ -10397,13 +10430,13 @@
                   </a:ext>
                 </a:extLst>
               </a:tr>
-              <a:tr h="370840">
-                <a:tc>
-                  <a:txBody>
-                    <a:bodyPr/>
-                    <a:lstStyle/>
-                    <a:p>
-                      <a:endParaRPr lang="en-US" sz="1100" dirty="0"/>
+              <a:tr h="270713">
+                <a:tc>
+                  <a:txBody>
+                    <a:bodyPr/>
+                    <a:lstStyle/>
+                    <a:p>
+                      <a:endParaRPr lang="en-US" sz="800" dirty="0"/>
                     </a:p>
                   </a:txBody>
                   <a:tcPr/>
@@ -10414,7 +10447,7 @@
                     <a:lstStyle/>
                     <a:p>
                       <a:r>
-                        <a:rPr lang="en-US" sz="1100" dirty="0"/>
+                        <a:rPr lang="en-US" sz="800" dirty="0"/>
                         <a:t>1500</a:t>
                       </a:r>
                     </a:p>
@@ -10427,7 +10460,7 @@
                     <a:lstStyle/>
                     <a:p>
                       <a:r>
-                        <a:rPr lang="en-US" sz="1100" dirty="0"/>
+                        <a:rPr lang="en-US" sz="800" dirty="0"/>
                         <a:t>10</a:t>
                       </a:r>
                     </a:p>
@@ -10440,7 +10473,7 @@
                     <a:lstStyle/>
                     <a:p>
                       <a:r>
-                        <a:rPr lang="en-US" sz="1100" dirty="0"/>
+                        <a:rPr lang="en-US" sz="800" dirty="0"/>
                         <a:t>300</a:t>
                       </a:r>
                     </a:p>
@@ -10453,7 +10486,7 @@
                     <a:lstStyle/>
                     <a:p>
                       <a:r>
-                        <a:rPr lang="en-US" sz="1100" dirty="0"/>
+                        <a:rPr lang="en-US" sz="800" dirty="0"/>
                         <a:t>10</a:t>
                       </a:r>
                     </a:p>
@@ -10465,7 +10498,7 @@
                     <a:bodyPr/>
                     <a:lstStyle/>
                     <a:p>
-                      <a:endParaRPr lang="en-US" sz="1100" dirty="0"/>
+                      <a:endParaRPr lang="en-US" sz="800" dirty="0"/>
                     </a:p>
                   </a:txBody>
                   <a:tcPr/>
@@ -10476,75 +10509,75 @@
                   </a:ext>
                 </a:extLst>
               </a:tr>
-              <a:tr h="370840">
+              <a:tr h="270713">
+                <a:tc>
+                  <a:txBody>
+                    <a:bodyPr/>
+                    <a:lstStyle/>
+                    <a:p>
+                      <a:endParaRPr lang="en-US" sz="400" dirty="0"/>
+                    </a:p>
+                  </a:txBody>
+                  <a:tcPr/>
+                </a:tc>
+                <a:tc>
+                  <a:txBody>
+                    <a:bodyPr/>
+                    <a:lstStyle/>
+                    <a:p>
+                      <a:r>
+                        <a:rPr lang="en-US" sz="800" dirty="0"/>
+                        <a:t>500</a:t>
+                      </a:r>
+                    </a:p>
+                  </a:txBody>
+                  <a:tcPr/>
+                </a:tc>
+                <a:tc>
+                  <a:txBody>
+                    <a:bodyPr/>
+                    <a:lstStyle/>
+                    <a:p>
+                      <a:r>
+                        <a:rPr lang="en-US" sz="800" dirty="0"/>
+                        <a:t>100</a:t>
+                      </a:r>
+                    </a:p>
+                  </a:txBody>
+                  <a:tcPr/>
+                </a:tc>
+                <a:tc>
+                  <a:txBody>
+                    <a:bodyPr/>
+                    <a:lstStyle/>
+                    <a:p>
+                      <a:r>
+                        <a:rPr lang="en-US" sz="800" dirty="0"/>
+                        <a:t>1500</a:t>
+                      </a:r>
+                    </a:p>
+                  </a:txBody>
+                  <a:tcPr/>
+                </a:tc>
+                <a:tc>
+                  <a:txBody>
+                    <a:bodyPr/>
+                    <a:lstStyle/>
+                    <a:p>
+                      <a:r>
+                        <a:rPr lang="en-US" sz="800" dirty="0"/>
+                        <a:t>100</a:t>
+                      </a:r>
+                    </a:p>
+                  </a:txBody>
+                  <a:tcPr/>
+                </a:tc>
                 <a:tc>
                   <a:txBody>
                     <a:bodyPr/>
                     <a:lstStyle/>
                     <a:p>
                       <a:endParaRPr lang="en-US" sz="800" dirty="0"/>
-                    </a:p>
-                  </a:txBody>
-                  <a:tcPr/>
-                </a:tc>
-                <a:tc>
-                  <a:txBody>
-                    <a:bodyPr/>
-                    <a:lstStyle/>
-                    <a:p>
-                      <a:r>
-                        <a:rPr lang="en-US" sz="1100" dirty="0"/>
-                        <a:t>500</a:t>
-                      </a:r>
-                    </a:p>
-                  </a:txBody>
-                  <a:tcPr/>
-                </a:tc>
-                <a:tc>
-                  <a:txBody>
-                    <a:bodyPr/>
-                    <a:lstStyle/>
-                    <a:p>
-                      <a:r>
-                        <a:rPr lang="en-US" sz="1100" dirty="0"/>
-                        <a:t>100</a:t>
-                      </a:r>
-                    </a:p>
-                  </a:txBody>
-                  <a:tcPr/>
-                </a:tc>
-                <a:tc>
-                  <a:txBody>
-                    <a:bodyPr/>
-                    <a:lstStyle/>
-                    <a:p>
-                      <a:r>
-                        <a:rPr lang="en-US" sz="1100" dirty="0"/>
-                        <a:t>1500</a:t>
-                      </a:r>
-                    </a:p>
-                  </a:txBody>
-                  <a:tcPr/>
-                </a:tc>
-                <a:tc>
-                  <a:txBody>
-                    <a:bodyPr/>
-                    <a:lstStyle/>
-                    <a:p>
-                      <a:r>
-                        <a:rPr lang="en-US" sz="1100" dirty="0"/>
-                        <a:t>100</a:t>
-                      </a:r>
-                    </a:p>
-                  </a:txBody>
-                  <a:tcPr/>
-                </a:tc>
-                <a:tc>
-                  <a:txBody>
-                    <a:bodyPr/>
-                    <a:lstStyle/>
-                    <a:p>
-                      <a:endParaRPr lang="en-US" sz="1100" dirty="0"/>
                     </a:p>
                   </a:txBody>
                   <a:tcPr/>
@@ -10555,75 +10588,75 @@
                   </a:ext>
                 </a:extLst>
               </a:tr>
-              <a:tr h="370840">
+              <a:tr h="270713">
+                <a:tc>
+                  <a:txBody>
+                    <a:bodyPr/>
+                    <a:lstStyle/>
+                    <a:p>
+                      <a:endParaRPr lang="en-US" sz="400" dirty="0"/>
+                    </a:p>
+                  </a:txBody>
+                  <a:tcPr/>
+                </a:tc>
+                <a:tc>
+                  <a:txBody>
+                    <a:bodyPr/>
+                    <a:lstStyle/>
+                    <a:p>
+                      <a:r>
+                        <a:rPr lang="en-US" sz="800" dirty="0"/>
+                        <a:t>500</a:t>
+                      </a:r>
+                    </a:p>
+                  </a:txBody>
+                  <a:tcPr/>
+                </a:tc>
+                <a:tc>
+                  <a:txBody>
+                    <a:bodyPr/>
+                    <a:lstStyle/>
+                    <a:p>
+                      <a:r>
+                        <a:rPr lang="en-US" sz="800" dirty="0"/>
+                        <a:t>100</a:t>
+                      </a:r>
+                    </a:p>
+                  </a:txBody>
+                  <a:tcPr/>
+                </a:tc>
+                <a:tc>
+                  <a:txBody>
+                    <a:bodyPr/>
+                    <a:lstStyle/>
+                    <a:p>
+                      <a:r>
+                        <a:rPr lang="en-US" sz="800" dirty="0"/>
+                        <a:t>1000</a:t>
+                      </a:r>
+                    </a:p>
+                  </a:txBody>
+                  <a:tcPr/>
+                </a:tc>
+                <a:tc>
+                  <a:txBody>
+                    <a:bodyPr/>
+                    <a:lstStyle/>
+                    <a:p>
+                      <a:r>
+                        <a:rPr lang="en-US" sz="800" dirty="0"/>
+                        <a:t>100</a:t>
+                      </a:r>
+                    </a:p>
+                  </a:txBody>
+                  <a:tcPr/>
+                </a:tc>
                 <a:tc>
                   <a:txBody>
                     <a:bodyPr/>
                     <a:lstStyle/>
                     <a:p>
                       <a:endParaRPr lang="en-US" sz="800" dirty="0"/>
-                    </a:p>
-                  </a:txBody>
-                  <a:tcPr/>
-                </a:tc>
-                <a:tc>
-                  <a:txBody>
-                    <a:bodyPr/>
-                    <a:lstStyle/>
-                    <a:p>
-                      <a:r>
-                        <a:rPr lang="en-US" sz="1100" dirty="0"/>
-                        <a:t>500</a:t>
-                      </a:r>
-                    </a:p>
-                  </a:txBody>
-                  <a:tcPr/>
-                </a:tc>
-                <a:tc>
-                  <a:txBody>
-                    <a:bodyPr/>
-                    <a:lstStyle/>
-                    <a:p>
-                      <a:r>
-                        <a:rPr lang="en-US" sz="1100" dirty="0"/>
-                        <a:t>100</a:t>
-                      </a:r>
-                    </a:p>
-                  </a:txBody>
-                  <a:tcPr/>
-                </a:tc>
-                <a:tc>
-                  <a:txBody>
-                    <a:bodyPr/>
-                    <a:lstStyle/>
-                    <a:p>
-                      <a:r>
-                        <a:rPr lang="en-US" sz="1100" dirty="0"/>
-                        <a:t>1000</a:t>
-                      </a:r>
-                    </a:p>
-                  </a:txBody>
-                  <a:tcPr/>
-                </a:tc>
-                <a:tc>
-                  <a:txBody>
-                    <a:bodyPr/>
-                    <a:lstStyle/>
-                    <a:p>
-                      <a:r>
-                        <a:rPr lang="en-US" sz="1100" dirty="0"/>
-                        <a:t>100</a:t>
-                      </a:r>
-                    </a:p>
-                  </a:txBody>
-                  <a:tcPr/>
-                </a:tc>
-                <a:tc>
-                  <a:txBody>
-                    <a:bodyPr/>
-                    <a:lstStyle/>
-                    <a:p>
-                      <a:endParaRPr lang="en-US" sz="1100" dirty="0"/>
                     </a:p>
                   </a:txBody>
                   <a:tcPr/>
@@ -10634,75 +10667,75 @@
                   </a:ext>
                 </a:extLst>
               </a:tr>
-              <a:tr h="370840">
+              <a:tr h="270713">
+                <a:tc>
+                  <a:txBody>
+                    <a:bodyPr/>
+                    <a:lstStyle/>
+                    <a:p>
+                      <a:endParaRPr lang="en-US" sz="400" dirty="0"/>
+                    </a:p>
+                  </a:txBody>
+                  <a:tcPr/>
+                </a:tc>
+                <a:tc>
+                  <a:txBody>
+                    <a:bodyPr/>
+                    <a:lstStyle/>
+                    <a:p>
+                      <a:r>
+                        <a:rPr lang="en-US" sz="800" dirty="0"/>
+                        <a:t>500</a:t>
+                      </a:r>
+                    </a:p>
+                  </a:txBody>
+                  <a:tcPr/>
+                </a:tc>
+                <a:tc>
+                  <a:txBody>
+                    <a:bodyPr/>
+                    <a:lstStyle/>
+                    <a:p>
+                      <a:r>
+                        <a:rPr lang="en-US" sz="800" dirty="0"/>
+                        <a:t>100</a:t>
+                      </a:r>
+                    </a:p>
+                  </a:txBody>
+                  <a:tcPr/>
+                </a:tc>
+                <a:tc>
+                  <a:txBody>
+                    <a:bodyPr/>
+                    <a:lstStyle/>
+                    <a:p>
+                      <a:r>
+                        <a:rPr lang="en-US" sz="800" dirty="0"/>
+                        <a:t>2500</a:t>
+                      </a:r>
+                    </a:p>
+                  </a:txBody>
+                  <a:tcPr/>
+                </a:tc>
+                <a:tc>
+                  <a:txBody>
+                    <a:bodyPr/>
+                    <a:lstStyle/>
+                    <a:p>
+                      <a:r>
+                        <a:rPr lang="en-US" sz="800" dirty="0"/>
+                        <a:t>100</a:t>
+                      </a:r>
+                    </a:p>
+                  </a:txBody>
+                  <a:tcPr/>
+                </a:tc>
                 <a:tc>
                   <a:txBody>
                     <a:bodyPr/>
                     <a:lstStyle/>
                     <a:p>
                       <a:endParaRPr lang="en-US" sz="800" dirty="0"/>
-                    </a:p>
-                  </a:txBody>
-                  <a:tcPr/>
-                </a:tc>
-                <a:tc>
-                  <a:txBody>
-                    <a:bodyPr/>
-                    <a:lstStyle/>
-                    <a:p>
-                      <a:r>
-                        <a:rPr lang="en-US" sz="1100" dirty="0"/>
-                        <a:t>500</a:t>
-                      </a:r>
-                    </a:p>
-                  </a:txBody>
-                  <a:tcPr/>
-                </a:tc>
-                <a:tc>
-                  <a:txBody>
-                    <a:bodyPr/>
-                    <a:lstStyle/>
-                    <a:p>
-                      <a:r>
-                        <a:rPr lang="en-US" sz="1100" dirty="0"/>
-                        <a:t>100</a:t>
-                      </a:r>
-                    </a:p>
-                  </a:txBody>
-                  <a:tcPr/>
-                </a:tc>
-                <a:tc>
-                  <a:txBody>
-                    <a:bodyPr/>
-                    <a:lstStyle/>
-                    <a:p>
-                      <a:r>
-                        <a:rPr lang="en-US" sz="1100" dirty="0"/>
-                        <a:t>2500</a:t>
-                      </a:r>
-                    </a:p>
-                  </a:txBody>
-                  <a:tcPr/>
-                </a:tc>
-                <a:tc>
-                  <a:txBody>
-                    <a:bodyPr/>
-                    <a:lstStyle/>
-                    <a:p>
-                      <a:r>
-                        <a:rPr lang="en-US" sz="1100" dirty="0"/>
-                        <a:t>100</a:t>
-                      </a:r>
-                    </a:p>
-                  </a:txBody>
-                  <a:tcPr/>
-                </a:tc>
-                <a:tc>
-                  <a:txBody>
-                    <a:bodyPr/>
-                    <a:lstStyle/>
-                    <a:p>
-                      <a:endParaRPr lang="en-US" sz="1100" dirty="0"/>
                     </a:p>
                   </a:txBody>
                   <a:tcPr/>
@@ -10770,33 +10803,34 @@
           <a:p>
             <a:r>
               <a:rPr lang="en-US" dirty="0"/>
-              <a:t>Impact of exploration when </a:t>
-            </a:r>
-            <a:r>
-              <a:rPr lang="en-US"/>
-              <a:t>power increases.</a:t>
-            </a:r>
-            <a:endParaRPr lang="en-US" dirty="0"/>
+              <a:t>Impact of exploration when power increases.</a:t>
+            </a:r>
           </a:p>
         </p:txBody>
       </p:sp>
       <p:graphicFrame>
         <p:nvGraphicFramePr>
-          <p:cNvPr id="4" name="Table 3">
-            <a:extLst>
-              <a:ext uri="{FF2B5EF4-FFF2-40B4-BE49-F238E27FC236}">
-                <a16:creationId xmlns:a16="http://schemas.microsoft.com/office/drawing/2014/main" id="{E41291CA-DC61-4A6A-AEF1-119EE3AA43DE}"/>
+          <p:cNvPr id="5" name="Table 4">
+            <a:extLst>
+              <a:ext uri="{FF2B5EF4-FFF2-40B4-BE49-F238E27FC236}">
+                <a16:creationId xmlns:a16="http://schemas.microsoft.com/office/drawing/2014/main" id="{668575A8-08AC-4EE3-8DAA-598BF8896A64}"/>
               </a:ext>
             </a:extLst>
           </p:cNvPr>
           <p:cNvGraphicFramePr>
             <a:graphicFrameLocks noGrp="1"/>
           </p:cNvGraphicFramePr>
-          <p:nvPr/>
+          <p:nvPr>
+            <p:extLst>
+              <p:ext uri="{D42A27DB-BD31-4B8C-83A1-F6EECF244321}">
+                <p14:modId xmlns:p14="http://schemas.microsoft.com/office/powerpoint/2010/main" val="1090208907"/>
+              </p:ext>
+            </p:extLst>
+          </p:nvPr>
         </p:nvGraphicFramePr>
         <p:xfrm>
-          <a:off x="682289" y="1764695"/>
-          <a:ext cx="10724535" cy="5044440"/>
+          <a:off x="923109" y="1764695"/>
+          <a:ext cx="9644743" cy="3656393"/>
         </p:xfrm>
         <a:graphic>
           <a:graphicData uri="http://schemas.openxmlformats.org/drawingml/2006/table">
@@ -10805,42 +10839,42 @@
                 <a:tableStyleId>{5C22544A-7EE6-4342-B048-85BDC9FD1C3A}</a:tableStyleId>
               </a:tblPr>
               <a:tblGrid>
-                <a:gridCol w="699670">
+                <a:gridCol w="629224">
                   <a:extLst>
                     <a:ext uri="{9D8B030D-6E8A-4147-A177-3AD203B41FA5}">
                       <a16:colId xmlns:a16="http://schemas.microsoft.com/office/drawing/2014/main" val="2374639023"/>
                     </a:ext>
                   </a:extLst>
                 </a:gridCol>
-                <a:gridCol w="1056441">
+                <a:gridCol w="950074">
                   <a:extLst>
                     <a:ext uri="{9D8B030D-6E8A-4147-A177-3AD203B41FA5}">
                       <a16:colId xmlns:a16="http://schemas.microsoft.com/office/drawing/2014/main" val="1972232827"/>
                     </a:ext>
                   </a:extLst>
                 </a:gridCol>
-                <a:gridCol w="1214846">
+                <a:gridCol w="1092531">
                   <a:extLst>
                     <a:ext uri="{9D8B030D-6E8A-4147-A177-3AD203B41FA5}">
                       <a16:colId xmlns:a16="http://schemas.microsoft.com/office/drawing/2014/main" val="3821475244"/>
                     </a:ext>
                   </a:extLst>
                 </a:gridCol>
-                <a:gridCol w="1519645">
+                <a:gridCol w="990717">
                   <a:extLst>
                     <a:ext uri="{9D8B030D-6E8A-4147-A177-3AD203B41FA5}">
                       <a16:colId xmlns:a16="http://schemas.microsoft.com/office/drawing/2014/main" val="4072503055"/>
                     </a:ext>
                   </a:extLst>
                 </a:gridCol>
-                <a:gridCol w="1362892">
+                <a:gridCol w="1002465">
                   <a:extLst>
                     <a:ext uri="{9D8B030D-6E8A-4147-A177-3AD203B41FA5}">
                       <a16:colId xmlns:a16="http://schemas.microsoft.com/office/drawing/2014/main" val="2684069863"/>
                     </a:ext>
                   </a:extLst>
                 </a:gridCol>
-                <a:gridCol w="4871041">
+                <a:gridCol w="4979732">
                   <a:extLst>
                     <a:ext uri="{9D8B030D-6E8A-4147-A177-3AD203B41FA5}">
                       <a16:colId xmlns:a16="http://schemas.microsoft.com/office/drawing/2014/main" val="1184187100"/>
@@ -10848,99 +10882,99 @@
                   </a:extLst>
                 </a:gridCol>
               </a:tblGrid>
-              <a:tr h="370840">
-                <a:tc>
-                  <a:txBody>
-                    <a:bodyPr/>
-                    <a:lstStyle/>
-                    <a:p>
-                      <a:r>
-                        <a:rPr lang="en-US" sz="1100" dirty="0"/>
+              <a:tr h="281261">
+                <a:tc>
+                  <a:txBody>
+                    <a:bodyPr/>
+                    <a:lstStyle/>
+                    <a:p>
+                      <a:r>
+                        <a:rPr lang="en-US" sz="800" dirty="0"/>
                         <a:t>id</a:t>
                       </a:r>
                     </a:p>
                   </a:txBody>
-                  <a:tcPr/>
-                </a:tc>
-                <a:tc>
-                  <a:txBody>
-                    <a:bodyPr/>
-                    <a:lstStyle/>
-                    <a:p>
-                      <a:r>
-                        <a:rPr lang="en-US" sz="1100" dirty="0"/>
+                  <a:tcPr marT="0" marB="0" anchor="ctr"/>
+                </a:tc>
+                <a:tc>
+                  <a:txBody>
+                    <a:bodyPr/>
+                    <a:lstStyle/>
+                    <a:p>
+                      <a:r>
+                        <a:rPr lang="en-US" sz="800" dirty="0"/>
                         <a:t>Client 1 </a:t>
                       </a:r>
                       <a:r>
-                        <a:rPr lang="en-US" sz="1100" dirty="0" err="1"/>
+                        <a:rPr lang="en-US" sz="800" dirty="0" err="1"/>
                         <a:t>DeliveryR</a:t>
                       </a:r>
-                      <a:endParaRPr lang="en-US" sz="1100" dirty="0"/>
-                    </a:p>
-                  </a:txBody>
-                  <a:tcPr/>
-                </a:tc>
-                <a:tc>
-                  <a:txBody>
-                    <a:bodyPr/>
-                    <a:lstStyle/>
-                    <a:p>
-                      <a:r>
-                        <a:rPr lang="en-US" sz="1100" dirty="0"/>
+                      <a:endParaRPr lang="en-US" sz="800" dirty="0"/>
+                    </a:p>
+                  </a:txBody>
+                  <a:tcPr marT="0" marB="0" anchor="ctr"/>
+                </a:tc>
+                <a:tc>
+                  <a:txBody>
+                    <a:bodyPr/>
+                    <a:lstStyle/>
+                    <a:p>
+                      <a:r>
+                        <a:rPr lang="en-US" sz="800" dirty="0"/>
                         <a:t>Client 1 Outs. P</a:t>
                       </a:r>
                     </a:p>
                   </a:txBody>
-                  <a:tcPr/>
-                </a:tc>
-                <a:tc>
-                  <a:txBody>
-                    <a:bodyPr/>
-                    <a:lstStyle/>
-                    <a:p>
-                      <a:r>
-                        <a:rPr lang="en-US" sz="1100" dirty="0"/>
+                  <a:tcPr marT="0" marB="0" anchor="ctr"/>
+                </a:tc>
+                <a:tc>
+                  <a:txBody>
+                    <a:bodyPr/>
+                    <a:lstStyle/>
+                    <a:p>
+                      <a:r>
+                        <a:rPr lang="en-US" sz="800" dirty="0"/>
                         <a:t>Client 2 </a:t>
                       </a:r>
                       <a:r>
-                        <a:rPr lang="en-US" sz="1100" dirty="0" err="1"/>
+                        <a:rPr lang="en-US" sz="800" dirty="0" err="1"/>
                         <a:t>DeliveryR</a:t>
                       </a:r>
-                      <a:endParaRPr lang="en-US" sz="1100" dirty="0"/>
-                    </a:p>
-                  </a:txBody>
-                  <a:tcPr/>
-                </a:tc>
-                <a:tc>
-                  <a:txBody>
-                    <a:bodyPr/>
-                    <a:lstStyle/>
-                    <a:p>
-                      <a:r>
-                        <a:rPr lang="en-US" sz="1100" dirty="0"/>
+                      <a:endParaRPr lang="en-US" sz="800" dirty="0"/>
+                    </a:p>
+                  </a:txBody>
+                  <a:tcPr marT="0" marB="0" anchor="ctr"/>
+                </a:tc>
+                <a:tc>
+                  <a:txBody>
+                    <a:bodyPr/>
+                    <a:lstStyle/>
+                    <a:p>
+                      <a:r>
+                        <a:rPr lang="en-US" sz="800" dirty="0"/>
                         <a:t>Client 2 Outs. P</a:t>
                       </a:r>
                     </a:p>
                   </a:txBody>
-                  <a:tcPr/>
-                </a:tc>
-                <a:tc>
-                  <a:txBody>
-                    <a:bodyPr/>
-                    <a:lstStyle/>
-                    <a:p>
-                      <a:r>
-                        <a:rPr lang="en-US" sz="1100" dirty="0"/>
+                  <a:tcPr marT="0" marB="0" anchor="ctr"/>
+                </a:tc>
+                <a:tc>
+                  <a:txBody>
+                    <a:bodyPr/>
+                    <a:lstStyle/>
+                    <a:p>
+                      <a:r>
+                        <a:rPr lang="en-US" sz="800" dirty="0"/>
                         <a:t>Comments on queue and </a:t>
                       </a:r>
                       <a:r>
-                        <a:rPr lang="en-US" sz="1100" dirty="0" err="1"/>
+                        <a:rPr lang="en-US" sz="800" dirty="0" err="1"/>
                         <a:t>rtt</a:t>
                       </a:r>
-                      <a:endParaRPr lang="en-US" sz="1100" dirty="0"/>
-                    </a:p>
-                  </a:txBody>
-                  <a:tcPr/>
+                      <a:endParaRPr lang="en-US" sz="800" dirty="0"/>
+                    </a:p>
+                  </a:txBody>
+                  <a:tcPr marT="0" marB="0" anchor="ctr"/>
                 </a:tc>
                 <a:extLst>
                   <a:ext uri="{0D108BD9-81ED-4DB2-BD59-A6C34878D82A}">
@@ -10948,92 +10982,82 @@
                   </a:ext>
                 </a:extLst>
               </a:tr>
-              <a:tr h="370840">
-                <a:tc>
-                  <a:txBody>
-                    <a:bodyPr/>
-                    <a:lstStyle/>
-                    <a:p>
-                      <a:r>
-                        <a:rPr lang="en-US" sz="1100" dirty="0"/>
-                        <a:t>15-100-15-100</a:t>
-                      </a:r>
-                    </a:p>
-                  </a:txBody>
-                  <a:tcPr/>
-                </a:tc>
-                <a:tc>
-                  <a:txBody>
-                    <a:bodyPr/>
-                    <a:lstStyle/>
-                    <a:p>
-                      <a:r>
-                        <a:rPr lang="en-US" sz="1100" dirty="0"/>
+              <a:tr h="281261">
+                <a:tc>
+                  <a:txBody>
+                    <a:bodyPr/>
+                    <a:lstStyle/>
+                    <a:p>
+                      <a:endParaRPr lang="en-US" sz="800" dirty="0"/>
+                    </a:p>
+                  </a:txBody>
+                  <a:tcPr marT="0" marB="0" anchor="ctr"/>
+                </a:tc>
+                <a:tc>
+                  <a:txBody>
+                    <a:bodyPr/>
+                    <a:lstStyle/>
+                    <a:p>
+                      <a:r>
+                        <a:rPr lang="en-US" sz="800" dirty="0"/>
                         <a:t>1500</a:t>
                       </a:r>
                     </a:p>
                   </a:txBody>
-                  <a:tcPr/>
-                </a:tc>
-                <a:tc>
-                  <a:txBody>
-                    <a:bodyPr/>
-                    <a:lstStyle/>
-                    <a:p>
-                      <a:r>
-                        <a:rPr lang="en-US" sz="1100" dirty="0"/>
+                  <a:tcPr marT="0" marB="0" anchor="ctr"/>
+                </a:tc>
+                <a:tc>
+                  <a:txBody>
+                    <a:bodyPr/>
+                    <a:lstStyle/>
+                    <a:p>
+                      <a:r>
+                        <a:rPr lang="en-US" sz="800" dirty="0"/>
                         <a:t>100</a:t>
                       </a:r>
                     </a:p>
                   </a:txBody>
-                  <a:tcPr/>
-                </a:tc>
-                <a:tc>
-                  <a:txBody>
-                    <a:bodyPr/>
-                    <a:lstStyle/>
-                    <a:p>
-                      <a:r>
-                        <a:rPr lang="en-US" sz="1100" dirty="0"/>
+                  <a:tcPr marT="0" marB="0" anchor="ctr"/>
+                </a:tc>
+                <a:tc>
+                  <a:txBody>
+                    <a:bodyPr/>
+                    <a:lstStyle/>
+                    <a:p>
+                      <a:r>
+                        <a:rPr lang="en-US" sz="800" dirty="0"/>
                         <a:t>1500</a:t>
                       </a:r>
                     </a:p>
                   </a:txBody>
-                  <a:tcPr/>
-                </a:tc>
-                <a:tc>
-                  <a:txBody>
-                    <a:bodyPr/>
-                    <a:lstStyle/>
-                    <a:p>
-                      <a:r>
-                        <a:rPr lang="en-US" sz="1100" dirty="0"/>
+                  <a:tcPr marT="0" marB="0" anchor="ctr"/>
+                </a:tc>
+                <a:tc>
+                  <a:txBody>
+                    <a:bodyPr/>
+                    <a:lstStyle/>
+                    <a:p>
+                      <a:r>
+                        <a:rPr lang="en-US" sz="800" dirty="0"/>
                         <a:t>100</a:t>
                       </a:r>
                     </a:p>
                   </a:txBody>
-                  <a:tcPr/>
-                </a:tc>
-                <a:tc>
-                  <a:txBody>
-                    <a:bodyPr/>
-                    <a:lstStyle/>
-                    <a:p>
-                      <a:r>
-                        <a:rPr lang="en-US" sz="1100" dirty="0"/>
-                        <a:t>Outstanding packets (30, 40), </a:t>
-                      </a:r>
-                      <a:r>
-                        <a:rPr lang="en-US" sz="1100" dirty="0" err="1"/>
-                        <a:t>rtt</a:t>
-                      </a:r>
-                      <a:r>
-                        <a:rPr lang="en-US" sz="1100" dirty="0"/>
-                        <a:t>(60, 70), queue (110, 120)</a:t>
-                      </a:r>
-                    </a:p>
-                  </a:txBody>
-                  <a:tcPr/>
+                  <a:tcPr marT="0" marB="0" anchor="ctr"/>
+                </a:tc>
+                <a:tc>
+                  <a:txBody>
+                    <a:bodyPr/>
+                    <a:lstStyle/>
+                    <a:p>
+                      <a:endParaRPr lang="en-US" sz="800" dirty="0">
+                        <a:solidFill>
+                          <a:srgbClr val="FF0000"/>
+                        </a:solidFill>
+                      </a:endParaRPr>
+                    </a:p>
+                  </a:txBody>
+                  <a:tcPr marT="0" marB="0" anchor="ctr"/>
                 </a:tc>
                 <a:extLst>
                   <a:ext uri="{0D108BD9-81ED-4DB2-BD59-A6C34878D82A}">
@@ -11041,71 +11065,68 @@
                   </a:ext>
                 </a:extLst>
               </a:tr>
-              <a:tr h="370840">
-                <a:tc>
-                  <a:txBody>
-                    <a:bodyPr/>
-                    <a:lstStyle/>
-                    <a:p>
-                      <a:r>
-                        <a:rPr lang="en-US" sz="1100" dirty="0"/>
-                        <a:t>15-100-10-100</a:t>
-                      </a:r>
-                    </a:p>
-                  </a:txBody>
-                  <a:tcPr/>
-                </a:tc>
-                <a:tc>
-                  <a:txBody>
-                    <a:bodyPr/>
-                    <a:lstStyle/>
-                    <a:p>
-                      <a:r>
-                        <a:rPr lang="en-US" sz="1100" dirty="0"/>
+              <a:tr h="281261">
+                <a:tc>
+                  <a:txBody>
+                    <a:bodyPr/>
+                    <a:lstStyle/>
+                    <a:p>
+                      <a:endParaRPr lang="en-US" sz="800" dirty="0"/>
+                    </a:p>
+                  </a:txBody>
+                  <a:tcPr marT="0" marB="0" anchor="ctr"/>
+                </a:tc>
+                <a:tc>
+                  <a:txBody>
+                    <a:bodyPr/>
+                    <a:lstStyle/>
+                    <a:p>
+                      <a:r>
+                        <a:rPr lang="en-US" sz="800" dirty="0"/>
                         <a:t>1500</a:t>
                       </a:r>
                     </a:p>
                   </a:txBody>
-                  <a:tcPr/>
-                </a:tc>
-                <a:tc>
-                  <a:txBody>
-                    <a:bodyPr/>
-                    <a:lstStyle/>
-                    <a:p>
-                      <a:r>
-                        <a:rPr lang="en-US" sz="1100" dirty="0"/>
+                  <a:tcPr marT="0" marB="0" anchor="ctr"/>
+                </a:tc>
+                <a:tc>
+                  <a:txBody>
+                    <a:bodyPr/>
+                    <a:lstStyle/>
+                    <a:p>
+                      <a:r>
+                        <a:rPr lang="en-US" sz="800" dirty="0"/>
                         <a:t>100</a:t>
                       </a:r>
                     </a:p>
                   </a:txBody>
-                  <a:tcPr/>
-                </a:tc>
-                <a:tc>
-                  <a:txBody>
-                    <a:bodyPr/>
-                    <a:lstStyle/>
-                    <a:p>
-                      <a:r>
-                        <a:rPr lang="en-US" sz="1100" dirty="0"/>
+                  <a:tcPr marT="0" marB="0" anchor="ctr"/>
+                </a:tc>
+                <a:tc>
+                  <a:txBody>
+                    <a:bodyPr/>
+                    <a:lstStyle/>
+                    <a:p>
+                      <a:r>
+                        <a:rPr lang="en-US" sz="800" dirty="0"/>
                         <a:t>1000</a:t>
                       </a:r>
                     </a:p>
                   </a:txBody>
-                  <a:tcPr/>
-                </a:tc>
-                <a:tc>
-                  <a:txBody>
-                    <a:bodyPr/>
-                    <a:lstStyle/>
-                    <a:p>
-                      <a:r>
-                        <a:rPr lang="en-US" sz="1100" dirty="0"/>
+                  <a:tcPr marT="0" marB="0" anchor="ctr"/>
+                </a:tc>
+                <a:tc>
+                  <a:txBody>
+                    <a:bodyPr/>
+                    <a:lstStyle/>
+                    <a:p>
+                      <a:r>
+                        <a:rPr lang="en-US" sz="800" dirty="0"/>
                         <a:t>100</a:t>
                       </a:r>
                     </a:p>
                   </a:txBody>
-                  <a:tcPr/>
+                  <a:tcPr marT="0" marB="0" anchor="ctr"/>
                 </a:tc>
                 <a:tc>
                   <a:txBody>
@@ -11129,21 +11150,14 @@
                         <a:tabLst/>
                         <a:defRPr/>
                       </a:pPr>
-                      <a:r>
-                        <a:rPr lang="en-US" sz="1100" dirty="0"/>
-                        <a:t>Outstanding packets (30, 40), </a:t>
-                      </a:r>
-                      <a:r>
-                        <a:rPr lang="en-US" sz="1100" dirty="0" err="1"/>
-                        <a:t>rtt</a:t>
-                      </a:r>
-                      <a:r>
-                        <a:rPr lang="en-US" sz="1100" dirty="0"/>
-                        <a:t>(60, 70), queue (110, 120)</a:t>
-                      </a:r>
-                    </a:p>
-                  </a:txBody>
-                  <a:tcPr/>
+                      <a:endParaRPr lang="en-US" sz="800" dirty="0">
+                        <a:solidFill>
+                          <a:srgbClr val="FF0000"/>
+                        </a:solidFill>
+                      </a:endParaRPr>
+                    </a:p>
+                  </a:txBody>
+                  <a:tcPr marT="0" marB="0" anchor="ctr"/>
                 </a:tc>
                 <a:extLst>
                   <a:ext uri="{0D108BD9-81ED-4DB2-BD59-A6C34878D82A}">
@@ -11151,68 +11165,68 @@
                   </a:ext>
                 </a:extLst>
               </a:tr>
-              <a:tr h="370840">
-                <a:tc>
-                  <a:txBody>
-                    <a:bodyPr/>
-                    <a:lstStyle/>
-                    <a:p>
-                      <a:endParaRPr lang="en-US" sz="1100"/>
-                    </a:p>
-                  </a:txBody>
-                  <a:tcPr/>
-                </a:tc>
-                <a:tc>
-                  <a:txBody>
-                    <a:bodyPr/>
-                    <a:lstStyle/>
-                    <a:p>
-                      <a:r>
-                        <a:rPr lang="en-US" sz="1100" dirty="0"/>
+              <a:tr h="281261">
+                <a:tc>
+                  <a:txBody>
+                    <a:bodyPr/>
+                    <a:lstStyle/>
+                    <a:p>
+                      <a:endParaRPr lang="en-US" sz="800"/>
+                    </a:p>
+                  </a:txBody>
+                  <a:tcPr marT="0" marB="0" anchor="ctr"/>
+                </a:tc>
+                <a:tc>
+                  <a:txBody>
+                    <a:bodyPr/>
+                    <a:lstStyle/>
+                    <a:p>
+                      <a:r>
+                        <a:rPr lang="en-US" sz="800" dirty="0"/>
                         <a:t>1500</a:t>
                       </a:r>
                     </a:p>
                   </a:txBody>
-                  <a:tcPr/>
-                </a:tc>
-                <a:tc>
-                  <a:txBody>
-                    <a:bodyPr/>
-                    <a:lstStyle/>
-                    <a:p>
-                      <a:r>
-                        <a:rPr lang="en-US" sz="1100" dirty="0"/>
+                  <a:tcPr marT="0" marB="0" anchor="ctr"/>
+                </a:tc>
+                <a:tc>
+                  <a:txBody>
+                    <a:bodyPr/>
+                    <a:lstStyle/>
+                    <a:p>
+                      <a:r>
+                        <a:rPr lang="en-US" sz="800" dirty="0"/>
                         <a:t>100</a:t>
                       </a:r>
                     </a:p>
                   </a:txBody>
-                  <a:tcPr/>
-                </a:tc>
-                <a:tc>
-                  <a:txBody>
-                    <a:bodyPr/>
-                    <a:lstStyle/>
-                    <a:p>
-                      <a:r>
-                        <a:rPr lang="en-US" sz="1100" dirty="0"/>
+                  <a:tcPr marT="0" marB="0" anchor="ctr"/>
+                </a:tc>
+                <a:tc>
+                  <a:txBody>
+                    <a:bodyPr/>
+                    <a:lstStyle/>
+                    <a:p>
+                      <a:r>
+                        <a:rPr lang="en-US" sz="800" dirty="0"/>
                         <a:t>500</a:t>
                       </a:r>
                     </a:p>
                   </a:txBody>
-                  <a:tcPr/>
-                </a:tc>
-                <a:tc>
-                  <a:txBody>
-                    <a:bodyPr/>
-                    <a:lstStyle/>
-                    <a:p>
-                      <a:r>
-                        <a:rPr lang="en-US" sz="1100" dirty="0"/>
+                  <a:tcPr marT="0" marB="0" anchor="ctr"/>
+                </a:tc>
+                <a:tc>
+                  <a:txBody>
+                    <a:bodyPr/>
+                    <a:lstStyle/>
+                    <a:p>
+                      <a:r>
+                        <a:rPr lang="en-US" sz="800" dirty="0"/>
                         <a:t>100</a:t>
                       </a:r>
                     </a:p>
                   </a:txBody>
-                  <a:tcPr/>
+                  <a:tcPr marT="0" marB="0" anchor="ctr"/>
                 </a:tc>
                 <a:tc>
                   <a:txBody>
@@ -11236,24 +11250,10 @@
                         <a:tabLst/>
                         <a:defRPr/>
                       </a:pPr>
-                      <a:r>
-                        <a:rPr lang="en-US" sz="1100" dirty="0"/>
-                        <a:t>Outstanding packets (1, 2), </a:t>
-                      </a:r>
-                      <a:r>
-                        <a:rPr lang="en-US" sz="1100" dirty="0" err="1"/>
-                        <a:t>rtt</a:t>
-                      </a:r>
-                      <a:r>
-                        <a:rPr lang="en-US" sz="1100" dirty="0"/>
-                        <a:t>(2, 2.5), queue (2, 3)</a:t>
-                      </a:r>
-                    </a:p>
-                    <a:p>
-                      <a:endParaRPr lang="en-US" sz="1100" dirty="0"/>
-                    </a:p>
-                  </a:txBody>
-                  <a:tcPr/>
+                      <a:endParaRPr lang="en-US" sz="800" dirty="0"/>
+                    </a:p>
+                  </a:txBody>
+                  <a:tcPr marT="0" marB="0" anchor="ctr"/>
                 </a:tc>
                 <a:extLst>
                   <a:ext uri="{0D108BD9-81ED-4DB2-BD59-A6C34878D82A}">
@@ -11261,78 +11261,106 @@
                   </a:ext>
                 </a:extLst>
               </a:tr>
-              <a:tr h="370840">
-                <a:tc>
-                  <a:txBody>
-                    <a:bodyPr/>
-                    <a:lstStyle/>
-                    <a:p>
-                      <a:endParaRPr lang="en-US" sz="1100"/>
-                    </a:p>
-                  </a:txBody>
-                  <a:tcPr/>
-                </a:tc>
-                <a:tc>
-                  <a:txBody>
-                    <a:bodyPr/>
-                    <a:lstStyle/>
-                    <a:p>
-                      <a:r>
-                        <a:rPr lang="en-US" sz="1100" dirty="0"/>
+              <a:tr h="281261">
+                <a:tc>
+                  <a:txBody>
+                    <a:bodyPr/>
+                    <a:lstStyle/>
+                    <a:p>
+                      <a:endParaRPr lang="en-US" sz="800"/>
+                    </a:p>
+                  </a:txBody>
+                  <a:tcPr marT="0" marB="0" anchor="ctr"/>
+                </a:tc>
+                <a:tc>
+                  <a:txBody>
+                    <a:bodyPr/>
+                    <a:lstStyle/>
+                    <a:p>
+                      <a:r>
+                        <a:rPr lang="en-US" sz="800" dirty="0"/>
                         <a:t>1000</a:t>
                       </a:r>
                     </a:p>
                   </a:txBody>
-                  <a:tcPr/>
-                </a:tc>
-                <a:tc>
-                  <a:txBody>
-                    <a:bodyPr/>
-                    <a:lstStyle/>
-                    <a:p>
-                      <a:r>
-                        <a:rPr lang="en-US" sz="1100" dirty="0"/>
+                  <a:tcPr marT="0" marB="0" anchor="ctr"/>
+                </a:tc>
+                <a:tc>
+                  <a:txBody>
+                    <a:bodyPr/>
+                    <a:lstStyle/>
+                    <a:p>
+                      <a:r>
+                        <a:rPr lang="en-US" sz="800" dirty="0"/>
                         <a:t>100</a:t>
                       </a:r>
                     </a:p>
                   </a:txBody>
-                  <a:tcPr/>
-                </a:tc>
-                <a:tc>
-                  <a:txBody>
-                    <a:bodyPr/>
-                    <a:lstStyle/>
-                    <a:p>
-                      <a:r>
-                        <a:rPr lang="en-US" sz="1100" dirty="0"/>
+                  <a:tcPr marT="0" marB="0" anchor="ctr"/>
+                </a:tc>
+                <a:tc>
+                  <a:txBody>
+                    <a:bodyPr/>
+                    <a:lstStyle/>
+                    <a:p>
+                      <a:r>
+                        <a:rPr lang="en-US" sz="800" dirty="0"/>
                         <a:t>1500</a:t>
                       </a:r>
                     </a:p>
                   </a:txBody>
-                  <a:tcPr/>
-                </a:tc>
-                <a:tc>
-                  <a:txBody>
-                    <a:bodyPr/>
-                    <a:lstStyle/>
-                    <a:p>
-                      <a:r>
-                        <a:rPr lang="en-US" sz="1100" dirty="0"/>
+                  <a:tcPr marT="0" marB="0" anchor="ctr"/>
+                </a:tc>
+                <a:tc>
+                  <a:txBody>
+                    <a:bodyPr/>
+                    <a:lstStyle/>
+                    <a:p>
+                      <a:r>
+                        <a:rPr lang="en-US" sz="800" dirty="0"/>
                         <a:t>100</a:t>
                       </a:r>
                     </a:p>
                   </a:txBody>
-                  <a:tcPr/>
-                </a:tc>
-                <a:tc>
-                  <a:txBody>
-                    <a:bodyPr/>
-                    <a:lstStyle/>
-                    <a:p>
-                      <a:endParaRPr lang="en-US" sz="1100" dirty="0"/>
-                    </a:p>
-                  </a:txBody>
-                  <a:tcPr/>
+                  <a:tcPr marT="0" marB="0" anchor="ctr"/>
+                </a:tc>
+                <a:tc>
+                  <a:txBody>
+                    <a:bodyPr/>
+                    <a:lstStyle/>
+                    <a:p>
+                      <a:pPr marL="0" marR="0" lvl="0" indent="0" algn="l" defTabSz="914400" rtl="0" eaLnBrk="1" fontAlgn="auto" latinLnBrk="0" hangingPunct="1">
+                        <a:lnSpc>
+                          <a:spcPct val="100000"/>
+                        </a:lnSpc>
+                        <a:spcBef>
+                          <a:spcPts val="0"/>
+                        </a:spcBef>
+                        <a:spcAft>
+                          <a:spcPts val="0"/>
+                        </a:spcAft>
+                        <a:buClrTx/>
+                        <a:buSzTx/>
+                        <a:buFontTx/>
+                        <a:buNone/>
+                        <a:tabLst/>
+                        <a:defRPr/>
+                      </a:pPr>
+                      <a:r>
+                        <a:rPr lang="en-US" sz="800" dirty="0"/>
+                        <a:t>Outstanding packets (20), </a:t>
+                      </a:r>
+                      <a:r>
+                        <a:rPr lang="en-US" sz="800" dirty="0" err="1"/>
+                        <a:t>rtt</a:t>
+                      </a:r>
+                      <a:r>
+                        <a:rPr lang="en-US" sz="800" dirty="0"/>
+                        <a:t>(20), queue (20)</a:t>
+                      </a:r>
+                    </a:p>
+                  </a:txBody>
+                  <a:tcPr marT="0" marB="0" anchor="ctr"/>
                 </a:tc>
                 <a:extLst>
                   <a:ext uri="{0D108BD9-81ED-4DB2-BD59-A6C34878D82A}">
@@ -11340,78 +11368,95 @@
                   </a:ext>
                 </a:extLst>
               </a:tr>
-              <a:tr h="370840">
-                <a:tc>
-                  <a:txBody>
-                    <a:bodyPr/>
-                    <a:lstStyle/>
-                    <a:p>
-                      <a:endParaRPr lang="en-US" sz="1100"/>
-                    </a:p>
-                  </a:txBody>
-                  <a:tcPr/>
-                </a:tc>
-                <a:tc>
-                  <a:txBody>
-                    <a:bodyPr/>
-                    <a:lstStyle/>
-                    <a:p>
-                      <a:r>
-                        <a:rPr lang="en-US" sz="1100" dirty="0"/>
+              <a:tr h="281261">
+                <a:tc>
+                  <a:txBody>
+                    <a:bodyPr/>
+                    <a:lstStyle/>
+                    <a:p>
+                      <a:endParaRPr lang="en-US" sz="800"/>
+                    </a:p>
+                  </a:txBody>
+                  <a:tcPr marT="0" marB="0" anchor="ctr"/>
+                </a:tc>
+                <a:tc>
+                  <a:txBody>
+                    <a:bodyPr/>
+                    <a:lstStyle/>
+                    <a:p>
+                      <a:r>
+                        <a:rPr lang="en-US" sz="800" dirty="0"/>
                         <a:t>1000</a:t>
                       </a:r>
                     </a:p>
                   </a:txBody>
-                  <a:tcPr/>
-                </a:tc>
-                <a:tc>
-                  <a:txBody>
-                    <a:bodyPr/>
-                    <a:lstStyle/>
-                    <a:p>
-                      <a:r>
-                        <a:rPr lang="en-US" sz="1100" dirty="0"/>
+                  <a:tcPr marT="0" marB="0" anchor="ctr"/>
+                </a:tc>
+                <a:tc>
+                  <a:txBody>
+                    <a:bodyPr/>
+                    <a:lstStyle/>
+                    <a:p>
+                      <a:r>
+                        <a:rPr lang="en-US" sz="800" dirty="0"/>
                         <a:t>100</a:t>
                       </a:r>
                     </a:p>
                   </a:txBody>
-                  <a:tcPr/>
-                </a:tc>
-                <a:tc>
-                  <a:txBody>
-                    <a:bodyPr/>
-                    <a:lstStyle/>
-                    <a:p>
-                      <a:r>
-                        <a:rPr lang="en-US" sz="1100" dirty="0"/>
+                  <a:tcPr marT="0" marB="0" anchor="ctr"/>
+                </a:tc>
+                <a:tc>
+                  <a:txBody>
+                    <a:bodyPr/>
+                    <a:lstStyle/>
+                    <a:p>
+                      <a:r>
+                        <a:rPr lang="en-US" sz="800" dirty="0"/>
                         <a:t>1000</a:t>
                       </a:r>
                     </a:p>
                   </a:txBody>
-                  <a:tcPr/>
-                </a:tc>
-                <a:tc>
-                  <a:txBody>
-                    <a:bodyPr/>
-                    <a:lstStyle/>
-                    <a:p>
-                      <a:r>
-                        <a:rPr lang="en-US" sz="1100" dirty="0"/>
+                  <a:tcPr marT="0" marB="0" anchor="ctr"/>
+                </a:tc>
+                <a:tc>
+                  <a:txBody>
+                    <a:bodyPr/>
+                    <a:lstStyle/>
+                    <a:p>
+                      <a:r>
+                        <a:rPr lang="en-US" sz="800" dirty="0"/>
                         <a:t>100</a:t>
                       </a:r>
                     </a:p>
                   </a:txBody>
-                  <a:tcPr/>
-                </a:tc>
-                <a:tc>
-                  <a:txBody>
-                    <a:bodyPr/>
-                    <a:lstStyle/>
-                    <a:p>
-                      <a:endParaRPr lang="en-US" sz="1100" dirty="0"/>
-                    </a:p>
-                  </a:txBody>
-                  <a:tcPr/>
+                  <a:tcPr marT="0" marB="0" anchor="ctr"/>
+                </a:tc>
+                <a:tc>
+                  <a:txBody>
+                    <a:bodyPr/>
+                    <a:lstStyle/>
+                    <a:p>
+                      <a:pPr marL="0" marR="0" lvl="0" indent="0" algn="l" defTabSz="914400" rtl="0" eaLnBrk="1" fontAlgn="auto" latinLnBrk="0" hangingPunct="1">
+                        <a:lnSpc>
+                          <a:spcPct val="100000"/>
+                        </a:lnSpc>
+                        <a:spcBef>
+                          <a:spcPts val="0"/>
+                        </a:spcBef>
+                        <a:spcAft>
+                          <a:spcPts val="0"/>
+                        </a:spcAft>
+                        <a:buClrTx/>
+                        <a:buSzTx/>
+                        <a:buFontTx/>
+                        <a:buNone/>
+                        <a:tabLst/>
+                        <a:defRPr/>
+                      </a:pPr>
+                      <a:endParaRPr lang="en-US" sz="800" dirty="0"/>
+                    </a:p>
+                  </a:txBody>
+                  <a:tcPr marT="0" marB="0" anchor="ctr"/>
                 </a:tc>
                 <a:extLst>
                   <a:ext uri="{0D108BD9-81ED-4DB2-BD59-A6C34878D82A}">
@@ -11419,78 +11464,95 @@
                   </a:ext>
                 </a:extLst>
               </a:tr>
-              <a:tr h="370840">
-                <a:tc>
-                  <a:txBody>
-                    <a:bodyPr/>
-                    <a:lstStyle/>
-                    <a:p>
-                      <a:endParaRPr lang="en-US" sz="1100"/>
-                    </a:p>
-                  </a:txBody>
-                  <a:tcPr/>
-                </a:tc>
-                <a:tc>
-                  <a:txBody>
-                    <a:bodyPr/>
-                    <a:lstStyle/>
-                    <a:p>
-                      <a:r>
-                        <a:rPr lang="en-US" sz="1100" dirty="0"/>
+              <a:tr h="281261">
+                <a:tc>
+                  <a:txBody>
+                    <a:bodyPr/>
+                    <a:lstStyle/>
+                    <a:p>
+                      <a:endParaRPr lang="en-US" sz="800"/>
+                    </a:p>
+                  </a:txBody>
+                  <a:tcPr marT="0" marB="0" anchor="ctr"/>
+                </a:tc>
+                <a:tc>
+                  <a:txBody>
+                    <a:bodyPr/>
+                    <a:lstStyle/>
+                    <a:p>
+                      <a:r>
+                        <a:rPr lang="en-US" sz="800" dirty="0"/>
                         <a:t>1000</a:t>
                       </a:r>
                     </a:p>
                   </a:txBody>
-                  <a:tcPr/>
-                </a:tc>
-                <a:tc>
-                  <a:txBody>
-                    <a:bodyPr/>
-                    <a:lstStyle/>
-                    <a:p>
-                      <a:r>
-                        <a:rPr lang="en-US" sz="1100" dirty="0"/>
+                  <a:tcPr marT="0" marB="0" anchor="ctr"/>
+                </a:tc>
+                <a:tc>
+                  <a:txBody>
+                    <a:bodyPr/>
+                    <a:lstStyle/>
+                    <a:p>
+                      <a:r>
+                        <a:rPr lang="en-US" sz="800" dirty="0"/>
                         <a:t>100</a:t>
                       </a:r>
                     </a:p>
                   </a:txBody>
-                  <a:tcPr/>
-                </a:tc>
-                <a:tc>
-                  <a:txBody>
-                    <a:bodyPr/>
-                    <a:lstStyle/>
-                    <a:p>
-                      <a:r>
-                        <a:rPr lang="en-US" sz="1100" dirty="0"/>
+                  <a:tcPr marT="0" marB="0" anchor="ctr"/>
+                </a:tc>
+                <a:tc>
+                  <a:txBody>
+                    <a:bodyPr/>
+                    <a:lstStyle/>
+                    <a:p>
+                      <a:r>
+                        <a:rPr lang="en-US" sz="800" dirty="0"/>
                         <a:t>500</a:t>
                       </a:r>
                     </a:p>
                   </a:txBody>
-                  <a:tcPr/>
-                </a:tc>
-                <a:tc>
-                  <a:txBody>
-                    <a:bodyPr/>
-                    <a:lstStyle/>
-                    <a:p>
-                      <a:r>
-                        <a:rPr lang="en-US" sz="1100" dirty="0"/>
+                  <a:tcPr marT="0" marB="0" anchor="ctr"/>
+                </a:tc>
+                <a:tc>
+                  <a:txBody>
+                    <a:bodyPr/>
+                    <a:lstStyle/>
+                    <a:p>
+                      <a:r>
+                        <a:rPr lang="en-US" sz="800" dirty="0"/>
                         <a:t>100</a:t>
                       </a:r>
                     </a:p>
                   </a:txBody>
-                  <a:tcPr/>
-                </a:tc>
-                <a:tc>
-                  <a:txBody>
-                    <a:bodyPr/>
-                    <a:lstStyle/>
-                    <a:p>
-                      <a:endParaRPr lang="en-US" sz="1100" dirty="0"/>
-                    </a:p>
-                  </a:txBody>
-                  <a:tcPr/>
+                  <a:tcPr marT="0" marB="0" anchor="ctr"/>
+                </a:tc>
+                <a:tc>
+                  <a:txBody>
+                    <a:bodyPr/>
+                    <a:lstStyle/>
+                    <a:p>
+                      <a:pPr marL="0" marR="0" lvl="0" indent="0" algn="l" defTabSz="914400" rtl="0" eaLnBrk="1" fontAlgn="auto" latinLnBrk="0" hangingPunct="1">
+                        <a:lnSpc>
+                          <a:spcPct val="100000"/>
+                        </a:lnSpc>
+                        <a:spcBef>
+                          <a:spcPts val="0"/>
+                        </a:spcBef>
+                        <a:spcAft>
+                          <a:spcPts val="0"/>
+                        </a:spcAft>
+                        <a:buClrTx/>
+                        <a:buSzTx/>
+                        <a:buFontTx/>
+                        <a:buNone/>
+                        <a:tabLst/>
+                        <a:defRPr/>
+                      </a:pPr>
+                      <a:endParaRPr lang="en-US" sz="800" dirty="0"/>
+                    </a:p>
+                  </a:txBody>
+                  <a:tcPr marT="0" marB="0" anchor="ctr"/>
                 </a:tc>
                 <a:extLst>
                   <a:ext uri="{0D108BD9-81ED-4DB2-BD59-A6C34878D82A}">
@@ -11498,78 +11560,78 @@
                   </a:ext>
                 </a:extLst>
               </a:tr>
-              <a:tr h="370840">
-                <a:tc>
-                  <a:txBody>
-                    <a:bodyPr/>
-                    <a:lstStyle/>
-                    <a:p>
-                      <a:endParaRPr lang="en-US" sz="1100"/>
-                    </a:p>
-                  </a:txBody>
-                  <a:tcPr/>
-                </a:tc>
-                <a:tc>
-                  <a:txBody>
-                    <a:bodyPr/>
-                    <a:lstStyle/>
-                    <a:p>
-                      <a:r>
-                        <a:rPr lang="en-US" sz="1100" dirty="0"/>
-                        <a:t>1500</a:t>
-                      </a:r>
-                    </a:p>
-                  </a:txBody>
-                  <a:tcPr/>
-                </a:tc>
-                <a:tc>
-                  <a:txBody>
-                    <a:bodyPr/>
-                    <a:lstStyle/>
-                    <a:p>
-                      <a:r>
-                        <a:rPr lang="en-US" sz="1100" dirty="0"/>
-                        <a:t>10</a:t>
-                      </a:r>
-                    </a:p>
-                  </a:txBody>
-                  <a:tcPr/>
-                </a:tc>
-                <a:tc>
-                  <a:txBody>
-                    <a:bodyPr/>
-                    <a:lstStyle/>
-                    <a:p>
-                      <a:r>
-                        <a:rPr lang="en-US" sz="1100" dirty="0"/>
+              <a:tr h="281261">
+                <a:tc>
+                  <a:txBody>
+                    <a:bodyPr/>
+                    <a:lstStyle/>
+                    <a:p>
+                      <a:endParaRPr lang="en-US" sz="800"/>
+                    </a:p>
+                  </a:txBody>
+                  <a:tcPr marT="0" marB="0" anchor="ctr"/>
+                </a:tc>
+                <a:tc>
+                  <a:txBody>
+                    <a:bodyPr/>
+                    <a:lstStyle/>
+                    <a:p>
+                      <a:r>
+                        <a:rPr lang="en-US" sz="800" dirty="0"/>
                         <a:t>1000</a:t>
                       </a:r>
                     </a:p>
                   </a:txBody>
-                  <a:tcPr/>
-                </a:tc>
-                <a:tc>
-                  <a:txBody>
-                    <a:bodyPr/>
-                    <a:lstStyle/>
-                    <a:p>
-                      <a:r>
-                        <a:rPr lang="en-US" sz="1100" dirty="0"/>
-                        <a:t>10</a:t>
-                      </a:r>
-                    </a:p>
-                  </a:txBody>
-                  <a:tcPr/>
-                </a:tc>
-                <a:tc>
-                  <a:txBody>
-                    <a:bodyPr/>
-                    <a:lstStyle/>
-                    <a:p>
-                      <a:endParaRPr lang="en-US" sz="1100" dirty="0"/>
-                    </a:p>
-                  </a:txBody>
-                  <a:tcPr/>
+                  <a:tcPr marT="0" marB="0" anchor="ctr"/>
+                </a:tc>
+                <a:tc>
+                  <a:txBody>
+                    <a:bodyPr/>
+                    <a:lstStyle/>
+                    <a:p>
+                      <a:r>
+                        <a:rPr lang="en-US" sz="800" dirty="0"/>
+                        <a:t>100</a:t>
+                      </a:r>
+                    </a:p>
+                  </a:txBody>
+                  <a:tcPr marT="0" marB="0" anchor="ctr"/>
+                </a:tc>
+                <a:tc>
+                  <a:txBody>
+                    <a:bodyPr/>
+                    <a:lstStyle/>
+                    <a:p>
+                      <a:r>
+                        <a:rPr lang="en-US" sz="800" dirty="0"/>
+                        <a:t>1010</a:t>
+                      </a:r>
+                    </a:p>
+                  </a:txBody>
+                  <a:tcPr marT="0" marB="0" anchor="ctr"/>
+                </a:tc>
+                <a:tc>
+                  <a:txBody>
+                    <a:bodyPr/>
+                    <a:lstStyle/>
+                    <a:p>
+                      <a:r>
+                        <a:rPr lang="en-US" sz="800" dirty="0"/>
+                        <a:t>100</a:t>
+                      </a:r>
+                    </a:p>
+                  </a:txBody>
+                  <a:tcPr marT="0" marB="0" anchor="ctr"/>
+                </a:tc>
+                <a:tc>
+                  <a:txBody>
+                    <a:bodyPr/>
+                    <a:lstStyle/>
+                    <a:p>
+                      <a:endParaRPr lang="en-US" sz="800" dirty="0"/>
+                    </a:p>
+                  </a:txBody>
+                  <a:tcPr marT="0" marB="0" anchor="ctr"/>
                 </a:tc>
                 <a:extLst>
                   <a:ext uri="{0D108BD9-81ED-4DB2-BD59-A6C34878D82A}">
@@ -11577,78 +11639,66 @@
                   </a:ext>
                 </a:extLst>
               </a:tr>
-              <a:tr h="370840">
-                <a:tc>
-                  <a:txBody>
-                    <a:bodyPr/>
-                    <a:lstStyle/>
-                    <a:p>
-                      <a:endParaRPr lang="en-US" sz="1100"/>
-                    </a:p>
-                  </a:txBody>
-                  <a:tcPr/>
-                </a:tc>
-                <a:tc>
-                  <a:txBody>
-                    <a:bodyPr/>
-                    <a:lstStyle/>
-                    <a:p>
-                      <a:r>
-                        <a:rPr lang="en-US" sz="1100" dirty="0"/>
-                        <a:t>1500</a:t>
-                      </a:r>
-                    </a:p>
-                  </a:txBody>
-                  <a:tcPr/>
-                </a:tc>
-                <a:tc>
-                  <a:txBody>
-                    <a:bodyPr/>
-                    <a:lstStyle/>
-                    <a:p>
-                      <a:r>
-                        <a:rPr lang="en-US" sz="1100" dirty="0"/>
-                        <a:t>10</a:t>
-                      </a:r>
-                    </a:p>
-                  </a:txBody>
-                  <a:tcPr/>
-                </a:tc>
-                <a:tc>
-                  <a:txBody>
-                    <a:bodyPr/>
-                    <a:lstStyle/>
-                    <a:p>
-                      <a:r>
-                        <a:rPr lang="en-US" sz="1100" dirty="0"/>
-                        <a:t>500</a:t>
-                      </a:r>
-                    </a:p>
-                  </a:txBody>
-                  <a:tcPr/>
-                </a:tc>
-                <a:tc>
-                  <a:txBody>
-                    <a:bodyPr/>
-                    <a:lstStyle/>
-                    <a:p>
-                      <a:r>
-                        <a:rPr lang="en-US" sz="1100" dirty="0"/>
-                        <a:t>10</a:t>
-                      </a:r>
-                    </a:p>
-                  </a:txBody>
-                  <a:tcPr/>
-                </a:tc>
-                <a:tc>
-                  <a:txBody>
-                    <a:bodyPr/>
-                    <a:lstStyle/>
-                    <a:p>
-                      <a:endParaRPr lang="en-US" sz="1100" dirty="0"/>
-                    </a:p>
-                  </a:txBody>
-                  <a:tcPr/>
+              <a:tr h="281261">
+                <a:tc>
+                  <a:txBody>
+                    <a:bodyPr/>
+                    <a:lstStyle/>
+                    <a:p>
+                      <a:endParaRPr lang="en-US" sz="800" dirty="0"/>
+                    </a:p>
+                  </a:txBody>
+                  <a:tcPr marT="0" marB="0" anchor="ctr"/>
+                </a:tc>
+                <a:tc>
+                  <a:txBody>
+                    <a:bodyPr/>
+                    <a:lstStyle/>
+                    <a:p>
+                      <a:endParaRPr lang="en-US" sz="800" dirty="0"/>
+                    </a:p>
+                  </a:txBody>
+                  <a:tcPr marT="0" marB="0" anchor="ctr"/>
+                </a:tc>
+                <a:tc>
+                  <a:txBody>
+                    <a:bodyPr/>
+                    <a:lstStyle/>
+                    <a:p>
+                      <a:endParaRPr lang="en-US" sz="800" dirty="0"/>
+                    </a:p>
+                  </a:txBody>
+                  <a:tcPr marT="0" marB="0" anchor="ctr"/>
+                </a:tc>
+                <a:tc>
+                  <a:txBody>
+                    <a:bodyPr/>
+                    <a:lstStyle/>
+                    <a:p>
+                      <a:endParaRPr lang="en-US" sz="800" dirty="0"/>
+                    </a:p>
+                  </a:txBody>
+                  <a:tcPr marT="0" marB="0" anchor="ctr"/>
+                </a:tc>
+                <a:tc>
+                  <a:txBody>
+                    <a:bodyPr/>
+                    <a:lstStyle/>
+                    <a:p>
+                      <a:endParaRPr lang="en-US" sz="800" dirty="0"/>
+                    </a:p>
+                  </a:txBody>
+                  <a:tcPr marT="0" marB="0" anchor="ctr"/>
+                </a:tc>
+                <a:tc>
+                  <a:txBody>
+                    <a:bodyPr/>
+                    <a:lstStyle/>
+                    <a:p>
+                      <a:endParaRPr lang="en-US" sz="800" dirty="0"/>
+                    </a:p>
+                  </a:txBody>
+                  <a:tcPr marT="0" marB="0" anchor="ctr"/>
                 </a:tc>
                 <a:extLst>
                   <a:ext uri="{0D108BD9-81ED-4DB2-BD59-A6C34878D82A}">
@@ -11656,78 +11706,106 @@
                   </a:ext>
                 </a:extLst>
               </a:tr>
-              <a:tr h="370840">
-                <a:tc>
-                  <a:txBody>
-                    <a:bodyPr/>
-                    <a:lstStyle/>
-                    <a:p>
-                      <a:endParaRPr lang="en-US" sz="1100" dirty="0"/>
-                    </a:p>
-                  </a:txBody>
-                  <a:tcPr/>
-                </a:tc>
-                <a:tc>
-                  <a:txBody>
-                    <a:bodyPr/>
-                    <a:lstStyle/>
-                    <a:p>
-                      <a:r>
-                        <a:rPr lang="en-US" sz="1100" dirty="0"/>
-                        <a:t>1500</a:t>
-                      </a:r>
-                    </a:p>
-                  </a:txBody>
-                  <a:tcPr/>
-                </a:tc>
-                <a:tc>
-                  <a:txBody>
-                    <a:bodyPr/>
-                    <a:lstStyle/>
-                    <a:p>
-                      <a:r>
-                        <a:rPr lang="en-US" sz="1100" dirty="0"/>
-                        <a:t>10</a:t>
-                      </a:r>
-                    </a:p>
-                  </a:txBody>
-                  <a:tcPr/>
-                </a:tc>
-                <a:tc>
-                  <a:txBody>
-                    <a:bodyPr/>
-                    <a:lstStyle/>
-                    <a:p>
-                      <a:r>
-                        <a:rPr lang="en-US" sz="1100" dirty="0"/>
-                        <a:t>300</a:t>
-                      </a:r>
-                    </a:p>
-                  </a:txBody>
-                  <a:tcPr/>
-                </a:tc>
-                <a:tc>
-                  <a:txBody>
-                    <a:bodyPr/>
-                    <a:lstStyle/>
-                    <a:p>
-                      <a:r>
-                        <a:rPr lang="en-US" sz="1100" dirty="0"/>
-                        <a:t>10</a:t>
-                      </a:r>
-                    </a:p>
-                  </a:txBody>
-                  <a:tcPr/>
-                </a:tc>
-                <a:tc>
-                  <a:txBody>
-                    <a:bodyPr/>
-                    <a:lstStyle/>
-                    <a:p>
-                      <a:endParaRPr lang="en-US" sz="1100" dirty="0"/>
-                    </a:p>
-                  </a:txBody>
-                  <a:tcPr/>
+              <a:tr h="281261">
+                <a:tc>
+                  <a:txBody>
+                    <a:bodyPr/>
+                    <a:lstStyle/>
+                    <a:p>
+                      <a:endParaRPr lang="en-US" sz="800" dirty="0"/>
+                    </a:p>
+                  </a:txBody>
+                  <a:tcPr marT="0" marB="0" anchor="ctr"/>
+                </a:tc>
+                <a:tc>
+                  <a:txBody>
+                    <a:bodyPr/>
+                    <a:lstStyle/>
+                    <a:p>
+                      <a:r>
+                        <a:rPr lang="en-US" sz="800" dirty="0"/>
+                        <a:t>1000</a:t>
+                      </a:r>
+                    </a:p>
+                  </a:txBody>
+                  <a:tcPr marT="0" marB="0" anchor="ctr"/>
+                </a:tc>
+                <a:tc>
+                  <a:txBody>
+                    <a:bodyPr/>
+                    <a:lstStyle/>
+                    <a:p>
+                      <a:r>
+                        <a:rPr lang="en-US" sz="800" dirty="0"/>
+                        <a:t>100</a:t>
+                      </a:r>
+                    </a:p>
+                  </a:txBody>
+                  <a:tcPr marT="0" marB="0" anchor="ctr"/>
+                </a:tc>
+                <a:tc>
+                  <a:txBody>
+                    <a:bodyPr/>
+                    <a:lstStyle/>
+                    <a:p>
+                      <a:r>
+                        <a:rPr lang="en-US" sz="800" dirty="0"/>
+                        <a:t>1100</a:t>
+                      </a:r>
+                    </a:p>
+                  </a:txBody>
+                  <a:tcPr marT="0" marB="0" anchor="ctr"/>
+                </a:tc>
+                <a:tc>
+                  <a:txBody>
+                    <a:bodyPr/>
+                    <a:lstStyle/>
+                    <a:p>
+                      <a:r>
+                        <a:rPr lang="en-US" sz="800" dirty="0"/>
+                        <a:t>100</a:t>
+                      </a:r>
+                    </a:p>
+                  </a:txBody>
+                  <a:tcPr marT="0" marB="0" anchor="ctr"/>
+                </a:tc>
+                <a:tc>
+                  <a:txBody>
+                    <a:bodyPr/>
+                    <a:lstStyle/>
+                    <a:p>
+                      <a:pPr marL="0" marR="0" lvl="0" indent="0" algn="l" defTabSz="914400" rtl="0" eaLnBrk="1" fontAlgn="auto" latinLnBrk="0" hangingPunct="1">
+                        <a:lnSpc>
+                          <a:spcPct val="100000"/>
+                        </a:lnSpc>
+                        <a:spcBef>
+                          <a:spcPts val="0"/>
+                        </a:spcBef>
+                        <a:spcAft>
+                          <a:spcPts val="0"/>
+                        </a:spcAft>
+                        <a:buClrTx/>
+                        <a:buSzTx/>
+                        <a:buFontTx/>
+                        <a:buNone/>
+                        <a:tabLst/>
+                        <a:defRPr/>
+                      </a:pPr>
+                      <a:r>
+                        <a:rPr lang="en-US" sz="800" dirty="0"/>
+                        <a:t>Outstanding packets (1, 2), </a:t>
+                      </a:r>
+                      <a:r>
+                        <a:rPr lang="en-US" sz="800" dirty="0" err="1"/>
+                        <a:t>rtt</a:t>
+                      </a:r>
+                      <a:r>
+                        <a:rPr lang="en-US" sz="800" dirty="0"/>
+                        <a:t>(2, 2.5), queue (2, 3)</a:t>
+                      </a:r>
+                    </a:p>
+                  </a:txBody>
+                  <a:tcPr marT="0" marB="0" anchor="ctr"/>
                 </a:tc>
                 <a:extLst>
                   <a:ext uri="{0D108BD9-81ED-4DB2-BD59-A6C34878D82A}">
@@ -11735,78 +11813,95 @@
                   </a:ext>
                 </a:extLst>
               </a:tr>
-              <a:tr h="370840">
-                <a:tc>
-                  <a:txBody>
-                    <a:bodyPr/>
-                    <a:lstStyle/>
-                    <a:p>
+              <a:tr h="281261">
+                <a:tc>
+                  <a:txBody>
+                    <a:bodyPr/>
+                    <a:lstStyle/>
+                    <a:p>
+                      <a:endParaRPr lang="en-US" sz="400" dirty="0"/>
+                    </a:p>
+                  </a:txBody>
+                  <a:tcPr marT="0" marB="0" anchor="ctr"/>
+                </a:tc>
+                <a:tc>
+                  <a:txBody>
+                    <a:bodyPr/>
+                    <a:lstStyle/>
+                    <a:p>
+                      <a:r>
+                        <a:rPr lang="en-US" sz="800" dirty="0"/>
+                        <a:t>500</a:t>
+                      </a:r>
+                    </a:p>
+                  </a:txBody>
+                  <a:tcPr marT="0" marB="0" anchor="ctr"/>
+                </a:tc>
+                <a:tc>
+                  <a:txBody>
+                    <a:bodyPr/>
+                    <a:lstStyle/>
+                    <a:p>
+                      <a:r>
+                        <a:rPr lang="en-US" sz="800" dirty="0"/>
+                        <a:t>100</a:t>
+                      </a:r>
+                    </a:p>
+                  </a:txBody>
+                  <a:tcPr marT="0" marB="0" anchor="ctr"/>
+                </a:tc>
+                <a:tc>
+                  <a:txBody>
+                    <a:bodyPr/>
+                    <a:lstStyle/>
+                    <a:p>
+                      <a:r>
+                        <a:rPr lang="en-US" sz="800" dirty="0"/>
+                        <a:t>1500</a:t>
+                      </a:r>
+                    </a:p>
+                  </a:txBody>
+                  <a:tcPr marT="0" marB="0" anchor="ctr"/>
+                </a:tc>
+                <a:tc>
+                  <a:txBody>
+                    <a:bodyPr/>
+                    <a:lstStyle/>
+                    <a:p>
+                      <a:r>
+                        <a:rPr lang="en-US" sz="800" dirty="0"/>
+                        <a:t>100</a:t>
+                      </a:r>
+                    </a:p>
+                  </a:txBody>
+                  <a:tcPr marT="0" marB="0" anchor="ctr"/>
+                </a:tc>
+                <a:tc>
+                  <a:txBody>
+                    <a:bodyPr/>
+                    <a:lstStyle/>
+                    <a:p>
+                      <a:pPr marL="0" marR="0" lvl="0" indent="0" algn="l" defTabSz="914400" rtl="0" eaLnBrk="1" fontAlgn="auto" latinLnBrk="0" hangingPunct="1">
+                        <a:lnSpc>
+                          <a:spcPct val="100000"/>
+                        </a:lnSpc>
+                        <a:spcBef>
+                          <a:spcPts val="0"/>
+                        </a:spcBef>
+                        <a:spcAft>
+                          <a:spcPts val="0"/>
+                        </a:spcAft>
+                        <a:buClrTx/>
+                        <a:buSzTx/>
+                        <a:buFontTx/>
+                        <a:buNone/>
+                        <a:tabLst/>
+                        <a:defRPr/>
+                      </a:pPr>
                       <a:endParaRPr lang="en-US" sz="800" dirty="0"/>
                     </a:p>
                   </a:txBody>
-                  <a:tcPr/>
-                </a:tc>
-                <a:tc>
-                  <a:txBody>
-                    <a:bodyPr/>
-                    <a:lstStyle/>
-                    <a:p>
-                      <a:r>
-                        <a:rPr lang="en-US" sz="1100" dirty="0"/>
-                        <a:t>500</a:t>
-                      </a:r>
-                    </a:p>
-                  </a:txBody>
-                  <a:tcPr/>
-                </a:tc>
-                <a:tc>
-                  <a:txBody>
-                    <a:bodyPr/>
-                    <a:lstStyle/>
-                    <a:p>
-                      <a:r>
-                        <a:rPr lang="en-US" sz="1100" dirty="0"/>
-                        <a:t>100</a:t>
-                      </a:r>
-                    </a:p>
-                  </a:txBody>
-                  <a:tcPr/>
-                </a:tc>
-                <a:tc>
-                  <a:txBody>
-                    <a:bodyPr/>
-                    <a:lstStyle/>
-                    <a:p>
-                      <a:r>
-                        <a:rPr lang="en-US" sz="1100" dirty="0"/>
-                        <a:t>1500</a:t>
-                      </a:r>
-                    </a:p>
-                  </a:txBody>
-                  <a:tcPr/>
-                </a:tc>
-                <a:tc>
-                  <a:txBody>
-                    <a:bodyPr/>
-                    <a:lstStyle/>
-                    <a:p>
-                      <a:r>
-                        <a:rPr lang="en-US" sz="1100" dirty="0"/>
-                        <a:t>100</a:t>
-                      </a:r>
-                    </a:p>
-                  </a:txBody>
-                  <a:tcPr/>
-                </a:tc>
-                <a:tc>
-                  <a:txBody>
-                    <a:bodyPr/>
-                    <a:lstStyle/>
-                    <a:p>
-                      <a:endParaRPr lang="en-US" sz="1100" dirty="0"/>
-                    </a:p>
-                  </a:txBody>
-                  <a:tcPr/>
+                  <a:tcPr marT="0" marB="0" anchor="ctr"/>
                 </a:tc>
                 <a:extLst>
                   <a:ext uri="{0D108BD9-81ED-4DB2-BD59-A6C34878D82A}">
@@ -11814,7 +11909,69 @@
                   </a:ext>
                 </a:extLst>
               </a:tr>
-              <a:tr h="370840">
+              <a:tr h="281261">
+                <a:tc>
+                  <a:txBody>
+                    <a:bodyPr/>
+                    <a:lstStyle/>
+                    <a:p>
+                      <a:endParaRPr lang="en-US" sz="400" dirty="0"/>
+                    </a:p>
+                  </a:txBody>
+                  <a:tcPr marT="0" marB="0" anchor="ctr"/>
+                </a:tc>
+                <a:tc>
+                  <a:txBody>
+                    <a:bodyPr/>
+                    <a:lstStyle/>
+                    <a:p>
+                      <a:r>
+                        <a:rPr lang="en-US" sz="800" dirty="0"/>
+                        <a:t>500</a:t>
+                      </a:r>
+                    </a:p>
+                  </a:txBody>
+                  <a:tcPr marT="0" marB="0" anchor="ctr"/>
+                </a:tc>
+                <a:tc>
+                  <a:txBody>
+                    <a:bodyPr/>
+                    <a:lstStyle/>
+                    <a:p>
+                      <a:r>
+                        <a:rPr lang="en-US" sz="800" dirty="0"/>
+                        <a:t>100</a:t>
+                      </a:r>
+                    </a:p>
+                  </a:txBody>
+                  <a:tcPr marT="0" marB="0" anchor="ctr"/>
+                </a:tc>
+                <a:tc>
+                  <a:txBody>
+                    <a:bodyPr/>
+                    <a:lstStyle/>
+                    <a:p>
+                      <a:r>
+                        <a:rPr lang="en-US" sz="800" dirty="0"/>
+                        <a:t>1000</a:t>
+                      </a:r>
+                    </a:p>
+                  </a:txBody>
+                  <a:tcPr marT="0" marB="0" anchor="ctr"/>
+                </a:tc>
+                <a:tc>
+                  <a:txBody>
+                    <a:bodyPr/>
+                    <a:lstStyle/>
+                    <a:p>
+                      <a:r>
+                        <a:rPr lang="en-US" sz="800" dirty="0"/>
+                        <a:t>100</a:t>
+                      </a:r>
+                    </a:p>
+                  </a:txBody>
+                  <a:tcPr marT="0" marB="0" anchor="ctr"/>
+                </a:tc>
                 <a:tc>
                   <a:txBody>
                     <a:bodyPr/>
@@ -11823,69 +11980,7 @@
                       <a:endParaRPr lang="en-US" sz="800" dirty="0"/>
                     </a:p>
                   </a:txBody>
-                  <a:tcPr/>
-                </a:tc>
-                <a:tc>
-                  <a:txBody>
-                    <a:bodyPr/>
-                    <a:lstStyle/>
-                    <a:p>
-                      <a:r>
-                        <a:rPr lang="en-US" sz="1100" dirty="0"/>
-                        <a:t>500</a:t>
-                      </a:r>
-                    </a:p>
-                  </a:txBody>
-                  <a:tcPr/>
-                </a:tc>
-                <a:tc>
-                  <a:txBody>
-                    <a:bodyPr/>
-                    <a:lstStyle/>
-                    <a:p>
-                      <a:r>
-                        <a:rPr lang="en-US" sz="1100" dirty="0"/>
-                        <a:t>100</a:t>
-                      </a:r>
-                    </a:p>
-                  </a:txBody>
-                  <a:tcPr/>
-                </a:tc>
-                <a:tc>
-                  <a:txBody>
-                    <a:bodyPr/>
-                    <a:lstStyle/>
-                    <a:p>
-                      <a:r>
-                        <a:rPr lang="en-US" sz="1100" dirty="0"/>
-                        <a:t>1000</a:t>
-                      </a:r>
-                    </a:p>
-                  </a:txBody>
-                  <a:tcPr/>
-                </a:tc>
-                <a:tc>
-                  <a:txBody>
-                    <a:bodyPr/>
-                    <a:lstStyle/>
-                    <a:p>
-                      <a:r>
-                        <a:rPr lang="en-US" sz="1100" dirty="0"/>
-                        <a:t>100</a:t>
-                      </a:r>
-                    </a:p>
-                  </a:txBody>
-                  <a:tcPr/>
-                </a:tc>
-                <a:tc>
-                  <a:txBody>
-                    <a:bodyPr/>
-                    <a:lstStyle/>
-                    <a:p>
-                      <a:endParaRPr lang="en-US" sz="1100" dirty="0"/>
-                    </a:p>
-                  </a:txBody>
-                  <a:tcPr/>
+                  <a:tcPr marT="0" marB="0" anchor="ctr"/>
                 </a:tc>
                 <a:extLst>
                   <a:ext uri="{0D108BD9-81ED-4DB2-BD59-A6C34878D82A}">
@@ -11893,78 +11988,99 @@
                   </a:ext>
                 </a:extLst>
               </a:tr>
-              <a:tr h="370840">
-                <a:tc>
-                  <a:txBody>
-                    <a:bodyPr/>
-                    <a:lstStyle/>
-                    <a:p>
-                      <a:endParaRPr lang="en-US" sz="800" dirty="0"/>
-                    </a:p>
-                  </a:txBody>
-                  <a:tcPr/>
-                </a:tc>
-                <a:tc>
-                  <a:txBody>
-                    <a:bodyPr/>
-                    <a:lstStyle/>
-                    <a:p>
-                      <a:r>
-                        <a:rPr lang="en-US" sz="1100" dirty="0"/>
+              <a:tr h="281261">
+                <a:tc>
+                  <a:txBody>
+                    <a:bodyPr/>
+                    <a:lstStyle/>
+                    <a:p>
+                      <a:endParaRPr lang="en-US" sz="400" dirty="0"/>
+                    </a:p>
+                  </a:txBody>
+                  <a:tcPr marT="0" marB="0" anchor="ctr"/>
+                </a:tc>
+                <a:tc>
+                  <a:txBody>
+                    <a:bodyPr/>
+                    <a:lstStyle/>
+                    <a:p>
+                      <a:r>
+                        <a:rPr lang="en-US" sz="800" dirty="0"/>
                         <a:t>500</a:t>
                       </a:r>
                     </a:p>
                   </a:txBody>
-                  <a:tcPr/>
-                </a:tc>
-                <a:tc>
-                  <a:txBody>
-                    <a:bodyPr/>
-                    <a:lstStyle/>
-                    <a:p>
-                      <a:r>
-                        <a:rPr lang="en-US" sz="1100" dirty="0"/>
+                  <a:tcPr marT="0" marB="0" anchor="ctr"/>
+                </a:tc>
+                <a:tc>
+                  <a:txBody>
+                    <a:bodyPr/>
+                    <a:lstStyle/>
+                    <a:p>
+                      <a:r>
+                        <a:rPr lang="en-US" sz="800" dirty="0"/>
                         <a:t>100</a:t>
                       </a:r>
                     </a:p>
                   </a:txBody>
-                  <a:tcPr/>
-                </a:tc>
-                <a:tc>
-                  <a:txBody>
-                    <a:bodyPr/>
-                    <a:lstStyle/>
-                    <a:p>
-                      <a:r>
-                        <a:rPr lang="en-US" sz="1100" dirty="0"/>
+                  <a:tcPr marT="0" marB="0" anchor="ctr"/>
+                </a:tc>
+                <a:tc>
+                  <a:txBody>
+                    <a:bodyPr/>
+                    <a:lstStyle/>
+                    <a:p>
+                      <a:r>
+                        <a:rPr lang="en-US" sz="800" dirty="0"/>
                         <a:t>2500</a:t>
                       </a:r>
                     </a:p>
                   </a:txBody>
-                  <a:tcPr/>
-                </a:tc>
-                <a:tc>
-                  <a:txBody>
-                    <a:bodyPr/>
-                    <a:lstStyle/>
-                    <a:p>
-                      <a:r>
-                        <a:rPr lang="en-US" sz="1100" dirty="0"/>
+                  <a:tcPr marT="0" marB="0" anchor="ctr"/>
+                </a:tc>
+                <a:tc>
+                  <a:txBody>
+                    <a:bodyPr/>
+                    <a:lstStyle/>
+                    <a:p>
+                      <a:r>
+                        <a:rPr lang="en-US" sz="800" dirty="0"/>
                         <a:t>100</a:t>
                       </a:r>
                     </a:p>
                   </a:txBody>
-                  <a:tcPr/>
-                </a:tc>
-                <a:tc>
-                  <a:txBody>
-                    <a:bodyPr/>
-                    <a:lstStyle/>
-                    <a:p>
-                      <a:endParaRPr lang="en-US" sz="1100" dirty="0"/>
-                    </a:p>
-                  </a:txBody>
-                  <a:tcPr/>
+                  <a:tcPr marT="0" marB="0" anchor="ctr"/>
+                </a:tc>
+                <a:tc>
+                  <a:txBody>
+                    <a:bodyPr/>
+                    <a:lstStyle/>
+                    <a:p>
+                      <a:pPr marL="0" marR="0" lvl="0" indent="0" algn="l" defTabSz="914400" rtl="0" eaLnBrk="1" fontAlgn="auto" latinLnBrk="0" hangingPunct="1">
+                        <a:lnSpc>
+                          <a:spcPct val="100000"/>
+                        </a:lnSpc>
+                        <a:spcBef>
+                          <a:spcPts val="0"/>
+                        </a:spcBef>
+                        <a:spcAft>
+                          <a:spcPts val="0"/>
+                        </a:spcAft>
+                        <a:buClrTx/>
+                        <a:buSzTx/>
+                        <a:buFontTx/>
+                        <a:buNone/>
+                        <a:tabLst/>
+                        <a:defRPr/>
+                      </a:pPr>
+                      <a:endParaRPr lang="en-US" sz="800" dirty="0">
+                        <a:solidFill>
+                          <a:srgbClr val="FF0000"/>
+                        </a:solidFill>
+                      </a:endParaRPr>
+                    </a:p>
+                  </a:txBody>
+                  <a:tcPr marT="0" marB="0" anchor="ctr"/>
                 </a:tc>
                 <a:extLst>
                   <a:ext uri="{0D108BD9-81ED-4DB2-BD59-A6C34878D82A}">
@@ -12011,6 +12127,341 @@
           <p:cNvPr id="2" name="Title 1">
             <a:extLst>
               <a:ext uri="{FF2B5EF4-FFF2-40B4-BE49-F238E27FC236}">
+                <a16:creationId xmlns:a16="http://schemas.microsoft.com/office/drawing/2014/main" id="{CB0AED28-C525-41DD-99AC-8AE33FB72F50}"/>
+              </a:ext>
+            </a:extLst>
+          </p:cNvPr>
+          <p:cNvSpPr>
+            <a:spLocks noGrp="1"/>
+          </p:cNvSpPr>
+          <p:nvPr>
+            <p:ph type="title"/>
+          </p:nvPr>
+        </p:nvSpPr>
+        <p:spPr/>
+        <p:txBody>
+          <a:bodyPr/>
+          <a:lstStyle/>
+          <a:p>
+            <a:r>
+              <a:rPr lang="en-US" dirty="0"/>
+              <a:t>Impact of exploration when power increases. (long network)</a:t>
+            </a:r>
+          </a:p>
+        </p:txBody>
+      </p:sp>
+    </p:spTree>
+    <p:extLst>
+      <p:ext uri="{BB962C8B-B14F-4D97-AF65-F5344CB8AC3E}">
+        <p14:creationId xmlns:p14="http://schemas.microsoft.com/office/powerpoint/2010/main" val="2201309930"/>
+      </p:ext>
+    </p:extLst>
+  </p:cSld>
+  <p:clrMapOvr>
+    <a:masterClrMapping/>
+  </p:clrMapOvr>
+</p:sld>
+</file>
+
+<file path=ppt/slides/slide27.xml><?xml version="1.0" encoding="utf-8"?>
+<p:sld xmlns:a="http://schemas.openxmlformats.org/drawingml/2006/main" xmlns:r="http://schemas.openxmlformats.org/officeDocument/2006/relationships" xmlns:p="http://schemas.openxmlformats.org/presentationml/2006/main">
+  <p:cSld>
+    <p:spTree>
+      <p:nvGrpSpPr>
+        <p:cNvPr id="1" name=""/>
+        <p:cNvGrpSpPr/>
+        <p:nvPr/>
+      </p:nvGrpSpPr>
+      <p:grpSpPr>
+        <a:xfrm>
+          <a:off x="0" y="0"/>
+          <a:ext cx="0" cy="0"/>
+          <a:chOff x="0" y="0"/>
+          <a:chExt cx="0" cy="0"/>
+        </a:xfrm>
+      </p:grpSpPr>
+      <p:sp>
+        <p:nvSpPr>
+          <p:cNvPr id="2" name="Title 1">
+            <a:extLst>
+              <a:ext uri="{FF2B5EF4-FFF2-40B4-BE49-F238E27FC236}">
+                <a16:creationId xmlns:a16="http://schemas.microsoft.com/office/drawing/2014/main" id="{154D3611-C458-4C72-977D-E381CEA25715}"/>
+              </a:ext>
+            </a:extLst>
+          </p:cNvPr>
+          <p:cNvSpPr>
+            <a:spLocks noGrp="1"/>
+          </p:cNvSpPr>
+          <p:nvPr>
+            <p:ph type="title"/>
+          </p:nvPr>
+        </p:nvSpPr>
+        <p:spPr/>
+        <p:txBody>
+          <a:bodyPr/>
+          <a:lstStyle/>
+          <a:p>
+            <a:r>
+              <a:rPr lang="en-US" dirty="0"/>
+              <a:t>Impact of exploration when </a:t>
+            </a:r>
+            <a:r>
+              <a:rPr lang="en-US"/>
+              <a:t>power increases.</a:t>
+            </a:r>
+            <a:endParaRPr lang="en-US" dirty="0"/>
+          </a:p>
+        </p:txBody>
+      </p:sp>
+      <p:pic>
+        <p:nvPicPr>
+          <p:cNvPr id="4" name="Picture 3">
+            <a:extLst>
+              <a:ext uri="{FF2B5EF4-FFF2-40B4-BE49-F238E27FC236}">
+                <a16:creationId xmlns:a16="http://schemas.microsoft.com/office/drawing/2014/main" id="{AFA644BC-4830-4CA7-A35B-41515E9C46CF}"/>
+              </a:ext>
+            </a:extLst>
+          </p:cNvPr>
+          <p:cNvPicPr>
+            <a:picLocks noChangeAspect="1"/>
+          </p:cNvPicPr>
+          <p:nvPr/>
+        </p:nvPicPr>
+        <p:blipFill>
+          <a:blip r:embed="rId2">
+            <a:extLst>
+              <a:ext uri="{28A0092B-C50C-407E-A947-70E740481C1C}">
+                <a14:useLocalDpi xmlns:a14="http://schemas.microsoft.com/office/drawing/2010/main" val="0"/>
+              </a:ext>
+            </a:extLst>
+          </a:blip>
+          <a:stretch>
+            <a:fillRect/>
+          </a:stretch>
+        </p:blipFill>
+        <p:spPr>
+          <a:xfrm>
+            <a:off x="707923" y="1690688"/>
+            <a:ext cx="4821827" cy="1797943"/>
+          </a:xfrm>
+          <a:prstGeom prst="rect">
+            <a:avLst/>
+          </a:prstGeom>
+        </p:spPr>
+      </p:pic>
+      <p:pic>
+        <p:nvPicPr>
+          <p:cNvPr id="7" name="Picture 6">
+            <a:extLst>
+              <a:ext uri="{FF2B5EF4-FFF2-40B4-BE49-F238E27FC236}">
+                <a16:creationId xmlns:a16="http://schemas.microsoft.com/office/drawing/2014/main" id="{3727A640-528D-462C-AD8C-1258CB118D3C}"/>
+              </a:ext>
+            </a:extLst>
+          </p:cNvPr>
+          <p:cNvPicPr>
+            <a:picLocks noChangeAspect="1"/>
+          </p:cNvPicPr>
+          <p:nvPr/>
+        </p:nvPicPr>
+        <p:blipFill>
+          <a:blip r:embed="rId3">
+            <a:extLst>
+              <a:ext uri="{28A0092B-C50C-407E-A947-70E740481C1C}">
+                <a14:useLocalDpi xmlns:a14="http://schemas.microsoft.com/office/drawing/2010/main" val="0"/>
+              </a:ext>
+            </a:extLst>
+          </a:blip>
+          <a:stretch>
+            <a:fillRect/>
+          </a:stretch>
+        </p:blipFill>
+        <p:spPr>
+          <a:xfrm>
+            <a:off x="5529750" y="1476424"/>
+            <a:ext cx="5516496" cy="2075832"/>
+          </a:xfrm>
+          <a:prstGeom prst="rect">
+            <a:avLst/>
+          </a:prstGeom>
+        </p:spPr>
+      </p:pic>
+      <p:pic>
+        <p:nvPicPr>
+          <p:cNvPr id="9" name="Picture 8">
+            <a:extLst>
+              <a:ext uri="{FF2B5EF4-FFF2-40B4-BE49-F238E27FC236}">
+                <a16:creationId xmlns:a16="http://schemas.microsoft.com/office/drawing/2014/main" id="{1DAE02C0-0EA3-40FA-BB70-FF9E52425FE7}"/>
+              </a:ext>
+            </a:extLst>
+          </p:cNvPr>
+          <p:cNvPicPr>
+            <a:picLocks noChangeAspect="1"/>
+          </p:cNvPicPr>
+          <p:nvPr/>
+        </p:nvPicPr>
+        <p:blipFill>
+          <a:blip r:embed="rId4">
+            <a:extLst>
+              <a:ext uri="{28A0092B-C50C-407E-A947-70E740481C1C}">
+                <a14:useLocalDpi xmlns:a14="http://schemas.microsoft.com/office/drawing/2010/main" val="0"/>
+              </a:ext>
+            </a:extLst>
+          </a:blip>
+          <a:stretch>
+            <a:fillRect/>
+          </a:stretch>
+        </p:blipFill>
+        <p:spPr>
+          <a:xfrm>
+            <a:off x="5622454" y="3891999"/>
+            <a:ext cx="5552609" cy="2087420"/>
+          </a:xfrm>
+          <a:prstGeom prst="rect">
+            <a:avLst/>
+          </a:prstGeom>
+        </p:spPr>
+      </p:pic>
+      <p:pic>
+        <p:nvPicPr>
+          <p:cNvPr id="11" name="Picture 10">
+            <a:extLst>
+              <a:ext uri="{FF2B5EF4-FFF2-40B4-BE49-F238E27FC236}">
+                <a16:creationId xmlns:a16="http://schemas.microsoft.com/office/drawing/2014/main" id="{CC273190-C841-4DB7-B4EA-81512F226815}"/>
+              </a:ext>
+            </a:extLst>
+          </p:cNvPr>
+          <p:cNvPicPr>
+            <a:picLocks noChangeAspect="1"/>
+          </p:cNvPicPr>
+          <p:nvPr/>
+        </p:nvPicPr>
+        <p:blipFill>
+          <a:blip r:embed="rId5">
+            <a:extLst>
+              <a:ext uri="{28A0092B-C50C-407E-A947-70E740481C1C}">
+                <a14:useLocalDpi xmlns:a14="http://schemas.microsoft.com/office/drawing/2010/main" val="0"/>
+              </a:ext>
+            </a:extLst>
+          </a:blip>
+          <a:stretch>
+            <a:fillRect/>
+          </a:stretch>
+        </p:blipFill>
+        <p:spPr>
+          <a:xfrm>
+            <a:off x="209964" y="3935713"/>
+            <a:ext cx="5412490" cy="2043706"/>
+          </a:xfrm>
+          <a:prstGeom prst="rect">
+            <a:avLst/>
+          </a:prstGeom>
+        </p:spPr>
+      </p:pic>
+      <p:sp>
+        <p:nvSpPr>
+          <p:cNvPr id="12" name="TextBox 11">
+            <a:extLst>
+              <a:ext uri="{FF2B5EF4-FFF2-40B4-BE49-F238E27FC236}">
+                <a16:creationId xmlns:a16="http://schemas.microsoft.com/office/drawing/2014/main" id="{DBA69942-71E1-401F-93CA-22532FA5049D}"/>
+              </a:ext>
+            </a:extLst>
+          </p:cNvPr>
+          <p:cNvSpPr txBox="1"/>
+          <p:nvPr/>
+        </p:nvSpPr>
+        <p:spPr>
+          <a:xfrm>
+            <a:off x="893331" y="6131115"/>
+            <a:ext cx="4070555" cy="369332"/>
+          </a:xfrm>
+          <a:prstGeom prst="rect">
+            <a:avLst/>
+          </a:prstGeom>
+          <a:noFill/>
+        </p:spPr>
+        <p:txBody>
+          <a:bodyPr wrap="square" rtlCol="0">
+            <a:spAutoFit/>
+          </a:bodyPr>
+          <a:lstStyle/>
+          <a:p>
+            <a:r>
+              <a:rPr lang="en-US" dirty="0"/>
+              <a:t>No exploration</a:t>
+            </a:r>
+          </a:p>
+        </p:txBody>
+      </p:sp>
+      <p:sp>
+        <p:nvSpPr>
+          <p:cNvPr id="13" name="TextBox 12">
+            <a:extLst>
+              <a:ext uri="{FF2B5EF4-FFF2-40B4-BE49-F238E27FC236}">
+                <a16:creationId xmlns:a16="http://schemas.microsoft.com/office/drawing/2014/main" id="{73F3B6AC-1D51-4936-B195-70F389DD2D92}"/>
+              </a:ext>
+            </a:extLst>
+          </p:cNvPr>
+          <p:cNvSpPr txBox="1"/>
+          <p:nvPr/>
+        </p:nvSpPr>
+        <p:spPr>
+          <a:xfrm>
+            <a:off x="5718862" y="6106534"/>
+            <a:ext cx="4070555" cy="369332"/>
+          </a:xfrm>
+          <a:prstGeom prst="rect">
+            <a:avLst/>
+          </a:prstGeom>
+          <a:noFill/>
+        </p:spPr>
+        <p:txBody>
+          <a:bodyPr wrap="square" rtlCol="0">
+            <a:spAutoFit/>
+          </a:bodyPr>
+          <a:lstStyle/>
+          <a:p>
+            <a:r>
+              <a:rPr lang="en-US" dirty="0"/>
+              <a:t>Exploration : 0.2</a:t>
+            </a:r>
+          </a:p>
+        </p:txBody>
+      </p:sp>
+    </p:spTree>
+    <p:extLst>
+      <p:ext uri="{BB962C8B-B14F-4D97-AF65-F5344CB8AC3E}">
+        <p14:creationId xmlns:p14="http://schemas.microsoft.com/office/powerpoint/2010/main" val="1852905749"/>
+      </p:ext>
+    </p:extLst>
+  </p:cSld>
+  <p:clrMapOvr>
+    <a:masterClrMapping/>
+  </p:clrMapOvr>
+</p:sld>
+</file>
+
+<file path=ppt/slides/slide28.xml><?xml version="1.0" encoding="utf-8"?>
+<p:sld xmlns:a="http://schemas.openxmlformats.org/drawingml/2006/main" xmlns:r="http://schemas.openxmlformats.org/officeDocument/2006/relationships" xmlns:p="http://schemas.openxmlformats.org/presentationml/2006/main">
+  <p:cSld>
+    <p:spTree>
+      <p:nvGrpSpPr>
+        <p:cNvPr id="1" name=""/>
+        <p:cNvGrpSpPr/>
+        <p:nvPr/>
+      </p:nvGrpSpPr>
+      <p:grpSpPr>
+        <a:xfrm>
+          <a:off x="0" y="0"/>
+          <a:ext cx="0" cy="0"/>
+          <a:chOff x="0" y="0"/>
+          <a:chExt cx="0" cy="0"/>
+        </a:xfrm>
+      </p:grpSpPr>
+      <p:sp>
+        <p:nvSpPr>
+          <p:cNvPr id="2" name="Title 1">
+            <a:extLst>
+              <a:ext uri="{FF2B5EF4-FFF2-40B4-BE49-F238E27FC236}">
                 <a16:creationId xmlns:a16="http://schemas.microsoft.com/office/drawing/2014/main" id="{E87555F7-8FBB-41A8-A991-97A5867E58C6}"/>
               </a:ext>
             </a:extLst>
@@ -12055,7 +12506,7 @@
 </p:sld>
 </file>
 
-<file path=ppt/slides/slide27.xml><?xml version="1.0" encoding="utf-8"?>
+<file path=ppt/slides/slide29.xml><?xml version="1.0" encoding="utf-8"?>
 <p:sld xmlns:a="http://schemas.openxmlformats.org/drawingml/2006/main" xmlns:r="http://schemas.openxmlformats.org/officeDocument/2006/relationships" xmlns:p="http://schemas.openxmlformats.org/presentationml/2006/main">
   <p:cSld>
     <p:spTree>
@@ -12200,7 +12651,7 @@
             </a:r>
             <a:r>
               <a:rPr lang="en-US" sz="900" dirty="0"/>
-              <a:t> estimation on P(m+1)</a:t>
+              <a:t> estimation on P(m)</a:t>
             </a:r>
           </a:p>
         </p:txBody>
@@ -12372,8 +12823,8 @@
         </p:nvSpPr>
         <p:spPr>
           <a:xfrm>
-            <a:off x="923109" y="3792583"/>
-            <a:ext cx="4702628" cy="1872343"/>
+            <a:off x="923108" y="3792583"/>
+            <a:ext cx="10041264" cy="1740169"/>
           </a:xfrm>
           <a:prstGeom prst="rect">
             <a:avLst/>
@@ -12402,7 +12853,7 @@
             <a:pPr algn="ctr"/>
             <a:r>
               <a:rPr lang="en-US" dirty="0"/>
-              <a:t>Whenever we change the policy, the impact on </a:t>
+              <a:t>Whenever we update the policy, the impact on </a:t>
             </a:r>
             <a:r>
               <a:rPr lang="en-US" dirty="0" err="1"/>
@@ -12418,7 +12869,7 @@
             </a:r>
             <a:r>
               <a:rPr lang="en-US" dirty="0"/>
-              <a:t> time</a:t>
+              <a:t> times. But there will still be impact of previous queue sizes before the policy updates.</a:t>
             </a:r>
           </a:p>
         </p:txBody>
@@ -12794,7 +13245,147 @@
 </p:sld>
 </file>
 
-<file path=ppt/slides/slide28.xml><?xml version="1.0" encoding="utf-8"?>
+<file path=ppt/slides/slide3.xml><?xml version="1.0" encoding="utf-8"?>
+<p:sld xmlns:a="http://schemas.openxmlformats.org/drawingml/2006/main" xmlns:r="http://schemas.openxmlformats.org/officeDocument/2006/relationships" xmlns:p="http://schemas.openxmlformats.org/presentationml/2006/main">
+  <p:cSld>
+    <p:spTree>
+      <p:nvGrpSpPr>
+        <p:cNvPr id="1" name=""/>
+        <p:cNvGrpSpPr/>
+        <p:nvPr/>
+      </p:nvGrpSpPr>
+      <p:grpSpPr>
+        <a:xfrm>
+          <a:off x="0" y="0"/>
+          <a:ext cx="0" cy="0"/>
+          <a:chOff x="0" y="0"/>
+          <a:chExt cx="0" cy="0"/>
+        </a:xfrm>
+      </p:grpSpPr>
+      <p:sp>
+        <p:nvSpPr>
+          <p:cNvPr id="2" name="Title 1">
+            <a:extLst>
+              <a:ext uri="{FF2B5EF4-FFF2-40B4-BE49-F238E27FC236}">
+                <a16:creationId xmlns:a16="http://schemas.microsoft.com/office/drawing/2014/main" id="{D7A66175-A0AD-4F54-9037-FD8B876ACF52}"/>
+              </a:ext>
+            </a:extLst>
+          </p:cNvPr>
+          <p:cNvSpPr>
+            <a:spLocks noGrp="1"/>
+          </p:cNvSpPr>
+          <p:nvPr>
+            <p:ph type="title"/>
+          </p:nvPr>
+        </p:nvSpPr>
+        <p:spPr/>
+        <p:txBody>
+          <a:bodyPr/>
+          <a:lstStyle/>
+          <a:p>
+            <a:r>
+              <a:rPr lang="en-US" dirty="0"/>
+              <a:t>Simple control system</a:t>
+            </a:r>
+          </a:p>
+        </p:txBody>
+      </p:sp>
+      <p:sp>
+        <p:nvSpPr>
+          <p:cNvPr id="3" name="Content Placeholder 2">
+            <a:extLst>
+              <a:ext uri="{FF2B5EF4-FFF2-40B4-BE49-F238E27FC236}">
+                <a16:creationId xmlns:a16="http://schemas.microsoft.com/office/drawing/2014/main" id="{C2C79370-DC47-4418-8951-637493398ED7}"/>
+              </a:ext>
+            </a:extLst>
+          </p:cNvPr>
+          <p:cNvSpPr>
+            <a:spLocks noGrp="1"/>
+          </p:cNvSpPr>
+          <p:nvPr>
+            <p:ph idx="1"/>
+          </p:nvPr>
+        </p:nvSpPr>
+        <p:spPr/>
+        <p:txBody>
+          <a:bodyPr/>
+          <a:lstStyle/>
+          <a:p>
+            <a:r>
+              <a:rPr lang="en-US" dirty="0"/>
+              <a:t>A learning sender</a:t>
+            </a:r>
+          </a:p>
+          <a:p>
+            <a:r>
+              <a:rPr lang="en-US" dirty="0"/>
+              <a:t>The </a:t>
+            </a:r>
+            <a:r>
+              <a:rPr lang="en-US" dirty="0" err="1"/>
+              <a:t>bbr</a:t>
+            </a:r>
+            <a:r>
+              <a:rPr lang="en-US" dirty="0"/>
+              <a:t> system has </a:t>
+            </a:r>
+            <a:r>
+              <a:rPr lang="en-US" dirty="0" err="1"/>
+              <a:t>adhoc</a:t>
+            </a:r>
+            <a:r>
+              <a:rPr lang="en-US" dirty="0"/>
+              <a:t> assumptions</a:t>
+            </a:r>
+          </a:p>
+          <a:p>
+            <a:r>
+              <a:rPr lang="en-US" dirty="0"/>
+              <a:t>Learn noise</a:t>
+            </a:r>
+          </a:p>
+          <a:p>
+            <a:r>
+              <a:rPr lang="en-US" dirty="0"/>
+              <a:t>Getting a large </a:t>
+            </a:r>
+            <a:r>
+              <a:rPr lang="en-US" dirty="0" err="1"/>
+              <a:t>ttl</a:t>
+            </a:r>
+            <a:r>
+              <a:rPr lang="en-US" dirty="0"/>
+              <a:t> does not reflect network congestion properly</a:t>
+            </a:r>
+          </a:p>
+          <a:p>
+            <a:r>
+              <a:rPr lang="en-US" dirty="0"/>
+              <a:t>Beliefs that can adapt fast. Round trip time bounds given a path.</a:t>
+            </a:r>
+          </a:p>
+          <a:p>
+            <a:r>
+              <a:rPr lang="en-US" dirty="0"/>
+              <a:t>How can we estimate the actual roundtrip time.</a:t>
+            </a:r>
+          </a:p>
+        </p:txBody>
+      </p:sp>
+    </p:spTree>
+    <p:extLst>
+      <p:ext uri="{BB962C8B-B14F-4D97-AF65-F5344CB8AC3E}">
+        <p14:creationId xmlns:p14="http://schemas.microsoft.com/office/powerpoint/2010/main" val="735025012"/>
+      </p:ext>
+    </p:extLst>
+  </p:cSld>
+  <p:clrMapOvr>
+    <a:masterClrMapping/>
+  </p:clrMapOvr>
+</p:sld>
+</file>
+
+<file path=ppt/slides/slide30.xml><?xml version="1.0" encoding="utf-8"?>
 <p:sld xmlns:a="http://schemas.openxmlformats.org/drawingml/2006/main" xmlns:r="http://schemas.openxmlformats.org/officeDocument/2006/relationships" xmlns:p="http://schemas.openxmlformats.org/presentationml/2006/main">
   <p:cSld>
     <p:spTree>
@@ -12941,7 +13532,7 @@
 </p:sld>
 </file>
 
-<file path=ppt/slides/slide29.xml><?xml version="1.0" encoding="utf-8"?>
+<file path=ppt/slides/slide31.xml><?xml version="1.0" encoding="utf-8"?>
 <p:sld xmlns:a="http://schemas.openxmlformats.org/drawingml/2006/main" xmlns:r="http://schemas.openxmlformats.org/officeDocument/2006/relationships" xmlns:p="http://schemas.openxmlformats.org/presentationml/2006/main">
   <p:cSld>
     <p:spTree>
@@ -13023,7 +13614,7 @@
           <a:p>
             <a:r>
               <a:rPr lang="en-US" dirty="0"/>
-              <a:t>RL: state (an MDP on S = (</a:t>
+              <a:t>RL #1: state (an MDP on S = (</a:t>
             </a:r>
             <a:r>
               <a:rPr lang="en-US" dirty="0" err="1"/>
@@ -13045,6 +13636,28 @@
           <a:p>
             <a:r>
               <a:rPr lang="en-US" dirty="0"/>
+              <a:t>RL #2: state (S = (a short history of power, </a:t>
+            </a:r>
+            <a:r>
+              <a:rPr lang="en-US" dirty="0" err="1"/>
+              <a:t>rtt</a:t>
+            </a:r>
+            <a:r>
+              <a:rPr lang="en-US" dirty="0"/>
+              <a:t>, max outstanding, </a:t>
+            </a:r>
+            <a:r>
+              <a:rPr lang="en-US" dirty="0" err="1"/>
+              <a:t>curr</a:t>
+            </a:r>
+            <a:r>
+              <a:rPr lang="en-US" dirty="0"/>
+              <a:t> outstanding) </a:t>
+            </a:r>
+          </a:p>
+          <a:p>
+            <a:r>
+              <a:rPr lang="en-US" dirty="0"/>
               <a:t>Q(</a:t>
             </a:r>
             <a:r>
@@ -13077,6 +13690,31 @@
               <a:rPr lang="en-US" dirty="0"/>
               <a:t>Exploration, e = 0.1 or a function. E can be reset.</a:t>
             </a:r>
+          </a:p>
+          <a:p>
+            <a:r>
+              <a:rPr lang="en-US" dirty="0"/>
+              <a:t>Power trend over several </a:t>
+            </a:r>
+            <a:r>
+              <a:rPr lang="en-US" dirty="0" err="1"/>
+              <a:t>rtts</a:t>
+            </a:r>
+            <a:r>
+              <a:rPr lang="en-US" dirty="0"/>
+              <a:t> (right now 1 </a:t>
+            </a:r>
+            <a:r>
+              <a:rPr lang="en-US" dirty="0" err="1"/>
+              <a:t>rtt</a:t>
+            </a:r>
+            <a:r>
+              <a:rPr lang="en-US" dirty="0"/>
+              <a:t>).</a:t>
+            </a:r>
+          </a:p>
+          <a:p>
+            <a:endParaRPr lang="en-US" dirty="0"/>
           </a:p>
         </p:txBody>
       </p:sp>
@@ -13093,7 +13731,7 @@
 </p:sld>
 </file>
 
-<file path=ppt/slides/slide3.xml><?xml version="1.0" encoding="utf-8"?>
+<file path=ppt/slides/slide32.xml><?xml version="1.0" encoding="utf-8"?>
 <p:sld xmlns:a="http://schemas.openxmlformats.org/drawingml/2006/main" xmlns:r="http://schemas.openxmlformats.org/officeDocument/2006/relationships" xmlns:p="http://schemas.openxmlformats.org/presentationml/2006/main">
   <p:cSld>
     <p:spTree>
@@ -13115,7 +13753,7 @@
           <p:cNvPr id="2" name="Title 1">
             <a:extLst>
               <a:ext uri="{FF2B5EF4-FFF2-40B4-BE49-F238E27FC236}">
-                <a16:creationId xmlns:a16="http://schemas.microsoft.com/office/drawing/2014/main" id="{D7A66175-A0AD-4F54-9037-FD8B876ACF52}"/>
+                <a16:creationId xmlns:a16="http://schemas.microsoft.com/office/drawing/2014/main" id="{D9522911-554A-4D10-87E6-C465F7CB88DF}"/>
               </a:ext>
             </a:extLst>
           </p:cNvPr>
@@ -13131,10 +13769,7 @@
           <a:bodyPr/>
           <a:lstStyle/>
           <a:p>
-            <a:r>
-              <a:rPr lang="en-US" dirty="0"/>
-              <a:t>Simple control system</a:t>
-            </a:r>
+            <a:endParaRPr lang="en-US" dirty="0"/>
           </a:p>
         </p:txBody>
       </p:sp>
@@ -13143,7 +13778,7 @@
           <p:cNvPr id="3" name="Content Placeholder 2">
             <a:extLst>
               <a:ext uri="{FF2B5EF4-FFF2-40B4-BE49-F238E27FC236}">
-                <a16:creationId xmlns:a16="http://schemas.microsoft.com/office/drawing/2014/main" id="{C2C79370-DC47-4418-8951-637493398ED7}"/>
+                <a16:creationId xmlns:a16="http://schemas.microsoft.com/office/drawing/2014/main" id="{C5DEFC28-2CD3-49DB-8E88-867320D6CD37}"/>
               </a:ext>
             </a:extLst>
           </p:cNvPr>
@@ -13161,61 +13796,13 @@
           <a:p>
             <a:r>
               <a:rPr lang="en-US" dirty="0"/>
-              <a:t>A learning sender</a:t>
+              <a:t>Start the node 1</a:t>
             </a:r>
           </a:p>
           <a:p>
             <a:r>
               <a:rPr lang="en-US" dirty="0"/>
-              <a:t>The </a:t>
-            </a:r>
-            <a:r>
-              <a:rPr lang="en-US" dirty="0" err="1"/>
-              <a:t>bbr</a:t>
-            </a:r>
-            <a:r>
-              <a:rPr lang="en-US" dirty="0"/>
-              <a:t> system has </a:t>
-            </a:r>
-            <a:r>
-              <a:rPr lang="en-US" dirty="0" err="1"/>
-              <a:t>adhoc</a:t>
-            </a:r>
-            <a:r>
-              <a:rPr lang="en-US" dirty="0"/>
-              <a:t> assumptions</a:t>
-            </a:r>
-          </a:p>
-          <a:p>
-            <a:r>
-              <a:rPr lang="en-US" dirty="0"/>
-              <a:t>Learn noise</a:t>
-            </a:r>
-          </a:p>
-          <a:p>
-            <a:r>
-              <a:rPr lang="en-US" dirty="0"/>
-              <a:t>Getting a large </a:t>
-            </a:r>
-            <a:r>
-              <a:rPr lang="en-US" dirty="0" err="1"/>
-              <a:t>ttl</a:t>
-            </a:r>
-            <a:r>
-              <a:rPr lang="en-US" dirty="0"/>
-              <a:t> does not reflect network congestion properly</a:t>
-            </a:r>
-          </a:p>
-          <a:p>
-            <a:r>
-              <a:rPr lang="en-US" dirty="0"/>
-              <a:t>Beliefs that can adapt fast. Round trip time bounds given a path.</a:t>
-            </a:r>
-          </a:p>
-          <a:p>
-            <a:r>
-              <a:rPr lang="en-US" dirty="0"/>
-              <a:t>How can we estimate the actual roundtrip time.</a:t>
+              <a:t>Start node 2 after a while (1 sec)</a:t>
             </a:r>
           </a:p>
         </p:txBody>
@@ -13223,7 +13810,7 @@
     </p:spTree>
     <p:extLst>
       <p:ext uri="{BB962C8B-B14F-4D97-AF65-F5344CB8AC3E}">
-        <p14:creationId xmlns:p14="http://schemas.microsoft.com/office/powerpoint/2010/main" val="735025012"/>
+        <p14:creationId xmlns:p14="http://schemas.microsoft.com/office/powerpoint/2010/main" val="1977121735"/>
       </p:ext>
     </p:extLst>
   </p:cSld>

--- a/doc/plan.pptx
+++ b/doc/plan.pptx
@@ -36,7 +36,9 @@
     <p:sldId id="278" r:id="rId30"/>
     <p:sldId id="279" r:id="rId31"/>
     <p:sldId id="280" r:id="rId32"/>
-    <p:sldId id="287" r:id="rId33"/>
+    <p:sldId id="288" r:id="rId33"/>
+    <p:sldId id="287" r:id="rId34"/>
+    <p:sldId id="289" r:id="rId35"/>
   </p:sldIdLst>
   <p:sldSz cx="12192000" cy="6858000"/>
   <p:notesSz cx="6858000" cy="9144000"/>
@@ -290,7 +292,7 @@
           <a:p>
             <a:fld id="{2EE5EF10-3D11-419F-A8C1-99878D53651A}" type="datetimeFigureOut">
               <a:rPr lang="en-US" smtClean="0"/>
-              <a:t>4/19/2021</a:t>
+              <a:t>5/14/2021</a:t>
             </a:fld>
             <a:endParaRPr lang="en-US"/>
           </a:p>
@@ -488,7 +490,7 @@
           <a:p>
             <a:fld id="{2EE5EF10-3D11-419F-A8C1-99878D53651A}" type="datetimeFigureOut">
               <a:rPr lang="en-US" smtClean="0"/>
-              <a:t>4/19/2021</a:t>
+              <a:t>5/14/2021</a:t>
             </a:fld>
             <a:endParaRPr lang="en-US"/>
           </a:p>
@@ -696,7 +698,7 @@
           <a:p>
             <a:fld id="{2EE5EF10-3D11-419F-A8C1-99878D53651A}" type="datetimeFigureOut">
               <a:rPr lang="en-US" smtClean="0"/>
-              <a:t>4/19/2021</a:t>
+              <a:t>5/14/2021</a:t>
             </a:fld>
             <a:endParaRPr lang="en-US"/>
           </a:p>
@@ -894,7 +896,7 @@
           <a:p>
             <a:fld id="{2EE5EF10-3D11-419F-A8C1-99878D53651A}" type="datetimeFigureOut">
               <a:rPr lang="en-US" smtClean="0"/>
-              <a:t>4/19/2021</a:t>
+              <a:t>5/14/2021</a:t>
             </a:fld>
             <a:endParaRPr lang="en-US"/>
           </a:p>
@@ -1169,7 +1171,7 @@
           <a:p>
             <a:fld id="{2EE5EF10-3D11-419F-A8C1-99878D53651A}" type="datetimeFigureOut">
               <a:rPr lang="en-US" smtClean="0"/>
-              <a:t>4/19/2021</a:t>
+              <a:t>5/14/2021</a:t>
             </a:fld>
             <a:endParaRPr lang="en-US"/>
           </a:p>
@@ -1434,7 +1436,7 @@
           <a:p>
             <a:fld id="{2EE5EF10-3D11-419F-A8C1-99878D53651A}" type="datetimeFigureOut">
               <a:rPr lang="en-US" smtClean="0"/>
-              <a:t>4/19/2021</a:t>
+              <a:t>5/14/2021</a:t>
             </a:fld>
             <a:endParaRPr lang="en-US"/>
           </a:p>
@@ -1846,7 +1848,7 @@
           <a:p>
             <a:fld id="{2EE5EF10-3D11-419F-A8C1-99878D53651A}" type="datetimeFigureOut">
               <a:rPr lang="en-US" smtClean="0"/>
-              <a:t>4/19/2021</a:t>
+              <a:t>5/14/2021</a:t>
             </a:fld>
             <a:endParaRPr lang="en-US"/>
           </a:p>
@@ -1987,7 +1989,7 @@
           <a:p>
             <a:fld id="{2EE5EF10-3D11-419F-A8C1-99878D53651A}" type="datetimeFigureOut">
               <a:rPr lang="en-US" smtClean="0"/>
-              <a:t>4/19/2021</a:t>
+              <a:t>5/14/2021</a:t>
             </a:fld>
             <a:endParaRPr lang="en-US"/>
           </a:p>
@@ -2100,7 +2102,7 @@
           <a:p>
             <a:fld id="{2EE5EF10-3D11-419F-A8C1-99878D53651A}" type="datetimeFigureOut">
               <a:rPr lang="en-US" smtClean="0"/>
-              <a:t>4/19/2021</a:t>
+              <a:t>5/14/2021</a:t>
             </a:fld>
             <a:endParaRPr lang="en-US"/>
           </a:p>
@@ -2411,7 +2413,7 @@
           <a:p>
             <a:fld id="{2EE5EF10-3D11-419F-A8C1-99878D53651A}" type="datetimeFigureOut">
               <a:rPr lang="en-US" smtClean="0"/>
-              <a:t>4/19/2021</a:t>
+              <a:t>5/14/2021</a:t>
             </a:fld>
             <a:endParaRPr lang="en-US"/>
           </a:p>
@@ -2699,7 +2701,7 @@
           <a:p>
             <a:fld id="{2EE5EF10-3D11-419F-A8C1-99878D53651A}" type="datetimeFigureOut">
               <a:rPr lang="en-US" smtClean="0"/>
-              <a:t>4/19/2021</a:t>
+              <a:t>5/14/2021</a:t>
             </a:fld>
             <a:endParaRPr lang="en-US"/>
           </a:p>
@@ -2940,7 +2942,7 @@
           <a:p>
             <a:fld id="{2EE5EF10-3D11-419F-A8C1-99878D53651A}" type="datetimeFigureOut">
               <a:rPr lang="en-US" smtClean="0"/>
-              <a:t>4/19/2021</a:t>
+              <a:t>5/14/2021</a:t>
             </a:fld>
             <a:endParaRPr lang="en-US"/>
           </a:p>
@@ -13753,7 +13755,7 @@
           <p:cNvPr id="2" name="Title 1">
             <a:extLst>
               <a:ext uri="{FF2B5EF4-FFF2-40B4-BE49-F238E27FC236}">
-                <a16:creationId xmlns:a16="http://schemas.microsoft.com/office/drawing/2014/main" id="{D9522911-554A-4D10-87E6-C465F7CB88DF}"/>
+                <a16:creationId xmlns:a16="http://schemas.microsoft.com/office/drawing/2014/main" id="{B7A17A9A-8688-43FB-AA33-F051DA2A5A14}"/>
               </a:ext>
             </a:extLst>
           </p:cNvPr>
@@ -13769,7 +13771,1249 @@
           <a:bodyPr/>
           <a:lstStyle/>
           <a:p>
-            <a:endParaRPr lang="en-US" dirty="0"/>
+            <a:r>
+              <a:rPr lang="en-US" dirty="0"/>
+              <a:t>Event Simulator</a:t>
+            </a:r>
+          </a:p>
+        </p:txBody>
+      </p:sp>
+      <p:sp>
+        <p:nvSpPr>
+          <p:cNvPr id="54" name="TextBox 53">
+            <a:extLst>
+              <a:ext uri="{FF2B5EF4-FFF2-40B4-BE49-F238E27FC236}">
+                <a16:creationId xmlns:a16="http://schemas.microsoft.com/office/drawing/2014/main" id="{2D003FF0-2E25-44D3-9C97-A162BAD1BE34}"/>
+              </a:ext>
+            </a:extLst>
+          </p:cNvPr>
+          <p:cNvSpPr txBox="1"/>
+          <p:nvPr/>
+        </p:nvSpPr>
+        <p:spPr>
+          <a:xfrm>
+            <a:off x="8373569" y="3461628"/>
+            <a:ext cx="2881746" cy="276999"/>
+          </a:xfrm>
+          <a:prstGeom prst="rect">
+            <a:avLst/>
+          </a:prstGeom>
+          <a:noFill/>
+        </p:spPr>
+        <p:txBody>
+          <a:bodyPr wrap="square" rtlCol="0">
+            <a:spAutoFit/>
+          </a:bodyPr>
+          <a:lstStyle/>
+          <a:p>
+            <a:r>
+              <a:rPr lang="en-US" sz="1200" i="1" dirty="0"/>
+              <a:t>Events = {ArriveNode, EnterChannel}</a:t>
+            </a:r>
+          </a:p>
+        </p:txBody>
+      </p:sp>
+      <p:grpSp>
+        <p:nvGrpSpPr>
+          <p:cNvPr id="72" name="Group 71">
+            <a:extLst>
+              <a:ext uri="{FF2B5EF4-FFF2-40B4-BE49-F238E27FC236}">
+                <a16:creationId xmlns:a16="http://schemas.microsoft.com/office/drawing/2014/main" id="{5D1D3A12-B335-42BB-86F1-2E5A7958C18D}"/>
+              </a:ext>
+            </a:extLst>
+          </p:cNvPr>
+          <p:cNvGrpSpPr/>
+          <p:nvPr/>
+        </p:nvGrpSpPr>
+        <p:grpSpPr>
+          <a:xfrm>
+            <a:off x="2098821" y="1099178"/>
+            <a:ext cx="8523805" cy="4887308"/>
+            <a:chOff x="1341439" y="1070824"/>
+            <a:chExt cx="8523805" cy="4887308"/>
+          </a:xfrm>
+        </p:grpSpPr>
+        <p:sp>
+          <p:nvSpPr>
+            <p:cNvPr id="4" name="Rectangle 3">
+              <a:extLst>
+                <a:ext uri="{FF2B5EF4-FFF2-40B4-BE49-F238E27FC236}">
+                  <a16:creationId xmlns:a16="http://schemas.microsoft.com/office/drawing/2014/main" id="{1837932F-BC5C-4609-8546-9FAAD44D220B}"/>
+                </a:ext>
+              </a:extLst>
+            </p:cNvPr>
+            <p:cNvSpPr/>
+            <p:nvPr/>
+          </p:nvSpPr>
+          <p:spPr>
+            <a:xfrm>
+              <a:off x="4363329" y="2902105"/>
+              <a:ext cx="2130641" cy="523220"/>
+            </a:xfrm>
+            <a:prstGeom prst="rect">
+              <a:avLst/>
+            </a:prstGeom>
+            <a:ln w="25400"/>
+          </p:spPr>
+          <p:style>
+            <a:lnRef idx="2">
+              <a:schemeClr val="accent5"/>
+            </a:lnRef>
+            <a:fillRef idx="1">
+              <a:schemeClr val="lt1"/>
+            </a:fillRef>
+            <a:effectRef idx="0">
+              <a:schemeClr val="accent5"/>
+            </a:effectRef>
+            <a:fontRef idx="minor">
+              <a:schemeClr val="dk1"/>
+            </a:fontRef>
+          </p:style>
+          <p:txBody>
+            <a:bodyPr rtlCol="0" anchor="ctr">
+              <a:spAutoFit/>
+            </a:bodyPr>
+            <a:lstStyle/>
+            <a:p>
+              <a:pPr algn="ctr"/>
+              <a:r>
+                <a:rPr lang="en-US" sz="1400" dirty="0"/>
+                <a:t>Call onTimeStepStart</a:t>
+              </a:r>
+            </a:p>
+            <a:p>
+              <a:pPr algn="ctr"/>
+              <a:r>
+                <a:rPr lang="en-US" sz="1400" dirty="0"/>
+                <a:t> of each node (reset stats)</a:t>
+              </a:r>
+            </a:p>
+          </p:txBody>
+        </p:sp>
+        <p:sp>
+          <p:nvSpPr>
+            <p:cNvPr id="5" name="Rectangle: Rounded Corners 4">
+              <a:extLst>
+                <a:ext uri="{FF2B5EF4-FFF2-40B4-BE49-F238E27FC236}">
+                  <a16:creationId xmlns:a16="http://schemas.microsoft.com/office/drawing/2014/main" id="{235800C0-C5E2-47FD-BDB9-DBE66E7561EE}"/>
+                </a:ext>
+              </a:extLst>
+            </p:cNvPr>
+            <p:cNvSpPr/>
+            <p:nvPr/>
+          </p:nvSpPr>
+          <p:spPr>
+            <a:xfrm>
+              <a:off x="5033591" y="1070824"/>
+              <a:ext cx="790113" cy="328474"/>
+            </a:xfrm>
+            <a:prstGeom prst="roundRect">
+              <a:avLst/>
+            </a:prstGeom>
+          </p:spPr>
+          <p:style>
+            <a:lnRef idx="2">
+              <a:schemeClr val="accent3">
+                <a:shade val="50000"/>
+              </a:schemeClr>
+            </a:lnRef>
+            <a:fillRef idx="1">
+              <a:schemeClr val="accent3"/>
+            </a:fillRef>
+            <a:effectRef idx="0">
+              <a:schemeClr val="accent3"/>
+            </a:effectRef>
+            <a:fontRef idx="minor">
+              <a:schemeClr val="lt1"/>
+            </a:fontRef>
+          </p:style>
+          <p:txBody>
+            <a:bodyPr rtlCol="0" anchor="ctr"/>
+            <a:lstStyle/>
+            <a:p>
+              <a:pPr algn="ctr"/>
+              <a:r>
+                <a:rPr lang="en-US" dirty="0"/>
+                <a:t>start</a:t>
+              </a:r>
+            </a:p>
+          </p:txBody>
+        </p:sp>
+        <p:sp>
+          <p:nvSpPr>
+            <p:cNvPr id="6" name="Diamond 5">
+              <a:extLst>
+                <a:ext uri="{FF2B5EF4-FFF2-40B4-BE49-F238E27FC236}">
+                  <a16:creationId xmlns:a16="http://schemas.microsoft.com/office/drawing/2014/main" id="{2A2E84AC-BE34-436C-80FB-311F1F9D0620}"/>
+                </a:ext>
+              </a:extLst>
+            </p:cNvPr>
+            <p:cNvSpPr/>
+            <p:nvPr/>
+          </p:nvSpPr>
+          <p:spPr>
+            <a:xfrm>
+              <a:off x="4306430" y="1661999"/>
+              <a:ext cx="2244437" cy="917079"/>
+            </a:xfrm>
+            <a:prstGeom prst="diamond">
+              <a:avLst/>
+            </a:prstGeom>
+            <a:solidFill>
+              <a:schemeClr val="tx1"/>
+            </a:solidFill>
+          </p:spPr>
+          <p:style>
+            <a:lnRef idx="2">
+              <a:schemeClr val="accent1">
+                <a:shade val="50000"/>
+              </a:schemeClr>
+            </a:lnRef>
+            <a:fillRef idx="1">
+              <a:schemeClr val="accent1"/>
+            </a:fillRef>
+            <a:effectRef idx="0">
+              <a:schemeClr val="accent1"/>
+            </a:effectRef>
+            <a:fontRef idx="minor">
+              <a:schemeClr val="lt1"/>
+            </a:fontRef>
+          </p:style>
+          <p:txBody>
+            <a:bodyPr rtlCol="0" anchor="ctr">
+              <a:spAutoFit/>
+            </a:bodyPr>
+            <a:lstStyle/>
+            <a:p>
+              <a:pPr algn="ctr"/>
+              <a:r>
+                <a:rPr lang="en-US" sz="1200" dirty="0"/>
+                <a:t>timestep &lt;= maxTimeSteps</a:t>
+              </a:r>
+            </a:p>
+          </p:txBody>
+        </p:sp>
+        <p:cxnSp>
+          <p:nvCxnSpPr>
+            <p:cNvPr id="8" name="Straight Arrow Connector 7">
+              <a:extLst>
+                <a:ext uri="{FF2B5EF4-FFF2-40B4-BE49-F238E27FC236}">
+                  <a16:creationId xmlns:a16="http://schemas.microsoft.com/office/drawing/2014/main" id="{2FB3F2A4-16BD-4954-96F1-2BEE6D03EC3F}"/>
+                </a:ext>
+              </a:extLst>
+            </p:cNvPr>
+            <p:cNvCxnSpPr>
+              <a:stCxn id="5" idx="2"/>
+              <a:endCxn id="6" idx="0"/>
+            </p:cNvCxnSpPr>
+            <p:nvPr/>
+          </p:nvCxnSpPr>
+          <p:spPr>
+            <a:xfrm>
+              <a:off x="5428648" y="1399298"/>
+              <a:ext cx="1" cy="262701"/>
+            </a:xfrm>
+            <a:prstGeom prst="straightConnector1">
+              <a:avLst/>
+            </a:prstGeom>
+            <a:ln w="15875">
+              <a:solidFill>
+                <a:schemeClr val="bg1">
+                  <a:lumMod val="65000"/>
+                </a:schemeClr>
+              </a:solidFill>
+              <a:tailEnd type="triangle"/>
+            </a:ln>
+          </p:spPr>
+          <p:style>
+            <a:lnRef idx="1">
+              <a:schemeClr val="accent1"/>
+            </a:lnRef>
+            <a:fillRef idx="0">
+              <a:schemeClr val="accent1"/>
+            </a:fillRef>
+            <a:effectRef idx="0">
+              <a:schemeClr val="accent1"/>
+            </a:effectRef>
+            <a:fontRef idx="minor">
+              <a:schemeClr val="tx1"/>
+            </a:fontRef>
+          </p:style>
+        </p:cxnSp>
+        <p:cxnSp>
+          <p:nvCxnSpPr>
+            <p:cNvPr id="9" name="Straight Arrow Connector 8">
+              <a:extLst>
+                <a:ext uri="{FF2B5EF4-FFF2-40B4-BE49-F238E27FC236}">
+                  <a16:creationId xmlns:a16="http://schemas.microsoft.com/office/drawing/2014/main" id="{FEAA8C3B-4B17-478F-8D6A-71E630BCDBE1}"/>
+                </a:ext>
+              </a:extLst>
+            </p:cNvPr>
+            <p:cNvCxnSpPr>
+              <a:cxnSpLocks/>
+              <a:stCxn id="6" idx="2"/>
+              <a:endCxn id="4" idx="0"/>
+            </p:cNvCxnSpPr>
+            <p:nvPr/>
+          </p:nvCxnSpPr>
+          <p:spPr>
+            <a:xfrm>
+              <a:off x="5428649" y="2579078"/>
+              <a:ext cx="1" cy="323027"/>
+            </a:xfrm>
+            <a:prstGeom prst="straightConnector1">
+              <a:avLst/>
+            </a:prstGeom>
+            <a:ln w="15875">
+              <a:solidFill>
+                <a:schemeClr val="bg1">
+                  <a:lumMod val="65000"/>
+                </a:schemeClr>
+              </a:solidFill>
+              <a:tailEnd type="triangle"/>
+            </a:ln>
+          </p:spPr>
+          <p:style>
+            <a:lnRef idx="1">
+              <a:schemeClr val="accent1"/>
+            </a:lnRef>
+            <a:fillRef idx="0">
+              <a:schemeClr val="accent1"/>
+            </a:fillRef>
+            <a:effectRef idx="0">
+              <a:schemeClr val="accent1"/>
+            </a:effectRef>
+            <a:fontRef idx="minor">
+              <a:schemeClr val="tx1"/>
+            </a:fontRef>
+          </p:style>
+        </p:cxnSp>
+        <p:sp>
+          <p:nvSpPr>
+            <p:cNvPr id="14" name="Rectangle 13">
+              <a:extLst>
+                <a:ext uri="{FF2B5EF4-FFF2-40B4-BE49-F238E27FC236}">
+                  <a16:creationId xmlns:a16="http://schemas.microsoft.com/office/drawing/2014/main" id="{29DC1D85-00B2-4F8D-A4C5-033DC1639502}"/>
+                </a:ext>
+              </a:extLst>
+            </p:cNvPr>
+            <p:cNvSpPr/>
+            <p:nvPr/>
+          </p:nvSpPr>
+          <p:spPr>
+            <a:xfrm>
+              <a:off x="7734603" y="3804009"/>
+              <a:ext cx="2130641" cy="523220"/>
+            </a:xfrm>
+            <a:prstGeom prst="rect">
+              <a:avLst/>
+            </a:prstGeom>
+            <a:ln w="25400"/>
+          </p:spPr>
+          <p:style>
+            <a:lnRef idx="2">
+              <a:schemeClr val="accent5"/>
+            </a:lnRef>
+            <a:fillRef idx="1">
+              <a:schemeClr val="lt1"/>
+            </a:fillRef>
+            <a:effectRef idx="0">
+              <a:schemeClr val="accent5"/>
+            </a:effectRef>
+            <a:fontRef idx="minor">
+              <a:schemeClr val="dk1"/>
+            </a:fontRef>
+          </p:style>
+          <p:txBody>
+            <a:bodyPr rtlCol="0" anchor="ctr">
+              <a:spAutoFit/>
+            </a:bodyPr>
+            <a:lstStyle/>
+            <a:p>
+              <a:pPr algn="ctr"/>
+              <a:r>
+                <a:rPr lang="en-US" sz="1400" dirty="0"/>
+                <a:t>New events = Execute Event</a:t>
+              </a:r>
+            </a:p>
+          </p:txBody>
+        </p:sp>
+        <p:sp>
+          <p:nvSpPr>
+            <p:cNvPr id="15" name="Diamond 14">
+              <a:extLst>
+                <a:ext uri="{FF2B5EF4-FFF2-40B4-BE49-F238E27FC236}">
+                  <a16:creationId xmlns:a16="http://schemas.microsoft.com/office/drawing/2014/main" id="{F4A36C0F-1496-41FC-9CCF-3D20EFF4A6A3}"/>
+                </a:ext>
+              </a:extLst>
+            </p:cNvPr>
+            <p:cNvSpPr/>
+            <p:nvPr/>
+          </p:nvSpPr>
+          <p:spPr>
+            <a:xfrm>
+              <a:off x="4306430" y="3607079"/>
+              <a:ext cx="2244437" cy="917079"/>
+            </a:xfrm>
+            <a:prstGeom prst="diamond">
+              <a:avLst/>
+            </a:prstGeom>
+            <a:solidFill>
+              <a:schemeClr val="tx1"/>
+            </a:solidFill>
+          </p:spPr>
+          <p:style>
+            <a:lnRef idx="2">
+              <a:schemeClr val="accent1">
+                <a:shade val="50000"/>
+              </a:schemeClr>
+            </a:lnRef>
+            <a:fillRef idx="1">
+              <a:schemeClr val="accent1"/>
+            </a:fillRef>
+            <a:effectRef idx="0">
+              <a:schemeClr val="accent1"/>
+            </a:effectRef>
+            <a:fontRef idx="minor">
+              <a:schemeClr val="lt1"/>
+            </a:fontRef>
+          </p:style>
+          <p:txBody>
+            <a:bodyPr rtlCol="0" anchor="ctr">
+              <a:spAutoFit/>
+            </a:bodyPr>
+            <a:lstStyle/>
+            <a:p>
+              <a:pPr algn="ctr"/>
+              <a:r>
+                <a:rPr lang="en-US" sz="1200" dirty="0"/>
+                <a:t>has Event in the timeStep?</a:t>
+              </a:r>
+            </a:p>
+          </p:txBody>
+        </p:sp>
+        <p:sp>
+          <p:nvSpPr>
+            <p:cNvPr id="16" name="Rectangle 15">
+              <a:extLst>
+                <a:ext uri="{FF2B5EF4-FFF2-40B4-BE49-F238E27FC236}">
+                  <a16:creationId xmlns:a16="http://schemas.microsoft.com/office/drawing/2014/main" id="{33916920-127E-459B-A810-29637E536FCA}"/>
+                </a:ext>
+              </a:extLst>
+            </p:cNvPr>
+            <p:cNvSpPr/>
+            <p:nvPr/>
+          </p:nvSpPr>
+          <p:spPr>
+            <a:xfrm>
+              <a:off x="7734603" y="4742366"/>
+              <a:ext cx="2130641" cy="523220"/>
+            </a:xfrm>
+            <a:prstGeom prst="rect">
+              <a:avLst/>
+            </a:prstGeom>
+            <a:ln w="25400"/>
+          </p:spPr>
+          <p:style>
+            <a:lnRef idx="2">
+              <a:schemeClr val="accent5"/>
+            </a:lnRef>
+            <a:fillRef idx="1">
+              <a:schemeClr val="lt1"/>
+            </a:fillRef>
+            <a:effectRef idx="0">
+              <a:schemeClr val="accent5"/>
+            </a:effectRef>
+            <a:fontRef idx="minor">
+              <a:schemeClr val="dk1"/>
+            </a:fontRef>
+          </p:style>
+          <p:txBody>
+            <a:bodyPr rtlCol="0" anchor="ctr">
+              <a:spAutoFit/>
+            </a:bodyPr>
+            <a:lstStyle/>
+            <a:p>
+              <a:pPr algn="ctr"/>
+              <a:r>
+                <a:rPr lang="en-US" sz="1400" dirty="0"/>
+                <a:t>Add new events to the event queue</a:t>
+              </a:r>
+            </a:p>
+          </p:txBody>
+        </p:sp>
+        <p:cxnSp>
+          <p:nvCxnSpPr>
+            <p:cNvPr id="17" name="Straight Arrow Connector 16">
+              <a:extLst>
+                <a:ext uri="{FF2B5EF4-FFF2-40B4-BE49-F238E27FC236}">
+                  <a16:creationId xmlns:a16="http://schemas.microsoft.com/office/drawing/2014/main" id="{B9C56F44-6FB1-48CD-8900-43DD909B0AB2}"/>
+                </a:ext>
+              </a:extLst>
+            </p:cNvPr>
+            <p:cNvCxnSpPr>
+              <a:cxnSpLocks/>
+              <a:stCxn id="15" idx="3"/>
+              <a:endCxn id="14" idx="1"/>
+            </p:cNvCxnSpPr>
+            <p:nvPr/>
+          </p:nvCxnSpPr>
+          <p:spPr>
+            <a:xfrm>
+              <a:off x="6550867" y="4065619"/>
+              <a:ext cx="1183736" cy="0"/>
+            </a:xfrm>
+            <a:prstGeom prst="straightConnector1">
+              <a:avLst/>
+            </a:prstGeom>
+            <a:ln w="15875">
+              <a:solidFill>
+                <a:schemeClr val="bg1">
+                  <a:lumMod val="65000"/>
+                </a:schemeClr>
+              </a:solidFill>
+              <a:tailEnd type="triangle"/>
+            </a:ln>
+          </p:spPr>
+          <p:style>
+            <a:lnRef idx="1">
+              <a:schemeClr val="accent1"/>
+            </a:lnRef>
+            <a:fillRef idx="0">
+              <a:schemeClr val="accent1"/>
+            </a:fillRef>
+            <a:effectRef idx="0">
+              <a:schemeClr val="accent1"/>
+            </a:effectRef>
+            <a:fontRef idx="minor">
+              <a:schemeClr val="tx1"/>
+            </a:fontRef>
+          </p:style>
+        </p:cxnSp>
+        <p:cxnSp>
+          <p:nvCxnSpPr>
+            <p:cNvPr id="20" name="Straight Arrow Connector 19">
+              <a:extLst>
+                <a:ext uri="{FF2B5EF4-FFF2-40B4-BE49-F238E27FC236}">
+                  <a16:creationId xmlns:a16="http://schemas.microsoft.com/office/drawing/2014/main" id="{0501DBE1-DB82-4041-B4B4-AEB1E3333E99}"/>
+                </a:ext>
+              </a:extLst>
+            </p:cNvPr>
+            <p:cNvCxnSpPr>
+              <a:cxnSpLocks/>
+              <a:stCxn id="14" idx="2"/>
+              <a:endCxn id="16" idx="0"/>
+            </p:cNvCxnSpPr>
+            <p:nvPr/>
+          </p:nvCxnSpPr>
+          <p:spPr>
+            <a:xfrm>
+              <a:off x="8799924" y="4327229"/>
+              <a:ext cx="0" cy="415137"/>
+            </a:xfrm>
+            <a:prstGeom prst="straightConnector1">
+              <a:avLst/>
+            </a:prstGeom>
+            <a:ln w="15875">
+              <a:solidFill>
+                <a:schemeClr val="bg1">
+                  <a:lumMod val="65000"/>
+                </a:schemeClr>
+              </a:solidFill>
+              <a:tailEnd type="triangle"/>
+            </a:ln>
+          </p:spPr>
+          <p:style>
+            <a:lnRef idx="1">
+              <a:schemeClr val="accent1"/>
+            </a:lnRef>
+            <a:fillRef idx="0">
+              <a:schemeClr val="accent1"/>
+            </a:fillRef>
+            <a:effectRef idx="0">
+              <a:schemeClr val="accent1"/>
+            </a:effectRef>
+            <a:fontRef idx="minor">
+              <a:schemeClr val="tx1"/>
+            </a:fontRef>
+          </p:style>
+        </p:cxnSp>
+        <p:cxnSp>
+          <p:nvCxnSpPr>
+            <p:cNvPr id="23" name="Straight Arrow Connector 22">
+              <a:extLst>
+                <a:ext uri="{FF2B5EF4-FFF2-40B4-BE49-F238E27FC236}">
+                  <a16:creationId xmlns:a16="http://schemas.microsoft.com/office/drawing/2014/main" id="{A6457F47-8150-4FB9-9DA0-12CCF4AFBEA3}"/>
+                </a:ext>
+              </a:extLst>
+            </p:cNvPr>
+            <p:cNvCxnSpPr>
+              <a:cxnSpLocks/>
+              <a:stCxn id="4" idx="2"/>
+              <a:endCxn id="15" idx="0"/>
+            </p:cNvCxnSpPr>
+            <p:nvPr/>
+          </p:nvCxnSpPr>
+          <p:spPr>
+            <a:xfrm flipH="1">
+              <a:off x="5428649" y="3425325"/>
+              <a:ext cx="1" cy="181754"/>
+            </a:xfrm>
+            <a:prstGeom prst="straightConnector1">
+              <a:avLst/>
+            </a:prstGeom>
+            <a:ln w="15875">
+              <a:solidFill>
+                <a:schemeClr val="bg1">
+                  <a:lumMod val="65000"/>
+                </a:schemeClr>
+              </a:solidFill>
+              <a:tailEnd type="triangle"/>
+            </a:ln>
+          </p:spPr>
+          <p:style>
+            <a:lnRef idx="1">
+              <a:schemeClr val="accent1"/>
+            </a:lnRef>
+            <a:fillRef idx="0">
+              <a:schemeClr val="accent1"/>
+            </a:fillRef>
+            <a:effectRef idx="0">
+              <a:schemeClr val="accent1"/>
+            </a:effectRef>
+            <a:fontRef idx="minor">
+              <a:schemeClr val="tx1"/>
+            </a:fontRef>
+          </p:style>
+        </p:cxnSp>
+        <p:cxnSp>
+          <p:nvCxnSpPr>
+            <p:cNvPr id="29" name="Connector: Elbow 28">
+              <a:extLst>
+                <a:ext uri="{FF2B5EF4-FFF2-40B4-BE49-F238E27FC236}">
+                  <a16:creationId xmlns:a16="http://schemas.microsoft.com/office/drawing/2014/main" id="{1ABA5B33-75EF-440C-A4F9-927672F87975}"/>
+                </a:ext>
+              </a:extLst>
+            </p:cNvPr>
+            <p:cNvCxnSpPr>
+              <a:stCxn id="16" idx="2"/>
+              <a:endCxn id="15" idx="2"/>
+            </p:cNvCxnSpPr>
+            <p:nvPr/>
+          </p:nvCxnSpPr>
+          <p:spPr>
+            <a:xfrm rot="5400000" flipH="1">
+              <a:off x="6743573" y="3209235"/>
+              <a:ext cx="741428" cy="3371275"/>
+            </a:xfrm>
+            <a:prstGeom prst="bentConnector3">
+              <a:avLst>
+                <a:gd name="adj1" fmla="val -30832"/>
+              </a:avLst>
+            </a:prstGeom>
+            <a:ln w="15875">
+              <a:solidFill>
+                <a:schemeClr val="bg1">
+                  <a:lumMod val="65000"/>
+                </a:schemeClr>
+              </a:solidFill>
+              <a:tailEnd type="triangle"/>
+            </a:ln>
+          </p:spPr>
+          <p:style>
+            <a:lnRef idx="1">
+              <a:schemeClr val="accent1"/>
+            </a:lnRef>
+            <a:fillRef idx="0">
+              <a:schemeClr val="accent1"/>
+            </a:fillRef>
+            <a:effectRef idx="0">
+              <a:schemeClr val="accent1"/>
+            </a:effectRef>
+            <a:fontRef idx="minor">
+              <a:schemeClr val="tx1"/>
+            </a:fontRef>
+          </p:style>
+        </p:cxnSp>
+        <p:sp>
+          <p:nvSpPr>
+            <p:cNvPr id="32" name="Rectangle 31">
+              <a:extLst>
+                <a:ext uri="{FF2B5EF4-FFF2-40B4-BE49-F238E27FC236}">
+                  <a16:creationId xmlns:a16="http://schemas.microsoft.com/office/drawing/2014/main" id="{EF4F4D2A-EDE2-4EE9-B820-9188C423F4F6}"/>
+                </a:ext>
+              </a:extLst>
+            </p:cNvPr>
+            <p:cNvSpPr/>
+            <p:nvPr/>
+          </p:nvSpPr>
+          <p:spPr>
+            <a:xfrm>
+              <a:off x="1341440" y="3799246"/>
+              <a:ext cx="2130641" cy="523220"/>
+            </a:xfrm>
+            <a:prstGeom prst="rect">
+              <a:avLst/>
+            </a:prstGeom>
+            <a:ln w="25400"/>
+          </p:spPr>
+          <p:style>
+            <a:lnRef idx="2">
+              <a:schemeClr val="accent5"/>
+            </a:lnRef>
+            <a:fillRef idx="1">
+              <a:schemeClr val="lt1"/>
+            </a:fillRef>
+            <a:effectRef idx="0">
+              <a:schemeClr val="accent5"/>
+            </a:effectRef>
+            <a:fontRef idx="minor">
+              <a:schemeClr val="dk1"/>
+            </a:fontRef>
+          </p:style>
+          <p:txBody>
+            <a:bodyPr rtlCol="0" anchor="ctr">
+              <a:spAutoFit/>
+            </a:bodyPr>
+            <a:lstStyle/>
+            <a:p>
+              <a:pPr algn="ctr"/>
+              <a:r>
+                <a:rPr lang="en-US" sz="1400" dirty="0"/>
+                <a:t>notifyClients (creates packet events)</a:t>
+              </a:r>
+            </a:p>
+          </p:txBody>
+        </p:sp>
+        <p:sp>
+          <p:nvSpPr>
+            <p:cNvPr id="33" name="Rectangle 32">
+              <a:extLst>
+                <a:ext uri="{FF2B5EF4-FFF2-40B4-BE49-F238E27FC236}">
+                  <a16:creationId xmlns:a16="http://schemas.microsoft.com/office/drawing/2014/main" id="{563262CB-A687-4E79-A590-53A59E09A07E}"/>
+                </a:ext>
+              </a:extLst>
+            </p:cNvPr>
+            <p:cNvSpPr/>
+            <p:nvPr/>
+          </p:nvSpPr>
+          <p:spPr>
+            <a:xfrm>
+              <a:off x="1341440" y="4634644"/>
+              <a:ext cx="2130641" cy="738664"/>
+            </a:xfrm>
+            <a:prstGeom prst="rect">
+              <a:avLst/>
+            </a:prstGeom>
+            <a:ln w="25400"/>
+          </p:spPr>
+          <p:style>
+            <a:lnRef idx="2">
+              <a:schemeClr val="accent5"/>
+            </a:lnRef>
+            <a:fillRef idx="1">
+              <a:schemeClr val="lt1"/>
+            </a:fillRef>
+            <a:effectRef idx="0">
+              <a:schemeClr val="accent5"/>
+            </a:effectRef>
+            <a:fontRef idx="minor">
+              <a:schemeClr val="dk1"/>
+            </a:fontRef>
+          </p:style>
+          <p:txBody>
+            <a:bodyPr rtlCol="0" anchor="ctr">
+              <a:spAutoFit/>
+            </a:bodyPr>
+            <a:lstStyle/>
+            <a:p>
+              <a:pPr algn="ctr"/>
+              <a:r>
+                <a:rPr lang="en-US" sz="1400" dirty="0"/>
+                <a:t>Call onTimeStepEnd</a:t>
+              </a:r>
+            </a:p>
+            <a:p>
+              <a:pPr algn="ctr"/>
+              <a:r>
+                <a:rPr lang="en-US" sz="1400" dirty="0"/>
+                <a:t> of each node (collect stats)</a:t>
+              </a:r>
+            </a:p>
+          </p:txBody>
+        </p:sp>
+        <p:cxnSp>
+          <p:nvCxnSpPr>
+            <p:cNvPr id="34" name="Straight Arrow Connector 33">
+              <a:extLst>
+                <a:ext uri="{FF2B5EF4-FFF2-40B4-BE49-F238E27FC236}">
+                  <a16:creationId xmlns:a16="http://schemas.microsoft.com/office/drawing/2014/main" id="{F8D7506F-57D7-4D67-B6B6-DFE6EF93DE64}"/>
+                </a:ext>
+              </a:extLst>
+            </p:cNvPr>
+            <p:cNvCxnSpPr>
+              <a:cxnSpLocks/>
+              <a:stCxn id="32" idx="2"/>
+              <a:endCxn id="33" idx="0"/>
+            </p:cNvCxnSpPr>
+            <p:nvPr/>
+          </p:nvCxnSpPr>
+          <p:spPr>
+            <a:xfrm>
+              <a:off x="2406761" y="4322466"/>
+              <a:ext cx="0" cy="312178"/>
+            </a:xfrm>
+            <a:prstGeom prst="straightConnector1">
+              <a:avLst/>
+            </a:prstGeom>
+            <a:ln w="15875">
+              <a:solidFill>
+                <a:schemeClr val="bg1">
+                  <a:lumMod val="65000"/>
+                </a:schemeClr>
+              </a:solidFill>
+              <a:tailEnd type="triangle"/>
+            </a:ln>
+          </p:spPr>
+          <p:style>
+            <a:lnRef idx="1">
+              <a:schemeClr val="accent1"/>
+            </a:lnRef>
+            <a:fillRef idx="0">
+              <a:schemeClr val="accent1"/>
+            </a:fillRef>
+            <a:effectRef idx="0">
+              <a:schemeClr val="accent1"/>
+            </a:effectRef>
+            <a:fontRef idx="minor">
+              <a:schemeClr val="tx1"/>
+            </a:fontRef>
+          </p:style>
+        </p:cxnSp>
+        <p:sp>
+          <p:nvSpPr>
+            <p:cNvPr id="37" name="TextBox 36">
+              <a:extLst>
+                <a:ext uri="{FF2B5EF4-FFF2-40B4-BE49-F238E27FC236}">
+                  <a16:creationId xmlns:a16="http://schemas.microsoft.com/office/drawing/2014/main" id="{18449B06-8B39-45E7-9D10-BED1F1B33121}"/>
+                </a:ext>
+              </a:extLst>
+            </p:cNvPr>
+            <p:cNvSpPr txBox="1"/>
+            <p:nvPr/>
+          </p:nvSpPr>
+          <p:spPr>
+            <a:xfrm>
+              <a:off x="6784065" y="3782688"/>
+              <a:ext cx="369454" cy="307777"/>
+            </a:xfrm>
+            <a:prstGeom prst="rect">
+              <a:avLst/>
+            </a:prstGeom>
+            <a:noFill/>
+          </p:spPr>
+          <p:txBody>
+            <a:bodyPr wrap="square" rtlCol="0">
+              <a:spAutoFit/>
+            </a:bodyPr>
+            <a:lstStyle/>
+            <a:p>
+              <a:r>
+                <a:rPr lang="en-US" sz="1400" i="1" dirty="0"/>
+                <a:t>Y</a:t>
+              </a:r>
+            </a:p>
+          </p:txBody>
+        </p:sp>
+        <p:sp>
+          <p:nvSpPr>
+            <p:cNvPr id="38" name="TextBox 37">
+              <a:extLst>
+                <a:ext uri="{FF2B5EF4-FFF2-40B4-BE49-F238E27FC236}">
+                  <a16:creationId xmlns:a16="http://schemas.microsoft.com/office/drawing/2014/main" id="{5B950F1B-0CB8-4A69-9213-DC7044CDBDC1}"/>
+                </a:ext>
+              </a:extLst>
+            </p:cNvPr>
+            <p:cNvSpPr txBox="1"/>
+            <p:nvPr/>
+          </p:nvSpPr>
+          <p:spPr>
+            <a:xfrm>
+              <a:off x="3498819" y="3782688"/>
+              <a:ext cx="369454" cy="307777"/>
+            </a:xfrm>
+            <a:prstGeom prst="rect">
+              <a:avLst/>
+            </a:prstGeom>
+            <a:noFill/>
+          </p:spPr>
+          <p:txBody>
+            <a:bodyPr wrap="square" rtlCol="0">
+              <a:spAutoFit/>
+            </a:bodyPr>
+            <a:lstStyle/>
+            <a:p>
+              <a:r>
+                <a:rPr lang="en-US" sz="1400" i="1" dirty="0"/>
+                <a:t>N</a:t>
+              </a:r>
+            </a:p>
+          </p:txBody>
+        </p:sp>
+        <p:cxnSp>
+          <p:nvCxnSpPr>
+            <p:cNvPr id="43" name="Straight Arrow Connector 42">
+              <a:extLst>
+                <a:ext uri="{FF2B5EF4-FFF2-40B4-BE49-F238E27FC236}">
+                  <a16:creationId xmlns:a16="http://schemas.microsoft.com/office/drawing/2014/main" id="{35D2616F-07F4-458E-9362-5ADCFC8516A2}"/>
+                </a:ext>
+              </a:extLst>
+            </p:cNvPr>
+            <p:cNvCxnSpPr>
+              <a:cxnSpLocks/>
+              <a:stCxn id="15" idx="1"/>
+              <a:endCxn id="32" idx="3"/>
+            </p:cNvCxnSpPr>
+            <p:nvPr/>
+          </p:nvCxnSpPr>
+          <p:spPr>
+            <a:xfrm flipH="1" flipV="1">
+              <a:off x="3472081" y="4060856"/>
+              <a:ext cx="834349" cy="4763"/>
+            </a:xfrm>
+            <a:prstGeom prst="straightConnector1">
+              <a:avLst/>
+            </a:prstGeom>
+            <a:ln w="15875">
+              <a:solidFill>
+                <a:schemeClr val="bg1">
+                  <a:lumMod val="65000"/>
+                </a:schemeClr>
+              </a:solidFill>
+              <a:tailEnd type="triangle"/>
+            </a:ln>
+          </p:spPr>
+          <p:style>
+            <a:lnRef idx="1">
+              <a:schemeClr val="accent1"/>
+            </a:lnRef>
+            <a:fillRef idx="0">
+              <a:schemeClr val="accent1"/>
+            </a:fillRef>
+            <a:effectRef idx="0">
+              <a:schemeClr val="accent1"/>
+            </a:effectRef>
+            <a:fontRef idx="minor">
+              <a:schemeClr val="tx1"/>
+            </a:fontRef>
+          </p:style>
+        </p:cxnSp>
+        <p:cxnSp>
+          <p:nvCxnSpPr>
+            <p:cNvPr id="55" name="Connector: Elbow 54">
+              <a:extLst>
+                <a:ext uri="{FF2B5EF4-FFF2-40B4-BE49-F238E27FC236}">
+                  <a16:creationId xmlns:a16="http://schemas.microsoft.com/office/drawing/2014/main" id="{936E07E4-2B47-4E1A-9C52-A8FDDC648C34}"/>
+                </a:ext>
+              </a:extLst>
+            </p:cNvPr>
+            <p:cNvCxnSpPr>
+              <a:cxnSpLocks/>
+              <a:stCxn id="56" idx="2"/>
+              <a:endCxn id="6" idx="1"/>
+            </p:cNvCxnSpPr>
+            <p:nvPr/>
+          </p:nvCxnSpPr>
+          <p:spPr>
+            <a:xfrm rot="5400000" flipH="1" flipV="1">
+              <a:off x="1437798" y="3089501"/>
+              <a:ext cx="3837593" cy="1899670"/>
+            </a:xfrm>
+            <a:prstGeom prst="bentConnector4">
+              <a:avLst>
+                <a:gd name="adj1" fmla="val -5957"/>
+                <a:gd name="adj2" fmla="val -83868"/>
+              </a:avLst>
+            </a:prstGeom>
+            <a:ln w="15875">
+              <a:solidFill>
+                <a:schemeClr val="bg1">
+                  <a:lumMod val="65000"/>
+                </a:schemeClr>
+              </a:solidFill>
+              <a:tailEnd type="triangle"/>
+            </a:ln>
+          </p:spPr>
+          <p:style>
+            <a:lnRef idx="1">
+              <a:schemeClr val="accent1"/>
+            </a:lnRef>
+            <a:fillRef idx="0">
+              <a:schemeClr val="accent1"/>
+            </a:fillRef>
+            <a:effectRef idx="0">
+              <a:schemeClr val="accent1"/>
+            </a:effectRef>
+            <a:fontRef idx="minor">
+              <a:schemeClr val="tx1"/>
+            </a:fontRef>
+          </p:style>
+        </p:cxnSp>
+        <p:sp>
+          <p:nvSpPr>
+            <p:cNvPr id="56" name="Rectangle 55">
+              <a:extLst>
+                <a:ext uri="{FF2B5EF4-FFF2-40B4-BE49-F238E27FC236}">
+                  <a16:creationId xmlns:a16="http://schemas.microsoft.com/office/drawing/2014/main" id="{6801123E-5D90-4B08-B99C-B1C0B97162E4}"/>
+                </a:ext>
+              </a:extLst>
+            </p:cNvPr>
+            <p:cNvSpPr/>
+            <p:nvPr/>
+          </p:nvSpPr>
+          <p:spPr>
+            <a:xfrm>
+              <a:off x="1341439" y="5650355"/>
+              <a:ext cx="2130641" cy="307777"/>
+            </a:xfrm>
+            <a:prstGeom prst="rect">
+              <a:avLst/>
+            </a:prstGeom>
+            <a:ln w="25400"/>
+          </p:spPr>
+          <p:style>
+            <a:lnRef idx="2">
+              <a:schemeClr val="accent5"/>
+            </a:lnRef>
+            <a:fillRef idx="1">
+              <a:schemeClr val="lt1"/>
+            </a:fillRef>
+            <a:effectRef idx="0">
+              <a:schemeClr val="accent5"/>
+            </a:effectRef>
+            <a:fontRef idx="minor">
+              <a:schemeClr val="dk1"/>
+            </a:fontRef>
+          </p:style>
+          <p:txBody>
+            <a:bodyPr rtlCol="0" anchor="ctr">
+              <a:spAutoFit/>
+            </a:bodyPr>
+            <a:lstStyle/>
+            <a:p>
+              <a:pPr algn="ctr"/>
+              <a:r>
+                <a:rPr lang="en-US" sz="1400" dirty="0"/>
+                <a:t>timeStep++</a:t>
+              </a:r>
+            </a:p>
+          </p:txBody>
+        </p:sp>
+        <p:sp>
+          <p:nvSpPr>
+            <p:cNvPr id="61" name="Rectangle: Rounded Corners 60">
+              <a:extLst>
+                <a:ext uri="{FF2B5EF4-FFF2-40B4-BE49-F238E27FC236}">
+                  <a16:creationId xmlns:a16="http://schemas.microsoft.com/office/drawing/2014/main" id="{1C8CCD83-54FB-4209-87DB-03C824CF004B}"/>
+                </a:ext>
+              </a:extLst>
+            </p:cNvPr>
+            <p:cNvSpPr/>
+            <p:nvPr/>
+          </p:nvSpPr>
+          <p:spPr>
+            <a:xfrm>
+              <a:off x="8423799" y="1964521"/>
+              <a:ext cx="790113" cy="328474"/>
+            </a:xfrm>
+            <a:prstGeom prst="roundRect">
+              <a:avLst/>
+            </a:prstGeom>
+          </p:spPr>
+          <p:style>
+            <a:lnRef idx="2">
+              <a:schemeClr val="accent3">
+                <a:shade val="50000"/>
+              </a:schemeClr>
+            </a:lnRef>
+            <a:fillRef idx="1">
+              <a:schemeClr val="accent3"/>
+            </a:fillRef>
+            <a:effectRef idx="0">
+              <a:schemeClr val="accent3"/>
+            </a:effectRef>
+            <a:fontRef idx="minor">
+              <a:schemeClr val="lt1"/>
+            </a:fontRef>
+          </p:style>
+          <p:txBody>
+            <a:bodyPr rtlCol="0" anchor="ctr"/>
+            <a:lstStyle/>
+            <a:p>
+              <a:pPr algn="ctr"/>
+              <a:r>
+                <a:rPr lang="en-US" dirty="0"/>
+                <a:t>End</a:t>
+              </a:r>
+            </a:p>
+          </p:txBody>
+        </p:sp>
+        <p:cxnSp>
+          <p:nvCxnSpPr>
+            <p:cNvPr id="62" name="Straight Arrow Connector 61">
+              <a:extLst>
+                <a:ext uri="{FF2B5EF4-FFF2-40B4-BE49-F238E27FC236}">
+                  <a16:creationId xmlns:a16="http://schemas.microsoft.com/office/drawing/2014/main" id="{B56EFC8C-F46B-4574-8293-4672DA5FA41E}"/>
+                </a:ext>
+              </a:extLst>
+            </p:cNvPr>
+            <p:cNvCxnSpPr>
+              <a:cxnSpLocks/>
+              <a:stCxn id="6" idx="3"/>
+              <a:endCxn id="61" idx="1"/>
+            </p:cNvCxnSpPr>
+            <p:nvPr/>
+          </p:nvCxnSpPr>
+          <p:spPr>
+            <a:xfrm>
+              <a:off x="6550867" y="2120539"/>
+              <a:ext cx="1872932" cy="8219"/>
+            </a:xfrm>
+            <a:prstGeom prst="straightConnector1">
+              <a:avLst/>
+            </a:prstGeom>
+            <a:ln w="15875">
+              <a:solidFill>
+                <a:schemeClr val="bg1">
+                  <a:lumMod val="65000"/>
+                </a:schemeClr>
+              </a:solidFill>
+              <a:tailEnd type="triangle"/>
+            </a:ln>
+          </p:spPr>
+          <p:style>
+            <a:lnRef idx="1">
+              <a:schemeClr val="accent1"/>
+            </a:lnRef>
+            <a:fillRef idx="0">
+              <a:schemeClr val="accent1"/>
+            </a:fillRef>
+            <a:effectRef idx="0">
+              <a:schemeClr val="accent1"/>
+            </a:effectRef>
+            <a:fontRef idx="minor">
+              <a:schemeClr val="tx1"/>
+            </a:fontRef>
+          </p:style>
+        </p:cxnSp>
+        <p:cxnSp>
+          <p:nvCxnSpPr>
+            <p:cNvPr id="66" name="Straight Arrow Connector 65">
+              <a:extLst>
+                <a:ext uri="{FF2B5EF4-FFF2-40B4-BE49-F238E27FC236}">
+                  <a16:creationId xmlns:a16="http://schemas.microsoft.com/office/drawing/2014/main" id="{97464677-1B51-4EEE-8284-9B04CB864546}"/>
+                </a:ext>
+              </a:extLst>
+            </p:cNvPr>
+            <p:cNvCxnSpPr>
+              <a:cxnSpLocks/>
+              <a:stCxn id="33" idx="2"/>
+              <a:endCxn id="56" idx="0"/>
+            </p:cNvCxnSpPr>
+            <p:nvPr/>
+          </p:nvCxnSpPr>
+          <p:spPr>
+            <a:xfrm flipH="1">
+              <a:off x="2406760" y="5373308"/>
+              <a:ext cx="1" cy="277047"/>
+            </a:xfrm>
+            <a:prstGeom prst="straightConnector1">
+              <a:avLst/>
+            </a:prstGeom>
+            <a:ln w="15875">
+              <a:solidFill>
+                <a:schemeClr val="bg1">
+                  <a:lumMod val="65000"/>
+                </a:schemeClr>
+              </a:solidFill>
+              <a:tailEnd type="triangle"/>
+            </a:ln>
+          </p:spPr>
+          <p:style>
+            <a:lnRef idx="1">
+              <a:schemeClr val="accent1"/>
+            </a:lnRef>
+            <a:fillRef idx="0">
+              <a:schemeClr val="accent1"/>
+            </a:fillRef>
+            <a:effectRef idx="0">
+              <a:schemeClr val="accent1"/>
+            </a:effectRef>
+            <a:fontRef idx="minor">
+              <a:schemeClr val="tx1"/>
+            </a:fontRef>
+          </p:style>
+        </p:cxnSp>
+      </p:grpSp>
+    </p:spTree>
+    <p:extLst>
+      <p:ext uri="{BB962C8B-B14F-4D97-AF65-F5344CB8AC3E}">
+        <p14:creationId xmlns:p14="http://schemas.microsoft.com/office/powerpoint/2010/main" val="1985630931"/>
+      </p:ext>
+    </p:extLst>
+  </p:cSld>
+  <p:clrMapOvr>
+    <a:masterClrMapping/>
+  </p:clrMapOvr>
+</p:sld>
+</file>
+
+<file path=ppt/slides/slide33.xml><?xml version="1.0" encoding="utf-8"?>
+<p:sld xmlns:a="http://schemas.openxmlformats.org/drawingml/2006/main" xmlns:r="http://schemas.openxmlformats.org/officeDocument/2006/relationships" xmlns:p="http://schemas.openxmlformats.org/presentationml/2006/main">
+  <p:cSld>
+    <p:spTree>
+      <p:nvGrpSpPr>
+        <p:cNvPr id="1" name=""/>
+        <p:cNvGrpSpPr/>
+        <p:nvPr/>
+      </p:nvGrpSpPr>
+      <p:grpSpPr>
+        <a:xfrm>
+          <a:off x="0" y="0"/>
+          <a:ext cx="0" cy="0"/>
+          <a:chOff x="0" y="0"/>
+          <a:chExt cx="0" cy="0"/>
+        </a:xfrm>
+      </p:grpSpPr>
+      <p:sp>
+        <p:nvSpPr>
+          <p:cNvPr id="2" name="Title 1">
+            <a:extLst>
+              <a:ext uri="{FF2B5EF4-FFF2-40B4-BE49-F238E27FC236}">
+                <a16:creationId xmlns:a16="http://schemas.microsoft.com/office/drawing/2014/main" id="{D9522911-554A-4D10-87E6-C465F7CB88DF}"/>
+              </a:ext>
+            </a:extLst>
+          </p:cNvPr>
+          <p:cNvSpPr>
+            <a:spLocks noGrp="1"/>
+          </p:cNvSpPr>
+          <p:nvPr>
+            <p:ph type="title"/>
+          </p:nvPr>
+        </p:nvSpPr>
+        <p:spPr/>
+        <p:txBody>
+          <a:bodyPr/>
+          <a:lstStyle/>
+          <a:p>
+            <a:r>
+              <a:rPr lang="en-US" dirty="0" err="1"/>
+              <a:t>Algo</a:t>
+            </a:r>
+            <a:r>
+              <a:rPr lang="en-US" dirty="0"/>
+              <a:t> 1. policy cycle</a:t>
+            </a:r>
           </a:p>
         </p:txBody>
       </p:sp>
@@ -13794,16 +15038,57 @@
           <a:bodyPr/>
           <a:lstStyle/>
           <a:p>
+            <a:pPr marL="514350" indent="-514350">
+              <a:buAutoNum type="arabicPeriod"/>
+            </a:pPr>
             <a:r>
               <a:rPr lang="en-US" dirty="0"/>
-              <a:t>Start the node 1</a:t>
-            </a:r>
-          </a:p>
-          <a:p>
+              <a:t>Estimate </a:t>
+            </a:r>
+            <a:r>
+              <a:rPr lang="en-US" dirty="0" err="1"/>
+              <a:t>rtt</a:t>
+            </a:r>
+            <a:endParaRPr lang="en-US" dirty="0"/>
+          </a:p>
+          <a:p>
+            <a:pPr marL="514350" indent="-514350">
+              <a:buAutoNum type="arabicPeriod"/>
+            </a:pPr>
             <a:r>
               <a:rPr lang="en-US" dirty="0"/>
-              <a:t>Start node 2 after a while (1 sec)</a:t>
-            </a:r>
+              <a:t>Update policy</a:t>
+            </a:r>
+          </a:p>
+          <a:p>
+            <a:pPr marL="514350" indent="-514350">
+              <a:buAutoNum type="arabicPeriod"/>
+            </a:pPr>
+            <a:r>
+              <a:rPr lang="en-US" dirty="0"/>
+              <a:t>Wait 2rtt time</a:t>
+            </a:r>
+          </a:p>
+          <a:p>
+            <a:pPr marL="514350" indent="-514350">
+              <a:buAutoNum type="arabicPeriod"/>
+            </a:pPr>
+            <a:r>
+              <a:rPr lang="en-US" dirty="0"/>
+              <a:t>Go back to 1</a:t>
+            </a:r>
+          </a:p>
+          <a:p>
+            <a:pPr marL="514350" indent="-514350">
+              <a:buAutoNum type="arabicPeriod"/>
+            </a:pPr>
+            <a:endParaRPr lang="en-US" dirty="0"/>
+          </a:p>
+          <a:p>
+            <a:pPr marL="514350" indent="-514350">
+              <a:buAutoNum type="arabicPeriod"/>
+            </a:pPr>
+            <a:endParaRPr lang="en-US" dirty="0"/>
           </a:p>
         </p:txBody>
       </p:sp>
@@ -13811,6 +15096,259 @@
     <p:extLst>
       <p:ext uri="{BB962C8B-B14F-4D97-AF65-F5344CB8AC3E}">
         <p14:creationId xmlns:p14="http://schemas.microsoft.com/office/powerpoint/2010/main" val="1977121735"/>
+      </p:ext>
+    </p:extLst>
+  </p:cSld>
+  <p:clrMapOvr>
+    <a:masterClrMapping/>
+  </p:clrMapOvr>
+</p:sld>
+</file>
+
+<file path=ppt/slides/slide34.xml><?xml version="1.0" encoding="utf-8"?>
+<p:sld xmlns:a="http://schemas.openxmlformats.org/drawingml/2006/main" xmlns:r="http://schemas.openxmlformats.org/officeDocument/2006/relationships" xmlns:p="http://schemas.openxmlformats.org/presentationml/2006/main">
+  <p:cSld>
+    <p:spTree>
+      <p:nvGrpSpPr>
+        <p:cNvPr id="1" name=""/>
+        <p:cNvGrpSpPr/>
+        <p:nvPr/>
+      </p:nvGrpSpPr>
+      <p:grpSpPr>
+        <a:xfrm>
+          <a:off x="0" y="0"/>
+          <a:ext cx="0" cy="0"/>
+          <a:chOff x="0" y="0"/>
+          <a:chExt cx="0" cy="0"/>
+        </a:xfrm>
+      </p:grpSpPr>
+      <p:sp>
+        <p:nvSpPr>
+          <p:cNvPr id="2" name="Title 1">
+            <a:extLst>
+              <a:ext uri="{FF2B5EF4-FFF2-40B4-BE49-F238E27FC236}">
+                <a16:creationId xmlns:a16="http://schemas.microsoft.com/office/drawing/2014/main" id="{8289E998-A4C8-4AA3-9B17-57925444A94D}"/>
+              </a:ext>
+            </a:extLst>
+          </p:cNvPr>
+          <p:cNvSpPr>
+            <a:spLocks noGrp="1"/>
+          </p:cNvSpPr>
+          <p:nvPr>
+            <p:ph type="title"/>
+          </p:nvPr>
+        </p:nvSpPr>
+        <p:spPr/>
+        <p:txBody>
+          <a:bodyPr/>
+          <a:lstStyle/>
+          <a:p>
+            <a:r>
+              <a:rPr lang="en-US" dirty="0" err="1"/>
+              <a:t>PowerClient</a:t>
+            </a:r>
+            <a:r>
+              <a:rPr lang="en-US" dirty="0"/>
+              <a:t> - policy</a:t>
+            </a:r>
+          </a:p>
+        </p:txBody>
+      </p:sp>
+      <p:sp>
+        <p:nvSpPr>
+          <p:cNvPr id="4" name="TextBox 3">
+            <a:extLst>
+              <a:ext uri="{FF2B5EF4-FFF2-40B4-BE49-F238E27FC236}">
+                <a16:creationId xmlns:a16="http://schemas.microsoft.com/office/drawing/2014/main" id="{25296D59-56A8-40F5-A1AA-36327202F5D8}"/>
+              </a:ext>
+            </a:extLst>
+          </p:cNvPr>
+          <p:cNvSpPr txBox="1"/>
+          <p:nvPr/>
+        </p:nvSpPr>
+        <p:spPr>
+          <a:xfrm>
+            <a:off x="838200" y="1625722"/>
+            <a:ext cx="10113819" cy="369332"/>
+          </a:xfrm>
+          <a:prstGeom prst="rect">
+            <a:avLst/>
+          </a:prstGeom>
+          <a:noFill/>
+        </p:spPr>
+        <p:txBody>
+          <a:bodyPr wrap="square" rtlCol="0">
+            <a:spAutoFit/>
+          </a:bodyPr>
+          <a:lstStyle/>
+          <a:p>
+            <a:r>
+              <a:rPr lang="en-US" i="1" dirty="0"/>
+              <a:t>Power = </a:t>
+            </a:r>
+            <a:r>
+              <a:rPr lang="en-US" i="1" dirty="0" err="1"/>
+              <a:t>outstanding_packets</a:t>
+            </a:r>
+            <a:r>
+              <a:rPr lang="en-US" i="1" dirty="0"/>
+              <a:t> / rtt^2</a:t>
+            </a:r>
+          </a:p>
+        </p:txBody>
+      </p:sp>
+      <p:sp>
+        <p:nvSpPr>
+          <p:cNvPr id="5" name="TextBox 4">
+            <a:extLst>
+              <a:ext uri="{FF2B5EF4-FFF2-40B4-BE49-F238E27FC236}">
+                <a16:creationId xmlns:a16="http://schemas.microsoft.com/office/drawing/2014/main" id="{CEB5AF2A-273B-4159-A4CE-53BE531A8E43}"/>
+              </a:ext>
+            </a:extLst>
+          </p:cNvPr>
+          <p:cNvSpPr txBox="1"/>
+          <p:nvPr/>
+        </p:nvSpPr>
+        <p:spPr>
+          <a:xfrm>
+            <a:off x="942109" y="2336800"/>
+            <a:ext cx="9476509" cy="3139321"/>
+          </a:xfrm>
+          <a:prstGeom prst="rect">
+            <a:avLst/>
+          </a:prstGeom>
+          <a:noFill/>
+        </p:spPr>
+        <p:txBody>
+          <a:bodyPr wrap="square" rtlCol="0">
+            <a:spAutoFit/>
+          </a:bodyPr>
+          <a:lstStyle/>
+          <a:p>
+            <a:r>
+              <a:rPr lang="en-US" dirty="0"/>
+              <a:t>If power 2rtt before is less than current power (increase):</a:t>
+            </a:r>
+          </a:p>
+          <a:p>
+            <a:r>
+              <a:rPr lang="en-US" dirty="0"/>
+              <a:t>     if exploit:</a:t>
+            </a:r>
+          </a:p>
+          <a:p>
+            <a:r>
+              <a:rPr lang="en-US" dirty="0"/>
+              <a:t>	increase </a:t>
+            </a:r>
+            <a:r>
+              <a:rPr lang="en-US" dirty="0" err="1"/>
+              <a:t>max_</a:t>
+            </a:r>
+            <a:r>
+              <a:rPr lang="en-US" i="1" dirty="0" err="1"/>
+              <a:t>outstanding_packets</a:t>
+            </a:r>
+            <a:r>
+              <a:rPr lang="en-US" i="1" dirty="0"/>
+              <a:t> by 20% </a:t>
+            </a:r>
+          </a:p>
+          <a:p>
+            <a:r>
+              <a:rPr lang="en-US" i="1" dirty="0"/>
+              <a:t>	return</a:t>
+            </a:r>
+          </a:p>
+          <a:p>
+            <a:r>
+              <a:rPr lang="en-US" i="1" dirty="0"/>
+              <a:t>Decrease </a:t>
+            </a:r>
+            <a:r>
+              <a:rPr lang="en-US" dirty="0" err="1"/>
+              <a:t>max_</a:t>
+            </a:r>
+            <a:r>
+              <a:rPr lang="en-US" i="1" dirty="0" err="1"/>
+              <a:t>outstanding_packets</a:t>
+            </a:r>
+            <a:r>
+              <a:rPr lang="en-US" i="1" dirty="0"/>
+              <a:t> by 20% </a:t>
+            </a:r>
+          </a:p>
+          <a:p>
+            <a:r>
+              <a:rPr lang="en-US" i="1" dirty="0"/>
+              <a:t>If </a:t>
+            </a:r>
+            <a:r>
+              <a:rPr lang="en-US" dirty="0" err="1"/>
+              <a:t>max_</a:t>
+            </a:r>
+            <a:r>
+              <a:rPr lang="en-US" i="1" dirty="0" err="1"/>
+              <a:t>outstanding_packets</a:t>
+            </a:r>
+            <a:r>
+              <a:rPr lang="en-US" i="1" dirty="0"/>
+              <a:t> &lt; </a:t>
+            </a:r>
+            <a:r>
+              <a:rPr lang="en-US" i="1" dirty="0" err="1"/>
+              <a:t>minimum_threshold</a:t>
+            </a:r>
+            <a:r>
+              <a:rPr lang="en-US" i="1" dirty="0"/>
+              <a:t>:</a:t>
+            </a:r>
+          </a:p>
+          <a:p>
+            <a:r>
+              <a:rPr lang="en-US" i="1" dirty="0"/>
+              <a:t>     </a:t>
+            </a:r>
+            <a:r>
+              <a:rPr lang="en-US" dirty="0" err="1"/>
+              <a:t>max_</a:t>
+            </a:r>
+            <a:r>
+              <a:rPr lang="en-US" i="1" dirty="0" err="1"/>
+              <a:t>outstanding_packets</a:t>
+            </a:r>
+            <a:r>
+              <a:rPr lang="en-US" i="1" dirty="0"/>
+              <a:t> = </a:t>
+            </a:r>
+            <a:r>
+              <a:rPr lang="en-US" i="1" dirty="0" err="1"/>
+              <a:t>minimum_threshold</a:t>
+            </a:r>
+            <a:endParaRPr lang="en-US" i="1" dirty="0"/>
+          </a:p>
+          <a:p>
+            <a:endParaRPr lang="en-US" i="1" dirty="0"/>
+          </a:p>
+          <a:p>
+            <a:r>
+              <a:rPr lang="en-US" i="1"/>
+              <a:t>return</a:t>
+            </a:r>
+            <a:endParaRPr lang="en-US" i="1" dirty="0"/>
+          </a:p>
+          <a:p>
+            <a:endParaRPr lang="en-US" i="1" dirty="0"/>
+          </a:p>
+          <a:p>
+            <a:endParaRPr lang="en-US" dirty="0"/>
+          </a:p>
+        </p:txBody>
+      </p:sp>
+    </p:spTree>
+    <p:extLst>
+      <p:ext uri="{BB962C8B-B14F-4D97-AF65-F5344CB8AC3E}">
+        <p14:creationId xmlns:p14="http://schemas.microsoft.com/office/powerpoint/2010/main" val="558530867"/>
       </p:ext>
     </p:extLst>
   </p:cSld>

--- a/doc/plan.pptx
+++ b/doc/plan.pptx
@@ -6,39 +6,35 @@
   </p:sldMasterIdLst>
   <p:sldIdLst>
     <p:sldId id="256" r:id="rId2"/>
-    <p:sldId id="263" r:id="rId3"/>
-    <p:sldId id="257" r:id="rId4"/>
-    <p:sldId id="258" r:id="rId5"/>
-    <p:sldId id="259" r:id="rId6"/>
-    <p:sldId id="260" r:id="rId7"/>
-    <p:sldId id="261" r:id="rId8"/>
-    <p:sldId id="262" r:id="rId9"/>
-    <p:sldId id="264" r:id="rId10"/>
-    <p:sldId id="265" r:id="rId11"/>
-    <p:sldId id="271" r:id="rId12"/>
-    <p:sldId id="267" r:id="rId13"/>
-    <p:sldId id="266" r:id="rId14"/>
-    <p:sldId id="268" r:id="rId15"/>
-    <p:sldId id="269" r:id="rId16"/>
-    <p:sldId id="270" r:id="rId17"/>
-    <p:sldId id="272" r:id="rId18"/>
-    <p:sldId id="273" r:id="rId19"/>
-    <p:sldId id="274" r:id="rId20"/>
-    <p:sldId id="275" r:id="rId21"/>
-    <p:sldId id="276" r:id="rId22"/>
-    <p:sldId id="277" r:id="rId23"/>
-    <p:sldId id="281" r:id="rId24"/>
-    <p:sldId id="283" r:id="rId25"/>
-    <p:sldId id="284" r:id="rId26"/>
-    <p:sldId id="286" r:id="rId27"/>
-    <p:sldId id="285" r:id="rId28"/>
-    <p:sldId id="282" r:id="rId29"/>
-    <p:sldId id="278" r:id="rId30"/>
-    <p:sldId id="279" r:id="rId31"/>
-    <p:sldId id="280" r:id="rId32"/>
-    <p:sldId id="288" r:id="rId33"/>
-    <p:sldId id="287" r:id="rId34"/>
-    <p:sldId id="289" r:id="rId35"/>
+    <p:sldId id="257" r:id="rId3"/>
+    <p:sldId id="260" r:id="rId4"/>
+    <p:sldId id="261" r:id="rId5"/>
+    <p:sldId id="262" r:id="rId6"/>
+    <p:sldId id="264" r:id="rId7"/>
+    <p:sldId id="265" r:id="rId8"/>
+    <p:sldId id="271" r:id="rId9"/>
+    <p:sldId id="267" r:id="rId10"/>
+    <p:sldId id="266" r:id="rId11"/>
+    <p:sldId id="268" r:id="rId12"/>
+    <p:sldId id="269" r:id="rId13"/>
+    <p:sldId id="270" r:id="rId14"/>
+    <p:sldId id="272" r:id="rId15"/>
+    <p:sldId id="273" r:id="rId16"/>
+    <p:sldId id="274" r:id="rId17"/>
+    <p:sldId id="275" r:id="rId18"/>
+    <p:sldId id="276" r:id="rId19"/>
+    <p:sldId id="277" r:id="rId20"/>
+    <p:sldId id="281" r:id="rId21"/>
+    <p:sldId id="283" r:id="rId22"/>
+    <p:sldId id="284" r:id="rId23"/>
+    <p:sldId id="286" r:id="rId24"/>
+    <p:sldId id="285" r:id="rId25"/>
+    <p:sldId id="278" r:id="rId26"/>
+    <p:sldId id="279" r:id="rId27"/>
+    <p:sldId id="280" r:id="rId28"/>
+    <p:sldId id="288" r:id="rId29"/>
+    <p:sldId id="287" r:id="rId30"/>
+    <p:sldId id="289" r:id="rId31"/>
   </p:sldIdLst>
   <p:sldSz cx="12192000" cy="6858000"/>
   <p:notesSz cx="6858000" cy="9144000"/>
@@ -292,7 +288,7 @@
           <a:p>
             <a:fld id="{2EE5EF10-3D11-419F-A8C1-99878D53651A}" type="datetimeFigureOut">
               <a:rPr lang="en-US" smtClean="0"/>
-              <a:t>5/14/2021</a:t>
+              <a:t>7/27/2023</a:t>
             </a:fld>
             <a:endParaRPr lang="en-US"/>
           </a:p>
@@ -490,7 +486,7 @@
           <a:p>
             <a:fld id="{2EE5EF10-3D11-419F-A8C1-99878D53651A}" type="datetimeFigureOut">
               <a:rPr lang="en-US" smtClean="0"/>
-              <a:t>5/14/2021</a:t>
+              <a:t>7/27/2023</a:t>
             </a:fld>
             <a:endParaRPr lang="en-US"/>
           </a:p>
@@ -698,7 +694,7 @@
           <a:p>
             <a:fld id="{2EE5EF10-3D11-419F-A8C1-99878D53651A}" type="datetimeFigureOut">
               <a:rPr lang="en-US" smtClean="0"/>
-              <a:t>5/14/2021</a:t>
+              <a:t>7/27/2023</a:t>
             </a:fld>
             <a:endParaRPr lang="en-US"/>
           </a:p>
@@ -896,7 +892,7 @@
           <a:p>
             <a:fld id="{2EE5EF10-3D11-419F-A8C1-99878D53651A}" type="datetimeFigureOut">
               <a:rPr lang="en-US" smtClean="0"/>
-              <a:t>5/14/2021</a:t>
+              <a:t>7/27/2023</a:t>
             </a:fld>
             <a:endParaRPr lang="en-US"/>
           </a:p>
@@ -1171,7 +1167,7 @@
           <a:p>
             <a:fld id="{2EE5EF10-3D11-419F-A8C1-99878D53651A}" type="datetimeFigureOut">
               <a:rPr lang="en-US" smtClean="0"/>
-              <a:t>5/14/2021</a:t>
+              <a:t>7/27/2023</a:t>
             </a:fld>
             <a:endParaRPr lang="en-US"/>
           </a:p>
@@ -1436,7 +1432,7 @@
           <a:p>
             <a:fld id="{2EE5EF10-3D11-419F-A8C1-99878D53651A}" type="datetimeFigureOut">
               <a:rPr lang="en-US" smtClean="0"/>
-              <a:t>5/14/2021</a:t>
+              <a:t>7/27/2023</a:t>
             </a:fld>
             <a:endParaRPr lang="en-US"/>
           </a:p>
@@ -1848,7 +1844,7 @@
           <a:p>
             <a:fld id="{2EE5EF10-3D11-419F-A8C1-99878D53651A}" type="datetimeFigureOut">
               <a:rPr lang="en-US" smtClean="0"/>
-              <a:t>5/14/2021</a:t>
+              <a:t>7/27/2023</a:t>
             </a:fld>
             <a:endParaRPr lang="en-US"/>
           </a:p>
@@ -1989,7 +1985,7 @@
           <a:p>
             <a:fld id="{2EE5EF10-3D11-419F-A8C1-99878D53651A}" type="datetimeFigureOut">
               <a:rPr lang="en-US" smtClean="0"/>
-              <a:t>5/14/2021</a:t>
+              <a:t>7/27/2023</a:t>
             </a:fld>
             <a:endParaRPr lang="en-US"/>
           </a:p>
@@ -2102,7 +2098,7 @@
           <a:p>
             <a:fld id="{2EE5EF10-3D11-419F-A8C1-99878D53651A}" type="datetimeFigureOut">
               <a:rPr lang="en-US" smtClean="0"/>
-              <a:t>5/14/2021</a:t>
+              <a:t>7/27/2023</a:t>
             </a:fld>
             <a:endParaRPr lang="en-US"/>
           </a:p>
@@ -2413,7 +2409,7 @@
           <a:p>
             <a:fld id="{2EE5EF10-3D11-419F-A8C1-99878D53651A}" type="datetimeFigureOut">
               <a:rPr lang="en-US" smtClean="0"/>
-              <a:t>5/14/2021</a:t>
+              <a:t>7/27/2023</a:t>
             </a:fld>
             <a:endParaRPr lang="en-US"/>
           </a:p>
@@ -2701,7 +2697,7 @@
           <a:p>
             <a:fld id="{2EE5EF10-3D11-419F-A8C1-99878D53651A}" type="datetimeFigureOut">
               <a:rPr lang="en-US" smtClean="0"/>
-              <a:t>5/14/2021</a:t>
+              <a:t>7/27/2023</a:t>
             </a:fld>
             <a:endParaRPr lang="en-US"/>
           </a:p>
@@ -2942,7 +2938,7 @@
           <a:p>
             <a:fld id="{2EE5EF10-3D11-419F-A8C1-99878D53651A}" type="datetimeFigureOut">
               <a:rPr lang="en-US" smtClean="0"/>
-              <a:t>5/14/2021</a:t>
+              <a:t>7/27/2023</a:t>
             </a:fld>
             <a:endParaRPr lang="en-US"/>
           </a:p>
@@ -3819,7 +3815,7 @@
           <p:cNvPr id="2" name="Title 1">
             <a:extLst>
               <a:ext uri="{FF2B5EF4-FFF2-40B4-BE49-F238E27FC236}">
-                <a16:creationId xmlns:a16="http://schemas.microsoft.com/office/drawing/2014/main" id="{0A8A3E64-31AC-468C-A134-ACF0B9FD1FA0}"/>
+                <a16:creationId xmlns:a16="http://schemas.microsoft.com/office/drawing/2014/main" id="{9B1830D8-5C7E-4EA8-9FDB-DC17A774983B}"/>
               </a:ext>
             </a:extLst>
           </p:cNvPr>
@@ -3837,1535 +3833,64 @@
           <a:p>
             <a:r>
               <a:rPr lang="en-US" dirty="0"/>
-              <a:t>A path</a:t>
+              <a:t>Uncontrolled Thread-based simulation</a:t>
             </a:r>
           </a:p>
         </p:txBody>
       </p:sp>
       <p:sp>
         <p:nvSpPr>
-          <p:cNvPr id="4" name="Rectangle 3">
-            <a:extLst>
-              <a:ext uri="{FF2B5EF4-FFF2-40B4-BE49-F238E27FC236}">
-                <a16:creationId xmlns:a16="http://schemas.microsoft.com/office/drawing/2014/main" id="{99DE4DBC-86CD-46E3-8A47-021D87BC82B1}"/>
-              </a:ext>
-            </a:extLst>
-          </p:cNvPr>
-          <p:cNvSpPr/>
-          <p:nvPr/>
+          <p:cNvPr id="3" name="Content Placeholder 2">
+            <a:extLst>
+              <a:ext uri="{FF2B5EF4-FFF2-40B4-BE49-F238E27FC236}">
+                <a16:creationId xmlns:a16="http://schemas.microsoft.com/office/drawing/2014/main" id="{45CFF6F8-C43F-407F-9F9E-06BE8A5E21FB}"/>
+              </a:ext>
+            </a:extLst>
+          </p:cNvPr>
+          <p:cNvSpPr>
+            <a:spLocks noGrp="1"/>
+          </p:cNvSpPr>
+          <p:nvPr>
+            <p:ph idx="1"/>
+          </p:nvPr>
         </p:nvSpPr>
-        <p:spPr>
-          <a:xfrm>
-            <a:off x="1500223" y="2376030"/>
-            <a:ext cx="1217795" cy="518300"/>
-          </a:xfrm>
-          <a:prstGeom prst="rect">
-            <a:avLst/>
-          </a:prstGeom>
-        </p:spPr>
-        <p:style>
-          <a:lnRef idx="2">
-            <a:schemeClr val="accent6"/>
-          </a:lnRef>
-          <a:fillRef idx="1">
-            <a:schemeClr val="lt1"/>
-          </a:fillRef>
-          <a:effectRef idx="0">
-            <a:schemeClr val="accent6"/>
-          </a:effectRef>
-          <a:fontRef idx="minor">
-            <a:schemeClr val="dk1"/>
-          </a:fontRef>
-        </p:style>
+        <p:spPr/>
         <p:txBody>
-          <a:bodyPr rtlCol="0" anchor="ctr"/>
+          <a:bodyPr/>
           <a:lstStyle/>
           <a:p>
-            <a:pPr algn="ctr"/>
             <a:r>
               <a:rPr lang="en-US" dirty="0"/>
-              <a:t>Client 2</a:t>
-            </a:r>
-          </a:p>
-        </p:txBody>
-      </p:sp>
-      <p:grpSp>
-        <p:nvGrpSpPr>
-          <p:cNvPr id="5" name="Group 4">
-            <a:extLst>
-              <a:ext uri="{FF2B5EF4-FFF2-40B4-BE49-F238E27FC236}">
-                <a16:creationId xmlns:a16="http://schemas.microsoft.com/office/drawing/2014/main" id="{295F4B28-BB83-4113-A1EC-4B3EF31C3279}"/>
-              </a:ext>
-            </a:extLst>
-          </p:cNvPr>
-          <p:cNvGrpSpPr/>
-          <p:nvPr/>
-        </p:nvGrpSpPr>
-        <p:grpSpPr>
-          <a:xfrm>
-            <a:off x="4755931" y="2622480"/>
-            <a:ext cx="1567543" cy="518300"/>
-            <a:chOff x="5874072" y="1759973"/>
-            <a:chExt cx="1567543" cy="518300"/>
-          </a:xfrm>
-        </p:grpSpPr>
-        <p:sp>
-          <p:nvSpPr>
-            <p:cNvPr id="6" name="Rectangle 5">
-              <a:extLst>
-                <a:ext uri="{FF2B5EF4-FFF2-40B4-BE49-F238E27FC236}">
-                  <a16:creationId xmlns:a16="http://schemas.microsoft.com/office/drawing/2014/main" id="{E72A1B4D-F0B7-4A7A-96D2-813F73A8400D}"/>
-                </a:ext>
-              </a:extLst>
-            </p:cNvPr>
-            <p:cNvSpPr/>
-            <p:nvPr/>
-          </p:nvSpPr>
-          <p:spPr>
-            <a:xfrm>
-              <a:off x="5928852" y="1835821"/>
-              <a:ext cx="210691" cy="366603"/>
-            </a:xfrm>
-            <a:prstGeom prst="rect">
-              <a:avLst/>
-            </a:prstGeom>
-          </p:spPr>
-          <p:style>
-            <a:lnRef idx="2">
-              <a:schemeClr val="accent5"/>
-            </a:lnRef>
-            <a:fillRef idx="1">
-              <a:schemeClr val="lt1"/>
-            </a:fillRef>
-            <a:effectRef idx="0">
-              <a:schemeClr val="accent5"/>
-            </a:effectRef>
-            <a:fontRef idx="minor">
-              <a:schemeClr val="dk1"/>
-            </a:fontRef>
-          </p:style>
-          <p:txBody>
-            <a:bodyPr rtlCol="0" anchor="ctr"/>
-            <a:lstStyle/>
-            <a:p>
-              <a:pPr algn="ctr"/>
-              <a:endParaRPr lang="en-US"/>
-            </a:p>
-          </p:txBody>
-        </p:sp>
-        <p:sp>
-          <p:nvSpPr>
-            <p:cNvPr id="7" name="Rectangle 6">
-              <a:extLst>
-                <a:ext uri="{FF2B5EF4-FFF2-40B4-BE49-F238E27FC236}">
-                  <a16:creationId xmlns:a16="http://schemas.microsoft.com/office/drawing/2014/main" id="{D718C7D4-6D92-4B30-95A0-DE71E1512259}"/>
-                </a:ext>
-              </a:extLst>
-            </p:cNvPr>
-            <p:cNvSpPr/>
-            <p:nvPr/>
-          </p:nvSpPr>
-          <p:spPr>
-            <a:xfrm>
-              <a:off x="6182384" y="1835821"/>
-              <a:ext cx="210691" cy="366603"/>
-            </a:xfrm>
-            <a:prstGeom prst="rect">
-              <a:avLst/>
-            </a:prstGeom>
-          </p:spPr>
-          <p:style>
-            <a:lnRef idx="2">
-              <a:schemeClr val="accent5"/>
-            </a:lnRef>
-            <a:fillRef idx="1">
-              <a:schemeClr val="lt1"/>
-            </a:fillRef>
-            <a:effectRef idx="0">
-              <a:schemeClr val="accent5"/>
-            </a:effectRef>
-            <a:fontRef idx="minor">
-              <a:schemeClr val="dk1"/>
-            </a:fontRef>
-          </p:style>
-          <p:txBody>
-            <a:bodyPr rtlCol="0" anchor="ctr"/>
-            <a:lstStyle/>
-            <a:p>
-              <a:pPr algn="ctr"/>
-              <a:endParaRPr lang="en-US"/>
-            </a:p>
-          </p:txBody>
-        </p:sp>
-        <p:sp>
-          <p:nvSpPr>
-            <p:cNvPr id="8" name="Rectangle 7">
-              <a:extLst>
-                <a:ext uri="{FF2B5EF4-FFF2-40B4-BE49-F238E27FC236}">
-                  <a16:creationId xmlns:a16="http://schemas.microsoft.com/office/drawing/2014/main" id="{C663084D-D661-4BFF-90AD-681E064CC52B}"/>
-                </a:ext>
-              </a:extLst>
-            </p:cNvPr>
-            <p:cNvSpPr/>
-            <p:nvPr/>
-          </p:nvSpPr>
-          <p:spPr>
-            <a:xfrm>
-              <a:off x="6435916" y="1835820"/>
-              <a:ext cx="210691" cy="366603"/>
-            </a:xfrm>
-            <a:prstGeom prst="rect">
-              <a:avLst/>
-            </a:prstGeom>
-          </p:spPr>
-          <p:style>
-            <a:lnRef idx="2">
-              <a:schemeClr val="accent5"/>
-            </a:lnRef>
-            <a:fillRef idx="1">
-              <a:schemeClr val="lt1"/>
-            </a:fillRef>
-            <a:effectRef idx="0">
-              <a:schemeClr val="accent5"/>
-            </a:effectRef>
-            <a:fontRef idx="minor">
-              <a:schemeClr val="dk1"/>
-            </a:fontRef>
-          </p:style>
-          <p:txBody>
-            <a:bodyPr rtlCol="0" anchor="ctr"/>
-            <a:lstStyle/>
-            <a:p>
-              <a:pPr algn="ctr"/>
-              <a:endParaRPr lang="en-US"/>
-            </a:p>
-          </p:txBody>
-        </p:sp>
-        <p:sp>
-          <p:nvSpPr>
-            <p:cNvPr id="9" name="Arrow: Right 8">
-              <a:extLst>
-                <a:ext uri="{FF2B5EF4-FFF2-40B4-BE49-F238E27FC236}">
-                  <a16:creationId xmlns:a16="http://schemas.microsoft.com/office/drawing/2014/main" id="{7852DF5F-667B-4305-A711-0F04FC40ACF2}"/>
-                </a:ext>
-              </a:extLst>
-            </p:cNvPr>
-            <p:cNvSpPr/>
-            <p:nvPr/>
-          </p:nvSpPr>
-          <p:spPr>
-            <a:xfrm>
-              <a:off x="6702090" y="1966098"/>
-              <a:ext cx="632074" cy="106045"/>
-            </a:xfrm>
-            <a:prstGeom prst="rightArrow">
-              <a:avLst/>
-            </a:prstGeom>
-          </p:spPr>
-          <p:style>
-            <a:lnRef idx="2">
-              <a:schemeClr val="dk1">
-                <a:shade val="50000"/>
-              </a:schemeClr>
-            </a:lnRef>
-            <a:fillRef idx="1">
-              <a:schemeClr val="dk1"/>
-            </a:fillRef>
-            <a:effectRef idx="0">
-              <a:schemeClr val="dk1"/>
-            </a:effectRef>
-            <a:fontRef idx="minor">
-              <a:schemeClr val="lt1"/>
-            </a:fontRef>
-          </p:style>
-          <p:txBody>
-            <a:bodyPr rtlCol="0" anchor="ctr"/>
-            <a:lstStyle/>
-            <a:p>
-              <a:pPr algn="ctr"/>
-              <a:endParaRPr lang="en-US"/>
-            </a:p>
-          </p:txBody>
-        </p:sp>
-        <p:sp>
-          <p:nvSpPr>
-            <p:cNvPr id="10" name="Rectangle 9">
-              <a:extLst>
-                <a:ext uri="{FF2B5EF4-FFF2-40B4-BE49-F238E27FC236}">
-                  <a16:creationId xmlns:a16="http://schemas.microsoft.com/office/drawing/2014/main" id="{D2CB4C92-9ACC-4376-B18C-B94D15CA99B1}"/>
-                </a:ext>
-              </a:extLst>
-            </p:cNvPr>
-            <p:cNvSpPr/>
-            <p:nvPr/>
-          </p:nvSpPr>
-          <p:spPr>
-            <a:xfrm>
-              <a:off x="5874072" y="1759973"/>
-              <a:ext cx="1567543" cy="518300"/>
-            </a:xfrm>
-            <a:prstGeom prst="rect">
-              <a:avLst/>
-            </a:prstGeom>
-            <a:noFill/>
-          </p:spPr>
-          <p:style>
-            <a:lnRef idx="2">
-              <a:schemeClr val="accent5"/>
-            </a:lnRef>
-            <a:fillRef idx="1">
-              <a:schemeClr val="lt1"/>
-            </a:fillRef>
-            <a:effectRef idx="0">
-              <a:schemeClr val="accent5"/>
-            </a:effectRef>
-            <a:fontRef idx="minor">
-              <a:schemeClr val="dk1"/>
-            </a:fontRef>
-          </p:style>
-          <p:txBody>
-            <a:bodyPr rtlCol="0" anchor="ctr"/>
-            <a:lstStyle/>
-            <a:p>
-              <a:pPr algn="ctr"/>
-              <a:endParaRPr lang="en-US"/>
-            </a:p>
-          </p:txBody>
-        </p:sp>
-      </p:grpSp>
-      <p:sp>
-        <p:nvSpPr>
-          <p:cNvPr id="11" name="Rectangle 10">
-            <a:extLst>
-              <a:ext uri="{FF2B5EF4-FFF2-40B4-BE49-F238E27FC236}">
-                <a16:creationId xmlns:a16="http://schemas.microsoft.com/office/drawing/2014/main" id="{DD158410-BD42-4918-B047-E7F9DF59639D}"/>
-              </a:ext>
-            </a:extLst>
-          </p:cNvPr>
-          <p:cNvSpPr/>
-          <p:nvPr/>
-        </p:nvSpPr>
-        <p:spPr>
-          <a:xfrm>
-            <a:off x="10009815" y="2776630"/>
-            <a:ext cx="1217795" cy="518300"/>
-          </a:xfrm>
-          <a:prstGeom prst="rect">
-            <a:avLst/>
-          </a:prstGeom>
-        </p:spPr>
-        <p:style>
-          <a:lnRef idx="3">
-            <a:schemeClr val="lt1"/>
-          </a:lnRef>
-          <a:fillRef idx="1">
-            <a:schemeClr val="dk1"/>
-          </a:fillRef>
-          <a:effectRef idx="1">
-            <a:schemeClr val="dk1"/>
-          </a:effectRef>
-          <a:fontRef idx="minor">
-            <a:schemeClr val="lt1"/>
-          </a:fontRef>
-        </p:style>
-        <p:txBody>
-          <a:bodyPr rtlCol="0" anchor="ctr"/>
-          <a:lstStyle/>
-          <a:p>
-            <a:pPr algn="ctr"/>
+              <a:t>Each element in the network has its own thread </a:t>
+            </a:r>
+          </a:p>
+          <a:p>
             <a:r>
               <a:rPr lang="en-US" dirty="0"/>
-              <a:t>Server 2</a:t>
-            </a:r>
-          </a:p>
-        </p:txBody>
-      </p:sp>
-      <p:cxnSp>
-        <p:nvCxnSpPr>
-          <p:cNvPr id="12" name="Connector: Curved 11">
-            <a:extLst>
-              <a:ext uri="{FF2B5EF4-FFF2-40B4-BE49-F238E27FC236}">
-                <a16:creationId xmlns:a16="http://schemas.microsoft.com/office/drawing/2014/main" id="{E713224F-0F6C-4C46-8FAC-5C8013E6157B}"/>
-              </a:ext>
-            </a:extLst>
-          </p:cNvPr>
-          <p:cNvCxnSpPr>
-            <a:cxnSpLocks/>
-            <a:stCxn id="4" idx="3"/>
-            <a:endCxn id="30" idx="1"/>
-          </p:cNvCxnSpPr>
-          <p:nvPr/>
-        </p:nvCxnSpPr>
-        <p:spPr>
-          <a:xfrm flipH="1">
-            <a:off x="2564391" y="2635180"/>
-            <a:ext cx="153627" cy="1216799"/>
-          </a:xfrm>
-          <a:prstGeom prst="curvedConnector5">
-            <a:avLst>
-              <a:gd name="adj1" fmla="val -148802"/>
-              <a:gd name="adj2" fmla="val 50000"/>
-              <a:gd name="adj3" fmla="val 248802"/>
-            </a:avLst>
-          </a:prstGeom>
-          <a:ln w="12700">
-            <a:tailEnd type="triangle"/>
-          </a:ln>
-        </p:spPr>
-        <p:style>
-          <a:lnRef idx="1">
-            <a:schemeClr val="accent6"/>
-          </a:lnRef>
-          <a:fillRef idx="0">
-            <a:schemeClr val="accent6"/>
-          </a:fillRef>
-          <a:effectRef idx="0">
-            <a:schemeClr val="accent6"/>
-          </a:effectRef>
-          <a:fontRef idx="minor">
-            <a:schemeClr val="tx1"/>
-          </a:fontRef>
-        </p:style>
-      </p:cxnSp>
-      <p:cxnSp>
-        <p:nvCxnSpPr>
-          <p:cNvPr id="13" name="Connector: Curved 12">
-            <a:extLst>
-              <a:ext uri="{FF2B5EF4-FFF2-40B4-BE49-F238E27FC236}">
-                <a16:creationId xmlns:a16="http://schemas.microsoft.com/office/drawing/2014/main" id="{E2EE833A-9FA0-4361-9AE4-4EBD00BC14E7}"/>
-              </a:ext>
-            </a:extLst>
-          </p:cNvPr>
-          <p:cNvCxnSpPr>
-            <a:cxnSpLocks/>
-            <a:stCxn id="22" idx="3"/>
-            <a:endCxn id="11" idx="1"/>
-          </p:cNvCxnSpPr>
-          <p:nvPr/>
-        </p:nvCxnSpPr>
-        <p:spPr>
-          <a:xfrm>
-            <a:off x="9290304" y="2889822"/>
-            <a:ext cx="719511" cy="145958"/>
-          </a:xfrm>
-          <a:prstGeom prst="curvedConnector3">
-            <a:avLst/>
-          </a:prstGeom>
-          <a:ln w="12700">
-            <a:tailEnd type="triangle"/>
-          </a:ln>
-        </p:spPr>
-        <p:style>
-          <a:lnRef idx="1">
-            <a:schemeClr val="accent6"/>
-          </a:lnRef>
-          <a:fillRef idx="0">
-            <a:schemeClr val="accent6"/>
-          </a:fillRef>
-          <a:effectRef idx="0">
-            <a:schemeClr val="accent6"/>
-          </a:effectRef>
-          <a:fontRef idx="minor">
-            <a:schemeClr val="tx1"/>
-          </a:fontRef>
-        </p:style>
-      </p:cxnSp>
-      <p:cxnSp>
-        <p:nvCxnSpPr>
-          <p:cNvPr id="14" name="Connector: Curved 13">
-            <a:extLst>
-              <a:ext uri="{FF2B5EF4-FFF2-40B4-BE49-F238E27FC236}">
-                <a16:creationId xmlns:a16="http://schemas.microsoft.com/office/drawing/2014/main" id="{2B18607C-24D0-4000-AF24-0EC1869BB0ED}"/>
-              </a:ext>
-            </a:extLst>
-          </p:cNvPr>
-          <p:cNvCxnSpPr>
-            <a:cxnSpLocks/>
-            <a:stCxn id="10" idx="3"/>
-            <a:endCxn id="22" idx="1"/>
-          </p:cNvCxnSpPr>
-          <p:nvPr/>
-        </p:nvCxnSpPr>
-        <p:spPr>
-          <a:xfrm>
-            <a:off x="6323474" y="2881630"/>
-            <a:ext cx="1399287" cy="8192"/>
-          </a:xfrm>
-          <a:prstGeom prst="curvedConnector3">
-            <a:avLst>
-              <a:gd name="adj1" fmla="val 50000"/>
-            </a:avLst>
-          </a:prstGeom>
-          <a:ln w="12700">
-            <a:tailEnd type="triangle"/>
-          </a:ln>
-        </p:spPr>
-        <p:style>
-          <a:lnRef idx="1">
-            <a:schemeClr val="accent6"/>
-          </a:lnRef>
-          <a:fillRef idx="0">
-            <a:schemeClr val="accent6"/>
-          </a:fillRef>
-          <a:effectRef idx="0">
-            <a:schemeClr val="accent6"/>
-          </a:effectRef>
-          <a:fontRef idx="minor">
-            <a:schemeClr val="tx1"/>
-          </a:fontRef>
-        </p:style>
-      </p:cxnSp>
-      <p:grpSp>
-        <p:nvGrpSpPr>
-          <p:cNvPr id="15" name="Group 14">
-            <a:extLst>
-              <a:ext uri="{FF2B5EF4-FFF2-40B4-BE49-F238E27FC236}">
-                <a16:creationId xmlns:a16="http://schemas.microsoft.com/office/drawing/2014/main" id="{3DCA4C08-A287-402E-94AF-C3944463D304}"/>
-              </a:ext>
-            </a:extLst>
-          </p:cNvPr>
-          <p:cNvGrpSpPr/>
-          <p:nvPr/>
-        </p:nvGrpSpPr>
-        <p:grpSpPr>
-          <a:xfrm>
-            <a:off x="7722761" y="2576916"/>
-            <a:ext cx="1567543" cy="572056"/>
-            <a:chOff x="3867735" y="2577041"/>
-            <a:chExt cx="1567543" cy="572056"/>
-          </a:xfrm>
-        </p:grpSpPr>
-        <p:grpSp>
-          <p:nvGrpSpPr>
-            <p:cNvPr id="16" name="Group 15">
-              <a:extLst>
-                <a:ext uri="{FF2B5EF4-FFF2-40B4-BE49-F238E27FC236}">
-                  <a16:creationId xmlns:a16="http://schemas.microsoft.com/office/drawing/2014/main" id="{518FED06-53FC-4F7C-A35B-74A7A1D0D012}"/>
-                </a:ext>
-              </a:extLst>
-            </p:cNvPr>
-            <p:cNvGrpSpPr/>
-            <p:nvPr/>
-          </p:nvGrpSpPr>
-          <p:grpSpPr>
-            <a:xfrm>
-              <a:off x="3867735" y="2630797"/>
-              <a:ext cx="1567543" cy="518300"/>
-              <a:chOff x="5874072" y="1759973"/>
-              <a:chExt cx="1567543" cy="518300"/>
-            </a:xfrm>
-          </p:grpSpPr>
-          <p:sp>
-            <p:nvSpPr>
-              <p:cNvPr id="18" name="Rectangle 17">
-                <a:extLst>
-                  <a:ext uri="{FF2B5EF4-FFF2-40B4-BE49-F238E27FC236}">
-                    <a16:creationId xmlns:a16="http://schemas.microsoft.com/office/drawing/2014/main" id="{5C710D95-0026-4A7D-9F42-000C3EF5CA3A}"/>
-                  </a:ext>
-                </a:extLst>
-              </p:cNvPr>
-              <p:cNvSpPr/>
-              <p:nvPr/>
-            </p:nvSpPr>
-            <p:spPr>
-              <a:xfrm>
-                <a:off x="5928852" y="1835821"/>
-                <a:ext cx="210691" cy="366603"/>
-              </a:xfrm>
-              <a:prstGeom prst="rect">
-                <a:avLst/>
-              </a:prstGeom>
-            </p:spPr>
-            <p:style>
-              <a:lnRef idx="2">
-                <a:schemeClr val="accent5"/>
-              </a:lnRef>
-              <a:fillRef idx="1">
-                <a:schemeClr val="lt1"/>
-              </a:fillRef>
-              <a:effectRef idx="0">
-                <a:schemeClr val="accent5"/>
-              </a:effectRef>
-              <a:fontRef idx="minor">
-                <a:schemeClr val="dk1"/>
-              </a:fontRef>
-            </p:style>
-            <p:txBody>
-              <a:bodyPr rtlCol="0" anchor="ctr"/>
-              <a:lstStyle/>
-              <a:p>
-                <a:pPr algn="ctr"/>
-                <a:endParaRPr lang="en-US"/>
-              </a:p>
-            </p:txBody>
-          </p:sp>
-          <p:sp>
-            <p:nvSpPr>
-              <p:cNvPr id="19" name="Rectangle 18">
-                <a:extLst>
-                  <a:ext uri="{FF2B5EF4-FFF2-40B4-BE49-F238E27FC236}">
-                    <a16:creationId xmlns:a16="http://schemas.microsoft.com/office/drawing/2014/main" id="{9907CB54-D0E3-446F-8AEA-5664C9B3752C}"/>
-                  </a:ext>
-                </a:extLst>
-              </p:cNvPr>
-              <p:cNvSpPr/>
-              <p:nvPr/>
-            </p:nvSpPr>
-            <p:spPr>
-              <a:xfrm>
-                <a:off x="6182384" y="1835821"/>
-                <a:ext cx="210691" cy="366603"/>
-              </a:xfrm>
-              <a:prstGeom prst="rect">
-                <a:avLst/>
-              </a:prstGeom>
-            </p:spPr>
-            <p:style>
-              <a:lnRef idx="2">
-                <a:schemeClr val="accent5"/>
-              </a:lnRef>
-              <a:fillRef idx="1">
-                <a:schemeClr val="lt1"/>
-              </a:fillRef>
-              <a:effectRef idx="0">
-                <a:schemeClr val="accent5"/>
-              </a:effectRef>
-              <a:fontRef idx="minor">
-                <a:schemeClr val="dk1"/>
-              </a:fontRef>
-            </p:style>
-            <p:txBody>
-              <a:bodyPr rtlCol="0" anchor="ctr"/>
-              <a:lstStyle/>
-              <a:p>
-                <a:pPr algn="ctr"/>
-                <a:endParaRPr lang="en-US"/>
-              </a:p>
-            </p:txBody>
-          </p:sp>
-          <p:sp>
-            <p:nvSpPr>
-              <p:cNvPr id="20" name="Rectangle 19">
-                <a:extLst>
-                  <a:ext uri="{FF2B5EF4-FFF2-40B4-BE49-F238E27FC236}">
-                    <a16:creationId xmlns:a16="http://schemas.microsoft.com/office/drawing/2014/main" id="{358EAE89-DC94-4E1C-9BC2-5E165FC443FA}"/>
-                  </a:ext>
-                </a:extLst>
-              </p:cNvPr>
-              <p:cNvSpPr/>
-              <p:nvPr/>
-            </p:nvSpPr>
-            <p:spPr>
-              <a:xfrm>
-                <a:off x="6435916" y="1835820"/>
-                <a:ext cx="210691" cy="366603"/>
-              </a:xfrm>
-              <a:prstGeom prst="rect">
-                <a:avLst/>
-              </a:prstGeom>
-            </p:spPr>
-            <p:style>
-              <a:lnRef idx="2">
-                <a:schemeClr val="accent5"/>
-              </a:lnRef>
-              <a:fillRef idx="1">
-                <a:schemeClr val="lt1"/>
-              </a:fillRef>
-              <a:effectRef idx="0">
-                <a:schemeClr val="accent5"/>
-              </a:effectRef>
-              <a:fontRef idx="minor">
-                <a:schemeClr val="dk1"/>
-              </a:fontRef>
-            </p:style>
-            <p:txBody>
-              <a:bodyPr rtlCol="0" anchor="ctr"/>
-              <a:lstStyle/>
-              <a:p>
-                <a:pPr algn="ctr"/>
-                <a:endParaRPr lang="en-US"/>
-              </a:p>
-            </p:txBody>
-          </p:sp>
-          <p:sp>
-            <p:nvSpPr>
-              <p:cNvPr id="21" name="Arrow: Right 20">
-                <a:extLst>
-                  <a:ext uri="{FF2B5EF4-FFF2-40B4-BE49-F238E27FC236}">
-                    <a16:creationId xmlns:a16="http://schemas.microsoft.com/office/drawing/2014/main" id="{0FBA9B26-9FEE-4584-B52D-492974B42868}"/>
-                  </a:ext>
-                </a:extLst>
-              </p:cNvPr>
-              <p:cNvSpPr/>
-              <p:nvPr/>
-            </p:nvSpPr>
-            <p:spPr>
-              <a:xfrm>
-                <a:off x="6702090" y="1966098"/>
-                <a:ext cx="632074" cy="106045"/>
-              </a:xfrm>
-              <a:prstGeom prst="rightArrow">
-                <a:avLst/>
-              </a:prstGeom>
-            </p:spPr>
-            <p:style>
-              <a:lnRef idx="2">
-                <a:schemeClr val="dk1">
-                  <a:shade val="50000"/>
-                </a:schemeClr>
-              </a:lnRef>
-              <a:fillRef idx="1">
-                <a:schemeClr val="dk1"/>
-              </a:fillRef>
-              <a:effectRef idx="0">
-                <a:schemeClr val="dk1"/>
-              </a:effectRef>
-              <a:fontRef idx="minor">
-                <a:schemeClr val="lt1"/>
-              </a:fontRef>
-            </p:style>
-            <p:txBody>
-              <a:bodyPr rtlCol="0" anchor="ctr"/>
-              <a:lstStyle/>
-              <a:p>
-                <a:pPr algn="ctr"/>
-                <a:endParaRPr lang="en-US"/>
-              </a:p>
-            </p:txBody>
-          </p:sp>
-          <p:sp>
-            <p:nvSpPr>
-              <p:cNvPr id="22" name="Rectangle 21">
-                <a:extLst>
-                  <a:ext uri="{FF2B5EF4-FFF2-40B4-BE49-F238E27FC236}">
-                    <a16:creationId xmlns:a16="http://schemas.microsoft.com/office/drawing/2014/main" id="{0B30EAB2-9F5D-4760-A602-7E1AE72A7F86}"/>
-                  </a:ext>
-                </a:extLst>
-              </p:cNvPr>
-              <p:cNvSpPr/>
-              <p:nvPr/>
-            </p:nvSpPr>
-            <p:spPr>
-              <a:xfrm>
-                <a:off x="5874072" y="1759973"/>
-                <a:ext cx="1567543" cy="518300"/>
-              </a:xfrm>
-              <a:prstGeom prst="rect">
-                <a:avLst/>
-              </a:prstGeom>
-              <a:noFill/>
-            </p:spPr>
-            <p:style>
-              <a:lnRef idx="2">
-                <a:schemeClr val="accent5"/>
-              </a:lnRef>
-              <a:fillRef idx="1">
-                <a:schemeClr val="lt1"/>
-              </a:fillRef>
-              <a:effectRef idx="0">
-                <a:schemeClr val="accent5"/>
-              </a:effectRef>
-              <a:fontRef idx="minor">
-                <a:schemeClr val="dk1"/>
-              </a:fontRef>
-            </p:style>
-            <p:txBody>
-              <a:bodyPr rtlCol="0" anchor="ctr"/>
-              <a:lstStyle/>
-              <a:p>
-                <a:pPr algn="ctr"/>
-                <a:endParaRPr lang="en-US"/>
-              </a:p>
-            </p:txBody>
-          </p:sp>
-        </p:grpSp>
-        <p:sp>
-          <p:nvSpPr>
-            <p:cNvPr id="17" name="TextBox 16">
-              <a:extLst>
-                <a:ext uri="{FF2B5EF4-FFF2-40B4-BE49-F238E27FC236}">
-                  <a16:creationId xmlns:a16="http://schemas.microsoft.com/office/drawing/2014/main" id="{DF3D57D8-E7CA-456D-BB07-3DBB77A6BCCE}"/>
-                </a:ext>
-              </a:extLst>
-            </p:cNvPr>
-            <p:cNvSpPr txBox="1"/>
-            <p:nvPr/>
-          </p:nvSpPr>
-          <p:spPr>
-            <a:xfrm>
-              <a:off x="5223304" y="2577041"/>
-              <a:ext cx="198780" cy="307777"/>
-            </a:xfrm>
-            <a:prstGeom prst="rect">
-              <a:avLst/>
-            </a:prstGeom>
-            <a:noFill/>
-          </p:spPr>
-          <p:txBody>
-            <a:bodyPr wrap="square" rtlCol="0">
-              <a:spAutoFit/>
-            </a:bodyPr>
-            <a:lstStyle/>
-            <a:p>
-              <a:r>
-                <a:rPr lang="en-US" sz="1400" dirty="0"/>
-                <a:t>4</a:t>
-              </a:r>
-            </a:p>
-          </p:txBody>
-        </p:sp>
-      </p:grpSp>
-      <p:grpSp>
-        <p:nvGrpSpPr>
-          <p:cNvPr id="23" name="Group 22">
-            <a:extLst>
-              <a:ext uri="{FF2B5EF4-FFF2-40B4-BE49-F238E27FC236}">
-                <a16:creationId xmlns:a16="http://schemas.microsoft.com/office/drawing/2014/main" id="{0E740B45-D2F4-4506-BC21-A675511463B4}"/>
-              </a:ext>
-            </a:extLst>
-          </p:cNvPr>
-          <p:cNvGrpSpPr/>
-          <p:nvPr/>
-        </p:nvGrpSpPr>
-        <p:grpSpPr>
-          <a:xfrm>
-            <a:off x="2564391" y="3539073"/>
-            <a:ext cx="1567543" cy="572056"/>
-            <a:chOff x="3867735" y="2577041"/>
-            <a:chExt cx="1567543" cy="572056"/>
-          </a:xfrm>
-        </p:grpSpPr>
-        <p:grpSp>
-          <p:nvGrpSpPr>
-            <p:cNvPr id="24" name="Group 23">
-              <a:extLst>
-                <a:ext uri="{FF2B5EF4-FFF2-40B4-BE49-F238E27FC236}">
-                  <a16:creationId xmlns:a16="http://schemas.microsoft.com/office/drawing/2014/main" id="{2EC54D7E-BDC3-43D7-9290-F253867C106F}"/>
-                </a:ext>
-              </a:extLst>
-            </p:cNvPr>
-            <p:cNvGrpSpPr/>
-            <p:nvPr/>
-          </p:nvGrpSpPr>
-          <p:grpSpPr>
-            <a:xfrm>
-              <a:off x="3867735" y="2630797"/>
-              <a:ext cx="1567543" cy="518300"/>
-              <a:chOff x="5874072" y="1759973"/>
-              <a:chExt cx="1567543" cy="518300"/>
-            </a:xfrm>
-          </p:grpSpPr>
-          <p:sp>
-            <p:nvSpPr>
-              <p:cNvPr id="26" name="Rectangle 25">
-                <a:extLst>
-                  <a:ext uri="{FF2B5EF4-FFF2-40B4-BE49-F238E27FC236}">
-                    <a16:creationId xmlns:a16="http://schemas.microsoft.com/office/drawing/2014/main" id="{C41694C1-47E7-4138-9EC6-F6B56563338E}"/>
-                  </a:ext>
-                </a:extLst>
-              </p:cNvPr>
-              <p:cNvSpPr/>
-              <p:nvPr/>
-            </p:nvSpPr>
-            <p:spPr>
-              <a:xfrm>
-                <a:off x="5928852" y="1835821"/>
-                <a:ext cx="210691" cy="366603"/>
-              </a:xfrm>
-              <a:prstGeom prst="rect">
-                <a:avLst/>
-              </a:prstGeom>
-            </p:spPr>
-            <p:style>
-              <a:lnRef idx="2">
-                <a:schemeClr val="accent5"/>
-              </a:lnRef>
-              <a:fillRef idx="1">
-                <a:schemeClr val="lt1"/>
-              </a:fillRef>
-              <a:effectRef idx="0">
-                <a:schemeClr val="accent5"/>
-              </a:effectRef>
-              <a:fontRef idx="minor">
-                <a:schemeClr val="dk1"/>
-              </a:fontRef>
-            </p:style>
-            <p:txBody>
-              <a:bodyPr rtlCol="0" anchor="ctr"/>
-              <a:lstStyle/>
-              <a:p>
-                <a:pPr algn="ctr"/>
-                <a:endParaRPr lang="en-US"/>
-              </a:p>
-            </p:txBody>
-          </p:sp>
-          <p:sp>
-            <p:nvSpPr>
-              <p:cNvPr id="27" name="Rectangle 26">
-                <a:extLst>
-                  <a:ext uri="{FF2B5EF4-FFF2-40B4-BE49-F238E27FC236}">
-                    <a16:creationId xmlns:a16="http://schemas.microsoft.com/office/drawing/2014/main" id="{95E35A2A-1E68-40AA-A262-352C37A4C62D}"/>
-                  </a:ext>
-                </a:extLst>
-              </p:cNvPr>
-              <p:cNvSpPr/>
-              <p:nvPr/>
-            </p:nvSpPr>
-            <p:spPr>
-              <a:xfrm>
-                <a:off x="6182384" y="1835821"/>
-                <a:ext cx="210691" cy="366603"/>
-              </a:xfrm>
-              <a:prstGeom prst="rect">
-                <a:avLst/>
-              </a:prstGeom>
-            </p:spPr>
-            <p:style>
-              <a:lnRef idx="2">
-                <a:schemeClr val="accent5"/>
-              </a:lnRef>
-              <a:fillRef idx="1">
-                <a:schemeClr val="lt1"/>
-              </a:fillRef>
-              <a:effectRef idx="0">
-                <a:schemeClr val="accent5"/>
-              </a:effectRef>
-              <a:fontRef idx="minor">
-                <a:schemeClr val="dk1"/>
-              </a:fontRef>
-            </p:style>
-            <p:txBody>
-              <a:bodyPr rtlCol="0" anchor="ctr"/>
-              <a:lstStyle/>
-              <a:p>
-                <a:pPr algn="ctr"/>
-                <a:endParaRPr lang="en-US"/>
-              </a:p>
-            </p:txBody>
-          </p:sp>
-          <p:sp>
-            <p:nvSpPr>
-              <p:cNvPr id="28" name="Rectangle 27">
-                <a:extLst>
-                  <a:ext uri="{FF2B5EF4-FFF2-40B4-BE49-F238E27FC236}">
-                    <a16:creationId xmlns:a16="http://schemas.microsoft.com/office/drawing/2014/main" id="{0694B83D-FCC6-4853-8DE8-6FEB1C9A3BE1}"/>
-                  </a:ext>
-                </a:extLst>
-              </p:cNvPr>
-              <p:cNvSpPr/>
-              <p:nvPr/>
-            </p:nvSpPr>
-            <p:spPr>
-              <a:xfrm>
-                <a:off x="6435916" y="1835820"/>
-                <a:ext cx="210691" cy="366603"/>
-              </a:xfrm>
-              <a:prstGeom prst="rect">
-                <a:avLst/>
-              </a:prstGeom>
-            </p:spPr>
-            <p:style>
-              <a:lnRef idx="2">
-                <a:schemeClr val="accent5"/>
-              </a:lnRef>
-              <a:fillRef idx="1">
-                <a:schemeClr val="lt1"/>
-              </a:fillRef>
-              <a:effectRef idx="0">
-                <a:schemeClr val="accent5"/>
-              </a:effectRef>
-              <a:fontRef idx="minor">
-                <a:schemeClr val="dk1"/>
-              </a:fontRef>
-            </p:style>
-            <p:txBody>
-              <a:bodyPr rtlCol="0" anchor="ctr"/>
-              <a:lstStyle/>
-              <a:p>
-                <a:pPr algn="ctr"/>
-                <a:endParaRPr lang="en-US"/>
-              </a:p>
-            </p:txBody>
-          </p:sp>
-          <p:sp>
-            <p:nvSpPr>
-              <p:cNvPr id="29" name="Arrow: Right 28">
-                <a:extLst>
-                  <a:ext uri="{FF2B5EF4-FFF2-40B4-BE49-F238E27FC236}">
-                    <a16:creationId xmlns:a16="http://schemas.microsoft.com/office/drawing/2014/main" id="{59ABF0CF-324D-46D2-B6D0-F2265E016943}"/>
-                  </a:ext>
-                </a:extLst>
-              </p:cNvPr>
-              <p:cNvSpPr/>
-              <p:nvPr/>
-            </p:nvSpPr>
-            <p:spPr>
-              <a:xfrm>
-                <a:off x="6702090" y="1966098"/>
-                <a:ext cx="632074" cy="106045"/>
-              </a:xfrm>
-              <a:prstGeom prst="rightArrow">
-                <a:avLst/>
-              </a:prstGeom>
-            </p:spPr>
-            <p:style>
-              <a:lnRef idx="2">
-                <a:schemeClr val="dk1">
-                  <a:shade val="50000"/>
-                </a:schemeClr>
-              </a:lnRef>
-              <a:fillRef idx="1">
-                <a:schemeClr val="dk1"/>
-              </a:fillRef>
-              <a:effectRef idx="0">
-                <a:schemeClr val="dk1"/>
-              </a:effectRef>
-              <a:fontRef idx="minor">
-                <a:schemeClr val="lt1"/>
-              </a:fontRef>
-            </p:style>
-            <p:txBody>
-              <a:bodyPr rtlCol="0" anchor="ctr"/>
-              <a:lstStyle/>
-              <a:p>
-                <a:pPr algn="ctr"/>
-                <a:endParaRPr lang="en-US"/>
-              </a:p>
-            </p:txBody>
-          </p:sp>
-          <p:sp>
-            <p:nvSpPr>
-              <p:cNvPr id="30" name="Rectangle 29">
-                <a:extLst>
-                  <a:ext uri="{FF2B5EF4-FFF2-40B4-BE49-F238E27FC236}">
-                    <a16:creationId xmlns:a16="http://schemas.microsoft.com/office/drawing/2014/main" id="{686AB905-B34B-4659-B10D-B3FF02470C64}"/>
-                  </a:ext>
-                </a:extLst>
-              </p:cNvPr>
-              <p:cNvSpPr/>
-              <p:nvPr/>
-            </p:nvSpPr>
-            <p:spPr>
-              <a:xfrm>
-                <a:off x="5874072" y="1759973"/>
-                <a:ext cx="1567543" cy="518300"/>
-              </a:xfrm>
-              <a:prstGeom prst="rect">
-                <a:avLst/>
-              </a:prstGeom>
-              <a:noFill/>
-            </p:spPr>
-            <p:style>
-              <a:lnRef idx="2">
-                <a:schemeClr val="accent5"/>
-              </a:lnRef>
-              <a:fillRef idx="1">
-                <a:schemeClr val="lt1"/>
-              </a:fillRef>
-              <a:effectRef idx="0">
-                <a:schemeClr val="accent5"/>
-              </a:effectRef>
-              <a:fontRef idx="minor">
-                <a:schemeClr val="dk1"/>
-              </a:fontRef>
-            </p:style>
-            <p:txBody>
-              <a:bodyPr rtlCol="0" anchor="ctr"/>
-              <a:lstStyle/>
-              <a:p>
-                <a:pPr algn="ctr"/>
-                <a:endParaRPr lang="en-US"/>
-              </a:p>
-            </p:txBody>
-          </p:sp>
-        </p:grpSp>
-        <p:sp>
-          <p:nvSpPr>
-            <p:cNvPr id="25" name="TextBox 24">
-              <a:extLst>
-                <a:ext uri="{FF2B5EF4-FFF2-40B4-BE49-F238E27FC236}">
-                  <a16:creationId xmlns:a16="http://schemas.microsoft.com/office/drawing/2014/main" id="{13C713AA-9D63-4E79-BDCA-9D0B099101A8}"/>
-                </a:ext>
-              </a:extLst>
-            </p:cNvPr>
-            <p:cNvSpPr txBox="1"/>
-            <p:nvPr/>
-          </p:nvSpPr>
-          <p:spPr>
-            <a:xfrm>
-              <a:off x="5223304" y="2577041"/>
-              <a:ext cx="198780" cy="307777"/>
-            </a:xfrm>
-            <a:prstGeom prst="rect">
-              <a:avLst/>
-            </a:prstGeom>
-            <a:noFill/>
-          </p:spPr>
-          <p:txBody>
-            <a:bodyPr wrap="square" rtlCol="0">
-              <a:spAutoFit/>
-            </a:bodyPr>
-            <a:lstStyle/>
-            <a:p>
-              <a:r>
-                <a:rPr lang="en-US" sz="1400" dirty="0"/>
-                <a:t>2</a:t>
-              </a:r>
-            </a:p>
-          </p:txBody>
-        </p:sp>
-      </p:grpSp>
-      <p:cxnSp>
-        <p:nvCxnSpPr>
-          <p:cNvPr id="31" name="Connector: Curved 30">
-            <a:extLst>
-              <a:ext uri="{FF2B5EF4-FFF2-40B4-BE49-F238E27FC236}">
-                <a16:creationId xmlns:a16="http://schemas.microsoft.com/office/drawing/2014/main" id="{EB003CAD-728B-40E8-ABD4-4FEDF57F4386}"/>
-              </a:ext>
-            </a:extLst>
-          </p:cNvPr>
-          <p:cNvCxnSpPr>
-            <a:cxnSpLocks/>
-            <a:stCxn id="30" idx="3"/>
-            <a:endCxn id="10" idx="1"/>
-          </p:cNvCxnSpPr>
-          <p:nvPr/>
-        </p:nvCxnSpPr>
-        <p:spPr>
-          <a:xfrm flipV="1">
-            <a:off x="4131934" y="2881630"/>
-            <a:ext cx="623997" cy="970349"/>
-          </a:xfrm>
-          <a:prstGeom prst="curvedConnector3">
-            <a:avLst>
-              <a:gd name="adj1" fmla="val 50000"/>
-            </a:avLst>
-          </a:prstGeom>
-          <a:ln w="12700">
-            <a:tailEnd type="triangle"/>
-          </a:ln>
-        </p:spPr>
-        <p:style>
-          <a:lnRef idx="1">
-            <a:schemeClr val="accent6"/>
-          </a:lnRef>
-          <a:fillRef idx="0">
-            <a:schemeClr val="accent6"/>
-          </a:fillRef>
-          <a:effectRef idx="0">
-            <a:schemeClr val="accent6"/>
-          </a:effectRef>
-          <a:fontRef idx="minor">
-            <a:schemeClr val="tx1"/>
-          </a:fontRef>
-        </p:style>
-      </p:cxnSp>
-      <p:grpSp>
-        <p:nvGrpSpPr>
-          <p:cNvPr id="32" name="Group 31">
-            <a:extLst>
-              <a:ext uri="{FF2B5EF4-FFF2-40B4-BE49-F238E27FC236}">
-                <a16:creationId xmlns:a16="http://schemas.microsoft.com/office/drawing/2014/main" id="{32116FC5-FDC7-4C69-B4BD-200531CF8B0E}"/>
-              </a:ext>
-            </a:extLst>
-          </p:cNvPr>
-          <p:cNvGrpSpPr/>
-          <p:nvPr/>
-        </p:nvGrpSpPr>
-        <p:grpSpPr>
-          <a:xfrm>
-            <a:off x="4908331" y="4864928"/>
-            <a:ext cx="1567543" cy="518300"/>
-            <a:chOff x="5874072" y="1759973"/>
-            <a:chExt cx="1567543" cy="518300"/>
-          </a:xfrm>
-        </p:grpSpPr>
-        <p:sp>
-          <p:nvSpPr>
-            <p:cNvPr id="33" name="Rectangle 32">
-              <a:extLst>
-                <a:ext uri="{FF2B5EF4-FFF2-40B4-BE49-F238E27FC236}">
-                  <a16:creationId xmlns:a16="http://schemas.microsoft.com/office/drawing/2014/main" id="{146ECD94-BD95-4018-85AB-2DD40A71D6CA}"/>
-                </a:ext>
-              </a:extLst>
-            </p:cNvPr>
-            <p:cNvSpPr/>
-            <p:nvPr/>
-          </p:nvSpPr>
-          <p:spPr>
-            <a:xfrm>
-              <a:off x="5928852" y="1835821"/>
-              <a:ext cx="210691" cy="366603"/>
-            </a:xfrm>
-            <a:prstGeom prst="rect">
-              <a:avLst/>
-            </a:prstGeom>
-          </p:spPr>
-          <p:style>
-            <a:lnRef idx="2">
-              <a:schemeClr val="accent5"/>
-            </a:lnRef>
-            <a:fillRef idx="1">
-              <a:schemeClr val="lt1"/>
-            </a:fillRef>
-            <a:effectRef idx="0">
-              <a:schemeClr val="accent5"/>
-            </a:effectRef>
-            <a:fontRef idx="minor">
-              <a:schemeClr val="dk1"/>
-            </a:fontRef>
-          </p:style>
-          <p:txBody>
-            <a:bodyPr rtlCol="0" anchor="ctr"/>
-            <a:lstStyle/>
-            <a:p>
-              <a:pPr algn="ctr"/>
-              <a:endParaRPr lang="en-US"/>
-            </a:p>
-          </p:txBody>
-        </p:sp>
-        <p:sp>
-          <p:nvSpPr>
-            <p:cNvPr id="34" name="Rectangle 33">
-              <a:extLst>
-                <a:ext uri="{FF2B5EF4-FFF2-40B4-BE49-F238E27FC236}">
-                  <a16:creationId xmlns:a16="http://schemas.microsoft.com/office/drawing/2014/main" id="{19D7BABC-B75E-4B81-8B5E-FA2D97E48F58}"/>
-                </a:ext>
-              </a:extLst>
-            </p:cNvPr>
-            <p:cNvSpPr/>
-            <p:nvPr/>
-          </p:nvSpPr>
-          <p:spPr>
-            <a:xfrm>
-              <a:off x="6182384" y="1835821"/>
-              <a:ext cx="210691" cy="366603"/>
-            </a:xfrm>
-            <a:prstGeom prst="rect">
-              <a:avLst/>
-            </a:prstGeom>
-          </p:spPr>
-          <p:style>
-            <a:lnRef idx="2">
-              <a:schemeClr val="accent5"/>
-            </a:lnRef>
-            <a:fillRef idx="1">
-              <a:schemeClr val="lt1"/>
-            </a:fillRef>
-            <a:effectRef idx="0">
-              <a:schemeClr val="accent5"/>
-            </a:effectRef>
-            <a:fontRef idx="minor">
-              <a:schemeClr val="dk1"/>
-            </a:fontRef>
-          </p:style>
-          <p:txBody>
-            <a:bodyPr rtlCol="0" anchor="ctr"/>
-            <a:lstStyle/>
-            <a:p>
-              <a:pPr algn="ctr"/>
-              <a:endParaRPr lang="en-US"/>
-            </a:p>
-          </p:txBody>
-        </p:sp>
-        <p:sp>
-          <p:nvSpPr>
-            <p:cNvPr id="35" name="Rectangle 34">
-              <a:extLst>
-                <a:ext uri="{FF2B5EF4-FFF2-40B4-BE49-F238E27FC236}">
-                  <a16:creationId xmlns:a16="http://schemas.microsoft.com/office/drawing/2014/main" id="{314AA1C8-4357-45DB-BB2D-B4A49752F79D}"/>
-                </a:ext>
-              </a:extLst>
-            </p:cNvPr>
-            <p:cNvSpPr/>
-            <p:nvPr/>
-          </p:nvSpPr>
-          <p:spPr>
-            <a:xfrm>
-              <a:off x="6435916" y="1835820"/>
-              <a:ext cx="210691" cy="366603"/>
-            </a:xfrm>
-            <a:prstGeom prst="rect">
-              <a:avLst/>
-            </a:prstGeom>
-          </p:spPr>
-          <p:style>
-            <a:lnRef idx="2">
-              <a:schemeClr val="accent5"/>
-            </a:lnRef>
-            <a:fillRef idx="1">
-              <a:schemeClr val="lt1"/>
-            </a:fillRef>
-            <a:effectRef idx="0">
-              <a:schemeClr val="accent5"/>
-            </a:effectRef>
-            <a:fontRef idx="minor">
-              <a:schemeClr val="dk1"/>
-            </a:fontRef>
-          </p:style>
-          <p:txBody>
-            <a:bodyPr rtlCol="0" anchor="ctr"/>
-            <a:lstStyle/>
-            <a:p>
-              <a:pPr algn="ctr"/>
-              <a:endParaRPr lang="en-US"/>
-            </a:p>
-          </p:txBody>
-        </p:sp>
-        <p:sp>
-          <p:nvSpPr>
-            <p:cNvPr id="36" name="Arrow: Right 35">
-              <a:extLst>
-                <a:ext uri="{FF2B5EF4-FFF2-40B4-BE49-F238E27FC236}">
-                  <a16:creationId xmlns:a16="http://schemas.microsoft.com/office/drawing/2014/main" id="{C726827A-DC35-49BA-A34F-4D4CBFC17D5C}"/>
-                </a:ext>
-              </a:extLst>
-            </p:cNvPr>
-            <p:cNvSpPr/>
-            <p:nvPr/>
-          </p:nvSpPr>
-          <p:spPr>
-            <a:xfrm>
-              <a:off x="6702090" y="1966098"/>
-              <a:ext cx="632074" cy="106045"/>
-            </a:xfrm>
-            <a:prstGeom prst="rightArrow">
-              <a:avLst/>
-            </a:prstGeom>
-          </p:spPr>
-          <p:style>
-            <a:lnRef idx="2">
-              <a:schemeClr val="dk1">
-                <a:shade val="50000"/>
-              </a:schemeClr>
-            </a:lnRef>
-            <a:fillRef idx="1">
-              <a:schemeClr val="dk1"/>
-            </a:fillRef>
-            <a:effectRef idx="0">
-              <a:schemeClr val="dk1"/>
-            </a:effectRef>
-            <a:fontRef idx="minor">
-              <a:schemeClr val="lt1"/>
-            </a:fontRef>
-          </p:style>
-          <p:txBody>
-            <a:bodyPr rtlCol="0" anchor="ctr"/>
-            <a:lstStyle/>
-            <a:p>
-              <a:pPr algn="ctr"/>
-              <a:endParaRPr lang="en-US"/>
-            </a:p>
-          </p:txBody>
-        </p:sp>
-        <p:sp>
-          <p:nvSpPr>
-            <p:cNvPr id="37" name="Rectangle 36">
-              <a:extLst>
-                <a:ext uri="{FF2B5EF4-FFF2-40B4-BE49-F238E27FC236}">
-                  <a16:creationId xmlns:a16="http://schemas.microsoft.com/office/drawing/2014/main" id="{3391EA38-6111-48C8-B7C3-7EAFEE223806}"/>
-                </a:ext>
-              </a:extLst>
-            </p:cNvPr>
-            <p:cNvSpPr/>
-            <p:nvPr/>
-          </p:nvSpPr>
-          <p:spPr>
-            <a:xfrm>
-              <a:off x="5874072" y="1759973"/>
-              <a:ext cx="1567543" cy="518300"/>
-            </a:xfrm>
-            <a:prstGeom prst="rect">
-              <a:avLst/>
-            </a:prstGeom>
-            <a:noFill/>
-          </p:spPr>
-          <p:style>
-            <a:lnRef idx="2">
-              <a:schemeClr val="accent5"/>
-            </a:lnRef>
-            <a:fillRef idx="1">
-              <a:schemeClr val="lt1"/>
-            </a:fillRef>
-            <a:effectRef idx="0">
-              <a:schemeClr val="accent5"/>
-            </a:effectRef>
-            <a:fontRef idx="minor">
-              <a:schemeClr val="dk1"/>
-            </a:fontRef>
-          </p:style>
-          <p:txBody>
-            <a:bodyPr rtlCol="0" anchor="ctr"/>
-            <a:lstStyle/>
-            <a:p>
-              <a:pPr algn="ctr"/>
-              <a:endParaRPr lang="en-US"/>
-            </a:p>
-          </p:txBody>
-        </p:sp>
-      </p:grpSp>
-      <p:cxnSp>
-        <p:nvCxnSpPr>
-          <p:cNvPr id="38" name="Connector: Curved 37">
-            <a:extLst>
-              <a:ext uri="{FF2B5EF4-FFF2-40B4-BE49-F238E27FC236}">
-                <a16:creationId xmlns:a16="http://schemas.microsoft.com/office/drawing/2014/main" id="{4D96A4EC-939A-4776-8ABD-1427A915A58C}"/>
-              </a:ext>
-            </a:extLst>
-          </p:cNvPr>
-          <p:cNvCxnSpPr>
-            <a:cxnSpLocks/>
-            <a:stCxn id="30" idx="3"/>
-            <a:endCxn id="37" idx="1"/>
-          </p:cNvCxnSpPr>
-          <p:nvPr/>
-        </p:nvCxnSpPr>
-        <p:spPr>
-          <a:xfrm>
-            <a:off x="4131934" y="3851979"/>
-            <a:ext cx="776397" cy="1272099"/>
-          </a:xfrm>
-          <a:prstGeom prst="curvedConnector3">
-            <a:avLst>
-              <a:gd name="adj1" fmla="val 50000"/>
-            </a:avLst>
-          </a:prstGeom>
-          <a:ln w="12700">
-            <a:tailEnd type="triangle"/>
-          </a:ln>
-        </p:spPr>
-        <p:style>
-          <a:lnRef idx="1">
-            <a:schemeClr val="accent6"/>
-          </a:lnRef>
-          <a:fillRef idx="0">
-            <a:schemeClr val="accent6"/>
-          </a:fillRef>
-          <a:effectRef idx="0">
-            <a:schemeClr val="accent6"/>
-          </a:effectRef>
-          <a:fontRef idx="minor">
-            <a:schemeClr val="tx1"/>
-          </a:fontRef>
-        </p:style>
-      </p:cxnSp>
-      <p:sp>
-        <p:nvSpPr>
-          <p:cNvPr id="40" name="TextBox 39">
-            <a:extLst>
-              <a:ext uri="{FF2B5EF4-FFF2-40B4-BE49-F238E27FC236}">
-                <a16:creationId xmlns:a16="http://schemas.microsoft.com/office/drawing/2014/main" id="{99985F94-4CDB-4728-95EE-DD9F03D7D41F}"/>
-              </a:ext>
-            </a:extLst>
-          </p:cNvPr>
-          <p:cNvSpPr txBox="1"/>
-          <p:nvPr/>
-        </p:nvSpPr>
-        <p:spPr>
-          <a:xfrm>
-            <a:off x="6090310" y="2591698"/>
-            <a:ext cx="198780" cy="307777"/>
-          </a:xfrm>
-          <a:prstGeom prst="rect">
-            <a:avLst/>
-          </a:prstGeom>
-          <a:noFill/>
-        </p:spPr>
-        <p:txBody>
-          <a:bodyPr wrap="square" rtlCol="0">
-            <a:spAutoFit/>
-          </a:bodyPr>
-          <a:lstStyle/>
-          <a:p>
-            <a:r>
-              <a:rPr lang="en-US" sz="1400" dirty="0"/>
-              <a:t>3</a:t>
-            </a:r>
-          </a:p>
-        </p:txBody>
-      </p:sp>
-      <p:sp>
-        <p:nvSpPr>
-          <p:cNvPr id="41" name="TextBox 40">
-            <a:extLst>
-              <a:ext uri="{FF2B5EF4-FFF2-40B4-BE49-F238E27FC236}">
-                <a16:creationId xmlns:a16="http://schemas.microsoft.com/office/drawing/2014/main" id="{DCCF9955-1FFA-4E32-91AE-973F04FA87D8}"/>
-              </a:ext>
-            </a:extLst>
-          </p:cNvPr>
-          <p:cNvSpPr txBox="1"/>
-          <p:nvPr/>
-        </p:nvSpPr>
-        <p:spPr>
-          <a:xfrm>
-            <a:off x="6225126" y="4812274"/>
-            <a:ext cx="198780" cy="307777"/>
-          </a:xfrm>
-          <a:prstGeom prst="rect">
-            <a:avLst/>
-          </a:prstGeom>
-          <a:noFill/>
-        </p:spPr>
-        <p:txBody>
-          <a:bodyPr wrap="square" rtlCol="0">
-            <a:spAutoFit/>
-          </a:bodyPr>
-          <a:lstStyle/>
-          <a:p>
-            <a:r>
-              <a:rPr lang="en-US" sz="1400" dirty="0"/>
-              <a:t>4</a:t>
-            </a:r>
-          </a:p>
-        </p:txBody>
-      </p:sp>
-      <p:sp>
-        <p:nvSpPr>
-          <p:cNvPr id="42" name="TextBox 41">
-            <a:extLst>
-              <a:ext uri="{FF2B5EF4-FFF2-40B4-BE49-F238E27FC236}">
-                <a16:creationId xmlns:a16="http://schemas.microsoft.com/office/drawing/2014/main" id="{128B6A34-AE49-4367-96DE-D6D9C1368CFA}"/>
-              </a:ext>
-            </a:extLst>
-          </p:cNvPr>
-          <p:cNvSpPr txBox="1"/>
-          <p:nvPr/>
-        </p:nvSpPr>
-        <p:spPr>
-          <a:xfrm>
-            <a:off x="8284605" y="825910"/>
-            <a:ext cx="2943005" cy="369332"/>
-          </a:xfrm>
-          <a:prstGeom prst="rect">
-            <a:avLst/>
-          </a:prstGeom>
-          <a:noFill/>
-        </p:spPr>
-        <p:txBody>
-          <a:bodyPr wrap="square" rtlCol="0">
-            <a:spAutoFit/>
-          </a:bodyPr>
-          <a:lstStyle/>
+              <a:t>All threads start at the beginning of the simulation</a:t>
+            </a:r>
+          </a:p>
           <a:p>
             <a:r>
               <a:rPr lang="en-US" dirty="0"/>
-              <a:t>Delay in the </a:t>
-            </a:r>
-            <a:r>
-              <a:rPr lang="en-US" dirty="0" err="1"/>
-              <a:t>bluebox</a:t>
-            </a:r>
+              <a:t>Simulator collects data periodically</a:t>
+            </a:r>
+          </a:p>
+          <a:p>
             <a:r>
               <a:rPr lang="en-US" dirty="0"/>
-              <a:t> only.</a:t>
-            </a:r>
+              <a:t>All threads stop at the end of the simulation</a:t>
+            </a:r>
+          </a:p>
+          <a:p>
+            <a:endParaRPr lang="en-US" dirty="0"/>
           </a:p>
         </p:txBody>
       </p:sp>
     </p:spTree>
     <p:extLst>
       <p:ext uri="{BB962C8B-B14F-4D97-AF65-F5344CB8AC3E}">
-        <p14:creationId xmlns:p14="http://schemas.microsoft.com/office/powerpoint/2010/main" val="1755723655"/>
+        <p14:creationId xmlns:p14="http://schemas.microsoft.com/office/powerpoint/2010/main" val="2004880556"/>
       </p:ext>
     </p:extLst>
   </p:cSld>
@@ -5397,7 +3922,7 @@
           <p:cNvPr id="2" name="Title 1">
             <a:extLst>
               <a:ext uri="{FF2B5EF4-FFF2-40B4-BE49-F238E27FC236}">
-                <a16:creationId xmlns:a16="http://schemas.microsoft.com/office/drawing/2014/main" id="{9C72146F-15E0-41BC-8272-7CBB629CB7C1}"/>
+                <a16:creationId xmlns:a16="http://schemas.microsoft.com/office/drawing/2014/main" id="{4CF0F296-B42E-4867-8C85-E58C8A726506}"/>
               </a:ext>
             </a:extLst>
           </p:cNvPr>
@@ -5415,7 +3940,7 @@
           <a:p>
             <a:r>
               <a:rPr lang="en-US" dirty="0"/>
-              <a:t>Modeling Transmission delay between two nodes</a:t>
+              <a:t>Uncontrolled Simulation </a:t>
             </a:r>
           </a:p>
         </p:txBody>
@@ -5425,7 +3950,7 @@
           <p:cNvPr id="3" name="Content Placeholder 2">
             <a:extLst>
               <a:ext uri="{FF2B5EF4-FFF2-40B4-BE49-F238E27FC236}">
-                <a16:creationId xmlns:a16="http://schemas.microsoft.com/office/drawing/2014/main" id="{43A27DFC-E2BF-44EE-87F2-EA9BE1C9FF05}"/>
+                <a16:creationId xmlns:a16="http://schemas.microsoft.com/office/drawing/2014/main" id="{786D904D-2554-4953-89BC-6B6F371CD217}"/>
               </a:ext>
             </a:extLst>
           </p:cNvPr>
@@ -5438,45 +3963,85 @@
         </p:nvSpPr>
         <p:spPr/>
         <p:txBody>
-          <a:bodyPr/>
+          <a:bodyPr>
+            <a:normAutofit lnSpcReduction="10000"/>
+          </a:bodyPr>
           <a:lstStyle/>
           <a:p>
             <a:r>
               <a:rPr lang="en-US" dirty="0"/>
-              <a:t>Two nodes connected with a wire has transmission delay</a:t>
+              <a:t>Each node, client, and server has their own threads and runs asynchronously. </a:t>
             </a:r>
           </a:p>
           <a:p>
             <a:r>
               <a:rPr lang="en-US" dirty="0"/>
-              <a:t>Network object creates channels between nodes and sets the delays. The </a:t>
+              <a:t>Time resolution: </a:t>
             </a:r>
             <a:r>
               <a:rPr lang="en-US" dirty="0" err="1"/>
-              <a:t>getDelay</a:t>
+              <a:t>ms</a:t>
             </a:r>
             <a:r>
               <a:rPr lang="en-US" dirty="0"/>
-              <a:t>(</a:t>
+              <a:t> (</a:t>
             </a:r>
             <a:r>
               <a:rPr lang="en-US" dirty="0" err="1"/>
-              <a:t>fromNode</a:t>
+              <a:t>mili</a:t>
             </a:r>
             <a:r>
               <a:rPr lang="en-US" dirty="0"/>
-              <a:t>, </a:t>
+              <a:t>-seconds)</a:t>
+            </a:r>
+          </a:p>
+          <a:p>
+            <a:r>
+              <a:rPr lang="en-US" dirty="0"/>
+              <a:t>Everything works with the same resolution. This has some side-effects:</a:t>
+            </a:r>
+          </a:p>
+          <a:p>
+            <a:pPr lvl="1"/>
+            <a:r>
+              <a:rPr lang="en-US" dirty="0"/>
+              <a:t>A client does not actually send data every </a:t>
             </a:r>
             <a:r>
               <a:rPr lang="en-US" dirty="0" err="1"/>
-              <a:t>toNode</a:t>
+              <a:t>ms.</a:t>
             </a:r>
             <a:r>
               <a:rPr lang="en-US" dirty="0"/>
-              <a:t>) is useful in determining the delay from one node to another.</a:t>
-            </a:r>
-          </a:p>
-          <a:p>
+              <a:t> So, in some </a:t>
+            </a:r>
+            <a:r>
+              <a:rPr lang="en-US" dirty="0" err="1"/>
+              <a:t>ms</a:t>
+            </a:r>
+            <a:r>
+              <a:rPr lang="en-US" dirty="0"/>
+              <a:t>, it’s possible that it sends more data than the delivery rate, which will overflow the queue. How to resolve that? Change delivery rate to per second. Need to make sure data sent over 1 second is close to the delivery rate. </a:t>
+            </a:r>
+          </a:p>
+          <a:p>
+            <a:pPr lvl="1"/>
+            <a:r>
+              <a:rPr lang="en-US" dirty="0"/>
+              <a:t>We don’t know how much each thread will block. It might be several </a:t>
+            </a:r>
+            <a:r>
+              <a:rPr lang="en-US" dirty="0" err="1"/>
+              <a:t>ms.</a:t>
+            </a:r>
+            <a:r>
+              <a:rPr lang="en-US" dirty="0"/>
+              <a:t> For nodes, it’s better to send all the data for missing </a:t>
+            </a:r>
+            <a:r>
+              <a:rPr lang="en-US" dirty="0" err="1"/>
+              <a:t>ms.</a:t>
+            </a:r>
             <a:endParaRPr lang="en-US" dirty="0"/>
           </a:p>
         </p:txBody>
@@ -5484,7 +4049,7 @@
     </p:spTree>
     <p:extLst>
       <p:ext uri="{BB962C8B-B14F-4D97-AF65-F5344CB8AC3E}">
-        <p14:creationId xmlns:p14="http://schemas.microsoft.com/office/powerpoint/2010/main" val="3312011563"/>
+        <p14:creationId xmlns:p14="http://schemas.microsoft.com/office/powerpoint/2010/main" val="415507606"/>
       </p:ext>
     </p:extLst>
   </p:cSld>
@@ -5516,377 +4081,6 @@
           <p:cNvPr id="2" name="Title 1">
             <a:extLst>
               <a:ext uri="{FF2B5EF4-FFF2-40B4-BE49-F238E27FC236}">
-                <a16:creationId xmlns:a16="http://schemas.microsoft.com/office/drawing/2014/main" id="{00CF7D8A-23A6-4D4E-B56E-3F49C903EF31}"/>
-              </a:ext>
-            </a:extLst>
-          </p:cNvPr>
-          <p:cNvSpPr>
-            <a:spLocks noGrp="1"/>
-          </p:cNvSpPr>
-          <p:nvPr>
-            <p:ph type="title"/>
-          </p:nvPr>
-        </p:nvSpPr>
-        <p:spPr/>
-        <p:txBody>
-          <a:bodyPr/>
-          <a:lstStyle/>
-          <a:p>
-            <a:r>
-              <a:rPr lang="en-US" dirty="0"/>
-              <a:t>Path mechanism</a:t>
-            </a:r>
-          </a:p>
-        </p:txBody>
-      </p:sp>
-      <p:sp>
-        <p:nvSpPr>
-          <p:cNvPr id="3" name="Content Placeholder 2">
-            <a:extLst>
-              <a:ext uri="{FF2B5EF4-FFF2-40B4-BE49-F238E27FC236}">
-                <a16:creationId xmlns:a16="http://schemas.microsoft.com/office/drawing/2014/main" id="{BFFACA6A-87F2-42BE-82F0-85F06ACEE3F1}"/>
-              </a:ext>
-            </a:extLst>
-          </p:cNvPr>
-          <p:cNvSpPr>
-            <a:spLocks noGrp="1"/>
-          </p:cNvSpPr>
-          <p:nvPr>
-            <p:ph idx="1"/>
-          </p:nvPr>
-        </p:nvSpPr>
-        <p:spPr>
-          <a:xfrm>
-            <a:off x="838200" y="1825625"/>
-            <a:ext cx="9559315" cy="4090725"/>
-          </a:xfrm>
-        </p:spPr>
-        <p:txBody>
-          <a:bodyPr>
-            <a:normAutofit fontScale="92500" lnSpcReduction="10000"/>
-          </a:bodyPr>
-          <a:lstStyle/>
-          <a:p>
-            <a:r>
-              <a:rPr lang="en-US" dirty="0"/>
-              <a:t>When a node receives some data, the delivery rate, the channel, and the queue all together works. First, the data is push to the queue, then delivery rate decides packets it can process. Next, for each outgoing packet, it removes the packet from the queue, adds a delay to the packet and schedules delivery to the next node (found from the path), and puts into the channel/pipe.</a:t>
-            </a:r>
-          </a:p>
-          <a:p>
-            <a:r>
-              <a:rPr lang="en-US" dirty="0"/>
-              <a:t>Path has a client, and nodes. The last node acts as the server. Server has no running thread. When it receives packets, it immediately acknowledges the packets.</a:t>
-            </a:r>
-          </a:p>
-          <a:p>
-            <a:r>
-              <a:rPr lang="en-US" dirty="0"/>
-              <a:t>Every packet has a reference to the Path object. This is useful for a node to identify next destination node for the packet.</a:t>
-            </a:r>
-          </a:p>
-        </p:txBody>
-      </p:sp>
-    </p:spTree>
-    <p:extLst>
-      <p:ext uri="{BB962C8B-B14F-4D97-AF65-F5344CB8AC3E}">
-        <p14:creationId xmlns:p14="http://schemas.microsoft.com/office/powerpoint/2010/main" val="2893547608"/>
-      </p:ext>
-    </p:extLst>
-  </p:cSld>
-  <p:clrMapOvr>
-    <a:masterClrMapping/>
-  </p:clrMapOvr>
-</p:sld>
-</file>
-
-<file path=ppt/slides/slide13.xml><?xml version="1.0" encoding="utf-8"?>
-<p:sld xmlns:a="http://schemas.openxmlformats.org/drawingml/2006/main" xmlns:r="http://schemas.openxmlformats.org/officeDocument/2006/relationships" xmlns:p="http://schemas.openxmlformats.org/presentationml/2006/main">
-  <p:cSld>
-    <p:spTree>
-      <p:nvGrpSpPr>
-        <p:cNvPr id="1" name=""/>
-        <p:cNvGrpSpPr/>
-        <p:nvPr/>
-      </p:nvGrpSpPr>
-      <p:grpSpPr>
-        <a:xfrm>
-          <a:off x="0" y="0"/>
-          <a:ext cx="0" cy="0"/>
-          <a:chOff x="0" y="0"/>
-          <a:chExt cx="0" cy="0"/>
-        </a:xfrm>
-      </p:grpSpPr>
-      <p:sp>
-        <p:nvSpPr>
-          <p:cNvPr id="2" name="Title 1">
-            <a:extLst>
-              <a:ext uri="{FF2B5EF4-FFF2-40B4-BE49-F238E27FC236}">
-                <a16:creationId xmlns:a16="http://schemas.microsoft.com/office/drawing/2014/main" id="{9B1830D8-5C7E-4EA8-9FDB-DC17A774983B}"/>
-              </a:ext>
-            </a:extLst>
-          </p:cNvPr>
-          <p:cNvSpPr>
-            <a:spLocks noGrp="1"/>
-          </p:cNvSpPr>
-          <p:nvPr>
-            <p:ph type="title"/>
-          </p:nvPr>
-        </p:nvSpPr>
-        <p:spPr/>
-        <p:txBody>
-          <a:bodyPr/>
-          <a:lstStyle/>
-          <a:p>
-            <a:r>
-              <a:rPr lang="en-US" dirty="0"/>
-              <a:t>Uncontrolled Thread-based simulation</a:t>
-            </a:r>
-          </a:p>
-        </p:txBody>
-      </p:sp>
-      <p:sp>
-        <p:nvSpPr>
-          <p:cNvPr id="3" name="Content Placeholder 2">
-            <a:extLst>
-              <a:ext uri="{FF2B5EF4-FFF2-40B4-BE49-F238E27FC236}">
-                <a16:creationId xmlns:a16="http://schemas.microsoft.com/office/drawing/2014/main" id="{45CFF6F8-C43F-407F-9F9E-06BE8A5E21FB}"/>
-              </a:ext>
-            </a:extLst>
-          </p:cNvPr>
-          <p:cNvSpPr>
-            <a:spLocks noGrp="1"/>
-          </p:cNvSpPr>
-          <p:nvPr>
-            <p:ph idx="1"/>
-          </p:nvPr>
-        </p:nvSpPr>
-        <p:spPr/>
-        <p:txBody>
-          <a:bodyPr/>
-          <a:lstStyle/>
-          <a:p>
-            <a:r>
-              <a:rPr lang="en-US" dirty="0"/>
-              <a:t>Each element in the network has its own thread </a:t>
-            </a:r>
-          </a:p>
-          <a:p>
-            <a:r>
-              <a:rPr lang="en-US" dirty="0"/>
-              <a:t>All threads start at the beginning of the simulation</a:t>
-            </a:r>
-          </a:p>
-          <a:p>
-            <a:r>
-              <a:rPr lang="en-US" dirty="0"/>
-              <a:t>Simulator collects data periodically</a:t>
-            </a:r>
-          </a:p>
-          <a:p>
-            <a:r>
-              <a:rPr lang="en-US" dirty="0"/>
-              <a:t>All threads stop at the end of the simulation</a:t>
-            </a:r>
-          </a:p>
-          <a:p>
-            <a:endParaRPr lang="en-US" dirty="0"/>
-          </a:p>
-        </p:txBody>
-      </p:sp>
-    </p:spTree>
-    <p:extLst>
-      <p:ext uri="{BB962C8B-B14F-4D97-AF65-F5344CB8AC3E}">
-        <p14:creationId xmlns:p14="http://schemas.microsoft.com/office/powerpoint/2010/main" val="2004880556"/>
-      </p:ext>
-    </p:extLst>
-  </p:cSld>
-  <p:clrMapOvr>
-    <a:masterClrMapping/>
-  </p:clrMapOvr>
-</p:sld>
-</file>
-
-<file path=ppt/slides/slide14.xml><?xml version="1.0" encoding="utf-8"?>
-<p:sld xmlns:a="http://schemas.openxmlformats.org/drawingml/2006/main" xmlns:r="http://schemas.openxmlformats.org/officeDocument/2006/relationships" xmlns:p="http://schemas.openxmlformats.org/presentationml/2006/main">
-  <p:cSld>
-    <p:spTree>
-      <p:nvGrpSpPr>
-        <p:cNvPr id="1" name=""/>
-        <p:cNvGrpSpPr/>
-        <p:nvPr/>
-      </p:nvGrpSpPr>
-      <p:grpSpPr>
-        <a:xfrm>
-          <a:off x="0" y="0"/>
-          <a:ext cx="0" cy="0"/>
-          <a:chOff x="0" y="0"/>
-          <a:chExt cx="0" cy="0"/>
-        </a:xfrm>
-      </p:grpSpPr>
-      <p:sp>
-        <p:nvSpPr>
-          <p:cNvPr id="2" name="Title 1">
-            <a:extLst>
-              <a:ext uri="{FF2B5EF4-FFF2-40B4-BE49-F238E27FC236}">
-                <a16:creationId xmlns:a16="http://schemas.microsoft.com/office/drawing/2014/main" id="{4CF0F296-B42E-4867-8C85-E58C8A726506}"/>
-              </a:ext>
-            </a:extLst>
-          </p:cNvPr>
-          <p:cNvSpPr>
-            <a:spLocks noGrp="1"/>
-          </p:cNvSpPr>
-          <p:nvPr>
-            <p:ph type="title"/>
-          </p:nvPr>
-        </p:nvSpPr>
-        <p:spPr/>
-        <p:txBody>
-          <a:bodyPr/>
-          <a:lstStyle/>
-          <a:p>
-            <a:r>
-              <a:rPr lang="en-US" dirty="0"/>
-              <a:t>Uncontrolled Simulation </a:t>
-            </a:r>
-          </a:p>
-        </p:txBody>
-      </p:sp>
-      <p:sp>
-        <p:nvSpPr>
-          <p:cNvPr id="3" name="Content Placeholder 2">
-            <a:extLst>
-              <a:ext uri="{FF2B5EF4-FFF2-40B4-BE49-F238E27FC236}">
-                <a16:creationId xmlns:a16="http://schemas.microsoft.com/office/drawing/2014/main" id="{786D904D-2554-4953-89BC-6B6F371CD217}"/>
-              </a:ext>
-            </a:extLst>
-          </p:cNvPr>
-          <p:cNvSpPr>
-            <a:spLocks noGrp="1"/>
-          </p:cNvSpPr>
-          <p:nvPr>
-            <p:ph idx="1"/>
-          </p:nvPr>
-        </p:nvSpPr>
-        <p:spPr/>
-        <p:txBody>
-          <a:bodyPr>
-            <a:normAutofit lnSpcReduction="10000"/>
-          </a:bodyPr>
-          <a:lstStyle/>
-          <a:p>
-            <a:r>
-              <a:rPr lang="en-US" dirty="0"/>
-              <a:t>Each node, client, and server has their own threads and runs asynchronously. </a:t>
-            </a:r>
-          </a:p>
-          <a:p>
-            <a:r>
-              <a:rPr lang="en-US" dirty="0"/>
-              <a:t>Time resolution: </a:t>
-            </a:r>
-            <a:r>
-              <a:rPr lang="en-US" dirty="0" err="1"/>
-              <a:t>ms</a:t>
-            </a:r>
-            <a:r>
-              <a:rPr lang="en-US" dirty="0"/>
-              <a:t> (</a:t>
-            </a:r>
-            <a:r>
-              <a:rPr lang="en-US" dirty="0" err="1"/>
-              <a:t>mili</a:t>
-            </a:r>
-            <a:r>
-              <a:rPr lang="en-US" dirty="0"/>
-              <a:t>-seconds)</a:t>
-            </a:r>
-          </a:p>
-          <a:p>
-            <a:r>
-              <a:rPr lang="en-US" dirty="0"/>
-              <a:t>Everything works with the same resolution. This has some side-effects:</a:t>
-            </a:r>
-          </a:p>
-          <a:p>
-            <a:pPr lvl="1"/>
-            <a:r>
-              <a:rPr lang="en-US" dirty="0"/>
-              <a:t>A client does not actually send data every </a:t>
-            </a:r>
-            <a:r>
-              <a:rPr lang="en-US" dirty="0" err="1"/>
-              <a:t>ms.</a:t>
-            </a:r>
-            <a:r>
-              <a:rPr lang="en-US" dirty="0"/>
-              <a:t> So, in some </a:t>
-            </a:r>
-            <a:r>
-              <a:rPr lang="en-US" dirty="0" err="1"/>
-              <a:t>ms</a:t>
-            </a:r>
-            <a:r>
-              <a:rPr lang="en-US" dirty="0"/>
-              <a:t>, it’s possible that it sends more data than the delivery rate, which will overflow the queue. How to resolve that? Change delivery rate to per second. Need to make sure data sent over 1 second is close to the delivery rate. </a:t>
-            </a:r>
-          </a:p>
-          <a:p>
-            <a:pPr lvl="1"/>
-            <a:r>
-              <a:rPr lang="en-US" dirty="0"/>
-              <a:t>We don’t know how much each thread will block. It might be several </a:t>
-            </a:r>
-            <a:r>
-              <a:rPr lang="en-US" dirty="0" err="1"/>
-              <a:t>ms.</a:t>
-            </a:r>
-            <a:r>
-              <a:rPr lang="en-US" dirty="0"/>
-              <a:t> For nodes, it’s better to send all the data for missing </a:t>
-            </a:r>
-            <a:r>
-              <a:rPr lang="en-US" dirty="0" err="1"/>
-              <a:t>ms.</a:t>
-            </a:r>
-            <a:endParaRPr lang="en-US" dirty="0"/>
-          </a:p>
-        </p:txBody>
-      </p:sp>
-    </p:spTree>
-    <p:extLst>
-      <p:ext uri="{BB962C8B-B14F-4D97-AF65-F5344CB8AC3E}">
-        <p14:creationId xmlns:p14="http://schemas.microsoft.com/office/powerpoint/2010/main" val="415507606"/>
-      </p:ext>
-    </p:extLst>
-  </p:cSld>
-  <p:clrMapOvr>
-    <a:masterClrMapping/>
-  </p:clrMapOvr>
-</p:sld>
-</file>
-
-<file path=ppt/slides/slide15.xml><?xml version="1.0" encoding="utf-8"?>
-<p:sld xmlns:a="http://schemas.openxmlformats.org/drawingml/2006/main" xmlns:r="http://schemas.openxmlformats.org/officeDocument/2006/relationships" xmlns:p="http://schemas.openxmlformats.org/presentationml/2006/main">
-  <p:cSld>
-    <p:spTree>
-      <p:nvGrpSpPr>
-        <p:cNvPr id="1" name=""/>
-        <p:cNvGrpSpPr/>
-        <p:nvPr/>
-      </p:nvGrpSpPr>
-      <p:grpSpPr>
-        <a:xfrm>
-          <a:off x="0" y="0"/>
-          <a:ext cx="0" cy="0"/>
-          <a:chOff x="0" y="0"/>
-          <a:chExt cx="0" cy="0"/>
-        </a:xfrm>
-      </p:grpSpPr>
-      <p:sp>
-        <p:nvSpPr>
-          <p:cNvPr id="2" name="Title 1">
-            <a:extLst>
-              <a:ext uri="{FF2B5EF4-FFF2-40B4-BE49-F238E27FC236}">
                 <a16:creationId xmlns:a16="http://schemas.microsoft.com/office/drawing/2014/main" id="{B58F80F1-CE84-45BD-8557-F2E7403E86E9}"/>
               </a:ext>
             </a:extLst>
@@ -5951,7 +4145,7 @@
 </p:sld>
 </file>
 
-<file path=ppt/slides/slide16.xml><?xml version="1.0" encoding="utf-8"?>
+<file path=ppt/slides/slide13.xml><?xml version="1.0" encoding="utf-8"?>
 <p:sld xmlns:a="http://schemas.openxmlformats.org/drawingml/2006/main" xmlns:r="http://schemas.openxmlformats.org/officeDocument/2006/relationships" xmlns:p="http://schemas.openxmlformats.org/presentationml/2006/main">
   <p:cSld>
     <p:spTree>
@@ -6594,6 +4788,450 @@
 </p:sld>
 </file>
 
+<file path=ppt/slides/slide14.xml><?xml version="1.0" encoding="utf-8"?>
+<p:sld xmlns:a="http://schemas.openxmlformats.org/drawingml/2006/main" xmlns:r="http://schemas.openxmlformats.org/officeDocument/2006/relationships" xmlns:p="http://schemas.openxmlformats.org/presentationml/2006/main">
+  <p:cSld>
+    <p:spTree>
+      <p:nvGrpSpPr>
+        <p:cNvPr id="1" name=""/>
+        <p:cNvGrpSpPr/>
+        <p:nvPr/>
+      </p:nvGrpSpPr>
+      <p:grpSpPr>
+        <a:xfrm>
+          <a:off x="0" y="0"/>
+          <a:ext cx="0" cy="0"/>
+          <a:chOff x="0" y="0"/>
+          <a:chExt cx="0" cy="0"/>
+        </a:xfrm>
+      </p:grpSpPr>
+      <p:sp>
+        <p:nvSpPr>
+          <p:cNvPr id="2" name="Title 1">
+            <a:extLst>
+              <a:ext uri="{FF2B5EF4-FFF2-40B4-BE49-F238E27FC236}">
+                <a16:creationId xmlns:a16="http://schemas.microsoft.com/office/drawing/2014/main" id="{DBEBFB77-32BE-406C-8149-37DB9E1B6BF7}"/>
+              </a:ext>
+            </a:extLst>
+          </p:cNvPr>
+          <p:cNvSpPr>
+            <a:spLocks noGrp="1"/>
+          </p:cNvSpPr>
+          <p:nvPr>
+            <p:ph type="title"/>
+          </p:nvPr>
+        </p:nvSpPr>
+        <p:spPr/>
+        <p:txBody>
+          <a:bodyPr/>
+          <a:lstStyle/>
+          <a:p>
+            <a:r>
+              <a:rPr lang="en-US"/>
+              <a:t>Model with Event Queue</a:t>
+            </a:r>
+          </a:p>
+        </p:txBody>
+      </p:sp>
+      <p:sp>
+        <p:nvSpPr>
+          <p:cNvPr id="3" name="Content Placeholder 2">
+            <a:extLst>
+              <a:ext uri="{FF2B5EF4-FFF2-40B4-BE49-F238E27FC236}">
+                <a16:creationId xmlns:a16="http://schemas.microsoft.com/office/drawing/2014/main" id="{711D7E82-FA2B-4D8B-B07E-35E94FA483C1}"/>
+              </a:ext>
+            </a:extLst>
+          </p:cNvPr>
+          <p:cNvSpPr>
+            <a:spLocks noGrp="1"/>
+          </p:cNvSpPr>
+          <p:nvPr>
+            <p:ph idx="1"/>
+          </p:nvPr>
+        </p:nvSpPr>
+        <p:spPr/>
+        <p:txBody>
+          <a:bodyPr>
+            <a:normAutofit lnSpcReduction="10000"/>
+          </a:bodyPr>
+          <a:lstStyle/>
+          <a:p>
+            <a:r>
+              <a:rPr lang="en-US" dirty="0"/>
+              <a:t>Resolution parameter in Nodes and Clients are not used in Event Queue model</a:t>
+            </a:r>
+          </a:p>
+          <a:p>
+            <a:r>
+              <a:rPr lang="en-US" dirty="0" err="1"/>
+              <a:t>EventQueue</a:t>
+            </a:r>
+            <a:r>
+              <a:rPr lang="en-US" dirty="0"/>
+              <a:t> with actual time will create </a:t>
+            </a:r>
+            <a:r>
+              <a:rPr lang="en-US" b="1" dirty="0"/>
+              <a:t>time gaps </a:t>
+            </a:r>
+            <a:r>
+              <a:rPr lang="en-US" dirty="0"/>
+              <a:t>in creating and routing packets, because of processing of events. So, instead, we create simulation timestep which increases by 1 after each step. The resolution parameter says whether it’s a </a:t>
+            </a:r>
+            <a:r>
+              <a:rPr lang="en-US" dirty="0" err="1"/>
+              <a:t>ms</a:t>
+            </a:r>
+            <a:r>
+              <a:rPr lang="en-US" dirty="0"/>
+              <a:t>/</a:t>
+            </a:r>
+            <a:r>
+              <a:rPr lang="en-US" dirty="0" err="1"/>
+              <a:t>mcs</a:t>
+            </a:r>
+            <a:r>
+              <a:rPr lang="en-US" dirty="0"/>
+              <a:t>/ns. A lot of other parameters are defined in </a:t>
+            </a:r>
+            <a:r>
+              <a:rPr lang="en-US" dirty="0" err="1"/>
+              <a:t>ms</a:t>
+            </a:r>
+            <a:r>
+              <a:rPr lang="en-US" dirty="0"/>
+              <a:t>/s. So, we need to adjust their calculations based on simulation timestep unit.</a:t>
+            </a:r>
+          </a:p>
+          <a:p>
+            <a:r>
+              <a:rPr lang="en-US" dirty="0"/>
+              <a:t>Heap is sometime reconstructed and events with the same time can be reordered. So, we need to serialize events by adding microseconds.</a:t>
+            </a:r>
+          </a:p>
+        </p:txBody>
+      </p:sp>
+    </p:spTree>
+    <p:extLst>
+      <p:ext uri="{BB962C8B-B14F-4D97-AF65-F5344CB8AC3E}">
+        <p14:creationId xmlns:p14="http://schemas.microsoft.com/office/powerpoint/2010/main" val="2008062780"/>
+      </p:ext>
+    </p:extLst>
+  </p:cSld>
+  <p:clrMapOvr>
+    <a:masterClrMapping/>
+  </p:clrMapOvr>
+</p:sld>
+</file>
+
+<file path=ppt/slides/slide15.xml><?xml version="1.0" encoding="utf-8"?>
+<p:sld xmlns:a="http://schemas.openxmlformats.org/drawingml/2006/main" xmlns:r="http://schemas.openxmlformats.org/officeDocument/2006/relationships" xmlns:p="http://schemas.openxmlformats.org/presentationml/2006/main">
+  <p:cSld>
+    <p:spTree>
+      <p:nvGrpSpPr>
+        <p:cNvPr id="1" name=""/>
+        <p:cNvGrpSpPr/>
+        <p:nvPr/>
+      </p:nvGrpSpPr>
+      <p:grpSpPr>
+        <a:xfrm>
+          <a:off x="0" y="0"/>
+          <a:ext cx="0" cy="0"/>
+          <a:chOff x="0" y="0"/>
+          <a:chExt cx="0" cy="0"/>
+        </a:xfrm>
+      </p:grpSpPr>
+      <p:sp>
+        <p:nvSpPr>
+          <p:cNvPr id="2" name="Title 1">
+            <a:extLst>
+              <a:ext uri="{FF2B5EF4-FFF2-40B4-BE49-F238E27FC236}">
+                <a16:creationId xmlns:a16="http://schemas.microsoft.com/office/drawing/2014/main" id="{CE25493D-F2E8-46C3-A547-911E124EB9F8}"/>
+              </a:ext>
+            </a:extLst>
+          </p:cNvPr>
+          <p:cNvSpPr>
+            <a:spLocks noGrp="1"/>
+          </p:cNvSpPr>
+          <p:nvPr>
+            <p:ph type="title"/>
+          </p:nvPr>
+        </p:nvSpPr>
+        <p:spPr/>
+        <p:txBody>
+          <a:bodyPr/>
+          <a:lstStyle/>
+          <a:p>
+            <a:r>
+              <a:rPr lang="en-US" dirty="0"/>
+              <a:t>Transmission delay in MS</a:t>
+            </a:r>
+          </a:p>
+        </p:txBody>
+      </p:sp>
+      <p:sp>
+        <p:nvSpPr>
+          <p:cNvPr id="3" name="Content Placeholder 2">
+            <a:extLst>
+              <a:ext uri="{FF2B5EF4-FFF2-40B4-BE49-F238E27FC236}">
+                <a16:creationId xmlns:a16="http://schemas.microsoft.com/office/drawing/2014/main" id="{A1DD7359-0EBE-4A37-B0D8-ADB0C7585AF8}"/>
+              </a:ext>
+            </a:extLst>
+          </p:cNvPr>
+          <p:cNvSpPr>
+            <a:spLocks noGrp="1"/>
+          </p:cNvSpPr>
+          <p:nvPr>
+            <p:ph idx="1"/>
+          </p:nvPr>
+        </p:nvSpPr>
+        <p:spPr/>
+        <p:txBody>
+          <a:bodyPr/>
+          <a:lstStyle/>
+          <a:p>
+            <a:pPr marL="0" indent="0">
+              <a:buNone/>
+            </a:pPr>
+            <a:r>
+              <a:rPr lang="en-US" dirty="0"/>
+              <a:t>Transmission delay is the amount of time required to push one BYTE to a channel: A 20 B packet requires: </a:t>
+            </a:r>
+          </a:p>
+          <a:p>
+            <a:pPr marL="0" indent="0">
+              <a:buNone/>
+            </a:pPr>
+            <a:r>
+              <a:rPr lang="en-US" dirty="0"/>
+              <a:t>20 * </a:t>
+            </a:r>
+            <a:r>
+              <a:rPr lang="en-US" dirty="0" err="1"/>
+              <a:t>transmissionDelayPerByte</a:t>
+            </a:r>
+            <a:r>
+              <a:rPr lang="en-US" dirty="0"/>
+              <a:t> amount of time.</a:t>
+            </a:r>
+          </a:p>
+          <a:p>
+            <a:pPr marL="0" indent="0">
+              <a:buNone/>
+            </a:pPr>
+            <a:endParaRPr lang="en-US" dirty="0"/>
+          </a:p>
+          <a:p>
+            <a:pPr marL="0" indent="0">
+              <a:buNone/>
+            </a:pPr>
+            <a:r>
+              <a:rPr lang="en-US" dirty="0"/>
+              <a:t>If </a:t>
+            </a:r>
+            <a:r>
+              <a:rPr lang="en-US" b="1" dirty="0" err="1"/>
+              <a:t>transmissionDelayPerByte</a:t>
+            </a:r>
+            <a:r>
+              <a:rPr lang="en-US" dirty="0"/>
+              <a:t> is 0.0001ms, it would take 0.002 </a:t>
+            </a:r>
+            <a:r>
+              <a:rPr lang="en-US" dirty="0" err="1"/>
+              <a:t>ms</a:t>
+            </a:r>
+            <a:r>
+              <a:rPr lang="en-US" dirty="0"/>
+              <a:t> or 2 </a:t>
+            </a:r>
+            <a:r>
+              <a:rPr lang="en-US"/>
+              <a:t>micro seconds </a:t>
+            </a:r>
+            <a:r>
+              <a:rPr lang="en-US" dirty="0"/>
+              <a:t>to push the packet into a channel. </a:t>
+            </a:r>
+          </a:p>
+          <a:p>
+            <a:endParaRPr lang="en-US" dirty="0"/>
+          </a:p>
+        </p:txBody>
+      </p:sp>
+    </p:spTree>
+    <p:extLst>
+      <p:ext uri="{BB962C8B-B14F-4D97-AF65-F5344CB8AC3E}">
+        <p14:creationId xmlns:p14="http://schemas.microsoft.com/office/powerpoint/2010/main" val="3171713153"/>
+      </p:ext>
+    </p:extLst>
+  </p:cSld>
+  <p:clrMapOvr>
+    <a:masterClrMapping/>
+  </p:clrMapOvr>
+</p:sld>
+</file>
+
+<file path=ppt/slides/slide16.xml><?xml version="1.0" encoding="utf-8"?>
+<p:sld xmlns:a="http://schemas.openxmlformats.org/drawingml/2006/main" xmlns:r="http://schemas.openxmlformats.org/officeDocument/2006/relationships" xmlns:p="http://schemas.openxmlformats.org/presentationml/2006/main">
+  <p:cSld>
+    <p:spTree>
+      <p:nvGrpSpPr>
+        <p:cNvPr id="1" name=""/>
+        <p:cNvGrpSpPr/>
+        <p:nvPr/>
+      </p:nvGrpSpPr>
+      <p:grpSpPr>
+        <a:xfrm>
+          <a:off x="0" y="0"/>
+          <a:ext cx="0" cy="0"/>
+          <a:chOff x="0" y="0"/>
+          <a:chExt cx="0" cy="0"/>
+        </a:xfrm>
+      </p:grpSpPr>
+      <p:sp>
+        <p:nvSpPr>
+          <p:cNvPr id="2" name="Title 1">
+            <a:extLst>
+              <a:ext uri="{FF2B5EF4-FFF2-40B4-BE49-F238E27FC236}">
+                <a16:creationId xmlns:a16="http://schemas.microsoft.com/office/drawing/2014/main" id="{D8449BCD-2DDB-49AE-A814-1FC20D297545}"/>
+              </a:ext>
+            </a:extLst>
+          </p:cNvPr>
+          <p:cNvSpPr>
+            <a:spLocks noGrp="1"/>
+          </p:cNvSpPr>
+          <p:nvPr>
+            <p:ph type="title"/>
+          </p:nvPr>
+        </p:nvSpPr>
+        <p:spPr/>
+        <p:txBody>
+          <a:bodyPr/>
+          <a:lstStyle/>
+          <a:p>
+            <a:r>
+              <a:rPr lang="en-US" dirty="0"/>
+              <a:t>Where there will be no queuing</a:t>
+            </a:r>
+          </a:p>
+        </p:txBody>
+      </p:sp>
+      <p:sp>
+        <p:nvSpPr>
+          <p:cNvPr id="3" name="Content Placeholder 2">
+            <a:extLst>
+              <a:ext uri="{FF2B5EF4-FFF2-40B4-BE49-F238E27FC236}">
+                <a16:creationId xmlns:a16="http://schemas.microsoft.com/office/drawing/2014/main" id="{62CDB0F8-7CA7-423C-8485-0B4986D5C0B4}"/>
+              </a:ext>
+            </a:extLst>
+          </p:cNvPr>
+          <p:cNvSpPr>
+            <a:spLocks noGrp="1"/>
+          </p:cNvSpPr>
+          <p:nvPr>
+            <p:ph idx="1"/>
+          </p:nvPr>
+        </p:nvSpPr>
+        <p:spPr/>
+        <p:txBody>
+          <a:bodyPr>
+            <a:normAutofit fontScale="92500" lnSpcReduction="10000"/>
+          </a:bodyPr>
+          <a:lstStyle/>
+          <a:p>
+            <a:pPr marL="0" indent="0">
+              <a:buNone/>
+            </a:pPr>
+            <a:r>
+              <a:rPr lang="en-US" dirty="0"/>
+              <a:t>Let’s say our queue size is 5 and 5 packets arrived at time 1000Here are the events that will happen:</a:t>
+            </a:r>
+          </a:p>
+          <a:p>
+            <a:pPr marL="0" indent="0">
+              <a:buNone/>
+            </a:pPr>
+            <a:r>
+              <a:rPr lang="en-US" dirty="0"/>
+              <a:t>Arrive p1</a:t>
+            </a:r>
+          </a:p>
+          <a:p>
+            <a:pPr marL="0" indent="0">
+              <a:buNone/>
+            </a:pPr>
+            <a:r>
+              <a:rPr lang="en-US" dirty="0"/>
+              <a:t>Channel p1 (because as queue was empty, p1 will be pushed to the channel at 1000)</a:t>
+            </a:r>
+          </a:p>
+          <a:p>
+            <a:pPr marL="0" indent="0">
+              <a:buNone/>
+            </a:pPr>
+            <a:r>
+              <a:rPr lang="en-US" dirty="0"/>
+              <a:t>Arrive p2</a:t>
+            </a:r>
+          </a:p>
+          <a:p>
+            <a:pPr marL="0" indent="0">
+              <a:buNone/>
+            </a:pPr>
+            <a:r>
+              <a:rPr lang="en-US" dirty="0"/>
+              <a:t>Channel p2</a:t>
+            </a:r>
+          </a:p>
+          <a:p>
+            <a:pPr marL="0" indent="0">
+              <a:buNone/>
+            </a:pPr>
+            <a:r>
+              <a:rPr lang="en-US" dirty="0" err="1"/>
+              <a:t>Arri</a:t>
+            </a:r>
+            <a:r>
+              <a:rPr lang="en-US" dirty="0"/>
+              <a:t>…</a:t>
+            </a:r>
+          </a:p>
+          <a:p>
+            <a:pPr marL="0" indent="0">
+              <a:buNone/>
+            </a:pPr>
+            <a:r>
+              <a:rPr lang="en-US" dirty="0"/>
+              <a:t>Because even if we had [A1, A2, A3, A4, A5] in the event queue at time 1000. Each of the arrival event will be put before the pending arrival events. So, queue will never have </a:t>
+            </a:r>
+            <a:r>
+              <a:rPr lang="en-US"/>
+              <a:t>more than 1 item.</a:t>
+            </a:r>
+            <a:endParaRPr lang="en-US" dirty="0"/>
+          </a:p>
+          <a:p>
+            <a:pPr marL="0" indent="0">
+              <a:buNone/>
+            </a:pPr>
+            <a:endParaRPr lang="en-US" dirty="0"/>
+          </a:p>
+        </p:txBody>
+      </p:sp>
+    </p:spTree>
+    <p:extLst>
+      <p:ext uri="{BB962C8B-B14F-4D97-AF65-F5344CB8AC3E}">
+        <p14:creationId xmlns:p14="http://schemas.microsoft.com/office/powerpoint/2010/main" val="2893417731"/>
+      </p:ext>
+    </p:extLst>
+  </p:cSld>
+  <p:clrMapOvr>
+    <a:masterClrMapping/>
+  </p:clrMapOvr>
+</p:sld>
+</file>
+
 <file path=ppt/slides/slide17.xml><?xml version="1.0" encoding="utf-8"?>
 <p:sld xmlns:a="http://schemas.openxmlformats.org/drawingml/2006/main" xmlns:r="http://schemas.openxmlformats.org/officeDocument/2006/relationships" xmlns:p="http://schemas.openxmlformats.org/presentationml/2006/main">
   <p:cSld>
@@ -6616,7 +5254,7 @@
           <p:cNvPr id="2" name="Title 1">
             <a:extLst>
               <a:ext uri="{FF2B5EF4-FFF2-40B4-BE49-F238E27FC236}">
-                <a16:creationId xmlns:a16="http://schemas.microsoft.com/office/drawing/2014/main" id="{DBEBFB77-32BE-406C-8149-37DB9E1B6BF7}"/>
+                <a16:creationId xmlns:a16="http://schemas.microsoft.com/office/drawing/2014/main" id="{BC9270A4-35A3-43E8-AD80-82FD792280FF}"/>
               </a:ext>
             </a:extLst>
           </p:cNvPr>
@@ -6633,8 +5271,8 @@
           <a:lstStyle/>
           <a:p>
             <a:r>
-              <a:rPr lang="en-US"/>
-              <a:t>Model with Event Queue</a:t>
+              <a:rPr lang="en-US" dirty="0"/>
+              <a:t>Experimental plan</a:t>
             </a:r>
           </a:p>
         </p:txBody>
@@ -6644,7 +5282,7 @@
           <p:cNvPr id="3" name="Content Placeholder 2">
             <a:extLst>
               <a:ext uri="{FF2B5EF4-FFF2-40B4-BE49-F238E27FC236}">
-                <a16:creationId xmlns:a16="http://schemas.microsoft.com/office/drawing/2014/main" id="{711D7E82-FA2B-4D8B-B07E-35E94FA483C1}"/>
+                <a16:creationId xmlns:a16="http://schemas.microsoft.com/office/drawing/2014/main" id="{1731DBBB-F2FA-4BC9-A09D-13DCC5696929}"/>
               </a:ext>
             </a:extLst>
           </p:cNvPr>
@@ -6657,62 +5295,36 @@
         </p:nvSpPr>
         <p:spPr/>
         <p:txBody>
-          <a:bodyPr>
-            <a:normAutofit lnSpcReduction="10000"/>
-          </a:bodyPr>
+          <a:bodyPr/>
           <a:lstStyle/>
           <a:p>
             <a:r>
               <a:rPr lang="en-US" dirty="0"/>
-              <a:t>Resolution parameter in Nodes and Clients are not used in Event Queue model</a:t>
-            </a:r>
-          </a:p>
-          <a:p>
-            <a:r>
-              <a:rPr lang="en-US" dirty="0" err="1"/>
-              <a:t>EventQueue</a:t>
-            </a:r>
+              <a:t>Analysis RTT change over n-RTT time</a:t>
+            </a:r>
+          </a:p>
+          <a:p>
             <a:r>
               <a:rPr lang="en-US" dirty="0"/>
-              <a:t> with actual time will create </a:t>
-            </a:r>
-            <a:r>
-              <a:rPr lang="en-US" b="1" dirty="0"/>
-              <a:t>time gaps </a:t>
-            </a:r>
+              <a:t>Some power calculation which considers both expected throughput and RTT</a:t>
+            </a:r>
+          </a:p>
+          <a:p>
             <a:r>
               <a:rPr lang="en-US" dirty="0"/>
-              <a:t>in creating and routing packets, because of processing of events. So, instead, we create simulation timestep which increases by 1 after each step. The resolution parameter says whether it’s a </a:t>
-            </a:r>
-            <a:r>
-              <a:rPr lang="en-US" dirty="0" err="1"/>
-              <a:t>ms</a:t>
-            </a:r>
+              <a:t>Try to stress the network and see what would be the highest throughput.</a:t>
+            </a:r>
+          </a:p>
+          <a:p>
             <a:r>
               <a:rPr lang="en-US" dirty="0"/>
-              <a:t>/</a:t>
-            </a:r>
-            <a:r>
-              <a:rPr lang="en-US" dirty="0" err="1"/>
-              <a:t>mcs</a:t>
-            </a:r>
+              <a:t>Then try to achieve the best RTT</a:t>
+            </a:r>
+          </a:p>
+          <a:p>
             <a:r>
               <a:rPr lang="en-US" dirty="0"/>
-              <a:t>/ns. A lot of other parameters are defined in </a:t>
-            </a:r>
-            <a:r>
-              <a:rPr lang="en-US" dirty="0" err="1"/>
-              <a:t>ms</a:t>
-            </a:r>
-            <a:r>
-              <a:rPr lang="en-US" dirty="0"/>
-              <a:t>/s. So, we need to adjust their calculations based on simulation timestep unit.</a:t>
-            </a:r>
-          </a:p>
-          <a:p>
-            <a:r>
-              <a:rPr lang="en-US" dirty="0"/>
-              <a:t>Heap is sometime reconstructed and events with the same time can be reordered. So, we need to serialize events by adding microseconds.</a:t>
+              <a:t>Then try to optimize a trade-off function.</a:t>
             </a:r>
           </a:p>
         </p:txBody>
@@ -6720,7 +5332,7 @@
     </p:spTree>
     <p:extLst>
       <p:ext uri="{BB962C8B-B14F-4D97-AF65-F5344CB8AC3E}">
-        <p14:creationId xmlns:p14="http://schemas.microsoft.com/office/powerpoint/2010/main" val="2008062780"/>
+        <p14:creationId xmlns:p14="http://schemas.microsoft.com/office/powerpoint/2010/main" val="2091914974"/>
       </p:ext>
     </p:extLst>
   </p:cSld>
@@ -6752,454 +5364,6 @@
           <p:cNvPr id="2" name="Title 1">
             <a:extLst>
               <a:ext uri="{FF2B5EF4-FFF2-40B4-BE49-F238E27FC236}">
-                <a16:creationId xmlns:a16="http://schemas.microsoft.com/office/drawing/2014/main" id="{CE25493D-F2E8-46C3-A547-911E124EB9F8}"/>
-              </a:ext>
-            </a:extLst>
-          </p:cNvPr>
-          <p:cNvSpPr>
-            <a:spLocks noGrp="1"/>
-          </p:cNvSpPr>
-          <p:nvPr>
-            <p:ph type="title"/>
-          </p:nvPr>
-        </p:nvSpPr>
-        <p:spPr/>
-        <p:txBody>
-          <a:bodyPr/>
-          <a:lstStyle/>
-          <a:p>
-            <a:r>
-              <a:rPr lang="en-US" dirty="0"/>
-              <a:t>Transmission delay in MS</a:t>
-            </a:r>
-          </a:p>
-        </p:txBody>
-      </p:sp>
-      <p:sp>
-        <p:nvSpPr>
-          <p:cNvPr id="3" name="Content Placeholder 2">
-            <a:extLst>
-              <a:ext uri="{FF2B5EF4-FFF2-40B4-BE49-F238E27FC236}">
-                <a16:creationId xmlns:a16="http://schemas.microsoft.com/office/drawing/2014/main" id="{A1DD7359-0EBE-4A37-B0D8-ADB0C7585AF8}"/>
-              </a:ext>
-            </a:extLst>
-          </p:cNvPr>
-          <p:cNvSpPr>
-            <a:spLocks noGrp="1"/>
-          </p:cNvSpPr>
-          <p:nvPr>
-            <p:ph idx="1"/>
-          </p:nvPr>
-        </p:nvSpPr>
-        <p:spPr/>
-        <p:txBody>
-          <a:bodyPr/>
-          <a:lstStyle/>
-          <a:p>
-            <a:pPr marL="0" indent="0">
-              <a:buNone/>
-            </a:pPr>
-            <a:r>
-              <a:rPr lang="en-US" dirty="0"/>
-              <a:t>Transmission delay is the amount of time required to push one BYTE to a channel: A 20 B packet requires: </a:t>
-            </a:r>
-          </a:p>
-          <a:p>
-            <a:pPr marL="0" indent="0">
-              <a:buNone/>
-            </a:pPr>
-            <a:r>
-              <a:rPr lang="en-US" dirty="0"/>
-              <a:t>20 * </a:t>
-            </a:r>
-            <a:r>
-              <a:rPr lang="en-US" dirty="0" err="1"/>
-              <a:t>transmissionDelayPerByte</a:t>
-            </a:r>
-            <a:r>
-              <a:rPr lang="en-US" dirty="0"/>
-              <a:t> amount of time.</a:t>
-            </a:r>
-          </a:p>
-          <a:p>
-            <a:pPr marL="0" indent="0">
-              <a:buNone/>
-            </a:pPr>
-            <a:endParaRPr lang="en-US" dirty="0"/>
-          </a:p>
-          <a:p>
-            <a:pPr marL="0" indent="0">
-              <a:buNone/>
-            </a:pPr>
-            <a:r>
-              <a:rPr lang="en-US" dirty="0"/>
-              <a:t>If </a:t>
-            </a:r>
-            <a:r>
-              <a:rPr lang="en-US" b="1" dirty="0" err="1"/>
-              <a:t>transmissionDelayPerByte</a:t>
-            </a:r>
-            <a:r>
-              <a:rPr lang="en-US" dirty="0"/>
-              <a:t> is 0.0001ms, it would take 0.002 </a:t>
-            </a:r>
-            <a:r>
-              <a:rPr lang="en-US" dirty="0" err="1"/>
-              <a:t>ms</a:t>
-            </a:r>
-            <a:r>
-              <a:rPr lang="en-US" dirty="0"/>
-              <a:t> or 2 </a:t>
-            </a:r>
-            <a:r>
-              <a:rPr lang="en-US"/>
-              <a:t>micro seconds </a:t>
-            </a:r>
-            <a:r>
-              <a:rPr lang="en-US" dirty="0"/>
-              <a:t>to push the packet into a channel. </a:t>
-            </a:r>
-          </a:p>
-          <a:p>
-            <a:endParaRPr lang="en-US" dirty="0"/>
-          </a:p>
-        </p:txBody>
-      </p:sp>
-    </p:spTree>
-    <p:extLst>
-      <p:ext uri="{BB962C8B-B14F-4D97-AF65-F5344CB8AC3E}">
-        <p14:creationId xmlns:p14="http://schemas.microsoft.com/office/powerpoint/2010/main" val="3171713153"/>
-      </p:ext>
-    </p:extLst>
-  </p:cSld>
-  <p:clrMapOvr>
-    <a:masterClrMapping/>
-  </p:clrMapOvr>
-</p:sld>
-</file>
-
-<file path=ppt/slides/slide19.xml><?xml version="1.0" encoding="utf-8"?>
-<p:sld xmlns:a="http://schemas.openxmlformats.org/drawingml/2006/main" xmlns:r="http://schemas.openxmlformats.org/officeDocument/2006/relationships" xmlns:p="http://schemas.openxmlformats.org/presentationml/2006/main">
-  <p:cSld>
-    <p:spTree>
-      <p:nvGrpSpPr>
-        <p:cNvPr id="1" name=""/>
-        <p:cNvGrpSpPr/>
-        <p:nvPr/>
-      </p:nvGrpSpPr>
-      <p:grpSpPr>
-        <a:xfrm>
-          <a:off x="0" y="0"/>
-          <a:ext cx="0" cy="0"/>
-          <a:chOff x="0" y="0"/>
-          <a:chExt cx="0" cy="0"/>
-        </a:xfrm>
-      </p:grpSpPr>
-      <p:sp>
-        <p:nvSpPr>
-          <p:cNvPr id="2" name="Title 1">
-            <a:extLst>
-              <a:ext uri="{FF2B5EF4-FFF2-40B4-BE49-F238E27FC236}">
-                <a16:creationId xmlns:a16="http://schemas.microsoft.com/office/drawing/2014/main" id="{D8449BCD-2DDB-49AE-A814-1FC20D297545}"/>
-              </a:ext>
-            </a:extLst>
-          </p:cNvPr>
-          <p:cNvSpPr>
-            <a:spLocks noGrp="1"/>
-          </p:cNvSpPr>
-          <p:nvPr>
-            <p:ph type="title"/>
-          </p:nvPr>
-        </p:nvSpPr>
-        <p:spPr/>
-        <p:txBody>
-          <a:bodyPr/>
-          <a:lstStyle/>
-          <a:p>
-            <a:r>
-              <a:rPr lang="en-US" dirty="0"/>
-              <a:t>Where there will be no queuing</a:t>
-            </a:r>
-          </a:p>
-        </p:txBody>
-      </p:sp>
-      <p:sp>
-        <p:nvSpPr>
-          <p:cNvPr id="3" name="Content Placeholder 2">
-            <a:extLst>
-              <a:ext uri="{FF2B5EF4-FFF2-40B4-BE49-F238E27FC236}">
-                <a16:creationId xmlns:a16="http://schemas.microsoft.com/office/drawing/2014/main" id="{62CDB0F8-7CA7-423C-8485-0B4986D5C0B4}"/>
-              </a:ext>
-            </a:extLst>
-          </p:cNvPr>
-          <p:cNvSpPr>
-            <a:spLocks noGrp="1"/>
-          </p:cNvSpPr>
-          <p:nvPr>
-            <p:ph idx="1"/>
-          </p:nvPr>
-        </p:nvSpPr>
-        <p:spPr/>
-        <p:txBody>
-          <a:bodyPr>
-            <a:normAutofit fontScale="92500" lnSpcReduction="10000"/>
-          </a:bodyPr>
-          <a:lstStyle/>
-          <a:p>
-            <a:pPr marL="0" indent="0">
-              <a:buNone/>
-            </a:pPr>
-            <a:r>
-              <a:rPr lang="en-US" dirty="0"/>
-              <a:t>Let’s say our queue size is 5 and 5 packets arrived at time 1000Here are the events that will happen:</a:t>
-            </a:r>
-          </a:p>
-          <a:p>
-            <a:pPr marL="0" indent="0">
-              <a:buNone/>
-            </a:pPr>
-            <a:r>
-              <a:rPr lang="en-US" dirty="0"/>
-              <a:t>Arrive p1</a:t>
-            </a:r>
-          </a:p>
-          <a:p>
-            <a:pPr marL="0" indent="0">
-              <a:buNone/>
-            </a:pPr>
-            <a:r>
-              <a:rPr lang="en-US" dirty="0"/>
-              <a:t>Channel p1 (because as queue was empty, p1 will be pushed to the channel at 1000)</a:t>
-            </a:r>
-          </a:p>
-          <a:p>
-            <a:pPr marL="0" indent="0">
-              <a:buNone/>
-            </a:pPr>
-            <a:r>
-              <a:rPr lang="en-US" dirty="0"/>
-              <a:t>Arrive p2</a:t>
-            </a:r>
-          </a:p>
-          <a:p>
-            <a:pPr marL="0" indent="0">
-              <a:buNone/>
-            </a:pPr>
-            <a:r>
-              <a:rPr lang="en-US" dirty="0"/>
-              <a:t>Channel p2</a:t>
-            </a:r>
-          </a:p>
-          <a:p>
-            <a:pPr marL="0" indent="0">
-              <a:buNone/>
-            </a:pPr>
-            <a:r>
-              <a:rPr lang="en-US" dirty="0" err="1"/>
-              <a:t>Arri</a:t>
-            </a:r>
-            <a:r>
-              <a:rPr lang="en-US" dirty="0"/>
-              <a:t>…</a:t>
-            </a:r>
-          </a:p>
-          <a:p>
-            <a:pPr marL="0" indent="0">
-              <a:buNone/>
-            </a:pPr>
-            <a:r>
-              <a:rPr lang="en-US" dirty="0"/>
-              <a:t>Because even if we had [A1, A2, A3, A4, A5] in the event queue at time 1000. Each of the arrival event will be put before the pending arrival events. So, queue will never have </a:t>
-            </a:r>
-            <a:r>
-              <a:rPr lang="en-US"/>
-              <a:t>more than 1 item.</a:t>
-            </a:r>
-            <a:endParaRPr lang="en-US" dirty="0"/>
-          </a:p>
-          <a:p>
-            <a:pPr marL="0" indent="0">
-              <a:buNone/>
-            </a:pPr>
-            <a:endParaRPr lang="en-US" dirty="0"/>
-          </a:p>
-        </p:txBody>
-      </p:sp>
-    </p:spTree>
-    <p:extLst>
-      <p:ext uri="{BB962C8B-B14F-4D97-AF65-F5344CB8AC3E}">
-        <p14:creationId xmlns:p14="http://schemas.microsoft.com/office/powerpoint/2010/main" val="2893417731"/>
-      </p:ext>
-    </p:extLst>
-  </p:cSld>
-  <p:clrMapOvr>
-    <a:masterClrMapping/>
-  </p:clrMapOvr>
-</p:sld>
-</file>
-
-<file path=ppt/slides/slide2.xml><?xml version="1.0" encoding="utf-8"?>
-<p:sld xmlns:a="http://schemas.openxmlformats.org/drawingml/2006/main" xmlns:r="http://schemas.openxmlformats.org/officeDocument/2006/relationships" xmlns:p="http://schemas.openxmlformats.org/presentationml/2006/main">
-  <p:cSld>
-    <p:spTree>
-      <p:nvGrpSpPr>
-        <p:cNvPr id="1" name=""/>
-        <p:cNvGrpSpPr/>
-        <p:nvPr/>
-      </p:nvGrpSpPr>
-      <p:grpSpPr>
-        <a:xfrm>
-          <a:off x="0" y="0"/>
-          <a:ext cx="0" cy="0"/>
-          <a:chOff x="0" y="0"/>
-          <a:chExt cx="0" cy="0"/>
-        </a:xfrm>
-      </p:grpSpPr>
-    </p:spTree>
-    <p:extLst>
-      <p:ext uri="{BB962C8B-B14F-4D97-AF65-F5344CB8AC3E}">
-        <p14:creationId xmlns:p14="http://schemas.microsoft.com/office/powerpoint/2010/main" val="3715110427"/>
-      </p:ext>
-    </p:extLst>
-  </p:cSld>
-  <p:clrMapOvr>
-    <a:masterClrMapping/>
-  </p:clrMapOvr>
-</p:sld>
-</file>
-
-<file path=ppt/slides/slide20.xml><?xml version="1.0" encoding="utf-8"?>
-<p:sld xmlns:a="http://schemas.openxmlformats.org/drawingml/2006/main" xmlns:r="http://schemas.openxmlformats.org/officeDocument/2006/relationships" xmlns:p="http://schemas.openxmlformats.org/presentationml/2006/main">
-  <p:cSld>
-    <p:spTree>
-      <p:nvGrpSpPr>
-        <p:cNvPr id="1" name=""/>
-        <p:cNvGrpSpPr/>
-        <p:nvPr/>
-      </p:nvGrpSpPr>
-      <p:grpSpPr>
-        <a:xfrm>
-          <a:off x="0" y="0"/>
-          <a:ext cx="0" cy="0"/>
-          <a:chOff x="0" y="0"/>
-          <a:chExt cx="0" cy="0"/>
-        </a:xfrm>
-      </p:grpSpPr>
-      <p:sp>
-        <p:nvSpPr>
-          <p:cNvPr id="2" name="Title 1">
-            <a:extLst>
-              <a:ext uri="{FF2B5EF4-FFF2-40B4-BE49-F238E27FC236}">
-                <a16:creationId xmlns:a16="http://schemas.microsoft.com/office/drawing/2014/main" id="{BC9270A4-35A3-43E8-AD80-82FD792280FF}"/>
-              </a:ext>
-            </a:extLst>
-          </p:cNvPr>
-          <p:cNvSpPr>
-            <a:spLocks noGrp="1"/>
-          </p:cNvSpPr>
-          <p:nvPr>
-            <p:ph type="title"/>
-          </p:nvPr>
-        </p:nvSpPr>
-        <p:spPr/>
-        <p:txBody>
-          <a:bodyPr/>
-          <a:lstStyle/>
-          <a:p>
-            <a:r>
-              <a:rPr lang="en-US" dirty="0"/>
-              <a:t>Experimental plan</a:t>
-            </a:r>
-          </a:p>
-        </p:txBody>
-      </p:sp>
-      <p:sp>
-        <p:nvSpPr>
-          <p:cNvPr id="3" name="Content Placeholder 2">
-            <a:extLst>
-              <a:ext uri="{FF2B5EF4-FFF2-40B4-BE49-F238E27FC236}">
-                <a16:creationId xmlns:a16="http://schemas.microsoft.com/office/drawing/2014/main" id="{1731DBBB-F2FA-4BC9-A09D-13DCC5696929}"/>
-              </a:ext>
-            </a:extLst>
-          </p:cNvPr>
-          <p:cNvSpPr>
-            <a:spLocks noGrp="1"/>
-          </p:cNvSpPr>
-          <p:nvPr>
-            <p:ph idx="1"/>
-          </p:nvPr>
-        </p:nvSpPr>
-        <p:spPr/>
-        <p:txBody>
-          <a:bodyPr/>
-          <a:lstStyle/>
-          <a:p>
-            <a:r>
-              <a:rPr lang="en-US" dirty="0"/>
-              <a:t>Analysis RTT change over n-RTT time</a:t>
-            </a:r>
-          </a:p>
-          <a:p>
-            <a:r>
-              <a:rPr lang="en-US" dirty="0"/>
-              <a:t>Some power calculation which considers both expected throughput and RTT</a:t>
-            </a:r>
-          </a:p>
-          <a:p>
-            <a:r>
-              <a:rPr lang="en-US" dirty="0"/>
-              <a:t>Try to stress the network and see what would be the highest throughput.</a:t>
-            </a:r>
-          </a:p>
-          <a:p>
-            <a:r>
-              <a:rPr lang="en-US" dirty="0"/>
-              <a:t>Then try to achieve the best RTT</a:t>
-            </a:r>
-          </a:p>
-          <a:p>
-            <a:r>
-              <a:rPr lang="en-US" dirty="0"/>
-              <a:t>Then try to optimize a trade-off function.</a:t>
-            </a:r>
-          </a:p>
-        </p:txBody>
-      </p:sp>
-    </p:spTree>
-    <p:extLst>
-      <p:ext uri="{BB962C8B-B14F-4D97-AF65-F5344CB8AC3E}">
-        <p14:creationId xmlns:p14="http://schemas.microsoft.com/office/powerpoint/2010/main" val="2091914974"/>
-      </p:ext>
-    </p:extLst>
-  </p:cSld>
-  <p:clrMapOvr>
-    <a:masterClrMapping/>
-  </p:clrMapOvr>
-</p:sld>
-</file>
-
-<file path=ppt/slides/slide21.xml><?xml version="1.0" encoding="utf-8"?>
-<p:sld xmlns:a="http://schemas.openxmlformats.org/drawingml/2006/main" xmlns:r="http://schemas.openxmlformats.org/officeDocument/2006/relationships" xmlns:p="http://schemas.openxmlformats.org/presentationml/2006/main">
-  <p:cSld>
-    <p:spTree>
-      <p:nvGrpSpPr>
-        <p:cNvPr id="1" name=""/>
-        <p:cNvGrpSpPr/>
-        <p:nvPr/>
-      </p:nvGrpSpPr>
-      <p:grpSpPr>
-        <a:xfrm>
-          <a:off x="0" y="0"/>
-          <a:ext cx="0" cy="0"/>
-          <a:chOff x="0" y="0"/>
-          <a:chExt cx="0" cy="0"/>
-        </a:xfrm>
-      </p:grpSpPr>
-      <p:sp>
-        <p:nvSpPr>
-          <p:cNvPr id="2" name="Title 1">
-            <a:extLst>
-              <a:ext uri="{FF2B5EF4-FFF2-40B4-BE49-F238E27FC236}">
                 <a16:creationId xmlns:a16="http://schemas.microsoft.com/office/drawing/2014/main" id="{46AEFC0A-7D4A-40F2-85A2-321E33FA648A}"/>
               </a:ext>
             </a:extLst>
@@ -7282,7 +5446,7 @@
 </p:sld>
 </file>
 
-<file path=ppt/slides/slide22.xml><?xml version="1.0" encoding="utf-8"?>
+<file path=ppt/slides/slide19.xml><?xml version="1.0" encoding="utf-8"?>
 <p:sld xmlns:a="http://schemas.openxmlformats.org/drawingml/2006/main" xmlns:r="http://schemas.openxmlformats.org/officeDocument/2006/relationships" xmlns:p="http://schemas.openxmlformats.org/presentationml/2006/main">
   <p:cSld>
     <p:spTree>
@@ -7984,7 +6148,147 @@
 </p:sld>
 </file>
 
-<file path=ppt/slides/slide23.xml><?xml version="1.0" encoding="utf-8"?>
+<file path=ppt/slides/slide2.xml><?xml version="1.0" encoding="utf-8"?>
+<p:sld xmlns:a="http://schemas.openxmlformats.org/drawingml/2006/main" xmlns:r="http://schemas.openxmlformats.org/officeDocument/2006/relationships" xmlns:p="http://schemas.openxmlformats.org/presentationml/2006/main">
+  <p:cSld>
+    <p:spTree>
+      <p:nvGrpSpPr>
+        <p:cNvPr id="1" name=""/>
+        <p:cNvGrpSpPr/>
+        <p:nvPr/>
+      </p:nvGrpSpPr>
+      <p:grpSpPr>
+        <a:xfrm>
+          <a:off x="0" y="0"/>
+          <a:ext cx="0" cy="0"/>
+          <a:chOff x="0" y="0"/>
+          <a:chExt cx="0" cy="0"/>
+        </a:xfrm>
+      </p:grpSpPr>
+      <p:sp>
+        <p:nvSpPr>
+          <p:cNvPr id="2" name="Title 1">
+            <a:extLst>
+              <a:ext uri="{FF2B5EF4-FFF2-40B4-BE49-F238E27FC236}">
+                <a16:creationId xmlns:a16="http://schemas.microsoft.com/office/drawing/2014/main" id="{D7A66175-A0AD-4F54-9037-FD8B876ACF52}"/>
+              </a:ext>
+            </a:extLst>
+          </p:cNvPr>
+          <p:cNvSpPr>
+            <a:spLocks noGrp="1"/>
+          </p:cNvSpPr>
+          <p:nvPr>
+            <p:ph type="title"/>
+          </p:nvPr>
+        </p:nvSpPr>
+        <p:spPr/>
+        <p:txBody>
+          <a:bodyPr/>
+          <a:lstStyle/>
+          <a:p>
+            <a:r>
+              <a:rPr lang="en-US" dirty="0"/>
+              <a:t>Simple control system</a:t>
+            </a:r>
+          </a:p>
+        </p:txBody>
+      </p:sp>
+      <p:sp>
+        <p:nvSpPr>
+          <p:cNvPr id="3" name="Content Placeholder 2">
+            <a:extLst>
+              <a:ext uri="{FF2B5EF4-FFF2-40B4-BE49-F238E27FC236}">
+                <a16:creationId xmlns:a16="http://schemas.microsoft.com/office/drawing/2014/main" id="{C2C79370-DC47-4418-8951-637493398ED7}"/>
+              </a:ext>
+            </a:extLst>
+          </p:cNvPr>
+          <p:cNvSpPr>
+            <a:spLocks noGrp="1"/>
+          </p:cNvSpPr>
+          <p:nvPr>
+            <p:ph idx="1"/>
+          </p:nvPr>
+        </p:nvSpPr>
+        <p:spPr/>
+        <p:txBody>
+          <a:bodyPr/>
+          <a:lstStyle/>
+          <a:p>
+            <a:r>
+              <a:rPr lang="en-US" dirty="0"/>
+              <a:t>A learning sender</a:t>
+            </a:r>
+          </a:p>
+          <a:p>
+            <a:r>
+              <a:rPr lang="en-US" dirty="0"/>
+              <a:t>The </a:t>
+            </a:r>
+            <a:r>
+              <a:rPr lang="en-US" dirty="0" err="1"/>
+              <a:t>bbr</a:t>
+            </a:r>
+            <a:r>
+              <a:rPr lang="en-US" dirty="0"/>
+              <a:t> system has </a:t>
+            </a:r>
+            <a:r>
+              <a:rPr lang="en-US" dirty="0" err="1"/>
+              <a:t>adhoc</a:t>
+            </a:r>
+            <a:r>
+              <a:rPr lang="en-US" dirty="0"/>
+              <a:t> assumptions</a:t>
+            </a:r>
+          </a:p>
+          <a:p>
+            <a:r>
+              <a:rPr lang="en-US" dirty="0"/>
+              <a:t>Learn noise</a:t>
+            </a:r>
+          </a:p>
+          <a:p>
+            <a:r>
+              <a:rPr lang="en-US" dirty="0"/>
+              <a:t>Getting a large </a:t>
+            </a:r>
+            <a:r>
+              <a:rPr lang="en-US" dirty="0" err="1"/>
+              <a:t>ttl</a:t>
+            </a:r>
+            <a:r>
+              <a:rPr lang="en-US" dirty="0"/>
+              <a:t> does not reflect network congestion properly</a:t>
+            </a:r>
+          </a:p>
+          <a:p>
+            <a:r>
+              <a:rPr lang="en-US" dirty="0"/>
+              <a:t>Beliefs that can adapt fast. Round trip time bounds given a path.</a:t>
+            </a:r>
+          </a:p>
+          <a:p>
+            <a:r>
+              <a:rPr lang="en-US" dirty="0"/>
+              <a:t>How can we estimate the actual roundtrip time.</a:t>
+            </a:r>
+          </a:p>
+        </p:txBody>
+      </p:sp>
+    </p:spTree>
+    <p:extLst>
+      <p:ext uri="{BB962C8B-B14F-4D97-AF65-F5344CB8AC3E}">
+        <p14:creationId xmlns:p14="http://schemas.microsoft.com/office/powerpoint/2010/main" val="735025012"/>
+      </p:ext>
+    </p:extLst>
+  </p:cSld>
+  <p:clrMapOvr>
+    <a:masterClrMapping/>
+  </p:clrMapOvr>
+</p:sld>
+</file>
+
+<file path=ppt/slides/slide20.xml><?xml version="1.0" encoding="utf-8"?>
 <p:sld xmlns:a="http://schemas.openxmlformats.org/drawingml/2006/main" xmlns:r="http://schemas.openxmlformats.org/officeDocument/2006/relationships" xmlns:p="http://schemas.openxmlformats.org/presentationml/2006/main">
   <p:cSld>
     <p:spTree>
@@ -9505,7 +7809,7 @@
 </p:sld>
 </file>
 
-<file path=ppt/slides/slide24.xml><?xml version="1.0" encoding="utf-8"?>
+<file path=ppt/slides/slide21.xml><?xml version="1.0" encoding="utf-8"?>
 <p:sld xmlns:a="http://schemas.openxmlformats.org/drawingml/2006/main" xmlns:r="http://schemas.openxmlformats.org/officeDocument/2006/relationships" xmlns:p="http://schemas.openxmlformats.org/presentationml/2006/main">
   <p:cSld>
     <p:spTree>
@@ -10765,7 +9069,7 @@
 </p:sld>
 </file>
 
-<file path=ppt/slides/slide25.xml><?xml version="1.0" encoding="utf-8"?>
+<file path=ppt/slides/slide22.xml><?xml version="1.0" encoding="utf-8"?>
 <p:sld xmlns:a="http://schemas.openxmlformats.org/drawingml/2006/main" xmlns:r="http://schemas.openxmlformats.org/officeDocument/2006/relationships" xmlns:p="http://schemas.openxmlformats.org/presentationml/2006/main">
   <p:cSld>
     <p:spTree>
@@ -12107,7 +10411,7 @@
 </p:sld>
 </file>
 
-<file path=ppt/slides/slide26.xml><?xml version="1.0" encoding="utf-8"?>
+<file path=ppt/slides/slide23.xml><?xml version="1.0" encoding="utf-8"?>
 <p:sld xmlns:a="http://schemas.openxmlformats.org/drawingml/2006/main" xmlns:r="http://schemas.openxmlformats.org/officeDocument/2006/relationships" xmlns:p="http://schemas.openxmlformats.org/presentationml/2006/main">
   <p:cSld>
     <p:spTree>
@@ -12165,7 +10469,7 @@
 </p:sld>
 </file>
 
-<file path=ppt/slides/slide27.xml><?xml version="1.0" encoding="utf-8"?>
+<file path=ppt/slides/slide24.xml><?xml version="1.0" encoding="utf-8"?>
 <p:sld xmlns:a="http://schemas.openxmlformats.org/drawingml/2006/main" xmlns:r="http://schemas.openxmlformats.org/officeDocument/2006/relationships" xmlns:p="http://schemas.openxmlformats.org/presentationml/2006/main">
   <p:cSld>
     <p:spTree>
@@ -12442,73 +10746,7 @@
 </p:sld>
 </file>
 
-<file path=ppt/slides/slide28.xml><?xml version="1.0" encoding="utf-8"?>
-<p:sld xmlns:a="http://schemas.openxmlformats.org/drawingml/2006/main" xmlns:r="http://schemas.openxmlformats.org/officeDocument/2006/relationships" xmlns:p="http://schemas.openxmlformats.org/presentationml/2006/main">
-  <p:cSld>
-    <p:spTree>
-      <p:nvGrpSpPr>
-        <p:cNvPr id="1" name=""/>
-        <p:cNvGrpSpPr/>
-        <p:nvPr/>
-      </p:nvGrpSpPr>
-      <p:grpSpPr>
-        <a:xfrm>
-          <a:off x="0" y="0"/>
-          <a:ext cx="0" cy="0"/>
-          <a:chOff x="0" y="0"/>
-          <a:chExt cx="0" cy="0"/>
-        </a:xfrm>
-      </p:grpSpPr>
-      <p:sp>
-        <p:nvSpPr>
-          <p:cNvPr id="2" name="Title 1">
-            <a:extLst>
-              <a:ext uri="{FF2B5EF4-FFF2-40B4-BE49-F238E27FC236}">
-                <a16:creationId xmlns:a16="http://schemas.microsoft.com/office/drawing/2014/main" id="{E87555F7-8FBB-41A8-A991-97A5867E58C6}"/>
-              </a:ext>
-            </a:extLst>
-          </p:cNvPr>
-          <p:cNvSpPr>
-            <a:spLocks noGrp="1"/>
-          </p:cNvSpPr>
-          <p:nvPr>
-            <p:ph type="title"/>
-          </p:nvPr>
-        </p:nvSpPr>
-        <p:spPr/>
-        <p:txBody>
-          <a:bodyPr/>
-          <a:lstStyle/>
-          <a:p>
-            <a:r>
-              <a:rPr lang="en-US" dirty="0"/>
-              <a:t>Impact of initial </a:t>
-            </a:r>
-            <a:r>
-              <a:rPr lang="en-US" dirty="0" err="1"/>
-              <a:t>max_outstanding</a:t>
-            </a:r>
-            <a:r>
-              <a:rPr lang="en-US" dirty="0"/>
-              <a:t> packets</a:t>
-            </a:r>
-          </a:p>
-        </p:txBody>
-      </p:sp>
-    </p:spTree>
-    <p:extLst>
-      <p:ext uri="{BB962C8B-B14F-4D97-AF65-F5344CB8AC3E}">
-        <p14:creationId xmlns:p14="http://schemas.microsoft.com/office/powerpoint/2010/main" val="1290269980"/>
-      </p:ext>
-    </p:extLst>
-  </p:cSld>
-  <p:clrMapOvr>
-    <a:masterClrMapping/>
-  </p:clrMapOvr>
-</p:sld>
-</file>
-
-<file path=ppt/slides/slide29.xml><?xml version="1.0" encoding="utf-8"?>
+<file path=ppt/slides/slide25.xml><?xml version="1.0" encoding="utf-8"?>
 <p:sld xmlns:a="http://schemas.openxmlformats.org/drawingml/2006/main" xmlns:r="http://schemas.openxmlformats.org/officeDocument/2006/relationships" xmlns:p="http://schemas.openxmlformats.org/presentationml/2006/main">
   <p:cSld>
     <p:spTree>
@@ -13247,147 +11485,7 @@
 </p:sld>
 </file>
 
-<file path=ppt/slides/slide3.xml><?xml version="1.0" encoding="utf-8"?>
-<p:sld xmlns:a="http://schemas.openxmlformats.org/drawingml/2006/main" xmlns:r="http://schemas.openxmlformats.org/officeDocument/2006/relationships" xmlns:p="http://schemas.openxmlformats.org/presentationml/2006/main">
-  <p:cSld>
-    <p:spTree>
-      <p:nvGrpSpPr>
-        <p:cNvPr id="1" name=""/>
-        <p:cNvGrpSpPr/>
-        <p:nvPr/>
-      </p:nvGrpSpPr>
-      <p:grpSpPr>
-        <a:xfrm>
-          <a:off x="0" y="0"/>
-          <a:ext cx="0" cy="0"/>
-          <a:chOff x="0" y="0"/>
-          <a:chExt cx="0" cy="0"/>
-        </a:xfrm>
-      </p:grpSpPr>
-      <p:sp>
-        <p:nvSpPr>
-          <p:cNvPr id="2" name="Title 1">
-            <a:extLst>
-              <a:ext uri="{FF2B5EF4-FFF2-40B4-BE49-F238E27FC236}">
-                <a16:creationId xmlns:a16="http://schemas.microsoft.com/office/drawing/2014/main" id="{D7A66175-A0AD-4F54-9037-FD8B876ACF52}"/>
-              </a:ext>
-            </a:extLst>
-          </p:cNvPr>
-          <p:cNvSpPr>
-            <a:spLocks noGrp="1"/>
-          </p:cNvSpPr>
-          <p:nvPr>
-            <p:ph type="title"/>
-          </p:nvPr>
-        </p:nvSpPr>
-        <p:spPr/>
-        <p:txBody>
-          <a:bodyPr/>
-          <a:lstStyle/>
-          <a:p>
-            <a:r>
-              <a:rPr lang="en-US" dirty="0"/>
-              <a:t>Simple control system</a:t>
-            </a:r>
-          </a:p>
-        </p:txBody>
-      </p:sp>
-      <p:sp>
-        <p:nvSpPr>
-          <p:cNvPr id="3" name="Content Placeholder 2">
-            <a:extLst>
-              <a:ext uri="{FF2B5EF4-FFF2-40B4-BE49-F238E27FC236}">
-                <a16:creationId xmlns:a16="http://schemas.microsoft.com/office/drawing/2014/main" id="{C2C79370-DC47-4418-8951-637493398ED7}"/>
-              </a:ext>
-            </a:extLst>
-          </p:cNvPr>
-          <p:cNvSpPr>
-            <a:spLocks noGrp="1"/>
-          </p:cNvSpPr>
-          <p:nvPr>
-            <p:ph idx="1"/>
-          </p:nvPr>
-        </p:nvSpPr>
-        <p:spPr/>
-        <p:txBody>
-          <a:bodyPr/>
-          <a:lstStyle/>
-          <a:p>
-            <a:r>
-              <a:rPr lang="en-US" dirty="0"/>
-              <a:t>A learning sender</a:t>
-            </a:r>
-          </a:p>
-          <a:p>
-            <a:r>
-              <a:rPr lang="en-US" dirty="0"/>
-              <a:t>The </a:t>
-            </a:r>
-            <a:r>
-              <a:rPr lang="en-US" dirty="0" err="1"/>
-              <a:t>bbr</a:t>
-            </a:r>
-            <a:r>
-              <a:rPr lang="en-US" dirty="0"/>
-              <a:t> system has </a:t>
-            </a:r>
-            <a:r>
-              <a:rPr lang="en-US" dirty="0" err="1"/>
-              <a:t>adhoc</a:t>
-            </a:r>
-            <a:r>
-              <a:rPr lang="en-US" dirty="0"/>
-              <a:t> assumptions</a:t>
-            </a:r>
-          </a:p>
-          <a:p>
-            <a:r>
-              <a:rPr lang="en-US" dirty="0"/>
-              <a:t>Learn noise</a:t>
-            </a:r>
-          </a:p>
-          <a:p>
-            <a:r>
-              <a:rPr lang="en-US" dirty="0"/>
-              <a:t>Getting a large </a:t>
-            </a:r>
-            <a:r>
-              <a:rPr lang="en-US" dirty="0" err="1"/>
-              <a:t>ttl</a:t>
-            </a:r>
-            <a:r>
-              <a:rPr lang="en-US" dirty="0"/>
-              <a:t> does not reflect network congestion properly</a:t>
-            </a:r>
-          </a:p>
-          <a:p>
-            <a:r>
-              <a:rPr lang="en-US" dirty="0"/>
-              <a:t>Beliefs that can adapt fast. Round trip time bounds given a path.</a:t>
-            </a:r>
-          </a:p>
-          <a:p>
-            <a:r>
-              <a:rPr lang="en-US" dirty="0"/>
-              <a:t>How can we estimate the actual roundtrip time.</a:t>
-            </a:r>
-          </a:p>
-        </p:txBody>
-      </p:sp>
-    </p:spTree>
-    <p:extLst>
-      <p:ext uri="{BB962C8B-B14F-4D97-AF65-F5344CB8AC3E}">
-        <p14:creationId xmlns:p14="http://schemas.microsoft.com/office/powerpoint/2010/main" val="735025012"/>
-      </p:ext>
-    </p:extLst>
-  </p:cSld>
-  <p:clrMapOvr>
-    <a:masterClrMapping/>
-  </p:clrMapOvr>
-</p:sld>
-</file>
-
-<file path=ppt/slides/slide30.xml><?xml version="1.0" encoding="utf-8"?>
+<file path=ppt/slides/slide26.xml><?xml version="1.0" encoding="utf-8"?>
 <p:sld xmlns:a="http://schemas.openxmlformats.org/drawingml/2006/main" xmlns:r="http://schemas.openxmlformats.org/officeDocument/2006/relationships" xmlns:p="http://schemas.openxmlformats.org/presentationml/2006/main">
   <p:cSld>
     <p:spTree>
@@ -13534,7 +11632,7 @@
 </p:sld>
 </file>
 
-<file path=ppt/slides/slide31.xml><?xml version="1.0" encoding="utf-8"?>
+<file path=ppt/slides/slide27.xml><?xml version="1.0" encoding="utf-8"?>
 <p:sld xmlns:a="http://schemas.openxmlformats.org/drawingml/2006/main" xmlns:r="http://schemas.openxmlformats.org/officeDocument/2006/relationships" xmlns:p="http://schemas.openxmlformats.org/presentationml/2006/main">
   <p:cSld>
     <p:spTree>
@@ -13733,7 +11831,7 @@
 </p:sld>
 </file>
 
-<file path=ppt/slides/slide32.xml><?xml version="1.0" encoding="utf-8"?>
+<file path=ppt/slides/slide28.xml><?xml version="1.0" encoding="utf-8"?>
 <p:sld xmlns:a="http://schemas.openxmlformats.org/drawingml/2006/main" xmlns:r="http://schemas.openxmlformats.org/officeDocument/2006/relationships" xmlns:p="http://schemas.openxmlformats.org/presentationml/2006/main">
   <p:cSld>
     <p:spTree>
@@ -14968,7 +13066,7 @@
 </p:sld>
 </file>
 
-<file path=ppt/slides/slide33.xml><?xml version="1.0" encoding="utf-8"?>
+<file path=ppt/slides/slide29.xml><?xml version="1.0" encoding="utf-8"?>
 <p:sld xmlns:a="http://schemas.openxmlformats.org/drawingml/2006/main" xmlns:r="http://schemas.openxmlformats.org/officeDocument/2006/relationships" xmlns:p="http://schemas.openxmlformats.org/presentationml/2006/main">
   <p:cSld>
     <p:spTree>
@@ -15105,7 +13203,169 @@
 </p:sld>
 </file>
 
-<file path=ppt/slides/slide34.xml><?xml version="1.0" encoding="utf-8"?>
+<file path=ppt/slides/slide3.xml><?xml version="1.0" encoding="utf-8"?>
+<p:sld xmlns:a="http://schemas.openxmlformats.org/drawingml/2006/main" xmlns:r="http://schemas.openxmlformats.org/officeDocument/2006/relationships" xmlns:p="http://schemas.openxmlformats.org/presentationml/2006/main">
+  <p:cSld>
+    <p:spTree>
+      <p:nvGrpSpPr>
+        <p:cNvPr id="1" name=""/>
+        <p:cNvGrpSpPr/>
+        <p:nvPr/>
+      </p:nvGrpSpPr>
+      <p:grpSpPr>
+        <a:xfrm>
+          <a:off x="0" y="0"/>
+          <a:ext cx="0" cy="0"/>
+          <a:chOff x="0" y="0"/>
+          <a:chExt cx="0" cy="0"/>
+        </a:xfrm>
+      </p:grpSpPr>
+      <p:sp>
+        <p:nvSpPr>
+          <p:cNvPr id="2" name="Title 1">
+            <a:extLst>
+              <a:ext uri="{FF2B5EF4-FFF2-40B4-BE49-F238E27FC236}">
+                <a16:creationId xmlns:a16="http://schemas.microsoft.com/office/drawing/2014/main" id="{C3954B47-38DB-4A5D-BE23-3D53A4FDC082}"/>
+              </a:ext>
+            </a:extLst>
+          </p:cNvPr>
+          <p:cNvSpPr>
+            <a:spLocks noGrp="1"/>
+          </p:cNvSpPr>
+          <p:nvPr>
+            <p:ph type="title"/>
+          </p:nvPr>
+        </p:nvSpPr>
+        <p:spPr/>
+        <p:txBody>
+          <a:bodyPr/>
+          <a:lstStyle/>
+          <a:p>
+            <a:r>
+              <a:rPr lang="en-US" dirty="0"/>
+              <a:t>What does a sender know about traffic?</a:t>
+            </a:r>
+          </a:p>
+        </p:txBody>
+      </p:sp>
+      <p:sp>
+        <p:nvSpPr>
+          <p:cNvPr id="3" name="Content Placeholder 2">
+            <a:extLst>
+              <a:ext uri="{FF2B5EF4-FFF2-40B4-BE49-F238E27FC236}">
+                <a16:creationId xmlns:a16="http://schemas.microsoft.com/office/drawing/2014/main" id="{2B55E802-4A84-471D-91CF-635329A5EEAF}"/>
+              </a:ext>
+            </a:extLst>
+          </p:cNvPr>
+          <p:cNvSpPr>
+            <a:spLocks noGrp="1"/>
+          </p:cNvSpPr>
+          <p:nvPr>
+            <p:ph idx="1"/>
+          </p:nvPr>
+        </p:nvSpPr>
+        <p:spPr/>
+        <p:txBody>
+          <a:bodyPr>
+            <a:normAutofit lnSpcReduction="10000"/>
+          </a:bodyPr>
+          <a:lstStyle/>
+          <a:p>
+            <a:r>
+              <a:rPr lang="en-US" dirty="0"/>
+              <a:t>Source</a:t>
+            </a:r>
+          </a:p>
+          <a:p>
+            <a:r>
+              <a:rPr lang="en-US" dirty="0"/>
+              <a:t>Destination (might be our path identifier at a given period)</a:t>
+            </a:r>
+          </a:p>
+          <a:p>
+            <a:r>
+              <a:rPr lang="en-US" dirty="0"/>
+              <a:t>Date and time</a:t>
+            </a:r>
+          </a:p>
+          <a:p>
+            <a:r>
+              <a:rPr lang="en-US" dirty="0"/>
+              <a:t>Packet distribution over several factors</a:t>
+            </a:r>
+          </a:p>
+          <a:p>
+            <a:r>
+              <a:rPr lang="en-US" dirty="0"/>
+              <a:t>RTT</a:t>
+            </a:r>
+          </a:p>
+          <a:p>
+            <a:r>
+              <a:rPr lang="en-US" dirty="0"/>
+              <a:t>Neither </a:t>
+            </a:r>
+            <a:r>
+              <a:rPr lang="en-US" dirty="0" err="1"/>
+              <a:t>RTProp</a:t>
+            </a:r>
+            <a:r>
+              <a:rPr lang="en-US" dirty="0"/>
+              <a:t>, nor </a:t>
+            </a:r>
+            <a:r>
+              <a:rPr lang="en-US" dirty="0" err="1"/>
+              <a:t>BtlBw</a:t>
+            </a:r>
+            <a:endParaRPr lang="en-US" dirty="0"/>
+          </a:p>
+          <a:p>
+            <a:r>
+              <a:rPr lang="en-US" dirty="0"/>
+              <a:t>IP addresses, ports of source and </a:t>
+            </a:r>
+            <a:r>
+              <a:rPr lang="en-US" dirty="0" err="1"/>
+              <a:t>dest</a:t>
+            </a:r>
+            <a:r>
+              <a:rPr lang="en-US" dirty="0"/>
+              <a:t>, ethernet addresses of source but not always the </a:t>
+            </a:r>
+            <a:r>
+              <a:rPr lang="en-US" dirty="0" err="1"/>
+              <a:t>dest</a:t>
+            </a:r>
+            <a:r>
+              <a:rPr lang="en-US" dirty="0"/>
+              <a:t> (indirect communication).</a:t>
+            </a:r>
+          </a:p>
+          <a:p>
+            <a:r>
+              <a:rPr lang="en-US" dirty="0"/>
+              <a:t>Does it know about the ACK strategy? </a:t>
+            </a:r>
+          </a:p>
+          <a:p>
+            <a:endParaRPr lang="en-US" dirty="0"/>
+          </a:p>
+        </p:txBody>
+      </p:sp>
+    </p:spTree>
+    <p:extLst>
+      <p:ext uri="{BB962C8B-B14F-4D97-AF65-F5344CB8AC3E}">
+        <p14:creationId xmlns:p14="http://schemas.microsoft.com/office/powerpoint/2010/main" val="1568660924"/>
+      </p:ext>
+    </p:extLst>
+  </p:cSld>
+  <p:clrMapOvr>
+    <a:masterClrMapping/>
+  </p:clrMapOvr>
+</p:sld>
+</file>
+
+<file path=ppt/slides/slide30.xml><?xml version="1.0" encoding="utf-8"?>
 <p:sld xmlns:a="http://schemas.openxmlformats.org/drawingml/2006/main" xmlns:r="http://schemas.openxmlformats.org/officeDocument/2006/relationships" xmlns:p="http://schemas.openxmlformats.org/presentationml/2006/main">
   <p:cSld>
     <p:spTree>
@@ -15380,7 +13640,7 @@
           <p:cNvPr id="2" name="Title 1">
             <a:extLst>
               <a:ext uri="{FF2B5EF4-FFF2-40B4-BE49-F238E27FC236}">
-                <a16:creationId xmlns:a16="http://schemas.microsoft.com/office/drawing/2014/main" id="{F0001DEC-9C9F-4990-BD0D-66AF656B129A}"/>
+                <a16:creationId xmlns:a16="http://schemas.microsoft.com/office/drawing/2014/main" id="{292456B9-B0D9-45EE-8B76-5DF4D0E454B7}"/>
               </a:ext>
             </a:extLst>
           </p:cNvPr>
@@ -15398,7 +13658,15 @@
           <a:p>
             <a:r>
               <a:rPr lang="en-US" dirty="0"/>
-              <a:t>Packet level sim</a:t>
+              <a:t>What is the goal RTT (=Actual </a:t>
+            </a:r>
+            <a:r>
+              <a:rPr lang="en-US" dirty="0" err="1"/>
+              <a:t>RTProp</a:t>
+            </a:r>
+            <a:r>
+              <a:rPr lang="en-US" dirty="0"/>
+              <a:t>?)</a:t>
             </a:r>
           </a:p>
         </p:txBody>
@@ -15408,7 +13676,7 @@
           <p:cNvPr id="3" name="Content Placeholder 2">
             <a:extLst>
               <a:ext uri="{FF2B5EF4-FFF2-40B4-BE49-F238E27FC236}">
-                <a16:creationId xmlns:a16="http://schemas.microsoft.com/office/drawing/2014/main" id="{1891DBD6-5CFE-4569-A923-B26D6878C78B}"/>
+                <a16:creationId xmlns:a16="http://schemas.microsoft.com/office/drawing/2014/main" id="{E8FA29E4-1A7F-4264-9AC6-02D49199ADB6}"/>
               </a:ext>
             </a:extLst>
           </p:cNvPr>
@@ -15426,15 +13694,50 @@
           <a:p>
             <a:r>
               <a:rPr lang="en-US" dirty="0"/>
-              <a:t>Multi-node network.</a:t>
-            </a:r>
+              <a:t>The goal RTT needs to be determined by a model which adapts fast</a:t>
+            </a:r>
+          </a:p>
+          <a:p>
+            <a:r>
+              <a:rPr lang="en-US" dirty="0"/>
+              <a:t>Adaption rate at a given state</a:t>
+            </a:r>
+          </a:p>
+          <a:p>
+            <a:r>
+              <a:rPr lang="en-US" dirty="0"/>
+              <a:t>Can we only think of estimating </a:t>
+            </a:r>
+            <a:r>
+              <a:rPr lang="en-US" dirty="0" err="1"/>
+              <a:t>RTProp</a:t>
+            </a:r>
+            <a:r>
+              <a:rPr lang="en-US" dirty="0"/>
+              <a:t> and optimizing goal RTT?</a:t>
+            </a:r>
+          </a:p>
+          <a:p>
+            <a:r>
+              <a:rPr lang="en-US" dirty="0"/>
+              <a:t>What can RTT trend in a short time span indicate?</a:t>
+            </a:r>
+          </a:p>
+          <a:p>
+            <a:r>
+              <a:rPr lang="en-US" dirty="0"/>
+              <a:t>Traffic changes based on the time on the day, day of the week, day of the month, or year, etc. Traffic changes based on real world events. Traffic also changes due to network topology and path selection process.</a:t>
+            </a:r>
+          </a:p>
+          <a:p>
+            <a:endParaRPr lang="en-US" dirty="0"/>
           </a:p>
         </p:txBody>
       </p:sp>
     </p:spTree>
     <p:extLst>
       <p:ext uri="{BB962C8B-B14F-4D97-AF65-F5344CB8AC3E}">
-        <p14:creationId xmlns:p14="http://schemas.microsoft.com/office/powerpoint/2010/main" val="1237382692"/>
+        <p14:creationId xmlns:p14="http://schemas.microsoft.com/office/powerpoint/2010/main" val="181094999"/>
       </p:ext>
     </p:extLst>
   </p:cSld>
@@ -15466,387 +13769,6 @@
           <p:cNvPr id="2" name="Title 1">
             <a:extLst>
               <a:ext uri="{FF2B5EF4-FFF2-40B4-BE49-F238E27FC236}">
-                <a16:creationId xmlns:a16="http://schemas.microsoft.com/office/drawing/2014/main" id="{AEA3768C-DCDB-44C8-94AE-55B9D9247B2A}"/>
-              </a:ext>
-            </a:extLst>
-          </p:cNvPr>
-          <p:cNvSpPr>
-            <a:spLocks noGrp="1"/>
-          </p:cNvSpPr>
-          <p:nvPr>
-            <p:ph type="title"/>
-          </p:nvPr>
-        </p:nvSpPr>
-        <p:spPr/>
-        <p:txBody>
-          <a:bodyPr/>
-          <a:lstStyle/>
-          <a:p>
-            <a:r>
-              <a:rPr lang="en-US" dirty="0"/>
-              <a:t>NS3</a:t>
-            </a:r>
-          </a:p>
-        </p:txBody>
-      </p:sp>
-      <p:sp>
-        <p:nvSpPr>
-          <p:cNvPr id="3" name="Content Placeholder 2">
-            <a:extLst>
-              <a:ext uri="{FF2B5EF4-FFF2-40B4-BE49-F238E27FC236}">
-                <a16:creationId xmlns:a16="http://schemas.microsoft.com/office/drawing/2014/main" id="{ABB93275-C4B1-4CE1-A2F4-A08CAD61C6AA}"/>
-              </a:ext>
-            </a:extLst>
-          </p:cNvPr>
-          <p:cNvSpPr>
-            <a:spLocks noGrp="1"/>
-          </p:cNvSpPr>
-          <p:nvPr>
-            <p:ph idx="1"/>
-          </p:nvPr>
-        </p:nvSpPr>
-        <p:spPr/>
-        <p:txBody>
-          <a:bodyPr/>
-          <a:lstStyle/>
-          <a:p>
-            <a:r>
-              <a:rPr lang="en-US" dirty="0"/>
-              <a:t>Do the </a:t>
-            </a:r>
-            <a:r>
-              <a:rPr lang="en-US"/>
-              <a:t>same operations on NS3</a:t>
-            </a:r>
-          </a:p>
-        </p:txBody>
-      </p:sp>
-    </p:spTree>
-    <p:extLst>
-      <p:ext uri="{BB962C8B-B14F-4D97-AF65-F5344CB8AC3E}">
-        <p14:creationId xmlns:p14="http://schemas.microsoft.com/office/powerpoint/2010/main" val="2992061113"/>
-      </p:ext>
-    </p:extLst>
-  </p:cSld>
-  <p:clrMapOvr>
-    <a:masterClrMapping/>
-  </p:clrMapOvr>
-</p:sld>
-</file>
-
-<file path=ppt/slides/slide6.xml><?xml version="1.0" encoding="utf-8"?>
-<p:sld xmlns:a="http://schemas.openxmlformats.org/drawingml/2006/main" xmlns:r="http://schemas.openxmlformats.org/officeDocument/2006/relationships" xmlns:p="http://schemas.openxmlformats.org/presentationml/2006/main">
-  <p:cSld>
-    <p:spTree>
-      <p:nvGrpSpPr>
-        <p:cNvPr id="1" name=""/>
-        <p:cNvGrpSpPr/>
-        <p:nvPr/>
-      </p:nvGrpSpPr>
-      <p:grpSpPr>
-        <a:xfrm>
-          <a:off x="0" y="0"/>
-          <a:ext cx="0" cy="0"/>
-          <a:chOff x="0" y="0"/>
-          <a:chExt cx="0" cy="0"/>
-        </a:xfrm>
-      </p:grpSpPr>
-      <p:sp>
-        <p:nvSpPr>
-          <p:cNvPr id="2" name="Title 1">
-            <a:extLst>
-              <a:ext uri="{FF2B5EF4-FFF2-40B4-BE49-F238E27FC236}">
-                <a16:creationId xmlns:a16="http://schemas.microsoft.com/office/drawing/2014/main" id="{C3954B47-38DB-4A5D-BE23-3D53A4FDC082}"/>
-              </a:ext>
-            </a:extLst>
-          </p:cNvPr>
-          <p:cNvSpPr>
-            <a:spLocks noGrp="1"/>
-          </p:cNvSpPr>
-          <p:nvPr>
-            <p:ph type="title"/>
-          </p:nvPr>
-        </p:nvSpPr>
-        <p:spPr/>
-        <p:txBody>
-          <a:bodyPr/>
-          <a:lstStyle/>
-          <a:p>
-            <a:r>
-              <a:rPr lang="en-US" dirty="0"/>
-              <a:t>What does a sender know about traffic?</a:t>
-            </a:r>
-          </a:p>
-        </p:txBody>
-      </p:sp>
-      <p:sp>
-        <p:nvSpPr>
-          <p:cNvPr id="3" name="Content Placeholder 2">
-            <a:extLst>
-              <a:ext uri="{FF2B5EF4-FFF2-40B4-BE49-F238E27FC236}">
-                <a16:creationId xmlns:a16="http://schemas.microsoft.com/office/drawing/2014/main" id="{2B55E802-4A84-471D-91CF-635329A5EEAF}"/>
-              </a:ext>
-            </a:extLst>
-          </p:cNvPr>
-          <p:cNvSpPr>
-            <a:spLocks noGrp="1"/>
-          </p:cNvSpPr>
-          <p:nvPr>
-            <p:ph idx="1"/>
-          </p:nvPr>
-        </p:nvSpPr>
-        <p:spPr/>
-        <p:txBody>
-          <a:bodyPr>
-            <a:normAutofit lnSpcReduction="10000"/>
-          </a:bodyPr>
-          <a:lstStyle/>
-          <a:p>
-            <a:r>
-              <a:rPr lang="en-US" dirty="0"/>
-              <a:t>Source</a:t>
-            </a:r>
-          </a:p>
-          <a:p>
-            <a:r>
-              <a:rPr lang="en-US" dirty="0"/>
-              <a:t>Destination (might be our path identifier at a given period)</a:t>
-            </a:r>
-          </a:p>
-          <a:p>
-            <a:r>
-              <a:rPr lang="en-US" dirty="0"/>
-              <a:t>Date and time</a:t>
-            </a:r>
-          </a:p>
-          <a:p>
-            <a:r>
-              <a:rPr lang="en-US" dirty="0"/>
-              <a:t>Packet distribution over several factors</a:t>
-            </a:r>
-          </a:p>
-          <a:p>
-            <a:r>
-              <a:rPr lang="en-US" dirty="0"/>
-              <a:t>RTT</a:t>
-            </a:r>
-          </a:p>
-          <a:p>
-            <a:r>
-              <a:rPr lang="en-US" dirty="0"/>
-              <a:t>Neither </a:t>
-            </a:r>
-            <a:r>
-              <a:rPr lang="en-US" dirty="0" err="1"/>
-              <a:t>RTProp</a:t>
-            </a:r>
-            <a:r>
-              <a:rPr lang="en-US" dirty="0"/>
-              <a:t>, nor </a:t>
-            </a:r>
-            <a:r>
-              <a:rPr lang="en-US" dirty="0" err="1"/>
-              <a:t>BtlBw</a:t>
-            </a:r>
-            <a:endParaRPr lang="en-US" dirty="0"/>
-          </a:p>
-          <a:p>
-            <a:r>
-              <a:rPr lang="en-US" dirty="0"/>
-              <a:t>IP addresses, ports of source and </a:t>
-            </a:r>
-            <a:r>
-              <a:rPr lang="en-US" dirty="0" err="1"/>
-              <a:t>dest</a:t>
-            </a:r>
-            <a:r>
-              <a:rPr lang="en-US" dirty="0"/>
-              <a:t>, ethernet addresses of source but not always the </a:t>
-            </a:r>
-            <a:r>
-              <a:rPr lang="en-US" dirty="0" err="1"/>
-              <a:t>dest</a:t>
-            </a:r>
-            <a:r>
-              <a:rPr lang="en-US" dirty="0"/>
-              <a:t> (indirect communication).</a:t>
-            </a:r>
-          </a:p>
-          <a:p>
-            <a:r>
-              <a:rPr lang="en-US" dirty="0"/>
-              <a:t>Does it know about the ACK strategy? </a:t>
-            </a:r>
-          </a:p>
-          <a:p>
-            <a:endParaRPr lang="en-US" dirty="0"/>
-          </a:p>
-        </p:txBody>
-      </p:sp>
-    </p:spTree>
-    <p:extLst>
-      <p:ext uri="{BB962C8B-B14F-4D97-AF65-F5344CB8AC3E}">
-        <p14:creationId xmlns:p14="http://schemas.microsoft.com/office/powerpoint/2010/main" val="1568660924"/>
-      </p:ext>
-    </p:extLst>
-  </p:cSld>
-  <p:clrMapOvr>
-    <a:masterClrMapping/>
-  </p:clrMapOvr>
-</p:sld>
-</file>
-
-<file path=ppt/slides/slide7.xml><?xml version="1.0" encoding="utf-8"?>
-<p:sld xmlns:a="http://schemas.openxmlformats.org/drawingml/2006/main" xmlns:r="http://schemas.openxmlformats.org/officeDocument/2006/relationships" xmlns:p="http://schemas.openxmlformats.org/presentationml/2006/main">
-  <p:cSld>
-    <p:spTree>
-      <p:nvGrpSpPr>
-        <p:cNvPr id="1" name=""/>
-        <p:cNvGrpSpPr/>
-        <p:nvPr/>
-      </p:nvGrpSpPr>
-      <p:grpSpPr>
-        <a:xfrm>
-          <a:off x="0" y="0"/>
-          <a:ext cx="0" cy="0"/>
-          <a:chOff x="0" y="0"/>
-          <a:chExt cx="0" cy="0"/>
-        </a:xfrm>
-      </p:grpSpPr>
-      <p:sp>
-        <p:nvSpPr>
-          <p:cNvPr id="2" name="Title 1">
-            <a:extLst>
-              <a:ext uri="{FF2B5EF4-FFF2-40B4-BE49-F238E27FC236}">
-                <a16:creationId xmlns:a16="http://schemas.microsoft.com/office/drawing/2014/main" id="{292456B9-B0D9-45EE-8B76-5DF4D0E454B7}"/>
-              </a:ext>
-            </a:extLst>
-          </p:cNvPr>
-          <p:cNvSpPr>
-            <a:spLocks noGrp="1"/>
-          </p:cNvSpPr>
-          <p:nvPr>
-            <p:ph type="title"/>
-          </p:nvPr>
-        </p:nvSpPr>
-        <p:spPr/>
-        <p:txBody>
-          <a:bodyPr/>
-          <a:lstStyle/>
-          <a:p>
-            <a:r>
-              <a:rPr lang="en-US" dirty="0"/>
-              <a:t>What is the goal RTT (=Actual </a:t>
-            </a:r>
-            <a:r>
-              <a:rPr lang="en-US" dirty="0" err="1"/>
-              <a:t>RTProp</a:t>
-            </a:r>
-            <a:r>
-              <a:rPr lang="en-US" dirty="0"/>
-              <a:t>?)</a:t>
-            </a:r>
-          </a:p>
-        </p:txBody>
-      </p:sp>
-      <p:sp>
-        <p:nvSpPr>
-          <p:cNvPr id="3" name="Content Placeholder 2">
-            <a:extLst>
-              <a:ext uri="{FF2B5EF4-FFF2-40B4-BE49-F238E27FC236}">
-                <a16:creationId xmlns:a16="http://schemas.microsoft.com/office/drawing/2014/main" id="{E8FA29E4-1A7F-4264-9AC6-02D49199ADB6}"/>
-              </a:ext>
-            </a:extLst>
-          </p:cNvPr>
-          <p:cNvSpPr>
-            <a:spLocks noGrp="1"/>
-          </p:cNvSpPr>
-          <p:nvPr>
-            <p:ph idx="1"/>
-          </p:nvPr>
-        </p:nvSpPr>
-        <p:spPr/>
-        <p:txBody>
-          <a:bodyPr/>
-          <a:lstStyle/>
-          <a:p>
-            <a:r>
-              <a:rPr lang="en-US" dirty="0"/>
-              <a:t>The goal RTT needs to be determined by a model which adapts fast</a:t>
-            </a:r>
-          </a:p>
-          <a:p>
-            <a:r>
-              <a:rPr lang="en-US" dirty="0"/>
-              <a:t>Adaption rate at a given state</a:t>
-            </a:r>
-          </a:p>
-          <a:p>
-            <a:r>
-              <a:rPr lang="en-US" dirty="0"/>
-              <a:t>Can we only think of estimating </a:t>
-            </a:r>
-            <a:r>
-              <a:rPr lang="en-US" dirty="0" err="1"/>
-              <a:t>RTProp</a:t>
-            </a:r>
-            <a:r>
-              <a:rPr lang="en-US" dirty="0"/>
-              <a:t> and optimizing goal RTT?</a:t>
-            </a:r>
-          </a:p>
-          <a:p>
-            <a:r>
-              <a:rPr lang="en-US" dirty="0"/>
-              <a:t>What can RTT trend in a short time span indicate?</a:t>
-            </a:r>
-          </a:p>
-          <a:p>
-            <a:r>
-              <a:rPr lang="en-US" dirty="0"/>
-              <a:t>Traffic changes based on the time on the day, day of the week, day of the month, or year, etc. Traffic changes based on real world events. Traffic also changes due to network topology and path selection process.</a:t>
-            </a:r>
-          </a:p>
-          <a:p>
-            <a:endParaRPr lang="en-US" dirty="0"/>
-          </a:p>
-        </p:txBody>
-      </p:sp>
-    </p:spTree>
-    <p:extLst>
-      <p:ext uri="{BB962C8B-B14F-4D97-AF65-F5344CB8AC3E}">
-        <p14:creationId xmlns:p14="http://schemas.microsoft.com/office/powerpoint/2010/main" val="181094999"/>
-      </p:ext>
-    </p:extLst>
-  </p:cSld>
-  <p:clrMapOvr>
-    <a:masterClrMapping/>
-  </p:clrMapOvr>
-</p:sld>
-</file>
-
-<file path=ppt/slides/slide8.xml><?xml version="1.0" encoding="utf-8"?>
-<p:sld xmlns:a="http://schemas.openxmlformats.org/drawingml/2006/main" xmlns:r="http://schemas.openxmlformats.org/officeDocument/2006/relationships" xmlns:p="http://schemas.openxmlformats.org/presentationml/2006/main">
-  <p:cSld>
-    <p:spTree>
-      <p:nvGrpSpPr>
-        <p:cNvPr id="1" name=""/>
-        <p:cNvGrpSpPr/>
-        <p:nvPr/>
-      </p:nvGrpSpPr>
-      <p:grpSpPr>
-        <a:xfrm>
-          <a:off x="0" y="0"/>
-          <a:ext cx="0" cy="0"/>
-          <a:chOff x="0" y="0"/>
-          <a:chExt cx="0" cy="0"/>
-        </a:xfrm>
-      </p:grpSpPr>
-      <p:sp>
-        <p:nvSpPr>
-          <p:cNvPr id="2" name="Title 1">
-            <a:extLst>
-              <a:ext uri="{FF2B5EF4-FFF2-40B4-BE49-F238E27FC236}">
                 <a16:creationId xmlns:a16="http://schemas.microsoft.com/office/drawing/2014/main" id="{D57EBDDF-4BE4-43A5-8630-5393E2EDF8B8}"/>
               </a:ext>
             </a:extLst>
@@ -15953,7 +13875,7 @@
 </p:sld>
 </file>
 
-<file path=ppt/slides/slide9.xml><?xml version="1.0" encoding="utf-8"?>
+<file path=ppt/slides/slide6.xml><?xml version="1.0" encoding="utf-8"?>
 <p:sld xmlns:a="http://schemas.openxmlformats.org/drawingml/2006/main" xmlns:r="http://schemas.openxmlformats.org/officeDocument/2006/relationships" xmlns:p="http://schemas.openxmlformats.org/presentationml/2006/main">
   <p:cSld>
     <p:spTree>
@@ -17915,6 +15837,1808 @@
     <p:extLst>
       <p:ext uri="{BB962C8B-B14F-4D97-AF65-F5344CB8AC3E}">
         <p14:creationId xmlns:p14="http://schemas.microsoft.com/office/powerpoint/2010/main" val="3911987040"/>
+      </p:ext>
+    </p:extLst>
+  </p:cSld>
+  <p:clrMapOvr>
+    <a:masterClrMapping/>
+  </p:clrMapOvr>
+</p:sld>
+</file>
+
+<file path=ppt/slides/slide7.xml><?xml version="1.0" encoding="utf-8"?>
+<p:sld xmlns:a="http://schemas.openxmlformats.org/drawingml/2006/main" xmlns:r="http://schemas.openxmlformats.org/officeDocument/2006/relationships" xmlns:p="http://schemas.openxmlformats.org/presentationml/2006/main">
+  <p:cSld>
+    <p:spTree>
+      <p:nvGrpSpPr>
+        <p:cNvPr id="1" name=""/>
+        <p:cNvGrpSpPr/>
+        <p:nvPr/>
+      </p:nvGrpSpPr>
+      <p:grpSpPr>
+        <a:xfrm>
+          <a:off x="0" y="0"/>
+          <a:ext cx="0" cy="0"/>
+          <a:chOff x="0" y="0"/>
+          <a:chExt cx="0" cy="0"/>
+        </a:xfrm>
+      </p:grpSpPr>
+      <p:sp>
+        <p:nvSpPr>
+          <p:cNvPr id="2" name="Title 1">
+            <a:extLst>
+              <a:ext uri="{FF2B5EF4-FFF2-40B4-BE49-F238E27FC236}">
+                <a16:creationId xmlns:a16="http://schemas.microsoft.com/office/drawing/2014/main" id="{0A8A3E64-31AC-468C-A134-ACF0B9FD1FA0}"/>
+              </a:ext>
+            </a:extLst>
+          </p:cNvPr>
+          <p:cNvSpPr>
+            <a:spLocks noGrp="1"/>
+          </p:cNvSpPr>
+          <p:nvPr>
+            <p:ph type="title"/>
+          </p:nvPr>
+        </p:nvSpPr>
+        <p:spPr/>
+        <p:txBody>
+          <a:bodyPr/>
+          <a:lstStyle/>
+          <a:p>
+            <a:r>
+              <a:rPr lang="en-US" dirty="0"/>
+              <a:t>A path</a:t>
+            </a:r>
+          </a:p>
+        </p:txBody>
+      </p:sp>
+      <p:sp>
+        <p:nvSpPr>
+          <p:cNvPr id="4" name="Rectangle 3">
+            <a:extLst>
+              <a:ext uri="{FF2B5EF4-FFF2-40B4-BE49-F238E27FC236}">
+                <a16:creationId xmlns:a16="http://schemas.microsoft.com/office/drawing/2014/main" id="{99DE4DBC-86CD-46E3-8A47-021D87BC82B1}"/>
+              </a:ext>
+            </a:extLst>
+          </p:cNvPr>
+          <p:cNvSpPr/>
+          <p:nvPr/>
+        </p:nvSpPr>
+        <p:spPr>
+          <a:xfrm>
+            <a:off x="1500223" y="2376030"/>
+            <a:ext cx="1217795" cy="518300"/>
+          </a:xfrm>
+          <a:prstGeom prst="rect">
+            <a:avLst/>
+          </a:prstGeom>
+        </p:spPr>
+        <p:style>
+          <a:lnRef idx="2">
+            <a:schemeClr val="accent6"/>
+          </a:lnRef>
+          <a:fillRef idx="1">
+            <a:schemeClr val="lt1"/>
+          </a:fillRef>
+          <a:effectRef idx="0">
+            <a:schemeClr val="accent6"/>
+          </a:effectRef>
+          <a:fontRef idx="minor">
+            <a:schemeClr val="dk1"/>
+          </a:fontRef>
+        </p:style>
+        <p:txBody>
+          <a:bodyPr rtlCol="0" anchor="ctr"/>
+          <a:lstStyle/>
+          <a:p>
+            <a:pPr algn="ctr"/>
+            <a:r>
+              <a:rPr lang="en-US" dirty="0"/>
+              <a:t>Client 2</a:t>
+            </a:r>
+          </a:p>
+        </p:txBody>
+      </p:sp>
+      <p:grpSp>
+        <p:nvGrpSpPr>
+          <p:cNvPr id="5" name="Group 4">
+            <a:extLst>
+              <a:ext uri="{FF2B5EF4-FFF2-40B4-BE49-F238E27FC236}">
+                <a16:creationId xmlns:a16="http://schemas.microsoft.com/office/drawing/2014/main" id="{295F4B28-BB83-4113-A1EC-4B3EF31C3279}"/>
+              </a:ext>
+            </a:extLst>
+          </p:cNvPr>
+          <p:cNvGrpSpPr/>
+          <p:nvPr/>
+        </p:nvGrpSpPr>
+        <p:grpSpPr>
+          <a:xfrm>
+            <a:off x="4755931" y="2622480"/>
+            <a:ext cx="1567543" cy="518300"/>
+            <a:chOff x="5874072" y="1759973"/>
+            <a:chExt cx="1567543" cy="518300"/>
+          </a:xfrm>
+        </p:grpSpPr>
+        <p:sp>
+          <p:nvSpPr>
+            <p:cNvPr id="6" name="Rectangle 5">
+              <a:extLst>
+                <a:ext uri="{FF2B5EF4-FFF2-40B4-BE49-F238E27FC236}">
+                  <a16:creationId xmlns:a16="http://schemas.microsoft.com/office/drawing/2014/main" id="{E72A1B4D-F0B7-4A7A-96D2-813F73A8400D}"/>
+                </a:ext>
+              </a:extLst>
+            </p:cNvPr>
+            <p:cNvSpPr/>
+            <p:nvPr/>
+          </p:nvSpPr>
+          <p:spPr>
+            <a:xfrm>
+              <a:off x="5928852" y="1835821"/>
+              <a:ext cx="210691" cy="366603"/>
+            </a:xfrm>
+            <a:prstGeom prst="rect">
+              <a:avLst/>
+            </a:prstGeom>
+          </p:spPr>
+          <p:style>
+            <a:lnRef idx="2">
+              <a:schemeClr val="accent5"/>
+            </a:lnRef>
+            <a:fillRef idx="1">
+              <a:schemeClr val="lt1"/>
+            </a:fillRef>
+            <a:effectRef idx="0">
+              <a:schemeClr val="accent5"/>
+            </a:effectRef>
+            <a:fontRef idx="minor">
+              <a:schemeClr val="dk1"/>
+            </a:fontRef>
+          </p:style>
+          <p:txBody>
+            <a:bodyPr rtlCol="0" anchor="ctr"/>
+            <a:lstStyle/>
+            <a:p>
+              <a:pPr algn="ctr"/>
+              <a:endParaRPr lang="en-US"/>
+            </a:p>
+          </p:txBody>
+        </p:sp>
+        <p:sp>
+          <p:nvSpPr>
+            <p:cNvPr id="7" name="Rectangle 6">
+              <a:extLst>
+                <a:ext uri="{FF2B5EF4-FFF2-40B4-BE49-F238E27FC236}">
+                  <a16:creationId xmlns:a16="http://schemas.microsoft.com/office/drawing/2014/main" id="{D718C7D4-6D92-4B30-95A0-DE71E1512259}"/>
+                </a:ext>
+              </a:extLst>
+            </p:cNvPr>
+            <p:cNvSpPr/>
+            <p:nvPr/>
+          </p:nvSpPr>
+          <p:spPr>
+            <a:xfrm>
+              <a:off x="6182384" y="1835821"/>
+              <a:ext cx="210691" cy="366603"/>
+            </a:xfrm>
+            <a:prstGeom prst="rect">
+              <a:avLst/>
+            </a:prstGeom>
+          </p:spPr>
+          <p:style>
+            <a:lnRef idx="2">
+              <a:schemeClr val="accent5"/>
+            </a:lnRef>
+            <a:fillRef idx="1">
+              <a:schemeClr val="lt1"/>
+            </a:fillRef>
+            <a:effectRef idx="0">
+              <a:schemeClr val="accent5"/>
+            </a:effectRef>
+            <a:fontRef idx="minor">
+              <a:schemeClr val="dk1"/>
+            </a:fontRef>
+          </p:style>
+          <p:txBody>
+            <a:bodyPr rtlCol="0" anchor="ctr"/>
+            <a:lstStyle/>
+            <a:p>
+              <a:pPr algn="ctr"/>
+              <a:endParaRPr lang="en-US"/>
+            </a:p>
+          </p:txBody>
+        </p:sp>
+        <p:sp>
+          <p:nvSpPr>
+            <p:cNvPr id="8" name="Rectangle 7">
+              <a:extLst>
+                <a:ext uri="{FF2B5EF4-FFF2-40B4-BE49-F238E27FC236}">
+                  <a16:creationId xmlns:a16="http://schemas.microsoft.com/office/drawing/2014/main" id="{C663084D-D661-4BFF-90AD-681E064CC52B}"/>
+                </a:ext>
+              </a:extLst>
+            </p:cNvPr>
+            <p:cNvSpPr/>
+            <p:nvPr/>
+          </p:nvSpPr>
+          <p:spPr>
+            <a:xfrm>
+              <a:off x="6435916" y="1835820"/>
+              <a:ext cx="210691" cy="366603"/>
+            </a:xfrm>
+            <a:prstGeom prst="rect">
+              <a:avLst/>
+            </a:prstGeom>
+          </p:spPr>
+          <p:style>
+            <a:lnRef idx="2">
+              <a:schemeClr val="accent5"/>
+            </a:lnRef>
+            <a:fillRef idx="1">
+              <a:schemeClr val="lt1"/>
+            </a:fillRef>
+            <a:effectRef idx="0">
+              <a:schemeClr val="accent5"/>
+            </a:effectRef>
+            <a:fontRef idx="minor">
+              <a:schemeClr val="dk1"/>
+            </a:fontRef>
+          </p:style>
+          <p:txBody>
+            <a:bodyPr rtlCol="0" anchor="ctr"/>
+            <a:lstStyle/>
+            <a:p>
+              <a:pPr algn="ctr"/>
+              <a:endParaRPr lang="en-US"/>
+            </a:p>
+          </p:txBody>
+        </p:sp>
+        <p:sp>
+          <p:nvSpPr>
+            <p:cNvPr id="9" name="Arrow: Right 8">
+              <a:extLst>
+                <a:ext uri="{FF2B5EF4-FFF2-40B4-BE49-F238E27FC236}">
+                  <a16:creationId xmlns:a16="http://schemas.microsoft.com/office/drawing/2014/main" id="{7852DF5F-667B-4305-A711-0F04FC40ACF2}"/>
+                </a:ext>
+              </a:extLst>
+            </p:cNvPr>
+            <p:cNvSpPr/>
+            <p:nvPr/>
+          </p:nvSpPr>
+          <p:spPr>
+            <a:xfrm>
+              <a:off x="6702090" y="1966098"/>
+              <a:ext cx="632074" cy="106045"/>
+            </a:xfrm>
+            <a:prstGeom prst="rightArrow">
+              <a:avLst/>
+            </a:prstGeom>
+          </p:spPr>
+          <p:style>
+            <a:lnRef idx="2">
+              <a:schemeClr val="dk1">
+                <a:shade val="50000"/>
+              </a:schemeClr>
+            </a:lnRef>
+            <a:fillRef idx="1">
+              <a:schemeClr val="dk1"/>
+            </a:fillRef>
+            <a:effectRef idx="0">
+              <a:schemeClr val="dk1"/>
+            </a:effectRef>
+            <a:fontRef idx="minor">
+              <a:schemeClr val="lt1"/>
+            </a:fontRef>
+          </p:style>
+          <p:txBody>
+            <a:bodyPr rtlCol="0" anchor="ctr"/>
+            <a:lstStyle/>
+            <a:p>
+              <a:pPr algn="ctr"/>
+              <a:endParaRPr lang="en-US"/>
+            </a:p>
+          </p:txBody>
+        </p:sp>
+        <p:sp>
+          <p:nvSpPr>
+            <p:cNvPr id="10" name="Rectangle 9">
+              <a:extLst>
+                <a:ext uri="{FF2B5EF4-FFF2-40B4-BE49-F238E27FC236}">
+                  <a16:creationId xmlns:a16="http://schemas.microsoft.com/office/drawing/2014/main" id="{D2CB4C92-9ACC-4376-B18C-B94D15CA99B1}"/>
+                </a:ext>
+              </a:extLst>
+            </p:cNvPr>
+            <p:cNvSpPr/>
+            <p:nvPr/>
+          </p:nvSpPr>
+          <p:spPr>
+            <a:xfrm>
+              <a:off x="5874072" y="1759973"/>
+              <a:ext cx="1567543" cy="518300"/>
+            </a:xfrm>
+            <a:prstGeom prst="rect">
+              <a:avLst/>
+            </a:prstGeom>
+            <a:noFill/>
+          </p:spPr>
+          <p:style>
+            <a:lnRef idx="2">
+              <a:schemeClr val="accent5"/>
+            </a:lnRef>
+            <a:fillRef idx="1">
+              <a:schemeClr val="lt1"/>
+            </a:fillRef>
+            <a:effectRef idx="0">
+              <a:schemeClr val="accent5"/>
+            </a:effectRef>
+            <a:fontRef idx="minor">
+              <a:schemeClr val="dk1"/>
+            </a:fontRef>
+          </p:style>
+          <p:txBody>
+            <a:bodyPr rtlCol="0" anchor="ctr"/>
+            <a:lstStyle/>
+            <a:p>
+              <a:pPr algn="ctr"/>
+              <a:endParaRPr lang="en-US"/>
+            </a:p>
+          </p:txBody>
+        </p:sp>
+      </p:grpSp>
+      <p:sp>
+        <p:nvSpPr>
+          <p:cNvPr id="11" name="Rectangle 10">
+            <a:extLst>
+              <a:ext uri="{FF2B5EF4-FFF2-40B4-BE49-F238E27FC236}">
+                <a16:creationId xmlns:a16="http://schemas.microsoft.com/office/drawing/2014/main" id="{DD158410-BD42-4918-B047-E7F9DF59639D}"/>
+              </a:ext>
+            </a:extLst>
+          </p:cNvPr>
+          <p:cNvSpPr/>
+          <p:nvPr/>
+        </p:nvSpPr>
+        <p:spPr>
+          <a:xfrm>
+            <a:off x="10009815" y="2776630"/>
+            <a:ext cx="1217795" cy="518300"/>
+          </a:xfrm>
+          <a:prstGeom prst="rect">
+            <a:avLst/>
+          </a:prstGeom>
+        </p:spPr>
+        <p:style>
+          <a:lnRef idx="3">
+            <a:schemeClr val="lt1"/>
+          </a:lnRef>
+          <a:fillRef idx="1">
+            <a:schemeClr val="dk1"/>
+          </a:fillRef>
+          <a:effectRef idx="1">
+            <a:schemeClr val="dk1"/>
+          </a:effectRef>
+          <a:fontRef idx="minor">
+            <a:schemeClr val="lt1"/>
+          </a:fontRef>
+        </p:style>
+        <p:txBody>
+          <a:bodyPr rtlCol="0" anchor="ctr"/>
+          <a:lstStyle/>
+          <a:p>
+            <a:pPr algn="ctr"/>
+            <a:r>
+              <a:rPr lang="en-US" dirty="0"/>
+              <a:t>Server 2</a:t>
+            </a:r>
+          </a:p>
+        </p:txBody>
+      </p:sp>
+      <p:cxnSp>
+        <p:nvCxnSpPr>
+          <p:cNvPr id="12" name="Connector: Curved 11">
+            <a:extLst>
+              <a:ext uri="{FF2B5EF4-FFF2-40B4-BE49-F238E27FC236}">
+                <a16:creationId xmlns:a16="http://schemas.microsoft.com/office/drawing/2014/main" id="{E713224F-0F6C-4C46-8FAC-5C8013E6157B}"/>
+              </a:ext>
+            </a:extLst>
+          </p:cNvPr>
+          <p:cNvCxnSpPr>
+            <a:cxnSpLocks/>
+            <a:stCxn id="4" idx="3"/>
+            <a:endCxn id="30" idx="1"/>
+          </p:cNvCxnSpPr>
+          <p:nvPr/>
+        </p:nvCxnSpPr>
+        <p:spPr>
+          <a:xfrm flipH="1">
+            <a:off x="2564391" y="2635180"/>
+            <a:ext cx="153627" cy="1216799"/>
+          </a:xfrm>
+          <a:prstGeom prst="curvedConnector5">
+            <a:avLst>
+              <a:gd name="adj1" fmla="val -148802"/>
+              <a:gd name="adj2" fmla="val 50000"/>
+              <a:gd name="adj3" fmla="val 248802"/>
+            </a:avLst>
+          </a:prstGeom>
+          <a:ln w="12700">
+            <a:tailEnd type="triangle"/>
+          </a:ln>
+        </p:spPr>
+        <p:style>
+          <a:lnRef idx="1">
+            <a:schemeClr val="accent6"/>
+          </a:lnRef>
+          <a:fillRef idx="0">
+            <a:schemeClr val="accent6"/>
+          </a:fillRef>
+          <a:effectRef idx="0">
+            <a:schemeClr val="accent6"/>
+          </a:effectRef>
+          <a:fontRef idx="minor">
+            <a:schemeClr val="tx1"/>
+          </a:fontRef>
+        </p:style>
+      </p:cxnSp>
+      <p:cxnSp>
+        <p:nvCxnSpPr>
+          <p:cNvPr id="13" name="Connector: Curved 12">
+            <a:extLst>
+              <a:ext uri="{FF2B5EF4-FFF2-40B4-BE49-F238E27FC236}">
+                <a16:creationId xmlns:a16="http://schemas.microsoft.com/office/drawing/2014/main" id="{E2EE833A-9FA0-4361-9AE4-4EBD00BC14E7}"/>
+              </a:ext>
+            </a:extLst>
+          </p:cNvPr>
+          <p:cNvCxnSpPr>
+            <a:cxnSpLocks/>
+            <a:stCxn id="22" idx="3"/>
+            <a:endCxn id="11" idx="1"/>
+          </p:cNvCxnSpPr>
+          <p:nvPr/>
+        </p:nvCxnSpPr>
+        <p:spPr>
+          <a:xfrm>
+            <a:off x="9290304" y="2889822"/>
+            <a:ext cx="719511" cy="145958"/>
+          </a:xfrm>
+          <a:prstGeom prst="curvedConnector3">
+            <a:avLst/>
+          </a:prstGeom>
+          <a:ln w="12700">
+            <a:tailEnd type="triangle"/>
+          </a:ln>
+        </p:spPr>
+        <p:style>
+          <a:lnRef idx="1">
+            <a:schemeClr val="accent6"/>
+          </a:lnRef>
+          <a:fillRef idx="0">
+            <a:schemeClr val="accent6"/>
+          </a:fillRef>
+          <a:effectRef idx="0">
+            <a:schemeClr val="accent6"/>
+          </a:effectRef>
+          <a:fontRef idx="minor">
+            <a:schemeClr val="tx1"/>
+          </a:fontRef>
+        </p:style>
+      </p:cxnSp>
+      <p:cxnSp>
+        <p:nvCxnSpPr>
+          <p:cNvPr id="14" name="Connector: Curved 13">
+            <a:extLst>
+              <a:ext uri="{FF2B5EF4-FFF2-40B4-BE49-F238E27FC236}">
+                <a16:creationId xmlns:a16="http://schemas.microsoft.com/office/drawing/2014/main" id="{2B18607C-24D0-4000-AF24-0EC1869BB0ED}"/>
+              </a:ext>
+            </a:extLst>
+          </p:cNvPr>
+          <p:cNvCxnSpPr>
+            <a:cxnSpLocks/>
+            <a:stCxn id="10" idx="3"/>
+            <a:endCxn id="22" idx="1"/>
+          </p:cNvCxnSpPr>
+          <p:nvPr/>
+        </p:nvCxnSpPr>
+        <p:spPr>
+          <a:xfrm>
+            <a:off x="6323474" y="2881630"/>
+            <a:ext cx="1399287" cy="8192"/>
+          </a:xfrm>
+          <a:prstGeom prst="curvedConnector3">
+            <a:avLst>
+              <a:gd name="adj1" fmla="val 50000"/>
+            </a:avLst>
+          </a:prstGeom>
+          <a:ln w="12700">
+            <a:tailEnd type="triangle"/>
+          </a:ln>
+        </p:spPr>
+        <p:style>
+          <a:lnRef idx="1">
+            <a:schemeClr val="accent6"/>
+          </a:lnRef>
+          <a:fillRef idx="0">
+            <a:schemeClr val="accent6"/>
+          </a:fillRef>
+          <a:effectRef idx="0">
+            <a:schemeClr val="accent6"/>
+          </a:effectRef>
+          <a:fontRef idx="minor">
+            <a:schemeClr val="tx1"/>
+          </a:fontRef>
+        </p:style>
+      </p:cxnSp>
+      <p:grpSp>
+        <p:nvGrpSpPr>
+          <p:cNvPr id="15" name="Group 14">
+            <a:extLst>
+              <a:ext uri="{FF2B5EF4-FFF2-40B4-BE49-F238E27FC236}">
+                <a16:creationId xmlns:a16="http://schemas.microsoft.com/office/drawing/2014/main" id="{3DCA4C08-A287-402E-94AF-C3944463D304}"/>
+              </a:ext>
+            </a:extLst>
+          </p:cNvPr>
+          <p:cNvGrpSpPr/>
+          <p:nvPr/>
+        </p:nvGrpSpPr>
+        <p:grpSpPr>
+          <a:xfrm>
+            <a:off x="7722761" y="2576916"/>
+            <a:ext cx="1567543" cy="572056"/>
+            <a:chOff x="3867735" y="2577041"/>
+            <a:chExt cx="1567543" cy="572056"/>
+          </a:xfrm>
+        </p:grpSpPr>
+        <p:grpSp>
+          <p:nvGrpSpPr>
+            <p:cNvPr id="16" name="Group 15">
+              <a:extLst>
+                <a:ext uri="{FF2B5EF4-FFF2-40B4-BE49-F238E27FC236}">
+                  <a16:creationId xmlns:a16="http://schemas.microsoft.com/office/drawing/2014/main" id="{518FED06-53FC-4F7C-A35B-74A7A1D0D012}"/>
+                </a:ext>
+              </a:extLst>
+            </p:cNvPr>
+            <p:cNvGrpSpPr/>
+            <p:nvPr/>
+          </p:nvGrpSpPr>
+          <p:grpSpPr>
+            <a:xfrm>
+              <a:off x="3867735" y="2630797"/>
+              <a:ext cx="1567543" cy="518300"/>
+              <a:chOff x="5874072" y="1759973"/>
+              <a:chExt cx="1567543" cy="518300"/>
+            </a:xfrm>
+          </p:grpSpPr>
+          <p:sp>
+            <p:nvSpPr>
+              <p:cNvPr id="18" name="Rectangle 17">
+                <a:extLst>
+                  <a:ext uri="{FF2B5EF4-FFF2-40B4-BE49-F238E27FC236}">
+                    <a16:creationId xmlns:a16="http://schemas.microsoft.com/office/drawing/2014/main" id="{5C710D95-0026-4A7D-9F42-000C3EF5CA3A}"/>
+                  </a:ext>
+                </a:extLst>
+              </p:cNvPr>
+              <p:cNvSpPr/>
+              <p:nvPr/>
+            </p:nvSpPr>
+            <p:spPr>
+              <a:xfrm>
+                <a:off x="5928852" y="1835821"/>
+                <a:ext cx="210691" cy="366603"/>
+              </a:xfrm>
+              <a:prstGeom prst="rect">
+                <a:avLst/>
+              </a:prstGeom>
+            </p:spPr>
+            <p:style>
+              <a:lnRef idx="2">
+                <a:schemeClr val="accent5"/>
+              </a:lnRef>
+              <a:fillRef idx="1">
+                <a:schemeClr val="lt1"/>
+              </a:fillRef>
+              <a:effectRef idx="0">
+                <a:schemeClr val="accent5"/>
+              </a:effectRef>
+              <a:fontRef idx="minor">
+                <a:schemeClr val="dk1"/>
+              </a:fontRef>
+            </p:style>
+            <p:txBody>
+              <a:bodyPr rtlCol="0" anchor="ctr"/>
+              <a:lstStyle/>
+              <a:p>
+                <a:pPr algn="ctr"/>
+                <a:endParaRPr lang="en-US"/>
+              </a:p>
+            </p:txBody>
+          </p:sp>
+          <p:sp>
+            <p:nvSpPr>
+              <p:cNvPr id="19" name="Rectangle 18">
+                <a:extLst>
+                  <a:ext uri="{FF2B5EF4-FFF2-40B4-BE49-F238E27FC236}">
+                    <a16:creationId xmlns:a16="http://schemas.microsoft.com/office/drawing/2014/main" id="{9907CB54-D0E3-446F-8AEA-5664C9B3752C}"/>
+                  </a:ext>
+                </a:extLst>
+              </p:cNvPr>
+              <p:cNvSpPr/>
+              <p:nvPr/>
+            </p:nvSpPr>
+            <p:spPr>
+              <a:xfrm>
+                <a:off x="6182384" y="1835821"/>
+                <a:ext cx="210691" cy="366603"/>
+              </a:xfrm>
+              <a:prstGeom prst="rect">
+                <a:avLst/>
+              </a:prstGeom>
+            </p:spPr>
+            <p:style>
+              <a:lnRef idx="2">
+                <a:schemeClr val="accent5"/>
+              </a:lnRef>
+              <a:fillRef idx="1">
+                <a:schemeClr val="lt1"/>
+              </a:fillRef>
+              <a:effectRef idx="0">
+                <a:schemeClr val="accent5"/>
+              </a:effectRef>
+              <a:fontRef idx="minor">
+                <a:schemeClr val="dk1"/>
+              </a:fontRef>
+            </p:style>
+            <p:txBody>
+              <a:bodyPr rtlCol="0" anchor="ctr"/>
+              <a:lstStyle/>
+              <a:p>
+                <a:pPr algn="ctr"/>
+                <a:endParaRPr lang="en-US"/>
+              </a:p>
+            </p:txBody>
+          </p:sp>
+          <p:sp>
+            <p:nvSpPr>
+              <p:cNvPr id="20" name="Rectangle 19">
+                <a:extLst>
+                  <a:ext uri="{FF2B5EF4-FFF2-40B4-BE49-F238E27FC236}">
+                    <a16:creationId xmlns:a16="http://schemas.microsoft.com/office/drawing/2014/main" id="{358EAE89-DC94-4E1C-9BC2-5E165FC443FA}"/>
+                  </a:ext>
+                </a:extLst>
+              </p:cNvPr>
+              <p:cNvSpPr/>
+              <p:nvPr/>
+            </p:nvSpPr>
+            <p:spPr>
+              <a:xfrm>
+                <a:off x="6435916" y="1835820"/>
+                <a:ext cx="210691" cy="366603"/>
+              </a:xfrm>
+              <a:prstGeom prst="rect">
+                <a:avLst/>
+              </a:prstGeom>
+            </p:spPr>
+            <p:style>
+              <a:lnRef idx="2">
+                <a:schemeClr val="accent5"/>
+              </a:lnRef>
+              <a:fillRef idx="1">
+                <a:schemeClr val="lt1"/>
+              </a:fillRef>
+              <a:effectRef idx="0">
+                <a:schemeClr val="accent5"/>
+              </a:effectRef>
+              <a:fontRef idx="minor">
+                <a:schemeClr val="dk1"/>
+              </a:fontRef>
+            </p:style>
+            <p:txBody>
+              <a:bodyPr rtlCol="0" anchor="ctr"/>
+              <a:lstStyle/>
+              <a:p>
+                <a:pPr algn="ctr"/>
+                <a:endParaRPr lang="en-US"/>
+              </a:p>
+            </p:txBody>
+          </p:sp>
+          <p:sp>
+            <p:nvSpPr>
+              <p:cNvPr id="21" name="Arrow: Right 20">
+                <a:extLst>
+                  <a:ext uri="{FF2B5EF4-FFF2-40B4-BE49-F238E27FC236}">
+                    <a16:creationId xmlns:a16="http://schemas.microsoft.com/office/drawing/2014/main" id="{0FBA9B26-9FEE-4584-B52D-492974B42868}"/>
+                  </a:ext>
+                </a:extLst>
+              </p:cNvPr>
+              <p:cNvSpPr/>
+              <p:nvPr/>
+            </p:nvSpPr>
+            <p:spPr>
+              <a:xfrm>
+                <a:off x="6702090" y="1966098"/>
+                <a:ext cx="632074" cy="106045"/>
+              </a:xfrm>
+              <a:prstGeom prst="rightArrow">
+                <a:avLst/>
+              </a:prstGeom>
+            </p:spPr>
+            <p:style>
+              <a:lnRef idx="2">
+                <a:schemeClr val="dk1">
+                  <a:shade val="50000"/>
+                </a:schemeClr>
+              </a:lnRef>
+              <a:fillRef idx="1">
+                <a:schemeClr val="dk1"/>
+              </a:fillRef>
+              <a:effectRef idx="0">
+                <a:schemeClr val="dk1"/>
+              </a:effectRef>
+              <a:fontRef idx="minor">
+                <a:schemeClr val="lt1"/>
+              </a:fontRef>
+            </p:style>
+            <p:txBody>
+              <a:bodyPr rtlCol="0" anchor="ctr"/>
+              <a:lstStyle/>
+              <a:p>
+                <a:pPr algn="ctr"/>
+                <a:endParaRPr lang="en-US"/>
+              </a:p>
+            </p:txBody>
+          </p:sp>
+          <p:sp>
+            <p:nvSpPr>
+              <p:cNvPr id="22" name="Rectangle 21">
+                <a:extLst>
+                  <a:ext uri="{FF2B5EF4-FFF2-40B4-BE49-F238E27FC236}">
+                    <a16:creationId xmlns:a16="http://schemas.microsoft.com/office/drawing/2014/main" id="{0B30EAB2-9F5D-4760-A602-7E1AE72A7F86}"/>
+                  </a:ext>
+                </a:extLst>
+              </p:cNvPr>
+              <p:cNvSpPr/>
+              <p:nvPr/>
+            </p:nvSpPr>
+            <p:spPr>
+              <a:xfrm>
+                <a:off x="5874072" y="1759973"/>
+                <a:ext cx="1567543" cy="518300"/>
+              </a:xfrm>
+              <a:prstGeom prst="rect">
+                <a:avLst/>
+              </a:prstGeom>
+              <a:noFill/>
+            </p:spPr>
+            <p:style>
+              <a:lnRef idx="2">
+                <a:schemeClr val="accent5"/>
+              </a:lnRef>
+              <a:fillRef idx="1">
+                <a:schemeClr val="lt1"/>
+              </a:fillRef>
+              <a:effectRef idx="0">
+                <a:schemeClr val="accent5"/>
+              </a:effectRef>
+              <a:fontRef idx="minor">
+                <a:schemeClr val="dk1"/>
+              </a:fontRef>
+            </p:style>
+            <p:txBody>
+              <a:bodyPr rtlCol="0" anchor="ctr"/>
+              <a:lstStyle/>
+              <a:p>
+                <a:pPr algn="ctr"/>
+                <a:endParaRPr lang="en-US"/>
+              </a:p>
+            </p:txBody>
+          </p:sp>
+        </p:grpSp>
+        <p:sp>
+          <p:nvSpPr>
+            <p:cNvPr id="17" name="TextBox 16">
+              <a:extLst>
+                <a:ext uri="{FF2B5EF4-FFF2-40B4-BE49-F238E27FC236}">
+                  <a16:creationId xmlns:a16="http://schemas.microsoft.com/office/drawing/2014/main" id="{DF3D57D8-E7CA-456D-BB07-3DBB77A6BCCE}"/>
+                </a:ext>
+              </a:extLst>
+            </p:cNvPr>
+            <p:cNvSpPr txBox="1"/>
+            <p:nvPr/>
+          </p:nvSpPr>
+          <p:spPr>
+            <a:xfrm>
+              <a:off x="5223304" y="2577041"/>
+              <a:ext cx="198780" cy="307777"/>
+            </a:xfrm>
+            <a:prstGeom prst="rect">
+              <a:avLst/>
+            </a:prstGeom>
+            <a:noFill/>
+          </p:spPr>
+          <p:txBody>
+            <a:bodyPr wrap="square" rtlCol="0">
+              <a:spAutoFit/>
+            </a:bodyPr>
+            <a:lstStyle/>
+            <a:p>
+              <a:r>
+                <a:rPr lang="en-US" sz="1400" dirty="0"/>
+                <a:t>4</a:t>
+              </a:r>
+            </a:p>
+          </p:txBody>
+        </p:sp>
+      </p:grpSp>
+      <p:grpSp>
+        <p:nvGrpSpPr>
+          <p:cNvPr id="23" name="Group 22">
+            <a:extLst>
+              <a:ext uri="{FF2B5EF4-FFF2-40B4-BE49-F238E27FC236}">
+                <a16:creationId xmlns:a16="http://schemas.microsoft.com/office/drawing/2014/main" id="{0E740B45-D2F4-4506-BC21-A675511463B4}"/>
+              </a:ext>
+            </a:extLst>
+          </p:cNvPr>
+          <p:cNvGrpSpPr/>
+          <p:nvPr/>
+        </p:nvGrpSpPr>
+        <p:grpSpPr>
+          <a:xfrm>
+            <a:off x="2564391" y="3539073"/>
+            <a:ext cx="1567543" cy="572056"/>
+            <a:chOff x="3867735" y="2577041"/>
+            <a:chExt cx="1567543" cy="572056"/>
+          </a:xfrm>
+        </p:grpSpPr>
+        <p:grpSp>
+          <p:nvGrpSpPr>
+            <p:cNvPr id="24" name="Group 23">
+              <a:extLst>
+                <a:ext uri="{FF2B5EF4-FFF2-40B4-BE49-F238E27FC236}">
+                  <a16:creationId xmlns:a16="http://schemas.microsoft.com/office/drawing/2014/main" id="{2EC54D7E-BDC3-43D7-9290-F253867C106F}"/>
+                </a:ext>
+              </a:extLst>
+            </p:cNvPr>
+            <p:cNvGrpSpPr/>
+            <p:nvPr/>
+          </p:nvGrpSpPr>
+          <p:grpSpPr>
+            <a:xfrm>
+              <a:off x="3867735" y="2630797"/>
+              <a:ext cx="1567543" cy="518300"/>
+              <a:chOff x="5874072" y="1759973"/>
+              <a:chExt cx="1567543" cy="518300"/>
+            </a:xfrm>
+          </p:grpSpPr>
+          <p:sp>
+            <p:nvSpPr>
+              <p:cNvPr id="26" name="Rectangle 25">
+                <a:extLst>
+                  <a:ext uri="{FF2B5EF4-FFF2-40B4-BE49-F238E27FC236}">
+                    <a16:creationId xmlns:a16="http://schemas.microsoft.com/office/drawing/2014/main" id="{C41694C1-47E7-4138-9EC6-F6B56563338E}"/>
+                  </a:ext>
+                </a:extLst>
+              </p:cNvPr>
+              <p:cNvSpPr/>
+              <p:nvPr/>
+            </p:nvSpPr>
+            <p:spPr>
+              <a:xfrm>
+                <a:off x="5928852" y="1835821"/>
+                <a:ext cx="210691" cy="366603"/>
+              </a:xfrm>
+              <a:prstGeom prst="rect">
+                <a:avLst/>
+              </a:prstGeom>
+            </p:spPr>
+            <p:style>
+              <a:lnRef idx="2">
+                <a:schemeClr val="accent5"/>
+              </a:lnRef>
+              <a:fillRef idx="1">
+                <a:schemeClr val="lt1"/>
+              </a:fillRef>
+              <a:effectRef idx="0">
+                <a:schemeClr val="accent5"/>
+              </a:effectRef>
+              <a:fontRef idx="minor">
+                <a:schemeClr val="dk1"/>
+              </a:fontRef>
+            </p:style>
+            <p:txBody>
+              <a:bodyPr rtlCol="0" anchor="ctr"/>
+              <a:lstStyle/>
+              <a:p>
+                <a:pPr algn="ctr"/>
+                <a:endParaRPr lang="en-US"/>
+              </a:p>
+            </p:txBody>
+          </p:sp>
+          <p:sp>
+            <p:nvSpPr>
+              <p:cNvPr id="27" name="Rectangle 26">
+                <a:extLst>
+                  <a:ext uri="{FF2B5EF4-FFF2-40B4-BE49-F238E27FC236}">
+                    <a16:creationId xmlns:a16="http://schemas.microsoft.com/office/drawing/2014/main" id="{95E35A2A-1E68-40AA-A262-352C37A4C62D}"/>
+                  </a:ext>
+                </a:extLst>
+              </p:cNvPr>
+              <p:cNvSpPr/>
+              <p:nvPr/>
+            </p:nvSpPr>
+            <p:spPr>
+              <a:xfrm>
+                <a:off x="6182384" y="1835821"/>
+                <a:ext cx="210691" cy="366603"/>
+              </a:xfrm>
+              <a:prstGeom prst="rect">
+                <a:avLst/>
+              </a:prstGeom>
+            </p:spPr>
+            <p:style>
+              <a:lnRef idx="2">
+                <a:schemeClr val="accent5"/>
+              </a:lnRef>
+              <a:fillRef idx="1">
+                <a:schemeClr val="lt1"/>
+              </a:fillRef>
+              <a:effectRef idx="0">
+                <a:schemeClr val="accent5"/>
+              </a:effectRef>
+              <a:fontRef idx="minor">
+                <a:schemeClr val="dk1"/>
+              </a:fontRef>
+            </p:style>
+            <p:txBody>
+              <a:bodyPr rtlCol="0" anchor="ctr"/>
+              <a:lstStyle/>
+              <a:p>
+                <a:pPr algn="ctr"/>
+                <a:endParaRPr lang="en-US"/>
+              </a:p>
+            </p:txBody>
+          </p:sp>
+          <p:sp>
+            <p:nvSpPr>
+              <p:cNvPr id="28" name="Rectangle 27">
+                <a:extLst>
+                  <a:ext uri="{FF2B5EF4-FFF2-40B4-BE49-F238E27FC236}">
+                    <a16:creationId xmlns:a16="http://schemas.microsoft.com/office/drawing/2014/main" id="{0694B83D-FCC6-4853-8DE8-6FEB1C9A3BE1}"/>
+                  </a:ext>
+                </a:extLst>
+              </p:cNvPr>
+              <p:cNvSpPr/>
+              <p:nvPr/>
+            </p:nvSpPr>
+            <p:spPr>
+              <a:xfrm>
+                <a:off x="6435916" y="1835820"/>
+                <a:ext cx="210691" cy="366603"/>
+              </a:xfrm>
+              <a:prstGeom prst="rect">
+                <a:avLst/>
+              </a:prstGeom>
+            </p:spPr>
+            <p:style>
+              <a:lnRef idx="2">
+                <a:schemeClr val="accent5"/>
+              </a:lnRef>
+              <a:fillRef idx="1">
+                <a:schemeClr val="lt1"/>
+              </a:fillRef>
+              <a:effectRef idx="0">
+                <a:schemeClr val="accent5"/>
+              </a:effectRef>
+              <a:fontRef idx="minor">
+                <a:schemeClr val="dk1"/>
+              </a:fontRef>
+            </p:style>
+            <p:txBody>
+              <a:bodyPr rtlCol="0" anchor="ctr"/>
+              <a:lstStyle/>
+              <a:p>
+                <a:pPr algn="ctr"/>
+                <a:endParaRPr lang="en-US"/>
+              </a:p>
+            </p:txBody>
+          </p:sp>
+          <p:sp>
+            <p:nvSpPr>
+              <p:cNvPr id="29" name="Arrow: Right 28">
+                <a:extLst>
+                  <a:ext uri="{FF2B5EF4-FFF2-40B4-BE49-F238E27FC236}">
+                    <a16:creationId xmlns:a16="http://schemas.microsoft.com/office/drawing/2014/main" id="{59ABF0CF-324D-46D2-B6D0-F2265E016943}"/>
+                  </a:ext>
+                </a:extLst>
+              </p:cNvPr>
+              <p:cNvSpPr/>
+              <p:nvPr/>
+            </p:nvSpPr>
+            <p:spPr>
+              <a:xfrm>
+                <a:off x="6702090" y="1966098"/>
+                <a:ext cx="632074" cy="106045"/>
+              </a:xfrm>
+              <a:prstGeom prst="rightArrow">
+                <a:avLst/>
+              </a:prstGeom>
+            </p:spPr>
+            <p:style>
+              <a:lnRef idx="2">
+                <a:schemeClr val="dk1">
+                  <a:shade val="50000"/>
+                </a:schemeClr>
+              </a:lnRef>
+              <a:fillRef idx="1">
+                <a:schemeClr val="dk1"/>
+              </a:fillRef>
+              <a:effectRef idx="0">
+                <a:schemeClr val="dk1"/>
+              </a:effectRef>
+              <a:fontRef idx="minor">
+                <a:schemeClr val="lt1"/>
+              </a:fontRef>
+            </p:style>
+            <p:txBody>
+              <a:bodyPr rtlCol="0" anchor="ctr"/>
+              <a:lstStyle/>
+              <a:p>
+                <a:pPr algn="ctr"/>
+                <a:endParaRPr lang="en-US"/>
+              </a:p>
+            </p:txBody>
+          </p:sp>
+          <p:sp>
+            <p:nvSpPr>
+              <p:cNvPr id="30" name="Rectangle 29">
+                <a:extLst>
+                  <a:ext uri="{FF2B5EF4-FFF2-40B4-BE49-F238E27FC236}">
+                    <a16:creationId xmlns:a16="http://schemas.microsoft.com/office/drawing/2014/main" id="{686AB905-B34B-4659-B10D-B3FF02470C64}"/>
+                  </a:ext>
+                </a:extLst>
+              </p:cNvPr>
+              <p:cNvSpPr/>
+              <p:nvPr/>
+            </p:nvSpPr>
+            <p:spPr>
+              <a:xfrm>
+                <a:off x="5874072" y="1759973"/>
+                <a:ext cx="1567543" cy="518300"/>
+              </a:xfrm>
+              <a:prstGeom prst="rect">
+                <a:avLst/>
+              </a:prstGeom>
+              <a:noFill/>
+            </p:spPr>
+            <p:style>
+              <a:lnRef idx="2">
+                <a:schemeClr val="accent5"/>
+              </a:lnRef>
+              <a:fillRef idx="1">
+                <a:schemeClr val="lt1"/>
+              </a:fillRef>
+              <a:effectRef idx="0">
+                <a:schemeClr val="accent5"/>
+              </a:effectRef>
+              <a:fontRef idx="minor">
+                <a:schemeClr val="dk1"/>
+              </a:fontRef>
+            </p:style>
+            <p:txBody>
+              <a:bodyPr rtlCol="0" anchor="ctr"/>
+              <a:lstStyle/>
+              <a:p>
+                <a:pPr algn="ctr"/>
+                <a:endParaRPr lang="en-US"/>
+              </a:p>
+            </p:txBody>
+          </p:sp>
+        </p:grpSp>
+        <p:sp>
+          <p:nvSpPr>
+            <p:cNvPr id="25" name="TextBox 24">
+              <a:extLst>
+                <a:ext uri="{FF2B5EF4-FFF2-40B4-BE49-F238E27FC236}">
+                  <a16:creationId xmlns:a16="http://schemas.microsoft.com/office/drawing/2014/main" id="{13C713AA-9D63-4E79-BDCA-9D0B099101A8}"/>
+                </a:ext>
+              </a:extLst>
+            </p:cNvPr>
+            <p:cNvSpPr txBox="1"/>
+            <p:nvPr/>
+          </p:nvSpPr>
+          <p:spPr>
+            <a:xfrm>
+              <a:off x="5223304" y="2577041"/>
+              <a:ext cx="198780" cy="307777"/>
+            </a:xfrm>
+            <a:prstGeom prst="rect">
+              <a:avLst/>
+            </a:prstGeom>
+            <a:noFill/>
+          </p:spPr>
+          <p:txBody>
+            <a:bodyPr wrap="square" rtlCol="0">
+              <a:spAutoFit/>
+            </a:bodyPr>
+            <a:lstStyle/>
+            <a:p>
+              <a:r>
+                <a:rPr lang="en-US" sz="1400" dirty="0"/>
+                <a:t>2</a:t>
+              </a:r>
+            </a:p>
+          </p:txBody>
+        </p:sp>
+      </p:grpSp>
+      <p:cxnSp>
+        <p:nvCxnSpPr>
+          <p:cNvPr id="31" name="Connector: Curved 30">
+            <a:extLst>
+              <a:ext uri="{FF2B5EF4-FFF2-40B4-BE49-F238E27FC236}">
+                <a16:creationId xmlns:a16="http://schemas.microsoft.com/office/drawing/2014/main" id="{EB003CAD-728B-40E8-ABD4-4FEDF57F4386}"/>
+              </a:ext>
+            </a:extLst>
+          </p:cNvPr>
+          <p:cNvCxnSpPr>
+            <a:cxnSpLocks/>
+            <a:stCxn id="30" idx="3"/>
+            <a:endCxn id="10" idx="1"/>
+          </p:cNvCxnSpPr>
+          <p:nvPr/>
+        </p:nvCxnSpPr>
+        <p:spPr>
+          <a:xfrm flipV="1">
+            <a:off x="4131934" y="2881630"/>
+            <a:ext cx="623997" cy="970349"/>
+          </a:xfrm>
+          <a:prstGeom prst="curvedConnector3">
+            <a:avLst>
+              <a:gd name="adj1" fmla="val 50000"/>
+            </a:avLst>
+          </a:prstGeom>
+          <a:ln w="12700">
+            <a:tailEnd type="triangle"/>
+          </a:ln>
+        </p:spPr>
+        <p:style>
+          <a:lnRef idx="1">
+            <a:schemeClr val="accent6"/>
+          </a:lnRef>
+          <a:fillRef idx="0">
+            <a:schemeClr val="accent6"/>
+          </a:fillRef>
+          <a:effectRef idx="0">
+            <a:schemeClr val="accent6"/>
+          </a:effectRef>
+          <a:fontRef idx="minor">
+            <a:schemeClr val="tx1"/>
+          </a:fontRef>
+        </p:style>
+      </p:cxnSp>
+      <p:grpSp>
+        <p:nvGrpSpPr>
+          <p:cNvPr id="32" name="Group 31">
+            <a:extLst>
+              <a:ext uri="{FF2B5EF4-FFF2-40B4-BE49-F238E27FC236}">
+                <a16:creationId xmlns:a16="http://schemas.microsoft.com/office/drawing/2014/main" id="{32116FC5-FDC7-4C69-B4BD-200531CF8B0E}"/>
+              </a:ext>
+            </a:extLst>
+          </p:cNvPr>
+          <p:cNvGrpSpPr/>
+          <p:nvPr/>
+        </p:nvGrpSpPr>
+        <p:grpSpPr>
+          <a:xfrm>
+            <a:off x="4908331" y="4864928"/>
+            <a:ext cx="1567543" cy="518300"/>
+            <a:chOff x="5874072" y="1759973"/>
+            <a:chExt cx="1567543" cy="518300"/>
+          </a:xfrm>
+        </p:grpSpPr>
+        <p:sp>
+          <p:nvSpPr>
+            <p:cNvPr id="33" name="Rectangle 32">
+              <a:extLst>
+                <a:ext uri="{FF2B5EF4-FFF2-40B4-BE49-F238E27FC236}">
+                  <a16:creationId xmlns:a16="http://schemas.microsoft.com/office/drawing/2014/main" id="{146ECD94-BD95-4018-85AB-2DD40A71D6CA}"/>
+                </a:ext>
+              </a:extLst>
+            </p:cNvPr>
+            <p:cNvSpPr/>
+            <p:nvPr/>
+          </p:nvSpPr>
+          <p:spPr>
+            <a:xfrm>
+              <a:off x="5928852" y="1835821"/>
+              <a:ext cx="210691" cy="366603"/>
+            </a:xfrm>
+            <a:prstGeom prst="rect">
+              <a:avLst/>
+            </a:prstGeom>
+          </p:spPr>
+          <p:style>
+            <a:lnRef idx="2">
+              <a:schemeClr val="accent5"/>
+            </a:lnRef>
+            <a:fillRef idx="1">
+              <a:schemeClr val="lt1"/>
+            </a:fillRef>
+            <a:effectRef idx="0">
+              <a:schemeClr val="accent5"/>
+            </a:effectRef>
+            <a:fontRef idx="minor">
+              <a:schemeClr val="dk1"/>
+            </a:fontRef>
+          </p:style>
+          <p:txBody>
+            <a:bodyPr rtlCol="0" anchor="ctr"/>
+            <a:lstStyle/>
+            <a:p>
+              <a:pPr algn="ctr"/>
+              <a:endParaRPr lang="en-US"/>
+            </a:p>
+          </p:txBody>
+        </p:sp>
+        <p:sp>
+          <p:nvSpPr>
+            <p:cNvPr id="34" name="Rectangle 33">
+              <a:extLst>
+                <a:ext uri="{FF2B5EF4-FFF2-40B4-BE49-F238E27FC236}">
+                  <a16:creationId xmlns:a16="http://schemas.microsoft.com/office/drawing/2014/main" id="{19D7BABC-B75E-4B81-8B5E-FA2D97E48F58}"/>
+                </a:ext>
+              </a:extLst>
+            </p:cNvPr>
+            <p:cNvSpPr/>
+            <p:nvPr/>
+          </p:nvSpPr>
+          <p:spPr>
+            <a:xfrm>
+              <a:off x="6182384" y="1835821"/>
+              <a:ext cx="210691" cy="366603"/>
+            </a:xfrm>
+            <a:prstGeom prst="rect">
+              <a:avLst/>
+            </a:prstGeom>
+          </p:spPr>
+          <p:style>
+            <a:lnRef idx="2">
+              <a:schemeClr val="accent5"/>
+            </a:lnRef>
+            <a:fillRef idx="1">
+              <a:schemeClr val="lt1"/>
+            </a:fillRef>
+            <a:effectRef idx="0">
+              <a:schemeClr val="accent5"/>
+            </a:effectRef>
+            <a:fontRef idx="minor">
+              <a:schemeClr val="dk1"/>
+            </a:fontRef>
+          </p:style>
+          <p:txBody>
+            <a:bodyPr rtlCol="0" anchor="ctr"/>
+            <a:lstStyle/>
+            <a:p>
+              <a:pPr algn="ctr"/>
+              <a:endParaRPr lang="en-US"/>
+            </a:p>
+          </p:txBody>
+        </p:sp>
+        <p:sp>
+          <p:nvSpPr>
+            <p:cNvPr id="35" name="Rectangle 34">
+              <a:extLst>
+                <a:ext uri="{FF2B5EF4-FFF2-40B4-BE49-F238E27FC236}">
+                  <a16:creationId xmlns:a16="http://schemas.microsoft.com/office/drawing/2014/main" id="{314AA1C8-4357-45DB-BB2D-B4A49752F79D}"/>
+                </a:ext>
+              </a:extLst>
+            </p:cNvPr>
+            <p:cNvSpPr/>
+            <p:nvPr/>
+          </p:nvSpPr>
+          <p:spPr>
+            <a:xfrm>
+              <a:off x="6435916" y="1835820"/>
+              <a:ext cx="210691" cy="366603"/>
+            </a:xfrm>
+            <a:prstGeom prst="rect">
+              <a:avLst/>
+            </a:prstGeom>
+          </p:spPr>
+          <p:style>
+            <a:lnRef idx="2">
+              <a:schemeClr val="accent5"/>
+            </a:lnRef>
+            <a:fillRef idx="1">
+              <a:schemeClr val="lt1"/>
+            </a:fillRef>
+            <a:effectRef idx="0">
+              <a:schemeClr val="accent5"/>
+            </a:effectRef>
+            <a:fontRef idx="minor">
+              <a:schemeClr val="dk1"/>
+            </a:fontRef>
+          </p:style>
+          <p:txBody>
+            <a:bodyPr rtlCol="0" anchor="ctr"/>
+            <a:lstStyle/>
+            <a:p>
+              <a:pPr algn="ctr"/>
+              <a:endParaRPr lang="en-US"/>
+            </a:p>
+          </p:txBody>
+        </p:sp>
+        <p:sp>
+          <p:nvSpPr>
+            <p:cNvPr id="36" name="Arrow: Right 35">
+              <a:extLst>
+                <a:ext uri="{FF2B5EF4-FFF2-40B4-BE49-F238E27FC236}">
+                  <a16:creationId xmlns:a16="http://schemas.microsoft.com/office/drawing/2014/main" id="{C726827A-DC35-49BA-A34F-4D4CBFC17D5C}"/>
+                </a:ext>
+              </a:extLst>
+            </p:cNvPr>
+            <p:cNvSpPr/>
+            <p:nvPr/>
+          </p:nvSpPr>
+          <p:spPr>
+            <a:xfrm>
+              <a:off x="6702090" y="1966098"/>
+              <a:ext cx="632074" cy="106045"/>
+            </a:xfrm>
+            <a:prstGeom prst="rightArrow">
+              <a:avLst/>
+            </a:prstGeom>
+          </p:spPr>
+          <p:style>
+            <a:lnRef idx="2">
+              <a:schemeClr val="dk1">
+                <a:shade val="50000"/>
+              </a:schemeClr>
+            </a:lnRef>
+            <a:fillRef idx="1">
+              <a:schemeClr val="dk1"/>
+            </a:fillRef>
+            <a:effectRef idx="0">
+              <a:schemeClr val="dk1"/>
+            </a:effectRef>
+            <a:fontRef idx="minor">
+              <a:schemeClr val="lt1"/>
+            </a:fontRef>
+          </p:style>
+          <p:txBody>
+            <a:bodyPr rtlCol="0" anchor="ctr"/>
+            <a:lstStyle/>
+            <a:p>
+              <a:pPr algn="ctr"/>
+              <a:endParaRPr lang="en-US"/>
+            </a:p>
+          </p:txBody>
+        </p:sp>
+        <p:sp>
+          <p:nvSpPr>
+            <p:cNvPr id="37" name="Rectangle 36">
+              <a:extLst>
+                <a:ext uri="{FF2B5EF4-FFF2-40B4-BE49-F238E27FC236}">
+                  <a16:creationId xmlns:a16="http://schemas.microsoft.com/office/drawing/2014/main" id="{3391EA38-6111-48C8-B7C3-7EAFEE223806}"/>
+                </a:ext>
+              </a:extLst>
+            </p:cNvPr>
+            <p:cNvSpPr/>
+            <p:nvPr/>
+          </p:nvSpPr>
+          <p:spPr>
+            <a:xfrm>
+              <a:off x="5874072" y="1759973"/>
+              <a:ext cx="1567543" cy="518300"/>
+            </a:xfrm>
+            <a:prstGeom prst="rect">
+              <a:avLst/>
+            </a:prstGeom>
+            <a:noFill/>
+          </p:spPr>
+          <p:style>
+            <a:lnRef idx="2">
+              <a:schemeClr val="accent5"/>
+            </a:lnRef>
+            <a:fillRef idx="1">
+              <a:schemeClr val="lt1"/>
+            </a:fillRef>
+            <a:effectRef idx="0">
+              <a:schemeClr val="accent5"/>
+            </a:effectRef>
+            <a:fontRef idx="minor">
+              <a:schemeClr val="dk1"/>
+            </a:fontRef>
+          </p:style>
+          <p:txBody>
+            <a:bodyPr rtlCol="0" anchor="ctr"/>
+            <a:lstStyle/>
+            <a:p>
+              <a:pPr algn="ctr"/>
+              <a:endParaRPr lang="en-US"/>
+            </a:p>
+          </p:txBody>
+        </p:sp>
+      </p:grpSp>
+      <p:cxnSp>
+        <p:nvCxnSpPr>
+          <p:cNvPr id="38" name="Connector: Curved 37">
+            <a:extLst>
+              <a:ext uri="{FF2B5EF4-FFF2-40B4-BE49-F238E27FC236}">
+                <a16:creationId xmlns:a16="http://schemas.microsoft.com/office/drawing/2014/main" id="{4D96A4EC-939A-4776-8ABD-1427A915A58C}"/>
+              </a:ext>
+            </a:extLst>
+          </p:cNvPr>
+          <p:cNvCxnSpPr>
+            <a:cxnSpLocks/>
+            <a:stCxn id="30" idx="3"/>
+            <a:endCxn id="37" idx="1"/>
+          </p:cNvCxnSpPr>
+          <p:nvPr/>
+        </p:nvCxnSpPr>
+        <p:spPr>
+          <a:xfrm>
+            <a:off x="4131934" y="3851979"/>
+            <a:ext cx="776397" cy="1272099"/>
+          </a:xfrm>
+          <a:prstGeom prst="curvedConnector3">
+            <a:avLst>
+              <a:gd name="adj1" fmla="val 50000"/>
+            </a:avLst>
+          </a:prstGeom>
+          <a:ln w="12700">
+            <a:tailEnd type="triangle"/>
+          </a:ln>
+        </p:spPr>
+        <p:style>
+          <a:lnRef idx="1">
+            <a:schemeClr val="accent6"/>
+          </a:lnRef>
+          <a:fillRef idx="0">
+            <a:schemeClr val="accent6"/>
+          </a:fillRef>
+          <a:effectRef idx="0">
+            <a:schemeClr val="accent6"/>
+          </a:effectRef>
+          <a:fontRef idx="minor">
+            <a:schemeClr val="tx1"/>
+          </a:fontRef>
+        </p:style>
+      </p:cxnSp>
+      <p:sp>
+        <p:nvSpPr>
+          <p:cNvPr id="40" name="TextBox 39">
+            <a:extLst>
+              <a:ext uri="{FF2B5EF4-FFF2-40B4-BE49-F238E27FC236}">
+                <a16:creationId xmlns:a16="http://schemas.microsoft.com/office/drawing/2014/main" id="{99985F94-4CDB-4728-95EE-DD9F03D7D41F}"/>
+              </a:ext>
+            </a:extLst>
+          </p:cNvPr>
+          <p:cNvSpPr txBox="1"/>
+          <p:nvPr/>
+        </p:nvSpPr>
+        <p:spPr>
+          <a:xfrm>
+            <a:off x="6090310" y="2591698"/>
+            <a:ext cx="198780" cy="307777"/>
+          </a:xfrm>
+          <a:prstGeom prst="rect">
+            <a:avLst/>
+          </a:prstGeom>
+          <a:noFill/>
+        </p:spPr>
+        <p:txBody>
+          <a:bodyPr wrap="square" rtlCol="0">
+            <a:spAutoFit/>
+          </a:bodyPr>
+          <a:lstStyle/>
+          <a:p>
+            <a:r>
+              <a:rPr lang="en-US" sz="1400" dirty="0"/>
+              <a:t>3</a:t>
+            </a:r>
+          </a:p>
+        </p:txBody>
+      </p:sp>
+      <p:sp>
+        <p:nvSpPr>
+          <p:cNvPr id="41" name="TextBox 40">
+            <a:extLst>
+              <a:ext uri="{FF2B5EF4-FFF2-40B4-BE49-F238E27FC236}">
+                <a16:creationId xmlns:a16="http://schemas.microsoft.com/office/drawing/2014/main" id="{DCCF9955-1FFA-4E32-91AE-973F04FA87D8}"/>
+              </a:ext>
+            </a:extLst>
+          </p:cNvPr>
+          <p:cNvSpPr txBox="1"/>
+          <p:nvPr/>
+        </p:nvSpPr>
+        <p:spPr>
+          <a:xfrm>
+            <a:off x="6225126" y="4812274"/>
+            <a:ext cx="198780" cy="307777"/>
+          </a:xfrm>
+          <a:prstGeom prst="rect">
+            <a:avLst/>
+          </a:prstGeom>
+          <a:noFill/>
+        </p:spPr>
+        <p:txBody>
+          <a:bodyPr wrap="square" rtlCol="0">
+            <a:spAutoFit/>
+          </a:bodyPr>
+          <a:lstStyle/>
+          <a:p>
+            <a:r>
+              <a:rPr lang="en-US" sz="1400" dirty="0"/>
+              <a:t>4</a:t>
+            </a:r>
+          </a:p>
+        </p:txBody>
+      </p:sp>
+      <p:sp>
+        <p:nvSpPr>
+          <p:cNvPr id="42" name="TextBox 41">
+            <a:extLst>
+              <a:ext uri="{FF2B5EF4-FFF2-40B4-BE49-F238E27FC236}">
+                <a16:creationId xmlns:a16="http://schemas.microsoft.com/office/drawing/2014/main" id="{128B6A34-AE49-4367-96DE-D6D9C1368CFA}"/>
+              </a:ext>
+            </a:extLst>
+          </p:cNvPr>
+          <p:cNvSpPr txBox="1"/>
+          <p:nvPr/>
+        </p:nvSpPr>
+        <p:spPr>
+          <a:xfrm>
+            <a:off x="8284605" y="825910"/>
+            <a:ext cx="2943005" cy="369332"/>
+          </a:xfrm>
+          <a:prstGeom prst="rect">
+            <a:avLst/>
+          </a:prstGeom>
+          <a:noFill/>
+        </p:spPr>
+        <p:txBody>
+          <a:bodyPr wrap="square" rtlCol="0">
+            <a:spAutoFit/>
+          </a:bodyPr>
+          <a:lstStyle/>
+          <a:p>
+            <a:r>
+              <a:rPr lang="en-US" dirty="0"/>
+              <a:t>Delay in the </a:t>
+            </a:r>
+            <a:r>
+              <a:rPr lang="en-US" dirty="0" err="1"/>
+              <a:t>bluebox</a:t>
+            </a:r>
+            <a:r>
+              <a:rPr lang="en-US" dirty="0"/>
+              <a:t> only.</a:t>
+            </a:r>
+          </a:p>
+        </p:txBody>
+      </p:sp>
+    </p:spTree>
+    <p:extLst>
+      <p:ext uri="{BB962C8B-B14F-4D97-AF65-F5344CB8AC3E}">
+        <p14:creationId xmlns:p14="http://schemas.microsoft.com/office/powerpoint/2010/main" val="1755723655"/>
+      </p:ext>
+    </p:extLst>
+  </p:cSld>
+  <p:clrMapOvr>
+    <a:masterClrMapping/>
+  </p:clrMapOvr>
+</p:sld>
+</file>
+
+<file path=ppt/slides/slide8.xml><?xml version="1.0" encoding="utf-8"?>
+<p:sld xmlns:a="http://schemas.openxmlformats.org/drawingml/2006/main" xmlns:r="http://schemas.openxmlformats.org/officeDocument/2006/relationships" xmlns:p="http://schemas.openxmlformats.org/presentationml/2006/main">
+  <p:cSld>
+    <p:spTree>
+      <p:nvGrpSpPr>
+        <p:cNvPr id="1" name=""/>
+        <p:cNvGrpSpPr/>
+        <p:nvPr/>
+      </p:nvGrpSpPr>
+      <p:grpSpPr>
+        <a:xfrm>
+          <a:off x="0" y="0"/>
+          <a:ext cx="0" cy="0"/>
+          <a:chOff x="0" y="0"/>
+          <a:chExt cx="0" cy="0"/>
+        </a:xfrm>
+      </p:grpSpPr>
+      <p:sp>
+        <p:nvSpPr>
+          <p:cNvPr id="2" name="Title 1">
+            <a:extLst>
+              <a:ext uri="{FF2B5EF4-FFF2-40B4-BE49-F238E27FC236}">
+                <a16:creationId xmlns:a16="http://schemas.microsoft.com/office/drawing/2014/main" id="{9C72146F-15E0-41BC-8272-7CBB629CB7C1}"/>
+              </a:ext>
+            </a:extLst>
+          </p:cNvPr>
+          <p:cNvSpPr>
+            <a:spLocks noGrp="1"/>
+          </p:cNvSpPr>
+          <p:nvPr>
+            <p:ph type="title"/>
+          </p:nvPr>
+        </p:nvSpPr>
+        <p:spPr/>
+        <p:txBody>
+          <a:bodyPr/>
+          <a:lstStyle/>
+          <a:p>
+            <a:r>
+              <a:rPr lang="en-US" dirty="0"/>
+              <a:t>Modeling Transmission delay between two nodes</a:t>
+            </a:r>
+          </a:p>
+        </p:txBody>
+      </p:sp>
+      <p:sp>
+        <p:nvSpPr>
+          <p:cNvPr id="3" name="Content Placeholder 2">
+            <a:extLst>
+              <a:ext uri="{FF2B5EF4-FFF2-40B4-BE49-F238E27FC236}">
+                <a16:creationId xmlns:a16="http://schemas.microsoft.com/office/drawing/2014/main" id="{43A27DFC-E2BF-44EE-87F2-EA9BE1C9FF05}"/>
+              </a:ext>
+            </a:extLst>
+          </p:cNvPr>
+          <p:cNvSpPr>
+            <a:spLocks noGrp="1"/>
+          </p:cNvSpPr>
+          <p:nvPr>
+            <p:ph idx="1"/>
+          </p:nvPr>
+        </p:nvSpPr>
+        <p:spPr/>
+        <p:txBody>
+          <a:bodyPr/>
+          <a:lstStyle/>
+          <a:p>
+            <a:r>
+              <a:rPr lang="en-US" dirty="0"/>
+              <a:t>Two nodes connected with a wire has transmission delay</a:t>
+            </a:r>
+          </a:p>
+          <a:p>
+            <a:r>
+              <a:rPr lang="en-US" dirty="0"/>
+              <a:t>Network object creates channels between nodes and sets the delays. The </a:t>
+            </a:r>
+            <a:r>
+              <a:rPr lang="en-US" dirty="0" err="1"/>
+              <a:t>getDelay</a:t>
+            </a:r>
+            <a:r>
+              <a:rPr lang="en-US" dirty="0"/>
+              <a:t>(</a:t>
+            </a:r>
+            <a:r>
+              <a:rPr lang="en-US" dirty="0" err="1"/>
+              <a:t>fromNode</a:t>
+            </a:r>
+            <a:r>
+              <a:rPr lang="en-US" dirty="0"/>
+              <a:t>, </a:t>
+            </a:r>
+            <a:r>
+              <a:rPr lang="en-US" dirty="0" err="1"/>
+              <a:t>toNode</a:t>
+            </a:r>
+            <a:r>
+              <a:rPr lang="en-US" dirty="0"/>
+              <a:t>) is useful in determining the delay from one node to another.</a:t>
+            </a:r>
+          </a:p>
+          <a:p>
+            <a:endParaRPr lang="en-US" dirty="0"/>
+          </a:p>
+        </p:txBody>
+      </p:sp>
+    </p:spTree>
+    <p:extLst>
+      <p:ext uri="{BB962C8B-B14F-4D97-AF65-F5344CB8AC3E}">
+        <p14:creationId xmlns:p14="http://schemas.microsoft.com/office/powerpoint/2010/main" val="3312011563"/>
+      </p:ext>
+    </p:extLst>
+  </p:cSld>
+  <p:clrMapOvr>
+    <a:masterClrMapping/>
+  </p:clrMapOvr>
+</p:sld>
+</file>
+
+<file path=ppt/slides/slide9.xml><?xml version="1.0" encoding="utf-8"?>
+<p:sld xmlns:a="http://schemas.openxmlformats.org/drawingml/2006/main" xmlns:r="http://schemas.openxmlformats.org/officeDocument/2006/relationships" xmlns:p="http://schemas.openxmlformats.org/presentationml/2006/main">
+  <p:cSld>
+    <p:spTree>
+      <p:nvGrpSpPr>
+        <p:cNvPr id="1" name=""/>
+        <p:cNvGrpSpPr/>
+        <p:nvPr/>
+      </p:nvGrpSpPr>
+      <p:grpSpPr>
+        <a:xfrm>
+          <a:off x="0" y="0"/>
+          <a:ext cx="0" cy="0"/>
+          <a:chOff x="0" y="0"/>
+          <a:chExt cx="0" cy="0"/>
+        </a:xfrm>
+      </p:grpSpPr>
+      <p:sp>
+        <p:nvSpPr>
+          <p:cNvPr id="2" name="Title 1">
+            <a:extLst>
+              <a:ext uri="{FF2B5EF4-FFF2-40B4-BE49-F238E27FC236}">
+                <a16:creationId xmlns:a16="http://schemas.microsoft.com/office/drawing/2014/main" id="{00CF7D8A-23A6-4D4E-B56E-3F49C903EF31}"/>
+              </a:ext>
+            </a:extLst>
+          </p:cNvPr>
+          <p:cNvSpPr>
+            <a:spLocks noGrp="1"/>
+          </p:cNvSpPr>
+          <p:nvPr>
+            <p:ph type="title"/>
+          </p:nvPr>
+        </p:nvSpPr>
+        <p:spPr/>
+        <p:txBody>
+          <a:bodyPr/>
+          <a:lstStyle/>
+          <a:p>
+            <a:r>
+              <a:rPr lang="en-US" dirty="0"/>
+              <a:t>Path mechanism</a:t>
+            </a:r>
+          </a:p>
+        </p:txBody>
+      </p:sp>
+      <p:sp>
+        <p:nvSpPr>
+          <p:cNvPr id="3" name="Content Placeholder 2">
+            <a:extLst>
+              <a:ext uri="{FF2B5EF4-FFF2-40B4-BE49-F238E27FC236}">
+                <a16:creationId xmlns:a16="http://schemas.microsoft.com/office/drawing/2014/main" id="{BFFACA6A-87F2-42BE-82F0-85F06ACEE3F1}"/>
+              </a:ext>
+            </a:extLst>
+          </p:cNvPr>
+          <p:cNvSpPr>
+            <a:spLocks noGrp="1"/>
+          </p:cNvSpPr>
+          <p:nvPr>
+            <p:ph idx="1"/>
+          </p:nvPr>
+        </p:nvSpPr>
+        <p:spPr>
+          <a:xfrm>
+            <a:off x="838200" y="1825625"/>
+            <a:ext cx="9559315" cy="4090725"/>
+          </a:xfrm>
+        </p:spPr>
+        <p:txBody>
+          <a:bodyPr>
+            <a:normAutofit fontScale="92500" lnSpcReduction="10000"/>
+          </a:bodyPr>
+          <a:lstStyle/>
+          <a:p>
+            <a:r>
+              <a:rPr lang="en-US" dirty="0"/>
+              <a:t>When a node receives some data, the delivery rate, the channel, and the queue all together works. First, the data is push to the queue, then delivery rate decides packets it can process. Next, for each outgoing packet, it removes the packet from the queue, adds a delay to the packet and schedules delivery to the next node (found from the path), and puts into the channel/pipe.</a:t>
+            </a:r>
+          </a:p>
+          <a:p>
+            <a:r>
+              <a:rPr lang="en-US" dirty="0"/>
+              <a:t>Path has a client, and nodes. The last node acts as the server. Server has no running thread. When it receives packets, it immediately acknowledges the packets.</a:t>
+            </a:r>
+          </a:p>
+          <a:p>
+            <a:r>
+              <a:rPr lang="en-US" dirty="0"/>
+              <a:t>Every packet has a reference to the Path object. This is useful for a node to identify next destination node for the packet.</a:t>
+            </a:r>
+          </a:p>
+        </p:txBody>
+      </p:sp>
+    </p:spTree>
+    <p:extLst>
+      <p:ext uri="{BB962C8B-B14F-4D97-AF65-F5344CB8AC3E}">
+        <p14:creationId xmlns:p14="http://schemas.microsoft.com/office/powerpoint/2010/main" val="2893547608"/>
       </p:ext>
     </p:extLst>
   </p:cSld>
